--- a/aws_sra_examples/solutions/guardduty/guardduty_org/documentation/guardduty-org.pptx
+++ b/aws_sra_examples/solutions/guardduty/guardduty_org/documentation/guardduty-org.pptx
@@ -197,7 +197,7 @@
           <a:p>
             <a:fld id="{FD8D84E3-00BA-4A46-8256-7E527D8B4480}" type="datetimeFigureOut">
               <a:rPr lang="en-US" smtClean="0"/>
-              <a:t>11/16/21</a:t>
+              <a:t>12/5/21</a:t>
             </a:fld>
             <a:endParaRPr lang="en-US"/>
           </a:p>
@@ -695,7 +695,7 @@
           <a:p>
             <a:fld id="{9FE185F7-9B28-9F45-9F43-9CB5A0B99390}" type="datetimeFigureOut">
               <a:rPr lang="en-US" smtClean="0"/>
-              <a:t>11/16/21</a:t>
+              <a:t>12/5/21</a:t>
             </a:fld>
             <a:endParaRPr lang="en-US"/>
           </a:p>
@@ -893,7 +893,7 @@
           <a:p>
             <a:fld id="{9FE185F7-9B28-9F45-9F43-9CB5A0B99390}" type="datetimeFigureOut">
               <a:rPr lang="en-US" smtClean="0"/>
-              <a:t>11/16/21</a:t>
+              <a:t>12/5/21</a:t>
             </a:fld>
             <a:endParaRPr lang="en-US"/>
           </a:p>
@@ -1101,7 +1101,7 @@
           <a:p>
             <a:fld id="{9FE185F7-9B28-9F45-9F43-9CB5A0B99390}" type="datetimeFigureOut">
               <a:rPr lang="en-US" smtClean="0"/>
-              <a:t>11/16/21</a:t>
+              <a:t>12/5/21</a:t>
             </a:fld>
             <a:endParaRPr lang="en-US"/>
           </a:p>
@@ -1299,7 +1299,7 @@
           <a:p>
             <a:fld id="{9FE185F7-9B28-9F45-9F43-9CB5A0B99390}" type="datetimeFigureOut">
               <a:rPr lang="en-US" smtClean="0"/>
-              <a:t>11/16/21</a:t>
+              <a:t>12/5/21</a:t>
             </a:fld>
             <a:endParaRPr lang="en-US"/>
           </a:p>
@@ -1574,7 +1574,7 @@
           <a:p>
             <a:fld id="{9FE185F7-9B28-9F45-9F43-9CB5A0B99390}" type="datetimeFigureOut">
               <a:rPr lang="en-US" smtClean="0"/>
-              <a:t>11/16/21</a:t>
+              <a:t>12/5/21</a:t>
             </a:fld>
             <a:endParaRPr lang="en-US"/>
           </a:p>
@@ -1839,7 +1839,7 @@
           <a:p>
             <a:fld id="{9FE185F7-9B28-9F45-9F43-9CB5A0B99390}" type="datetimeFigureOut">
               <a:rPr lang="en-US" smtClean="0"/>
-              <a:t>11/16/21</a:t>
+              <a:t>12/5/21</a:t>
             </a:fld>
             <a:endParaRPr lang="en-US"/>
           </a:p>
@@ -2251,7 +2251,7 @@
           <a:p>
             <a:fld id="{9FE185F7-9B28-9F45-9F43-9CB5A0B99390}" type="datetimeFigureOut">
               <a:rPr lang="en-US" smtClean="0"/>
-              <a:t>11/16/21</a:t>
+              <a:t>12/5/21</a:t>
             </a:fld>
             <a:endParaRPr lang="en-US"/>
           </a:p>
@@ -2392,7 +2392,7 @@
           <a:p>
             <a:fld id="{9FE185F7-9B28-9F45-9F43-9CB5A0B99390}" type="datetimeFigureOut">
               <a:rPr lang="en-US" smtClean="0"/>
-              <a:t>11/16/21</a:t>
+              <a:t>12/5/21</a:t>
             </a:fld>
             <a:endParaRPr lang="en-US"/>
           </a:p>
@@ -2505,7 +2505,7 @@
           <a:p>
             <a:fld id="{9FE185F7-9B28-9F45-9F43-9CB5A0B99390}" type="datetimeFigureOut">
               <a:rPr lang="en-US" smtClean="0"/>
-              <a:t>11/16/21</a:t>
+              <a:t>12/5/21</a:t>
             </a:fld>
             <a:endParaRPr lang="en-US"/>
           </a:p>
@@ -2816,7 +2816,7 @@
           <a:p>
             <a:fld id="{9FE185F7-9B28-9F45-9F43-9CB5A0B99390}" type="datetimeFigureOut">
               <a:rPr lang="en-US" smtClean="0"/>
-              <a:t>11/16/21</a:t>
+              <a:t>12/5/21</a:t>
             </a:fld>
             <a:endParaRPr lang="en-US"/>
           </a:p>
@@ -3104,7 +3104,7 @@
           <a:p>
             <a:fld id="{9FE185F7-9B28-9F45-9F43-9CB5A0B99390}" type="datetimeFigureOut">
               <a:rPr lang="en-US" smtClean="0"/>
-              <a:t>11/16/21</a:t>
+              <a:t>12/5/21</a:t>
             </a:fld>
             <a:endParaRPr lang="en-US"/>
           </a:p>
@@ -3345,7 +3345,7 @@
           <a:p>
             <a:fld id="{9FE185F7-9B28-9F45-9F43-9CB5A0B99390}" type="datetimeFigureOut">
               <a:rPr lang="en-US" smtClean="0"/>
-              <a:t>11/16/21</a:t>
+              <a:t>12/5/21</a:t>
             </a:fld>
             <a:endParaRPr lang="en-US"/>
           </a:p>
@@ -3782,7 +3782,9 @@
           <a:prstGeom prst="rect">
             <a:avLst/>
           </a:prstGeom>
-          <a:noFill/>
+          <a:solidFill>
+            <a:schemeClr val="bg1"/>
+          </a:solidFill>
           <a:ln w="12700">
             <a:solidFill>
               <a:schemeClr val="tx1"/>
@@ -4110,7 +4112,7 @@
                 <a:latin typeface="Arial" panose="020B0604020202020204" pitchFamily="34" charset="0"/>
                 <a:cs typeface="Arial" panose="020B0604020202020204" pitchFamily="34" charset="0"/>
               </a:rPr>
-              <a:t>OU: Core</a:t>
+              <a:t>OU: Security</a:t>
             </a:r>
           </a:p>
         </p:txBody>
@@ -6323,7 +6325,7 @@
                 <a:latin typeface="Arial" panose="020B0604020202020204" pitchFamily="34" charset="0"/>
                 <a:cs typeface="Arial" panose="020B0604020202020204" pitchFamily="34" charset="0"/>
               </a:rPr>
-              <a:t>OU: Core</a:t>
+              <a:t>OU: Security</a:t>
             </a:r>
           </a:p>
         </p:txBody>

--- a/aws_sra_examples/solutions/guardduty/guardduty_org/documentation/guardduty-org.pptx
+++ b/aws_sra_examples/solutions/guardduty/guardduty_org/documentation/guardduty-org.pptx
@@ -197,7 +197,7 @@
           <a:p>
             <a:fld id="{FD8D84E3-00BA-4A46-8256-7E527D8B4480}" type="datetimeFigureOut">
               <a:rPr lang="en-US" smtClean="0"/>
-              <a:t>12/5/21</a:t>
+              <a:t>3/10/22</a:t>
             </a:fld>
             <a:endParaRPr lang="en-US"/>
           </a:p>
@@ -695,7 +695,7 @@
           <a:p>
             <a:fld id="{9FE185F7-9B28-9F45-9F43-9CB5A0B99390}" type="datetimeFigureOut">
               <a:rPr lang="en-US" smtClean="0"/>
-              <a:t>12/5/21</a:t>
+              <a:t>3/10/22</a:t>
             </a:fld>
             <a:endParaRPr lang="en-US"/>
           </a:p>
@@ -893,7 +893,7 @@
           <a:p>
             <a:fld id="{9FE185F7-9B28-9F45-9F43-9CB5A0B99390}" type="datetimeFigureOut">
               <a:rPr lang="en-US" smtClean="0"/>
-              <a:t>12/5/21</a:t>
+              <a:t>3/10/22</a:t>
             </a:fld>
             <a:endParaRPr lang="en-US"/>
           </a:p>
@@ -1101,7 +1101,7 @@
           <a:p>
             <a:fld id="{9FE185F7-9B28-9F45-9F43-9CB5A0B99390}" type="datetimeFigureOut">
               <a:rPr lang="en-US" smtClean="0"/>
-              <a:t>12/5/21</a:t>
+              <a:t>3/10/22</a:t>
             </a:fld>
             <a:endParaRPr lang="en-US"/>
           </a:p>
@@ -1299,7 +1299,7 @@
           <a:p>
             <a:fld id="{9FE185F7-9B28-9F45-9F43-9CB5A0B99390}" type="datetimeFigureOut">
               <a:rPr lang="en-US" smtClean="0"/>
-              <a:t>12/5/21</a:t>
+              <a:t>3/10/22</a:t>
             </a:fld>
             <a:endParaRPr lang="en-US"/>
           </a:p>
@@ -1574,7 +1574,7 @@
           <a:p>
             <a:fld id="{9FE185F7-9B28-9F45-9F43-9CB5A0B99390}" type="datetimeFigureOut">
               <a:rPr lang="en-US" smtClean="0"/>
-              <a:t>12/5/21</a:t>
+              <a:t>3/10/22</a:t>
             </a:fld>
             <a:endParaRPr lang="en-US"/>
           </a:p>
@@ -1839,7 +1839,7 @@
           <a:p>
             <a:fld id="{9FE185F7-9B28-9F45-9F43-9CB5A0B99390}" type="datetimeFigureOut">
               <a:rPr lang="en-US" smtClean="0"/>
-              <a:t>12/5/21</a:t>
+              <a:t>3/10/22</a:t>
             </a:fld>
             <a:endParaRPr lang="en-US"/>
           </a:p>
@@ -2251,7 +2251,7 @@
           <a:p>
             <a:fld id="{9FE185F7-9B28-9F45-9F43-9CB5A0B99390}" type="datetimeFigureOut">
               <a:rPr lang="en-US" smtClean="0"/>
-              <a:t>12/5/21</a:t>
+              <a:t>3/10/22</a:t>
             </a:fld>
             <a:endParaRPr lang="en-US"/>
           </a:p>
@@ -2392,7 +2392,7 @@
           <a:p>
             <a:fld id="{9FE185F7-9B28-9F45-9F43-9CB5A0B99390}" type="datetimeFigureOut">
               <a:rPr lang="en-US" smtClean="0"/>
-              <a:t>12/5/21</a:t>
+              <a:t>3/10/22</a:t>
             </a:fld>
             <a:endParaRPr lang="en-US"/>
           </a:p>
@@ -2505,7 +2505,7 @@
           <a:p>
             <a:fld id="{9FE185F7-9B28-9F45-9F43-9CB5A0B99390}" type="datetimeFigureOut">
               <a:rPr lang="en-US" smtClean="0"/>
-              <a:t>12/5/21</a:t>
+              <a:t>3/10/22</a:t>
             </a:fld>
             <a:endParaRPr lang="en-US"/>
           </a:p>
@@ -2816,7 +2816,7 @@
           <a:p>
             <a:fld id="{9FE185F7-9B28-9F45-9F43-9CB5A0B99390}" type="datetimeFigureOut">
               <a:rPr lang="en-US" smtClean="0"/>
-              <a:t>12/5/21</a:t>
+              <a:t>3/10/22</a:t>
             </a:fld>
             <a:endParaRPr lang="en-US"/>
           </a:p>
@@ -3104,7 +3104,7 @@
           <a:p>
             <a:fld id="{9FE185F7-9B28-9F45-9F43-9CB5A0B99390}" type="datetimeFigureOut">
               <a:rPr lang="en-US" smtClean="0"/>
-              <a:t>12/5/21</a:t>
+              <a:t>3/10/22</a:t>
             </a:fld>
             <a:endParaRPr lang="en-US"/>
           </a:p>
@@ -3345,7 +3345,7 @@
           <a:p>
             <a:fld id="{9FE185F7-9B28-9F45-9F43-9CB5A0B99390}" type="datetimeFigureOut">
               <a:rPr lang="en-US" smtClean="0"/>
-              <a:t>12/5/21</a:t>
+              <a:t>3/10/22</a:t>
             </a:fld>
             <a:endParaRPr lang="en-US"/>
           </a:p>
@@ -3748,6 +3748,17 @@
 <file path=ppt/slides/slide1.xml><?xml version="1.0" encoding="utf-8"?>
 <p:sld xmlns:a="http://schemas.openxmlformats.org/drawingml/2006/main" xmlns:r="http://schemas.openxmlformats.org/officeDocument/2006/relationships" xmlns:p="http://schemas.openxmlformats.org/presentationml/2006/main">
   <p:cSld>
+    <p:bg>
+      <p:bgPr>
+        <a:solidFill>
+          <a:schemeClr val="tx1">
+            <a:lumMod val="65000"/>
+            <a:lumOff val="35000"/>
+          </a:schemeClr>
+        </a:solidFill>
+        <a:effectLst/>
+      </p:bgPr>
+    </p:bg>
     <p:spTree>
       <p:nvGrpSpPr>
         <p:cNvPr id="1" name=""/>
@@ -3776,8 +3787,8 @@
         </p:nvSpPr>
         <p:spPr>
           <a:xfrm>
-            <a:off x="678235" y="245353"/>
-            <a:ext cx="10821052" cy="6502919"/>
+            <a:off x="1169153" y="172554"/>
+            <a:ext cx="9655464" cy="6512892"/>
           </a:xfrm>
           <a:prstGeom prst="rect">
             <a:avLst/>
@@ -3935,8 +3946,8 @@
         </p:nvSpPr>
         <p:spPr>
           <a:xfrm>
-            <a:off x="851281" y="641611"/>
-            <a:ext cx="5805330" cy="2969040"/>
+            <a:off x="1342199" y="587744"/>
+            <a:ext cx="6028838" cy="3523847"/>
           </a:xfrm>
           <a:prstGeom prst="rect">
             <a:avLst/>
@@ -3986,19 +3997,6 @@
               <a:t>Organization Management Account</a:t>
             </a:r>
           </a:p>
-          <a:p>
-            <a:pPr algn="ctr"/>
-            <a:r>
-              <a:rPr lang="en-US" sz="1400" dirty="0">
-                <a:solidFill>
-                  <a:schemeClr val="tx1"/>
-                </a:solidFill>
-                <a:latin typeface="Arial" panose="020B0604020202020204" pitchFamily="34" charset="0"/>
-                <a:cs typeface="Arial" panose="020B0604020202020204" pitchFamily="34" charset="0"/>
-              </a:rPr>
-              <a:t>OU: management</a:t>
-            </a:r>
-          </a:p>
         </p:txBody>
       </p:sp>
       <p:pic>
@@ -4029,7 +4027,7 @@
         </p:blipFill>
         <p:spPr>
           <a:xfrm>
-            <a:off x="684550" y="240710"/>
+            <a:off x="1169153" y="173758"/>
             <a:ext cx="330200" cy="330200"/>
           </a:xfrm>
           <a:prstGeom prst="rect">
@@ -4051,8 +4049,8 @@
         </p:nvSpPr>
         <p:spPr>
           <a:xfrm>
-            <a:off x="838659" y="3678856"/>
-            <a:ext cx="6680822" cy="2996546"/>
+            <a:off x="1329577" y="4175002"/>
+            <a:ext cx="6041460" cy="2381951"/>
           </a:xfrm>
           <a:prstGeom prst="rect">
             <a:avLst/>
@@ -4099,13 +4097,13 @@
                 <a:latin typeface="Arial" panose="020B0604020202020204" pitchFamily="34" charset="0"/>
                 <a:cs typeface="Arial" panose="020B0604020202020204" pitchFamily="34" charset="0"/>
               </a:rPr>
-              <a:t>Security Tooling Account</a:t>
+              <a:t>Audit Account</a:t>
             </a:r>
           </a:p>
           <a:p>
             <a:pPr algn="ctr"/>
             <a:r>
-              <a:rPr lang="en-US" sz="1400" dirty="0">
+              <a:rPr lang="en-US" sz="1200" dirty="0">
                 <a:solidFill>
                   <a:schemeClr val="tx1"/>
                 </a:solidFill>
@@ -4131,8 +4129,8 @@
         </p:nvSpPr>
         <p:spPr>
           <a:xfrm>
-            <a:off x="7601495" y="3678856"/>
-            <a:ext cx="3751846" cy="3004005"/>
+            <a:off x="7439883" y="3959707"/>
+            <a:ext cx="3178486" cy="2381950"/>
           </a:xfrm>
           <a:prstGeom prst="rect">
             <a:avLst/>
@@ -4211,8 +4209,8 @@
         </p:nvSpPr>
         <p:spPr>
           <a:xfrm>
-            <a:off x="2601048" y="3102356"/>
-            <a:ext cx="1132876" cy="261610"/>
+            <a:off x="3848982" y="3654109"/>
+            <a:ext cx="1273984" cy="261610"/>
           </a:xfrm>
           <a:prstGeom prst="rect">
             <a:avLst/>
@@ -4307,47 +4305,11 @@
                 <a:latin typeface="Arial" panose="020B0604020202020204" pitchFamily="34" charset="0"/>
                 <a:cs typeface="Arial" panose="020B0604020202020204" pitchFamily="34" charset="0"/>
               </a:rPr>
-              <a:t>AWS Lambda</a:t>
-            </a:r>
-          </a:p>
-        </p:txBody>
-      </p:sp>
-      <p:pic>
-        <p:nvPicPr>
-          <p:cNvPr id="141" name="Graphic 1">
-            <a:extLst>
-              <a:ext uri="{FF2B5EF4-FFF2-40B4-BE49-F238E27FC236}">
-                <a16:creationId xmlns:a16="http://schemas.microsoft.com/office/drawing/2014/main" id="{D5F02E8F-2628-DD4D-8A36-AFD09623FB49}"/>
-              </a:ext>
-            </a:extLst>
-          </p:cNvPr>
-          <p:cNvPicPr>
-            <a:picLocks noChangeAspect="1"/>
-          </p:cNvPicPr>
-          <p:nvPr/>
-        </p:nvPicPr>
-        <p:blipFill>
-          <a:blip r:embed="rId5">
-            <a:extLst>
-              <a:ext uri="{96DAC541-7B7A-43D3-8B79-37D633B846F1}">
-                <asvg:svgBlip xmlns:asvg="http://schemas.microsoft.com/office/drawing/2016/SVG/main" r:embed="rId6"/>
-              </a:ext>
-            </a:extLst>
-          </a:blip>
-          <a:stretch>
-            <a:fillRect/>
-          </a:stretch>
-        </p:blipFill>
-        <p:spPr>
-          <a:xfrm>
-            <a:off x="2874148" y="1262537"/>
-            <a:ext cx="555156" cy="555156"/>
-          </a:xfrm>
-          <a:prstGeom prst="rect">
-            <a:avLst/>
-          </a:prstGeom>
-        </p:spPr>
-      </p:pic>
+              <a:t>Lambda Function</a:t>
+            </a:r>
+          </a:p>
+        </p:txBody>
+      </p:sp>
       <p:sp>
         <p:nvSpPr>
           <p:cNvPr id="142" name="TextBox 2">
@@ -4362,8 +4324,8 @@
         </p:nvSpPr>
         <p:spPr>
           <a:xfrm>
-            <a:off x="2369725" y="1817693"/>
-            <a:ext cx="1578705" cy="430887"/>
+            <a:off x="2867704" y="2297803"/>
+            <a:ext cx="1098724" cy="430887"/>
           </a:xfrm>
           <a:prstGeom prst="rect">
             <a:avLst/>
@@ -4458,17 +4420,56 @@
                 <a:latin typeface="Arial" panose="020B0604020202020204" pitchFamily="34" charset="0"/>
                 <a:cs typeface="Arial" panose="020B0604020202020204" pitchFamily="34" charset="0"/>
               </a:rPr>
-              <a:t>Lambda CloudWatch Log Group</a:t>
+              <a:t>CloudWatch Log Group</a:t>
+            </a:r>
+          </a:p>
+        </p:txBody>
+      </p:sp>
+      <p:sp>
+        <p:nvSpPr>
+          <p:cNvPr id="144" name="TextBox 143">
+            <a:extLst>
+              <a:ext uri="{FF2B5EF4-FFF2-40B4-BE49-F238E27FC236}">
+                <a16:creationId xmlns:a16="http://schemas.microsoft.com/office/drawing/2014/main" id="{11460688-CF57-0645-ADC6-FB4EF5AFD30A}"/>
+              </a:ext>
+            </a:extLst>
+          </p:cNvPr>
+          <p:cNvSpPr txBox="1"/>
+          <p:nvPr/>
+        </p:nvSpPr>
+        <p:spPr>
+          <a:xfrm>
+            <a:off x="2823625" y="1383027"/>
+            <a:ext cx="1103001" cy="261610"/>
+          </a:xfrm>
+          <a:prstGeom prst="rect">
+            <a:avLst/>
+          </a:prstGeom>
+          <a:noFill/>
+        </p:spPr>
+        <p:txBody>
+          <a:bodyPr wrap="square" rtlCol="0">
+            <a:spAutoFit/>
+          </a:bodyPr>
+          <a:lstStyle/>
+          <a:p>
+            <a:pPr algn="ctr"/>
+            <a:r>
+              <a:rPr lang="en-US" sz="1100" dirty="0">
+                <a:latin typeface="Arial" panose="020B0604020202020204" pitchFamily="34" charset="0"/>
+                <a:cs typeface="Arial" panose="020B0604020202020204" pitchFamily="34" charset="0"/>
+              </a:rPr>
+              <a:t>Lambda Role</a:t>
             </a:r>
           </a:p>
         </p:txBody>
       </p:sp>
       <p:pic>
         <p:nvPicPr>
-          <p:cNvPr id="143" name="Graphic 142">
-            <a:extLst>
-              <a:ext uri="{FF2B5EF4-FFF2-40B4-BE49-F238E27FC236}">
-                <a16:creationId xmlns:a16="http://schemas.microsoft.com/office/drawing/2014/main" id="{6CED07F6-5569-A94B-AE05-B599813B32A6}"/>
+          <p:cNvPr id="145" name="Graphic 144">
+            <a:extLst>
+              <a:ext uri="{FF2B5EF4-FFF2-40B4-BE49-F238E27FC236}">
+                <a16:creationId xmlns:a16="http://schemas.microsoft.com/office/drawing/2014/main" id="{C2D32431-760D-C84E-8B09-2C214FF2B238}"/>
               </a:ext>
             </a:extLst>
           </p:cNvPr>
@@ -4478,10 +4479,10 @@
           <p:nvPr/>
         </p:nvPicPr>
         <p:blipFill>
-          <a:blip r:embed="rId7">
+          <a:blip r:embed="rId5">
             <a:extLst>
               <a:ext uri="{96DAC541-7B7A-43D3-8B79-37D633B846F1}">
-                <asvg:svgBlip xmlns:asvg="http://schemas.microsoft.com/office/drawing/2016/SVG/main" r:embed="rId8"/>
+                <asvg:svgBlip xmlns:asvg="http://schemas.microsoft.com/office/drawing/2016/SVG/main" r:embed="rId6"/>
               </a:ext>
             </a:extLst>
           </a:blip>
@@ -4491,8 +4492,8 @@
         </p:blipFill>
         <p:spPr>
           <a:xfrm>
-            <a:off x="2871965" y="2547099"/>
-            <a:ext cx="555156" cy="555156"/>
+            <a:off x="3144757" y="1015352"/>
+            <a:ext cx="469900" cy="469900"/>
           </a:xfrm>
           <a:prstGeom prst="rect">
             <a:avLst/>
@@ -4501,10 +4502,10 @@
       </p:pic>
       <p:sp>
         <p:nvSpPr>
-          <p:cNvPr id="144" name="TextBox 143">
-            <a:extLst>
-              <a:ext uri="{FF2B5EF4-FFF2-40B4-BE49-F238E27FC236}">
-                <a16:creationId xmlns:a16="http://schemas.microsoft.com/office/drawing/2014/main" id="{11460688-CF57-0645-ADC6-FB4EF5AFD30A}"/>
+          <p:cNvPr id="151" name="TextBox 150">
+            <a:extLst>
+              <a:ext uri="{FF2B5EF4-FFF2-40B4-BE49-F238E27FC236}">
+                <a16:creationId xmlns:a16="http://schemas.microsoft.com/office/drawing/2014/main" id="{08B67E83-7D09-C748-AEEF-49786315014A}"/>
               </a:ext>
             </a:extLst>
           </p:cNvPr>
@@ -4513,128 +4514,8 @@
         </p:nvSpPr>
         <p:spPr>
           <a:xfrm>
-            <a:off x="3613915" y="2320622"/>
-            <a:ext cx="1103001" cy="261610"/>
-          </a:xfrm>
-          <a:prstGeom prst="rect">
-            <a:avLst/>
-          </a:prstGeom>
-          <a:noFill/>
-        </p:spPr>
-        <p:txBody>
-          <a:bodyPr wrap="square" rtlCol="0">
-            <a:spAutoFit/>
-          </a:bodyPr>
-          <a:lstStyle/>
-          <a:p>
-            <a:pPr algn="ctr"/>
-            <a:r>
-              <a:rPr lang="en-US" sz="1100" dirty="0">
-                <a:latin typeface="Arial" panose="020B0604020202020204" pitchFamily="34" charset="0"/>
-                <a:cs typeface="Arial" panose="020B0604020202020204" pitchFamily="34" charset="0"/>
-              </a:rPr>
-              <a:t>Lambda Role</a:t>
-            </a:r>
-          </a:p>
-        </p:txBody>
-      </p:sp>
-      <p:pic>
-        <p:nvPicPr>
-          <p:cNvPr id="145" name="Graphic 144">
-            <a:extLst>
-              <a:ext uri="{FF2B5EF4-FFF2-40B4-BE49-F238E27FC236}">
-                <a16:creationId xmlns:a16="http://schemas.microsoft.com/office/drawing/2014/main" id="{C2D32431-760D-C84E-8B09-2C214FF2B238}"/>
-              </a:ext>
-            </a:extLst>
-          </p:cNvPr>
-          <p:cNvPicPr>
-            <a:picLocks noChangeAspect="1"/>
-          </p:cNvPicPr>
-          <p:nvPr/>
-        </p:nvPicPr>
-        <p:blipFill>
-          <a:blip r:embed="rId9">
-            <a:extLst>
-              <a:ext uri="{96DAC541-7B7A-43D3-8B79-37D633B846F1}">
-                <asvg:svgBlip xmlns:asvg="http://schemas.microsoft.com/office/drawing/2016/SVG/main" r:embed="rId10"/>
-              </a:ext>
-            </a:extLst>
-          </a:blip>
-          <a:stretch>
-            <a:fillRect/>
-          </a:stretch>
-        </p:blipFill>
-        <p:spPr>
-          <a:xfrm>
-            <a:off x="3888521" y="1919805"/>
-            <a:ext cx="469900" cy="469900"/>
-          </a:xfrm>
-          <a:prstGeom prst="rect">
-            <a:avLst/>
-          </a:prstGeom>
-        </p:spPr>
-      </p:pic>
-      <p:cxnSp>
-        <p:nvCxnSpPr>
-          <p:cNvPr id="148" name="Straight Arrow Connector 147">
-            <a:extLst>
-              <a:ext uri="{FF2B5EF4-FFF2-40B4-BE49-F238E27FC236}">
-                <a16:creationId xmlns:a16="http://schemas.microsoft.com/office/drawing/2014/main" id="{6F49BA0C-6430-BE44-84A2-07F1A2B399AE}"/>
-              </a:ext>
-            </a:extLst>
-          </p:cNvPr>
-          <p:cNvCxnSpPr>
-            <a:cxnSpLocks/>
-          </p:cNvCxnSpPr>
-          <p:nvPr/>
-        </p:nvCxnSpPr>
-        <p:spPr>
-          <a:xfrm>
-            <a:off x="3712719" y="2879019"/>
-            <a:ext cx="835165" cy="0"/>
-          </a:xfrm>
-          <a:prstGeom prst="straightConnector1">
-            <a:avLst/>
-          </a:prstGeom>
-          <a:ln w="12700">
-            <a:solidFill>
-              <a:srgbClr val="545B64"/>
-            </a:solidFill>
-            <a:headEnd type="none" w="med" len="sm"/>
-            <a:tailEnd type="arrow" w="med" len="sm"/>
-          </a:ln>
-        </p:spPr>
-        <p:style>
-          <a:lnRef idx="1">
-            <a:schemeClr val="accent1"/>
-          </a:lnRef>
-          <a:fillRef idx="0">
-            <a:schemeClr val="accent1"/>
-          </a:fillRef>
-          <a:effectRef idx="0">
-            <a:schemeClr val="accent1"/>
-          </a:effectRef>
-          <a:fontRef idx="minor">
-            <a:schemeClr val="tx1"/>
-          </a:fontRef>
-        </p:style>
-      </p:cxnSp>
-      <p:sp>
-        <p:nvSpPr>
-          <p:cNvPr id="151" name="TextBox 150">
-            <a:extLst>
-              <a:ext uri="{FF2B5EF4-FFF2-40B4-BE49-F238E27FC236}">
-                <a16:creationId xmlns:a16="http://schemas.microsoft.com/office/drawing/2014/main" id="{08B67E83-7D09-C748-AEEF-49786315014A}"/>
-              </a:ext>
-            </a:extLst>
-          </p:cNvPr>
-          <p:cNvSpPr txBox="1"/>
-          <p:nvPr/>
-        </p:nvSpPr>
-        <p:spPr>
-          <a:xfrm>
-            <a:off x="804630" y="2524230"/>
-            <a:ext cx="1307240" cy="430887"/>
+            <a:off x="1516624" y="2623476"/>
+            <a:ext cx="1233913" cy="430887"/>
           </a:xfrm>
           <a:prstGeom prst="rect">
             <a:avLst/>
@@ -4658,42 +4539,6 @@
           </a:p>
         </p:txBody>
       </p:sp>
-      <p:pic>
-        <p:nvPicPr>
-          <p:cNvPr id="152" name="Graphic 151">
-            <a:extLst>
-              <a:ext uri="{FF2B5EF4-FFF2-40B4-BE49-F238E27FC236}">
-                <a16:creationId xmlns:a16="http://schemas.microsoft.com/office/drawing/2014/main" id="{399FFB55-9DC7-0642-93ED-51225281247C}"/>
-              </a:ext>
-            </a:extLst>
-          </p:cNvPr>
-          <p:cNvPicPr>
-            <a:picLocks noChangeAspect="1"/>
-          </p:cNvPicPr>
-          <p:nvPr/>
-        </p:nvPicPr>
-        <p:blipFill>
-          <a:blip r:embed="rId11">
-            <a:extLst>
-              <a:ext uri="{96DAC541-7B7A-43D3-8B79-37D633B846F1}">
-                <asvg:svgBlip xmlns:asvg="http://schemas.microsoft.com/office/drawing/2016/SVG/main" r:embed="rId12"/>
-              </a:ext>
-            </a:extLst>
-          </a:blip>
-          <a:stretch>
-            <a:fillRect/>
-          </a:stretch>
-        </p:blipFill>
-        <p:spPr>
-          <a:xfrm>
-            <a:off x="1180672" y="1935836"/>
-            <a:ext cx="555156" cy="555156"/>
-          </a:xfrm>
-          <a:prstGeom prst="rect">
-            <a:avLst/>
-          </a:prstGeom>
-        </p:spPr>
-      </p:pic>
       <p:sp>
         <p:nvSpPr>
           <p:cNvPr id="153" name="Rectangle 152">
@@ -4708,8 +4553,8 @@
         </p:nvSpPr>
         <p:spPr>
           <a:xfrm>
-            <a:off x="2412020" y="1169781"/>
-            <a:ext cx="4104636" cy="2372158"/>
+            <a:off x="1505668" y="983844"/>
+            <a:ext cx="5702665" cy="3011794"/>
           </a:xfrm>
           <a:prstGeom prst="rect">
             <a:avLst/>
@@ -4739,7 +4584,7 @@
           </a:fontRef>
         </p:style>
         <p:txBody>
-          <a:bodyPr rot="0" spcFirstLastPara="0" vertOverflow="overflow" horzOverflow="overflow" vert="horz" wrap="square" lIns="91440" tIns="91440" rIns="91440" bIns="45720" numCol="1" spcCol="0" rtlCol="0" fromWordArt="0" anchor="t" anchorCtr="0" forceAA="0" compatLnSpc="1">
+          <a:bodyPr rot="0" spcFirstLastPara="0" vertOverflow="overflow" horzOverflow="overflow" vert="horz" wrap="square" lIns="91440" tIns="0" rIns="91440" bIns="45720" numCol="1" spcCol="0" rtlCol="0" fromWordArt="0" anchor="t" anchorCtr="0" forceAA="0" compatLnSpc="1">
             <a:prstTxWarp prst="textNoShape">
               <a:avLst/>
             </a:prstTxWarp>
@@ -4747,68 +4592,139 @@
           </a:bodyPr>
           <a:lstStyle/>
           <a:p>
-            <a:pPr algn="ctr"/>
-            <a:endParaRPr lang="en-US" sz="1400" dirty="0">
-              <a:solidFill>
-                <a:srgbClr val="5A6B86"/>
-              </a:solidFill>
-              <a:latin typeface="Arial" panose="020B0604020202020204" pitchFamily="34" charset="0"/>
-              <a:cs typeface="Arial" panose="020B0604020202020204" pitchFamily="34" charset="0"/>
-            </a:endParaRPr>
-          </a:p>
-        </p:txBody>
-      </p:sp>
-      <p:cxnSp>
-        <p:nvCxnSpPr>
-          <p:cNvPr id="154" name="Straight Arrow Connector 153">
-            <a:extLst>
-              <a:ext uri="{FF2B5EF4-FFF2-40B4-BE49-F238E27FC236}">
-                <a16:creationId xmlns:a16="http://schemas.microsoft.com/office/drawing/2014/main" id="{0FBB0361-D6B4-2F47-A0BE-F9DF0B40739C}"/>
-              </a:ext>
-            </a:extLst>
-          </p:cNvPr>
-          <p:cNvCxnSpPr>
-            <a:cxnSpLocks/>
-          </p:cNvCxnSpPr>
+            <a:r>
+              <a:rPr lang="en-US" sz="1200" b="1" dirty="0">
+                <a:solidFill>
+                  <a:schemeClr val="tx1"/>
+                </a:solidFill>
+                <a:latin typeface="Arial" panose="020B0604020202020204" pitchFamily="34" charset="0"/>
+                <a:cs typeface="Arial" panose="020B0604020202020204" pitchFamily="34" charset="0"/>
+              </a:rPr>
+              <a:t>Home-region</a:t>
+            </a:r>
+          </a:p>
+        </p:txBody>
+      </p:sp>
+      <p:sp>
+        <p:nvSpPr>
+          <p:cNvPr id="189" name="TextBox 188">
+            <a:extLst>
+              <a:ext uri="{FF2B5EF4-FFF2-40B4-BE49-F238E27FC236}">
+                <a16:creationId xmlns:a16="http://schemas.microsoft.com/office/drawing/2014/main" id="{16691F4B-2BE3-8C41-A43B-9874A3E0663D}"/>
+              </a:ext>
+            </a:extLst>
+          </p:cNvPr>
+          <p:cNvSpPr txBox="1"/>
           <p:nvPr/>
-        </p:nvCxnSpPr>
-        <p:spPr>
-          <a:xfrm>
-            <a:off x="1823230" y="2215422"/>
-            <a:ext cx="486285" cy="0"/>
-          </a:xfrm>
-          <a:prstGeom prst="straightConnector1">
+        </p:nvSpPr>
+        <p:spPr>
+          <a:xfrm>
+            <a:off x="4378130" y="5550961"/>
+            <a:ext cx="1103001" cy="430887"/>
+          </a:xfrm>
+          <a:prstGeom prst="rect">
             <a:avLst/>
           </a:prstGeom>
-          <a:ln w="12700">
-            <a:solidFill>
-              <a:srgbClr val="545B64"/>
-            </a:solidFill>
-            <a:headEnd type="none" w="med" len="sm"/>
-            <a:tailEnd type="arrow" w="med" len="sm"/>
-          </a:ln>
-        </p:spPr>
-        <p:style>
-          <a:lnRef idx="1">
-            <a:schemeClr val="accent1"/>
-          </a:lnRef>
-          <a:fillRef idx="0">
-            <a:schemeClr val="accent1"/>
-          </a:fillRef>
-          <a:effectRef idx="0">
-            <a:schemeClr val="accent1"/>
-          </a:effectRef>
-          <a:fontRef idx="minor">
-            <a:schemeClr val="tx1"/>
-          </a:fontRef>
-        </p:style>
-      </p:cxnSp>
-      <p:sp>
-        <p:nvSpPr>
-          <p:cNvPr id="161" name="Rectangle 160">
-            <a:extLst>
-              <a:ext uri="{FF2B5EF4-FFF2-40B4-BE49-F238E27FC236}">
-                <a16:creationId xmlns:a16="http://schemas.microsoft.com/office/drawing/2014/main" id="{8DF520C0-1ED7-D14B-B849-8D3D81D0B87A}"/>
+          <a:noFill/>
+        </p:spPr>
+        <p:txBody>
+          <a:bodyPr wrap="square" rtlCol="0">
+            <a:spAutoFit/>
+          </a:bodyPr>
+          <a:lstStyle/>
+          <a:p>
+            <a:pPr algn="ctr"/>
+            <a:r>
+              <a:rPr lang="en-US" sz="1100" dirty="0">
+                <a:latin typeface="Arial" panose="020B0604020202020204" pitchFamily="34" charset="0"/>
+                <a:cs typeface="Arial" panose="020B0604020202020204" pitchFamily="34" charset="0"/>
+              </a:rPr>
+              <a:t>Configuration Role</a:t>
+            </a:r>
+          </a:p>
+        </p:txBody>
+      </p:sp>
+      <p:pic>
+        <p:nvPicPr>
+          <p:cNvPr id="190" name="Graphic 189">
+            <a:extLst>
+              <a:ext uri="{FF2B5EF4-FFF2-40B4-BE49-F238E27FC236}">
+                <a16:creationId xmlns:a16="http://schemas.microsoft.com/office/drawing/2014/main" id="{AA0778F0-4FFC-F040-A4B7-4BD9E4A9C58D}"/>
+              </a:ext>
+            </a:extLst>
+          </p:cNvPr>
+          <p:cNvPicPr>
+            <a:picLocks noChangeAspect="1"/>
+          </p:cNvPicPr>
+          <p:nvPr/>
+        </p:nvPicPr>
+        <p:blipFill>
+          <a:blip r:embed="rId5">
+            <a:extLst>
+              <a:ext uri="{96DAC541-7B7A-43D3-8B79-37D633B846F1}">
+                <asvg:svgBlip xmlns:asvg="http://schemas.microsoft.com/office/drawing/2016/SVG/main" r:embed="rId6"/>
+              </a:ext>
+            </a:extLst>
+          </a:blip>
+          <a:stretch>
+            <a:fillRect/>
+          </a:stretch>
+        </p:blipFill>
+        <p:spPr>
+          <a:xfrm>
+            <a:off x="4660057" y="5195097"/>
+            <a:ext cx="469900" cy="469900"/>
+          </a:xfrm>
+          <a:prstGeom prst="rect">
+            <a:avLst/>
+          </a:prstGeom>
+        </p:spPr>
+      </p:pic>
+      <p:sp>
+        <p:nvSpPr>
+          <p:cNvPr id="193" name="TextBox 192">
+            <a:extLst>
+              <a:ext uri="{FF2B5EF4-FFF2-40B4-BE49-F238E27FC236}">
+                <a16:creationId xmlns:a16="http://schemas.microsoft.com/office/drawing/2014/main" id="{04BAA3FC-2945-F644-9D2A-644DBD513EB6}"/>
+              </a:ext>
+            </a:extLst>
+          </p:cNvPr>
+          <p:cNvSpPr txBox="1"/>
+          <p:nvPr/>
+        </p:nvSpPr>
+        <p:spPr>
+          <a:xfrm>
+            <a:off x="1474789" y="5716770"/>
+            <a:ext cx="1186521" cy="430887"/>
+          </a:xfrm>
+          <a:prstGeom prst="rect">
+            <a:avLst/>
+          </a:prstGeom>
+          <a:noFill/>
+        </p:spPr>
+        <p:txBody>
+          <a:bodyPr wrap="square" rtlCol="0">
+            <a:spAutoFit/>
+          </a:bodyPr>
+          <a:lstStyle/>
+          <a:p>
+            <a:pPr algn="ctr"/>
+            <a:r>
+              <a:rPr lang="en-US" sz="1100" dirty="0">
+                <a:latin typeface="Arial" panose="020B0604020202020204" pitchFamily="34" charset="0"/>
+                <a:cs typeface="Arial" panose="020B0604020202020204" pitchFamily="34" charset="0"/>
+              </a:rPr>
+              <a:t>AWS CloudFormation</a:t>
+            </a:r>
+          </a:p>
+        </p:txBody>
+      </p:sp>
+      <p:sp>
+        <p:nvSpPr>
+          <p:cNvPr id="195" name="Rectangle 194">
+            <a:extLst>
+              <a:ext uri="{FF2B5EF4-FFF2-40B4-BE49-F238E27FC236}">
+                <a16:creationId xmlns:a16="http://schemas.microsoft.com/office/drawing/2014/main" id="{F0CA800E-A50B-114F-87E0-3783ED123AB8}"/>
               </a:ext>
             </a:extLst>
           </p:cNvPr>
@@ -4817,8 +4733,8 @@
         </p:nvSpPr>
         <p:spPr>
           <a:xfrm>
-            <a:off x="8222669" y="4649111"/>
-            <a:ext cx="1667406" cy="1852278"/>
+            <a:off x="1505668" y="4730942"/>
+            <a:ext cx="5702665" cy="1714979"/>
           </a:xfrm>
           <a:prstGeom prst="rect">
             <a:avLst/>
@@ -4848,200 +4764,54 @@
           </a:fontRef>
         </p:style>
         <p:txBody>
-          <a:bodyPr rot="0" spcFirstLastPara="0" vertOverflow="overflow" horzOverflow="overflow" vert="horz" wrap="square" lIns="91440" tIns="91440" rIns="91440" bIns="45720" numCol="1" spcCol="0" rtlCol="0" fromWordArt="0" anchor="t" anchorCtr="0" forceAA="0" compatLnSpc="1">
+          <a:bodyPr rot="0" spcFirstLastPara="0" vertOverflow="overflow" horzOverflow="overflow" vert="horz" wrap="square" lIns="91440" tIns="0" rIns="91440" bIns="45720" numCol="1" spcCol="0" rtlCol="0" fromWordArt="0" anchor="t" anchorCtr="0" forceAA="0" compatLnSpc="1">
+            <a:prstTxWarp prst="textNoShape">
+              <a:avLst/>
+            </a:prstTxWarp>
             <a:noAutofit/>
           </a:bodyPr>
           <a:lstStyle/>
           <a:p>
             <a:r>
-              <a:rPr lang="en-US" sz="1100" dirty="0">
+              <a:rPr lang="en-US" sz="1200" b="1" dirty="0">
                 <a:solidFill>
                   <a:schemeClr val="tx1"/>
                 </a:solidFill>
                 <a:latin typeface="Arial" panose="020B0604020202020204" pitchFamily="34" charset="0"/>
                 <a:cs typeface="Arial" panose="020B0604020202020204" pitchFamily="34" charset="0"/>
               </a:rPr>
-              <a:t>region-1</a:t>
-            </a:r>
-          </a:p>
-        </p:txBody>
-      </p:sp>
-      <p:sp>
-        <p:nvSpPr>
-          <p:cNvPr id="189" name="TextBox 188">
-            <a:extLst>
-              <a:ext uri="{FF2B5EF4-FFF2-40B4-BE49-F238E27FC236}">
-                <a16:creationId xmlns:a16="http://schemas.microsoft.com/office/drawing/2014/main" id="{16691F4B-2BE3-8C41-A43B-9874A3E0663D}"/>
-              </a:ext>
-            </a:extLst>
-          </p:cNvPr>
-          <p:cNvSpPr txBox="1"/>
+              <a:t>Home-region</a:t>
+            </a:r>
+          </a:p>
+        </p:txBody>
+      </p:sp>
+      <p:sp>
+        <p:nvSpPr>
+          <p:cNvPr id="226" name="Oval 225">
+            <a:extLst>
+              <a:ext uri="{FF2B5EF4-FFF2-40B4-BE49-F238E27FC236}">
+                <a16:creationId xmlns:a16="http://schemas.microsoft.com/office/drawing/2014/main" id="{B075B0CF-8F6A-3947-BD02-50EB6DA85CEE}"/>
+              </a:ext>
+            </a:extLst>
+          </p:cNvPr>
+          <p:cNvSpPr/>
           <p:nvPr/>
         </p:nvSpPr>
         <p:spPr>
           <a:xfrm>
-            <a:off x="4053075" y="5622717"/>
-            <a:ext cx="1103001" cy="430887"/>
-          </a:xfrm>
-          <a:prstGeom prst="rect">
+            <a:off x="1367383" y="614591"/>
+            <a:ext cx="253435" cy="212902"/>
+          </a:xfrm>
+          <a:prstGeom prst="ellipse">
             <a:avLst/>
           </a:prstGeom>
-          <a:noFill/>
-        </p:spPr>
-        <p:txBody>
-          <a:bodyPr wrap="square" rtlCol="0">
-            <a:spAutoFit/>
-          </a:bodyPr>
-          <a:lstStyle/>
-          <a:p>
-            <a:pPr algn="ctr"/>
-            <a:r>
-              <a:rPr lang="en-US" sz="1100" dirty="0">
-                <a:latin typeface="Arial" panose="020B0604020202020204" pitchFamily="34" charset="0"/>
-                <a:cs typeface="Arial" panose="020B0604020202020204" pitchFamily="34" charset="0"/>
-              </a:rPr>
-              <a:t>Configuration Role</a:t>
-            </a:r>
-          </a:p>
-        </p:txBody>
-      </p:sp>
-      <p:pic>
-        <p:nvPicPr>
-          <p:cNvPr id="190" name="Graphic 189">
-            <a:extLst>
-              <a:ext uri="{FF2B5EF4-FFF2-40B4-BE49-F238E27FC236}">
-                <a16:creationId xmlns:a16="http://schemas.microsoft.com/office/drawing/2014/main" id="{AA0778F0-4FFC-F040-A4B7-4BD9E4A9C58D}"/>
-              </a:ext>
-            </a:extLst>
-          </p:cNvPr>
-          <p:cNvPicPr>
-            <a:picLocks noChangeAspect="1"/>
-          </p:cNvPicPr>
-          <p:nvPr/>
-        </p:nvPicPr>
-        <p:blipFill>
-          <a:blip r:embed="rId9">
-            <a:extLst>
-              <a:ext uri="{96DAC541-7B7A-43D3-8B79-37D633B846F1}">
-                <asvg:svgBlip xmlns:asvg="http://schemas.microsoft.com/office/drawing/2016/SVG/main" r:embed="rId10"/>
-              </a:ext>
-            </a:extLst>
-          </a:blip>
-          <a:stretch>
-            <a:fillRect/>
-          </a:stretch>
-        </p:blipFill>
-        <p:spPr>
-          <a:xfrm>
-            <a:off x="4327681" y="5221900"/>
-            <a:ext cx="469900" cy="469900"/>
-          </a:xfrm>
-          <a:prstGeom prst="rect">
-            <a:avLst/>
-          </a:prstGeom>
-        </p:spPr>
-      </p:pic>
-      <p:sp>
-        <p:nvSpPr>
-          <p:cNvPr id="193" name="TextBox 192">
-            <a:extLst>
-              <a:ext uri="{FF2B5EF4-FFF2-40B4-BE49-F238E27FC236}">
-                <a16:creationId xmlns:a16="http://schemas.microsoft.com/office/drawing/2014/main" id="{04BAA3FC-2945-F644-9D2A-644DBD513EB6}"/>
-              </a:ext>
-            </a:extLst>
-          </p:cNvPr>
-          <p:cNvSpPr txBox="1"/>
-          <p:nvPr/>
-        </p:nvSpPr>
-        <p:spPr>
-          <a:xfrm>
-            <a:off x="894006" y="5565904"/>
-            <a:ext cx="1186521" cy="430887"/>
-          </a:xfrm>
-          <a:prstGeom prst="rect">
-            <a:avLst/>
-          </a:prstGeom>
-          <a:noFill/>
-        </p:spPr>
-        <p:txBody>
-          <a:bodyPr wrap="square" rtlCol="0">
-            <a:spAutoFit/>
-          </a:bodyPr>
-          <a:lstStyle/>
-          <a:p>
-            <a:pPr algn="ctr"/>
-            <a:r>
-              <a:rPr lang="en-US" sz="1100" dirty="0">
-                <a:latin typeface="Arial" panose="020B0604020202020204" pitchFamily="34" charset="0"/>
-                <a:cs typeface="Arial" panose="020B0604020202020204" pitchFamily="34" charset="0"/>
-              </a:rPr>
-              <a:t>AWS CloudFormation</a:t>
-            </a:r>
-          </a:p>
-        </p:txBody>
-      </p:sp>
-      <p:pic>
-        <p:nvPicPr>
-          <p:cNvPr id="194" name="Graphic 193">
-            <a:extLst>
-              <a:ext uri="{FF2B5EF4-FFF2-40B4-BE49-F238E27FC236}">
-                <a16:creationId xmlns:a16="http://schemas.microsoft.com/office/drawing/2014/main" id="{5B61BE09-FD56-4142-8617-BBF4ACBE2C93}"/>
-              </a:ext>
-            </a:extLst>
-          </p:cNvPr>
-          <p:cNvPicPr>
-            <a:picLocks noChangeAspect="1"/>
-          </p:cNvPicPr>
-          <p:nvPr/>
-        </p:nvPicPr>
-        <p:blipFill>
-          <a:blip r:embed="rId11">
-            <a:extLst>
-              <a:ext uri="{96DAC541-7B7A-43D3-8B79-37D633B846F1}">
-                <asvg:svgBlip xmlns:asvg="http://schemas.microsoft.com/office/drawing/2016/SVG/main" r:embed="rId12"/>
-              </a:ext>
-            </a:extLst>
-          </a:blip>
-          <a:stretch>
-            <a:fillRect/>
-          </a:stretch>
-        </p:blipFill>
-        <p:spPr>
-          <a:xfrm>
-            <a:off x="1226355" y="4986433"/>
-            <a:ext cx="555156" cy="555156"/>
-          </a:xfrm>
-          <a:prstGeom prst="rect">
-            <a:avLst/>
-          </a:prstGeom>
-        </p:spPr>
-      </p:pic>
-      <p:sp>
-        <p:nvSpPr>
-          <p:cNvPr id="195" name="Rectangle 194">
-            <a:extLst>
-              <a:ext uri="{FF2B5EF4-FFF2-40B4-BE49-F238E27FC236}">
-                <a16:creationId xmlns:a16="http://schemas.microsoft.com/office/drawing/2014/main" id="{F0CA800E-A50B-114F-87E0-3783ED123AB8}"/>
-              </a:ext>
-            </a:extLst>
-          </p:cNvPr>
-          <p:cNvSpPr/>
-          <p:nvPr/>
-        </p:nvSpPr>
-        <p:spPr>
-          <a:xfrm>
-            <a:off x="2459940" y="4239834"/>
-            <a:ext cx="4894178" cy="2372158"/>
-          </a:xfrm>
-          <a:prstGeom prst="rect">
-            <a:avLst/>
-          </a:prstGeom>
-          <a:noFill/>
-          <a:ln w="12700">
+          <a:solidFill>
+            <a:schemeClr val="tx1"/>
+          </a:solidFill>
+          <a:ln>
             <a:solidFill>
               <a:schemeClr val="tx1"/>
             </a:solidFill>
-            <a:prstDash val="dash"/>
           </a:ln>
         </p:spPr>
         <p:style>
@@ -5061,151 +4831,26 @@
           </a:fontRef>
         </p:style>
         <p:txBody>
-          <a:bodyPr rot="0" spcFirstLastPara="0" vertOverflow="overflow" horzOverflow="overflow" vert="horz" wrap="square" lIns="91440" tIns="91440" rIns="91440" bIns="45720" numCol="1" spcCol="0" rtlCol="0" fromWordArt="0" anchor="t" anchorCtr="0" forceAA="0" compatLnSpc="1">
-            <a:prstTxWarp prst="textNoShape">
-              <a:avLst/>
-            </a:prstTxWarp>
-            <a:noAutofit/>
-          </a:bodyPr>
+          <a:bodyPr lIns="0" tIns="0" rIns="0" bIns="0" rtlCol="0" anchor="ctr"/>
           <a:lstStyle/>
           <a:p>
             <a:pPr algn="ctr"/>
-            <a:endParaRPr lang="en-US" sz="1400" dirty="0">
-              <a:solidFill>
-                <a:srgbClr val="5A6B86"/>
-              </a:solidFill>
-              <a:latin typeface="Arial" panose="020B0604020202020204" pitchFamily="34" charset="0"/>
-              <a:cs typeface="Arial" panose="020B0604020202020204" pitchFamily="34" charset="0"/>
-            </a:endParaRPr>
-          </a:p>
-        </p:txBody>
-      </p:sp>
-      <p:cxnSp>
-        <p:nvCxnSpPr>
-          <p:cNvPr id="196" name="Straight Arrow Connector 195">
-            <a:extLst>
-              <a:ext uri="{FF2B5EF4-FFF2-40B4-BE49-F238E27FC236}">
-                <a16:creationId xmlns:a16="http://schemas.microsoft.com/office/drawing/2014/main" id="{608E574B-049F-DD43-AF4F-C396CC8C7873}"/>
-              </a:ext>
-            </a:extLst>
-          </p:cNvPr>
-          <p:cNvCxnSpPr>
-            <a:cxnSpLocks/>
-          </p:cNvCxnSpPr>
-          <p:nvPr/>
-        </p:nvCxnSpPr>
-        <p:spPr>
-          <a:xfrm>
-            <a:off x="1837384" y="5264011"/>
-            <a:ext cx="486285" cy="0"/>
-          </a:xfrm>
-          <a:prstGeom prst="straightConnector1">
-            <a:avLst/>
-          </a:prstGeom>
-          <a:ln w="12700">
-            <a:solidFill>
-              <a:srgbClr val="545B64"/>
-            </a:solidFill>
-            <a:headEnd type="none" w="med" len="sm"/>
-            <a:tailEnd type="arrow" w="med" len="sm"/>
-          </a:ln>
-        </p:spPr>
-        <p:style>
-          <a:lnRef idx="1">
-            <a:schemeClr val="accent1"/>
-          </a:lnRef>
-          <a:fillRef idx="0">
-            <a:schemeClr val="accent1"/>
-          </a:fillRef>
-          <a:effectRef idx="0">
-            <a:schemeClr val="accent1"/>
-          </a:effectRef>
-          <a:fontRef idx="minor">
-            <a:schemeClr val="tx1"/>
-          </a:fontRef>
-        </p:style>
-      </p:cxnSp>
-      <p:pic>
-        <p:nvPicPr>
-          <p:cNvPr id="204" name="Graphic 203">
-            <a:extLst>
-              <a:ext uri="{FF2B5EF4-FFF2-40B4-BE49-F238E27FC236}">
-                <a16:creationId xmlns:a16="http://schemas.microsoft.com/office/drawing/2014/main" id="{DCA26B02-8A6A-C64F-954B-1F5BA72D88F8}"/>
-              </a:ext>
-            </a:extLst>
-          </p:cNvPr>
-          <p:cNvPicPr>
-            <a:picLocks noChangeAspect="1"/>
-          </p:cNvPicPr>
-          <p:nvPr/>
-        </p:nvPicPr>
-        <p:blipFill>
-          <a:blip r:embed="rId13">
-            <a:extLst>
-              <a:ext uri="{96DAC541-7B7A-43D3-8B79-37D633B846F1}">
-                <asvg:svgBlip xmlns:asvg="http://schemas.microsoft.com/office/drawing/2016/SVG/main" r:embed="rId14"/>
-              </a:ext>
-            </a:extLst>
-          </a:blip>
-          <a:stretch>
-            <a:fillRect/>
-          </a:stretch>
-        </p:blipFill>
-        <p:spPr>
-          <a:xfrm>
-            <a:off x="8916197" y="5649937"/>
-            <a:ext cx="555156" cy="555156"/>
-          </a:xfrm>
-          <a:prstGeom prst="rect">
-            <a:avLst/>
-          </a:prstGeom>
-        </p:spPr>
-      </p:pic>
-      <p:sp>
-        <p:nvSpPr>
-          <p:cNvPr id="205" name="TextBox 204">
-            <a:extLst>
-              <a:ext uri="{FF2B5EF4-FFF2-40B4-BE49-F238E27FC236}">
-                <a16:creationId xmlns:a16="http://schemas.microsoft.com/office/drawing/2014/main" id="{BA5653F7-53B6-E948-8175-933F5728786C}"/>
-              </a:ext>
-            </a:extLst>
-          </p:cNvPr>
-          <p:cNvSpPr txBox="1"/>
-          <p:nvPr/>
-        </p:nvSpPr>
-        <p:spPr>
-          <a:xfrm>
-            <a:off x="8675212" y="6214741"/>
-            <a:ext cx="1047687" cy="261610"/>
-          </a:xfrm>
-          <a:prstGeom prst="rect">
-            <a:avLst/>
-          </a:prstGeom>
-          <a:noFill/>
-        </p:spPr>
-        <p:txBody>
-          <a:bodyPr wrap="square" rtlCol="0">
-            <a:spAutoFit/>
-          </a:bodyPr>
-          <a:lstStyle/>
-          <a:p>
-            <a:pPr algn="ctr"/>
-            <a:r>
-              <a:rPr lang="en-US" sz="1100" dirty="0">
+            <a:r>
+              <a:rPr lang="en-US" sz="800" dirty="0">
                 <a:latin typeface="Arial" panose="020B0604020202020204" pitchFamily="34" charset="0"/>
                 <a:cs typeface="Arial" panose="020B0604020202020204" pitchFamily="34" charset="0"/>
               </a:rPr>
-              <a:t>Guard Duty</a:t>
-            </a:r>
-          </a:p>
-        </p:txBody>
-      </p:sp>
-      <p:sp>
-        <p:nvSpPr>
-          <p:cNvPr id="208" name="Rectangle 207">
-            <a:extLst>
-              <a:ext uri="{FF2B5EF4-FFF2-40B4-BE49-F238E27FC236}">
-                <a16:creationId xmlns:a16="http://schemas.microsoft.com/office/drawing/2014/main" id="{AD1587EE-9009-444D-B7A4-F476E2BA0C52}"/>
+              <a:t>1.0</a:t>
+            </a:r>
+          </a:p>
+        </p:txBody>
+      </p:sp>
+      <p:sp>
+        <p:nvSpPr>
+          <p:cNvPr id="229" name="Oval 228">
+            <a:extLst>
+              <a:ext uri="{FF2B5EF4-FFF2-40B4-BE49-F238E27FC236}">
+                <a16:creationId xmlns:a16="http://schemas.microsoft.com/office/drawing/2014/main" id="{859652C7-00A9-F34A-9655-67677985A48F}"/>
               </a:ext>
             </a:extLst>
           </p:cNvPr>
@@ -5214,18 +4859,19 @@
         </p:nvSpPr>
         <p:spPr>
           <a:xfrm>
-            <a:off x="8375069" y="4966101"/>
-            <a:ext cx="1515006" cy="1535288"/>
-          </a:xfrm>
-          <a:prstGeom prst="rect">
+            <a:off x="2941605" y="1058607"/>
+            <a:ext cx="253435" cy="212902"/>
+          </a:xfrm>
+          <a:prstGeom prst="ellipse">
             <a:avLst/>
           </a:prstGeom>
-          <a:noFill/>
-          <a:ln w="12700">
+          <a:solidFill>
+            <a:schemeClr val="tx1"/>
+          </a:solidFill>
+          <a:ln>
             <a:solidFill>
               <a:schemeClr val="tx1"/>
             </a:solidFill>
-            <a:prstDash val="dash"/>
           </a:ln>
         </p:spPr>
         <p:style>
@@ -5245,30 +4891,26 @@
           </a:fontRef>
         </p:style>
         <p:txBody>
-          <a:bodyPr rot="0" spcFirstLastPara="0" vertOverflow="overflow" horzOverflow="overflow" vert="horz" wrap="square" lIns="91440" tIns="91440" rIns="91440" bIns="45720" numCol="1" spcCol="0" rtlCol="0" fromWordArt="0" anchor="t" anchorCtr="0" forceAA="0" compatLnSpc="1">
-            <a:noAutofit/>
-          </a:bodyPr>
-          <a:lstStyle/>
-          <a:p>
-            <a:r>
-              <a:rPr lang="en-US" sz="1100" dirty="0">
-                <a:solidFill>
-                  <a:schemeClr val="tx1"/>
-                </a:solidFill>
+          <a:bodyPr lIns="0" tIns="0" rIns="0" bIns="0" rtlCol="0" anchor="ctr"/>
+          <a:lstStyle/>
+          <a:p>
+            <a:pPr algn="ctr"/>
+            <a:r>
+              <a:rPr lang="en-US" sz="800" dirty="0">
                 <a:latin typeface="Arial" panose="020B0604020202020204" pitchFamily="34" charset="0"/>
                 <a:cs typeface="Arial" panose="020B0604020202020204" pitchFamily="34" charset="0"/>
               </a:rPr>
-              <a:t>region-2</a:t>
-            </a:r>
-          </a:p>
-        </p:txBody>
-      </p:sp>
-      <p:sp>
-        <p:nvSpPr>
-          <p:cNvPr id="209" name="Rectangle 208">
-            <a:extLst>
-              <a:ext uri="{FF2B5EF4-FFF2-40B4-BE49-F238E27FC236}">
-                <a16:creationId xmlns:a16="http://schemas.microsoft.com/office/drawing/2014/main" id="{632FA3F5-6057-C544-B5DE-2CE9A37FDE3B}"/>
+              <a:t>1.3</a:t>
+            </a:r>
+          </a:p>
+        </p:txBody>
+      </p:sp>
+      <p:sp>
+        <p:nvSpPr>
+          <p:cNvPr id="230" name="Oval 229">
+            <a:extLst>
+              <a:ext uri="{FF2B5EF4-FFF2-40B4-BE49-F238E27FC236}">
+                <a16:creationId xmlns:a16="http://schemas.microsoft.com/office/drawing/2014/main" id="{A8B92BA9-A7C6-BB4E-B68F-9B0ADFBA3120}"/>
               </a:ext>
             </a:extLst>
           </p:cNvPr>
@@ -5277,18 +4919,19 @@
         </p:nvSpPr>
         <p:spPr>
           <a:xfrm>
-            <a:off x="8511339" y="5291097"/>
-            <a:ext cx="1378736" cy="1210292"/>
-          </a:xfrm>
-          <a:prstGeom prst="rect">
+            <a:off x="3015049" y="1953374"/>
+            <a:ext cx="253435" cy="212902"/>
+          </a:xfrm>
+          <a:prstGeom prst="ellipse">
             <a:avLst/>
           </a:prstGeom>
-          <a:noFill/>
-          <a:ln w="12700">
+          <a:solidFill>
+            <a:schemeClr val="tx1"/>
+          </a:solidFill>
+          <a:ln>
             <a:solidFill>
               <a:schemeClr val="tx1"/>
             </a:solidFill>
-            <a:prstDash val="dash"/>
           </a:ln>
         </p:spPr>
         <p:style>
@@ -5308,30 +4951,26 @@
           </a:fontRef>
         </p:style>
         <p:txBody>
-          <a:bodyPr rot="0" spcFirstLastPara="0" vertOverflow="overflow" horzOverflow="overflow" vert="horz" wrap="square" lIns="91440" tIns="91440" rIns="91440" bIns="45720" numCol="1" spcCol="0" rtlCol="0" fromWordArt="0" anchor="t" anchorCtr="0" forceAA="0" compatLnSpc="1">
-            <a:noAutofit/>
-          </a:bodyPr>
-          <a:lstStyle/>
-          <a:p>
-            <a:r>
-              <a:rPr lang="en-US" sz="1100" dirty="0">
-                <a:solidFill>
-                  <a:schemeClr val="tx1"/>
-                </a:solidFill>
+          <a:bodyPr lIns="0" tIns="0" rIns="0" bIns="0" rtlCol="0" anchor="ctr"/>
+          <a:lstStyle/>
+          <a:p>
+            <a:pPr algn="ctr"/>
+            <a:r>
+              <a:rPr lang="en-US" sz="800" dirty="0">
                 <a:latin typeface="Arial" panose="020B0604020202020204" pitchFamily="34" charset="0"/>
                 <a:cs typeface="Arial" panose="020B0604020202020204" pitchFamily="34" charset="0"/>
               </a:rPr>
-              <a:t>region-n</a:t>
-            </a:r>
-          </a:p>
-        </p:txBody>
-      </p:sp>
-      <p:sp>
-        <p:nvSpPr>
-          <p:cNvPr id="214" name="Rectangle 213">
-            <a:extLst>
-              <a:ext uri="{FF2B5EF4-FFF2-40B4-BE49-F238E27FC236}">
-                <a16:creationId xmlns:a16="http://schemas.microsoft.com/office/drawing/2014/main" id="{06761242-ECE5-1642-8F32-8372B25D2776}"/>
+              <a:t>1.4</a:t>
+            </a:r>
+          </a:p>
+        </p:txBody>
+      </p:sp>
+      <p:sp>
+        <p:nvSpPr>
+          <p:cNvPr id="232" name="Oval 231">
+            <a:extLst>
+              <a:ext uri="{FF2B5EF4-FFF2-40B4-BE49-F238E27FC236}">
+                <a16:creationId xmlns:a16="http://schemas.microsoft.com/office/drawing/2014/main" id="{9BABBBA8-4173-384F-B7CD-669D9E9EFCCE}"/>
               </a:ext>
             </a:extLst>
           </p:cNvPr>
@@ -5340,18 +4979,19 @@
         </p:nvSpPr>
         <p:spPr>
           <a:xfrm>
-            <a:off x="5567898" y="4649111"/>
-            <a:ext cx="1667406" cy="1852278"/>
-          </a:xfrm>
-          <a:prstGeom prst="rect">
+            <a:off x="1363576" y="4209595"/>
+            <a:ext cx="253435" cy="212902"/>
+          </a:xfrm>
+          <a:prstGeom prst="ellipse">
             <a:avLst/>
           </a:prstGeom>
-          <a:noFill/>
-          <a:ln w="12700">
+          <a:solidFill>
+            <a:schemeClr val="tx1"/>
+          </a:solidFill>
+          <a:ln>
             <a:solidFill>
               <a:schemeClr val="tx1"/>
             </a:solidFill>
-            <a:prstDash val="dash"/>
           </a:ln>
         </p:spPr>
         <p:style>
@@ -5371,125 +5011,47 @@
           </a:fontRef>
         </p:style>
         <p:txBody>
-          <a:bodyPr rot="0" spcFirstLastPara="0" vertOverflow="overflow" horzOverflow="overflow" vert="horz" wrap="square" lIns="91440" tIns="91440" rIns="91440" bIns="45720" numCol="1" spcCol="0" rtlCol="0" fromWordArt="0" anchor="t" anchorCtr="0" forceAA="0" compatLnSpc="1">
-            <a:noAutofit/>
-          </a:bodyPr>
-          <a:lstStyle/>
-          <a:p>
-            <a:r>
-              <a:rPr lang="en-US" sz="1100" dirty="0">
-                <a:solidFill>
-                  <a:schemeClr val="tx1"/>
-                </a:solidFill>
+          <a:bodyPr lIns="0" tIns="0" rIns="0" bIns="0" rtlCol="0" anchor="ctr"/>
+          <a:lstStyle/>
+          <a:p>
+            <a:pPr algn="ctr"/>
+            <a:r>
+              <a:rPr lang="en-US" sz="800" dirty="0">
                 <a:latin typeface="Arial" panose="020B0604020202020204" pitchFamily="34" charset="0"/>
                 <a:cs typeface="Arial" panose="020B0604020202020204" pitchFamily="34" charset="0"/>
               </a:rPr>
-              <a:t>region-1</a:t>
-            </a:r>
-          </a:p>
-        </p:txBody>
-      </p:sp>
-      <p:pic>
-        <p:nvPicPr>
-          <p:cNvPr id="215" name="Graphic 214">
-            <a:extLst>
-              <a:ext uri="{FF2B5EF4-FFF2-40B4-BE49-F238E27FC236}">
-                <a16:creationId xmlns:a16="http://schemas.microsoft.com/office/drawing/2014/main" id="{4D39F1B0-A810-8144-9FC8-84CB1A312A04}"/>
-              </a:ext>
-            </a:extLst>
-          </p:cNvPr>
-          <p:cNvPicPr>
-            <a:picLocks noChangeAspect="1"/>
-          </p:cNvPicPr>
+              <a:t>3.0</a:t>
+            </a:r>
+          </a:p>
+        </p:txBody>
+      </p:sp>
+      <p:sp>
+        <p:nvSpPr>
+          <p:cNvPr id="233" name="Oval 232">
+            <a:extLst>
+              <a:ext uri="{FF2B5EF4-FFF2-40B4-BE49-F238E27FC236}">
+                <a16:creationId xmlns:a16="http://schemas.microsoft.com/office/drawing/2014/main" id="{4E5E3A8F-6978-7E4A-B538-0774C0EF83DA}"/>
+              </a:ext>
+            </a:extLst>
+          </p:cNvPr>
+          <p:cNvSpPr/>
           <p:nvPr/>
-        </p:nvPicPr>
-        <p:blipFill>
-          <a:blip r:embed="rId13">
-            <a:extLst>
-              <a:ext uri="{96DAC541-7B7A-43D3-8B79-37D633B846F1}">
-                <asvg:svgBlip xmlns:asvg="http://schemas.microsoft.com/office/drawing/2016/SVG/main" r:embed="rId14"/>
-              </a:ext>
-            </a:extLst>
-          </a:blip>
-          <a:stretch>
-            <a:fillRect/>
-          </a:stretch>
-        </p:blipFill>
-        <p:spPr>
-          <a:xfrm>
-            <a:off x="6261426" y="5649937"/>
-            <a:ext cx="555156" cy="555156"/>
-          </a:xfrm>
-          <a:prstGeom prst="rect">
+        </p:nvSpPr>
+        <p:spPr>
+          <a:xfrm>
+            <a:off x="7484576" y="3994299"/>
+            <a:ext cx="253435" cy="212902"/>
+          </a:xfrm>
+          <a:prstGeom prst="ellipse">
             <a:avLst/>
           </a:prstGeom>
-        </p:spPr>
-      </p:pic>
-      <p:sp>
-        <p:nvSpPr>
-          <p:cNvPr id="216" name="TextBox 215">
-            <a:extLst>
-              <a:ext uri="{FF2B5EF4-FFF2-40B4-BE49-F238E27FC236}">
-                <a16:creationId xmlns:a16="http://schemas.microsoft.com/office/drawing/2014/main" id="{B50B9B08-BBED-7E45-8B7F-DD8CE43DA833}"/>
-              </a:ext>
-            </a:extLst>
-          </p:cNvPr>
-          <p:cNvSpPr txBox="1"/>
-          <p:nvPr/>
-        </p:nvSpPr>
-        <p:spPr>
-          <a:xfrm>
-            <a:off x="6020441" y="6214741"/>
-            <a:ext cx="1047687" cy="261610"/>
-          </a:xfrm>
-          <a:prstGeom prst="rect">
-            <a:avLst/>
-          </a:prstGeom>
-          <a:noFill/>
-        </p:spPr>
-        <p:txBody>
-          <a:bodyPr wrap="square" rtlCol="0">
-            <a:spAutoFit/>
-          </a:bodyPr>
-          <a:lstStyle/>
-          <a:p>
-            <a:pPr algn="ctr"/>
-            <a:r>
-              <a:rPr lang="en-US" sz="1100" dirty="0">
-                <a:latin typeface="Arial" panose="020B0604020202020204" pitchFamily="34" charset="0"/>
-                <a:cs typeface="Arial" panose="020B0604020202020204" pitchFamily="34" charset="0"/>
-              </a:rPr>
-              <a:t>Guard Duty</a:t>
-            </a:r>
-          </a:p>
-        </p:txBody>
-      </p:sp>
-      <p:sp>
-        <p:nvSpPr>
-          <p:cNvPr id="217" name="Rectangle 216">
-            <a:extLst>
-              <a:ext uri="{FF2B5EF4-FFF2-40B4-BE49-F238E27FC236}">
-                <a16:creationId xmlns:a16="http://schemas.microsoft.com/office/drawing/2014/main" id="{F2669857-055F-9249-BD81-EA41A2C36BC1}"/>
-              </a:ext>
-            </a:extLst>
-          </p:cNvPr>
-          <p:cNvSpPr/>
-          <p:nvPr/>
-        </p:nvSpPr>
-        <p:spPr>
-          <a:xfrm>
-            <a:off x="5720298" y="4966101"/>
-            <a:ext cx="1515006" cy="1535288"/>
-          </a:xfrm>
-          <a:prstGeom prst="rect">
-            <a:avLst/>
-          </a:prstGeom>
-          <a:noFill/>
-          <a:ln w="12700">
+          <a:solidFill>
+            <a:schemeClr val="tx1"/>
+          </a:solidFill>
+          <a:ln>
             <a:solidFill>
               <a:schemeClr val="tx1"/>
             </a:solidFill>
-            <a:prstDash val="dash"/>
           </a:ln>
         </p:spPr>
         <p:style>
@@ -5509,30 +5071,26 @@
           </a:fontRef>
         </p:style>
         <p:txBody>
-          <a:bodyPr rot="0" spcFirstLastPara="0" vertOverflow="overflow" horzOverflow="overflow" vert="horz" wrap="square" lIns="91440" tIns="91440" rIns="91440" bIns="45720" numCol="1" spcCol="0" rtlCol="0" fromWordArt="0" anchor="t" anchorCtr="0" forceAA="0" compatLnSpc="1">
-            <a:noAutofit/>
-          </a:bodyPr>
-          <a:lstStyle/>
-          <a:p>
-            <a:r>
-              <a:rPr lang="en-US" sz="1100" dirty="0">
-                <a:solidFill>
-                  <a:schemeClr val="tx1"/>
-                </a:solidFill>
+          <a:bodyPr lIns="0" tIns="0" rIns="0" bIns="0" rtlCol="0" anchor="ctr"/>
+          <a:lstStyle/>
+          <a:p>
+            <a:pPr algn="ctr"/>
+            <a:r>
+              <a:rPr lang="en-US" sz="800" dirty="0">
                 <a:latin typeface="Arial" panose="020B0604020202020204" pitchFamily="34" charset="0"/>
                 <a:cs typeface="Arial" panose="020B0604020202020204" pitchFamily="34" charset="0"/>
               </a:rPr>
-              <a:t>region-2</a:t>
-            </a:r>
-          </a:p>
-        </p:txBody>
-      </p:sp>
-      <p:sp>
-        <p:nvSpPr>
-          <p:cNvPr id="218" name="Rectangle 217">
-            <a:extLst>
-              <a:ext uri="{FF2B5EF4-FFF2-40B4-BE49-F238E27FC236}">
-                <a16:creationId xmlns:a16="http://schemas.microsoft.com/office/drawing/2014/main" id="{AF6BC02D-93DE-2346-BBA6-FF8509345613}"/>
+              <a:t>4.0</a:t>
+            </a:r>
+          </a:p>
+        </p:txBody>
+      </p:sp>
+      <p:sp>
+        <p:nvSpPr>
+          <p:cNvPr id="240" name="Oval 239">
+            <a:extLst>
+              <a:ext uri="{FF2B5EF4-FFF2-40B4-BE49-F238E27FC236}">
+                <a16:creationId xmlns:a16="http://schemas.microsoft.com/office/drawing/2014/main" id="{41536248-F316-A743-87DD-EBD98D9E1FA9}"/>
               </a:ext>
             </a:extLst>
           </p:cNvPr>
@@ -5541,18 +5099,19 @@
         </p:nvSpPr>
         <p:spPr>
           <a:xfrm>
-            <a:off x="5856568" y="5291097"/>
-            <a:ext cx="1378736" cy="1210292"/>
-          </a:xfrm>
-          <a:prstGeom prst="rect">
+            <a:off x="4505560" y="5207457"/>
+            <a:ext cx="253435" cy="212902"/>
+          </a:xfrm>
+          <a:prstGeom prst="ellipse">
             <a:avLst/>
           </a:prstGeom>
-          <a:noFill/>
-          <a:ln w="12700">
+          <a:solidFill>
+            <a:schemeClr val="tx1"/>
+          </a:solidFill>
+          <a:ln>
             <a:solidFill>
               <a:schemeClr val="tx1"/>
             </a:solidFill>
-            <a:prstDash val="dash"/>
           </a:ln>
         </p:spPr>
         <p:style>
@@ -5572,30 +5131,26 @@
           </a:fontRef>
         </p:style>
         <p:txBody>
-          <a:bodyPr rot="0" spcFirstLastPara="0" vertOverflow="overflow" horzOverflow="overflow" vert="horz" wrap="square" lIns="91440" tIns="91440" rIns="91440" bIns="45720" numCol="1" spcCol="0" rtlCol="0" fromWordArt="0" anchor="t" anchorCtr="0" forceAA="0" compatLnSpc="1">
-            <a:noAutofit/>
-          </a:bodyPr>
-          <a:lstStyle/>
-          <a:p>
-            <a:r>
-              <a:rPr lang="en-US" sz="1100" dirty="0">
-                <a:solidFill>
-                  <a:schemeClr val="tx1"/>
-                </a:solidFill>
+          <a:bodyPr lIns="0" tIns="0" rIns="0" bIns="0" rtlCol="0" anchor="ctr"/>
+          <a:lstStyle/>
+          <a:p>
+            <a:pPr algn="ctr"/>
+            <a:r>
+              <a:rPr lang="en-US" sz="800" dirty="0">
                 <a:latin typeface="Arial" panose="020B0604020202020204" pitchFamily="34" charset="0"/>
                 <a:cs typeface="Arial" panose="020B0604020202020204" pitchFamily="34" charset="0"/>
               </a:rPr>
-              <a:t>region-n</a:t>
-            </a:r>
-          </a:p>
-        </p:txBody>
-      </p:sp>
-      <p:sp>
-        <p:nvSpPr>
-          <p:cNvPr id="226" name="Oval 225">
-            <a:extLst>
-              <a:ext uri="{FF2B5EF4-FFF2-40B4-BE49-F238E27FC236}">
-                <a16:creationId xmlns:a16="http://schemas.microsoft.com/office/drawing/2014/main" id="{B075B0CF-8F6A-3947-BD02-50EB6DA85CEE}"/>
+              <a:t>3.3</a:t>
+            </a:r>
+          </a:p>
+        </p:txBody>
+      </p:sp>
+      <p:sp>
+        <p:nvSpPr>
+          <p:cNvPr id="58" name="Rectangle 57">
+            <a:extLst>
+              <a:ext uri="{FF2B5EF4-FFF2-40B4-BE49-F238E27FC236}">
+                <a16:creationId xmlns:a16="http://schemas.microsoft.com/office/drawing/2014/main" id="{C2A080D2-2DB2-A44B-A3CD-E6CC160F6988}"/>
               </a:ext>
             </a:extLst>
           </p:cNvPr>
@@ -5604,19 +5159,18 @@
         </p:nvSpPr>
         <p:spPr>
           <a:xfrm>
-            <a:off x="876465" y="668457"/>
-            <a:ext cx="253435" cy="212902"/>
-          </a:xfrm>
-          <a:prstGeom prst="ellipse">
+            <a:off x="7437600" y="780660"/>
+            <a:ext cx="3183403" cy="3106931"/>
+          </a:xfrm>
+          <a:prstGeom prst="rect">
             <a:avLst/>
           </a:prstGeom>
-          <a:solidFill>
-            <a:schemeClr val="tx1"/>
-          </a:solidFill>
-          <a:ln>
+          <a:noFill/>
+          <a:ln w="12700">
             <a:solidFill>
               <a:schemeClr val="tx1"/>
             </a:solidFill>
+            <a:prstDash val="solid"/>
           </a:ln>
         </p:spPr>
         <p:style>
@@ -5636,665 +5190,6 @@
           </a:fontRef>
         </p:style>
         <p:txBody>
-          <a:bodyPr lIns="0" tIns="0" rIns="0" bIns="0" rtlCol="0" anchor="ctr"/>
-          <a:lstStyle/>
-          <a:p>
-            <a:pPr algn="ctr"/>
-            <a:r>
-              <a:rPr lang="en-US" sz="800" dirty="0">
-                <a:latin typeface="Arial" panose="020B0604020202020204" pitchFamily="34" charset="0"/>
-                <a:cs typeface="Arial" panose="020B0604020202020204" pitchFamily="34" charset="0"/>
-              </a:rPr>
-              <a:t>1.0</a:t>
-            </a:r>
-          </a:p>
-        </p:txBody>
-      </p:sp>
-      <p:sp>
-        <p:nvSpPr>
-          <p:cNvPr id="227" name="Oval 226">
-            <a:extLst>
-              <a:ext uri="{FF2B5EF4-FFF2-40B4-BE49-F238E27FC236}">
-                <a16:creationId xmlns:a16="http://schemas.microsoft.com/office/drawing/2014/main" id="{F0D1735B-0005-B145-8C48-3E3934A1D64E}"/>
-              </a:ext>
-            </a:extLst>
-          </p:cNvPr>
-          <p:cNvSpPr/>
-          <p:nvPr/>
-        </p:nvSpPr>
-        <p:spPr>
-          <a:xfrm>
-            <a:off x="1189492" y="1942541"/>
-            <a:ext cx="253435" cy="212902"/>
-          </a:xfrm>
-          <a:prstGeom prst="ellipse">
-            <a:avLst/>
-          </a:prstGeom>
-          <a:solidFill>
-            <a:schemeClr val="tx1"/>
-          </a:solidFill>
-          <a:ln>
-            <a:solidFill>
-              <a:schemeClr val="tx1"/>
-            </a:solidFill>
-          </a:ln>
-        </p:spPr>
-        <p:style>
-          <a:lnRef idx="2">
-            <a:schemeClr val="accent1">
-              <a:shade val="50000"/>
-            </a:schemeClr>
-          </a:lnRef>
-          <a:fillRef idx="1">
-            <a:schemeClr val="accent1"/>
-          </a:fillRef>
-          <a:effectRef idx="0">
-            <a:schemeClr val="accent1"/>
-          </a:effectRef>
-          <a:fontRef idx="minor">
-            <a:schemeClr val="lt1"/>
-          </a:fontRef>
-        </p:style>
-        <p:txBody>
-          <a:bodyPr lIns="0" tIns="0" rIns="0" bIns="0" rtlCol="0" anchor="ctr"/>
-          <a:lstStyle/>
-          <a:p>
-            <a:pPr algn="ctr"/>
-            <a:r>
-              <a:rPr lang="en-US" sz="800" dirty="0">
-                <a:latin typeface="Arial" panose="020B0604020202020204" pitchFamily="34" charset="0"/>
-                <a:cs typeface="Arial" panose="020B0604020202020204" pitchFamily="34" charset="0"/>
-              </a:rPr>
-              <a:t>1.1</a:t>
-            </a:r>
-          </a:p>
-        </p:txBody>
-      </p:sp>
-      <p:sp>
-        <p:nvSpPr>
-          <p:cNvPr id="228" name="Oval 227">
-            <a:extLst>
-              <a:ext uri="{FF2B5EF4-FFF2-40B4-BE49-F238E27FC236}">
-                <a16:creationId xmlns:a16="http://schemas.microsoft.com/office/drawing/2014/main" id="{2825B996-8DA9-604E-ADB8-7AADC93D3485}"/>
-              </a:ext>
-            </a:extLst>
-          </p:cNvPr>
-          <p:cNvSpPr/>
-          <p:nvPr/>
-        </p:nvSpPr>
-        <p:spPr>
-          <a:xfrm>
-            <a:off x="2880129" y="2555336"/>
-            <a:ext cx="253435" cy="212902"/>
-          </a:xfrm>
-          <a:prstGeom prst="ellipse">
-            <a:avLst/>
-          </a:prstGeom>
-          <a:solidFill>
-            <a:schemeClr val="tx1"/>
-          </a:solidFill>
-          <a:ln>
-            <a:solidFill>
-              <a:schemeClr val="tx1"/>
-            </a:solidFill>
-          </a:ln>
-        </p:spPr>
-        <p:style>
-          <a:lnRef idx="2">
-            <a:schemeClr val="accent1">
-              <a:shade val="50000"/>
-            </a:schemeClr>
-          </a:lnRef>
-          <a:fillRef idx="1">
-            <a:schemeClr val="accent1"/>
-          </a:fillRef>
-          <a:effectRef idx="0">
-            <a:schemeClr val="accent1"/>
-          </a:effectRef>
-          <a:fontRef idx="minor">
-            <a:schemeClr val="lt1"/>
-          </a:fontRef>
-        </p:style>
-        <p:txBody>
-          <a:bodyPr lIns="0" tIns="0" rIns="0" bIns="0" rtlCol="0" anchor="ctr"/>
-          <a:lstStyle/>
-          <a:p>
-            <a:pPr algn="ctr"/>
-            <a:r>
-              <a:rPr lang="en-US" sz="800" dirty="0">
-                <a:latin typeface="Arial" panose="020B0604020202020204" pitchFamily="34" charset="0"/>
-                <a:cs typeface="Arial" panose="020B0604020202020204" pitchFamily="34" charset="0"/>
-              </a:rPr>
-              <a:t>1.2</a:t>
-            </a:r>
-          </a:p>
-        </p:txBody>
-      </p:sp>
-      <p:sp>
-        <p:nvSpPr>
-          <p:cNvPr id="229" name="Oval 228">
-            <a:extLst>
-              <a:ext uri="{FF2B5EF4-FFF2-40B4-BE49-F238E27FC236}">
-                <a16:creationId xmlns:a16="http://schemas.microsoft.com/office/drawing/2014/main" id="{859652C7-00A9-F34A-9655-67677985A48F}"/>
-              </a:ext>
-            </a:extLst>
-          </p:cNvPr>
-          <p:cNvSpPr/>
-          <p:nvPr/>
-        </p:nvSpPr>
-        <p:spPr>
-          <a:xfrm>
-            <a:off x="4013888" y="1769550"/>
-            <a:ext cx="253435" cy="212902"/>
-          </a:xfrm>
-          <a:prstGeom prst="ellipse">
-            <a:avLst/>
-          </a:prstGeom>
-          <a:solidFill>
-            <a:schemeClr val="tx1"/>
-          </a:solidFill>
-          <a:ln>
-            <a:solidFill>
-              <a:schemeClr val="tx1"/>
-            </a:solidFill>
-          </a:ln>
-        </p:spPr>
-        <p:style>
-          <a:lnRef idx="2">
-            <a:schemeClr val="accent1">
-              <a:shade val="50000"/>
-            </a:schemeClr>
-          </a:lnRef>
-          <a:fillRef idx="1">
-            <a:schemeClr val="accent1"/>
-          </a:fillRef>
-          <a:effectRef idx="0">
-            <a:schemeClr val="accent1"/>
-          </a:effectRef>
-          <a:fontRef idx="minor">
-            <a:schemeClr val="lt1"/>
-          </a:fontRef>
-        </p:style>
-        <p:txBody>
-          <a:bodyPr lIns="0" tIns="0" rIns="0" bIns="0" rtlCol="0" anchor="ctr"/>
-          <a:lstStyle/>
-          <a:p>
-            <a:pPr algn="ctr"/>
-            <a:r>
-              <a:rPr lang="en-US" sz="800" dirty="0">
-                <a:latin typeface="Arial" panose="020B0604020202020204" pitchFamily="34" charset="0"/>
-                <a:cs typeface="Arial" panose="020B0604020202020204" pitchFamily="34" charset="0"/>
-              </a:rPr>
-              <a:t>1.4</a:t>
-            </a:r>
-          </a:p>
-        </p:txBody>
-      </p:sp>
-      <p:sp>
-        <p:nvSpPr>
-          <p:cNvPr id="230" name="Oval 229">
-            <a:extLst>
-              <a:ext uri="{FF2B5EF4-FFF2-40B4-BE49-F238E27FC236}">
-                <a16:creationId xmlns:a16="http://schemas.microsoft.com/office/drawing/2014/main" id="{A8B92BA9-A7C6-BB4E-B68F-9B0ADFBA3120}"/>
-              </a:ext>
-            </a:extLst>
-          </p:cNvPr>
-          <p:cNvSpPr/>
-          <p:nvPr/>
-        </p:nvSpPr>
-        <p:spPr>
-          <a:xfrm>
-            <a:off x="2889455" y="1268512"/>
-            <a:ext cx="253435" cy="212902"/>
-          </a:xfrm>
-          <a:prstGeom prst="ellipse">
-            <a:avLst/>
-          </a:prstGeom>
-          <a:solidFill>
-            <a:schemeClr val="tx1"/>
-          </a:solidFill>
-          <a:ln>
-            <a:solidFill>
-              <a:schemeClr val="tx1"/>
-            </a:solidFill>
-          </a:ln>
-        </p:spPr>
-        <p:style>
-          <a:lnRef idx="2">
-            <a:schemeClr val="accent1">
-              <a:shade val="50000"/>
-            </a:schemeClr>
-          </a:lnRef>
-          <a:fillRef idx="1">
-            <a:schemeClr val="accent1"/>
-          </a:fillRef>
-          <a:effectRef idx="0">
-            <a:schemeClr val="accent1"/>
-          </a:effectRef>
-          <a:fontRef idx="minor">
-            <a:schemeClr val="lt1"/>
-          </a:fontRef>
-        </p:style>
-        <p:txBody>
-          <a:bodyPr lIns="0" tIns="0" rIns="0" bIns="0" rtlCol="0" anchor="ctr"/>
-          <a:lstStyle/>
-          <a:p>
-            <a:pPr algn="ctr"/>
-            <a:r>
-              <a:rPr lang="en-US" sz="800" dirty="0">
-                <a:latin typeface="Arial" panose="020B0604020202020204" pitchFamily="34" charset="0"/>
-                <a:cs typeface="Arial" panose="020B0604020202020204" pitchFamily="34" charset="0"/>
-              </a:rPr>
-              <a:t>1.3</a:t>
-            </a:r>
-          </a:p>
-        </p:txBody>
-      </p:sp>
-      <p:sp>
-        <p:nvSpPr>
-          <p:cNvPr id="232" name="Oval 231">
-            <a:extLst>
-              <a:ext uri="{FF2B5EF4-FFF2-40B4-BE49-F238E27FC236}">
-                <a16:creationId xmlns:a16="http://schemas.microsoft.com/office/drawing/2014/main" id="{9BABBBA8-4173-384F-B7CD-669D9E9EFCCE}"/>
-              </a:ext>
-            </a:extLst>
-          </p:cNvPr>
-          <p:cNvSpPr/>
-          <p:nvPr/>
-        </p:nvSpPr>
-        <p:spPr>
-          <a:xfrm>
-            <a:off x="867542" y="3709763"/>
-            <a:ext cx="253435" cy="212902"/>
-          </a:xfrm>
-          <a:prstGeom prst="ellipse">
-            <a:avLst/>
-          </a:prstGeom>
-          <a:solidFill>
-            <a:schemeClr val="tx1"/>
-          </a:solidFill>
-          <a:ln>
-            <a:solidFill>
-              <a:schemeClr val="tx1"/>
-            </a:solidFill>
-          </a:ln>
-        </p:spPr>
-        <p:style>
-          <a:lnRef idx="2">
-            <a:schemeClr val="accent1">
-              <a:shade val="50000"/>
-            </a:schemeClr>
-          </a:lnRef>
-          <a:fillRef idx="1">
-            <a:schemeClr val="accent1"/>
-          </a:fillRef>
-          <a:effectRef idx="0">
-            <a:schemeClr val="accent1"/>
-          </a:effectRef>
-          <a:fontRef idx="minor">
-            <a:schemeClr val="lt1"/>
-          </a:fontRef>
-        </p:style>
-        <p:txBody>
-          <a:bodyPr lIns="0" tIns="0" rIns="0" bIns="0" rtlCol="0" anchor="ctr"/>
-          <a:lstStyle/>
-          <a:p>
-            <a:pPr algn="ctr"/>
-            <a:r>
-              <a:rPr lang="en-US" sz="800" dirty="0">
-                <a:latin typeface="Arial" panose="020B0604020202020204" pitchFamily="34" charset="0"/>
-                <a:cs typeface="Arial" panose="020B0604020202020204" pitchFamily="34" charset="0"/>
-              </a:rPr>
-              <a:t>3.0</a:t>
-            </a:r>
-          </a:p>
-        </p:txBody>
-      </p:sp>
-      <p:sp>
-        <p:nvSpPr>
-          <p:cNvPr id="233" name="Oval 232">
-            <a:extLst>
-              <a:ext uri="{FF2B5EF4-FFF2-40B4-BE49-F238E27FC236}">
-                <a16:creationId xmlns:a16="http://schemas.microsoft.com/office/drawing/2014/main" id="{4E5E3A8F-6978-7E4A-B538-0774C0EF83DA}"/>
-              </a:ext>
-            </a:extLst>
-          </p:cNvPr>
-          <p:cNvSpPr/>
-          <p:nvPr/>
-        </p:nvSpPr>
-        <p:spPr>
-          <a:xfrm>
-            <a:off x="7620951" y="3701295"/>
-            <a:ext cx="253435" cy="212902"/>
-          </a:xfrm>
-          <a:prstGeom prst="ellipse">
-            <a:avLst/>
-          </a:prstGeom>
-          <a:solidFill>
-            <a:schemeClr val="tx1"/>
-          </a:solidFill>
-          <a:ln>
-            <a:solidFill>
-              <a:schemeClr val="tx1"/>
-            </a:solidFill>
-          </a:ln>
-        </p:spPr>
-        <p:style>
-          <a:lnRef idx="2">
-            <a:schemeClr val="accent1">
-              <a:shade val="50000"/>
-            </a:schemeClr>
-          </a:lnRef>
-          <a:fillRef idx="1">
-            <a:schemeClr val="accent1"/>
-          </a:fillRef>
-          <a:effectRef idx="0">
-            <a:schemeClr val="accent1"/>
-          </a:effectRef>
-          <a:fontRef idx="minor">
-            <a:schemeClr val="lt1"/>
-          </a:fontRef>
-        </p:style>
-        <p:txBody>
-          <a:bodyPr lIns="0" tIns="0" rIns="0" bIns="0" rtlCol="0" anchor="ctr"/>
-          <a:lstStyle/>
-          <a:p>
-            <a:pPr algn="ctr"/>
-            <a:r>
-              <a:rPr lang="en-US" sz="800" dirty="0">
-                <a:latin typeface="Arial" panose="020B0604020202020204" pitchFamily="34" charset="0"/>
-                <a:cs typeface="Arial" panose="020B0604020202020204" pitchFamily="34" charset="0"/>
-              </a:rPr>
-              <a:t>4.0</a:t>
-            </a:r>
-          </a:p>
-        </p:txBody>
-      </p:sp>
-      <p:sp>
-        <p:nvSpPr>
-          <p:cNvPr id="234" name="Oval 233">
-            <a:extLst>
-              <a:ext uri="{FF2B5EF4-FFF2-40B4-BE49-F238E27FC236}">
-                <a16:creationId xmlns:a16="http://schemas.microsoft.com/office/drawing/2014/main" id="{EE906B53-BFD9-4940-8CF0-14D1223CDDBC}"/>
-              </a:ext>
-            </a:extLst>
-          </p:cNvPr>
-          <p:cNvSpPr/>
-          <p:nvPr/>
-        </p:nvSpPr>
-        <p:spPr>
-          <a:xfrm>
-            <a:off x="8924361" y="5661464"/>
-            <a:ext cx="253435" cy="212902"/>
-          </a:xfrm>
-          <a:prstGeom prst="ellipse">
-            <a:avLst/>
-          </a:prstGeom>
-          <a:solidFill>
-            <a:schemeClr val="tx1"/>
-          </a:solidFill>
-          <a:ln>
-            <a:solidFill>
-              <a:schemeClr val="tx1"/>
-            </a:solidFill>
-          </a:ln>
-        </p:spPr>
-        <p:style>
-          <a:lnRef idx="2">
-            <a:schemeClr val="accent1">
-              <a:shade val="50000"/>
-            </a:schemeClr>
-          </a:lnRef>
-          <a:fillRef idx="1">
-            <a:schemeClr val="accent1"/>
-          </a:fillRef>
-          <a:effectRef idx="0">
-            <a:schemeClr val="accent1"/>
-          </a:effectRef>
-          <a:fontRef idx="minor">
-            <a:schemeClr val="lt1"/>
-          </a:fontRef>
-        </p:style>
-        <p:txBody>
-          <a:bodyPr lIns="0" tIns="0" rIns="0" bIns="0" rtlCol="0" anchor="ctr"/>
-          <a:lstStyle/>
-          <a:p>
-            <a:pPr algn="ctr"/>
-            <a:r>
-              <a:rPr lang="en-US" sz="800" dirty="0">
-                <a:latin typeface="Arial" panose="020B0604020202020204" pitchFamily="34" charset="0"/>
-                <a:cs typeface="Arial" panose="020B0604020202020204" pitchFamily="34" charset="0"/>
-              </a:rPr>
-              <a:t>4.1</a:t>
-            </a:r>
-          </a:p>
-        </p:txBody>
-      </p:sp>
-      <p:sp>
-        <p:nvSpPr>
-          <p:cNvPr id="237" name="Oval 236">
-            <a:extLst>
-              <a:ext uri="{FF2B5EF4-FFF2-40B4-BE49-F238E27FC236}">
-                <a16:creationId xmlns:a16="http://schemas.microsoft.com/office/drawing/2014/main" id="{6BA035C0-F86D-6346-86AE-2BA9D3B2E833}"/>
-              </a:ext>
-            </a:extLst>
-          </p:cNvPr>
-          <p:cNvSpPr/>
-          <p:nvPr/>
-        </p:nvSpPr>
-        <p:spPr>
-          <a:xfrm>
-            <a:off x="1241581" y="4994940"/>
-            <a:ext cx="253435" cy="212902"/>
-          </a:xfrm>
-          <a:prstGeom prst="ellipse">
-            <a:avLst/>
-          </a:prstGeom>
-          <a:solidFill>
-            <a:schemeClr val="tx1"/>
-          </a:solidFill>
-          <a:ln>
-            <a:solidFill>
-              <a:schemeClr val="tx1"/>
-            </a:solidFill>
-          </a:ln>
-        </p:spPr>
-        <p:style>
-          <a:lnRef idx="2">
-            <a:schemeClr val="accent1">
-              <a:shade val="50000"/>
-            </a:schemeClr>
-          </a:lnRef>
-          <a:fillRef idx="1">
-            <a:schemeClr val="accent1"/>
-          </a:fillRef>
-          <a:effectRef idx="0">
-            <a:schemeClr val="accent1"/>
-          </a:effectRef>
-          <a:fontRef idx="minor">
-            <a:schemeClr val="lt1"/>
-          </a:fontRef>
-        </p:style>
-        <p:txBody>
-          <a:bodyPr lIns="0" tIns="0" rIns="0" bIns="0" rtlCol="0" anchor="ctr"/>
-          <a:lstStyle/>
-          <a:p>
-            <a:pPr algn="ctr"/>
-            <a:r>
-              <a:rPr lang="en-US" sz="800" dirty="0">
-                <a:latin typeface="Arial" panose="020B0604020202020204" pitchFamily="34" charset="0"/>
-                <a:cs typeface="Arial" panose="020B0604020202020204" pitchFamily="34" charset="0"/>
-              </a:rPr>
-              <a:t>3.1</a:t>
-            </a:r>
-          </a:p>
-        </p:txBody>
-      </p:sp>
-      <p:sp>
-        <p:nvSpPr>
-          <p:cNvPr id="240" name="Oval 239">
-            <a:extLst>
-              <a:ext uri="{FF2B5EF4-FFF2-40B4-BE49-F238E27FC236}">
-                <a16:creationId xmlns:a16="http://schemas.microsoft.com/office/drawing/2014/main" id="{41536248-F316-A743-87DD-EBD98D9E1FA9}"/>
-              </a:ext>
-            </a:extLst>
-          </p:cNvPr>
-          <p:cNvSpPr/>
-          <p:nvPr/>
-        </p:nvSpPr>
-        <p:spPr>
-          <a:xfrm>
-            <a:off x="4460992" y="5070563"/>
-            <a:ext cx="253435" cy="212902"/>
-          </a:xfrm>
-          <a:prstGeom prst="ellipse">
-            <a:avLst/>
-          </a:prstGeom>
-          <a:solidFill>
-            <a:schemeClr val="tx1"/>
-          </a:solidFill>
-          <a:ln>
-            <a:solidFill>
-              <a:schemeClr val="tx1"/>
-            </a:solidFill>
-          </a:ln>
-        </p:spPr>
-        <p:style>
-          <a:lnRef idx="2">
-            <a:schemeClr val="accent1">
-              <a:shade val="50000"/>
-            </a:schemeClr>
-          </a:lnRef>
-          <a:fillRef idx="1">
-            <a:schemeClr val="accent1"/>
-          </a:fillRef>
-          <a:effectRef idx="0">
-            <a:schemeClr val="accent1"/>
-          </a:effectRef>
-          <a:fontRef idx="minor">
-            <a:schemeClr val="lt1"/>
-          </a:fontRef>
-        </p:style>
-        <p:txBody>
-          <a:bodyPr lIns="0" tIns="0" rIns="0" bIns="0" rtlCol="0" anchor="ctr"/>
-          <a:lstStyle/>
-          <a:p>
-            <a:pPr algn="ctr"/>
-            <a:r>
-              <a:rPr lang="en-US" sz="800" dirty="0">
-                <a:latin typeface="Arial" panose="020B0604020202020204" pitchFamily="34" charset="0"/>
-                <a:cs typeface="Arial" panose="020B0604020202020204" pitchFamily="34" charset="0"/>
-              </a:rPr>
-              <a:t>3.3</a:t>
-            </a:r>
-          </a:p>
-        </p:txBody>
-      </p:sp>
-      <p:sp>
-        <p:nvSpPr>
-          <p:cNvPr id="241" name="Oval 240">
-            <a:extLst>
-              <a:ext uri="{FF2B5EF4-FFF2-40B4-BE49-F238E27FC236}">
-                <a16:creationId xmlns:a16="http://schemas.microsoft.com/office/drawing/2014/main" id="{0AB58273-2C96-D048-8FE3-6652D9012A87}"/>
-              </a:ext>
-            </a:extLst>
-          </p:cNvPr>
-          <p:cNvSpPr/>
-          <p:nvPr/>
-        </p:nvSpPr>
-        <p:spPr>
-          <a:xfrm>
-            <a:off x="6276535" y="5660867"/>
-            <a:ext cx="253435" cy="212902"/>
-          </a:xfrm>
-          <a:prstGeom prst="ellipse">
-            <a:avLst/>
-          </a:prstGeom>
-          <a:solidFill>
-            <a:schemeClr val="tx1"/>
-          </a:solidFill>
-          <a:ln>
-            <a:solidFill>
-              <a:schemeClr val="tx1"/>
-            </a:solidFill>
-          </a:ln>
-        </p:spPr>
-        <p:style>
-          <a:lnRef idx="2">
-            <a:schemeClr val="accent1">
-              <a:shade val="50000"/>
-            </a:schemeClr>
-          </a:lnRef>
-          <a:fillRef idx="1">
-            <a:schemeClr val="accent1"/>
-          </a:fillRef>
-          <a:effectRef idx="0">
-            <a:schemeClr val="accent1"/>
-          </a:effectRef>
-          <a:fontRef idx="minor">
-            <a:schemeClr val="lt1"/>
-          </a:fontRef>
-        </p:style>
-        <p:txBody>
-          <a:bodyPr lIns="0" tIns="0" rIns="0" bIns="0" rtlCol="0" anchor="ctr"/>
-          <a:lstStyle/>
-          <a:p>
-            <a:pPr algn="ctr"/>
-            <a:r>
-              <a:rPr lang="en-US" sz="800" dirty="0">
-                <a:latin typeface="Arial" panose="020B0604020202020204" pitchFamily="34" charset="0"/>
-                <a:cs typeface="Arial" panose="020B0604020202020204" pitchFamily="34" charset="0"/>
-              </a:rPr>
-              <a:t>3.4</a:t>
-            </a:r>
-          </a:p>
-        </p:txBody>
-      </p:sp>
-      <p:sp>
-        <p:nvSpPr>
-          <p:cNvPr id="58" name="Rectangle 57">
-            <a:extLst>
-              <a:ext uri="{FF2B5EF4-FFF2-40B4-BE49-F238E27FC236}">
-                <a16:creationId xmlns:a16="http://schemas.microsoft.com/office/drawing/2014/main" id="{C2A080D2-2DB2-A44B-A3CD-E6CC160F6988}"/>
-              </a:ext>
-            </a:extLst>
-          </p:cNvPr>
-          <p:cNvSpPr/>
-          <p:nvPr/>
-        </p:nvSpPr>
-        <p:spPr>
-          <a:xfrm>
-            <a:off x="6759103" y="641611"/>
-            <a:ext cx="4599021" cy="2969040"/>
-          </a:xfrm>
-          <a:prstGeom prst="rect">
-            <a:avLst/>
-          </a:prstGeom>
-          <a:noFill/>
-          <a:ln w="12700">
-            <a:solidFill>
-              <a:schemeClr val="tx1"/>
-            </a:solidFill>
-            <a:prstDash val="solid"/>
-          </a:ln>
-        </p:spPr>
-        <p:style>
-          <a:lnRef idx="2">
-            <a:schemeClr val="accent1">
-              <a:shade val="50000"/>
-            </a:schemeClr>
-          </a:lnRef>
-          <a:fillRef idx="1">
-            <a:schemeClr val="accent1"/>
-          </a:fillRef>
-          <a:effectRef idx="0">
-            <a:schemeClr val="accent1"/>
-          </a:effectRef>
-          <a:fontRef idx="minor">
-            <a:schemeClr val="lt1"/>
-          </a:fontRef>
-        </p:style>
-        <p:txBody>
           <a:bodyPr rot="0" spcFirstLastPara="0" vertOverflow="overflow" horzOverflow="overflow" vert="horz" wrap="square" lIns="91440" tIns="91440" rIns="91440" bIns="45720" numCol="1" spcCol="0" rtlCol="0" fromWordArt="0" anchor="t" anchorCtr="0" forceAA="0" compatLnSpc="1">
             <a:prstTxWarp prst="textNoShape">
               <a:avLst/>
@@ -6312,13 +5207,13 @@
                 <a:latin typeface="Arial" panose="020B0604020202020204" pitchFamily="34" charset="0"/>
                 <a:cs typeface="Arial" panose="020B0604020202020204" pitchFamily="34" charset="0"/>
               </a:rPr>
-              <a:t>Security Log Archive Account</a:t>
+              <a:t>Log Archive Account</a:t>
             </a:r>
           </a:p>
           <a:p>
             <a:pPr algn="ctr"/>
             <a:r>
-              <a:rPr lang="en-US" sz="1400" dirty="0">
+              <a:rPr lang="en-US" sz="1200" dirty="0">
                 <a:solidFill>
                   <a:schemeClr val="tx1"/>
                 </a:solidFill>
@@ -6344,8 +5239,8 @@
         </p:nvSpPr>
         <p:spPr>
           <a:xfrm>
-            <a:off x="8345430" y="2329245"/>
-            <a:ext cx="1079517" cy="600164"/>
+            <a:off x="7757527" y="3213557"/>
+            <a:ext cx="834101" cy="430887"/>
           </a:xfrm>
           <a:prstGeom prst="rect">
             <a:avLst/>
@@ -6440,7 +5335,7 @@
                 <a:latin typeface="Arial" panose="020B0604020202020204" pitchFamily="34" charset="0"/>
                 <a:cs typeface="Arial" panose="020B0604020202020204" pitchFamily="34" charset="0"/>
               </a:rPr>
-              <a:t>Guard Duty Delivery Bucket</a:t>
+              <a:t>Delivery S3 Bucket</a:t>
             </a:r>
           </a:p>
         </p:txBody>
@@ -6459,7 +5354,7 @@
         </p:nvSpPr>
         <p:spPr>
           <a:xfrm>
-            <a:off x="6793901" y="2504774"/>
+            <a:off x="7582999" y="2101482"/>
             <a:ext cx="1184753" cy="430887"/>
           </a:xfrm>
           <a:prstGeom prst="rect">
@@ -6484,42 +5379,6 @@
           </a:p>
         </p:txBody>
       </p:sp>
-      <p:pic>
-        <p:nvPicPr>
-          <p:cNvPr id="68" name="Graphic 67">
-            <a:extLst>
-              <a:ext uri="{FF2B5EF4-FFF2-40B4-BE49-F238E27FC236}">
-                <a16:creationId xmlns:a16="http://schemas.microsoft.com/office/drawing/2014/main" id="{BC2BCBB9-BD20-D146-B8E4-86BEE922750A}"/>
-              </a:ext>
-            </a:extLst>
-          </p:cNvPr>
-          <p:cNvPicPr>
-            <a:picLocks noChangeAspect="1"/>
-          </p:cNvPicPr>
-          <p:nvPr/>
-        </p:nvPicPr>
-        <p:blipFill>
-          <a:blip r:embed="rId11">
-            <a:extLst>
-              <a:ext uri="{96DAC541-7B7A-43D3-8B79-37D633B846F1}">
-                <asvg:svgBlip xmlns:asvg="http://schemas.microsoft.com/office/drawing/2016/SVG/main" r:embed="rId12"/>
-              </a:ext>
-            </a:extLst>
-          </a:blip>
-          <a:stretch>
-            <a:fillRect/>
-          </a:stretch>
-        </p:blipFill>
-        <p:spPr>
-          <a:xfrm>
-            <a:off x="7096097" y="1935836"/>
-            <a:ext cx="555156" cy="555156"/>
-          </a:xfrm>
-          <a:prstGeom prst="rect">
-            <a:avLst/>
-          </a:prstGeom>
-        </p:spPr>
-      </p:pic>
       <p:sp>
         <p:nvSpPr>
           <p:cNvPr id="69" name="Rectangle 68">
@@ -6534,8 +5393,8 @@
         </p:nvSpPr>
         <p:spPr>
           <a:xfrm>
-            <a:off x="8329679" y="1202589"/>
-            <a:ext cx="2923191" cy="2296726"/>
+            <a:off x="7564225" y="1386208"/>
+            <a:ext cx="2937845" cy="2360247"/>
           </a:xfrm>
           <a:prstGeom prst="rect">
             <a:avLst/>
@@ -6565,7 +5424,7 @@
           </a:fontRef>
         </p:style>
         <p:txBody>
-          <a:bodyPr rot="0" spcFirstLastPara="0" vertOverflow="overflow" horzOverflow="overflow" vert="horz" wrap="square" lIns="91440" tIns="91440" rIns="91440" bIns="45720" numCol="1" spcCol="0" rtlCol="0" fromWordArt="0" anchor="t" anchorCtr="0" forceAA="0" compatLnSpc="1">
+          <a:bodyPr rot="0" spcFirstLastPara="0" vertOverflow="overflow" horzOverflow="overflow" vert="horz" wrap="square" lIns="91440" tIns="0" rIns="91440" bIns="45720" numCol="1" spcCol="0" rtlCol="0" fromWordArt="0" anchor="t" anchorCtr="0" forceAA="0" compatLnSpc="1">
             <a:prstTxWarp prst="textNoShape">
               <a:avLst/>
             </a:prstTxWarp>
@@ -6573,62 +5432,19 @@
           </a:bodyPr>
           <a:lstStyle/>
           <a:p>
-            <a:pPr algn="ctr"/>
-            <a:endParaRPr lang="en-US" sz="1400" dirty="0">
-              <a:solidFill>
-                <a:srgbClr val="5A6B86"/>
-              </a:solidFill>
-              <a:latin typeface="Arial" panose="020B0604020202020204" pitchFamily="34" charset="0"/>
-              <a:cs typeface="Arial" panose="020B0604020202020204" pitchFamily="34" charset="0"/>
-            </a:endParaRPr>
-          </a:p>
-        </p:txBody>
-      </p:sp>
-      <p:cxnSp>
-        <p:nvCxnSpPr>
-          <p:cNvPr id="70" name="Straight Arrow Connector 69">
-            <a:extLst>
-              <a:ext uri="{FF2B5EF4-FFF2-40B4-BE49-F238E27FC236}">
-                <a16:creationId xmlns:a16="http://schemas.microsoft.com/office/drawing/2014/main" id="{BA23C49A-76FB-AD4F-ABBE-A137DA074C95}"/>
-              </a:ext>
-            </a:extLst>
-          </p:cNvPr>
-          <p:cNvCxnSpPr>
-            <a:cxnSpLocks/>
-          </p:cNvCxnSpPr>
-          <p:nvPr/>
-        </p:nvCxnSpPr>
-        <p:spPr>
-          <a:xfrm>
-            <a:off x="7729015" y="2220683"/>
-            <a:ext cx="486285" cy="0"/>
-          </a:xfrm>
-          <a:prstGeom prst="straightConnector1">
-            <a:avLst/>
-          </a:prstGeom>
-          <a:ln w="12700">
-            <a:solidFill>
-              <a:srgbClr val="545B64"/>
-            </a:solidFill>
-            <a:headEnd type="none" w="med" len="sm"/>
-            <a:tailEnd type="arrow" w="med" len="sm"/>
-          </a:ln>
-        </p:spPr>
-        <p:style>
-          <a:lnRef idx="1">
-            <a:schemeClr val="accent1"/>
-          </a:lnRef>
-          <a:fillRef idx="0">
-            <a:schemeClr val="accent1"/>
-          </a:fillRef>
-          <a:effectRef idx="0">
-            <a:schemeClr val="accent1"/>
-          </a:effectRef>
-          <a:fontRef idx="minor">
-            <a:schemeClr val="tx1"/>
-          </a:fontRef>
-        </p:style>
-      </p:cxnSp>
+            <a:r>
+              <a:rPr lang="en-US" sz="1200" b="1" dirty="0">
+                <a:solidFill>
+                  <a:schemeClr val="tx1"/>
+                </a:solidFill>
+                <a:latin typeface="Arial" panose="020B0604020202020204" pitchFamily="34" charset="0"/>
+                <a:cs typeface="Arial" panose="020B0604020202020204" pitchFamily="34" charset="0"/>
+              </a:rPr>
+              <a:t>Home-region</a:t>
+            </a:r>
+          </a:p>
+        </p:txBody>
+      </p:sp>
       <p:sp>
         <p:nvSpPr>
           <p:cNvPr id="71" name="Rectangle 70">
@@ -6643,8 +5459,8 @@
         </p:nvSpPr>
         <p:spPr>
           <a:xfrm>
-            <a:off x="9445526" y="1475674"/>
-            <a:ext cx="1667406" cy="1852278"/>
+            <a:off x="9060079" y="2098360"/>
+            <a:ext cx="1298909" cy="1435376"/>
           </a:xfrm>
           <a:prstGeom prst="rect">
             <a:avLst/>
@@ -6674,13 +5490,13 @@
           </a:fontRef>
         </p:style>
         <p:txBody>
-          <a:bodyPr rot="0" spcFirstLastPara="0" vertOverflow="overflow" horzOverflow="overflow" vert="horz" wrap="square" lIns="91440" tIns="91440" rIns="91440" bIns="45720" numCol="1" spcCol="0" rtlCol="0" fromWordArt="0" anchor="t" anchorCtr="0" forceAA="0" compatLnSpc="1">
+          <a:bodyPr rot="0" spcFirstLastPara="0" vertOverflow="overflow" horzOverflow="overflow" vert="horz" wrap="square" lIns="91440" tIns="0" rIns="91440" bIns="45720" numCol="1" spcCol="0" rtlCol="0" fromWordArt="0" anchor="t" anchorCtr="0" forceAA="0" compatLnSpc="1">
             <a:noAutofit/>
           </a:bodyPr>
           <a:lstStyle/>
           <a:p>
             <a:r>
-              <a:rPr lang="en-US" sz="1100" dirty="0">
+              <a:rPr lang="en-US" sz="1100" b="1" dirty="0">
                 <a:solidFill>
                   <a:schemeClr val="tx1"/>
                 </a:solidFill>
@@ -6692,42 +5508,6 @@
           </a:p>
         </p:txBody>
       </p:sp>
-      <p:pic>
-        <p:nvPicPr>
-          <p:cNvPr id="72" name="Graphic 71">
-            <a:extLst>
-              <a:ext uri="{FF2B5EF4-FFF2-40B4-BE49-F238E27FC236}">
-                <a16:creationId xmlns:a16="http://schemas.microsoft.com/office/drawing/2014/main" id="{C74D6A3B-BBA6-434F-9756-8BB114C5F3AA}"/>
-              </a:ext>
-            </a:extLst>
-          </p:cNvPr>
-          <p:cNvPicPr>
-            <a:picLocks noChangeAspect="1"/>
-          </p:cNvPicPr>
-          <p:nvPr/>
-        </p:nvPicPr>
-        <p:blipFill>
-          <a:blip r:embed="rId13">
-            <a:extLst>
-              <a:ext uri="{96DAC541-7B7A-43D3-8B79-37D633B846F1}">
-                <asvg:svgBlip xmlns:asvg="http://schemas.microsoft.com/office/drawing/2016/SVG/main" r:embed="rId14"/>
-              </a:ext>
-            </a:extLst>
-          </a:blip>
-          <a:stretch>
-            <a:fillRect/>
-          </a:stretch>
-        </p:blipFill>
-        <p:spPr>
-          <a:xfrm>
-            <a:off x="10139054" y="2476500"/>
-            <a:ext cx="555156" cy="555156"/>
-          </a:xfrm>
-          <a:prstGeom prst="rect">
-            <a:avLst/>
-          </a:prstGeom>
-        </p:spPr>
-      </p:pic>
       <p:sp>
         <p:nvSpPr>
           <p:cNvPr id="73" name="TextBox 72">
@@ -6742,7 +5522,7 @@
         </p:nvSpPr>
         <p:spPr>
           <a:xfrm>
-            <a:off x="9898069" y="3041304"/>
+            <a:off x="9348230" y="3259742"/>
             <a:ext cx="1047687" cy="261610"/>
           </a:xfrm>
           <a:prstGeom prst="rect">
@@ -6781,8 +5561,8 @@
         </p:nvSpPr>
         <p:spPr>
           <a:xfrm>
-            <a:off x="9597926" y="1792664"/>
-            <a:ext cx="1515006" cy="1535288"/>
+            <a:off x="9188858" y="2320768"/>
+            <a:ext cx="1170130" cy="1212968"/>
           </a:xfrm>
           <a:prstGeom prst="rect">
             <a:avLst/>
@@ -6812,13 +5592,13 @@
           </a:fontRef>
         </p:style>
         <p:txBody>
-          <a:bodyPr rot="0" spcFirstLastPara="0" vertOverflow="overflow" horzOverflow="overflow" vert="horz" wrap="square" lIns="91440" tIns="91440" rIns="91440" bIns="45720" numCol="1" spcCol="0" rtlCol="0" fromWordArt="0" anchor="t" anchorCtr="0" forceAA="0" compatLnSpc="1">
+          <a:bodyPr rot="0" spcFirstLastPara="0" vertOverflow="overflow" horzOverflow="overflow" vert="horz" wrap="square" lIns="91440" tIns="0" rIns="91440" bIns="45720" numCol="1" spcCol="0" rtlCol="0" fromWordArt="0" anchor="t" anchorCtr="0" forceAA="0" compatLnSpc="1">
             <a:noAutofit/>
           </a:bodyPr>
           <a:lstStyle/>
           <a:p>
             <a:r>
-              <a:rPr lang="en-US" sz="1100" dirty="0">
+              <a:rPr lang="en-US" sz="1100" b="1" dirty="0">
                 <a:solidFill>
                   <a:schemeClr val="tx1"/>
                 </a:solidFill>
@@ -6844,8 +5624,8 @@
         </p:nvSpPr>
         <p:spPr>
           <a:xfrm>
-            <a:off x="9734196" y="2117660"/>
-            <a:ext cx="1378736" cy="1210292"/>
+            <a:off x="9306055" y="2553992"/>
+            <a:ext cx="1052932" cy="979744"/>
           </a:xfrm>
           <a:prstGeom prst="rect">
             <a:avLst/>
@@ -6875,13 +5655,13 @@
           </a:fontRef>
         </p:style>
         <p:txBody>
-          <a:bodyPr rot="0" spcFirstLastPara="0" vertOverflow="overflow" horzOverflow="overflow" vert="horz" wrap="square" lIns="91440" tIns="91440" rIns="91440" bIns="45720" numCol="1" spcCol="0" rtlCol="0" fromWordArt="0" anchor="t" anchorCtr="0" forceAA="0" compatLnSpc="1">
+          <a:bodyPr rot="0" spcFirstLastPara="0" vertOverflow="overflow" horzOverflow="overflow" vert="horz" wrap="square" lIns="91440" tIns="0" rIns="91440" bIns="45720" numCol="1" spcCol="0" rtlCol="0" fromWordArt="0" anchor="t" anchorCtr="0" forceAA="0" compatLnSpc="1">
             <a:noAutofit/>
           </a:bodyPr>
           <a:lstStyle/>
           <a:p>
             <a:r>
-              <a:rPr lang="en-US" sz="1100" dirty="0">
+              <a:rPr lang="en-US" sz="1100" b="1" dirty="0">
                 <a:solidFill>
                   <a:schemeClr val="tx1"/>
                 </a:solidFill>
@@ -6907,7 +5687,7 @@
         </p:nvSpPr>
         <p:spPr>
           <a:xfrm>
-            <a:off x="6787581" y="661270"/>
+            <a:off x="7474847" y="815669"/>
             <a:ext cx="253435" cy="212902"/>
           </a:xfrm>
           <a:prstGeom prst="ellipse">
@@ -6955,10 +5735,10 @@
       </p:sp>
       <p:sp>
         <p:nvSpPr>
-          <p:cNvPr id="77" name="Oval 76">
-            <a:extLst>
-              <a:ext uri="{FF2B5EF4-FFF2-40B4-BE49-F238E27FC236}">
-                <a16:creationId xmlns:a16="http://schemas.microsoft.com/office/drawing/2014/main" id="{AED94000-28EA-A04C-B6B2-408F1241E4F2}"/>
+          <p:cNvPr id="85" name="Oval 84">
+            <a:extLst>
+              <a:ext uri="{FF2B5EF4-FFF2-40B4-BE49-F238E27FC236}">
+                <a16:creationId xmlns:a16="http://schemas.microsoft.com/office/drawing/2014/main" id="{F63B8CB6-3CF2-CF41-8CAF-9E6836E55BB9}"/>
               </a:ext>
             </a:extLst>
           </p:cNvPr>
@@ -6967,7 +5747,7 @@
         </p:nvSpPr>
         <p:spPr>
           <a:xfrm>
-            <a:off x="7111323" y="1942779"/>
+            <a:off x="8048353" y="2548886"/>
             <a:ext cx="253435" cy="212902"/>
           </a:xfrm>
           <a:prstGeom prst="ellipse">
@@ -7008,17 +5788,131 @@
                 <a:latin typeface="Arial" panose="020B0604020202020204" pitchFamily="34" charset="0"/>
                 <a:cs typeface="Arial" panose="020B0604020202020204" pitchFamily="34" charset="0"/>
               </a:rPr>
-              <a:t>2.1</a:t>
-            </a:r>
-          </a:p>
-        </p:txBody>
-      </p:sp>
-      <p:sp>
-        <p:nvSpPr>
-          <p:cNvPr id="81" name="Oval 80">
-            <a:extLst>
-              <a:ext uri="{FF2B5EF4-FFF2-40B4-BE49-F238E27FC236}">
-                <a16:creationId xmlns:a16="http://schemas.microsoft.com/office/drawing/2014/main" id="{CC0C6702-E491-584C-9DAD-C57A70340998}"/>
+              <a:t>2.2</a:t>
+            </a:r>
+          </a:p>
+        </p:txBody>
+      </p:sp>
+      <p:sp>
+        <p:nvSpPr>
+          <p:cNvPr id="89" name="TextBox 88">
+            <a:extLst>
+              <a:ext uri="{FF2B5EF4-FFF2-40B4-BE49-F238E27FC236}">
+                <a16:creationId xmlns:a16="http://schemas.microsoft.com/office/drawing/2014/main" id="{8DBD3F82-3429-E24C-8E32-5EB1A489A3C5}"/>
+              </a:ext>
+            </a:extLst>
+          </p:cNvPr>
+          <p:cNvSpPr txBox="1"/>
+          <p:nvPr/>
+        </p:nvSpPr>
+        <p:spPr>
+          <a:xfrm>
+            <a:off x="3024605" y="5695784"/>
+            <a:ext cx="907653" cy="430887"/>
+          </a:xfrm>
+          <a:prstGeom prst="rect">
+            <a:avLst/>
+          </a:prstGeom>
+          <a:noFill/>
+        </p:spPr>
+        <p:txBody>
+          <a:bodyPr wrap="square" rtlCol="0">
+            <a:spAutoFit/>
+          </a:bodyPr>
+          <a:lstStyle/>
+          <a:p>
+            <a:pPr algn="ctr"/>
+            <a:r>
+              <a:rPr lang="en-US" sz="1100" dirty="0">
+                <a:latin typeface="Arial" panose="020B0604020202020204" pitchFamily="34" charset="0"/>
+                <a:cs typeface="Arial" panose="020B0604020202020204" pitchFamily="34" charset="0"/>
+              </a:rPr>
+              <a:t>Delivery KMS Key</a:t>
+            </a:r>
+          </a:p>
+        </p:txBody>
+      </p:sp>
+      <p:sp>
+        <p:nvSpPr>
+          <p:cNvPr id="87" name="TextBox 86">
+            <a:extLst>
+              <a:ext uri="{FF2B5EF4-FFF2-40B4-BE49-F238E27FC236}">
+                <a16:creationId xmlns:a16="http://schemas.microsoft.com/office/drawing/2014/main" id="{D3BE5D26-F11D-224A-B273-443BC6F8CEBB}"/>
+              </a:ext>
+            </a:extLst>
+          </p:cNvPr>
+          <p:cNvSpPr txBox="1"/>
+          <p:nvPr/>
+        </p:nvSpPr>
+        <p:spPr>
+          <a:xfrm>
+            <a:off x="9308870" y="5471884"/>
+            <a:ext cx="1103001" cy="430887"/>
+          </a:xfrm>
+          <a:prstGeom prst="rect">
+            <a:avLst/>
+          </a:prstGeom>
+          <a:noFill/>
+        </p:spPr>
+        <p:txBody>
+          <a:bodyPr wrap="square" rtlCol="0">
+            <a:spAutoFit/>
+          </a:bodyPr>
+          <a:lstStyle/>
+          <a:p>
+            <a:pPr algn="ctr"/>
+            <a:r>
+              <a:rPr lang="en-US" sz="1100" dirty="0">
+                <a:latin typeface="Arial" panose="020B0604020202020204" pitchFamily="34" charset="0"/>
+                <a:cs typeface="Arial" panose="020B0604020202020204" pitchFamily="34" charset="0"/>
+              </a:rPr>
+              <a:t>Delete Detector Role</a:t>
+            </a:r>
+          </a:p>
+        </p:txBody>
+      </p:sp>
+      <p:pic>
+        <p:nvPicPr>
+          <p:cNvPr id="91" name="Graphic 90">
+            <a:extLst>
+              <a:ext uri="{FF2B5EF4-FFF2-40B4-BE49-F238E27FC236}">
+                <a16:creationId xmlns:a16="http://schemas.microsoft.com/office/drawing/2014/main" id="{1BFEB7BE-0AE6-2A44-9FA3-BCF9B4D0855B}"/>
+              </a:ext>
+            </a:extLst>
+          </p:cNvPr>
+          <p:cNvPicPr>
+            <a:picLocks noChangeAspect="1"/>
+          </p:cNvPicPr>
+          <p:nvPr/>
+        </p:nvPicPr>
+        <p:blipFill>
+          <a:blip r:embed="rId5">
+            <a:extLst>
+              <a:ext uri="{96DAC541-7B7A-43D3-8B79-37D633B846F1}">
+                <asvg:svgBlip xmlns:asvg="http://schemas.microsoft.com/office/drawing/2016/SVG/main" r:embed="rId6"/>
+              </a:ext>
+            </a:extLst>
+          </a:blip>
+          <a:stretch>
+            <a:fillRect/>
+          </a:stretch>
+        </p:blipFill>
+        <p:spPr>
+          <a:xfrm>
+            <a:off x="9589394" y="5124217"/>
+            <a:ext cx="469900" cy="469900"/>
+          </a:xfrm>
+          <a:prstGeom prst="rect">
+            <a:avLst/>
+          </a:prstGeom>
+        </p:spPr>
+      </p:pic>
+      <p:sp>
+        <p:nvSpPr>
+          <p:cNvPr id="92" name="Oval 91">
+            <a:extLst>
+              <a:ext uri="{FF2B5EF4-FFF2-40B4-BE49-F238E27FC236}">
+                <a16:creationId xmlns:a16="http://schemas.microsoft.com/office/drawing/2014/main" id="{0757465A-6C02-E44B-9C5C-D6BACF8A00E2}"/>
               </a:ext>
             </a:extLst>
           </p:cNvPr>
@@ -7027,7 +5921,7 @@
         </p:nvSpPr>
         <p:spPr>
           <a:xfrm>
-            <a:off x="10154163" y="2487430"/>
+            <a:off x="9720114" y="4980398"/>
             <a:ext cx="253435" cy="212902"/>
           </a:xfrm>
           <a:prstGeom prst="ellipse">
@@ -7068,53 +5962,77 @@
                 <a:latin typeface="Arial" panose="020B0604020202020204" pitchFamily="34" charset="0"/>
                 <a:cs typeface="Arial" panose="020B0604020202020204" pitchFamily="34" charset="0"/>
               </a:rPr>
-              <a:t>2.3</a:t>
+              <a:t>4.2</a:t>
             </a:r>
           </a:p>
         </p:txBody>
       </p:sp>
       <p:pic>
         <p:nvPicPr>
-          <p:cNvPr id="82" name="Graphic 81">
-            <a:extLst>
-              <a:ext uri="{FF2B5EF4-FFF2-40B4-BE49-F238E27FC236}">
-                <a16:creationId xmlns:a16="http://schemas.microsoft.com/office/drawing/2014/main" id="{C140AE3D-3CF1-4D44-B1FF-B13C3BFD3266}"/>
+          <p:cNvPr id="94" name="Graphic 13">
+            <a:extLst>
+              <a:ext uri="{FF2B5EF4-FFF2-40B4-BE49-F238E27FC236}">
+                <a16:creationId xmlns:a16="http://schemas.microsoft.com/office/drawing/2014/main" id="{E1677150-8C65-4D4F-B1E6-F3155F6691FE}"/>
               </a:ext>
             </a:extLst>
           </p:cNvPr>
           <p:cNvPicPr>
-            <a:picLocks noChangeAspect="1"/>
+            <a:picLocks noChangeAspect="1" noChangeArrowheads="1"/>
           </p:cNvPicPr>
           <p:nvPr/>
         </p:nvPicPr>
         <p:blipFill>
-          <a:blip r:embed="rId15">
-            <a:extLst>
-              <a:ext uri="{96DAC541-7B7A-43D3-8B79-37D633B846F1}">
-                <asvg:svgBlip xmlns:asvg="http://schemas.microsoft.com/office/drawing/2016/SVG/main" r:embed="rId16"/>
+          <a:blip r:embed="rId7">
+            <a:extLst>
+              <a:ext uri="{28A0092B-C50C-407E-A947-70E740481C1C}">
+                <a14:useLocalDpi xmlns:a14="http://schemas.microsoft.com/office/drawing/2010/main" val="0"/>
               </a:ext>
             </a:extLst>
           </a:blip>
+          <a:srcRect/>
           <a:stretch>
             <a:fillRect/>
           </a:stretch>
         </p:blipFill>
-        <p:spPr>
-          <a:xfrm>
-            <a:off x="8599265" y="1759790"/>
-            <a:ext cx="569455" cy="569455"/>
+        <p:spPr bwMode="auto">
+          <a:xfrm>
+            <a:off x="4258467" y="3202413"/>
+            <a:ext cx="457200" cy="457200"/>
           </a:xfrm>
           <a:prstGeom prst="rect">
             <a:avLst/>
           </a:prstGeom>
+          <a:noFill/>
+          <a:ln>
+            <a:noFill/>
+          </a:ln>
+          <a:extLst>
+            <a:ext uri="{909E8E84-426E-40DD-AFC4-6F175D3DCCD1}">
+              <a14:hiddenFill xmlns:a14="http://schemas.microsoft.com/office/drawing/2010/main">
+                <a:solidFill>
+                  <a:srgbClr val="FFFFFF"/>
+                </a:solidFill>
+              </a14:hiddenFill>
+            </a:ext>
+            <a:ext uri="{91240B29-F687-4F45-9708-019B960494DF}">
+              <a14:hiddenLine xmlns:a14="http://schemas.microsoft.com/office/drawing/2010/main" w="9525">
+                <a:solidFill>
+                  <a:srgbClr val="000000"/>
+                </a:solidFill>
+                <a:miter lim="800000"/>
+                <a:headEnd/>
+                <a:tailEnd/>
+              </a14:hiddenLine>
+            </a:ext>
+          </a:extLst>
         </p:spPr>
       </p:pic>
       <p:sp>
         <p:nvSpPr>
-          <p:cNvPr id="85" name="Oval 84">
-            <a:extLst>
-              <a:ext uri="{FF2B5EF4-FFF2-40B4-BE49-F238E27FC236}">
-                <a16:creationId xmlns:a16="http://schemas.microsoft.com/office/drawing/2014/main" id="{F63B8CB6-3CF2-CF41-8CAF-9E6836E55BB9}"/>
+          <p:cNvPr id="228" name="Oval 227">
+            <a:extLst>
+              <a:ext uri="{FF2B5EF4-FFF2-40B4-BE49-F238E27FC236}">
+                <a16:creationId xmlns:a16="http://schemas.microsoft.com/office/drawing/2014/main" id="{2825B996-8DA9-604E-ADB8-7AADC93D3485}"/>
               </a:ext>
             </a:extLst>
           </p:cNvPr>
@@ -7123,7 +6041,7 @@
         </p:nvSpPr>
         <p:spPr>
           <a:xfrm>
-            <a:off x="8610163" y="1769296"/>
+            <a:off x="4097362" y="3114914"/>
             <a:ext cx="253435" cy="212902"/>
           </a:xfrm>
           <a:prstGeom prst="ellipse">
@@ -7164,92 +6082,178 @@
                 <a:latin typeface="Arial" panose="020B0604020202020204" pitchFamily="34" charset="0"/>
                 <a:cs typeface="Arial" panose="020B0604020202020204" pitchFamily="34" charset="0"/>
               </a:rPr>
-              <a:t>2.2</a:t>
+              <a:t>1.2</a:t>
             </a:r>
           </a:p>
         </p:txBody>
       </p:sp>
       <p:pic>
         <p:nvPicPr>
-          <p:cNvPr id="88" name="Graphic 87">
-            <a:extLst>
-              <a:ext uri="{FF2B5EF4-FFF2-40B4-BE49-F238E27FC236}">
-                <a16:creationId xmlns:a16="http://schemas.microsoft.com/office/drawing/2014/main" id="{7A5F4F15-0601-B046-90F0-00E1EB8664B9}"/>
+          <p:cNvPr id="96" name="Graphic 14">
+            <a:extLst>
+              <a:ext uri="{FF2B5EF4-FFF2-40B4-BE49-F238E27FC236}">
+                <a16:creationId xmlns:a16="http://schemas.microsoft.com/office/drawing/2014/main" id="{1F9FF25E-0D9B-774E-B2FD-9BD9DEB9B470}"/>
               </a:ext>
             </a:extLst>
           </p:cNvPr>
           <p:cNvPicPr>
-            <a:picLocks noChangeAspect="1"/>
+            <a:picLocks noChangeAspect="1" noChangeArrowheads="1"/>
           </p:cNvPicPr>
           <p:nvPr/>
         </p:nvPicPr>
         <p:blipFill>
-          <a:blip r:embed="rId17">
-            <a:extLst>
-              <a:ext uri="{96DAC541-7B7A-43D3-8B79-37D633B846F1}">
-                <asvg:svgBlip xmlns:asvg="http://schemas.microsoft.com/office/drawing/2016/SVG/main" r:embed="rId18"/>
+          <a:blip r:embed="rId8">
+            <a:extLst>
+              <a:ext uri="{28A0092B-C50C-407E-A947-70E740481C1C}">
+                <a14:useLocalDpi xmlns:a14="http://schemas.microsoft.com/office/drawing/2010/main" val="0"/>
               </a:ext>
             </a:extLst>
           </a:blip>
+          <a:srcRect/>
           <a:stretch>
             <a:fillRect/>
           </a:stretch>
         </p:blipFill>
-        <p:spPr>
-          <a:xfrm>
-            <a:off x="3063834" y="5075465"/>
-            <a:ext cx="563472" cy="563472"/>
-          </a:xfrm>
-          <a:prstGeom prst="rect">
-            <a:avLst/>
-          </a:prstGeom>
-        </p:spPr>
-      </p:pic>
-      <p:sp>
-        <p:nvSpPr>
-          <p:cNvPr id="89" name="TextBox 88">
-            <a:extLst>
-              <a:ext uri="{FF2B5EF4-FFF2-40B4-BE49-F238E27FC236}">
-                <a16:creationId xmlns:a16="http://schemas.microsoft.com/office/drawing/2014/main" id="{8DBD3F82-3429-E24C-8E32-5EB1A489A3C5}"/>
-              </a:ext>
-            </a:extLst>
-          </p:cNvPr>
-          <p:cNvSpPr txBox="1"/>
-          <p:nvPr/>
-        </p:nvSpPr>
-        <p:spPr>
-          <a:xfrm>
-            <a:off x="2849048" y="5661707"/>
-            <a:ext cx="1017869" cy="430887"/>
+        <p:spPr bwMode="auto">
+          <a:xfrm>
+            <a:off x="7946471" y="2774183"/>
+            <a:ext cx="457200" cy="457200"/>
           </a:xfrm>
           <a:prstGeom prst="rect">
             <a:avLst/>
           </a:prstGeom>
           <a:noFill/>
-        </p:spPr>
-        <p:txBody>
-          <a:bodyPr wrap="square" rtlCol="0">
-            <a:spAutoFit/>
-          </a:bodyPr>
-          <a:lstStyle/>
-          <a:p>
-            <a:pPr algn="ctr"/>
-            <a:r>
-              <a:rPr lang="en-US" sz="1100" dirty="0">
-                <a:latin typeface="Arial" panose="020B0604020202020204" pitchFamily="34" charset="0"/>
-                <a:cs typeface="Arial" panose="020B0604020202020204" pitchFamily="34" charset="0"/>
-              </a:rPr>
-              <a:t>Guard Duty Delivery Key</a:t>
-            </a:r>
-          </a:p>
-        </p:txBody>
-      </p:sp>
-      <p:sp>
-        <p:nvSpPr>
-          <p:cNvPr id="90" name="Oval 89">
-            <a:extLst>
-              <a:ext uri="{FF2B5EF4-FFF2-40B4-BE49-F238E27FC236}">
-                <a16:creationId xmlns:a16="http://schemas.microsoft.com/office/drawing/2014/main" id="{9E632F0A-53C5-0B4E-96BD-D10C16583EAC}"/>
+          <a:ln>
+            <a:noFill/>
+          </a:ln>
+          <a:extLst>
+            <a:ext uri="{909E8E84-426E-40DD-AFC4-6F175D3DCCD1}">
+              <a14:hiddenFill xmlns:a14="http://schemas.microsoft.com/office/drawing/2010/main">
+                <a:solidFill>
+                  <a:srgbClr val="FFFFFF"/>
+                </a:solidFill>
+              </a14:hiddenFill>
+            </a:ext>
+            <a:ext uri="{91240B29-F687-4F45-9708-019B960494DF}">
+              <a14:hiddenLine xmlns:a14="http://schemas.microsoft.com/office/drawing/2010/main" w="9525">
+                <a:solidFill>
+                  <a:srgbClr val="000000"/>
+                </a:solidFill>
+                <a:miter lim="800000"/>
+                <a:headEnd/>
+                <a:tailEnd/>
+              </a14:hiddenLine>
+            </a:ext>
+          </a:extLst>
+        </p:spPr>
+      </p:pic>
+      <p:pic>
+        <p:nvPicPr>
+          <p:cNvPr id="98" name="Graphic 7">
+            <a:extLst>
+              <a:ext uri="{FF2B5EF4-FFF2-40B4-BE49-F238E27FC236}">
+                <a16:creationId xmlns:a16="http://schemas.microsoft.com/office/drawing/2014/main" id="{CA6DC198-CAAB-B342-B2AD-88C9C80CC708}"/>
+              </a:ext>
+            </a:extLst>
+          </p:cNvPr>
+          <p:cNvPicPr>
+            <a:picLocks noChangeAspect="1" noChangeArrowheads="1"/>
+          </p:cNvPicPr>
+          <p:nvPr/>
+        </p:nvPicPr>
+        <p:blipFill>
+          <a:blip r:embed="rId9">
+            <a:extLst>
+              <a:ext uri="{28A0092B-C50C-407E-A947-70E740481C1C}">
+                <a14:useLocalDpi xmlns:a14="http://schemas.microsoft.com/office/drawing/2010/main" val="0"/>
+              </a:ext>
+            </a:extLst>
+          </a:blip>
+          <a:srcRect/>
+          <a:stretch>
+            <a:fillRect/>
+          </a:stretch>
+        </p:blipFill>
+        <p:spPr bwMode="auto">
+          <a:xfrm>
+            <a:off x="3309601" y="1888189"/>
+            <a:ext cx="457200" cy="457200"/>
+          </a:xfrm>
+          <a:prstGeom prst="rect">
+            <a:avLst/>
+          </a:prstGeom>
+          <a:noFill/>
+          <a:ln>
+            <a:noFill/>
+          </a:ln>
+          <a:extLst>
+            <a:ext uri="{909E8E84-426E-40DD-AFC4-6F175D3DCCD1}">
+              <a14:hiddenFill xmlns:a14="http://schemas.microsoft.com/office/drawing/2010/main">
+                <a:solidFill>
+                  <a:srgbClr val="FFFFFF"/>
+                </a:solidFill>
+              </a14:hiddenFill>
+            </a:ext>
+            <a:ext uri="{91240B29-F687-4F45-9708-019B960494DF}">
+              <a14:hiddenLine xmlns:a14="http://schemas.microsoft.com/office/drawing/2010/main" w="9525">
+                <a:solidFill>
+                  <a:srgbClr val="000000"/>
+                </a:solidFill>
+                <a:miter lim="800000"/>
+                <a:headEnd/>
+                <a:tailEnd/>
+              </a14:hiddenLine>
+            </a:ext>
+          </a:extLst>
+        </p:spPr>
+      </p:pic>
+      <p:cxnSp>
+        <p:nvCxnSpPr>
+          <p:cNvPr id="99" name="Straight Arrow Connector 98">
+            <a:extLst>
+              <a:ext uri="{FF2B5EF4-FFF2-40B4-BE49-F238E27FC236}">
+                <a16:creationId xmlns:a16="http://schemas.microsoft.com/office/drawing/2014/main" id="{98718C43-93CE-9D46-9171-ABF46BB0FBDE}"/>
+              </a:ext>
+            </a:extLst>
+          </p:cNvPr>
+          <p:cNvCxnSpPr>
+            <a:cxnSpLocks/>
+          </p:cNvCxnSpPr>
+          <p:nvPr/>
+        </p:nvCxnSpPr>
+        <p:spPr>
+          <a:xfrm flipH="1" flipV="1">
+            <a:off x="3908376" y="2715822"/>
+            <a:ext cx="206160" cy="328000"/>
+          </a:xfrm>
+          <a:prstGeom prst="straightConnector1">
+            <a:avLst/>
+          </a:prstGeom>
+          <a:ln>
+            <a:tailEnd type="triangle"/>
+          </a:ln>
+        </p:spPr>
+        <p:style>
+          <a:lnRef idx="1">
+            <a:schemeClr val="dk1"/>
+          </a:lnRef>
+          <a:fillRef idx="0">
+            <a:schemeClr val="dk1"/>
+          </a:fillRef>
+          <a:effectRef idx="0">
+            <a:schemeClr val="dk1"/>
+          </a:effectRef>
+          <a:fontRef idx="minor">
+            <a:schemeClr val="tx1"/>
+          </a:fontRef>
+        </p:style>
+      </p:cxnSp>
+      <p:sp>
+        <p:nvSpPr>
+          <p:cNvPr id="100" name="Rectangle 99">
+            <a:extLst>
+              <a:ext uri="{FF2B5EF4-FFF2-40B4-BE49-F238E27FC236}">
+                <a16:creationId xmlns:a16="http://schemas.microsoft.com/office/drawing/2014/main" id="{74B404CF-698E-194A-9017-28B2F4D197E0}"/>
               </a:ext>
             </a:extLst>
           </p:cNvPr>
@@ -7258,19 +6262,18 @@
         </p:nvSpPr>
         <p:spPr>
           <a:xfrm>
-            <a:off x="3081726" y="5088780"/>
-            <a:ext cx="253435" cy="212902"/>
-          </a:xfrm>
-          <a:prstGeom prst="ellipse">
+            <a:off x="5886124" y="2477800"/>
+            <a:ext cx="1215960" cy="1429548"/>
+          </a:xfrm>
+          <a:prstGeom prst="rect">
             <a:avLst/>
           </a:prstGeom>
-          <a:solidFill>
-            <a:schemeClr val="tx1"/>
-          </a:solidFill>
-          <a:ln>
+          <a:noFill/>
+          <a:ln w="12700">
             <a:solidFill>
               <a:schemeClr val="tx1"/>
             </a:solidFill>
+            <a:prstDash val="dash"/>
           </a:ln>
         </p:spPr>
         <p:style>
@@ -7290,26 +6293,69 @@
           </a:fontRef>
         </p:style>
         <p:txBody>
-          <a:bodyPr lIns="0" tIns="0" rIns="0" bIns="0" rtlCol="0" anchor="ctr"/>
-          <a:lstStyle/>
-          <a:p>
-            <a:pPr algn="ctr"/>
-            <a:r>
-              <a:rPr lang="en-US" sz="800" dirty="0">
+          <a:bodyPr rot="0" spcFirstLastPara="0" vertOverflow="overflow" horzOverflow="overflow" vert="horz" wrap="square" lIns="91440" tIns="0" rIns="91440" bIns="45720" numCol="1" spcCol="0" rtlCol="0" fromWordArt="0" anchor="t" anchorCtr="0" forceAA="0" compatLnSpc="1">
+            <a:noAutofit/>
+          </a:bodyPr>
+          <a:lstStyle/>
+          <a:p>
+            <a:r>
+              <a:rPr lang="en-US" sz="1100" b="1" dirty="0">
+                <a:solidFill>
+                  <a:schemeClr val="tx1"/>
+                </a:solidFill>
                 <a:latin typeface="Arial" panose="020B0604020202020204" pitchFamily="34" charset="0"/>
                 <a:cs typeface="Arial" panose="020B0604020202020204" pitchFamily="34" charset="0"/>
               </a:rPr>
-              <a:t>3.2</a:t>
-            </a:r>
-          </a:p>
-        </p:txBody>
-      </p:sp>
-      <p:sp>
-        <p:nvSpPr>
-          <p:cNvPr id="78" name="Rectangle 77">
-            <a:extLst>
-              <a:ext uri="{FF2B5EF4-FFF2-40B4-BE49-F238E27FC236}">
-                <a16:creationId xmlns:a16="http://schemas.microsoft.com/office/drawing/2014/main" id="{2504BF38-737D-E645-BD69-E4AEB7284927}"/>
+              <a:t>region-1</a:t>
+            </a:r>
+          </a:p>
+        </p:txBody>
+      </p:sp>
+      <p:sp>
+        <p:nvSpPr>
+          <p:cNvPr id="102" name="TextBox 101">
+            <a:extLst>
+              <a:ext uri="{FF2B5EF4-FFF2-40B4-BE49-F238E27FC236}">
+                <a16:creationId xmlns:a16="http://schemas.microsoft.com/office/drawing/2014/main" id="{CF458089-5F6F-C248-83D3-45A3715689B8}"/>
+              </a:ext>
+            </a:extLst>
+          </p:cNvPr>
+          <p:cNvSpPr txBox="1"/>
+          <p:nvPr/>
+        </p:nvSpPr>
+        <p:spPr>
+          <a:xfrm>
+            <a:off x="6149926" y="3645738"/>
+            <a:ext cx="1047687" cy="261610"/>
+          </a:xfrm>
+          <a:prstGeom prst="rect">
+            <a:avLst/>
+          </a:prstGeom>
+          <a:noFill/>
+        </p:spPr>
+        <p:txBody>
+          <a:bodyPr wrap="square" rtlCol="0">
+            <a:spAutoFit/>
+          </a:bodyPr>
+          <a:lstStyle/>
+          <a:p>
+            <a:pPr algn="ctr"/>
+            <a:r>
+              <a:rPr lang="en-US" sz="1100" dirty="0">
+                <a:latin typeface="Arial" panose="020B0604020202020204" pitchFamily="34" charset="0"/>
+                <a:cs typeface="Arial" panose="020B0604020202020204" pitchFamily="34" charset="0"/>
+              </a:rPr>
+              <a:t>Guard Duty</a:t>
+            </a:r>
+          </a:p>
+        </p:txBody>
+      </p:sp>
+      <p:sp>
+        <p:nvSpPr>
+          <p:cNvPr id="103" name="Rectangle 102">
+            <a:extLst>
+              <a:ext uri="{FF2B5EF4-FFF2-40B4-BE49-F238E27FC236}">
+                <a16:creationId xmlns:a16="http://schemas.microsoft.com/office/drawing/2014/main" id="{3C6BCB6E-04DE-EA43-85A6-98FC7D7E6C9E}"/>
               </a:ext>
             </a:extLst>
           </p:cNvPr>
@@ -7318,8 +6364,8 @@
         </p:nvSpPr>
         <p:spPr>
           <a:xfrm>
-            <a:off x="4744272" y="1515759"/>
-            <a:ext cx="1667406" cy="1861926"/>
+            <a:off x="6027914" y="2700208"/>
+            <a:ext cx="1074169" cy="1207140"/>
           </a:xfrm>
           <a:prstGeom prst="rect">
             <a:avLst/>
@@ -7349,105 +6395,30 @@
           </a:fontRef>
         </p:style>
         <p:txBody>
-          <a:bodyPr rot="0" spcFirstLastPara="0" vertOverflow="overflow" horzOverflow="overflow" vert="horz" wrap="square" lIns="91440" tIns="91440" rIns="91440" bIns="45720" numCol="1" spcCol="0" rtlCol="0" fromWordArt="0" anchor="t" anchorCtr="0" forceAA="0" compatLnSpc="1">
+          <a:bodyPr rot="0" spcFirstLastPara="0" vertOverflow="overflow" horzOverflow="overflow" vert="horz" wrap="square" lIns="91440" tIns="0" rIns="91440" bIns="45720" numCol="1" spcCol="0" rtlCol="0" fromWordArt="0" anchor="t" anchorCtr="0" forceAA="0" compatLnSpc="1">
             <a:noAutofit/>
           </a:bodyPr>
           <a:lstStyle/>
           <a:p>
             <a:r>
-              <a:rPr lang="en-US" sz="1100" dirty="0">
+              <a:rPr lang="en-US" sz="1100" b="1" dirty="0">
                 <a:solidFill>
                   <a:schemeClr val="tx1"/>
                 </a:solidFill>
                 <a:latin typeface="Arial" panose="020B0604020202020204" pitchFamily="34" charset="0"/>
                 <a:cs typeface="Arial" panose="020B0604020202020204" pitchFamily="34" charset="0"/>
               </a:rPr>
-              <a:t>region-1</a:t>
-            </a:r>
-          </a:p>
-        </p:txBody>
-      </p:sp>
-      <p:pic>
-        <p:nvPicPr>
-          <p:cNvPr id="79" name="Graphic 78">
-            <a:extLst>
-              <a:ext uri="{FF2B5EF4-FFF2-40B4-BE49-F238E27FC236}">
-                <a16:creationId xmlns:a16="http://schemas.microsoft.com/office/drawing/2014/main" id="{1EB6FC50-A01E-AC49-B38B-1368B7BD5A9B}"/>
-              </a:ext>
-            </a:extLst>
-          </p:cNvPr>
-          <p:cNvPicPr>
-            <a:picLocks noChangeAspect="1"/>
-          </p:cNvPicPr>
-          <p:nvPr/>
-        </p:nvPicPr>
-        <p:blipFill>
-          <a:blip r:embed="rId13">
-            <a:extLst>
-              <a:ext uri="{96DAC541-7B7A-43D3-8B79-37D633B846F1}">
-                <asvg:svgBlip xmlns:asvg="http://schemas.microsoft.com/office/drawing/2016/SVG/main" r:embed="rId14"/>
-              </a:ext>
-            </a:extLst>
-          </a:blip>
-          <a:stretch>
-            <a:fillRect/>
-          </a:stretch>
-        </p:blipFill>
-        <p:spPr>
-          <a:xfrm>
-            <a:off x="5437800" y="2516585"/>
-            <a:ext cx="555156" cy="555156"/>
-          </a:xfrm>
-          <a:prstGeom prst="rect">
-            <a:avLst/>
-          </a:prstGeom>
-        </p:spPr>
-      </p:pic>
-      <p:sp>
-        <p:nvSpPr>
-          <p:cNvPr id="80" name="TextBox 79">
-            <a:extLst>
-              <a:ext uri="{FF2B5EF4-FFF2-40B4-BE49-F238E27FC236}">
-                <a16:creationId xmlns:a16="http://schemas.microsoft.com/office/drawing/2014/main" id="{252E1B2D-9686-0D42-981C-FD0A979454A3}"/>
-              </a:ext>
-            </a:extLst>
-          </p:cNvPr>
-          <p:cNvSpPr txBox="1"/>
-          <p:nvPr/>
-        </p:nvSpPr>
-        <p:spPr>
-          <a:xfrm>
-            <a:off x="5196815" y="3081389"/>
-            <a:ext cx="1047687" cy="261610"/>
-          </a:xfrm>
-          <a:prstGeom prst="rect">
-            <a:avLst/>
-          </a:prstGeom>
-          <a:noFill/>
-        </p:spPr>
-        <p:txBody>
-          <a:bodyPr wrap="square" rtlCol="0">
-            <a:spAutoFit/>
-          </a:bodyPr>
-          <a:lstStyle/>
-          <a:p>
-            <a:pPr algn="ctr"/>
-            <a:r>
-              <a:rPr lang="en-US" sz="1100" dirty="0">
-                <a:latin typeface="Arial" panose="020B0604020202020204" pitchFamily="34" charset="0"/>
-                <a:cs typeface="Arial" panose="020B0604020202020204" pitchFamily="34" charset="0"/>
-              </a:rPr>
-              <a:t>Guard Duty</a:t>
-            </a:r>
-          </a:p>
-        </p:txBody>
-      </p:sp>
-      <p:sp>
-        <p:nvSpPr>
-          <p:cNvPr id="83" name="Rectangle 82">
-            <a:extLst>
-              <a:ext uri="{FF2B5EF4-FFF2-40B4-BE49-F238E27FC236}">
-                <a16:creationId xmlns:a16="http://schemas.microsoft.com/office/drawing/2014/main" id="{458D3A72-DEF2-0640-9B88-1CB7A5140657}"/>
+              <a:t>region-2</a:t>
+            </a:r>
+          </a:p>
+        </p:txBody>
+      </p:sp>
+      <p:sp>
+        <p:nvSpPr>
+          <p:cNvPr id="104" name="Rectangle 103">
+            <a:extLst>
+              <a:ext uri="{FF2B5EF4-FFF2-40B4-BE49-F238E27FC236}">
+                <a16:creationId xmlns:a16="http://schemas.microsoft.com/office/drawing/2014/main" id="{57D395E8-1DAF-FC40-9662-62153657B248}"/>
               </a:ext>
             </a:extLst>
           </p:cNvPr>
@@ -7456,8 +6427,8 @@
         </p:nvSpPr>
         <p:spPr>
           <a:xfrm>
-            <a:off x="4896672" y="1832748"/>
-            <a:ext cx="1515006" cy="1549579"/>
+            <a:off x="6145759" y="2933432"/>
+            <a:ext cx="956324" cy="973916"/>
           </a:xfrm>
           <a:prstGeom prst="rect">
             <a:avLst/>
@@ -7487,30 +6458,71 @@
           </a:fontRef>
         </p:style>
         <p:txBody>
-          <a:bodyPr rot="0" spcFirstLastPara="0" vertOverflow="overflow" horzOverflow="overflow" vert="horz" wrap="square" lIns="91440" tIns="91440" rIns="91440" bIns="45720" numCol="1" spcCol="0" rtlCol="0" fromWordArt="0" anchor="t" anchorCtr="0" forceAA="0" compatLnSpc="1">
+          <a:bodyPr rot="0" spcFirstLastPara="0" vertOverflow="overflow" horzOverflow="overflow" vert="horz" wrap="square" lIns="91440" tIns="0" rIns="91440" bIns="45720" numCol="1" spcCol="0" rtlCol="0" fromWordArt="0" anchor="t" anchorCtr="0" forceAA="0" compatLnSpc="1">
             <a:noAutofit/>
           </a:bodyPr>
           <a:lstStyle/>
           <a:p>
             <a:r>
-              <a:rPr lang="en-US" sz="1100" dirty="0">
+              <a:rPr lang="en-US" sz="1100" b="1" dirty="0">
                 <a:solidFill>
                   <a:schemeClr val="tx1"/>
                 </a:solidFill>
                 <a:latin typeface="Arial" panose="020B0604020202020204" pitchFamily="34" charset="0"/>
                 <a:cs typeface="Arial" panose="020B0604020202020204" pitchFamily="34" charset="0"/>
               </a:rPr>
-              <a:t>region-2</a:t>
-            </a:r>
-          </a:p>
-        </p:txBody>
-      </p:sp>
-      <p:sp>
-        <p:nvSpPr>
-          <p:cNvPr id="84" name="Rectangle 83">
-            <a:extLst>
-              <a:ext uri="{FF2B5EF4-FFF2-40B4-BE49-F238E27FC236}">
-                <a16:creationId xmlns:a16="http://schemas.microsoft.com/office/drawing/2014/main" id="{5F66B291-918D-3F4C-989B-109B93F1536D}"/>
+              <a:t>region-n</a:t>
+            </a:r>
+          </a:p>
+        </p:txBody>
+      </p:sp>
+      <p:cxnSp>
+        <p:nvCxnSpPr>
+          <p:cNvPr id="106" name="Straight Arrow Connector 105">
+            <a:extLst>
+              <a:ext uri="{FF2B5EF4-FFF2-40B4-BE49-F238E27FC236}">
+                <a16:creationId xmlns:a16="http://schemas.microsoft.com/office/drawing/2014/main" id="{C501B0D4-3B6B-D244-A4D8-6F3F06AE28D1}"/>
+              </a:ext>
+            </a:extLst>
+          </p:cNvPr>
+          <p:cNvCxnSpPr>
+            <a:cxnSpLocks/>
+          </p:cNvCxnSpPr>
+          <p:nvPr/>
+        </p:nvCxnSpPr>
+        <p:spPr>
+          <a:xfrm>
+            <a:off x="4810361" y="3422192"/>
+            <a:ext cx="955130" cy="0"/>
+          </a:xfrm>
+          <a:prstGeom prst="straightConnector1">
+            <a:avLst/>
+          </a:prstGeom>
+          <a:ln>
+            <a:tailEnd type="triangle"/>
+          </a:ln>
+        </p:spPr>
+        <p:style>
+          <a:lnRef idx="1">
+            <a:schemeClr val="dk1"/>
+          </a:lnRef>
+          <a:fillRef idx="0">
+            <a:schemeClr val="dk1"/>
+          </a:fillRef>
+          <a:effectRef idx="0">
+            <a:schemeClr val="dk1"/>
+          </a:effectRef>
+          <a:fontRef idx="minor">
+            <a:schemeClr val="tx1"/>
+          </a:fontRef>
+        </p:style>
+      </p:cxnSp>
+      <p:sp>
+        <p:nvSpPr>
+          <p:cNvPr id="107" name="Rectangle 106">
+            <a:extLst>
+              <a:ext uri="{FF2B5EF4-FFF2-40B4-BE49-F238E27FC236}">
+                <a16:creationId xmlns:a16="http://schemas.microsoft.com/office/drawing/2014/main" id="{8B5D06E3-B4BD-F44E-BC70-DB05E3B0FD51}"/>
               </a:ext>
             </a:extLst>
           </p:cNvPr>
@@ -7519,8 +6531,8 @@
         </p:nvSpPr>
         <p:spPr>
           <a:xfrm>
-            <a:off x="5032942" y="2157744"/>
-            <a:ext cx="1378736" cy="1219941"/>
+            <a:off x="7940306" y="4665620"/>
+            <a:ext cx="1313004" cy="1464814"/>
           </a:xfrm>
           <a:prstGeom prst="rect">
             <a:avLst/>
@@ -7550,30 +6562,69 @@
           </a:fontRef>
         </p:style>
         <p:txBody>
-          <a:bodyPr rot="0" spcFirstLastPara="0" vertOverflow="overflow" horzOverflow="overflow" vert="horz" wrap="square" lIns="91440" tIns="91440" rIns="91440" bIns="45720" numCol="1" spcCol="0" rtlCol="0" fromWordArt="0" anchor="t" anchorCtr="0" forceAA="0" compatLnSpc="1">
+          <a:bodyPr rot="0" spcFirstLastPara="0" vertOverflow="overflow" horzOverflow="overflow" vert="horz" wrap="square" lIns="91440" tIns="0" rIns="91440" bIns="45720" numCol="1" spcCol="0" rtlCol="0" fromWordArt="0" anchor="t" anchorCtr="0" forceAA="0" compatLnSpc="1">
             <a:noAutofit/>
           </a:bodyPr>
           <a:lstStyle/>
           <a:p>
             <a:r>
-              <a:rPr lang="en-US" sz="1100" dirty="0">
+              <a:rPr lang="en-US" sz="1100" b="1" dirty="0">
                 <a:solidFill>
                   <a:schemeClr val="tx1"/>
                 </a:solidFill>
                 <a:latin typeface="Arial" panose="020B0604020202020204" pitchFamily="34" charset="0"/>
                 <a:cs typeface="Arial" panose="020B0604020202020204" pitchFamily="34" charset="0"/>
               </a:rPr>
-              <a:t>region-n</a:t>
-            </a:r>
-          </a:p>
-        </p:txBody>
-      </p:sp>
-      <p:sp>
-        <p:nvSpPr>
-          <p:cNvPr id="86" name="Oval 85">
-            <a:extLst>
-              <a:ext uri="{FF2B5EF4-FFF2-40B4-BE49-F238E27FC236}">
-                <a16:creationId xmlns:a16="http://schemas.microsoft.com/office/drawing/2014/main" id="{C69975ED-D724-5D4A-B63D-87D44AB2A082}"/>
+              <a:t>region-1</a:t>
+            </a:r>
+          </a:p>
+        </p:txBody>
+      </p:sp>
+      <p:sp>
+        <p:nvSpPr>
+          <p:cNvPr id="109" name="TextBox 108">
+            <a:extLst>
+              <a:ext uri="{FF2B5EF4-FFF2-40B4-BE49-F238E27FC236}">
+                <a16:creationId xmlns:a16="http://schemas.microsoft.com/office/drawing/2014/main" id="{F1DD5F5D-4F42-D041-9995-85F5B8350DFA}"/>
+              </a:ext>
+            </a:extLst>
+          </p:cNvPr>
+          <p:cNvSpPr txBox="1"/>
+          <p:nvPr/>
+        </p:nvSpPr>
+        <p:spPr>
+          <a:xfrm>
+            <a:off x="8212608" y="5868824"/>
+            <a:ext cx="1047687" cy="261610"/>
+          </a:xfrm>
+          <a:prstGeom prst="rect">
+            <a:avLst/>
+          </a:prstGeom>
+          <a:noFill/>
+        </p:spPr>
+        <p:txBody>
+          <a:bodyPr wrap="square" rtlCol="0">
+            <a:spAutoFit/>
+          </a:bodyPr>
+          <a:lstStyle/>
+          <a:p>
+            <a:pPr algn="ctr"/>
+            <a:r>
+              <a:rPr lang="en-US" sz="1100" dirty="0">
+                <a:latin typeface="Arial" panose="020B0604020202020204" pitchFamily="34" charset="0"/>
+                <a:cs typeface="Arial" panose="020B0604020202020204" pitchFamily="34" charset="0"/>
+              </a:rPr>
+              <a:t>Guard Duty</a:t>
+            </a:r>
+          </a:p>
+        </p:txBody>
+      </p:sp>
+      <p:sp>
+        <p:nvSpPr>
+          <p:cNvPr id="110" name="Rectangle 109">
+            <a:extLst>
+              <a:ext uri="{FF2B5EF4-FFF2-40B4-BE49-F238E27FC236}">
+                <a16:creationId xmlns:a16="http://schemas.microsoft.com/office/drawing/2014/main" id="{3E9A879E-8558-1244-9C8B-35E8EC5D1144}"/>
               </a:ext>
             </a:extLst>
           </p:cNvPr>
@@ -7582,19 +6633,18 @@
         </p:nvSpPr>
         <p:spPr>
           <a:xfrm>
-            <a:off x="5452909" y="2527515"/>
-            <a:ext cx="253435" cy="212902"/>
-          </a:xfrm>
-          <a:prstGeom prst="ellipse">
+            <a:off x="8066662" y="4888028"/>
+            <a:ext cx="1186648" cy="1242406"/>
+          </a:xfrm>
+          <a:prstGeom prst="rect">
             <a:avLst/>
           </a:prstGeom>
-          <a:solidFill>
-            <a:schemeClr val="tx1"/>
-          </a:solidFill>
-          <a:ln>
+          <a:noFill/>
+          <a:ln w="12700">
             <a:solidFill>
               <a:schemeClr val="tx1"/>
             </a:solidFill>
+            <a:prstDash val="dash"/>
           </a:ln>
         </p:spPr>
         <p:style>
@@ -7614,122 +6664,50 @@
           </a:fontRef>
         </p:style>
         <p:txBody>
-          <a:bodyPr lIns="0" tIns="0" rIns="0" bIns="0" rtlCol="0" anchor="ctr"/>
-          <a:lstStyle/>
-          <a:p>
-            <a:pPr algn="ctr"/>
-            <a:r>
-              <a:rPr lang="en-US" sz="800" dirty="0">
+          <a:bodyPr rot="0" spcFirstLastPara="0" vertOverflow="overflow" horzOverflow="overflow" vert="horz" wrap="square" lIns="91440" tIns="0" rIns="91440" bIns="45720" numCol="1" spcCol="0" rtlCol="0" fromWordArt="0" anchor="t" anchorCtr="0" forceAA="0" compatLnSpc="1">
+            <a:noAutofit/>
+          </a:bodyPr>
+          <a:lstStyle/>
+          <a:p>
+            <a:r>
+              <a:rPr lang="en-US" sz="1100" b="1" dirty="0">
+                <a:solidFill>
+                  <a:schemeClr val="tx1"/>
+                </a:solidFill>
                 <a:latin typeface="Arial" panose="020B0604020202020204" pitchFamily="34" charset="0"/>
                 <a:cs typeface="Arial" panose="020B0604020202020204" pitchFamily="34" charset="0"/>
               </a:rPr>
-              <a:t>1.5</a:t>
-            </a:r>
-          </a:p>
-        </p:txBody>
-      </p:sp>
-      <p:sp>
-        <p:nvSpPr>
-          <p:cNvPr id="87" name="TextBox 86">
-            <a:extLst>
-              <a:ext uri="{FF2B5EF4-FFF2-40B4-BE49-F238E27FC236}">
-                <a16:creationId xmlns:a16="http://schemas.microsoft.com/office/drawing/2014/main" id="{D3BE5D26-F11D-224A-B273-443BC6F8CEBB}"/>
-              </a:ext>
-            </a:extLst>
-          </p:cNvPr>
-          <p:cNvSpPr txBox="1"/>
+              <a:t>region-2</a:t>
+            </a:r>
+          </a:p>
+        </p:txBody>
+      </p:sp>
+      <p:sp>
+        <p:nvSpPr>
+          <p:cNvPr id="111" name="Rectangle 110">
+            <a:extLst>
+              <a:ext uri="{FF2B5EF4-FFF2-40B4-BE49-F238E27FC236}">
+                <a16:creationId xmlns:a16="http://schemas.microsoft.com/office/drawing/2014/main" id="{4ADB06CC-DF99-324D-8268-6BA51CBBD71A}"/>
+              </a:ext>
+            </a:extLst>
+          </p:cNvPr>
+          <p:cNvSpPr/>
           <p:nvPr/>
         </p:nvSpPr>
         <p:spPr>
           <a:xfrm>
-            <a:off x="10068656" y="5569854"/>
-            <a:ext cx="1103001" cy="430887"/>
+            <a:off x="8168146" y="5121252"/>
+            <a:ext cx="1085163" cy="1009182"/>
           </a:xfrm>
           <a:prstGeom prst="rect">
             <a:avLst/>
           </a:prstGeom>
           <a:noFill/>
-        </p:spPr>
-        <p:txBody>
-          <a:bodyPr wrap="square" rtlCol="0">
-            <a:spAutoFit/>
-          </a:bodyPr>
-          <a:lstStyle/>
-          <a:p>
-            <a:pPr algn="ctr"/>
-            <a:r>
-              <a:rPr lang="en-US" sz="1100" dirty="0">
-                <a:latin typeface="Arial" panose="020B0604020202020204" pitchFamily="34" charset="0"/>
-                <a:cs typeface="Arial" panose="020B0604020202020204" pitchFamily="34" charset="0"/>
-              </a:rPr>
-              <a:t>Delete Detector Role</a:t>
-            </a:r>
-          </a:p>
-        </p:txBody>
-      </p:sp>
-      <p:pic>
-        <p:nvPicPr>
-          <p:cNvPr id="91" name="Graphic 90">
-            <a:extLst>
-              <a:ext uri="{FF2B5EF4-FFF2-40B4-BE49-F238E27FC236}">
-                <a16:creationId xmlns:a16="http://schemas.microsoft.com/office/drawing/2014/main" id="{1BFEB7BE-0AE6-2A44-9FA3-BCF9B4D0855B}"/>
-              </a:ext>
-            </a:extLst>
-          </p:cNvPr>
-          <p:cNvPicPr>
-            <a:picLocks noChangeAspect="1"/>
-          </p:cNvPicPr>
-          <p:nvPr/>
-        </p:nvPicPr>
-        <p:blipFill>
-          <a:blip r:embed="rId9">
-            <a:extLst>
-              <a:ext uri="{96DAC541-7B7A-43D3-8B79-37D633B846F1}">
-                <asvg:svgBlip xmlns:asvg="http://schemas.microsoft.com/office/drawing/2016/SVG/main" r:embed="rId10"/>
-              </a:ext>
-            </a:extLst>
-          </a:blip>
-          <a:stretch>
-            <a:fillRect/>
-          </a:stretch>
-        </p:blipFill>
-        <p:spPr>
-          <a:xfrm>
-            <a:off x="10343262" y="5169037"/>
-            <a:ext cx="469900" cy="469900"/>
-          </a:xfrm>
-          <a:prstGeom prst="rect">
-            <a:avLst/>
-          </a:prstGeom>
-        </p:spPr>
-      </p:pic>
-      <p:sp>
-        <p:nvSpPr>
-          <p:cNvPr id="92" name="Oval 91">
-            <a:extLst>
-              <a:ext uri="{FF2B5EF4-FFF2-40B4-BE49-F238E27FC236}">
-                <a16:creationId xmlns:a16="http://schemas.microsoft.com/office/drawing/2014/main" id="{0757465A-6C02-E44B-9C5C-D6BACF8A00E2}"/>
-              </a:ext>
-            </a:extLst>
-          </p:cNvPr>
-          <p:cNvSpPr/>
-          <p:nvPr/>
-        </p:nvSpPr>
-        <p:spPr>
-          <a:xfrm>
-            <a:off x="10473982" y="5025218"/>
-            <a:ext cx="253435" cy="212902"/>
-          </a:xfrm>
-          <a:prstGeom prst="ellipse">
-            <a:avLst/>
-          </a:prstGeom>
-          <a:solidFill>
-            <a:schemeClr val="tx1"/>
-          </a:solidFill>
-          <a:ln>
+          <a:ln w="12700">
             <a:solidFill>
               <a:schemeClr val="tx1"/>
             </a:solidFill>
+            <a:prstDash val="dash"/>
           </a:ln>
         </p:spPr>
         <p:style>
@@ -7749,65 +6727,2041 @@
           </a:fontRef>
         </p:style>
         <p:txBody>
-          <a:bodyPr lIns="0" tIns="0" rIns="0" bIns="0" rtlCol="0" anchor="ctr"/>
-          <a:lstStyle/>
-          <a:p>
-            <a:pPr algn="ctr"/>
-            <a:r>
-              <a:rPr lang="en-US" sz="800" dirty="0">
+          <a:bodyPr rot="0" spcFirstLastPara="0" vertOverflow="overflow" horzOverflow="overflow" vert="horz" wrap="square" lIns="91440" tIns="0" rIns="91440" bIns="45720" numCol="1" spcCol="0" rtlCol="0" fromWordArt="0" anchor="t" anchorCtr="0" forceAA="0" compatLnSpc="1">
+            <a:noAutofit/>
+          </a:bodyPr>
+          <a:lstStyle/>
+          <a:p>
+            <a:r>
+              <a:rPr lang="en-US" sz="1100" b="1" dirty="0">
+                <a:solidFill>
+                  <a:schemeClr val="tx1"/>
+                </a:solidFill>
                 <a:latin typeface="Arial" panose="020B0604020202020204" pitchFamily="34" charset="0"/>
                 <a:cs typeface="Arial" panose="020B0604020202020204" pitchFamily="34" charset="0"/>
               </a:rPr>
-              <a:t>4.2</a:t>
-            </a:r>
-          </a:p>
-        </p:txBody>
-      </p:sp>
-      <p:cxnSp>
-        <p:nvCxnSpPr>
-          <p:cNvPr id="93" name="Straight Arrow Connector 92">
-            <a:extLst>
-              <a:ext uri="{FF2B5EF4-FFF2-40B4-BE49-F238E27FC236}">
-                <a16:creationId xmlns:a16="http://schemas.microsoft.com/office/drawing/2014/main" id="{57CD3CA1-A18B-F84D-8815-538F26F5A774}"/>
-              </a:ext>
-            </a:extLst>
-          </p:cNvPr>
-          <p:cNvCxnSpPr>
-            <a:cxnSpLocks/>
-          </p:cNvCxnSpPr>
+              <a:t>region-n</a:t>
+            </a:r>
+          </a:p>
+        </p:txBody>
+      </p:sp>
+      <p:sp>
+        <p:nvSpPr>
+          <p:cNvPr id="113" name="Rectangle 112">
+            <a:extLst>
+              <a:ext uri="{FF2B5EF4-FFF2-40B4-BE49-F238E27FC236}">
+                <a16:creationId xmlns:a16="http://schemas.microsoft.com/office/drawing/2014/main" id="{00442F6C-4734-374A-95E8-D3EF639CFC1A}"/>
+              </a:ext>
+            </a:extLst>
+          </p:cNvPr>
+          <p:cNvSpPr/>
           <p:nvPr/>
-        </p:nvCxnSpPr>
-        <p:spPr>
-          <a:xfrm flipV="1">
-            <a:off x="3145279" y="2236036"/>
-            <a:ext cx="0" cy="234950"/>
-          </a:xfrm>
-          <a:prstGeom prst="straightConnector1">
+        </p:nvSpPr>
+        <p:spPr>
+          <a:xfrm>
+            <a:off x="5814135" y="4880916"/>
+            <a:ext cx="1273618" cy="1464814"/>
+          </a:xfrm>
+          <a:prstGeom prst="rect">
             <a:avLst/>
           </a:prstGeom>
+          <a:noFill/>
           <a:ln w="12700">
             <a:solidFill>
-              <a:srgbClr val="545B64"/>
+              <a:schemeClr val="tx1"/>
             </a:solidFill>
-            <a:headEnd type="none" w="med" len="sm"/>
-            <a:tailEnd type="arrow" w="med" len="sm"/>
+            <a:prstDash val="dash"/>
           </a:ln>
         </p:spPr>
         <p:style>
-          <a:lnRef idx="1">
-            <a:schemeClr val="accent1"/>
+          <a:lnRef idx="2">
+            <a:schemeClr val="accent1">
+              <a:shade val="50000"/>
+            </a:schemeClr>
           </a:lnRef>
-          <a:fillRef idx="0">
+          <a:fillRef idx="1">
             <a:schemeClr val="accent1"/>
           </a:fillRef>
           <a:effectRef idx="0">
             <a:schemeClr val="accent1"/>
           </a:effectRef>
           <a:fontRef idx="minor">
+            <a:schemeClr val="lt1"/>
+          </a:fontRef>
+        </p:style>
+        <p:txBody>
+          <a:bodyPr rot="0" spcFirstLastPara="0" vertOverflow="overflow" horzOverflow="overflow" vert="horz" wrap="square" lIns="91440" tIns="0" rIns="91440" bIns="45720" numCol="1" spcCol="0" rtlCol="0" fromWordArt="0" anchor="t" anchorCtr="0" forceAA="0" compatLnSpc="1">
+            <a:noAutofit/>
+          </a:bodyPr>
+          <a:lstStyle/>
+          <a:p>
+            <a:r>
+              <a:rPr lang="en-US" sz="1100" b="1" dirty="0">
+                <a:solidFill>
+                  <a:schemeClr val="tx1"/>
+                </a:solidFill>
+                <a:latin typeface="Arial" panose="020B0604020202020204" pitchFamily="34" charset="0"/>
+                <a:cs typeface="Arial" panose="020B0604020202020204" pitchFamily="34" charset="0"/>
+              </a:rPr>
+              <a:t>region-1</a:t>
+            </a:r>
+          </a:p>
+        </p:txBody>
+      </p:sp>
+      <p:sp>
+        <p:nvSpPr>
+          <p:cNvPr id="115" name="TextBox 114">
+            <a:extLst>
+              <a:ext uri="{FF2B5EF4-FFF2-40B4-BE49-F238E27FC236}">
+                <a16:creationId xmlns:a16="http://schemas.microsoft.com/office/drawing/2014/main" id="{F7196163-1C2B-7A49-9290-F8C41A87E691}"/>
+              </a:ext>
+            </a:extLst>
+          </p:cNvPr>
+          <p:cNvSpPr txBox="1"/>
+          <p:nvPr/>
+        </p:nvSpPr>
+        <p:spPr>
+          <a:xfrm>
+            <a:off x="6043062" y="6072024"/>
+            <a:ext cx="1047687" cy="261610"/>
+          </a:xfrm>
+          <a:prstGeom prst="rect">
+            <a:avLst/>
+          </a:prstGeom>
+          <a:noFill/>
+        </p:spPr>
+        <p:txBody>
+          <a:bodyPr wrap="square" rtlCol="0">
+            <a:spAutoFit/>
+          </a:bodyPr>
+          <a:lstStyle/>
+          <a:p>
+            <a:pPr algn="ctr"/>
+            <a:r>
+              <a:rPr lang="en-US" sz="1100" dirty="0">
+                <a:latin typeface="Arial" panose="020B0604020202020204" pitchFamily="34" charset="0"/>
+                <a:cs typeface="Arial" panose="020B0604020202020204" pitchFamily="34" charset="0"/>
+              </a:rPr>
+              <a:t>Guard Duty</a:t>
+            </a:r>
+          </a:p>
+        </p:txBody>
+      </p:sp>
+      <p:sp>
+        <p:nvSpPr>
+          <p:cNvPr id="116" name="Rectangle 115">
+            <a:extLst>
+              <a:ext uri="{FF2B5EF4-FFF2-40B4-BE49-F238E27FC236}">
+                <a16:creationId xmlns:a16="http://schemas.microsoft.com/office/drawing/2014/main" id="{435C9B0D-152E-CC4F-A330-37ED2DEEA4B8}"/>
+              </a:ext>
+            </a:extLst>
+          </p:cNvPr>
+          <p:cNvSpPr/>
+          <p:nvPr/>
+        </p:nvSpPr>
+        <p:spPr>
+          <a:xfrm>
+            <a:off x="5931941" y="5103324"/>
+            <a:ext cx="1155811" cy="1242406"/>
+          </a:xfrm>
+          <a:prstGeom prst="rect">
+            <a:avLst/>
+          </a:prstGeom>
+          <a:noFill/>
+          <a:ln w="12700">
+            <a:solidFill>
+              <a:schemeClr val="tx1"/>
+            </a:solidFill>
+            <a:prstDash val="dash"/>
+          </a:ln>
+        </p:spPr>
+        <p:style>
+          <a:lnRef idx="2">
+            <a:schemeClr val="accent1">
+              <a:shade val="50000"/>
+            </a:schemeClr>
+          </a:lnRef>
+          <a:fillRef idx="1">
+            <a:schemeClr val="accent1"/>
+          </a:fillRef>
+          <a:effectRef idx="0">
+            <a:schemeClr val="accent1"/>
+          </a:effectRef>
+          <a:fontRef idx="minor">
+            <a:schemeClr val="lt1"/>
+          </a:fontRef>
+        </p:style>
+        <p:txBody>
+          <a:bodyPr rot="0" spcFirstLastPara="0" vertOverflow="overflow" horzOverflow="overflow" vert="horz" wrap="square" lIns="91440" tIns="0" rIns="91440" bIns="45720" numCol="1" spcCol="0" rtlCol="0" fromWordArt="0" anchor="t" anchorCtr="0" forceAA="0" compatLnSpc="1">
+            <a:noAutofit/>
+          </a:bodyPr>
+          <a:lstStyle/>
+          <a:p>
+            <a:r>
+              <a:rPr lang="en-US" sz="1100" b="1" dirty="0">
+                <a:solidFill>
+                  <a:schemeClr val="tx1"/>
+                </a:solidFill>
+                <a:latin typeface="Arial" panose="020B0604020202020204" pitchFamily="34" charset="0"/>
+                <a:cs typeface="Arial" panose="020B0604020202020204" pitchFamily="34" charset="0"/>
+              </a:rPr>
+              <a:t>region-2</a:t>
+            </a:r>
+          </a:p>
+        </p:txBody>
+      </p:sp>
+      <p:sp>
+        <p:nvSpPr>
+          <p:cNvPr id="117" name="Rectangle 116">
+            <a:extLst>
+              <a:ext uri="{FF2B5EF4-FFF2-40B4-BE49-F238E27FC236}">
+                <a16:creationId xmlns:a16="http://schemas.microsoft.com/office/drawing/2014/main" id="{AA52183D-126B-A14A-A2FA-1D8EB805B026}"/>
+              </a:ext>
+            </a:extLst>
+          </p:cNvPr>
+          <p:cNvSpPr/>
+          <p:nvPr/>
+        </p:nvSpPr>
+        <p:spPr>
+          <a:xfrm>
+            <a:off x="6040065" y="5336548"/>
+            <a:ext cx="1047687" cy="1009182"/>
+          </a:xfrm>
+          <a:prstGeom prst="rect">
+            <a:avLst/>
+          </a:prstGeom>
+          <a:noFill/>
+          <a:ln w="12700">
+            <a:solidFill>
+              <a:schemeClr val="tx1"/>
+            </a:solidFill>
+            <a:prstDash val="dash"/>
+          </a:ln>
+        </p:spPr>
+        <p:style>
+          <a:lnRef idx="2">
+            <a:schemeClr val="accent1">
+              <a:shade val="50000"/>
+            </a:schemeClr>
+          </a:lnRef>
+          <a:fillRef idx="1">
+            <a:schemeClr val="accent1"/>
+          </a:fillRef>
+          <a:effectRef idx="0">
+            <a:schemeClr val="accent1"/>
+          </a:effectRef>
+          <a:fontRef idx="minor">
+            <a:schemeClr val="lt1"/>
+          </a:fontRef>
+        </p:style>
+        <p:txBody>
+          <a:bodyPr rot="0" spcFirstLastPara="0" vertOverflow="overflow" horzOverflow="overflow" vert="horz" wrap="square" lIns="91440" tIns="0" rIns="91440" bIns="45720" numCol="1" spcCol="0" rtlCol="0" fromWordArt="0" anchor="t" anchorCtr="0" forceAA="0" compatLnSpc="1">
+            <a:noAutofit/>
+          </a:bodyPr>
+          <a:lstStyle/>
+          <a:p>
+            <a:r>
+              <a:rPr lang="en-US" sz="1100" b="1" dirty="0">
+                <a:solidFill>
+                  <a:schemeClr val="tx1"/>
+                </a:solidFill>
+                <a:latin typeface="Arial" panose="020B0604020202020204" pitchFamily="34" charset="0"/>
+                <a:cs typeface="Arial" panose="020B0604020202020204" pitchFamily="34" charset="0"/>
+              </a:rPr>
+              <a:t>region-n</a:t>
+            </a:r>
+          </a:p>
+        </p:txBody>
+      </p:sp>
+      <p:pic>
+        <p:nvPicPr>
+          <p:cNvPr id="121" name="Graphic 17">
+            <a:extLst>
+              <a:ext uri="{FF2B5EF4-FFF2-40B4-BE49-F238E27FC236}">
+                <a16:creationId xmlns:a16="http://schemas.microsoft.com/office/drawing/2014/main" id="{2C0E9278-40CB-B54A-B2B5-218F5519F181}"/>
+              </a:ext>
+            </a:extLst>
+          </p:cNvPr>
+          <p:cNvPicPr>
+            <a:picLocks noChangeAspect="1" noChangeArrowheads="1"/>
+          </p:cNvPicPr>
+          <p:nvPr/>
+        </p:nvPicPr>
+        <p:blipFill>
+          <a:blip r:embed="rId10">
+            <a:extLst>
+              <a:ext uri="{28A0092B-C50C-407E-A947-70E740481C1C}">
+                <a14:useLocalDpi xmlns:a14="http://schemas.microsoft.com/office/drawing/2010/main" val="0"/>
+              </a:ext>
+            </a:extLst>
+          </a:blip>
+          <a:srcRect/>
+          <a:stretch>
+            <a:fillRect/>
+          </a:stretch>
+        </p:blipFill>
+        <p:spPr bwMode="auto">
+          <a:xfrm>
+            <a:off x="3131174" y="3161862"/>
+            <a:ext cx="457200" cy="457200"/>
+          </a:xfrm>
+          <a:prstGeom prst="rect">
+            <a:avLst/>
+          </a:prstGeom>
+          <a:noFill/>
+          <a:ln>
+            <a:noFill/>
+          </a:ln>
+          <a:extLst>
+            <a:ext uri="{909E8E84-426E-40DD-AFC4-6F175D3DCCD1}">
+              <a14:hiddenFill xmlns:a14="http://schemas.microsoft.com/office/drawing/2010/main">
+                <a:solidFill>
+                  <a:srgbClr val="FFFFFF"/>
+                </a:solidFill>
+              </a14:hiddenFill>
+            </a:ext>
+            <a:ext uri="{91240B29-F687-4F45-9708-019B960494DF}">
+              <a14:hiddenLine xmlns:a14="http://schemas.microsoft.com/office/drawing/2010/main" w="9525">
+                <a:solidFill>
+                  <a:srgbClr val="000000"/>
+                </a:solidFill>
+                <a:miter lim="800000"/>
+                <a:headEnd/>
+                <a:tailEnd/>
+              </a14:hiddenLine>
+            </a:ext>
+          </a:extLst>
+        </p:spPr>
+      </p:pic>
+      <p:sp>
+        <p:nvSpPr>
+          <p:cNvPr id="122" name="TextBox 2">
+            <a:extLst>
+              <a:ext uri="{FF2B5EF4-FFF2-40B4-BE49-F238E27FC236}">
+                <a16:creationId xmlns:a16="http://schemas.microsoft.com/office/drawing/2014/main" id="{A2FA43C3-DEAF-414D-A120-A2A41323A7F0}"/>
+              </a:ext>
+            </a:extLst>
+          </p:cNvPr>
+          <p:cNvSpPr txBox="1"/>
+          <p:nvPr/>
+        </p:nvSpPr>
+        <p:spPr>
+          <a:xfrm>
+            <a:off x="2738134" y="3554955"/>
+            <a:ext cx="1273984" cy="430887"/>
+          </a:xfrm>
+          <a:prstGeom prst="rect">
+            <a:avLst/>
+          </a:prstGeom>
+          <a:noFill/>
+        </p:spPr>
+        <p:style>
+          <a:lnRef idx="0">
+            <a:scrgbClr r="0" g="0" b="0"/>
+          </a:lnRef>
+          <a:fillRef idx="0">
+            <a:scrgbClr r="0" g="0" b="0"/>
+          </a:fillRef>
+          <a:effectRef idx="0">
+            <a:scrgbClr r="0" g="0" b="0"/>
+          </a:effectRef>
+          <a:fontRef idx="major"/>
+        </p:style>
+        <p:txBody>
+          <a:bodyPr wrap="square" rtlCol="0">
+            <a:spAutoFit/>
+          </a:bodyPr>
+          <a:lstStyle>
+            <a:lvl1pPr>
+              <a:defRPr>
+                <a:latin typeface="+mj-lt"/>
+                <a:ea typeface="+mj-ea"/>
+                <a:cs typeface="+mj-cs"/>
+              </a:defRPr>
+            </a:lvl1pPr>
+            <a:lvl2pPr>
+              <a:defRPr>
+                <a:latin typeface="+mj-lt"/>
+                <a:ea typeface="+mj-ea"/>
+                <a:cs typeface="+mj-cs"/>
+              </a:defRPr>
+            </a:lvl2pPr>
+            <a:lvl3pPr>
+              <a:defRPr>
+                <a:latin typeface="+mj-lt"/>
+                <a:ea typeface="+mj-ea"/>
+                <a:cs typeface="+mj-cs"/>
+              </a:defRPr>
+            </a:lvl3pPr>
+            <a:lvl4pPr>
+              <a:defRPr>
+                <a:latin typeface="+mj-lt"/>
+                <a:ea typeface="+mj-ea"/>
+                <a:cs typeface="+mj-cs"/>
+              </a:defRPr>
+            </a:lvl4pPr>
+            <a:lvl5pPr>
+              <a:defRPr>
+                <a:latin typeface="+mj-lt"/>
+                <a:ea typeface="+mj-ea"/>
+                <a:cs typeface="+mj-cs"/>
+              </a:defRPr>
+            </a:lvl5pPr>
+            <a:lvl6pPr>
+              <a:defRPr>
+                <a:latin typeface="+mj-lt"/>
+                <a:ea typeface="+mj-ea"/>
+                <a:cs typeface="+mj-cs"/>
+              </a:defRPr>
+            </a:lvl6pPr>
+            <a:lvl7pPr>
+              <a:defRPr>
+                <a:latin typeface="+mj-lt"/>
+                <a:ea typeface="+mj-ea"/>
+                <a:cs typeface="+mj-cs"/>
+              </a:defRPr>
+            </a:lvl7pPr>
+            <a:lvl8pPr>
+              <a:defRPr>
+                <a:latin typeface="+mj-lt"/>
+                <a:ea typeface="+mj-ea"/>
+                <a:cs typeface="+mj-cs"/>
+              </a:defRPr>
+            </a:lvl8pPr>
+            <a:lvl9pPr>
+              <a:defRPr>
+                <a:latin typeface="+mj-lt"/>
+                <a:ea typeface="+mj-ea"/>
+                <a:cs typeface="+mj-cs"/>
+              </a:defRPr>
+            </a:lvl9pPr>
+          </a:lstStyle>
+          <a:p>
+            <a:pPr algn="ctr"/>
+            <a:r>
+              <a:rPr lang="en-US" sz="1100" dirty="0">
+                <a:latin typeface="Arial" panose="020B0604020202020204" pitchFamily="34" charset="0"/>
+                <a:cs typeface="Arial" panose="020B0604020202020204" pitchFamily="34" charset="0"/>
+              </a:rPr>
+              <a:t>Configuration Topic</a:t>
+            </a:r>
+          </a:p>
+        </p:txBody>
+      </p:sp>
+      <p:cxnSp>
+        <p:nvCxnSpPr>
+          <p:cNvPr id="123" name="Straight Arrow Connector 122">
+            <a:extLst>
+              <a:ext uri="{FF2B5EF4-FFF2-40B4-BE49-F238E27FC236}">
+                <a16:creationId xmlns:a16="http://schemas.microsoft.com/office/drawing/2014/main" id="{38C4E4BB-FAE0-4D4E-AD60-634A38C51669}"/>
+              </a:ext>
+            </a:extLst>
+          </p:cNvPr>
+          <p:cNvCxnSpPr>
+            <a:cxnSpLocks/>
+          </p:cNvCxnSpPr>
+          <p:nvPr/>
+        </p:nvCxnSpPr>
+        <p:spPr>
+          <a:xfrm flipV="1">
+            <a:off x="4501013" y="2429658"/>
+            <a:ext cx="0" cy="685256"/>
+          </a:xfrm>
+          <a:prstGeom prst="straightConnector1">
+            <a:avLst/>
+          </a:prstGeom>
+          <a:ln>
+            <a:tailEnd type="triangle"/>
+          </a:ln>
+        </p:spPr>
+        <p:style>
+          <a:lnRef idx="1">
+            <a:schemeClr val="dk1"/>
+          </a:lnRef>
+          <a:fillRef idx="0">
+            <a:schemeClr val="dk1"/>
+          </a:fillRef>
+          <a:effectRef idx="0">
+            <a:schemeClr val="dk1"/>
+          </a:effectRef>
+          <a:fontRef idx="minor">
             <a:schemeClr val="tx1"/>
           </a:fontRef>
         </p:style>
       </p:cxnSp>
+      <p:pic>
+        <p:nvPicPr>
+          <p:cNvPr id="124" name="Graphic 17">
+            <a:extLst>
+              <a:ext uri="{FF2B5EF4-FFF2-40B4-BE49-F238E27FC236}">
+                <a16:creationId xmlns:a16="http://schemas.microsoft.com/office/drawing/2014/main" id="{4702A234-0F42-0D46-B44B-8C5C239AFAA4}"/>
+              </a:ext>
+            </a:extLst>
+          </p:cNvPr>
+          <p:cNvPicPr>
+            <a:picLocks noChangeAspect="1" noChangeArrowheads="1"/>
+          </p:cNvPicPr>
+          <p:nvPr/>
+        </p:nvPicPr>
+        <p:blipFill>
+          <a:blip r:embed="rId10">
+            <a:extLst>
+              <a:ext uri="{28A0092B-C50C-407E-A947-70E740481C1C}">
+                <a14:useLocalDpi xmlns:a14="http://schemas.microsoft.com/office/drawing/2010/main" val="0"/>
+              </a:ext>
+            </a:extLst>
+          </a:blip>
+          <a:srcRect/>
+          <a:stretch>
+            <a:fillRect/>
+          </a:stretch>
+        </p:blipFill>
+        <p:spPr bwMode="auto">
+          <a:xfrm>
+            <a:off x="5234358" y="1719148"/>
+            <a:ext cx="457200" cy="457200"/>
+          </a:xfrm>
+          <a:prstGeom prst="rect">
+            <a:avLst/>
+          </a:prstGeom>
+          <a:noFill/>
+          <a:ln>
+            <a:noFill/>
+          </a:ln>
+          <a:extLst>
+            <a:ext uri="{909E8E84-426E-40DD-AFC4-6F175D3DCCD1}">
+              <a14:hiddenFill xmlns:a14="http://schemas.microsoft.com/office/drawing/2010/main">
+                <a:solidFill>
+                  <a:srgbClr val="FFFFFF"/>
+                </a:solidFill>
+              </a14:hiddenFill>
+            </a:ext>
+            <a:ext uri="{91240B29-F687-4F45-9708-019B960494DF}">
+              <a14:hiddenLine xmlns:a14="http://schemas.microsoft.com/office/drawing/2010/main" w="9525">
+                <a:solidFill>
+                  <a:srgbClr val="000000"/>
+                </a:solidFill>
+                <a:miter lim="800000"/>
+                <a:headEnd/>
+                <a:tailEnd/>
+              </a14:hiddenLine>
+            </a:ext>
+          </a:extLst>
+        </p:spPr>
+      </p:pic>
+      <p:sp>
+        <p:nvSpPr>
+          <p:cNvPr id="130" name="TextBox 2">
+            <a:extLst>
+              <a:ext uri="{FF2B5EF4-FFF2-40B4-BE49-F238E27FC236}">
+                <a16:creationId xmlns:a16="http://schemas.microsoft.com/office/drawing/2014/main" id="{EEB53F09-E03D-1847-8AA0-656A8F11EC4B}"/>
+              </a:ext>
+            </a:extLst>
+          </p:cNvPr>
+          <p:cNvSpPr txBox="1"/>
+          <p:nvPr/>
+        </p:nvSpPr>
+        <p:spPr>
+          <a:xfrm>
+            <a:off x="4999833" y="2106548"/>
+            <a:ext cx="932275" cy="261610"/>
+          </a:xfrm>
+          <a:prstGeom prst="rect">
+            <a:avLst/>
+          </a:prstGeom>
+          <a:noFill/>
+        </p:spPr>
+        <p:style>
+          <a:lnRef idx="0">
+            <a:scrgbClr r="0" g="0" b="0"/>
+          </a:lnRef>
+          <a:fillRef idx="0">
+            <a:scrgbClr r="0" g="0" b="0"/>
+          </a:fillRef>
+          <a:effectRef idx="0">
+            <a:scrgbClr r="0" g="0" b="0"/>
+          </a:effectRef>
+          <a:fontRef idx="major"/>
+        </p:style>
+        <p:txBody>
+          <a:bodyPr wrap="square" rtlCol="0">
+            <a:spAutoFit/>
+          </a:bodyPr>
+          <a:lstStyle>
+            <a:lvl1pPr>
+              <a:defRPr>
+                <a:latin typeface="+mj-lt"/>
+                <a:ea typeface="+mj-ea"/>
+                <a:cs typeface="+mj-cs"/>
+              </a:defRPr>
+            </a:lvl1pPr>
+            <a:lvl2pPr>
+              <a:defRPr>
+                <a:latin typeface="+mj-lt"/>
+                <a:ea typeface="+mj-ea"/>
+                <a:cs typeface="+mj-cs"/>
+              </a:defRPr>
+            </a:lvl2pPr>
+            <a:lvl3pPr>
+              <a:defRPr>
+                <a:latin typeface="+mj-lt"/>
+                <a:ea typeface="+mj-ea"/>
+                <a:cs typeface="+mj-cs"/>
+              </a:defRPr>
+            </a:lvl3pPr>
+            <a:lvl4pPr>
+              <a:defRPr>
+                <a:latin typeface="+mj-lt"/>
+                <a:ea typeface="+mj-ea"/>
+                <a:cs typeface="+mj-cs"/>
+              </a:defRPr>
+            </a:lvl4pPr>
+            <a:lvl5pPr>
+              <a:defRPr>
+                <a:latin typeface="+mj-lt"/>
+                <a:ea typeface="+mj-ea"/>
+                <a:cs typeface="+mj-cs"/>
+              </a:defRPr>
+            </a:lvl5pPr>
+            <a:lvl6pPr>
+              <a:defRPr>
+                <a:latin typeface="+mj-lt"/>
+                <a:ea typeface="+mj-ea"/>
+                <a:cs typeface="+mj-cs"/>
+              </a:defRPr>
+            </a:lvl6pPr>
+            <a:lvl7pPr>
+              <a:defRPr>
+                <a:latin typeface="+mj-lt"/>
+                <a:ea typeface="+mj-ea"/>
+                <a:cs typeface="+mj-cs"/>
+              </a:defRPr>
+            </a:lvl7pPr>
+            <a:lvl8pPr>
+              <a:defRPr>
+                <a:latin typeface="+mj-lt"/>
+                <a:ea typeface="+mj-ea"/>
+                <a:cs typeface="+mj-cs"/>
+              </a:defRPr>
+            </a:lvl8pPr>
+            <a:lvl9pPr>
+              <a:defRPr>
+                <a:latin typeface="+mj-lt"/>
+                <a:ea typeface="+mj-ea"/>
+                <a:cs typeface="+mj-cs"/>
+              </a:defRPr>
+            </a:lvl9pPr>
+          </a:lstStyle>
+          <a:p>
+            <a:pPr algn="ctr"/>
+            <a:r>
+              <a:rPr lang="en-US" sz="1100" dirty="0">
+                <a:latin typeface="Arial" panose="020B0604020202020204" pitchFamily="34" charset="0"/>
+                <a:cs typeface="Arial" panose="020B0604020202020204" pitchFamily="34" charset="0"/>
+              </a:rPr>
+              <a:t>Alarm Topic</a:t>
+            </a:r>
+          </a:p>
+        </p:txBody>
+      </p:sp>
+      <p:cxnSp>
+        <p:nvCxnSpPr>
+          <p:cNvPr id="14" name="Straight Arrow Connector 13">
+            <a:extLst>
+              <a:ext uri="{FF2B5EF4-FFF2-40B4-BE49-F238E27FC236}">
+                <a16:creationId xmlns:a16="http://schemas.microsoft.com/office/drawing/2014/main" id="{9F8BD97F-226F-0F4F-B5C1-967E6AA6BEF4}"/>
+              </a:ext>
+            </a:extLst>
+          </p:cNvPr>
+          <p:cNvCxnSpPr>
+            <a:cxnSpLocks/>
+          </p:cNvCxnSpPr>
+          <p:nvPr/>
+        </p:nvCxnSpPr>
+        <p:spPr>
+          <a:xfrm flipV="1">
+            <a:off x="3651606" y="3425933"/>
+            <a:ext cx="479614" cy="1"/>
+          </a:xfrm>
+          <a:prstGeom prst="straightConnector1">
+            <a:avLst/>
+          </a:prstGeom>
+          <a:ln>
+            <a:headEnd type="triangle"/>
+            <a:tailEnd type="triangle"/>
+          </a:ln>
+        </p:spPr>
+        <p:style>
+          <a:lnRef idx="1">
+            <a:schemeClr val="dk1"/>
+          </a:lnRef>
+          <a:fillRef idx="0">
+            <a:schemeClr val="dk1"/>
+          </a:fillRef>
+          <a:effectRef idx="0">
+            <a:schemeClr val="dk1"/>
+          </a:effectRef>
+          <a:fontRef idx="minor">
+            <a:schemeClr val="tx1"/>
+          </a:fontRef>
+        </p:style>
+      </p:cxnSp>
+      <p:pic>
+        <p:nvPicPr>
+          <p:cNvPr id="131" name="Graphic 29">
+            <a:extLst>
+              <a:ext uri="{FF2B5EF4-FFF2-40B4-BE49-F238E27FC236}">
+                <a16:creationId xmlns:a16="http://schemas.microsoft.com/office/drawing/2014/main" id="{0C9D02B6-9F3F-944F-8B1A-44DD53B4ABF3}"/>
+              </a:ext>
+            </a:extLst>
+          </p:cNvPr>
+          <p:cNvPicPr>
+            <a:picLocks noChangeAspect="1" noChangeArrowheads="1"/>
+          </p:cNvPicPr>
+          <p:nvPr/>
+        </p:nvPicPr>
+        <p:blipFill>
+          <a:blip r:embed="rId11">
+            <a:extLst>
+              <a:ext uri="{28A0092B-C50C-407E-A947-70E740481C1C}">
+                <a14:useLocalDpi xmlns:a14="http://schemas.microsoft.com/office/drawing/2010/main" val="0"/>
+              </a:ext>
+            </a:extLst>
+          </a:blip>
+          <a:srcRect/>
+          <a:stretch>
+            <a:fillRect/>
+          </a:stretch>
+        </p:blipFill>
+        <p:spPr bwMode="auto">
+          <a:xfrm>
+            <a:off x="4258218" y="1724774"/>
+            <a:ext cx="457200" cy="457200"/>
+          </a:xfrm>
+          <a:prstGeom prst="rect">
+            <a:avLst/>
+          </a:prstGeom>
+          <a:noFill/>
+          <a:ln>
+            <a:noFill/>
+          </a:ln>
+          <a:extLst>
+            <a:ext uri="{909E8E84-426E-40DD-AFC4-6F175D3DCCD1}">
+              <a14:hiddenFill xmlns:a14="http://schemas.microsoft.com/office/drawing/2010/main">
+                <a:solidFill>
+                  <a:srgbClr val="FFFFFF"/>
+                </a:solidFill>
+              </a14:hiddenFill>
+            </a:ext>
+            <a:ext uri="{91240B29-F687-4F45-9708-019B960494DF}">
+              <a14:hiddenLine xmlns:a14="http://schemas.microsoft.com/office/drawing/2010/main" w="9525">
+                <a:solidFill>
+                  <a:srgbClr val="000000"/>
+                </a:solidFill>
+                <a:miter lim="800000"/>
+                <a:headEnd/>
+                <a:tailEnd/>
+              </a14:hiddenLine>
+            </a:ext>
+          </a:extLst>
+        </p:spPr>
+      </p:pic>
+      <p:sp>
+        <p:nvSpPr>
+          <p:cNvPr id="132" name="TextBox 2">
+            <a:extLst>
+              <a:ext uri="{FF2B5EF4-FFF2-40B4-BE49-F238E27FC236}">
+                <a16:creationId xmlns:a16="http://schemas.microsoft.com/office/drawing/2014/main" id="{C36427D3-07C2-834E-93F3-E77E529BBE1B}"/>
+              </a:ext>
+            </a:extLst>
+          </p:cNvPr>
+          <p:cNvSpPr txBox="1"/>
+          <p:nvPr/>
+        </p:nvSpPr>
+        <p:spPr>
+          <a:xfrm>
+            <a:off x="4019412" y="2099263"/>
+            <a:ext cx="932275" cy="261610"/>
+          </a:xfrm>
+          <a:prstGeom prst="rect">
+            <a:avLst/>
+          </a:prstGeom>
+          <a:noFill/>
+        </p:spPr>
+        <p:style>
+          <a:lnRef idx="0">
+            <a:scrgbClr r="0" g="0" b="0"/>
+          </a:lnRef>
+          <a:fillRef idx="0">
+            <a:scrgbClr r="0" g="0" b="0"/>
+          </a:fillRef>
+          <a:effectRef idx="0">
+            <a:scrgbClr r="0" g="0" b="0"/>
+          </a:effectRef>
+          <a:fontRef idx="major"/>
+        </p:style>
+        <p:txBody>
+          <a:bodyPr wrap="square" rtlCol="0">
+            <a:spAutoFit/>
+          </a:bodyPr>
+          <a:lstStyle>
+            <a:lvl1pPr>
+              <a:defRPr>
+                <a:latin typeface="+mj-lt"/>
+                <a:ea typeface="+mj-ea"/>
+                <a:cs typeface="+mj-cs"/>
+              </a:defRPr>
+            </a:lvl1pPr>
+            <a:lvl2pPr>
+              <a:defRPr>
+                <a:latin typeface="+mj-lt"/>
+                <a:ea typeface="+mj-ea"/>
+                <a:cs typeface="+mj-cs"/>
+              </a:defRPr>
+            </a:lvl2pPr>
+            <a:lvl3pPr>
+              <a:defRPr>
+                <a:latin typeface="+mj-lt"/>
+                <a:ea typeface="+mj-ea"/>
+                <a:cs typeface="+mj-cs"/>
+              </a:defRPr>
+            </a:lvl3pPr>
+            <a:lvl4pPr>
+              <a:defRPr>
+                <a:latin typeface="+mj-lt"/>
+                <a:ea typeface="+mj-ea"/>
+                <a:cs typeface="+mj-cs"/>
+              </a:defRPr>
+            </a:lvl4pPr>
+            <a:lvl5pPr>
+              <a:defRPr>
+                <a:latin typeface="+mj-lt"/>
+                <a:ea typeface="+mj-ea"/>
+                <a:cs typeface="+mj-cs"/>
+              </a:defRPr>
+            </a:lvl5pPr>
+            <a:lvl6pPr>
+              <a:defRPr>
+                <a:latin typeface="+mj-lt"/>
+                <a:ea typeface="+mj-ea"/>
+                <a:cs typeface="+mj-cs"/>
+              </a:defRPr>
+            </a:lvl6pPr>
+            <a:lvl7pPr>
+              <a:defRPr>
+                <a:latin typeface="+mj-lt"/>
+                <a:ea typeface="+mj-ea"/>
+                <a:cs typeface="+mj-cs"/>
+              </a:defRPr>
+            </a:lvl7pPr>
+            <a:lvl8pPr>
+              <a:defRPr>
+                <a:latin typeface="+mj-lt"/>
+                <a:ea typeface="+mj-ea"/>
+                <a:cs typeface="+mj-cs"/>
+              </a:defRPr>
+            </a:lvl8pPr>
+            <a:lvl9pPr>
+              <a:defRPr>
+                <a:latin typeface="+mj-lt"/>
+                <a:ea typeface="+mj-ea"/>
+                <a:cs typeface="+mj-cs"/>
+              </a:defRPr>
+            </a:lvl9pPr>
+          </a:lstStyle>
+          <a:p>
+            <a:pPr algn="ctr"/>
+            <a:r>
+              <a:rPr lang="en-US" sz="1100" dirty="0">
+                <a:latin typeface="Arial" panose="020B0604020202020204" pitchFamily="34" charset="0"/>
+                <a:cs typeface="Arial" panose="020B0604020202020204" pitchFamily="34" charset="0"/>
+              </a:rPr>
+              <a:t>DLQ</a:t>
+            </a:r>
+          </a:p>
+        </p:txBody>
+      </p:sp>
+      <p:cxnSp>
+        <p:nvCxnSpPr>
+          <p:cNvPr id="133" name="Straight Arrow Connector 132">
+            <a:extLst>
+              <a:ext uri="{FF2B5EF4-FFF2-40B4-BE49-F238E27FC236}">
+                <a16:creationId xmlns:a16="http://schemas.microsoft.com/office/drawing/2014/main" id="{3F2E1A98-66FD-664E-9067-27D2F0881CB3}"/>
+              </a:ext>
+            </a:extLst>
+          </p:cNvPr>
+          <p:cNvCxnSpPr>
+            <a:cxnSpLocks/>
+          </p:cNvCxnSpPr>
+          <p:nvPr/>
+        </p:nvCxnSpPr>
+        <p:spPr>
+          <a:xfrm>
+            <a:off x="4773417" y="1953374"/>
+            <a:ext cx="356540" cy="0"/>
+          </a:xfrm>
+          <a:prstGeom prst="straightConnector1">
+            <a:avLst/>
+          </a:prstGeom>
+          <a:ln>
+            <a:tailEnd type="triangle"/>
+          </a:ln>
+        </p:spPr>
+        <p:style>
+          <a:lnRef idx="1">
+            <a:schemeClr val="dk1"/>
+          </a:lnRef>
+          <a:fillRef idx="0">
+            <a:schemeClr val="dk1"/>
+          </a:fillRef>
+          <a:effectRef idx="0">
+            <a:schemeClr val="dk1"/>
+          </a:effectRef>
+          <a:fontRef idx="minor">
+            <a:schemeClr val="tx1"/>
+          </a:fontRef>
+        </p:style>
+      </p:cxnSp>
+      <p:sp>
+        <p:nvSpPr>
+          <p:cNvPr id="134" name="Oval 133">
+            <a:extLst>
+              <a:ext uri="{FF2B5EF4-FFF2-40B4-BE49-F238E27FC236}">
+                <a16:creationId xmlns:a16="http://schemas.microsoft.com/office/drawing/2014/main" id="{6265BFD4-1EAC-B845-8597-8B172BC41CC8}"/>
+              </a:ext>
+            </a:extLst>
+          </p:cNvPr>
+          <p:cNvSpPr/>
+          <p:nvPr/>
+        </p:nvSpPr>
+        <p:spPr>
+          <a:xfrm>
+            <a:off x="3158420" y="3198370"/>
+            <a:ext cx="253435" cy="212902"/>
+          </a:xfrm>
+          <a:prstGeom prst="ellipse">
+            <a:avLst/>
+          </a:prstGeom>
+          <a:solidFill>
+            <a:schemeClr val="tx1"/>
+          </a:solidFill>
+          <a:ln>
+            <a:solidFill>
+              <a:schemeClr val="tx1"/>
+            </a:solidFill>
+          </a:ln>
+        </p:spPr>
+        <p:style>
+          <a:lnRef idx="2">
+            <a:schemeClr val="accent1">
+              <a:shade val="50000"/>
+            </a:schemeClr>
+          </a:lnRef>
+          <a:fillRef idx="1">
+            <a:schemeClr val="accent1"/>
+          </a:fillRef>
+          <a:effectRef idx="0">
+            <a:schemeClr val="accent1"/>
+          </a:effectRef>
+          <a:fontRef idx="minor">
+            <a:schemeClr val="lt1"/>
+          </a:fontRef>
+        </p:style>
+        <p:txBody>
+          <a:bodyPr lIns="0" tIns="0" rIns="0" bIns="0" rtlCol="0" anchor="ctr"/>
+          <a:lstStyle/>
+          <a:p>
+            <a:pPr algn="ctr"/>
+            <a:r>
+              <a:rPr lang="en-US" sz="800" dirty="0">
+                <a:latin typeface="Arial" panose="020B0604020202020204" pitchFamily="34" charset="0"/>
+                <a:cs typeface="Arial" panose="020B0604020202020204" pitchFamily="34" charset="0"/>
+              </a:rPr>
+              <a:t>1.5</a:t>
+            </a:r>
+          </a:p>
+        </p:txBody>
+      </p:sp>
+      <p:sp>
+        <p:nvSpPr>
+          <p:cNvPr id="135" name="Oval 134">
+            <a:extLst>
+              <a:ext uri="{FF2B5EF4-FFF2-40B4-BE49-F238E27FC236}">
+                <a16:creationId xmlns:a16="http://schemas.microsoft.com/office/drawing/2014/main" id="{A93BF9A5-1D54-164E-97D9-53B265CDAF3E}"/>
+              </a:ext>
+            </a:extLst>
+          </p:cNvPr>
+          <p:cNvSpPr/>
+          <p:nvPr/>
+        </p:nvSpPr>
+        <p:spPr>
+          <a:xfrm>
+            <a:off x="4000068" y="1837293"/>
+            <a:ext cx="253435" cy="212902"/>
+          </a:xfrm>
+          <a:prstGeom prst="ellipse">
+            <a:avLst/>
+          </a:prstGeom>
+          <a:solidFill>
+            <a:schemeClr val="tx1"/>
+          </a:solidFill>
+          <a:ln>
+            <a:solidFill>
+              <a:schemeClr val="tx1"/>
+            </a:solidFill>
+          </a:ln>
+        </p:spPr>
+        <p:style>
+          <a:lnRef idx="2">
+            <a:schemeClr val="accent1">
+              <a:shade val="50000"/>
+            </a:schemeClr>
+          </a:lnRef>
+          <a:fillRef idx="1">
+            <a:schemeClr val="accent1"/>
+          </a:fillRef>
+          <a:effectRef idx="0">
+            <a:schemeClr val="accent1"/>
+          </a:effectRef>
+          <a:fontRef idx="minor">
+            <a:schemeClr val="lt1"/>
+          </a:fontRef>
+        </p:style>
+        <p:txBody>
+          <a:bodyPr lIns="0" tIns="0" rIns="0" bIns="0" rtlCol="0" anchor="ctr"/>
+          <a:lstStyle/>
+          <a:p>
+            <a:pPr algn="ctr"/>
+            <a:r>
+              <a:rPr lang="en-US" sz="800" dirty="0">
+                <a:latin typeface="Arial" panose="020B0604020202020204" pitchFamily="34" charset="0"/>
+                <a:cs typeface="Arial" panose="020B0604020202020204" pitchFamily="34" charset="0"/>
+              </a:rPr>
+              <a:t>1.6</a:t>
+            </a:r>
+          </a:p>
+        </p:txBody>
+      </p:sp>
+      <p:sp>
+        <p:nvSpPr>
+          <p:cNvPr id="136" name="Oval 135">
+            <a:extLst>
+              <a:ext uri="{FF2B5EF4-FFF2-40B4-BE49-F238E27FC236}">
+                <a16:creationId xmlns:a16="http://schemas.microsoft.com/office/drawing/2014/main" id="{0B6E3580-CA00-8C48-A31F-4800158C605D}"/>
+              </a:ext>
+            </a:extLst>
+          </p:cNvPr>
+          <p:cNvSpPr/>
+          <p:nvPr/>
+        </p:nvSpPr>
+        <p:spPr>
+          <a:xfrm>
+            <a:off x="5259436" y="1769953"/>
+            <a:ext cx="253435" cy="212902"/>
+          </a:xfrm>
+          <a:prstGeom prst="ellipse">
+            <a:avLst/>
+          </a:prstGeom>
+          <a:solidFill>
+            <a:schemeClr val="tx1"/>
+          </a:solidFill>
+          <a:ln>
+            <a:solidFill>
+              <a:schemeClr val="tx1"/>
+            </a:solidFill>
+          </a:ln>
+        </p:spPr>
+        <p:style>
+          <a:lnRef idx="2">
+            <a:schemeClr val="accent1">
+              <a:shade val="50000"/>
+            </a:schemeClr>
+          </a:lnRef>
+          <a:fillRef idx="1">
+            <a:schemeClr val="accent1"/>
+          </a:fillRef>
+          <a:effectRef idx="0">
+            <a:schemeClr val="accent1"/>
+          </a:effectRef>
+          <a:fontRef idx="minor">
+            <a:schemeClr val="lt1"/>
+          </a:fontRef>
+        </p:style>
+        <p:txBody>
+          <a:bodyPr lIns="0" tIns="0" rIns="0" bIns="0" rtlCol="0" anchor="ctr"/>
+          <a:lstStyle/>
+          <a:p>
+            <a:pPr algn="ctr"/>
+            <a:r>
+              <a:rPr lang="en-US" sz="800" dirty="0">
+                <a:latin typeface="Arial" panose="020B0604020202020204" pitchFamily="34" charset="0"/>
+                <a:cs typeface="Arial" panose="020B0604020202020204" pitchFamily="34" charset="0"/>
+              </a:rPr>
+              <a:t>1.7</a:t>
+            </a:r>
+          </a:p>
+        </p:txBody>
+      </p:sp>
+      <p:pic>
+        <p:nvPicPr>
+          <p:cNvPr id="83" name="Graphic 21">
+            <a:extLst>
+              <a:ext uri="{FF2B5EF4-FFF2-40B4-BE49-F238E27FC236}">
+                <a16:creationId xmlns:a16="http://schemas.microsoft.com/office/drawing/2014/main" id="{BFB957A9-7588-DC4F-BD6B-719417314479}"/>
+              </a:ext>
+            </a:extLst>
+          </p:cNvPr>
+          <p:cNvPicPr>
+            <a:picLocks noChangeAspect="1" noChangeArrowheads="1"/>
+          </p:cNvPicPr>
+          <p:nvPr/>
+        </p:nvPicPr>
+        <p:blipFill>
+          <a:blip r:embed="rId12">
+            <a:extLst>
+              <a:ext uri="{28A0092B-C50C-407E-A947-70E740481C1C}">
+                <a14:useLocalDpi xmlns:a14="http://schemas.microsoft.com/office/drawing/2010/main" val="0"/>
+              </a:ext>
+            </a:extLst>
+          </a:blip>
+          <a:srcRect/>
+          <a:stretch>
+            <a:fillRect/>
+          </a:stretch>
+        </p:blipFill>
+        <p:spPr bwMode="auto">
+          <a:xfrm>
+            <a:off x="7945977" y="1646486"/>
+            <a:ext cx="457200" cy="457200"/>
+          </a:xfrm>
+          <a:prstGeom prst="rect">
+            <a:avLst/>
+          </a:prstGeom>
+          <a:noFill/>
+          <a:ln>
+            <a:noFill/>
+          </a:ln>
+          <a:extLst>
+            <a:ext uri="{909E8E84-426E-40DD-AFC4-6F175D3DCCD1}">
+              <a14:hiddenFill xmlns:a14="http://schemas.microsoft.com/office/drawing/2010/main">
+                <a:solidFill>
+                  <a:srgbClr val="FFFFFF"/>
+                </a:solidFill>
+              </a14:hiddenFill>
+            </a:ext>
+            <a:ext uri="{91240B29-F687-4F45-9708-019B960494DF}">
+              <a14:hiddenLine xmlns:a14="http://schemas.microsoft.com/office/drawing/2010/main" w="9525">
+                <a:solidFill>
+                  <a:srgbClr val="000000"/>
+                </a:solidFill>
+                <a:miter lim="800000"/>
+                <a:headEnd/>
+                <a:tailEnd/>
+              </a14:hiddenLine>
+            </a:ext>
+          </a:extLst>
+        </p:spPr>
+      </p:pic>
+      <p:sp>
+        <p:nvSpPr>
+          <p:cNvPr id="77" name="Oval 76">
+            <a:extLst>
+              <a:ext uri="{FF2B5EF4-FFF2-40B4-BE49-F238E27FC236}">
+                <a16:creationId xmlns:a16="http://schemas.microsoft.com/office/drawing/2014/main" id="{AED94000-28EA-A04C-B6B2-408F1241E4F2}"/>
+              </a:ext>
+            </a:extLst>
+          </p:cNvPr>
+          <p:cNvSpPr/>
+          <p:nvPr/>
+        </p:nvSpPr>
+        <p:spPr>
+          <a:xfrm>
+            <a:off x="7961697" y="1654939"/>
+            <a:ext cx="253435" cy="212902"/>
+          </a:xfrm>
+          <a:prstGeom prst="ellipse">
+            <a:avLst/>
+          </a:prstGeom>
+          <a:solidFill>
+            <a:schemeClr val="tx1"/>
+          </a:solidFill>
+          <a:ln>
+            <a:solidFill>
+              <a:schemeClr val="tx1"/>
+            </a:solidFill>
+          </a:ln>
+        </p:spPr>
+        <p:style>
+          <a:lnRef idx="2">
+            <a:schemeClr val="accent1">
+              <a:shade val="50000"/>
+            </a:schemeClr>
+          </a:lnRef>
+          <a:fillRef idx="1">
+            <a:schemeClr val="accent1"/>
+          </a:fillRef>
+          <a:effectRef idx="0">
+            <a:schemeClr val="accent1"/>
+          </a:effectRef>
+          <a:fontRef idx="minor">
+            <a:schemeClr val="lt1"/>
+          </a:fontRef>
+        </p:style>
+        <p:txBody>
+          <a:bodyPr lIns="0" tIns="0" rIns="0" bIns="0" rtlCol="0" anchor="ctr"/>
+          <a:lstStyle/>
+          <a:p>
+            <a:pPr algn="ctr"/>
+            <a:r>
+              <a:rPr lang="en-US" sz="800" dirty="0">
+                <a:latin typeface="Arial" panose="020B0604020202020204" pitchFamily="34" charset="0"/>
+                <a:cs typeface="Arial" panose="020B0604020202020204" pitchFamily="34" charset="0"/>
+              </a:rPr>
+              <a:t>2.1</a:t>
+            </a:r>
+          </a:p>
+        </p:txBody>
+      </p:sp>
+      <p:pic>
+        <p:nvPicPr>
+          <p:cNvPr id="84" name="Graphic 21">
+            <a:extLst>
+              <a:ext uri="{FF2B5EF4-FFF2-40B4-BE49-F238E27FC236}">
+                <a16:creationId xmlns:a16="http://schemas.microsoft.com/office/drawing/2014/main" id="{54DD9FF4-F886-7342-89FC-F6D02603018E}"/>
+              </a:ext>
+            </a:extLst>
+          </p:cNvPr>
+          <p:cNvPicPr>
+            <a:picLocks noChangeAspect="1" noChangeArrowheads="1"/>
+          </p:cNvPicPr>
+          <p:nvPr/>
+        </p:nvPicPr>
+        <p:blipFill>
+          <a:blip r:embed="rId12">
+            <a:extLst>
+              <a:ext uri="{28A0092B-C50C-407E-A947-70E740481C1C}">
+                <a14:useLocalDpi xmlns:a14="http://schemas.microsoft.com/office/drawing/2010/main" val="0"/>
+              </a:ext>
+            </a:extLst>
+          </a:blip>
+          <a:srcRect/>
+          <a:stretch>
+            <a:fillRect/>
+          </a:stretch>
+        </p:blipFill>
+        <p:spPr bwMode="auto">
+          <a:xfrm>
+            <a:off x="1891177" y="2157283"/>
+            <a:ext cx="457200" cy="457200"/>
+          </a:xfrm>
+          <a:prstGeom prst="rect">
+            <a:avLst/>
+          </a:prstGeom>
+          <a:noFill/>
+          <a:ln>
+            <a:noFill/>
+          </a:ln>
+          <a:extLst>
+            <a:ext uri="{909E8E84-426E-40DD-AFC4-6F175D3DCCD1}">
+              <a14:hiddenFill xmlns:a14="http://schemas.microsoft.com/office/drawing/2010/main">
+                <a:solidFill>
+                  <a:srgbClr val="FFFFFF"/>
+                </a:solidFill>
+              </a14:hiddenFill>
+            </a:ext>
+            <a:ext uri="{91240B29-F687-4F45-9708-019B960494DF}">
+              <a14:hiddenLine xmlns:a14="http://schemas.microsoft.com/office/drawing/2010/main" w="9525">
+                <a:solidFill>
+                  <a:srgbClr val="000000"/>
+                </a:solidFill>
+                <a:miter lim="800000"/>
+                <a:headEnd/>
+                <a:tailEnd/>
+              </a14:hiddenLine>
+            </a:ext>
+          </a:extLst>
+        </p:spPr>
+      </p:pic>
+      <p:sp>
+        <p:nvSpPr>
+          <p:cNvPr id="227" name="Oval 226">
+            <a:extLst>
+              <a:ext uri="{FF2B5EF4-FFF2-40B4-BE49-F238E27FC236}">
+                <a16:creationId xmlns:a16="http://schemas.microsoft.com/office/drawing/2014/main" id="{F0D1735B-0005-B145-8C48-3E3934A1D64E}"/>
+              </a:ext>
+            </a:extLst>
+          </p:cNvPr>
+          <p:cNvSpPr/>
+          <p:nvPr/>
+        </p:nvSpPr>
+        <p:spPr>
+          <a:xfrm>
+            <a:off x="1913603" y="2172981"/>
+            <a:ext cx="253435" cy="212902"/>
+          </a:xfrm>
+          <a:prstGeom prst="ellipse">
+            <a:avLst/>
+          </a:prstGeom>
+          <a:solidFill>
+            <a:schemeClr val="tx1"/>
+          </a:solidFill>
+          <a:ln>
+            <a:solidFill>
+              <a:schemeClr val="tx1"/>
+            </a:solidFill>
+          </a:ln>
+        </p:spPr>
+        <p:style>
+          <a:lnRef idx="2">
+            <a:schemeClr val="accent1">
+              <a:shade val="50000"/>
+            </a:schemeClr>
+          </a:lnRef>
+          <a:fillRef idx="1">
+            <a:schemeClr val="accent1"/>
+          </a:fillRef>
+          <a:effectRef idx="0">
+            <a:schemeClr val="accent1"/>
+          </a:effectRef>
+          <a:fontRef idx="minor">
+            <a:schemeClr val="lt1"/>
+          </a:fontRef>
+        </p:style>
+        <p:txBody>
+          <a:bodyPr lIns="0" tIns="0" rIns="0" bIns="0" rtlCol="0" anchor="ctr"/>
+          <a:lstStyle/>
+          <a:p>
+            <a:pPr algn="ctr"/>
+            <a:r>
+              <a:rPr lang="en-US" sz="800" dirty="0">
+                <a:latin typeface="Arial" panose="020B0604020202020204" pitchFamily="34" charset="0"/>
+                <a:cs typeface="Arial" panose="020B0604020202020204" pitchFamily="34" charset="0"/>
+              </a:rPr>
+              <a:t>1.1</a:t>
+            </a:r>
+          </a:p>
+        </p:txBody>
+      </p:sp>
+      <p:pic>
+        <p:nvPicPr>
+          <p:cNvPr id="86" name="Graphic 21">
+            <a:extLst>
+              <a:ext uri="{FF2B5EF4-FFF2-40B4-BE49-F238E27FC236}">
+                <a16:creationId xmlns:a16="http://schemas.microsoft.com/office/drawing/2014/main" id="{236E451E-6AF5-E44D-9078-1CCBA92A1645}"/>
+              </a:ext>
+            </a:extLst>
+          </p:cNvPr>
+          <p:cNvPicPr>
+            <a:picLocks noChangeAspect="1" noChangeArrowheads="1"/>
+          </p:cNvPicPr>
+          <p:nvPr/>
+        </p:nvPicPr>
+        <p:blipFill>
+          <a:blip r:embed="rId12">
+            <a:extLst>
+              <a:ext uri="{28A0092B-C50C-407E-A947-70E740481C1C}">
+                <a14:useLocalDpi xmlns:a14="http://schemas.microsoft.com/office/drawing/2010/main" val="0"/>
+              </a:ext>
+            </a:extLst>
+          </a:blip>
+          <a:srcRect/>
+          <a:stretch>
+            <a:fillRect/>
+          </a:stretch>
+        </p:blipFill>
+        <p:spPr bwMode="auto">
+          <a:xfrm>
+            <a:off x="1839449" y="5250076"/>
+            <a:ext cx="457200" cy="457200"/>
+          </a:xfrm>
+          <a:prstGeom prst="rect">
+            <a:avLst/>
+          </a:prstGeom>
+          <a:noFill/>
+          <a:ln>
+            <a:noFill/>
+          </a:ln>
+          <a:extLst>
+            <a:ext uri="{909E8E84-426E-40DD-AFC4-6F175D3DCCD1}">
+              <a14:hiddenFill xmlns:a14="http://schemas.microsoft.com/office/drawing/2010/main">
+                <a:solidFill>
+                  <a:srgbClr val="FFFFFF"/>
+                </a:solidFill>
+              </a14:hiddenFill>
+            </a:ext>
+            <a:ext uri="{91240B29-F687-4F45-9708-019B960494DF}">
+              <a14:hiddenLine xmlns:a14="http://schemas.microsoft.com/office/drawing/2010/main" w="9525">
+                <a:solidFill>
+                  <a:srgbClr val="000000"/>
+                </a:solidFill>
+                <a:miter lim="800000"/>
+                <a:headEnd/>
+                <a:tailEnd/>
+              </a14:hiddenLine>
+            </a:ext>
+          </a:extLst>
+        </p:spPr>
+      </p:pic>
+      <p:sp>
+        <p:nvSpPr>
+          <p:cNvPr id="237" name="Oval 236">
+            <a:extLst>
+              <a:ext uri="{FF2B5EF4-FFF2-40B4-BE49-F238E27FC236}">
+                <a16:creationId xmlns:a16="http://schemas.microsoft.com/office/drawing/2014/main" id="{6BA035C0-F86D-6346-86AE-2BA9D3B2E833}"/>
+              </a:ext>
+            </a:extLst>
+          </p:cNvPr>
+          <p:cNvSpPr/>
+          <p:nvPr/>
+        </p:nvSpPr>
+        <p:spPr>
+          <a:xfrm>
+            <a:off x="1854861" y="5272305"/>
+            <a:ext cx="253435" cy="212902"/>
+          </a:xfrm>
+          <a:prstGeom prst="ellipse">
+            <a:avLst/>
+          </a:prstGeom>
+          <a:solidFill>
+            <a:schemeClr val="tx1"/>
+          </a:solidFill>
+          <a:ln>
+            <a:solidFill>
+              <a:schemeClr val="tx1"/>
+            </a:solidFill>
+          </a:ln>
+        </p:spPr>
+        <p:style>
+          <a:lnRef idx="2">
+            <a:schemeClr val="accent1">
+              <a:shade val="50000"/>
+            </a:schemeClr>
+          </a:lnRef>
+          <a:fillRef idx="1">
+            <a:schemeClr val="accent1"/>
+          </a:fillRef>
+          <a:effectRef idx="0">
+            <a:schemeClr val="accent1"/>
+          </a:effectRef>
+          <a:fontRef idx="minor">
+            <a:schemeClr val="lt1"/>
+          </a:fontRef>
+        </p:style>
+        <p:txBody>
+          <a:bodyPr lIns="0" tIns="0" rIns="0" bIns="0" rtlCol="0" anchor="ctr"/>
+          <a:lstStyle/>
+          <a:p>
+            <a:pPr algn="ctr"/>
+            <a:r>
+              <a:rPr lang="en-US" sz="800" dirty="0">
+                <a:latin typeface="Arial" panose="020B0604020202020204" pitchFamily="34" charset="0"/>
+                <a:cs typeface="Arial" panose="020B0604020202020204" pitchFamily="34" charset="0"/>
+              </a:rPr>
+              <a:t>3.1</a:t>
+            </a:r>
+          </a:p>
+        </p:txBody>
+      </p:sp>
+      <p:pic>
+        <p:nvPicPr>
+          <p:cNvPr id="95" name="Graphic 7">
+            <a:extLst>
+              <a:ext uri="{FF2B5EF4-FFF2-40B4-BE49-F238E27FC236}">
+                <a16:creationId xmlns:a16="http://schemas.microsoft.com/office/drawing/2014/main" id="{CBD6760F-A5A2-454C-9D47-9F50636CB764}"/>
+              </a:ext>
+            </a:extLst>
+          </p:cNvPr>
+          <p:cNvPicPr>
+            <a:picLocks noChangeAspect="1" noChangeArrowheads="1"/>
+          </p:cNvPicPr>
+          <p:nvPr/>
+        </p:nvPicPr>
+        <p:blipFill>
+          <a:blip r:embed="rId13">
+            <a:extLst>
+              <a:ext uri="{28A0092B-C50C-407E-A947-70E740481C1C}">
+                <a14:useLocalDpi xmlns:a14="http://schemas.microsoft.com/office/drawing/2010/main" val="0"/>
+              </a:ext>
+            </a:extLst>
+          </a:blip>
+          <a:srcRect/>
+          <a:stretch>
+            <a:fillRect/>
+          </a:stretch>
+        </p:blipFill>
+        <p:spPr bwMode="auto">
+          <a:xfrm>
+            <a:off x="3249831" y="5220285"/>
+            <a:ext cx="457200" cy="457200"/>
+          </a:xfrm>
+          <a:prstGeom prst="rect">
+            <a:avLst/>
+          </a:prstGeom>
+          <a:noFill/>
+          <a:ln>
+            <a:noFill/>
+          </a:ln>
+          <a:extLst>
+            <a:ext uri="{909E8E84-426E-40DD-AFC4-6F175D3DCCD1}">
+              <a14:hiddenFill xmlns:a14="http://schemas.microsoft.com/office/drawing/2010/main">
+                <a:solidFill>
+                  <a:srgbClr val="FFFFFF"/>
+                </a:solidFill>
+              </a14:hiddenFill>
+            </a:ext>
+            <a:ext uri="{91240B29-F687-4F45-9708-019B960494DF}">
+              <a14:hiddenLine xmlns:a14="http://schemas.microsoft.com/office/drawing/2010/main" w="9525">
+                <a:solidFill>
+                  <a:srgbClr val="000000"/>
+                </a:solidFill>
+                <a:miter lim="800000"/>
+                <a:headEnd/>
+                <a:tailEnd/>
+              </a14:hiddenLine>
+            </a:ext>
+          </a:extLst>
+        </p:spPr>
+      </p:pic>
+      <p:sp>
+        <p:nvSpPr>
+          <p:cNvPr id="90" name="Oval 89">
+            <a:extLst>
+              <a:ext uri="{FF2B5EF4-FFF2-40B4-BE49-F238E27FC236}">
+                <a16:creationId xmlns:a16="http://schemas.microsoft.com/office/drawing/2014/main" id="{9E632F0A-53C5-0B4E-96BD-D10C16583EAC}"/>
+              </a:ext>
+            </a:extLst>
+          </p:cNvPr>
+          <p:cNvSpPr/>
+          <p:nvPr/>
+        </p:nvSpPr>
+        <p:spPr>
+          <a:xfrm>
+            <a:off x="3270337" y="5247776"/>
+            <a:ext cx="253435" cy="212902"/>
+          </a:xfrm>
+          <a:prstGeom prst="ellipse">
+            <a:avLst/>
+          </a:prstGeom>
+          <a:solidFill>
+            <a:schemeClr val="tx1"/>
+          </a:solidFill>
+          <a:ln>
+            <a:solidFill>
+              <a:schemeClr val="tx1"/>
+            </a:solidFill>
+          </a:ln>
+        </p:spPr>
+        <p:style>
+          <a:lnRef idx="2">
+            <a:schemeClr val="accent1">
+              <a:shade val="50000"/>
+            </a:schemeClr>
+          </a:lnRef>
+          <a:fillRef idx="1">
+            <a:schemeClr val="accent1"/>
+          </a:fillRef>
+          <a:effectRef idx="0">
+            <a:schemeClr val="accent1"/>
+          </a:effectRef>
+          <a:fontRef idx="minor">
+            <a:schemeClr val="lt1"/>
+          </a:fontRef>
+        </p:style>
+        <p:txBody>
+          <a:bodyPr lIns="0" tIns="0" rIns="0" bIns="0" rtlCol="0" anchor="ctr"/>
+          <a:lstStyle/>
+          <a:p>
+            <a:pPr algn="ctr"/>
+            <a:r>
+              <a:rPr lang="en-US" sz="800" dirty="0">
+                <a:latin typeface="Arial" panose="020B0604020202020204" pitchFamily="34" charset="0"/>
+                <a:cs typeface="Arial" panose="020B0604020202020204" pitchFamily="34" charset="0"/>
+              </a:rPr>
+              <a:t>3.2</a:t>
+            </a:r>
+          </a:p>
+        </p:txBody>
+      </p:sp>
+      <p:pic>
+        <p:nvPicPr>
+          <p:cNvPr id="97" name="Graphic 19">
+            <a:extLst>
+              <a:ext uri="{FF2B5EF4-FFF2-40B4-BE49-F238E27FC236}">
+                <a16:creationId xmlns:a16="http://schemas.microsoft.com/office/drawing/2014/main" id="{C3A14D91-65D5-5B49-9CD7-AD9E5A3B7521}"/>
+              </a:ext>
+            </a:extLst>
+          </p:cNvPr>
+          <p:cNvPicPr>
+            <a:picLocks noChangeAspect="1" noChangeArrowheads="1"/>
+          </p:cNvPicPr>
+          <p:nvPr/>
+        </p:nvPicPr>
+        <p:blipFill>
+          <a:blip r:embed="rId14">
+            <a:extLst>
+              <a:ext uri="{28A0092B-C50C-407E-A947-70E740481C1C}">
+                <a14:useLocalDpi xmlns:a14="http://schemas.microsoft.com/office/drawing/2010/main" val="0"/>
+              </a:ext>
+            </a:extLst>
+          </a:blip>
+          <a:srcRect/>
+          <a:stretch>
+            <a:fillRect/>
+          </a:stretch>
+        </p:blipFill>
+        <p:spPr bwMode="auto">
+          <a:xfrm>
+            <a:off x="6335292" y="5614824"/>
+            <a:ext cx="457200" cy="457200"/>
+          </a:xfrm>
+          <a:prstGeom prst="rect">
+            <a:avLst/>
+          </a:prstGeom>
+          <a:noFill/>
+          <a:ln>
+            <a:noFill/>
+          </a:ln>
+          <a:extLst>
+            <a:ext uri="{909E8E84-426E-40DD-AFC4-6F175D3DCCD1}">
+              <a14:hiddenFill xmlns:a14="http://schemas.microsoft.com/office/drawing/2010/main">
+                <a:solidFill>
+                  <a:srgbClr val="FFFFFF"/>
+                </a:solidFill>
+              </a14:hiddenFill>
+            </a:ext>
+            <a:ext uri="{91240B29-F687-4F45-9708-019B960494DF}">
+              <a14:hiddenLine xmlns:a14="http://schemas.microsoft.com/office/drawing/2010/main" w="9525">
+                <a:solidFill>
+                  <a:srgbClr val="000000"/>
+                </a:solidFill>
+                <a:miter lim="800000"/>
+                <a:headEnd/>
+                <a:tailEnd/>
+              </a14:hiddenLine>
+            </a:ext>
+          </a:extLst>
+        </p:spPr>
+      </p:pic>
+      <p:pic>
+        <p:nvPicPr>
+          <p:cNvPr id="119" name="Graphic 19">
+            <a:extLst>
+              <a:ext uri="{FF2B5EF4-FFF2-40B4-BE49-F238E27FC236}">
+                <a16:creationId xmlns:a16="http://schemas.microsoft.com/office/drawing/2014/main" id="{C49F115E-7733-A949-BACC-8D0DA5FCE2AD}"/>
+              </a:ext>
+            </a:extLst>
+          </p:cNvPr>
+          <p:cNvPicPr>
+            <a:picLocks noChangeAspect="1" noChangeArrowheads="1"/>
+          </p:cNvPicPr>
+          <p:nvPr/>
+        </p:nvPicPr>
+        <p:blipFill>
+          <a:blip r:embed="rId14">
+            <a:extLst>
+              <a:ext uri="{28A0092B-C50C-407E-A947-70E740481C1C}">
+                <a14:useLocalDpi xmlns:a14="http://schemas.microsoft.com/office/drawing/2010/main" val="0"/>
+              </a:ext>
+            </a:extLst>
+          </a:blip>
+          <a:srcRect/>
+          <a:stretch>
+            <a:fillRect/>
+          </a:stretch>
+        </p:blipFill>
+        <p:spPr bwMode="auto">
+          <a:xfrm>
+            <a:off x="6416686" y="3187244"/>
+            <a:ext cx="457200" cy="457200"/>
+          </a:xfrm>
+          <a:prstGeom prst="rect">
+            <a:avLst/>
+          </a:prstGeom>
+          <a:noFill/>
+          <a:ln>
+            <a:noFill/>
+          </a:ln>
+          <a:extLst>
+            <a:ext uri="{909E8E84-426E-40DD-AFC4-6F175D3DCCD1}">
+              <a14:hiddenFill xmlns:a14="http://schemas.microsoft.com/office/drawing/2010/main">
+                <a:solidFill>
+                  <a:srgbClr val="FFFFFF"/>
+                </a:solidFill>
+              </a14:hiddenFill>
+            </a:ext>
+            <a:ext uri="{91240B29-F687-4F45-9708-019B960494DF}">
+              <a14:hiddenLine xmlns:a14="http://schemas.microsoft.com/office/drawing/2010/main" w="9525">
+                <a:solidFill>
+                  <a:srgbClr val="000000"/>
+                </a:solidFill>
+                <a:miter lim="800000"/>
+                <a:headEnd/>
+                <a:tailEnd/>
+              </a14:hiddenLine>
+            </a:ext>
+          </a:extLst>
+        </p:spPr>
+      </p:pic>
+      <p:pic>
+        <p:nvPicPr>
+          <p:cNvPr id="120" name="Graphic 19">
+            <a:extLst>
+              <a:ext uri="{FF2B5EF4-FFF2-40B4-BE49-F238E27FC236}">
+                <a16:creationId xmlns:a16="http://schemas.microsoft.com/office/drawing/2014/main" id="{B6246195-F47F-FE41-A732-EF5BCC422EB8}"/>
+              </a:ext>
+            </a:extLst>
+          </p:cNvPr>
+          <p:cNvPicPr>
+            <a:picLocks noChangeAspect="1" noChangeArrowheads="1"/>
+          </p:cNvPicPr>
+          <p:nvPr/>
+        </p:nvPicPr>
+        <p:blipFill>
+          <a:blip r:embed="rId14">
+            <a:extLst>
+              <a:ext uri="{28A0092B-C50C-407E-A947-70E740481C1C}">
+                <a14:useLocalDpi xmlns:a14="http://schemas.microsoft.com/office/drawing/2010/main" val="0"/>
+              </a:ext>
+            </a:extLst>
+          </a:blip>
+          <a:srcRect/>
+          <a:stretch>
+            <a:fillRect/>
+          </a:stretch>
+        </p:blipFill>
+        <p:spPr bwMode="auto">
+          <a:xfrm>
+            <a:off x="8481023" y="5409215"/>
+            <a:ext cx="457200" cy="457200"/>
+          </a:xfrm>
+          <a:prstGeom prst="rect">
+            <a:avLst/>
+          </a:prstGeom>
+          <a:noFill/>
+          <a:ln>
+            <a:noFill/>
+          </a:ln>
+          <a:extLst>
+            <a:ext uri="{909E8E84-426E-40DD-AFC4-6F175D3DCCD1}">
+              <a14:hiddenFill xmlns:a14="http://schemas.microsoft.com/office/drawing/2010/main">
+                <a:solidFill>
+                  <a:srgbClr val="FFFFFF"/>
+                </a:solidFill>
+              </a14:hiddenFill>
+            </a:ext>
+            <a:ext uri="{91240B29-F687-4F45-9708-019B960494DF}">
+              <a14:hiddenLine xmlns:a14="http://schemas.microsoft.com/office/drawing/2010/main" w="9525">
+                <a:solidFill>
+                  <a:srgbClr val="000000"/>
+                </a:solidFill>
+                <a:miter lim="800000"/>
+                <a:headEnd/>
+                <a:tailEnd/>
+              </a14:hiddenLine>
+            </a:ext>
+          </a:extLst>
+        </p:spPr>
+      </p:pic>
+      <p:pic>
+        <p:nvPicPr>
+          <p:cNvPr id="137" name="Graphic 19">
+            <a:extLst>
+              <a:ext uri="{FF2B5EF4-FFF2-40B4-BE49-F238E27FC236}">
+                <a16:creationId xmlns:a16="http://schemas.microsoft.com/office/drawing/2014/main" id="{A8BE7F34-ABE0-2140-A674-D3B84EA7D7AD}"/>
+              </a:ext>
+            </a:extLst>
+          </p:cNvPr>
+          <p:cNvPicPr>
+            <a:picLocks noChangeAspect="1" noChangeArrowheads="1"/>
+          </p:cNvPicPr>
+          <p:nvPr/>
+        </p:nvPicPr>
+        <p:blipFill>
+          <a:blip r:embed="rId14">
+            <a:extLst>
+              <a:ext uri="{28A0092B-C50C-407E-A947-70E740481C1C}">
+                <a14:useLocalDpi xmlns:a14="http://schemas.microsoft.com/office/drawing/2010/main" val="0"/>
+              </a:ext>
+            </a:extLst>
+          </a:blip>
+          <a:srcRect/>
+          <a:stretch>
+            <a:fillRect/>
+          </a:stretch>
+        </p:blipFill>
+        <p:spPr bwMode="auto">
+          <a:xfrm>
+            <a:off x="9595744" y="2802542"/>
+            <a:ext cx="457200" cy="457200"/>
+          </a:xfrm>
+          <a:prstGeom prst="rect">
+            <a:avLst/>
+          </a:prstGeom>
+          <a:noFill/>
+          <a:ln>
+            <a:noFill/>
+          </a:ln>
+          <a:extLst>
+            <a:ext uri="{909E8E84-426E-40DD-AFC4-6F175D3DCCD1}">
+              <a14:hiddenFill xmlns:a14="http://schemas.microsoft.com/office/drawing/2010/main">
+                <a:solidFill>
+                  <a:srgbClr val="FFFFFF"/>
+                </a:solidFill>
+              </a14:hiddenFill>
+            </a:ext>
+            <a:ext uri="{91240B29-F687-4F45-9708-019B960494DF}">
+              <a14:hiddenLine xmlns:a14="http://schemas.microsoft.com/office/drawing/2010/main" w="9525">
+                <a:solidFill>
+                  <a:srgbClr val="000000"/>
+                </a:solidFill>
+                <a:miter lim="800000"/>
+                <a:headEnd/>
+                <a:tailEnd/>
+              </a14:hiddenLine>
+            </a:ext>
+          </a:extLst>
+        </p:spPr>
+      </p:pic>
+      <p:sp>
+        <p:nvSpPr>
+          <p:cNvPr id="105" name="Oval 104">
+            <a:extLst>
+              <a:ext uri="{FF2B5EF4-FFF2-40B4-BE49-F238E27FC236}">
+                <a16:creationId xmlns:a16="http://schemas.microsoft.com/office/drawing/2014/main" id="{64D2FF39-2216-6C4D-8A66-CBF9A2650C0E}"/>
+              </a:ext>
+            </a:extLst>
+          </p:cNvPr>
+          <p:cNvSpPr/>
+          <p:nvPr/>
+        </p:nvSpPr>
+        <p:spPr>
+          <a:xfrm>
+            <a:off x="6437175" y="3199612"/>
+            <a:ext cx="253435" cy="212902"/>
+          </a:xfrm>
+          <a:prstGeom prst="ellipse">
+            <a:avLst/>
+          </a:prstGeom>
+          <a:solidFill>
+            <a:schemeClr val="tx1"/>
+          </a:solidFill>
+          <a:ln>
+            <a:solidFill>
+              <a:schemeClr val="tx1"/>
+            </a:solidFill>
+          </a:ln>
+        </p:spPr>
+        <p:style>
+          <a:lnRef idx="2">
+            <a:schemeClr val="accent1">
+              <a:shade val="50000"/>
+            </a:schemeClr>
+          </a:lnRef>
+          <a:fillRef idx="1">
+            <a:schemeClr val="accent1"/>
+          </a:fillRef>
+          <a:effectRef idx="0">
+            <a:schemeClr val="accent1"/>
+          </a:effectRef>
+          <a:fontRef idx="minor">
+            <a:schemeClr val="lt1"/>
+          </a:fontRef>
+        </p:style>
+        <p:txBody>
+          <a:bodyPr lIns="0" tIns="0" rIns="0" bIns="0" rtlCol="0" anchor="ctr"/>
+          <a:lstStyle/>
+          <a:p>
+            <a:pPr algn="ctr"/>
+            <a:r>
+              <a:rPr lang="en-US" sz="800" dirty="0">
+                <a:latin typeface="Arial" panose="020B0604020202020204" pitchFamily="34" charset="0"/>
+                <a:cs typeface="Arial" panose="020B0604020202020204" pitchFamily="34" charset="0"/>
+              </a:rPr>
+              <a:t>1.8</a:t>
+            </a:r>
+          </a:p>
+        </p:txBody>
+      </p:sp>
+      <p:sp>
+        <p:nvSpPr>
+          <p:cNvPr id="118" name="Oval 117">
+            <a:extLst>
+              <a:ext uri="{FF2B5EF4-FFF2-40B4-BE49-F238E27FC236}">
+                <a16:creationId xmlns:a16="http://schemas.microsoft.com/office/drawing/2014/main" id="{F9726365-A08F-BB47-A792-67E346517B09}"/>
+              </a:ext>
+            </a:extLst>
+          </p:cNvPr>
+          <p:cNvSpPr/>
+          <p:nvPr/>
+        </p:nvSpPr>
+        <p:spPr>
+          <a:xfrm>
+            <a:off x="6339100" y="5625784"/>
+            <a:ext cx="253435" cy="212902"/>
+          </a:xfrm>
+          <a:prstGeom prst="ellipse">
+            <a:avLst/>
+          </a:prstGeom>
+          <a:solidFill>
+            <a:schemeClr val="tx1"/>
+          </a:solidFill>
+          <a:ln>
+            <a:solidFill>
+              <a:schemeClr val="tx1"/>
+            </a:solidFill>
+          </a:ln>
+        </p:spPr>
+        <p:style>
+          <a:lnRef idx="2">
+            <a:schemeClr val="accent1">
+              <a:shade val="50000"/>
+            </a:schemeClr>
+          </a:lnRef>
+          <a:fillRef idx="1">
+            <a:schemeClr val="accent1"/>
+          </a:fillRef>
+          <a:effectRef idx="0">
+            <a:schemeClr val="accent1"/>
+          </a:effectRef>
+          <a:fontRef idx="minor">
+            <a:schemeClr val="lt1"/>
+          </a:fontRef>
+        </p:style>
+        <p:txBody>
+          <a:bodyPr lIns="0" tIns="0" rIns="0" bIns="0" rtlCol="0" anchor="ctr"/>
+          <a:lstStyle/>
+          <a:p>
+            <a:pPr algn="ctr"/>
+            <a:r>
+              <a:rPr lang="en-US" sz="800" dirty="0">
+                <a:latin typeface="Arial" panose="020B0604020202020204" pitchFamily="34" charset="0"/>
+                <a:cs typeface="Arial" panose="020B0604020202020204" pitchFamily="34" charset="0"/>
+              </a:rPr>
+              <a:t>3.4</a:t>
+            </a:r>
+          </a:p>
+        </p:txBody>
+      </p:sp>
+      <p:sp>
+        <p:nvSpPr>
+          <p:cNvPr id="112" name="Oval 111">
+            <a:extLst>
+              <a:ext uri="{FF2B5EF4-FFF2-40B4-BE49-F238E27FC236}">
+                <a16:creationId xmlns:a16="http://schemas.microsoft.com/office/drawing/2014/main" id="{108FE925-7D99-B74E-883C-02BAE4F60589}"/>
+              </a:ext>
+            </a:extLst>
+          </p:cNvPr>
+          <p:cNvSpPr/>
+          <p:nvPr/>
+        </p:nvSpPr>
+        <p:spPr>
+          <a:xfrm>
+            <a:off x="8505694" y="5421148"/>
+            <a:ext cx="253435" cy="212902"/>
+          </a:xfrm>
+          <a:prstGeom prst="ellipse">
+            <a:avLst/>
+          </a:prstGeom>
+          <a:solidFill>
+            <a:schemeClr val="tx1"/>
+          </a:solidFill>
+          <a:ln>
+            <a:solidFill>
+              <a:schemeClr val="tx1"/>
+            </a:solidFill>
+          </a:ln>
+        </p:spPr>
+        <p:style>
+          <a:lnRef idx="2">
+            <a:schemeClr val="accent1">
+              <a:shade val="50000"/>
+            </a:schemeClr>
+          </a:lnRef>
+          <a:fillRef idx="1">
+            <a:schemeClr val="accent1"/>
+          </a:fillRef>
+          <a:effectRef idx="0">
+            <a:schemeClr val="accent1"/>
+          </a:effectRef>
+          <a:fontRef idx="minor">
+            <a:schemeClr val="lt1"/>
+          </a:fontRef>
+        </p:style>
+        <p:txBody>
+          <a:bodyPr lIns="0" tIns="0" rIns="0" bIns="0" rtlCol="0" anchor="ctr"/>
+          <a:lstStyle/>
+          <a:p>
+            <a:pPr algn="ctr"/>
+            <a:r>
+              <a:rPr lang="en-US" sz="800" dirty="0">
+                <a:latin typeface="Arial" panose="020B0604020202020204" pitchFamily="34" charset="0"/>
+                <a:cs typeface="Arial" panose="020B0604020202020204" pitchFamily="34" charset="0"/>
+              </a:rPr>
+              <a:t>4.1</a:t>
+            </a:r>
+          </a:p>
+        </p:txBody>
+      </p:sp>
+      <p:sp>
+        <p:nvSpPr>
+          <p:cNvPr id="81" name="Oval 80">
+            <a:extLst>
+              <a:ext uri="{FF2B5EF4-FFF2-40B4-BE49-F238E27FC236}">
+                <a16:creationId xmlns:a16="http://schemas.microsoft.com/office/drawing/2014/main" id="{CC0C6702-E491-584C-9DAD-C57A70340998}"/>
+              </a:ext>
+            </a:extLst>
+          </p:cNvPr>
+          <p:cNvSpPr/>
+          <p:nvPr/>
+        </p:nvSpPr>
+        <p:spPr>
+          <a:xfrm>
+            <a:off x="9620120" y="2821232"/>
+            <a:ext cx="253435" cy="212902"/>
+          </a:xfrm>
+          <a:prstGeom prst="ellipse">
+            <a:avLst/>
+          </a:prstGeom>
+          <a:solidFill>
+            <a:schemeClr val="tx1"/>
+          </a:solidFill>
+          <a:ln>
+            <a:solidFill>
+              <a:schemeClr val="tx1"/>
+            </a:solidFill>
+          </a:ln>
+        </p:spPr>
+        <p:style>
+          <a:lnRef idx="2">
+            <a:schemeClr val="accent1">
+              <a:shade val="50000"/>
+            </a:schemeClr>
+          </a:lnRef>
+          <a:fillRef idx="1">
+            <a:schemeClr val="accent1"/>
+          </a:fillRef>
+          <a:effectRef idx="0">
+            <a:schemeClr val="accent1"/>
+          </a:effectRef>
+          <a:fontRef idx="minor">
+            <a:schemeClr val="lt1"/>
+          </a:fontRef>
+        </p:style>
+        <p:txBody>
+          <a:bodyPr lIns="0" tIns="0" rIns="0" bIns="0" rtlCol="0" anchor="ctr"/>
+          <a:lstStyle/>
+          <a:p>
+            <a:pPr algn="ctr"/>
+            <a:r>
+              <a:rPr lang="en-US" sz="800" dirty="0">
+                <a:latin typeface="Arial" panose="020B0604020202020204" pitchFamily="34" charset="0"/>
+                <a:cs typeface="Arial" panose="020B0604020202020204" pitchFamily="34" charset="0"/>
+              </a:rPr>
+              <a:t>2.3</a:t>
+            </a:r>
+          </a:p>
+        </p:txBody>
+      </p:sp>
     </p:spTree>
     <p:extLst>
       <p:ext uri="{BB962C8B-B14F-4D97-AF65-F5344CB8AC3E}">

--- a/aws_sra_examples/solutions/guardduty/guardduty_org/documentation/guardduty-org.pptx
+++ b/aws_sra_examples/solutions/guardduty/guardduty_org/documentation/guardduty-org.pptx
@@ -8,7 +8,7 @@
     <p:notesMasterId r:id="rId3"/>
   </p:notesMasterIdLst>
   <p:sldIdLst>
-    <p:sldId id="256" r:id="rId2"/>
+    <p:sldId id="260" r:id="rId2"/>
   </p:sldIdLst>
   <p:sldSz cx="12192000" cy="6858000"/>
   <p:notesSz cx="6858000" cy="9144000"/>
@@ -109,7 +109,18 @@
   </p:defaultTextStyle>
   <p:extLst>
     <p:ext uri="{EFAFB233-063F-42B5-8137-9DF3F51BA10A}">
-      <p15:sldGuideLst xmlns:p15="http://schemas.microsoft.com/office/powerpoint/2012/main"/>
+      <p15:sldGuideLst xmlns:p15="http://schemas.microsoft.com/office/powerpoint/2012/main">
+        <p15:guide id="1" pos="3840" userDrawn="1">
+          <p15:clr>
+            <a:srgbClr val="A4A3A4"/>
+          </p15:clr>
+        </p15:guide>
+        <p15:guide id="2" orient="horz" pos="2160" userDrawn="1">
+          <p15:clr>
+            <a:srgbClr val="A4A3A4"/>
+          </p15:clr>
+        </p15:guide>
+      </p15:sldGuideLst>
     </p:ext>
   </p:extLst>
 </p:presentation>
@@ -197,7 +208,7 @@
           <a:p>
             <a:fld id="{FD8D84E3-00BA-4A46-8256-7E527D8B4480}" type="datetimeFigureOut">
               <a:rPr lang="en-US" smtClean="0"/>
-              <a:t>3/10/22</a:t>
+              <a:t>5/31/23</a:t>
             </a:fld>
             <a:endParaRPr lang="en-US"/>
           </a:p>
@@ -538,7 +549,7 @@
     </p:spTree>
     <p:extLst>
       <p:ext uri="{BB962C8B-B14F-4D97-AF65-F5344CB8AC3E}">
-        <p14:creationId xmlns:p14="http://schemas.microsoft.com/office/powerpoint/2010/main" val="27507652"/>
+        <p14:creationId xmlns:p14="http://schemas.microsoft.com/office/powerpoint/2010/main" val="2701646952"/>
       </p:ext>
     </p:extLst>
   </p:cSld>
@@ -695,7 +706,7 @@
           <a:p>
             <a:fld id="{9FE185F7-9B28-9F45-9F43-9CB5A0B99390}" type="datetimeFigureOut">
               <a:rPr lang="en-US" smtClean="0"/>
-              <a:t>3/10/22</a:t>
+              <a:t>5/31/23</a:t>
             </a:fld>
             <a:endParaRPr lang="en-US"/>
           </a:p>
@@ -893,7 +904,7 @@
           <a:p>
             <a:fld id="{9FE185F7-9B28-9F45-9F43-9CB5A0B99390}" type="datetimeFigureOut">
               <a:rPr lang="en-US" smtClean="0"/>
-              <a:t>3/10/22</a:t>
+              <a:t>5/31/23</a:t>
             </a:fld>
             <a:endParaRPr lang="en-US"/>
           </a:p>
@@ -1101,7 +1112,7 @@
           <a:p>
             <a:fld id="{9FE185F7-9B28-9F45-9F43-9CB5A0B99390}" type="datetimeFigureOut">
               <a:rPr lang="en-US" smtClean="0"/>
-              <a:t>3/10/22</a:t>
+              <a:t>5/31/23</a:t>
             </a:fld>
             <a:endParaRPr lang="en-US"/>
           </a:p>
@@ -1299,7 +1310,7 @@
           <a:p>
             <a:fld id="{9FE185F7-9B28-9F45-9F43-9CB5A0B99390}" type="datetimeFigureOut">
               <a:rPr lang="en-US" smtClean="0"/>
-              <a:t>3/10/22</a:t>
+              <a:t>5/31/23</a:t>
             </a:fld>
             <a:endParaRPr lang="en-US"/>
           </a:p>
@@ -1574,7 +1585,7 @@
           <a:p>
             <a:fld id="{9FE185F7-9B28-9F45-9F43-9CB5A0B99390}" type="datetimeFigureOut">
               <a:rPr lang="en-US" smtClean="0"/>
-              <a:t>3/10/22</a:t>
+              <a:t>5/31/23</a:t>
             </a:fld>
             <a:endParaRPr lang="en-US"/>
           </a:p>
@@ -1839,7 +1850,7 @@
           <a:p>
             <a:fld id="{9FE185F7-9B28-9F45-9F43-9CB5A0B99390}" type="datetimeFigureOut">
               <a:rPr lang="en-US" smtClean="0"/>
-              <a:t>3/10/22</a:t>
+              <a:t>5/31/23</a:t>
             </a:fld>
             <a:endParaRPr lang="en-US"/>
           </a:p>
@@ -2251,7 +2262,7 @@
           <a:p>
             <a:fld id="{9FE185F7-9B28-9F45-9F43-9CB5A0B99390}" type="datetimeFigureOut">
               <a:rPr lang="en-US" smtClean="0"/>
-              <a:t>3/10/22</a:t>
+              <a:t>5/31/23</a:t>
             </a:fld>
             <a:endParaRPr lang="en-US"/>
           </a:p>
@@ -2392,7 +2403,7 @@
           <a:p>
             <a:fld id="{9FE185F7-9B28-9F45-9F43-9CB5A0B99390}" type="datetimeFigureOut">
               <a:rPr lang="en-US" smtClean="0"/>
-              <a:t>3/10/22</a:t>
+              <a:t>5/31/23</a:t>
             </a:fld>
             <a:endParaRPr lang="en-US"/>
           </a:p>
@@ -2505,7 +2516,7 @@
           <a:p>
             <a:fld id="{9FE185F7-9B28-9F45-9F43-9CB5A0B99390}" type="datetimeFigureOut">
               <a:rPr lang="en-US" smtClean="0"/>
-              <a:t>3/10/22</a:t>
+              <a:t>5/31/23</a:t>
             </a:fld>
             <a:endParaRPr lang="en-US"/>
           </a:p>
@@ -2816,7 +2827,7 @@
           <a:p>
             <a:fld id="{9FE185F7-9B28-9F45-9F43-9CB5A0B99390}" type="datetimeFigureOut">
               <a:rPr lang="en-US" smtClean="0"/>
-              <a:t>3/10/22</a:t>
+              <a:t>5/31/23</a:t>
             </a:fld>
             <a:endParaRPr lang="en-US"/>
           </a:p>
@@ -3104,7 +3115,7 @@
           <a:p>
             <a:fld id="{9FE185F7-9B28-9F45-9F43-9CB5A0B99390}" type="datetimeFigureOut">
               <a:rPr lang="en-US" smtClean="0"/>
-              <a:t>3/10/22</a:t>
+              <a:t>5/31/23</a:t>
             </a:fld>
             <a:endParaRPr lang="en-US"/>
           </a:p>
@@ -3345,7 +3356,7 @@
           <a:p>
             <a:fld id="{9FE185F7-9B28-9F45-9F43-9CB5A0B99390}" type="datetimeFigureOut">
               <a:rPr lang="en-US" smtClean="0"/>
-              <a:t>3/10/22</a:t>
+              <a:t>5/31/23</a:t>
             </a:fld>
             <a:endParaRPr lang="en-US"/>
           </a:p>
@@ -3748,17 +3759,6 @@
 <file path=ppt/slides/slide1.xml><?xml version="1.0" encoding="utf-8"?>
 <p:sld xmlns:a="http://schemas.openxmlformats.org/drawingml/2006/main" xmlns:r="http://schemas.openxmlformats.org/officeDocument/2006/relationships" xmlns:p="http://schemas.openxmlformats.org/presentationml/2006/main">
   <p:cSld>
-    <p:bg>
-      <p:bgPr>
-        <a:solidFill>
-          <a:schemeClr val="tx1">
-            <a:lumMod val="65000"/>
-            <a:lumOff val="35000"/>
-          </a:schemeClr>
-        </a:solidFill>
-        <a:effectLst/>
-      </p:bgPr>
-    </p:bg>
     <p:spTree>
       <p:nvGrpSpPr>
         <p:cNvPr id="1" name=""/>
@@ -3775,10 +3775,238 @@
       </p:grpSpPr>
       <p:sp>
         <p:nvSpPr>
-          <p:cNvPr id="125" name="Rectangle 124">
-            <a:extLst>
-              <a:ext uri="{FF2B5EF4-FFF2-40B4-BE49-F238E27FC236}">
-                <a16:creationId xmlns:a16="http://schemas.microsoft.com/office/drawing/2014/main" id="{09FB3F18-5D37-9F42-BE21-657A66F925D2}"/>
+          <p:cNvPr id="96" name="TextBox 29">
+            <a:extLst>
+              <a:ext uri="{FF2B5EF4-FFF2-40B4-BE49-F238E27FC236}">
+                <a16:creationId xmlns:a16="http://schemas.microsoft.com/office/drawing/2014/main" id="{C618E77E-F039-1E4A-96DB-E5F160FF919B}"/>
+              </a:ext>
+            </a:extLst>
+          </p:cNvPr>
+          <p:cNvSpPr txBox="1">
+            <a:spLocks noChangeArrowheads="1"/>
+          </p:cNvSpPr>
+          <p:nvPr/>
+        </p:nvSpPr>
+        <p:spPr bwMode="auto">
+          <a:xfrm>
+            <a:off x="7851029" y="5622639"/>
+            <a:ext cx="1062976" cy="430887"/>
+          </a:xfrm>
+          <a:prstGeom prst="rect">
+            <a:avLst/>
+          </a:prstGeom>
+          <a:noFill/>
+          <a:ln>
+            <a:noFill/>
+          </a:ln>
+          <a:extLst>
+            <a:ext uri="{909E8E84-426E-40DD-AFC4-6F175D3DCCD1}">
+              <a14:hiddenFill xmlns:a14="http://schemas.microsoft.com/office/drawing/2010/main">
+                <a:solidFill>
+                  <a:srgbClr val="FFFFFF"/>
+                </a:solidFill>
+              </a14:hiddenFill>
+            </a:ext>
+            <a:ext uri="{91240B29-F687-4F45-9708-019B960494DF}">
+              <a14:hiddenLine xmlns:a14="http://schemas.microsoft.com/office/drawing/2010/main" w="9525">
+                <a:solidFill>
+                  <a:srgbClr val="000000"/>
+                </a:solidFill>
+                <a:miter lim="800000"/>
+                <a:headEnd/>
+                <a:tailEnd/>
+              </a14:hiddenLine>
+            </a:ext>
+          </a:extLst>
+        </p:spPr>
+        <p:txBody>
+          <a:bodyPr wrap="square">
+            <a:spAutoFit/>
+          </a:bodyPr>
+          <a:lstStyle>
+            <a:lvl1pPr>
+              <a:defRPr>
+                <a:solidFill>
+                  <a:schemeClr val="tx1"/>
+                </a:solidFill>
+                <a:latin typeface="Calibri" panose="020F0502020204030204" pitchFamily="34" charset="0"/>
+              </a:defRPr>
+            </a:lvl1pPr>
+            <a:lvl2pPr marL="742950" indent="-285750">
+              <a:defRPr>
+                <a:solidFill>
+                  <a:schemeClr val="tx1"/>
+                </a:solidFill>
+                <a:latin typeface="Calibri" panose="020F0502020204030204" pitchFamily="34" charset="0"/>
+              </a:defRPr>
+            </a:lvl2pPr>
+            <a:lvl3pPr marL="1143000" indent="-228600">
+              <a:defRPr>
+                <a:solidFill>
+                  <a:schemeClr val="tx1"/>
+                </a:solidFill>
+                <a:latin typeface="Calibri" panose="020F0502020204030204" pitchFamily="34" charset="0"/>
+              </a:defRPr>
+            </a:lvl3pPr>
+            <a:lvl4pPr marL="1600200" indent="-228600">
+              <a:defRPr>
+                <a:solidFill>
+                  <a:schemeClr val="tx1"/>
+                </a:solidFill>
+                <a:latin typeface="Calibri" panose="020F0502020204030204" pitchFamily="34" charset="0"/>
+              </a:defRPr>
+            </a:lvl4pPr>
+            <a:lvl5pPr marL="2057400" indent="-228600">
+              <a:defRPr>
+                <a:solidFill>
+                  <a:schemeClr val="tx1"/>
+                </a:solidFill>
+                <a:latin typeface="Calibri" panose="020F0502020204030204" pitchFamily="34" charset="0"/>
+              </a:defRPr>
+            </a:lvl5pPr>
+            <a:lvl6pPr marL="2514600" indent="-228600" eaLnBrk="0" fontAlgn="base" hangingPunct="0">
+              <a:spcBef>
+                <a:spcPct val="0"/>
+              </a:spcBef>
+              <a:spcAft>
+                <a:spcPct val="0"/>
+              </a:spcAft>
+              <a:defRPr>
+                <a:solidFill>
+                  <a:schemeClr val="tx1"/>
+                </a:solidFill>
+                <a:latin typeface="Calibri" panose="020F0502020204030204" pitchFamily="34" charset="0"/>
+              </a:defRPr>
+            </a:lvl6pPr>
+            <a:lvl7pPr marL="2971800" indent="-228600" eaLnBrk="0" fontAlgn="base" hangingPunct="0">
+              <a:spcBef>
+                <a:spcPct val="0"/>
+              </a:spcBef>
+              <a:spcAft>
+                <a:spcPct val="0"/>
+              </a:spcAft>
+              <a:defRPr>
+                <a:solidFill>
+                  <a:schemeClr val="tx1"/>
+                </a:solidFill>
+                <a:latin typeface="Calibri" panose="020F0502020204030204" pitchFamily="34" charset="0"/>
+              </a:defRPr>
+            </a:lvl7pPr>
+            <a:lvl8pPr marL="3429000" indent="-228600" eaLnBrk="0" fontAlgn="base" hangingPunct="0">
+              <a:spcBef>
+                <a:spcPct val="0"/>
+              </a:spcBef>
+              <a:spcAft>
+                <a:spcPct val="0"/>
+              </a:spcAft>
+              <a:defRPr>
+                <a:solidFill>
+                  <a:schemeClr val="tx1"/>
+                </a:solidFill>
+                <a:latin typeface="Calibri" panose="020F0502020204030204" pitchFamily="34" charset="0"/>
+              </a:defRPr>
+            </a:lvl8pPr>
+            <a:lvl9pPr marL="3886200" indent="-228600" eaLnBrk="0" fontAlgn="base" hangingPunct="0">
+              <a:spcBef>
+                <a:spcPct val="0"/>
+              </a:spcBef>
+              <a:spcAft>
+                <a:spcPct val="0"/>
+              </a:spcAft>
+              <a:defRPr>
+                <a:solidFill>
+                  <a:schemeClr val="tx1"/>
+                </a:solidFill>
+                <a:latin typeface="Calibri" panose="020F0502020204030204" pitchFamily="34" charset="0"/>
+              </a:defRPr>
+            </a:lvl9pPr>
+          </a:lstStyle>
+          <a:p>
+            <a:pPr algn="ctr"/>
+            <a:r>
+              <a:rPr lang="en-US" altLang="en-US" sz="1100" dirty="0">
+                <a:latin typeface="Arial" panose="020B0604020202020204" pitchFamily="34" charset="0"/>
+                <a:ea typeface="Amazon Ember" panose="020B0603020204020204" pitchFamily="34" charset="0"/>
+                <a:cs typeface="Arial" panose="020B0604020202020204" pitchFamily="34" charset="0"/>
+              </a:rPr>
+              <a:t> </a:t>
+            </a:r>
+            <a:r>
+              <a:rPr lang="en-US" sz="1100" dirty="0">
+                <a:latin typeface="Arial" panose="020B0604020202020204" pitchFamily="34" charset="0"/>
+                <a:cs typeface="Arial" panose="020B0604020202020204" pitchFamily="34" charset="0"/>
+              </a:rPr>
+              <a:t>Delete Detector Role</a:t>
+            </a:r>
+          </a:p>
+        </p:txBody>
+      </p:sp>
+      <p:pic>
+        <p:nvPicPr>
+          <p:cNvPr id="97" name="Graphic 49">
+            <a:extLst>
+              <a:ext uri="{FF2B5EF4-FFF2-40B4-BE49-F238E27FC236}">
+                <a16:creationId xmlns:a16="http://schemas.microsoft.com/office/drawing/2014/main" id="{142C67C1-85D4-884F-8467-EC8CEA4D39A7}"/>
+              </a:ext>
+            </a:extLst>
+          </p:cNvPr>
+          <p:cNvPicPr>
+            <a:picLocks noChangeAspect="1" noChangeArrowheads="1"/>
+          </p:cNvPicPr>
+          <p:nvPr/>
+        </p:nvPicPr>
+        <p:blipFill>
+          <a:blip r:embed="rId3">
+            <a:extLst>
+              <a:ext uri="{28A0092B-C50C-407E-A947-70E740481C1C}">
+                <a14:useLocalDpi xmlns:a14="http://schemas.microsoft.com/office/drawing/2010/main" val="0"/>
+              </a:ext>
+            </a:extLst>
+          </a:blip>
+          <a:srcRect/>
+          <a:stretch>
+            <a:fillRect/>
+          </a:stretch>
+        </p:blipFill>
+        <p:spPr bwMode="auto">
+          <a:xfrm>
+            <a:off x="8156293" y="5249377"/>
+            <a:ext cx="457200" cy="457200"/>
+          </a:xfrm>
+          <a:prstGeom prst="rect">
+            <a:avLst/>
+          </a:prstGeom>
+          <a:noFill/>
+          <a:ln>
+            <a:noFill/>
+          </a:ln>
+          <a:extLst>
+            <a:ext uri="{909E8E84-426E-40DD-AFC4-6F175D3DCCD1}">
+              <a14:hiddenFill xmlns:a14="http://schemas.microsoft.com/office/drawing/2010/main">
+                <a:solidFill>
+                  <a:srgbClr val="FFFFFF"/>
+                </a:solidFill>
+              </a14:hiddenFill>
+            </a:ext>
+            <a:ext uri="{91240B29-F687-4F45-9708-019B960494DF}">
+              <a14:hiddenLine xmlns:a14="http://schemas.microsoft.com/office/drawing/2010/main" w="9525">
+                <a:solidFill>
+                  <a:srgbClr val="000000"/>
+                </a:solidFill>
+                <a:miter lim="800000"/>
+                <a:headEnd/>
+                <a:tailEnd/>
+              </a14:hiddenLine>
+            </a:ext>
+          </a:extLst>
+        </p:spPr>
+      </p:pic>
+      <p:sp>
+        <p:nvSpPr>
+          <p:cNvPr id="98" name="Oval 97">
+            <a:extLst>
+              <a:ext uri="{FF2B5EF4-FFF2-40B4-BE49-F238E27FC236}">
+                <a16:creationId xmlns:a16="http://schemas.microsoft.com/office/drawing/2014/main" id="{CF03D907-C303-E248-85D2-6E9BA760D360}"/>
               </a:ext>
             </a:extLst>
           </p:cNvPr>
@@ -3787,16 +4015,16 @@
         </p:nvSpPr>
         <p:spPr>
           <a:xfrm>
-            <a:off x="1169153" y="172554"/>
-            <a:ext cx="9655464" cy="6512892"/>
-          </a:xfrm>
-          <a:prstGeom prst="rect">
+            <a:off x="7999865" y="5177047"/>
+            <a:ext cx="253435" cy="212902"/>
+          </a:xfrm>
+          <a:prstGeom prst="ellipse">
             <a:avLst/>
           </a:prstGeom>
           <a:solidFill>
-            <a:schemeClr val="bg1"/>
+            <a:schemeClr val="tx1"/>
           </a:solidFill>
-          <a:ln w="12700">
+          <a:ln>
             <a:solidFill>
               <a:schemeClr val="tx1"/>
             </a:solidFill>
@@ -3819,125 +4047,26 @@
           </a:fontRef>
         </p:style>
         <p:txBody>
-          <a:bodyPr rot="0" spcFirstLastPara="0" vert="horz" wrap="square" lIns="457200" tIns="91440" rIns="91440" bIns="45720" numCol="1" spcCol="0" rtlCol="0" fromWordArt="0" anchor="t" anchorCtr="0" forceAA="0" compatLnSpc="1">
-            <a:prstTxWarp prst="textNoShape">
-              <a:avLst/>
-            </a:prstTxWarp>
-            <a:noAutofit/>
-          </a:bodyPr>
-          <a:lstStyle>
-            <a:lvl1pPr>
-              <a:defRPr>
-                <a:solidFill>
-                  <a:schemeClr val="lt1"/>
-                </a:solidFill>
-                <a:latin typeface="+mn-lt"/>
-                <a:ea typeface="+mn-ea"/>
-                <a:cs typeface="+mn-cs"/>
-              </a:defRPr>
-            </a:lvl1pPr>
-            <a:lvl2pPr>
-              <a:defRPr>
-                <a:solidFill>
-                  <a:schemeClr val="lt1"/>
-                </a:solidFill>
-                <a:latin typeface="+mn-lt"/>
-                <a:ea typeface="+mn-ea"/>
-                <a:cs typeface="+mn-cs"/>
-              </a:defRPr>
-            </a:lvl2pPr>
-            <a:lvl3pPr>
-              <a:defRPr>
-                <a:solidFill>
-                  <a:schemeClr val="lt1"/>
-                </a:solidFill>
-                <a:latin typeface="+mn-lt"/>
-                <a:ea typeface="+mn-ea"/>
-                <a:cs typeface="+mn-cs"/>
-              </a:defRPr>
-            </a:lvl3pPr>
-            <a:lvl4pPr>
-              <a:defRPr>
-                <a:solidFill>
-                  <a:schemeClr val="lt1"/>
-                </a:solidFill>
-                <a:latin typeface="+mn-lt"/>
-                <a:ea typeface="+mn-ea"/>
-                <a:cs typeface="+mn-cs"/>
-              </a:defRPr>
-            </a:lvl4pPr>
-            <a:lvl5pPr>
-              <a:defRPr>
-                <a:solidFill>
-                  <a:schemeClr val="lt1"/>
-                </a:solidFill>
-                <a:latin typeface="+mn-lt"/>
-                <a:ea typeface="+mn-ea"/>
-                <a:cs typeface="+mn-cs"/>
-              </a:defRPr>
-            </a:lvl5pPr>
-            <a:lvl6pPr>
-              <a:defRPr>
-                <a:solidFill>
-                  <a:schemeClr val="lt1"/>
-                </a:solidFill>
-                <a:latin typeface="+mn-lt"/>
-                <a:ea typeface="+mn-ea"/>
-                <a:cs typeface="+mn-cs"/>
-              </a:defRPr>
-            </a:lvl6pPr>
-            <a:lvl7pPr>
-              <a:defRPr>
-                <a:solidFill>
-                  <a:schemeClr val="lt1"/>
-                </a:solidFill>
-                <a:latin typeface="+mn-lt"/>
-                <a:ea typeface="+mn-ea"/>
-                <a:cs typeface="+mn-cs"/>
-              </a:defRPr>
-            </a:lvl7pPr>
-            <a:lvl8pPr>
-              <a:defRPr>
-                <a:solidFill>
-                  <a:schemeClr val="lt1"/>
-                </a:solidFill>
-                <a:latin typeface="+mn-lt"/>
-                <a:ea typeface="+mn-ea"/>
-                <a:cs typeface="+mn-cs"/>
-              </a:defRPr>
-            </a:lvl8pPr>
-            <a:lvl9pPr>
-              <a:defRPr>
-                <a:solidFill>
-                  <a:schemeClr val="lt1"/>
-                </a:solidFill>
-                <a:latin typeface="+mn-lt"/>
-                <a:ea typeface="+mn-ea"/>
-                <a:cs typeface="+mn-cs"/>
-              </a:defRPr>
-            </a:lvl9pPr>
-          </a:lstStyle>
-          <a:p>
-            <a:pPr algn="l"/>
-            <a:r>
-              <a:rPr lang="en-US" sz="1400" dirty="0">
-                <a:solidFill>
-                  <a:sysClr val="windowText" lastClr="000000"/>
-                </a:solidFill>
+          <a:bodyPr lIns="0" tIns="0" rIns="0" bIns="0" rtlCol="0" anchor="ctr"/>
+          <a:lstStyle/>
+          <a:p>
+            <a:pPr algn="ctr"/>
+            <a:r>
+              <a:rPr lang="en-US" sz="800" dirty="0">
                 <a:latin typeface="Arial" panose="020B0604020202020204" pitchFamily="34" charset="0"/>
                 <a:cs typeface="Arial" panose="020B0604020202020204" pitchFamily="34" charset="0"/>
               </a:rPr>
-              <a:t>AWS Cloud</a:t>
-            </a:r>
-          </a:p>
-        </p:txBody>
-      </p:sp>
-      <p:sp>
-        <p:nvSpPr>
-          <p:cNvPr id="129" name="Rectangle 128">
-            <a:extLst>
-              <a:ext uri="{FF2B5EF4-FFF2-40B4-BE49-F238E27FC236}">
-                <a16:creationId xmlns:a16="http://schemas.microsoft.com/office/drawing/2014/main" id="{FB73AA4D-BE37-B546-8168-72555838077A}"/>
+              <a:t>4.2</a:t>
+            </a:r>
+          </a:p>
+        </p:txBody>
+      </p:sp>
+      <p:sp>
+        <p:nvSpPr>
+          <p:cNvPr id="81" name="Rectangle 80">
+            <a:extLst>
+              <a:ext uri="{FF2B5EF4-FFF2-40B4-BE49-F238E27FC236}">
+                <a16:creationId xmlns:a16="http://schemas.microsoft.com/office/drawing/2014/main" id="{FD0BEA75-341F-49B4-83DB-758CA12480EF}"/>
               </a:ext>
             </a:extLst>
           </p:cNvPr>
@@ -3946,8 +4075,8 @@
         </p:nvSpPr>
         <p:spPr>
           <a:xfrm>
-            <a:off x="1342199" y="587744"/>
-            <a:ext cx="6028838" cy="3523847"/>
+            <a:off x="503605" y="158632"/>
+            <a:ext cx="10985663" cy="6540737"/>
           </a:xfrm>
           <a:prstGeom prst="rect">
             <a:avLst/>
@@ -3957,7 +4086,6 @@
             <a:solidFill>
               <a:schemeClr val="tx1"/>
             </a:solidFill>
-            <a:prstDash val="solid"/>
           </a:ln>
         </p:spPr>
         <p:style>
@@ -3977,34 +4105,37 @@
           </a:fontRef>
         </p:style>
         <p:txBody>
-          <a:bodyPr rot="0" spcFirstLastPara="0" vertOverflow="overflow" horzOverflow="overflow" vert="horz" wrap="square" lIns="91440" tIns="91440" rIns="91440" bIns="45720" numCol="1" spcCol="0" rtlCol="0" fromWordArt="0" anchor="t" anchorCtr="0" forceAA="0" compatLnSpc="1">
-            <a:prstTxWarp prst="textNoShape">
-              <a:avLst/>
-            </a:prstTxWarp>
-            <a:noAutofit/>
-          </a:bodyPr>
+          <a:bodyPr lIns="502920" tIns="91440"/>
           <a:lstStyle/>
           <a:p>
-            <a:pPr algn="ctr"/>
-            <a:r>
-              <a:rPr lang="en-US" sz="1400" dirty="0">
+            <a:pPr eaLnBrk="1" fontAlgn="auto" hangingPunct="1">
+              <a:spcBef>
+                <a:spcPts val="0"/>
+              </a:spcBef>
+              <a:spcAft>
+                <a:spcPts val="0"/>
+              </a:spcAft>
+              <a:defRPr/>
+            </a:pPr>
+            <a:r>
+              <a:rPr lang="en-US" sz="1200" dirty="0">
                 <a:solidFill>
-                  <a:schemeClr val="tx1"/>
+                  <a:sysClr val="windowText" lastClr="000000"/>
                 </a:solidFill>
                 <a:latin typeface="Arial" panose="020B0604020202020204" pitchFamily="34" charset="0"/>
                 <a:cs typeface="Arial" panose="020B0604020202020204" pitchFamily="34" charset="0"/>
               </a:rPr>
-              <a:t>Organization Management Account</a:t>
+              <a:t>AWS Cloud</a:t>
             </a:r>
           </a:p>
         </p:txBody>
       </p:sp>
       <p:pic>
         <p:nvPicPr>
-          <p:cNvPr id="126" name="Graphic 2">
-            <a:extLst>
-              <a:ext uri="{FF2B5EF4-FFF2-40B4-BE49-F238E27FC236}">
-                <a16:creationId xmlns:a16="http://schemas.microsoft.com/office/drawing/2014/main" id="{F04267D0-7955-2C4A-842B-D8A3A9599CC0}"/>
+          <p:cNvPr id="82" name="Graphic 81">
+            <a:extLst>
+              <a:ext uri="{FF2B5EF4-FFF2-40B4-BE49-F238E27FC236}">
+                <a16:creationId xmlns:a16="http://schemas.microsoft.com/office/drawing/2014/main" id="{ADF00096-D97F-4D69-B4CB-8B0D7A8DF2BF}"/>
               </a:ext>
             </a:extLst>
           </p:cNvPr>
@@ -4014,21 +4145,20 @@
           <p:nvPr/>
         </p:nvPicPr>
         <p:blipFill>
-          <a:blip r:embed="rId3">
+          <a:blip r:embed="rId4">
             <a:extLst>
               <a:ext uri="{96DAC541-7B7A-43D3-8B79-37D633B846F1}">
-                <asvg:svgBlip xmlns:asvg="http://schemas.microsoft.com/office/drawing/2016/SVG/main" r:embed="rId4"/>
+                <asvg:svgBlip xmlns:asvg="http://schemas.microsoft.com/office/drawing/2016/SVG/main" r:embed="rId5"/>
               </a:ext>
             </a:extLst>
           </a:blip>
-          <a:stretch>
-            <a:fillRect/>
-          </a:stretch>
+          <a:srcRect/>
+          <a:stretch/>
         </p:blipFill>
         <p:spPr>
           <a:xfrm>
-            <a:off x="1169153" y="173758"/>
-            <a:ext cx="330200" cy="330200"/>
+            <a:off x="503605" y="158631"/>
+            <a:ext cx="381000" cy="381000"/>
           </a:xfrm>
           <a:prstGeom prst="rect">
             <a:avLst/>
@@ -4037,10 +4167,10 @@
       </p:pic>
       <p:sp>
         <p:nvSpPr>
-          <p:cNvPr id="127" name="Rectangle 126">
-            <a:extLst>
-              <a:ext uri="{FF2B5EF4-FFF2-40B4-BE49-F238E27FC236}">
-                <a16:creationId xmlns:a16="http://schemas.microsoft.com/office/drawing/2014/main" id="{7B8BF6E7-84AF-DE4E-9817-454F0E8CE80F}"/>
+          <p:cNvPr id="87" name="Rectangle 86">
+            <a:extLst>
+              <a:ext uri="{FF2B5EF4-FFF2-40B4-BE49-F238E27FC236}">
+                <a16:creationId xmlns:a16="http://schemas.microsoft.com/office/drawing/2014/main" id="{233194F9-79FD-453D-AC8F-FA9F8DEF9795}"/>
               </a:ext>
             </a:extLst>
           </p:cNvPr>
@@ -4049,8 +4179,8 @@
         </p:nvSpPr>
         <p:spPr>
           <a:xfrm>
-            <a:off x="1329577" y="4175002"/>
-            <a:ext cx="6041460" cy="2381951"/>
+            <a:off x="667130" y="590707"/>
+            <a:ext cx="6559591" cy="3543229"/>
           </a:xfrm>
           <a:prstGeom prst="rect">
             <a:avLst/>
@@ -4058,9 +4188,8 @@
           <a:noFill/>
           <a:ln w="12700">
             <a:solidFill>
-              <a:schemeClr val="tx1"/>
+              <a:srgbClr val="CD2264"/>
             </a:solidFill>
-            <a:prstDash val="solid"/>
           </a:ln>
         </p:spPr>
         <p:style>
@@ -4080,127 +4209,73 @@
           </a:fontRef>
         </p:style>
         <p:txBody>
-          <a:bodyPr rot="0" spcFirstLastPara="0" vertOverflow="overflow" horzOverflow="overflow" vert="horz" wrap="square" lIns="91440" tIns="91440" rIns="91440" bIns="45720" numCol="1" spcCol="0" rtlCol="0" fromWordArt="0" anchor="t" anchorCtr="0" forceAA="0" compatLnSpc="1">
-            <a:prstTxWarp prst="textNoShape">
-              <a:avLst/>
-            </a:prstTxWarp>
-            <a:noAutofit/>
-          </a:bodyPr>
+          <a:bodyPr lIns="502920" tIns="91440"/>
           <a:lstStyle/>
           <a:p>
-            <a:pPr algn="ctr"/>
-            <a:r>
-              <a:rPr lang="en-US" sz="1400" dirty="0">
+            <a:pPr eaLnBrk="1" fontAlgn="auto" hangingPunct="1">
+              <a:spcBef>
+                <a:spcPts val="0"/>
+              </a:spcBef>
+              <a:spcAft>
+                <a:spcPts val="0"/>
+              </a:spcAft>
+              <a:defRPr/>
+            </a:pPr>
+            <a:r>
+              <a:rPr lang="en-US" sz="1200" dirty="0">
                 <a:solidFill>
-                  <a:schemeClr val="tx1"/>
+                  <a:srgbClr val="CD2264"/>
                 </a:solidFill>
                 <a:latin typeface="Arial" panose="020B0604020202020204" pitchFamily="34" charset="0"/>
                 <a:cs typeface="Arial" panose="020B0604020202020204" pitchFamily="34" charset="0"/>
               </a:rPr>
-              <a:t>Audit Account</a:t>
-            </a:r>
-          </a:p>
-          <a:p>
-            <a:pPr algn="ctr"/>
-            <a:r>
-              <a:rPr lang="en-US" sz="1200" dirty="0">
-                <a:solidFill>
-                  <a:schemeClr val="tx1"/>
-                </a:solidFill>
-                <a:latin typeface="Arial" panose="020B0604020202020204" pitchFamily="34" charset="0"/>
-                <a:cs typeface="Arial" panose="020B0604020202020204" pitchFamily="34" charset="0"/>
-              </a:rPr>
-              <a:t>OU: Security</a:t>
-            </a:r>
-          </a:p>
-        </p:txBody>
-      </p:sp>
-      <p:sp>
-        <p:nvSpPr>
-          <p:cNvPr id="128" name="Rectangle 127">
-            <a:extLst>
-              <a:ext uri="{FF2B5EF4-FFF2-40B4-BE49-F238E27FC236}">
-                <a16:creationId xmlns:a16="http://schemas.microsoft.com/office/drawing/2014/main" id="{747041A4-100F-0D48-87F9-E63DDDFD96C6}"/>
-              </a:ext>
-            </a:extLst>
-          </p:cNvPr>
-          <p:cNvSpPr/>
+              <a:t>Organization Management Account</a:t>
+            </a:r>
+          </a:p>
+        </p:txBody>
+      </p:sp>
+      <p:pic>
+        <p:nvPicPr>
+          <p:cNvPr id="88" name="Graphic 87">
+            <a:extLst>
+              <a:ext uri="{FF2B5EF4-FFF2-40B4-BE49-F238E27FC236}">
+                <a16:creationId xmlns:a16="http://schemas.microsoft.com/office/drawing/2014/main" id="{234AB67D-9201-40E8-83E1-AF224AFD12B8}"/>
+              </a:ext>
+            </a:extLst>
+          </p:cNvPr>
+          <p:cNvPicPr>
+            <a:picLocks noChangeAspect="1"/>
+          </p:cNvPicPr>
           <p:nvPr/>
-        </p:nvSpPr>
-        <p:spPr>
-          <a:xfrm>
-            <a:off x="7439883" y="3959707"/>
-            <a:ext cx="3178486" cy="2381950"/>
+        </p:nvPicPr>
+        <p:blipFill>
+          <a:blip r:embed="rId6">
+            <a:extLst>
+              <a:ext uri="{96DAC541-7B7A-43D3-8B79-37D633B846F1}">
+                <asvg:svgBlip xmlns:asvg="http://schemas.microsoft.com/office/drawing/2016/SVG/main" r:embed="rId7"/>
+              </a:ext>
+            </a:extLst>
+          </a:blip>
+          <a:stretch>
+            <a:fillRect/>
+          </a:stretch>
+        </p:blipFill>
+        <p:spPr>
+          <a:xfrm>
+            <a:off x="664112" y="590706"/>
+            <a:ext cx="424469" cy="424469"/>
           </a:xfrm>
           <a:prstGeom prst="rect">
             <a:avLst/>
           </a:prstGeom>
-          <a:noFill/>
-          <a:ln w="12700">
-            <a:solidFill>
-              <a:schemeClr val="tx1"/>
-            </a:solidFill>
-            <a:prstDash val="solid"/>
-          </a:ln>
-        </p:spPr>
-        <p:style>
-          <a:lnRef idx="2">
-            <a:schemeClr val="accent1">
-              <a:shade val="50000"/>
-            </a:schemeClr>
-          </a:lnRef>
-          <a:fillRef idx="1">
-            <a:schemeClr val="accent1"/>
-          </a:fillRef>
-          <a:effectRef idx="0">
-            <a:schemeClr val="accent1"/>
-          </a:effectRef>
-          <a:fontRef idx="minor">
-            <a:schemeClr val="lt1"/>
-          </a:fontRef>
-        </p:style>
-        <p:txBody>
-          <a:bodyPr rot="0" spcFirstLastPara="0" vertOverflow="overflow" horzOverflow="overflow" vert="horz" wrap="square" lIns="91440" tIns="91440" rIns="91440" bIns="45720" numCol="1" spcCol="0" rtlCol="0" fromWordArt="0" anchor="t" anchorCtr="0" forceAA="0" compatLnSpc="1">
-            <a:prstTxWarp prst="textNoShape">
-              <a:avLst/>
-            </a:prstTxWarp>
-            <a:noAutofit/>
-          </a:bodyPr>
-          <a:lstStyle/>
-          <a:p>
-            <a:pPr algn="ctr"/>
-            <a:r>
-              <a:rPr lang="en-US" sz="1400" dirty="0">
-                <a:solidFill>
-                  <a:schemeClr val="tx1"/>
-                </a:solidFill>
-                <a:latin typeface="Arial" panose="020B0604020202020204" pitchFamily="34" charset="0"/>
-                <a:cs typeface="Arial" panose="020B0604020202020204" pitchFamily="34" charset="0"/>
-              </a:rPr>
-              <a:t>All Existing and Future </a:t>
-            </a:r>
-          </a:p>
-          <a:p>
-            <a:pPr algn="ctr"/>
-            <a:r>
-              <a:rPr lang="en-US" sz="1400" dirty="0">
-                <a:solidFill>
-                  <a:schemeClr val="tx1"/>
-                </a:solidFill>
-                <a:latin typeface="Arial" panose="020B0604020202020204" pitchFamily="34" charset="0"/>
-                <a:cs typeface="Arial" panose="020B0604020202020204" pitchFamily="34" charset="0"/>
-              </a:rPr>
-              <a:t>Organization Member Accounts</a:t>
-            </a:r>
-          </a:p>
-        </p:txBody>
-      </p:sp>
-      <p:sp>
-        <p:nvSpPr>
-          <p:cNvPr id="140" name="TextBox 2">
-            <a:extLst>
-              <a:ext uri="{FF2B5EF4-FFF2-40B4-BE49-F238E27FC236}">
-                <a16:creationId xmlns:a16="http://schemas.microsoft.com/office/drawing/2014/main" id="{B5F7962F-8AB1-7644-826B-EA87E913FED5}"/>
+        </p:spPr>
+      </p:pic>
+      <p:sp>
+        <p:nvSpPr>
+          <p:cNvPr id="122" name="TextBox 2">
+            <a:extLst>
+              <a:ext uri="{FF2B5EF4-FFF2-40B4-BE49-F238E27FC236}">
+                <a16:creationId xmlns:a16="http://schemas.microsoft.com/office/drawing/2014/main" id="{D779FD12-DEC5-45B4-89B4-2B5EBBA6290B}"/>
               </a:ext>
             </a:extLst>
           </p:cNvPr>
@@ -4209,7 +4284,7 @@
         </p:nvSpPr>
         <p:spPr>
           <a:xfrm>
-            <a:off x="3848982" y="3654109"/>
+            <a:off x="3089480" y="2532764"/>
             <a:ext cx="1273984" cy="261610"/>
           </a:xfrm>
           <a:prstGeom prst="rect">
@@ -4312,10 +4387,10 @@
       </p:sp>
       <p:sp>
         <p:nvSpPr>
-          <p:cNvPr id="142" name="TextBox 2">
-            <a:extLst>
-              <a:ext uri="{FF2B5EF4-FFF2-40B4-BE49-F238E27FC236}">
-                <a16:creationId xmlns:a16="http://schemas.microsoft.com/office/drawing/2014/main" id="{D113A073-4FA6-4F4D-BFAE-1FDACEBA1D05}"/>
+          <p:cNvPr id="123" name="TextBox 2">
+            <a:extLst>
+              <a:ext uri="{FF2B5EF4-FFF2-40B4-BE49-F238E27FC236}">
+                <a16:creationId xmlns:a16="http://schemas.microsoft.com/office/drawing/2014/main" id="{956DC4A8-C454-4D0C-A193-B9CF227389CD}"/>
               </a:ext>
             </a:extLst>
           </p:cNvPr>
@@ -4324,7 +4399,7 @@
         </p:nvSpPr>
         <p:spPr>
           <a:xfrm>
-            <a:off x="2867704" y="2297803"/>
+            <a:off x="3220042" y="3614032"/>
             <a:ext cx="1098724" cy="430887"/>
           </a:xfrm>
           <a:prstGeom prst="rect">
@@ -4427,10 +4502,10 @@
       </p:sp>
       <p:sp>
         <p:nvSpPr>
-          <p:cNvPr id="144" name="TextBox 143">
-            <a:extLst>
-              <a:ext uri="{FF2B5EF4-FFF2-40B4-BE49-F238E27FC236}">
-                <a16:creationId xmlns:a16="http://schemas.microsoft.com/office/drawing/2014/main" id="{11460688-CF57-0645-ADC6-FB4EF5AFD30A}"/>
+          <p:cNvPr id="130" name="TextBox 129">
+            <a:extLst>
+              <a:ext uri="{FF2B5EF4-FFF2-40B4-BE49-F238E27FC236}">
+                <a16:creationId xmlns:a16="http://schemas.microsoft.com/office/drawing/2014/main" id="{8D4C5C94-FD55-4958-94CD-9C621E29B0AE}"/>
               </a:ext>
             </a:extLst>
           </p:cNvPr>
@@ -4439,82 +4514,7 @@
         </p:nvSpPr>
         <p:spPr>
           <a:xfrm>
-            <a:off x="2823625" y="1383027"/>
-            <a:ext cx="1103001" cy="261610"/>
-          </a:xfrm>
-          <a:prstGeom prst="rect">
-            <a:avLst/>
-          </a:prstGeom>
-          <a:noFill/>
-        </p:spPr>
-        <p:txBody>
-          <a:bodyPr wrap="square" rtlCol="0">
-            <a:spAutoFit/>
-          </a:bodyPr>
-          <a:lstStyle/>
-          <a:p>
-            <a:pPr algn="ctr"/>
-            <a:r>
-              <a:rPr lang="en-US" sz="1100" dirty="0">
-                <a:latin typeface="Arial" panose="020B0604020202020204" pitchFamily="34" charset="0"/>
-                <a:cs typeface="Arial" panose="020B0604020202020204" pitchFamily="34" charset="0"/>
-              </a:rPr>
-              <a:t>Lambda Role</a:t>
-            </a:r>
-          </a:p>
-        </p:txBody>
-      </p:sp>
-      <p:pic>
-        <p:nvPicPr>
-          <p:cNvPr id="145" name="Graphic 144">
-            <a:extLst>
-              <a:ext uri="{FF2B5EF4-FFF2-40B4-BE49-F238E27FC236}">
-                <a16:creationId xmlns:a16="http://schemas.microsoft.com/office/drawing/2014/main" id="{C2D32431-760D-C84E-8B09-2C214FF2B238}"/>
-              </a:ext>
-            </a:extLst>
-          </p:cNvPr>
-          <p:cNvPicPr>
-            <a:picLocks noChangeAspect="1"/>
-          </p:cNvPicPr>
-          <p:nvPr/>
-        </p:nvPicPr>
-        <p:blipFill>
-          <a:blip r:embed="rId5">
-            <a:extLst>
-              <a:ext uri="{96DAC541-7B7A-43D3-8B79-37D633B846F1}">
-                <asvg:svgBlip xmlns:asvg="http://schemas.microsoft.com/office/drawing/2016/SVG/main" r:embed="rId6"/>
-              </a:ext>
-            </a:extLst>
-          </a:blip>
-          <a:stretch>
-            <a:fillRect/>
-          </a:stretch>
-        </p:blipFill>
-        <p:spPr>
-          <a:xfrm>
-            <a:off x="3144757" y="1015352"/>
-            <a:ext cx="469900" cy="469900"/>
-          </a:xfrm>
-          <a:prstGeom prst="rect">
-            <a:avLst/>
-          </a:prstGeom>
-        </p:spPr>
-      </p:pic>
-      <p:sp>
-        <p:nvSpPr>
-          <p:cNvPr id="151" name="TextBox 150">
-            <a:extLst>
-              <a:ext uri="{FF2B5EF4-FFF2-40B4-BE49-F238E27FC236}">
-                <a16:creationId xmlns:a16="http://schemas.microsoft.com/office/drawing/2014/main" id="{08B67E83-7D09-C748-AEEF-49786315014A}"/>
-              </a:ext>
-            </a:extLst>
-          </p:cNvPr>
-          <p:cNvSpPr txBox="1"/>
-          <p:nvPr/>
-        </p:nvSpPr>
-        <p:spPr>
-          <a:xfrm>
-            <a:off x="1516624" y="2623476"/>
+            <a:off x="1032743" y="2087941"/>
             <a:ext cx="1233913" cy="430887"/>
           </a:xfrm>
           <a:prstGeom prst="rect">
@@ -4539,12 +4539,72 @@
           </a:p>
         </p:txBody>
       </p:sp>
-      <p:sp>
-        <p:nvSpPr>
-          <p:cNvPr id="153" name="Rectangle 152">
-            <a:extLst>
-              <a:ext uri="{FF2B5EF4-FFF2-40B4-BE49-F238E27FC236}">
-                <a16:creationId xmlns:a16="http://schemas.microsoft.com/office/drawing/2014/main" id="{CB91CC3D-9B41-4F4E-A36E-8EBAE5690590}"/>
+      <p:pic>
+        <p:nvPicPr>
+          <p:cNvPr id="138" name="Graphic 13">
+            <a:extLst>
+              <a:ext uri="{FF2B5EF4-FFF2-40B4-BE49-F238E27FC236}">
+                <a16:creationId xmlns:a16="http://schemas.microsoft.com/office/drawing/2014/main" id="{DD93BA21-ED60-4BEA-8CCB-AB48DD1F7F7F}"/>
+              </a:ext>
+            </a:extLst>
+          </p:cNvPr>
+          <p:cNvPicPr>
+            <a:picLocks noChangeAspect="1" noChangeArrowheads="1"/>
+          </p:cNvPicPr>
+          <p:nvPr/>
+        </p:nvPicPr>
+        <p:blipFill>
+          <a:blip r:embed="rId8">
+            <a:extLst>
+              <a:ext uri="{28A0092B-C50C-407E-A947-70E740481C1C}">
+                <a14:useLocalDpi xmlns:a14="http://schemas.microsoft.com/office/drawing/2010/main" val="0"/>
+              </a:ext>
+            </a:extLst>
+          </a:blip>
+          <a:srcRect/>
+          <a:stretch>
+            <a:fillRect/>
+          </a:stretch>
+        </p:blipFill>
+        <p:spPr bwMode="auto">
+          <a:xfrm>
+            <a:off x="3539644" y="2137457"/>
+            <a:ext cx="457200" cy="457200"/>
+          </a:xfrm>
+          <a:prstGeom prst="rect">
+            <a:avLst/>
+          </a:prstGeom>
+          <a:noFill/>
+          <a:ln>
+            <a:noFill/>
+          </a:ln>
+          <a:extLst>
+            <a:ext uri="{909E8E84-426E-40DD-AFC4-6F175D3DCCD1}">
+              <a14:hiddenFill xmlns:a14="http://schemas.microsoft.com/office/drawing/2010/main">
+                <a:solidFill>
+                  <a:srgbClr val="FFFFFF"/>
+                </a:solidFill>
+              </a14:hiddenFill>
+            </a:ext>
+            <a:ext uri="{91240B29-F687-4F45-9708-019B960494DF}">
+              <a14:hiddenLine xmlns:a14="http://schemas.microsoft.com/office/drawing/2010/main" w="9525">
+                <a:solidFill>
+                  <a:srgbClr val="000000"/>
+                </a:solidFill>
+                <a:miter lim="800000"/>
+                <a:headEnd/>
+                <a:tailEnd/>
+              </a14:hiddenLine>
+            </a:ext>
+          </a:extLst>
+        </p:spPr>
+      </p:pic>
+      <p:sp>
+        <p:nvSpPr>
+          <p:cNvPr id="159" name="Oval 158">
+            <a:extLst>
+              <a:ext uri="{FF2B5EF4-FFF2-40B4-BE49-F238E27FC236}">
+                <a16:creationId xmlns:a16="http://schemas.microsoft.com/office/drawing/2014/main" id="{4A05C662-2FBC-439F-B802-9699E92DB84C}"/>
               </a:ext>
             </a:extLst>
           </p:cNvPr>
@@ -4553,18 +4613,19 @@
         </p:nvSpPr>
         <p:spPr>
           <a:xfrm>
-            <a:off x="1505668" y="983844"/>
-            <a:ext cx="5702665" cy="3011794"/>
-          </a:xfrm>
-          <a:prstGeom prst="rect">
-            <a:avLst/>
-          </a:prstGeom>
-          <a:noFill/>
-          <a:ln w="12700">
+            <a:off x="3422139" y="2074061"/>
+            <a:ext cx="253435" cy="212902"/>
+          </a:xfrm>
+          <a:prstGeom prst="ellipse">
+            <a:avLst/>
+          </a:prstGeom>
+          <a:solidFill>
+            <a:schemeClr val="tx1"/>
+          </a:solidFill>
+          <a:ln>
             <a:solidFill>
               <a:schemeClr val="tx1"/>
             </a:solidFill>
-            <a:prstDash val="dash"/>
           </a:ln>
         </p:spPr>
         <p:style>
@@ -4584,108 +4645,146 @@
           </a:fontRef>
         </p:style>
         <p:txBody>
-          <a:bodyPr rot="0" spcFirstLastPara="0" vertOverflow="overflow" horzOverflow="overflow" vert="horz" wrap="square" lIns="91440" tIns="0" rIns="91440" bIns="45720" numCol="1" spcCol="0" rtlCol="0" fromWordArt="0" anchor="t" anchorCtr="0" forceAA="0" compatLnSpc="1">
-            <a:prstTxWarp prst="textNoShape">
-              <a:avLst/>
-            </a:prstTxWarp>
-            <a:noAutofit/>
-          </a:bodyPr>
+          <a:bodyPr lIns="0" tIns="0" rIns="0" bIns="0" rtlCol="0" anchor="ctr"/>
           <a:lstStyle/>
           <a:p>
-            <a:r>
-              <a:rPr lang="en-US" sz="1200" b="1" dirty="0">
-                <a:solidFill>
-                  <a:schemeClr val="tx1"/>
-                </a:solidFill>
+            <a:pPr algn="ctr"/>
+            <a:r>
+              <a:rPr lang="en-US" sz="800" dirty="0">
                 <a:latin typeface="Arial" panose="020B0604020202020204" pitchFamily="34" charset="0"/>
                 <a:cs typeface="Arial" panose="020B0604020202020204" pitchFamily="34" charset="0"/>
               </a:rPr>
-              <a:t>Home-region</a:t>
-            </a:r>
-          </a:p>
-        </p:txBody>
-      </p:sp>
-      <p:sp>
-        <p:nvSpPr>
-          <p:cNvPr id="189" name="TextBox 188">
-            <a:extLst>
-              <a:ext uri="{FF2B5EF4-FFF2-40B4-BE49-F238E27FC236}">
-                <a16:creationId xmlns:a16="http://schemas.microsoft.com/office/drawing/2014/main" id="{16691F4B-2BE3-8C41-A43B-9874A3E0663D}"/>
-              </a:ext>
-            </a:extLst>
-          </p:cNvPr>
-          <p:cNvSpPr txBox="1"/>
-          <p:nvPr/>
-        </p:nvSpPr>
-        <p:spPr>
-          <a:xfrm>
-            <a:off x="4378130" y="5550961"/>
-            <a:ext cx="1103001" cy="430887"/>
-          </a:xfrm>
-          <a:prstGeom prst="rect">
-            <a:avLst/>
-          </a:prstGeom>
-          <a:noFill/>
-        </p:spPr>
-        <p:txBody>
-          <a:bodyPr wrap="square" rtlCol="0">
-            <a:spAutoFit/>
-          </a:bodyPr>
-          <a:lstStyle/>
-          <a:p>
-            <a:pPr algn="ctr"/>
-            <a:r>
-              <a:rPr lang="en-US" sz="1100" dirty="0">
-                <a:latin typeface="Arial" panose="020B0604020202020204" pitchFamily="34" charset="0"/>
-                <a:cs typeface="Arial" panose="020B0604020202020204" pitchFamily="34" charset="0"/>
-              </a:rPr>
-              <a:t>Configuration Role</a:t>
+              <a:t>1.2</a:t>
             </a:r>
           </a:p>
         </p:txBody>
       </p:sp>
       <p:pic>
         <p:nvPicPr>
-          <p:cNvPr id="190" name="Graphic 189">
-            <a:extLst>
-              <a:ext uri="{FF2B5EF4-FFF2-40B4-BE49-F238E27FC236}">
-                <a16:creationId xmlns:a16="http://schemas.microsoft.com/office/drawing/2014/main" id="{AA0778F0-4FFC-F040-A4B7-4BD9E4A9C58D}"/>
+          <p:cNvPr id="160" name="Graphic 7">
+            <a:extLst>
+              <a:ext uri="{FF2B5EF4-FFF2-40B4-BE49-F238E27FC236}">
+                <a16:creationId xmlns:a16="http://schemas.microsoft.com/office/drawing/2014/main" id="{0B13130F-B51E-4BFD-AECE-120AC8A6CA73}"/>
               </a:ext>
             </a:extLst>
           </p:cNvPr>
           <p:cNvPicPr>
-            <a:picLocks noChangeAspect="1"/>
+            <a:picLocks noChangeAspect="1" noChangeArrowheads="1"/>
           </p:cNvPicPr>
           <p:nvPr/>
         </p:nvPicPr>
         <p:blipFill>
-          <a:blip r:embed="rId5">
-            <a:extLst>
-              <a:ext uri="{96DAC541-7B7A-43D3-8B79-37D633B846F1}">
-                <asvg:svgBlip xmlns:asvg="http://schemas.microsoft.com/office/drawing/2016/SVG/main" r:embed="rId6"/>
+          <a:blip r:embed="rId9">
+            <a:extLst>
+              <a:ext uri="{28A0092B-C50C-407E-A947-70E740481C1C}">
+                <a14:useLocalDpi xmlns:a14="http://schemas.microsoft.com/office/drawing/2010/main" val="0"/>
               </a:ext>
             </a:extLst>
           </a:blip>
+          <a:srcRect/>
           <a:stretch>
             <a:fillRect/>
           </a:stretch>
         </p:blipFill>
-        <p:spPr>
-          <a:xfrm>
-            <a:off x="4660057" y="5195097"/>
-            <a:ext cx="469900" cy="469900"/>
+        <p:spPr bwMode="auto">
+          <a:xfrm>
+            <a:off x="3572513" y="3162852"/>
+            <a:ext cx="457200" cy="457200"/>
           </a:xfrm>
           <a:prstGeom prst="rect">
             <a:avLst/>
           </a:prstGeom>
+          <a:noFill/>
+          <a:ln>
+            <a:noFill/>
+          </a:ln>
+          <a:extLst>
+            <a:ext uri="{909E8E84-426E-40DD-AFC4-6F175D3DCCD1}">
+              <a14:hiddenFill xmlns:a14="http://schemas.microsoft.com/office/drawing/2010/main">
+                <a:solidFill>
+                  <a:srgbClr val="FFFFFF"/>
+                </a:solidFill>
+              </a14:hiddenFill>
+            </a:ext>
+            <a:ext uri="{91240B29-F687-4F45-9708-019B960494DF}">
+              <a14:hiddenLine xmlns:a14="http://schemas.microsoft.com/office/drawing/2010/main" w="9525">
+                <a:solidFill>
+                  <a:srgbClr val="000000"/>
+                </a:solidFill>
+                <a:miter lim="800000"/>
+                <a:headEnd/>
+                <a:tailEnd/>
+              </a14:hiddenLine>
+            </a:ext>
+          </a:extLst>
         </p:spPr>
       </p:pic>
-      <p:sp>
-        <p:nvSpPr>
-          <p:cNvPr id="193" name="TextBox 192">
-            <a:extLst>
-              <a:ext uri="{FF2B5EF4-FFF2-40B4-BE49-F238E27FC236}">
-                <a16:creationId xmlns:a16="http://schemas.microsoft.com/office/drawing/2014/main" id="{04BAA3FC-2945-F644-9D2A-644DBD513EB6}"/>
+      <p:pic>
+        <p:nvPicPr>
+          <p:cNvPr id="162" name="Graphic 17">
+            <a:extLst>
+              <a:ext uri="{FF2B5EF4-FFF2-40B4-BE49-F238E27FC236}">
+                <a16:creationId xmlns:a16="http://schemas.microsoft.com/office/drawing/2014/main" id="{2A5D1DCB-4C74-4F64-8B48-F85EF8C1424A}"/>
+              </a:ext>
+            </a:extLst>
+          </p:cNvPr>
+          <p:cNvPicPr>
+            <a:picLocks noChangeAspect="1" noChangeArrowheads="1"/>
+          </p:cNvPicPr>
+          <p:nvPr/>
+        </p:nvPicPr>
+        <p:blipFill>
+          <a:blip r:embed="rId10">
+            <a:extLst>
+              <a:ext uri="{28A0092B-C50C-407E-A947-70E740481C1C}">
+                <a14:useLocalDpi xmlns:a14="http://schemas.microsoft.com/office/drawing/2010/main" val="0"/>
+              </a:ext>
+            </a:extLst>
+          </a:blip>
+          <a:srcRect/>
+          <a:stretch>
+            <a:fillRect/>
+          </a:stretch>
+        </p:blipFill>
+        <p:spPr bwMode="auto">
+          <a:xfrm>
+            <a:off x="2492559" y="1387935"/>
+            <a:ext cx="457200" cy="457200"/>
+          </a:xfrm>
+          <a:prstGeom prst="rect">
+            <a:avLst/>
+          </a:prstGeom>
+          <a:noFill/>
+          <a:ln>
+            <a:noFill/>
+          </a:ln>
+          <a:extLst>
+            <a:ext uri="{909E8E84-426E-40DD-AFC4-6F175D3DCCD1}">
+              <a14:hiddenFill xmlns:a14="http://schemas.microsoft.com/office/drawing/2010/main">
+                <a:solidFill>
+                  <a:srgbClr val="FFFFFF"/>
+                </a:solidFill>
+              </a14:hiddenFill>
+            </a:ext>
+            <a:ext uri="{91240B29-F687-4F45-9708-019B960494DF}">
+              <a14:hiddenLine xmlns:a14="http://schemas.microsoft.com/office/drawing/2010/main" w="9525">
+                <a:solidFill>
+                  <a:srgbClr val="000000"/>
+                </a:solidFill>
+                <a:miter lim="800000"/>
+                <a:headEnd/>
+                <a:tailEnd/>
+              </a14:hiddenLine>
+            </a:ext>
+          </a:extLst>
+        </p:spPr>
+      </p:pic>
+      <p:sp>
+        <p:nvSpPr>
+          <p:cNvPr id="163" name="TextBox 2">
+            <a:extLst>
+              <a:ext uri="{FF2B5EF4-FFF2-40B4-BE49-F238E27FC236}">
+                <a16:creationId xmlns:a16="http://schemas.microsoft.com/office/drawing/2014/main" id="{4F80BB92-ED3C-4B43-AE93-3C503210728A}"/>
               </a:ext>
             </a:extLst>
           </p:cNvPr>
@@ -4694,553 +4793,8 @@
         </p:nvSpPr>
         <p:spPr>
           <a:xfrm>
-            <a:off x="1474789" y="5716770"/>
-            <a:ext cx="1186521" cy="430887"/>
-          </a:xfrm>
-          <a:prstGeom prst="rect">
-            <a:avLst/>
-          </a:prstGeom>
-          <a:noFill/>
-        </p:spPr>
-        <p:txBody>
-          <a:bodyPr wrap="square" rtlCol="0">
-            <a:spAutoFit/>
-          </a:bodyPr>
-          <a:lstStyle/>
-          <a:p>
-            <a:pPr algn="ctr"/>
-            <a:r>
-              <a:rPr lang="en-US" sz="1100" dirty="0">
-                <a:latin typeface="Arial" panose="020B0604020202020204" pitchFamily="34" charset="0"/>
-                <a:cs typeface="Arial" panose="020B0604020202020204" pitchFamily="34" charset="0"/>
-              </a:rPr>
-              <a:t>AWS CloudFormation</a:t>
-            </a:r>
-          </a:p>
-        </p:txBody>
-      </p:sp>
-      <p:sp>
-        <p:nvSpPr>
-          <p:cNvPr id="195" name="Rectangle 194">
-            <a:extLst>
-              <a:ext uri="{FF2B5EF4-FFF2-40B4-BE49-F238E27FC236}">
-                <a16:creationId xmlns:a16="http://schemas.microsoft.com/office/drawing/2014/main" id="{F0CA800E-A50B-114F-87E0-3783ED123AB8}"/>
-              </a:ext>
-            </a:extLst>
-          </p:cNvPr>
-          <p:cNvSpPr/>
-          <p:nvPr/>
-        </p:nvSpPr>
-        <p:spPr>
-          <a:xfrm>
-            <a:off x="1505668" y="4730942"/>
-            <a:ext cx="5702665" cy="1714979"/>
-          </a:xfrm>
-          <a:prstGeom prst="rect">
-            <a:avLst/>
-          </a:prstGeom>
-          <a:noFill/>
-          <a:ln w="12700">
-            <a:solidFill>
-              <a:schemeClr val="tx1"/>
-            </a:solidFill>
-            <a:prstDash val="dash"/>
-          </a:ln>
-        </p:spPr>
-        <p:style>
-          <a:lnRef idx="2">
-            <a:schemeClr val="accent1">
-              <a:shade val="50000"/>
-            </a:schemeClr>
-          </a:lnRef>
-          <a:fillRef idx="1">
-            <a:schemeClr val="accent1"/>
-          </a:fillRef>
-          <a:effectRef idx="0">
-            <a:schemeClr val="accent1"/>
-          </a:effectRef>
-          <a:fontRef idx="minor">
-            <a:schemeClr val="lt1"/>
-          </a:fontRef>
-        </p:style>
-        <p:txBody>
-          <a:bodyPr rot="0" spcFirstLastPara="0" vertOverflow="overflow" horzOverflow="overflow" vert="horz" wrap="square" lIns="91440" tIns="0" rIns="91440" bIns="45720" numCol="1" spcCol="0" rtlCol="0" fromWordArt="0" anchor="t" anchorCtr="0" forceAA="0" compatLnSpc="1">
-            <a:prstTxWarp prst="textNoShape">
-              <a:avLst/>
-            </a:prstTxWarp>
-            <a:noAutofit/>
-          </a:bodyPr>
-          <a:lstStyle/>
-          <a:p>
-            <a:r>
-              <a:rPr lang="en-US" sz="1200" b="1" dirty="0">
-                <a:solidFill>
-                  <a:schemeClr val="tx1"/>
-                </a:solidFill>
-                <a:latin typeface="Arial" panose="020B0604020202020204" pitchFamily="34" charset="0"/>
-                <a:cs typeface="Arial" panose="020B0604020202020204" pitchFamily="34" charset="0"/>
-              </a:rPr>
-              <a:t>Home-region</a:t>
-            </a:r>
-          </a:p>
-        </p:txBody>
-      </p:sp>
-      <p:sp>
-        <p:nvSpPr>
-          <p:cNvPr id="226" name="Oval 225">
-            <a:extLst>
-              <a:ext uri="{FF2B5EF4-FFF2-40B4-BE49-F238E27FC236}">
-                <a16:creationId xmlns:a16="http://schemas.microsoft.com/office/drawing/2014/main" id="{B075B0CF-8F6A-3947-BD02-50EB6DA85CEE}"/>
-              </a:ext>
-            </a:extLst>
-          </p:cNvPr>
-          <p:cNvSpPr/>
-          <p:nvPr/>
-        </p:nvSpPr>
-        <p:spPr>
-          <a:xfrm>
-            <a:off x="1367383" y="614591"/>
-            <a:ext cx="253435" cy="212902"/>
-          </a:xfrm>
-          <a:prstGeom prst="ellipse">
-            <a:avLst/>
-          </a:prstGeom>
-          <a:solidFill>
-            <a:schemeClr val="tx1"/>
-          </a:solidFill>
-          <a:ln>
-            <a:solidFill>
-              <a:schemeClr val="tx1"/>
-            </a:solidFill>
-          </a:ln>
-        </p:spPr>
-        <p:style>
-          <a:lnRef idx="2">
-            <a:schemeClr val="accent1">
-              <a:shade val="50000"/>
-            </a:schemeClr>
-          </a:lnRef>
-          <a:fillRef idx="1">
-            <a:schemeClr val="accent1"/>
-          </a:fillRef>
-          <a:effectRef idx="0">
-            <a:schemeClr val="accent1"/>
-          </a:effectRef>
-          <a:fontRef idx="minor">
-            <a:schemeClr val="lt1"/>
-          </a:fontRef>
-        </p:style>
-        <p:txBody>
-          <a:bodyPr lIns="0" tIns="0" rIns="0" bIns="0" rtlCol="0" anchor="ctr"/>
-          <a:lstStyle/>
-          <a:p>
-            <a:pPr algn="ctr"/>
-            <a:r>
-              <a:rPr lang="en-US" sz="800" dirty="0">
-                <a:latin typeface="Arial" panose="020B0604020202020204" pitchFamily="34" charset="0"/>
-                <a:cs typeface="Arial" panose="020B0604020202020204" pitchFamily="34" charset="0"/>
-              </a:rPr>
-              <a:t>1.0</a:t>
-            </a:r>
-          </a:p>
-        </p:txBody>
-      </p:sp>
-      <p:sp>
-        <p:nvSpPr>
-          <p:cNvPr id="229" name="Oval 228">
-            <a:extLst>
-              <a:ext uri="{FF2B5EF4-FFF2-40B4-BE49-F238E27FC236}">
-                <a16:creationId xmlns:a16="http://schemas.microsoft.com/office/drawing/2014/main" id="{859652C7-00A9-F34A-9655-67677985A48F}"/>
-              </a:ext>
-            </a:extLst>
-          </p:cNvPr>
-          <p:cNvSpPr/>
-          <p:nvPr/>
-        </p:nvSpPr>
-        <p:spPr>
-          <a:xfrm>
-            <a:off x="2941605" y="1058607"/>
-            <a:ext cx="253435" cy="212902"/>
-          </a:xfrm>
-          <a:prstGeom prst="ellipse">
-            <a:avLst/>
-          </a:prstGeom>
-          <a:solidFill>
-            <a:schemeClr val="tx1"/>
-          </a:solidFill>
-          <a:ln>
-            <a:solidFill>
-              <a:schemeClr val="tx1"/>
-            </a:solidFill>
-          </a:ln>
-        </p:spPr>
-        <p:style>
-          <a:lnRef idx="2">
-            <a:schemeClr val="accent1">
-              <a:shade val="50000"/>
-            </a:schemeClr>
-          </a:lnRef>
-          <a:fillRef idx="1">
-            <a:schemeClr val="accent1"/>
-          </a:fillRef>
-          <a:effectRef idx="0">
-            <a:schemeClr val="accent1"/>
-          </a:effectRef>
-          <a:fontRef idx="minor">
-            <a:schemeClr val="lt1"/>
-          </a:fontRef>
-        </p:style>
-        <p:txBody>
-          <a:bodyPr lIns="0" tIns="0" rIns="0" bIns="0" rtlCol="0" anchor="ctr"/>
-          <a:lstStyle/>
-          <a:p>
-            <a:pPr algn="ctr"/>
-            <a:r>
-              <a:rPr lang="en-US" sz="800" dirty="0">
-                <a:latin typeface="Arial" panose="020B0604020202020204" pitchFamily="34" charset="0"/>
-                <a:cs typeface="Arial" panose="020B0604020202020204" pitchFamily="34" charset="0"/>
-              </a:rPr>
-              <a:t>1.3</a:t>
-            </a:r>
-          </a:p>
-        </p:txBody>
-      </p:sp>
-      <p:sp>
-        <p:nvSpPr>
-          <p:cNvPr id="230" name="Oval 229">
-            <a:extLst>
-              <a:ext uri="{FF2B5EF4-FFF2-40B4-BE49-F238E27FC236}">
-                <a16:creationId xmlns:a16="http://schemas.microsoft.com/office/drawing/2014/main" id="{A8B92BA9-A7C6-BB4E-B68F-9B0ADFBA3120}"/>
-              </a:ext>
-            </a:extLst>
-          </p:cNvPr>
-          <p:cNvSpPr/>
-          <p:nvPr/>
-        </p:nvSpPr>
-        <p:spPr>
-          <a:xfrm>
-            <a:off x="3015049" y="1953374"/>
-            <a:ext cx="253435" cy="212902"/>
-          </a:xfrm>
-          <a:prstGeom prst="ellipse">
-            <a:avLst/>
-          </a:prstGeom>
-          <a:solidFill>
-            <a:schemeClr val="tx1"/>
-          </a:solidFill>
-          <a:ln>
-            <a:solidFill>
-              <a:schemeClr val="tx1"/>
-            </a:solidFill>
-          </a:ln>
-        </p:spPr>
-        <p:style>
-          <a:lnRef idx="2">
-            <a:schemeClr val="accent1">
-              <a:shade val="50000"/>
-            </a:schemeClr>
-          </a:lnRef>
-          <a:fillRef idx="1">
-            <a:schemeClr val="accent1"/>
-          </a:fillRef>
-          <a:effectRef idx="0">
-            <a:schemeClr val="accent1"/>
-          </a:effectRef>
-          <a:fontRef idx="minor">
-            <a:schemeClr val="lt1"/>
-          </a:fontRef>
-        </p:style>
-        <p:txBody>
-          <a:bodyPr lIns="0" tIns="0" rIns="0" bIns="0" rtlCol="0" anchor="ctr"/>
-          <a:lstStyle/>
-          <a:p>
-            <a:pPr algn="ctr"/>
-            <a:r>
-              <a:rPr lang="en-US" sz="800" dirty="0">
-                <a:latin typeface="Arial" panose="020B0604020202020204" pitchFamily="34" charset="0"/>
-                <a:cs typeface="Arial" panose="020B0604020202020204" pitchFamily="34" charset="0"/>
-              </a:rPr>
-              <a:t>1.4</a:t>
-            </a:r>
-          </a:p>
-        </p:txBody>
-      </p:sp>
-      <p:sp>
-        <p:nvSpPr>
-          <p:cNvPr id="232" name="Oval 231">
-            <a:extLst>
-              <a:ext uri="{FF2B5EF4-FFF2-40B4-BE49-F238E27FC236}">
-                <a16:creationId xmlns:a16="http://schemas.microsoft.com/office/drawing/2014/main" id="{9BABBBA8-4173-384F-B7CD-669D9E9EFCCE}"/>
-              </a:ext>
-            </a:extLst>
-          </p:cNvPr>
-          <p:cNvSpPr/>
-          <p:nvPr/>
-        </p:nvSpPr>
-        <p:spPr>
-          <a:xfrm>
-            <a:off x="1363576" y="4209595"/>
-            <a:ext cx="253435" cy="212902"/>
-          </a:xfrm>
-          <a:prstGeom prst="ellipse">
-            <a:avLst/>
-          </a:prstGeom>
-          <a:solidFill>
-            <a:schemeClr val="tx1"/>
-          </a:solidFill>
-          <a:ln>
-            <a:solidFill>
-              <a:schemeClr val="tx1"/>
-            </a:solidFill>
-          </a:ln>
-        </p:spPr>
-        <p:style>
-          <a:lnRef idx="2">
-            <a:schemeClr val="accent1">
-              <a:shade val="50000"/>
-            </a:schemeClr>
-          </a:lnRef>
-          <a:fillRef idx="1">
-            <a:schemeClr val="accent1"/>
-          </a:fillRef>
-          <a:effectRef idx="0">
-            <a:schemeClr val="accent1"/>
-          </a:effectRef>
-          <a:fontRef idx="minor">
-            <a:schemeClr val="lt1"/>
-          </a:fontRef>
-        </p:style>
-        <p:txBody>
-          <a:bodyPr lIns="0" tIns="0" rIns="0" bIns="0" rtlCol="0" anchor="ctr"/>
-          <a:lstStyle/>
-          <a:p>
-            <a:pPr algn="ctr"/>
-            <a:r>
-              <a:rPr lang="en-US" sz="800" dirty="0">
-                <a:latin typeface="Arial" panose="020B0604020202020204" pitchFamily="34" charset="0"/>
-                <a:cs typeface="Arial" panose="020B0604020202020204" pitchFamily="34" charset="0"/>
-              </a:rPr>
-              <a:t>3.0</a:t>
-            </a:r>
-          </a:p>
-        </p:txBody>
-      </p:sp>
-      <p:sp>
-        <p:nvSpPr>
-          <p:cNvPr id="233" name="Oval 232">
-            <a:extLst>
-              <a:ext uri="{FF2B5EF4-FFF2-40B4-BE49-F238E27FC236}">
-                <a16:creationId xmlns:a16="http://schemas.microsoft.com/office/drawing/2014/main" id="{4E5E3A8F-6978-7E4A-B538-0774C0EF83DA}"/>
-              </a:ext>
-            </a:extLst>
-          </p:cNvPr>
-          <p:cNvSpPr/>
-          <p:nvPr/>
-        </p:nvSpPr>
-        <p:spPr>
-          <a:xfrm>
-            <a:off x="7484576" y="3994299"/>
-            <a:ext cx="253435" cy="212902"/>
-          </a:xfrm>
-          <a:prstGeom prst="ellipse">
-            <a:avLst/>
-          </a:prstGeom>
-          <a:solidFill>
-            <a:schemeClr val="tx1"/>
-          </a:solidFill>
-          <a:ln>
-            <a:solidFill>
-              <a:schemeClr val="tx1"/>
-            </a:solidFill>
-          </a:ln>
-        </p:spPr>
-        <p:style>
-          <a:lnRef idx="2">
-            <a:schemeClr val="accent1">
-              <a:shade val="50000"/>
-            </a:schemeClr>
-          </a:lnRef>
-          <a:fillRef idx="1">
-            <a:schemeClr val="accent1"/>
-          </a:fillRef>
-          <a:effectRef idx="0">
-            <a:schemeClr val="accent1"/>
-          </a:effectRef>
-          <a:fontRef idx="minor">
-            <a:schemeClr val="lt1"/>
-          </a:fontRef>
-        </p:style>
-        <p:txBody>
-          <a:bodyPr lIns="0" tIns="0" rIns="0" bIns="0" rtlCol="0" anchor="ctr"/>
-          <a:lstStyle/>
-          <a:p>
-            <a:pPr algn="ctr"/>
-            <a:r>
-              <a:rPr lang="en-US" sz="800" dirty="0">
-                <a:latin typeface="Arial" panose="020B0604020202020204" pitchFamily="34" charset="0"/>
-                <a:cs typeface="Arial" panose="020B0604020202020204" pitchFamily="34" charset="0"/>
-              </a:rPr>
-              <a:t>4.0</a:t>
-            </a:r>
-          </a:p>
-        </p:txBody>
-      </p:sp>
-      <p:sp>
-        <p:nvSpPr>
-          <p:cNvPr id="240" name="Oval 239">
-            <a:extLst>
-              <a:ext uri="{FF2B5EF4-FFF2-40B4-BE49-F238E27FC236}">
-                <a16:creationId xmlns:a16="http://schemas.microsoft.com/office/drawing/2014/main" id="{41536248-F316-A743-87DD-EBD98D9E1FA9}"/>
-              </a:ext>
-            </a:extLst>
-          </p:cNvPr>
-          <p:cNvSpPr/>
-          <p:nvPr/>
-        </p:nvSpPr>
-        <p:spPr>
-          <a:xfrm>
-            <a:off x="4505560" y="5207457"/>
-            <a:ext cx="253435" cy="212902"/>
-          </a:xfrm>
-          <a:prstGeom prst="ellipse">
-            <a:avLst/>
-          </a:prstGeom>
-          <a:solidFill>
-            <a:schemeClr val="tx1"/>
-          </a:solidFill>
-          <a:ln>
-            <a:solidFill>
-              <a:schemeClr val="tx1"/>
-            </a:solidFill>
-          </a:ln>
-        </p:spPr>
-        <p:style>
-          <a:lnRef idx="2">
-            <a:schemeClr val="accent1">
-              <a:shade val="50000"/>
-            </a:schemeClr>
-          </a:lnRef>
-          <a:fillRef idx="1">
-            <a:schemeClr val="accent1"/>
-          </a:fillRef>
-          <a:effectRef idx="0">
-            <a:schemeClr val="accent1"/>
-          </a:effectRef>
-          <a:fontRef idx="minor">
-            <a:schemeClr val="lt1"/>
-          </a:fontRef>
-        </p:style>
-        <p:txBody>
-          <a:bodyPr lIns="0" tIns="0" rIns="0" bIns="0" rtlCol="0" anchor="ctr"/>
-          <a:lstStyle/>
-          <a:p>
-            <a:pPr algn="ctr"/>
-            <a:r>
-              <a:rPr lang="en-US" sz="800" dirty="0">
-                <a:latin typeface="Arial" panose="020B0604020202020204" pitchFamily="34" charset="0"/>
-                <a:cs typeface="Arial" panose="020B0604020202020204" pitchFamily="34" charset="0"/>
-              </a:rPr>
-              <a:t>3.3</a:t>
-            </a:r>
-          </a:p>
-        </p:txBody>
-      </p:sp>
-      <p:sp>
-        <p:nvSpPr>
-          <p:cNvPr id="58" name="Rectangle 57">
-            <a:extLst>
-              <a:ext uri="{FF2B5EF4-FFF2-40B4-BE49-F238E27FC236}">
-                <a16:creationId xmlns:a16="http://schemas.microsoft.com/office/drawing/2014/main" id="{C2A080D2-2DB2-A44B-A3CD-E6CC160F6988}"/>
-              </a:ext>
-            </a:extLst>
-          </p:cNvPr>
-          <p:cNvSpPr/>
-          <p:nvPr/>
-        </p:nvSpPr>
-        <p:spPr>
-          <a:xfrm>
-            <a:off x="7437600" y="780660"/>
-            <a:ext cx="3183403" cy="3106931"/>
-          </a:xfrm>
-          <a:prstGeom prst="rect">
-            <a:avLst/>
-          </a:prstGeom>
-          <a:noFill/>
-          <a:ln w="12700">
-            <a:solidFill>
-              <a:schemeClr val="tx1"/>
-            </a:solidFill>
-            <a:prstDash val="solid"/>
-          </a:ln>
-        </p:spPr>
-        <p:style>
-          <a:lnRef idx="2">
-            <a:schemeClr val="accent1">
-              <a:shade val="50000"/>
-            </a:schemeClr>
-          </a:lnRef>
-          <a:fillRef idx="1">
-            <a:schemeClr val="accent1"/>
-          </a:fillRef>
-          <a:effectRef idx="0">
-            <a:schemeClr val="accent1"/>
-          </a:effectRef>
-          <a:fontRef idx="minor">
-            <a:schemeClr val="lt1"/>
-          </a:fontRef>
-        </p:style>
-        <p:txBody>
-          <a:bodyPr rot="0" spcFirstLastPara="0" vertOverflow="overflow" horzOverflow="overflow" vert="horz" wrap="square" lIns="91440" tIns="91440" rIns="91440" bIns="45720" numCol="1" spcCol="0" rtlCol="0" fromWordArt="0" anchor="t" anchorCtr="0" forceAA="0" compatLnSpc="1">
-            <a:prstTxWarp prst="textNoShape">
-              <a:avLst/>
-            </a:prstTxWarp>
-            <a:noAutofit/>
-          </a:bodyPr>
-          <a:lstStyle/>
-          <a:p>
-            <a:pPr algn="ctr"/>
-            <a:r>
-              <a:rPr lang="en-US" sz="1400" dirty="0">
-                <a:solidFill>
-                  <a:schemeClr val="tx1"/>
-                </a:solidFill>
-                <a:latin typeface="Arial" panose="020B0604020202020204" pitchFamily="34" charset="0"/>
-                <a:cs typeface="Arial" panose="020B0604020202020204" pitchFamily="34" charset="0"/>
-              </a:rPr>
-              <a:t>Log Archive Account</a:t>
-            </a:r>
-          </a:p>
-          <a:p>
-            <a:pPr algn="ctr"/>
-            <a:r>
-              <a:rPr lang="en-US" sz="1200" dirty="0">
-                <a:solidFill>
-                  <a:schemeClr val="tx1"/>
-                </a:solidFill>
-                <a:latin typeface="Arial" panose="020B0604020202020204" pitchFamily="34" charset="0"/>
-                <a:cs typeface="Arial" panose="020B0604020202020204" pitchFamily="34" charset="0"/>
-              </a:rPr>
-              <a:t>OU: Security</a:t>
-            </a:r>
-          </a:p>
-        </p:txBody>
-      </p:sp>
-      <p:sp>
-        <p:nvSpPr>
-          <p:cNvPr id="59" name="TextBox 2">
-            <a:extLst>
-              <a:ext uri="{FF2B5EF4-FFF2-40B4-BE49-F238E27FC236}">
-                <a16:creationId xmlns:a16="http://schemas.microsoft.com/office/drawing/2014/main" id="{59F7A831-865C-5E41-ACA4-C2D312CBA32E}"/>
-              </a:ext>
-            </a:extLst>
-          </p:cNvPr>
-          <p:cNvSpPr txBox="1"/>
-          <p:nvPr/>
-        </p:nvSpPr>
-        <p:spPr>
-          <a:xfrm>
-            <a:off x="7757527" y="3213557"/>
-            <a:ext cx="834101" cy="430887"/>
+            <a:off x="2111795" y="1812619"/>
+            <a:ext cx="1273984" cy="430887"/>
           </a:xfrm>
           <a:prstGeom prst="rect">
             <a:avLst/>
@@ -5335,644 +4889,58 @@
                 <a:latin typeface="Arial" panose="020B0604020202020204" pitchFamily="34" charset="0"/>
                 <a:cs typeface="Arial" panose="020B0604020202020204" pitchFamily="34" charset="0"/>
               </a:rPr>
-              <a:t>Delivery S3 Bucket</a:t>
-            </a:r>
-          </a:p>
-        </p:txBody>
-      </p:sp>
-      <p:sp>
-        <p:nvSpPr>
-          <p:cNvPr id="67" name="TextBox 66">
-            <a:extLst>
-              <a:ext uri="{FF2B5EF4-FFF2-40B4-BE49-F238E27FC236}">
-                <a16:creationId xmlns:a16="http://schemas.microsoft.com/office/drawing/2014/main" id="{21E2D8E4-B49F-FF47-B1B8-67D7E792FDE9}"/>
-              </a:ext>
-            </a:extLst>
-          </p:cNvPr>
-          <p:cNvSpPr txBox="1"/>
+              <a:t>Configuration Topic</a:t>
+            </a:r>
+          </a:p>
+        </p:txBody>
+      </p:sp>
+      <p:cxnSp>
+        <p:nvCxnSpPr>
+          <p:cNvPr id="164" name="Straight Arrow Connector 163">
+            <a:extLst>
+              <a:ext uri="{FF2B5EF4-FFF2-40B4-BE49-F238E27FC236}">
+                <a16:creationId xmlns:a16="http://schemas.microsoft.com/office/drawing/2014/main" id="{576CF6C8-4D82-42C0-9B2D-E4B6FA6D170B}"/>
+              </a:ext>
+            </a:extLst>
+          </p:cNvPr>
+          <p:cNvCxnSpPr>
+            <a:cxnSpLocks/>
+          </p:cNvCxnSpPr>
           <p:nvPr/>
-        </p:nvSpPr>
-        <p:spPr>
-          <a:xfrm>
-            <a:off x="7582999" y="2101482"/>
-            <a:ext cx="1184753" cy="430887"/>
-          </a:xfrm>
-          <a:prstGeom prst="rect">
-            <a:avLst/>
-          </a:prstGeom>
-          <a:noFill/>
-        </p:spPr>
-        <p:txBody>
-          <a:bodyPr wrap="square" rtlCol="0">
-            <a:spAutoFit/>
-          </a:bodyPr>
-          <a:lstStyle/>
-          <a:p>
-            <a:pPr algn="ctr"/>
-            <a:r>
-              <a:rPr lang="en-US" sz="1100" dirty="0">
-                <a:latin typeface="Arial" panose="020B0604020202020204" pitchFamily="34" charset="0"/>
-                <a:cs typeface="Arial" panose="020B0604020202020204" pitchFamily="34" charset="0"/>
-              </a:rPr>
-              <a:t>AWS CloudFormation</a:t>
-            </a:r>
-          </a:p>
-        </p:txBody>
-      </p:sp>
-      <p:sp>
-        <p:nvSpPr>
-          <p:cNvPr id="69" name="Rectangle 68">
-            <a:extLst>
-              <a:ext uri="{FF2B5EF4-FFF2-40B4-BE49-F238E27FC236}">
-                <a16:creationId xmlns:a16="http://schemas.microsoft.com/office/drawing/2014/main" id="{1A0421ED-D908-2F4E-B6F3-4313C5B8CE02}"/>
-              </a:ext>
-            </a:extLst>
-          </p:cNvPr>
-          <p:cNvSpPr/>
-          <p:nvPr/>
-        </p:nvSpPr>
-        <p:spPr>
-          <a:xfrm>
-            <a:off x="7564225" y="1386208"/>
-            <a:ext cx="2937845" cy="2360247"/>
-          </a:xfrm>
-          <a:prstGeom prst="rect">
-            <a:avLst/>
-          </a:prstGeom>
-          <a:noFill/>
-          <a:ln w="12700">
-            <a:solidFill>
-              <a:schemeClr val="tx1"/>
-            </a:solidFill>
-            <a:prstDash val="dash"/>
+        </p:nvCxnSpPr>
+        <p:spPr>
+          <a:xfrm flipV="1">
+            <a:off x="3726086" y="1721108"/>
+            <a:ext cx="1479" cy="357840"/>
+          </a:xfrm>
+          <a:prstGeom prst="straightConnector1">
+            <a:avLst/>
+          </a:prstGeom>
+          <a:ln>
+            <a:tailEnd type="triangle"/>
           </a:ln>
         </p:spPr>
         <p:style>
-          <a:lnRef idx="2">
-            <a:schemeClr val="accent1">
-              <a:shade val="50000"/>
-            </a:schemeClr>
+          <a:lnRef idx="1">
+            <a:schemeClr val="dk1"/>
           </a:lnRef>
-          <a:fillRef idx="1">
-            <a:schemeClr val="accent1"/>
+          <a:fillRef idx="0">
+            <a:schemeClr val="dk1"/>
           </a:fillRef>
           <a:effectRef idx="0">
-            <a:schemeClr val="accent1"/>
+            <a:schemeClr val="dk1"/>
           </a:effectRef>
           <a:fontRef idx="minor">
-            <a:schemeClr val="lt1"/>
+            <a:schemeClr val="tx1"/>
           </a:fontRef>
         </p:style>
-        <p:txBody>
-          <a:bodyPr rot="0" spcFirstLastPara="0" vertOverflow="overflow" horzOverflow="overflow" vert="horz" wrap="square" lIns="91440" tIns="0" rIns="91440" bIns="45720" numCol="1" spcCol="0" rtlCol="0" fromWordArt="0" anchor="t" anchorCtr="0" forceAA="0" compatLnSpc="1">
-            <a:prstTxWarp prst="textNoShape">
-              <a:avLst/>
-            </a:prstTxWarp>
-            <a:noAutofit/>
-          </a:bodyPr>
-          <a:lstStyle/>
-          <a:p>
-            <a:r>
-              <a:rPr lang="en-US" sz="1200" b="1" dirty="0">
-                <a:solidFill>
-                  <a:schemeClr val="tx1"/>
-                </a:solidFill>
-                <a:latin typeface="Arial" panose="020B0604020202020204" pitchFamily="34" charset="0"/>
-                <a:cs typeface="Arial" panose="020B0604020202020204" pitchFamily="34" charset="0"/>
-              </a:rPr>
-              <a:t>Home-region</a:t>
-            </a:r>
-          </a:p>
-        </p:txBody>
-      </p:sp>
-      <p:sp>
-        <p:nvSpPr>
-          <p:cNvPr id="71" name="Rectangle 70">
-            <a:extLst>
-              <a:ext uri="{FF2B5EF4-FFF2-40B4-BE49-F238E27FC236}">
-                <a16:creationId xmlns:a16="http://schemas.microsoft.com/office/drawing/2014/main" id="{256D65BE-EB86-A649-AFA0-B61FCD886D98}"/>
-              </a:ext>
-            </a:extLst>
-          </p:cNvPr>
-          <p:cNvSpPr/>
-          <p:nvPr/>
-        </p:nvSpPr>
-        <p:spPr>
-          <a:xfrm>
-            <a:off x="9060079" y="2098360"/>
-            <a:ext cx="1298909" cy="1435376"/>
-          </a:xfrm>
-          <a:prstGeom prst="rect">
-            <a:avLst/>
-          </a:prstGeom>
-          <a:noFill/>
-          <a:ln w="12700">
-            <a:solidFill>
-              <a:schemeClr val="tx1"/>
-            </a:solidFill>
-            <a:prstDash val="dash"/>
-          </a:ln>
-        </p:spPr>
-        <p:style>
-          <a:lnRef idx="2">
-            <a:schemeClr val="accent1">
-              <a:shade val="50000"/>
-            </a:schemeClr>
-          </a:lnRef>
-          <a:fillRef idx="1">
-            <a:schemeClr val="accent1"/>
-          </a:fillRef>
-          <a:effectRef idx="0">
-            <a:schemeClr val="accent1"/>
-          </a:effectRef>
-          <a:fontRef idx="minor">
-            <a:schemeClr val="lt1"/>
-          </a:fontRef>
-        </p:style>
-        <p:txBody>
-          <a:bodyPr rot="0" spcFirstLastPara="0" vertOverflow="overflow" horzOverflow="overflow" vert="horz" wrap="square" lIns="91440" tIns="0" rIns="91440" bIns="45720" numCol="1" spcCol="0" rtlCol="0" fromWordArt="0" anchor="t" anchorCtr="0" forceAA="0" compatLnSpc="1">
-            <a:noAutofit/>
-          </a:bodyPr>
-          <a:lstStyle/>
-          <a:p>
-            <a:r>
-              <a:rPr lang="en-US" sz="1100" b="1" dirty="0">
-                <a:solidFill>
-                  <a:schemeClr val="tx1"/>
-                </a:solidFill>
-                <a:latin typeface="Arial" panose="020B0604020202020204" pitchFamily="34" charset="0"/>
-                <a:cs typeface="Arial" panose="020B0604020202020204" pitchFamily="34" charset="0"/>
-              </a:rPr>
-              <a:t>region-1</a:t>
-            </a:r>
-          </a:p>
-        </p:txBody>
-      </p:sp>
-      <p:sp>
-        <p:nvSpPr>
-          <p:cNvPr id="73" name="TextBox 72">
-            <a:extLst>
-              <a:ext uri="{FF2B5EF4-FFF2-40B4-BE49-F238E27FC236}">
-                <a16:creationId xmlns:a16="http://schemas.microsoft.com/office/drawing/2014/main" id="{82172134-AE06-D64C-BD7E-D17D2E044C41}"/>
-              </a:ext>
-            </a:extLst>
-          </p:cNvPr>
-          <p:cNvSpPr txBox="1"/>
-          <p:nvPr/>
-        </p:nvSpPr>
-        <p:spPr>
-          <a:xfrm>
-            <a:off x="9348230" y="3259742"/>
-            <a:ext cx="1047687" cy="261610"/>
-          </a:xfrm>
-          <a:prstGeom prst="rect">
-            <a:avLst/>
-          </a:prstGeom>
-          <a:noFill/>
-        </p:spPr>
-        <p:txBody>
-          <a:bodyPr wrap="square" rtlCol="0">
-            <a:spAutoFit/>
-          </a:bodyPr>
-          <a:lstStyle/>
-          <a:p>
-            <a:pPr algn="ctr"/>
-            <a:r>
-              <a:rPr lang="en-US" sz="1100" dirty="0">
-                <a:latin typeface="Arial" panose="020B0604020202020204" pitchFamily="34" charset="0"/>
-                <a:cs typeface="Arial" panose="020B0604020202020204" pitchFamily="34" charset="0"/>
-              </a:rPr>
-              <a:t>Guard Duty</a:t>
-            </a:r>
-          </a:p>
-        </p:txBody>
-      </p:sp>
-      <p:sp>
-        <p:nvSpPr>
-          <p:cNvPr id="74" name="Rectangle 73">
-            <a:extLst>
-              <a:ext uri="{FF2B5EF4-FFF2-40B4-BE49-F238E27FC236}">
-                <a16:creationId xmlns:a16="http://schemas.microsoft.com/office/drawing/2014/main" id="{14A11693-82B1-5542-929C-E7D09EFF487C}"/>
-              </a:ext>
-            </a:extLst>
-          </p:cNvPr>
-          <p:cNvSpPr/>
-          <p:nvPr/>
-        </p:nvSpPr>
-        <p:spPr>
-          <a:xfrm>
-            <a:off x="9188858" y="2320768"/>
-            <a:ext cx="1170130" cy="1212968"/>
-          </a:xfrm>
-          <a:prstGeom prst="rect">
-            <a:avLst/>
-          </a:prstGeom>
-          <a:noFill/>
-          <a:ln w="12700">
-            <a:solidFill>
-              <a:schemeClr val="tx1"/>
-            </a:solidFill>
-            <a:prstDash val="dash"/>
-          </a:ln>
-        </p:spPr>
-        <p:style>
-          <a:lnRef idx="2">
-            <a:schemeClr val="accent1">
-              <a:shade val="50000"/>
-            </a:schemeClr>
-          </a:lnRef>
-          <a:fillRef idx="1">
-            <a:schemeClr val="accent1"/>
-          </a:fillRef>
-          <a:effectRef idx="0">
-            <a:schemeClr val="accent1"/>
-          </a:effectRef>
-          <a:fontRef idx="minor">
-            <a:schemeClr val="lt1"/>
-          </a:fontRef>
-        </p:style>
-        <p:txBody>
-          <a:bodyPr rot="0" spcFirstLastPara="0" vertOverflow="overflow" horzOverflow="overflow" vert="horz" wrap="square" lIns="91440" tIns="0" rIns="91440" bIns="45720" numCol="1" spcCol="0" rtlCol="0" fromWordArt="0" anchor="t" anchorCtr="0" forceAA="0" compatLnSpc="1">
-            <a:noAutofit/>
-          </a:bodyPr>
-          <a:lstStyle/>
-          <a:p>
-            <a:r>
-              <a:rPr lang="en-US" sz="1100" b="1" dirty="0">
-                <a:solidFill>
-                  <a:schemeClr val="tx1"/>
-                </a:solidFill>
-                <a:latin typeface="Arial" panose="020B0604020202020204" pitchFamily="34" charset="0"/>
-                <a:cs typeface="Arial" panose="020B0604020202020204" pitchFamily="34" charset="0"/>
-              </a:rPr>
-              <a:t>region-2</a:t>
-            </a:r>
-          </a:p>
-        </p:txBody>
-      </p:sp>
-      <p:sp>
-        <p:nvSpPr>
-          <p:cNvPr id="75" name="Rectangle 74">
-            <a:extLst>
-              <a:ext uri="{FF2B5EF4-FFF2-40B4-BE49-F238E27FC236}">
-                <a16:creationId xmlns:a16="http://schemas.microsoft.com/office/drawing/2014/main" id="{3D27112C-DA37-2E4D-9382-E7D7B4F90212}"/>
-              </a:ext>
-            </a:extLst>
-          </p:cNvPr>
-          <p:cNvSpPr/>
-          <p:nvPr/>
-        </p:nvSpPr>
-        <p:spPr>
-          <a:xfrm>
-            <a:off x="9306055" y="2553992"/>
-            <a:ext cx="1052932" cy="979744"/>
-          </a:xfrm>
-          <a:prstGeom prst="rect">
-            <a:avLst/>
-          </a:prstGeom>
-          <a:noFill/>
-          <a:ln w="12700">
-            <a:solidFill>
-              <a:schemeClr val="tx1"/>
-            </a:solidFill>
-            <a:prstDash val="dash"/>
-          </a:ln>
-        </p:spPr>
-        <p:style>
-          <a:lnRef idx="2">
-            <a:schemeClr val="accent1">
-              <a:shade val="50000"/>
-            </a:schemeClr>
-          </a:lnRef>
-          <a:fillRef idx="1">
-            <a:schemeClr val="accent1"/>
-          </a:fillRef>
-          <a:effectRef idx="0">
-            <a:schemeClr val="accent1"/>
-          </a:effectRef>
-          <a:fontRef idx="minor">
-            <a:schemeClr val="lt1"/>
-          </a:fontRef>
-        </p:style>
-        <p:txBody>
-          <a:bodyPr rot="0" spcFirstLastPara="0" vertOverflow="overflow" horzOverflow="overflow" vert="horz" wrap="square" lIns="91440" tIns="0" rIns="91440" bIns="45720" numCol="1" spcCol="0" rtlCol="0" fromWordArt="0" anchor="t" anchorCtr="0" forceAA="0" compatLnSpc="1">
-            <a:noAutofit/>
-          </a:bodyPr>
-          <a:lstStyle/>
-          <a:p>
-            <a:r>
-              <a:rPr lang="en-US" sz="1100" b="1" dirty="0">
-                <a:solidFill>
-                  <a:schemeClr val="tx1"/>
-                </a:solidFill>
-                <a:latin typeface="Arial" panose="020B0604020202020204" pitchFamily="34" charset="0"/>
-                <a:cs typeface="Arial" panose="020B0604020202020204" pitchFamily="34" charset="0"/>
-              </a:rPr>
-              <a:t>region-n</a:t>
-            </a:r>
-          </a:p>
-        </p:txBody>
-      </p:sp>
-      <p:sp>
-        <p:nvSpPr>
-          <p:cNvPr id="76" name="Oval 75">
-            <a:extLst>
-              <a:ext uri="{FF2B5EF4-FFF2-40B4-BE49-F238E27FC236}">
-                <a16:creationId xmlns:a16="http://schemas.microsoft.com/office/drawing/2014/main" id="{5956ECF1-B006-254C-B1BF-A3052784E7EE}"/>
-              </a:ext>
-            </a:extLst>
-          </p:cNvPr>
-          <p:cNvSpPr/>
-          <p:nvPr/>
-        </p:nvSpPr>
-        <p:spPr>
-          <a:xfrm>
-            <a:off x="7474847" y="815669"/>
-            <a:ext cx="253435" cy="212902"/>
-          </a:xfrm>
-          <a:prstGeom prst="ellipse">
-            <a:avLst/>
-          </a:prstGeom>
-          <a:solidFill>
-            <a:schemeClr val="tx1"/>
-          </a:solidFill>
-          <a:ln>
-            <a:solidFill>
-              <a:schemeClr val="tx1"/>
-            </a:solidFill>
-          </a:ln>
-        </p:spPr>
-        <p:style>
-          <a:lnRef idx="2">
-            <a:schemeClr val="accent1">
-              <a:shade val="50000"/>
-            </a:schemeClr>
-          </a:lnRef>
-          <a:fillRef idx="1">
-            <a:schemeClr val="accent1"/>
-          </a:fillRef>
-          <a:effectRef idx="0">
-            <a:schemeClr val="accent1"/>
-          </a:effectRef>
-          <a:fontRef idx="minor">
-            <a:schemeClr val="lt1"/>
-          </a:fontRef>
-        </p:style>
-        <p:txBody>
-          <a:bodyPr lIns="0" tIns="0" rIns="0" bIns="0" rtlCol="0" anchor="ctr"/>
-          <a:lstStyle/>
-          <a:p>
-            <a:pPr algn="ctr"/>
-            <a:r>
-              <a:rPr lang="en-US" sz="800" dirty="0">
-                <a:latin typeface="Arial" panose="020B0604020202020204" pitchFamily="34" charset="0"/>
-                <a:cs typeface="Arial" panose="020B0604020202020204" pitchFamily="34" charset="0"/>
-              </a:rPr>
-              <a:t>2.0</a:t>
-            </a:r>
-          </a:p>
-        </p:txBody>
-      </p:sp>
-      <p:sp>
-        <p:nvSpPr>
-          <p:cNvPr id="85" name="Oval 84">
-            <a:extLst>
-              <a:ext uri="{FF2B5EF4-FFF2-40B4-BE49-F238E27FC236}">
-                <a16:creationId xmlns:a16="http://schemas.microsoft.com/office/drawing/2014/main" id="{F63B8CB6-3CF2-CF41-8CAF-9E6836E55BB9}"/>
-              </a:ext>
-            </a:extLst>
-          </p:cNvPr>
-          <p:cNvSpPr/>
-          <p:nvPr/>
-        </p:nvSpPr>
-        <p:spPr>
-          <a:xfrm>
-            <a:off x="8048353" y="2548886"/>
-            <a:ext cx="253435" cy="212902"/>
-          </a:xfrm>
-          <a:prstGeom prst="ellipse">
-            <a:avLst/>
-          </a:prstGeom>
-          <a:solidFill>
-            <a:schemeClr val="tx1"/>
-          </a:solidFill>
-          <a:ln>
-            <a:solidFill>
-              <a:schemeClr val="tx1"/>
-            </a:solidFill>
-          </a:ln>
-        </p:spPr>
-        <p:style>
-          <a:lnRef idx="2">
-            <a:schemeClr val="accent1">
-              <a:shade val="50000"/>
-            </a:schemeClr>
-          </a:lnRef>
-          <a:fillRef idx="1">
-            <a:schemeClr val="accent1"/>
-          </a:fillRef>
-          <a:effectRef idx="0">
-            <a:schemeClr val="accent1"/>
-          </a:effectRef>
-          <a:fontRef idx="minor">
-            <a:schemeClr val="lt1"/>
-          </a:fontRef>
-        </p:style>
-        <p:txBody>
-          <a:bodyPr lIns="0" tIns="0" rIns="0" bIns="0" rtlCol="0" anchor="ctr"/>
-          <a:lstStyle/>
-          <a:p>
-            <a:pPr algn="ctr"/>
-            <a:r>
-              <a:rPr lang="en-US" sz="800" dirty="0">
-                <a:latin typeface="Arial" panose="020B0604020202020204" pitchFamily="34" charset="0"/>
-                <a:cs typeface="Arial" panose="020B0604020202020204" pitchFamily="34" charset="0"/>
-              </a:rPr>
-              <a:t>2.2</a:t>
-            </a:r>
-          </a:p>
-        </p:txBody>
-      </p:sp>
-      <p:sp>
-        <p:nvSpPr>
-          <p:cNvPr id="89" name="TextBox 88">
-            <a:extLst>
-              <a:ext uri="{FF2B5EF4-FFF2-40B4-BE49-F238E27FC236}">
-                <a16:creationId xmlns:a16="http://schemas.microsoft.com/office/drawing/2014/main" id="{8DBD3F82-3429-E24C-8E32-5EB1A489A3C5}"/>
-              </a:ext>
-            </a:extLst>
-          </p:cNvPr>
-          <p:cNvSpPr txBox="1"/>
-          <p:nvPr/>
-        </p:nvSpPr>
-        <p:spPr>
-          <a:xfrm>
-            <a:off x="3024605" y="5695784"/>
-            <a:ext cx="907653" cy="430887"/>
-          </a:xfrm>
-          <a:prstGeom prst="rect">
-            <a:avLst/>
-          </a:prstGeom>
-          <a:noFill/>
-        </p:spPr>
-        <p:txBody>
-          <a:bodyPr wrap="square" rtlCol="0">
-            <a:spAutoFit/>
-          </a:bodyPr>
-          <a:lstStyle/>
-          <a:p>
-            <a:pPr algn="ctr"/>
-            <a:r>
-              <a:rPr lang="en-US" sz="1100" dirty="0">
-                <a:latin typeface="Arial" panose="020B0604020202020204" pitchFamily="34" charset="0"/>
-                <a:cs typeface="Arial" panose="020B0604020202020204" pitchFamily="34" charset="0"/>
-              </a:rPr>
-              <a:t>Delivery KMS Key</a:t>
-            </a:r>
-          </a:p>
-        </p:txBody>
-      </p:sp>
-      <p:sp>
-        <p:nvSpPr>
-          <p:cNvPr id="87" name="TextBox 86">
-            <a:extLst>
-              <a:ext uri="{FF2B5EF4-FFF2-40B4-BE49-F238E27FC236}">
-                <a16:creationId xmlns:a16="http://schemas.microsoft.com/office/drawing/2014/main" id="{D3BE5D26-F11D-224A-B273-443BC6F8CEBB}"/>
-              </a:ext>
-            </a:extLst>
-          </p:cNvPr>
-          <p:cNvSpPr txBox="1"/>
-          <p:nvPr/>
-        </p:nvSpPr>
-        <p:spPr>
-          <a:xfrm>
-            <a:off x="9308870" y="5471884"/>
-            <a:ext cx="1103001" cy="430887"/>
-          </a:xfrm>
-          <a:prstGeom prst="rect">
-            <a:avLst/>
-          </a:prstGeom>
-          <a:noFill/>
-        </p:spPr>
-        <p:txBody>
-          <a:bodyPr wrap="square" rtlCol="0">
-            <a:spAutoFit/>
-          </a:bodyPr>
-          <a:lstStyle/>
-          <a:p>
-            <a:pPr algn="ctr"/>
-            <a:r>
-              <a:rPr lang="en-US" sz="1100" dirty="0">
-                <a:latin typeface="Arial" panose="020B0604020202020204" pitchFamily="34" charset="0"/>
-                <a:cs typeface="Arial" panose="020B0604020202020204" pitchFamily="34" charset="0"/>
-              </a:rPr>
-              <a:t>Delete Detector Role</a:t>
-            </a:r>
-          </a:p>
-        </p:txBody>
-      </p:sp>
+      </p:cxnSp>
       <p:pic>
         <p:nvPicPr>
-          <p:cNvPr id="91" name="Graphic 90">
-            <a:extLst>
-              <a:ext uri="{FF2B5EF4-FFF2-40B4-BE49-F238E27FC236}">
-                <a16:creationId xmlns:a16="http://schemas.microsoft.com/office/drawing/2014/main" id="{1BFEB7BE-0AE6-2A44-9FA3-BCF9B4D0855B}"/>
-              </a:ext>
-            </a:extLst>
-          </p:cNvPr>
-          <p:cNvPicPr>
-            <a:picLocks noChangeAspect="1"/>
-          </p:cNvPicPr>
-          <p:nvPr/>
-        </p:nvPicPr>
-        <p:blipFill>
-          <a:blip r:embed="rId5">
-            <a:extLst>
-              <a:ext uri="{96DAC541-7B7A-43D3-8B79-37D633B846F1}">
-                <asvg:svgBlip xmlns:asvg="http://schemas.microsoft.com/office/drawing/2016/SVG/main" r:embed="rId6"/>
-              </a:ext>
-            </a:extLst>
-          </a:blip>
-          <a:stretch>
-            <a:fillRect/>
-          </a:stretch>
-        </p:blipFill>
-        <p:spPr>
-          <a:xfrm>
-            <a:off x="9589394" y="5124217"/>
-            <a:ext cx="469900" cy="469900"/>
-          </a:xfrm>
-          <a:prstGeom prst="rect">
-            <a:avLst/>
-          </a:prstGeom>
-        </p:spPr>
-      </p:pic>
-      <p:sp>
-        <p:nvSpPr>
-          <p:cNvPr id="92" name="Oval 91">
-            <a:extLst>
-              <a:ext uri="{FF2B5EF4-FFF2-40B4-BE49-F238E27FC236}">
-                <a16:creationId xmlns:a16="http://schemas.microsoft.com/office/drawing/2014/main" id="{0757465A-6C02-E44B-9C5C-D6BACF8A00E2}"/>
-              </a:ext>
-            </a:extLst>
-          </p:cNvPr>
-          <p:cNvSpPr/>
-          <p:nvPr/>
-        </p:nvSpPr>
-        <p:spPr>
-          <a:xfrm>
-            <a:off x="9720114" y="4980398"/>
-            <a:ext cx="253435" cy="212902"/>
-          </a:xfrm>
-          <a:prstGeom prst="ellipse">
-            <a:avLst/>
-          </a:prstGeom>
-          <a:solidFill>
-            <a:schemeClr val="tx1"/>
-          </a:solidFill>
-          <a:ln>
-            <a:solidFill>
-              <a:schemeClr val="tx1"/>
-            </a:solidFill>
-          </a:ln>
-        </p:spPr>
-        <p:style>
-          <a:lnRef idx="2">
-            <a:schemeClr val="accent1">
-              <a:shade val="50000"/>
-            </a:schemeClr>
-          </a:lnRef>
-          <a:fillRef idx="1">
-            <a:schemeClr val="accent1"/>
-          </a:fillRef>
-          <a:effectRef idx="0">
-            <a:schemeClr val="accent1"/>
-          </a:effectRef>
-          <a:fontRef idx="minor">
-            <a:schemeClr val="lt1"/>
-          </a:fontRef>
-        </p:style>
-        <p:txBody>
-          <a:bodyPr lIns="0" tIns="0" rIns="0" bIns="0" rtlCol="0" anchor="ctr"/>
-          <a:lstStyle/>
-          <a:p>
-            <a:pPr algn="ctr"/>
-            <a:r>
-              <a:rPr lang="en-US" sz="800" dirty="0">
-                <a:latin typeface="Arial" panose="020B0604020202020204" pitchFamily="34" charset="0"/>
-                <a:cs typeface="Arial" panose="020B0604020202020204" pitchFamily="34" charset="0"/>
-              </a:rPr>
-              <a:t>4.2</a:t>
-            </a:r>
-          </a:p>
-        </p:txBody>
-      </p:sp>
-      <p:pic>
-        <p:nvPicPr>
-          <p:cNvPr id="94" name="Graphic 13">
-            <a:extLst>
-              <a:ext uri="{FF2B5EF4-FFF2-40B4-BE49-F238E27FC236}">
-                <a16:creationId xmlns:a16="http://schemas.microsoft.com/office/drawing/2014/main" id="{E1677150-8C65-4D4F-B1E6-F3155F6691FE}"/>
+          <p:cNvPr id="165" name="Graphic 17">
+            <a:extLst>
+              <a:ext uri="{FF2B5EF4-FFF2-40B4-BE49-F238E27FC236}">
+                <a16:creationId xmlns:a16="http://schemas.microsoft.com/office/drawing/2014/main" id="{6F887213-7B87-4EF7-8FFC-86F3F2BA8A6E}"/>
               </a:ext>
             </a:extLst>
           </p:cNvPr>
@@ -5982,7 +4950,7 @@
           <p:nvPr/>
         </p:nvPicPr>
         <p:blipFill>
-          <a:blip r:embed="rId7">
+          <a:blip r:embed="rId10">
             <a:extLst>
               <a:ext uri="{28A0092B-C50C-407E-A947-70E740481C1C}">
                 <a14:useLocalDpi xmlns:a14="http://schemas.microsoft.com/office/drawing/2010/main" val="0"/>
@@ -5996,7 +4964,7 @@
         </p:blipFill>
         <p:spPr bwMode="auto">
           <a:xfrm>
-            <a:off x="4258467" y="3202413"/>
+            <a:off x="4717459" y="1124346"/>
             <a:ext cx="457200" cy="457200"/>
           </a:xfrm>
           <a:prstGeom prst="rect">
@@ -6029,294 +4997,10 @@
       </p:pic>
       <p:sp>
         <p:nvSpPr>
-          <p:cNvPr id="228" name="Oval 227">
-            <a:extLst>
-              <a:ext uri="{FF2B5EF4-FFF2-40B4-BE49-F238E27FC236}">
-                <a16:creationId xmlns:a16="http://schemas.microsoft.com/office/drawing/2014/main" id="{2825B996-8DA9-604E-ADB8-7AADC93D3485}"/>
-              </a:ext>
-            </a:extLst>
-          </p:cNvPr>
-          <p:cNvSpPr/>
-          <p:nvPr/>
-        </p:nvSpPr>
-        <p:spPr>
-          <a:xfrm>
-            <a:off x="4097362" y="3114914"/>
-            <a:ext cx="253435" cy="212902"/>
-          </a:xfrm>
-          <a:prstGeom prst="ellipse">
-            <a:avLst/>
-          </a:prstGeom>
-          <a:solidFill>
-            <a:schemeClr val="tx1"/>
-          </a:solidFill>
-          <a:ln>
-            <a:solidFill>
-              <a:schemeClr val="tx1"/>
-            </a:solidFill>
-          </a:ln>
-        </p:spPr>
-        <p:style>
-          <a:lnRef idx="2">
-            <a:schemeClr val="accent1">
-              <a:shade val="50000"/>
-            </a:schemeClr>
-          </a:lnRef>
-          <a:fillRef idx="1">
-            <a:schemeClr val="accent1"/>
-          </a:fillRef>
-          <a:effectRef idx="0">
-            <a:schemeClr val="accent1"/>
-          </a:effectRef>
-          <a:fontRef idx="minor">
-            <a:schemeClr val="lt1"/>
-          </a:fontRef>
-        </p:style>
-        <p:txBody>
-          <a:bodyPr lIns="0" tIns="0" rIns="0" bIns="0" rtlCol="0" anchor="ctr"/>
-          <a:lstStyle/>
-          <a:p>
-            <a:pPr algn="ctr"/>
-            <a:r>
-              <a:rPr lang="en-US" sz="800" dirty="0">
-                <a:latin typeface="Arial" panose="020B0604020202020204" pitchFamily="34" charset="0"/>
-                <a:cs typeface="Arial" panose="020B0604020202020204" pitchFamily="34" charset="0"/>
-              </a:rPr>
-              <a:t>1.2</a:t>
-            </a:r>
-          </a:p>
-        </p:txBody>
-      </p:sp>
-      <p:pic>
-        <p:nvPicPr>
-          <p:cNvPr id="96" name="Graphic 14">
-            <a:extLst>
-              <a:ext uri="{FF2B5EF4-FFF2-40B4-BE49-F238E27FC236}">
-                <a16:creationId xmlns:a16="http://schemas.microsoft.com/office/drawing/2014/main" id="{1F9FF25E-0D9B-774E-B2FD-9BD9DEB9B470}"/>
-              </a:ext>
-            </a:extLst>
-          </p:cNvPr>
-          <p:cNvPicPr>
-            <a:picLocks noChangeAspect="1" noChangeArrowheads="1"/>
-          </p:cNvPicPr>
-          <p:nvPr/>
-        </p:nvPicPr>
-        <p:blipFill>
-          <a:blip r:embed="rId8">
-            <a:extLst>
-              <a:ext uri="{28A0092B-C50C-407E-A947-70E740481C1C}">
-                <a14:useLocalDpi xmlns:a14="http://schemas.microsoft.com/office/drawing/2010/main" val="0"/>
-              </a:ext>
-            </a:extLst>
-          </a:blip>
-          <a:srcRect/>
-          <a:stretch>
-            <a:fillRect/>
-          </a:stretch>
-        </p:blipFill>
-        <p:spPr bwMode="auto">
-          <a:xfrm>
-            <a:off x="7946471" y="2774183"/>
-            <a:ext cx="457200" cy="457200"/>
-          </a:xfrm>
-          <a:prstGeom prst="rect">
-            <a:avLst/>
-          </a:prstGeom>
-          <a:noFill/>
-          <a:ln>
-            <a:noFill/>
-          </a:ln>
-          <a:extLst>
-            <a:ext uri="{909E8E84-426E-40DD-AFC4-6F175D3DCCD1}">
-              <a14:hiddenFill xmlns:a14="http://schemas.microsoft.com/office/drawing/2010/main">
-                <a:solidFill>
-                  <a:srgbClr val="FFFFFF"/>
-                </a:solidFill>
-              </a14:hiddenFill>
-            </a:ext>
-            <a:ext uri="{91240B29-F687-4F45-9708-019B960494DF}">
-              <a14:hiddenLine xmlns:a14="http://schemas.microsoft.com/office/drawing/2010/main" w="9525">
-                <a:solidFill>
-                  <a:srgbClr val="000000"/>
-                </a:solidFill>
-                <a:miter lim="800000"/>
-                <a:headEnd/>
-                <a:tailEnd/>
-              </a14:hiddenLine>
-            </a:ext>
-          </a:extLst>
-        </p:spPr>
-      </p:pic>
-      <p:pic>
-        <p:nvPicPr>
-          <p:cNvPr id="98" name="Graphic 7">
-            <a:extLst>
-              <a:ext uri="{FF2B5EF4-FFF2-40B4-BE49-F238E27FC236}">
-                <a16:creationId xmlns:a16="http://schemas.microsoft.com/office/drawing/2014/main" id="{CA6DC198-CAAB-B342-B2AD-88C9C80CC708}"/>
-              </a:ext>
-            </a:extLst>
-          </p:cNvPr>
-          <p:cNvPicPr>
-            <a:picLocks noChangeAspect="1" noChangeArrowheads="1"/>
-          </p:cNvPicPr>
-          <p:nvPr/>
-        </p:nvPicPr>
-        <p:blipFill>
-          <a:blip r:embed="rId9">
-            <a:extLst>
-              <a:ext uri="{28A0092B-C50C-407E-A947-70E740481C1C}">
-                <a14:useLocalDpi xmlns:a14="http://schemas.microsoft.com/office/drawing/2010/main" val="0"/>
-              </a:ext>
-            </a:extLst>
-          </a:blip>
-          <a:srcRect/>
-          <a:stretch>
-            <a:fillRect/>
-          </a:stretch>
-        </p:blipFill>
-        <p:spPr bwMode="auto">
-          <a:xfrm>
-            <a:off x="3309601" y="1888189"/>
-            <a:ext cx="457200" cy="457200"/>
-          </a:xfrm>
-          <a:prstGeom prst="rect">
-            <a:avLst/>
-          </a:prstGeom>
-          <a:noFill/>
-          <a:ln>
-            <a:noFill/>
-          </a:ln>
-          <a:extLst>
-            <a:ext uri="{909E8E84-426E-40DD-AFC4-6F175D3DCCD1}">
-              <a14:hiddenFill xmlns:a14="http://schemas.microsoft.com/office/drawing/2010/main">
-                <a:solidFill>
-                  <a:srgbClr val="FFFFFF"/>
-                </a:solidFill>
-              </a14:hiddenFill>
-            </a:ext>
-            <a:ext uri="{91240B29-F687-4F45-9708-019B960494DF}">
-              <a14:hiddenLine xmlns:a14="http://schemas.microsoft.com/office/drawing/2010/main" w="9525">
-                <a:solidFill>
-                  <a:srgbClr val="000000"/>
-                </a:solidFill>
-                <a:miter lim="800000"/>
-                <a:headEnd/>
-                <a:tailEnd/>
-              </a14:hiddenLine>
-            </a:ext>
-          </a:extLst>
-        </p:spPr>
-      </p:pic>
-      <p:cxnSp>
-        <p:nvCxnSpPr>
-          <p:cNvPr id="99" name="Straight Arrow Connector 98">
-            <a:extLst>
-              <a:ext uri="{FF2B5EF4-FFF2-40B4-BE49-F238E27FC236}">
-                <a16:creationId xmlns:a16="http://schemas.microsoft.com/office/drawing/2014/main" id="{98718C43-93CE-9D46-9171-ABF46BB0FBDE}"/>
-              </a:ext>
-            </a:extLst>
-          </p:cNvPr>
-          <p:cNvCxnSpPr>
-            <a:cxnSpLocks/>
-          </p:cNvCxnSpPr>
-          <p:nvPr/>
-        </p:nvCxnSpPr>
-        <p:spPr>
-          <a:xfrm flipH="1" flipV="1">
-            <a:off x="3908376" y="2715822"/>
-            <a:ext cx="206160" cy="328000"/>
-          </a:xfrm>
-          <a:prstGeom prst="straightConnector1">
-            <a:avLst/>
-          </a:prstGeom>
-          <a:ln>
-            <a:tailEnd type="triangle"/>
-          </a:ln>
-        </p:spPr>
-        <p:style>
-          <a:lnRef idx="1">
-            <a:schemeClr val="dk1"/>
-          </a:lnRef>
-          <a:fillRef idx="0">
-            <a:schemeClr val="dk1"/>
-          </a:fillRef>
-          <a:effectRef idx="0">
-            <a:schemeClr val="dk1"/>
-          </a:effectRef>
-          <a:fontRef idx="minor">
-            <a:schemeClr val="tx1"/>
-          </a:fontRef>
-        </p:style>
-      </p:cxnSp>
-      <p:sp>
-        <p:nvSpPr>
-          <p:cNvPr id="100" name="Rectangle 99">
-            <a:extLst>
-              <a:ext uri="{FF2B5EF4-FFF2-40B4-BE49-F238E27FC236}">
-                <a16:creationId xmlns:a16="http://schemas.microsoft.com/office/drawing/2014/main" id="{74B404CF-698E-194A-9017-28B2F4D197E0}"/>
-              </a:ext>
-            </a:extLst>
-          </p:cNvPr>
-          <p:cNvSpPr/>
-          <p:nvPr/>
-        </p:nvSpPr>
-        <p:spPr>
-          <a:xfrm>
-            <a:off x="5886124" y="2477800"/>
-            <a:ext cx="1215960" cy="1429548"/>
-          </a:xfrm>
-          <a:prstGeom prst="rect">
-            <a:avLst/>
-          </a:prstGeom>
-          <a:noFill/>
-          <a:ln w="12700">
-            <a:solidFill>
-              <a:schemeClr val="tx1"/>
-            </a:solidFill>
-            <a:prstDash val="dash"/>
-          </a:ln>
-        </p:spPr>
-        <p:style>
-          <a:lnRef idx="2">
-            <a:schemeClr val="accent1">
-              <a:shade val="50000"/>
-            </a:schemeClr>
-          </a:lnRef>
-          <a:fillRef idx="1">
-            <a:schemeClr val="accent1"/>
-          </a:fillRef>
-          <a:effectRef idx="0">
-            <a:schemeClr val="accent1"/>
-          </a:effectRef>
-          <a:fontRef idx="minor">
-            <a:schemeClr val="lt1"/>
-          </a:fontRef>
-        </p:style>
-        <p:txBody>
-          <a:bodyPr rot="0" spcFirstLastPara="0" vertOverflow="overflow" horzOverflow="overflow" vert="horz" wrap="square" lIns="91440" tIns="0" rIns="91440" bIns="45720" numCol="1" spcCol="0" rtlCol="0" fromWordArt="0" anchor="t" anchorCtr="0" forceAA="0" compatLnSpc="1">
-            <a:noAutofit/>
-          </a:bodyPr>
-          <a:lstStyle/>
-          <a:p>
-            <a:r>
-              <a:rPr lang="en-US" sz="1100" b="1" dirty="0">
-                <a:solidFill>
-                  <a:schemeClr val="tx1"/>
-                </a:solidFill>
-                <a:latin typeface="Arial" panose="020B0604020202020204" pitchFamily="34" charset="0"/>
-                <a:cs typeface="Arial" panose="020B0604020202020204" pitchFamily="34" charset="0"/>
-              </a:rPr>
-              <a:t>region-1</a:t>
-            </a:r>
-          </a:p>
-        </p:txBody>
-      </p:sp>
-      <p:sp>
-        <p:nvSpPr>
-          <p:cNvPr id="102" name="TextBox 101">
-            <a:extLst>
-              <a:ext uri="{FF2B5EF4-FFF2-40B4-BE49-F238E27FC236}">
-                <a16:creationId xmlns:a16="http://schemas.microsoft.com/office/drawing/2014/main" id="{CF458089-5F6F-C248-83D3-45A3715689B8}"/>
+          <p:cNvPr id="166" name="TextBox 2">
+            <a:extLst>
+              <a:ext uri="{FF2B5EF4-FFF2-40B4-BE49-F238E27FC236}">
+                <a16:creationId xmlns:a16="http://schemas.microsoft.com/office/drawing/2014/main" id="{7A13731A-47C5-476A-955C-8DC2DA5E0649}"/>
               </a:ext>
             </a:extLst>
           </p:cNvPr>
@@ -6325,730 +5009,8 @@
         </p:nvSpPr>
         <p:spPr>
           <a:xfrm>
-            <a:off x="6149926" y="3645738"/>
-            <a:ext cx="1047687" cy="261610"/>
-          </a:xfrm>
-          <a:prstGeom prst="rect">
-            <a:avLst/>
-          </a:prstGeom>
-          <a:noFill/>
-        </p:spPr>
-        <p:txBody>
-          <a:bodyPr wrap="square" rtlCol="0">
-            <a:spAutoFit/>
-          </a:bodyPr>
-          <a:lstStyle/>
-          <a:p>
-            <a:pPr algn="ctr"/>
-            <a:r>
-              <a:rPr lang="en-US" sz="1100" dirty="0">
-                <a:latin typeface="Arial" panose="020B0604020202020204" pitchFamily="34" charset="0"/>
-                <a:cs typeface="Arial" panose="020B0604020202020204" pitchFamily="34" charset="0"/>
-              </a:rPr>
-              <a:t>Guard Duty</a:t>
-            </a:r>
-          </a:p>
-        </p:txBody>
-      </p:sp>
-      <p:sp>
-        <p:nvSpPr>
-          <p:cNvPr id="103" name="Rectangle 102">
-            <a:extLst>
-              <a:ext uri="{FF2B5EF4-FFF2-40B4-BE49-F238E27FC236}">
-                <a16:creationId xmlns:a16="http://schemas.microsoft.com/office/drawing/2014/main" id="{3C6BCB6E-04DE-EA43-85A6-98FC7D7E6C9E}"/>
-              </a:ext>
-            </a:extLst>
-          </p:cNvPr>
-          <p:cNvSpPr/>
-          <p:nvPr/>
-        </p:nvSpPr>
-        <p:spPr>
-          <a:xfrm>
-            <a:off x="6027914" y="2700208"/>
-            <a:ext cx="1074169" cy="1207140"/>
-          </a:xfrm>
-          <a:prstGeom prst="rect">
-            <a:avLst/>
-          </a:prstGeom>
-          <a:noFill/>
-          <a:ln w="12700">
-            <a:solidFill>
-              <a:schemeClr val="tx1"/>
-            </a:solidFill>
-            <a:prstDash val="dash"/>
-          </a:ln>
-        </p:spPr>
-        <p:style>
-          <a:lnRef idx="2">
-            <a:schemeClr val="accent1">
-              <a:shade val="50000"/>
-            </a:schemeClr>
-          </a:lnRef>
-          <a:fillRef idx="1">
-            <a:schemeClr val="accent1"/>
-          </a:fillRef>
-          <a:effectRef idx="0">
-            <a:schemeClr val="accent1"/>
-          </a:effectRef>
-          <a:fontRef idx="minor">
-            <a:schemeClr val="lt1"/>
-          </a:fontRef>
-        </p:style>
-        <p:txBody>
-          <a:bodyPr rot="0" spcFirstLastPara="0" vertOverflow="overflow" horzOverflow="overflow" vert="horz" wrap="square" lIns="91440" tIns="0" rIns="91440" bIns="45720" numCol="1" spcCol="0" rtlCol="0" fromWordArt="0" anchor="t" anchorCtr="0" forceAA="0" compatLnSpc="1">
-            <a:noAutofit/>
-          </a:bodyPr>
-          <a:lstStyle/>
-          <a:p>
-            <a:r>
-              <a:rPr lang="en-US" sz="1100" b="1" dirty="0">
-                <a:solidFill>
-                  <a:schemeClr val="tx1"/>
-                </a:solidFill>
-                <a:latin typeface="Arial" panose="020B0604020202020204" pitchFamily="34" charset="0"/>
-                <a:cs typeface="Arial" panose="020B0604020202020204" pitchFamily="34" charset="0"/>
-              </a:rPr>
-              <a:t>region-2</a:t>
-            </a:r>
-          </a:p>
-        </p:txBody>
-      </p:sp>
-      <p:sp>
-        <p:nvSpPr>
-          <p:cNvPr id="104" name="Rectangle 103">
-            <a:extLst>
-              <a:ext uri="{FF2B5EF4-FFF2-40B4-BE49-F238E27FC236}">
-                <a16:creationId xmlns:a16="http://schemas.microsoft.com/office/drawing/2014/main" id="{57D395E8-1DAF-FC40-9662-62153657B248}"/>
-              </a:ext>
-            </a:extLst>
-          </p:cNvPr>
-          <p:cNvSpPr/>
-          <p:nvPr/>
-        </p:nvSpPr>
-        <p:spPr>
-          <a:xfrm>
-            <a:off x="6145759" y="2933432"/>
-            <a:ext cx="956324" cy="973916"/>
-          </a:xfrm>
-          <a:prstGeom prst="rect">
-            <a:avLst/>
-          </a:prstGeom>
-          <a:noFill/>
-          <a:ln w="12700">
-            <a:solidFill>
-              <a:schemeClr val="tx1"/>
-            </a:solidFill>
-            <a:prstDash val="dash"/>
-          </a:ln>
-        </p:spPr>
-        <p:style>
-          <a:lnRef idx="2">
-            <a:schemeClr val="accent1">
-              <a:shade val="50000"/>
-            </a:schemeClr>
-          </a:lnRef>
-          <a:fillRef idx="1">
-            <a:schemeClr val="accent1"/>
-          </a:fillRef>
-          <a:effectRef idx="0">
-            <a:schemeClr val="accent1"/>
-          </a:effectRef>
-          <a:fontRef idx="minor">
-            <a:schemeClr val="lt1"/>
-          </a:fontRef>
-        </p:style>
-        <p:txBody>
-          <a:bodyPr rot="0" spcFirstLastPara="0" vertOverflow="overflow" horzOverflow="overflow" vert="horz" wrap="square" lIns="91440" tIns="0" rIns="91440" bIns="45720" numCol="1" spcCol="0" rtlCol="0" fromWordArt="0" anchor="t" anchorCtr="0" forceAA="0" compatLnSpc="1">
-            <a:noAutofit/>
-          </a:bodyPr>
-          <a:lstStyle/>
-          <a:p>
-            <a:r>
-              <a:rPr lang="en-US" sz="1100" b="1" dirty="0">
-                <a:solidFill>
-                  <a:schemeClr val="tx1"/>
-                </a:solidFill>
-                <a:latin typeface="Arial" panose="020B0604020202020204" pitchFamily="34" charset="0"/>
-                <a:cs typeface="Arial" panose="020B0604020202020204" pitchFamily="34" charset="0"/>
-              </a:rPr>
-              <a:t>region-n</a:t>
-            </a:r>
-          </a:p>
-        </p:txBody>
-      </p:sp>
-      <p:cxnSp>
-        <p:nvCxnSpPr>
-          <p:cNvPr id="106" name="Straight Arrow Connector 105">
-            <a:extLst>
-              <a:ext uri="{FF2B5EF4-FFF2-40B4-BE49-F238E27FC236}">
-                <a16:creationId xmlns:a16="http://schemas.microsoft.com/office/drawing/2014/main" id="{C501B0D4-3B6B-D244-A4D8-6F3F06AE28D1}"/>
-              </a:ext>
-            </a:extLst>
-          </p:cNvPr>
-          <p:cNvCxnSpPr>
-            <a:cxnSpLocks/>
-          </p:cNvCxnSpPr>
-          <p:nvPr/>
-        </p:nvCxnSpPr>
-        <p:spPr>
-          <a:xfrm>
-            <a:off x="4810361" y="3422192"/>
-            <a:ext cx="955130" cy="0"/>
-          </a:xfrm>
-          <a:prstGeom prst="straightConnector1">
-            <a:avLst/>
-          </a:prstGeom>
-          <a:ln>
-            <a:tailEnd type="triangle"/>
-          </a:ln>
-        </p:spPr>
-        <p:style>
-          <a:lnRef idx="1">
-            <a:schemeClr val="dk1"/>
-          </a:lnRef>
-          <a:fillRef idx="0">
-            <a:schemeClr val="dk1"/>
-          </a:fillRef>
-          <a:effectRef idx="0">
-            <a:schemeClr val="dk1"/>
-          </a:effectRef>
-          <a:fontRef idx="minor">
-            <a:schemeClr val="tx1"/>
-          </a:fontRef>
-        </p:style>
-      </p:cxnSp>
-      <p:sp>
-        <p:nvSpPr>
-          <p:cNvPr id="107" name="Rectangle 106">
-            <a:extLst>
-              <a:ext uri="{FF2B5EF4-FFF2-40B4-BE49-F238E27FC236}">
-                <a16:creationId xmlns:a16="http://schemas.microsoft.com/office/drawing/2014/main" id="{8B5D06E3-B4BD-F44E-BC70-DB05E3B0FD51}"/>
-              </a:ext>
-            </a:extLst>
-          </p:cNvPr>
-          <p:cNvSpPr/>
-          <p:nvPr/>
-        </p:nvSpPr>
-        <p:spPr>
-          <a:xfrm>
-            <a:off x="7940306" y="4665620"/>
-            <a:ext cx="1313004" cy="1464814"/>
-          </a:xfrm>
-          <a:prstGeom prst="rect">
-            <a:avLst/>
-          </a:prstGeom>
-          <a:noFill/>
-          <a:ln w="12700">
-            <a:solidFill>
-              <a:schemeClr val="tx1"/>
-            </a:solidFill>
-            <a:prstDash val="dash"/>
-          </a:ln>
-        </p:spPr>
-        <p:style>
-          <a:lnRef idx="2">
-            <a:schemeClr val="accent1">
-              <a:shade val="50000"/>
-            </a:schemeClr>
-          </a:lnRef>
-          <a:fillRef idx="1">
-            <a:schemeClr val="accent1"/>
-          </a:fillRef>
-          <a:effectRef idx="0">
-            <a:schemeClr val="accent1"/>
-          </a:effectRef>
-          <a:fontRef idx="minor">
-            <a:schemeClr val="lt1"/>
-          </a:fontRef>
-        </p:style>
-        <p:txBody>
-          <a:bodyPr rot="0" spcFirstLastPara="0" vertOverflow="overflow" horzOverflow="overflow" vert="horz" wrap="square" lIns="91440" tIns="0" rIns="91440" bIns="45720" numCol="1" spcCol="0" rtlCol="0" fromWordArt="0" anchor="t" anchorCtr="0" forceAA="0" compatLnSpc="1">
-            <a:noAutofit/>
-          </a:bodyPr>
-          <a:lstStyle/>
-          <a:p>
-            <a:r>
-              <a:rPr lang="en-US" sz="1100" b="1" dirty="0">
-                <a:solidFill>
-                  <a:schemeClr val="tx1"/>
-                </a:solidFill>
-                <a:latin typeface="Arial" panose="020B0604020202020204" pitchFamily="34" charset="0"/>
-                <a:cs typeface="Arial" panose="020B0604020202020204" pitchFamily="34" charset="0"/>
-              </a:rPr>
-              <a:t>region-1</a:t>
-            </a:r>
-          </a:p>
-        </p:txBody>
-      </p:sp>
-      <p:sp>
-        <p:nvSpPr>
-          <p:cNvPr id="109" name="TextBox 108">
-            <a:extLst>
-              <a:ext uri="{FF2B5EF4-FFF2-40B4-BE49-F238E27FC236}">
-                <a16:creationId xmlns:a16="http://schemas.microsoft.com/office/drawing/2014/main" id="{F1DD5F5D-4F42-D041-9995-85F5B8350DFA}"/>
-              </a:ext>
-            </a:extLst>
-          </p:cNvPr>
-          <p:cNvSpPr txBox="1"/>
-          <p:nvPr/>
-        </p:nvSpPr>
-        <p:spPr>
-          <a:xfrm>
-            <a:off x="8212608" y="5868824"/>
-            <a:ext cx="1047687" cy="261610"/>
-          </a:xfrm>
-          <a:prstGeom prst="rect">
-            <a:avLst/>
-          </a:prstGeom>
-          <a:noFill/>
-        </p:spPr>
-        <p:txBody>
-          <a:bodyPr wrap="square" rtlCol="0">
-            <a:spAutoFit/>
-          </a:bodyPr>
-          <a:lstStyle/>
-          <a:p>
-            <a:pPr algn="ctr"/>
-            <a:r>
-              <a:rPr lang="en-US" sz="1100" dirty="0">
-                <a:latin typeface="Arial" panose="020B0604020202020204" pitchFamily="34" charset="0"/>
-                <a:cs typeface="Arial" panose="020B0604020202020204" pitchFamily="34" charset="0"/>
-              </a:rPr>
-              <a:t>Guard Duty</a:t>
-            </a:r>
-          </a:p>
-        </p:txBody>
-      </p:sp>
-      <p:sp>
-        <p:nvSpPr>
-          <p:cNvPr id="110" name="Rectangle 109">
-            <a:extLst>
-              <a:ext uri="{FF2B5EF4-FFF2-40B4-BE49-F238E27FC236}">
-                <a16:creationId xmlns:a16="http://schemas.microsoft.com/office/drawing/2014/main" id="{3E9A879E-8558-1244-9C8B-35E8EC5D1144}"/>
-              </a:ext>
-            </a:extLst>
-          </p:cNvPr>
-          <p:cNvSpPr/>
-          <p:nvPr/>
-        </p:nvSpPr>
-        <p:spPr>
-          <a:xfrm>
-            <a:off x="8066662" y="4888028"/>
-            <a:ext cx="1186648" cy="1242406"/>
-          </a:xfrm>
-          <a:prstGeom prst="rect">
-            <a:avLst/>
-          </a:prstGeom>
-          <a:noFill/>
-          <a:ln w="12700">
-            <a:solidFill>
-              <a:schemeClr val="tx1"/>
-            </a:solidFill>
-            <a:prstDash val="dash"/>
-          </a:ln>
-        </p:spPr>
-        <p:style>
-          <a:lnRef idx="2">
-            <a:schemeClr val="accent1">
-              <a:shade val="50000"/>
-            </a:schemeClr>
-          </a:lnRef>
-          <a:fillRef idx="1">
-            <a:schemeClr val="accent1"/>
-          </a:fillRef>
-          <a:effectRef idx="0">
-            <a:schemeClr val="accent1"/>
-          </a:effectRef>
-          <a:fontRef idx="minor">
-            <a:schemeClr val="lt1"/>
-          </a:fontRef>
-        </p:style>
-        <p:txBody>
-          <a:bodyPr rot="0" spcFirstLastPara="0" vertOverflow="overflow" horzOverflow="overflow" vert="horz" wrap="square" lIns="91440" tIns="0" rIns="91440" bIns="45720" numCol="1" spcCol="0" rtlCol="0" fromWordArt="0" anchor="t" anchorCtr="0" forceAA="0" compatLnSpc="1">
-            <a:noAutofit/>
-          </a:bodyPr>
-          <a:lstStyle/>
-          <a:p>
-            <a:r>
-              <a:rPr lang="en-US" sz="1100" b="1" dirty="0">
-                <a:solidFill>
-                  <a:schemeClr val="tx1"/>
-                </a:solidFill>
-                <a:latin typeface="Arial" panose="020B0604020202020204" pitchFamily="34" charset="0"/>
-                <a:cs typeface="Arial" panose="020B0604020202020204" pitchFamily="34" charset="0"/>
-              </a:rPr>
-              <a:t>region-2</a:t>
-            </a:r>
-          </a:p>
-        </p:txBody>
-      </p:sp>
-      <p:sp>
-        <p:nvSpPr>
-          <p:cNvPr id="111" name="Rectangle 110">
-            <a:extLst>
-              <a:ext uri="{FF2B5EF4-FFF2-40B4-BE49-F238E27FC236}">
-                <a16:creationId xmlns:a16="http://schemas.microsoft.com/office/drawing/2014/main" id="{4ADB06CC-DF99-324D-8268-6BA51CBBD71A}"/>
-              </a:ext>
-            </a:extLst>
-          </p:cNvPr>
-          <p:cNvSpPr/>
-          <p:nvPr/>
-        </p:nvSpPr>
-        <p:spPr>
-          <a:xfrm>
-            <a:off x="8168146" y="5121252"/>
-            <a:ext cx="1085163" cy="1009182"/>
-          </a:xfrm>
-          <a:prstGeom prst="rect">
-            <a:avLst/>
-          </a:prstGeom>
-          <a:noFill/>
-          <a:ln w="12700">
-            <a:solidFill>
-              <a:schemeClr val="tx1"/>
-            </a:solidFill>
-            <a:prstDash val="dash"/>
-          </a:ln>
-        </p:spPr>
-        <p:style>
-          <a:lnRef idx="2">
-            <a:schemeClr val="accent1">
-              <a:shade val="50000"/>
-            </a:schemeClr>
-          </a:lnRef>
-          <a:fillRef idx="1">
-            <a:schemeClr val="accent1"/>
-          </a:fillRef>
-          <a:effectRef idx="0">
-            <a:schemeClr val="accent1"/>
-          </a:effectRef>
-          <a:fontRef idx="minor">
-            <a:schemeClr val="lt1"/>
-          </a:fontRef>
-        </p:style>
-        <p:txBody>
-          <a:bodyPr rot="0" spcFirstLastPara="0" vertOverflow="overflow" horzOverflow="overflow" vert="horz" wrap="square" lIns="91440" tIns="0" rIns="91440" bIns="45720" numCol="1" spcCol="0" rtlCol="0" fromWordArt="0" anchor="t" anchorCtr="0" forceAA="0" compatLnSpc="1">
-            <a:noAutofit/>
-          </a:bodyPr>
-          <a:lstStyle/>
-          <a:p>
-            <a:r>
-              <a:rPr lang="en-US" sz="1100" b="1" dirty="0">
-                <a:solidFill>
-                  <a:schemeClr val="tx1"/>
-                </a:solidFill>
-                <a:latin typeface="Arial" panose="020B0604020202020204" pitchFamily="34" charset="0"/>
-                <a:cs typeface="Arial" panose="020B0604020202020204" pitchFamily="34" charset="0"/>
-              </a:rPr>
-              <a:t>region-n</a:t>
-            </a:r>
-          </a:p>
-        </p:txBody>
-      </p:sp>
-      <p:sp>
-        <p:nvSpPr>
-          <p:cNvPr id="113" name="Rectangle 112">
-            <a:extLst>
-              <a:ext uri="{FF2B5EF4-FFF2-40B4-BE49-F238E27FC236}">
-                <a16:creationId xmlns:a16="http://schemas.microsoft.com/office/drawing/2014/main" id="{00442F6C-4734-374A-95E8-D3EF639CFC1A}"/>
-              </a:ext>
-            </a:extLst>
-          </p:cNvPr>
-          <p:cNvSpPr/>
-          <p:nvPr/>
-        </p:nvSpPr>
-        <p:spPr>
-          <a:xfrm>
-            <a:off x="5814135" y="4880916"/>
-            <a:ext cx="1273618" cy="1464814"/>
-          </a:xfrm>
-          <a:prstGeom prst="rect">
-            <a:avLst/>
-          </a:prstGeom>
-          <a:noFill/>
-          <a:ln w="12700">
-            <a:solidFill>
-              <a:schemeClr val="tx1"/>
-            </a:solidFill>
-            <a:prstDash val="dash"/>
-          </a:ln>
-        </p:spPr>
-        <p:style>
-          <a:lnRef idx="2">
-            <a:schemeClr val="accent1">
-              <a:shade val="50000"/>
-            </a:schemeClr>
-          </a:lnRef>
-          <a:fillRef idx="1">
-            <a:schemeClr val="accent1"/>
-          </a:fillRef>
-          <a:effectRef idx="0">
-            <a:schemeClr val="accent1"/>
-          </a:effectRef>
-          <a:fontRef idx="minor">
-            <a:schemeClr val="lt1"/>
-          </a:fontRef>
-        </p:style>
-        <p:txBody>
-          <a:bodyPr rot="0" spcFirstLastPara="0" vertOverflow="overflow" horzOverflow="overflow" vert="horz" wrap="square" lIns="91440" tIns="0" rIns="91440" bIns="45720" numCol="1" spcCol="0" rtlCol="0" fromWordArt="0" anchor="t" anchorCtr="0" forceAA="0" compatLnSpc="1">
-            <a:noAutofit/>
-          </a:bodyPr>
-          <a:lstStyle/>
-          <a:p>
-            <a:r>
-              <a:rPr lang="en-US" sz="1100" b="1" dirty="0">
-                <a:solidFill>
-                  <a:schemeClr val="tx1"/>
-                </a:solidFill>
-                <a:latin typeface="Arial" panose="020B0604020202020204" pitchFamily="34" charset="0"/>
-                <a:cs typeface="Arial" panose="020B0604020202020204" pitchFamily="34" charset="0"/>
-              </a:rPr>
-              <a:t>region-1</a:t>
-            </a:r>
-          </a:p>
-        </p:txBody>
-      </p:sp>
-      <p:sp>
-        <p:nvSpPr>
-          <p:cNvPr id="115" name="TextBox 114">
-            <a:extLst>
-              <a:ext uri="{FF2B5EF4-FFF2-40B4-BE49-F238E27FC236}">
-                <a16:creationId xmlns:a16="http://schemas.microsoft.com/office/drawing/2014/main" id="{F7196163-1C2B-7A49-9290-F8C41A87E691}"/>
-              </a:ext>
-            </a:extLst>
-          </p:cNvPr>
-          <p:cNvSpPr txBox="1"/>
-          <p:nvPr/>
-        </p:nvSpPr>
-        <p:spPr>
-          <a:xfrm>
-            <a:off x="6043062" y="6072024"/>
-            <a:ext cx="1047687" cy="261610"/>
-          </a:xfrm>
-          <a:prstGeom prst="rect">
-            <a:avLst/>
-          </a:prstGeom>
-          <a:noFill/>
-        </p:spPr>
-        <p:txBody>
-          <a:bodyPr wrap="square" rtlCol="0">
-            <a:spAutoFit/>
-          </a:bodyPr>
-          <a:lstStyle/>
-          <a:p>
-            <a:pPr algn="ctr"/>
-            <a:r>
-              <a:rPr lang="en-US" sz="1100" dirty="0">
-                <a:latin typeface="Arial" panose="020B0604020202020204" pitchFamily="34" charset="0"/>
-                <a:cs typeface="Arial" panose="020B0604020202020204" pitchFamily="34" charset="0"/>
-              </a:rPr>
-              <a:t>Guard Duty</a:t>
-            </a:r>
-          </a:p>
-        </p:txBody>
-      </p:sp>
-      <p:sp>
-        <p:nvSpPr>
-          <p:cNvPr id="116" name="Rectangle 115">
-            <a:extLst>
-              <a:ext uri="{FF2B5EF4-FFF2-40B4-BE49-F238E27FC236}">
-                <a16:creationId xmlns:a16="http://schemas.microsoft.com/office/drawing/2014/main" id="{435C9B0D-152E-CC4F-A330-37ED2DEEA4B8}"/>
-              </a:ext>
-            </a:extLst>
-          </p:cNvPr>
-          <p:cNvSpPr/>
-          <p:nvPr/>
-        </p:nvSpPr>
-        <p:spPr>
-          <a:xfrm>
-            <a:off x="5931941" y="5103324"/>
-            <a:ext cx="1155811" cy="1242406"/>
-          </a:xfrm>
-          <a:prstGeom prst="rect">
-            <a:avLst/>
-          </a:prstGeom>
-          <a:noFill/>
-          <a:ln w="12700">
-            <a:solidFill>
-              <a:schemeClr val="tx1"/>
-            </a:solidFill>
-            <a:prstDash val="dash"/>
-          </a:ln>
-        </p:spPr>
-        <p:style>
-          <a:lnRef idx="2">
-            <a:schemeClr val="accent1">
-              <a:shade val="50000"/>
-            </a:schemeClr>
-          </a:lnRef>
-          <a:fillRef idx="1">
-            <a:schemeClr val="accent1"/>
-          </a:fillRef>
-          <a:effectRef idx="0">
-            <a:schemeClr val="accent1"/>
-          </a:effectRef>
-          <a:fontRef idx="minor">
-            <a:schemeClr val="lt1"/>
-          </a:fontRef>
-        </p:style>
-        <p:txBody>
-          <a:bodyPr rot="0" spcFirstLastPara="0" vertOverflow="overflow" horzOverflow="overflow" vert="horz" wrap="square" lIns="91440" tIns="0" rIns="91440" bIns="45720" numCol="1" spcCol="0" rtlCol="0" fromWordArt="0" anchor="t" anchorCtr="0" forceAA="0" compatLnSpc="1">
-            <a:noAutofit/>
-          </a:bodyPr>
-          <a:lstStyle/>
-          <a:p>
-            <a:r>
-              <a:rPr lang="en-US" sz="1100" b="1" dirty="0">
-                <a:solidFill>
-                  <a:schemeClr val="tx1"/>
-                </a:solidFill>
-                <a:latin typeface="Arial" panose="020B0604020202020204" pitchFamily="34" charset="0"/>
-                <a:cs typeface="Arial" panose="020B0604020202020204" pitchFamily="34" charset="0"/>
-              </a:rPr>
-              <a:t>region-2</a:t>
-            </a:r>
-          </a:p>
-        </p:txBody>
-      </p:sp>
-      <p:sp>
-        <p:nvSpPr>
-          <p:cNvPr id="117" name="Rectangle 116">
-            <a:extLst>
-              <a:ext uri="{FF2B5EF4-FFF2-40B4-BE49-F238E27FC236}">
-                <a16:creationId xmlns:a16="http://schemas.microsoft.com/office/drawing/2014/main" id="{AA52183D-126B-A14A-A2FA-1D8EB805B026}"/>
-              </a:ext>
-            </a:extLst>
-          </p:cNvPr>
-          <p:cNvSpPr/>
-          <p:nvPr/>
-        </p:nvSpPr>
-        <p:spPr>
-          <a:xfrm>
-            <a:off x="6040065" y="5336548"/>
-            <a:ext cx="1047687" cy="1009182"/>
-          </a:xfrm>
-          <a:prstGeom prst="rect">
-            <a:avLst/>
-          </a:prstGeom>
-          <a:noFill/>
-          <a:ln w="12700">
-            <a:solidFill>
-              <a:schemeClr val="tx1"/>
-            </a:solidFill>
-            <a:prstDash val="dash"/>
-          </a:ln>
-        </p:spPr>
-        <p:style>
-          <a:lnRef idx="2">
-            <a:schemeClr val="accent1">
-              <a:shade val="50000"/>
-            </a:schemeClr>
-          </a:lnRef>
-          <a:fillRef idx="1">
-            <a:schemeClr val="accent1"/>
-          </a:fillRef>
-          <a:effectRef idx="0">
-            <a:schemeClr val="accent1"/>
-          </a:effectRef>
-          <a:fontRef idx="minor">
-            <a:schemeClr val="lt1"/>
-          </a:fontRef>
-        </p:style>
-        <p:txBody>
-          <a:bodyPr rot="0" spcFirstLastPara="0" vertOverflow="overflow" horzOverflow="overflow" vert="horz" wrap="square" lIns="91440" tIns="0" rIns="91440" bIns="45720" numCol="1" spcCol="0" rtlCol="0" fromWordArt="0" anchor="t" anchorCtr="0" forceAA="0" compatLnSpc="1">
-            <a:noAutofit/>
-          </a:bodyPr>
-          <a:lstStyle/>
-          <a:p>
-            <a:r>
-              <a:rPr lang="en-US" sz="1100" b="1" dirty="0">
-                <a:solidFill>
-                  <a:schemeClr val="tx1"/>
-                </a:solidFill>
-                <a:latin typeface="Arial" panose="020B0604020202020204" pitchFamily="34" charset="0"/>
-                <a:cs typeface="Arial" panose="020B0604020202020204" pitchFamily="34" charset="0"/>
-              </a:rPr>
-              <a:t>region-n</a:t>
-            </a:r>
-          </a:p>
-        </p:txBody>
-      </p:sp>
-      <p:pic>
-        <p:nvPicPr>
-          <p:cNvPr id="121" name="Graphic 17">
-            <a:extLst>
-              <a:ext uri="{FF2B5EF4-FFF2-40B4-BE49-F238E27FC236}">
-                <a16:creationId xmlns:a16="http://schemas.microsoft.com/office/drawing/2014/main" id="{2C0E9278-40CB-B54A-B2B5-218F5519F181}"/>
-              </a:ext>
-            </a:extLst>
-          </p:cNvPr>
-          <p:cNvPicPr>
-            <a:picLocks noChangeAspect="1" noChangeArrowheads="1"/>
-          </p:cNvPicPr>
-          <p:nvPr/>
-        </p:nvPicPr>
-        <p:blipFill>
-          <a:blip r:embed="rId10">
-            <a:extLst>
-              <a:ext uri="{28A0092B-C50C-407E-A947-70E740481C1C}">
-                <a14:useLocalDpi xmlns:a14="http://schemas.microsoft.com/office/drawing/2010/main" val="0"/>
-              </a:ext>
-            </a:extLst>
-          </a:blip>
-          <a:srcRect/>
-          <a:stretch>
-            <a:fillRect/>
-          </a:stretch>
-        </p:blipFill>
-        <p:spPr bwMode="auto">
-          <a:xfrm>
-            <a:off x="3131174" y="3161862"/>
-            <a:ext cx="457200" cy="457200"/>
-          </a:xfrm>
-          <a:prstGeom prst="rect">
-            <a:avLst/>
-          </a:prstGeom>
-          <a:noFill/>
-          <a:ln>
-            <a:noFill/>
-          </a:ln>
-          <a:extLst>
-            <a:ext uri="{909E8E84-426E-40DD-AFC4-6F175D3DCCD1}">
-              <a14:hiddenFill xmlns:a14="http://schemas.microsoft.com/office/drawing/2010/main">
-                <a:solidFill>
-                  <a:srgbClr val="FFFFFF"/>
-                </a:solidFill>
-              </a14:hiddenFill>
-            </a:ext>
-            <a:ext uri="{91240B29-F687-4F45-9708-019B960494DF}">
-              <a14:hiddenLine xmlns:a14="http://schemas.microsoft.com/office/drawing/2010/main" w="9525">
-                <a:solidFill>
-                  <a:srgbClr val="000000"/>
-                </a:solidFill>
-                <a:miter lim="800000"/>
-                <a:headEnd/>
-                <a:tailEnd/>
-              </a14:hiddenLine>
-            </a:ext>
-          </a:extLst>
-        </p:spPr>
-      </p:pic>
-      <p:sp>
-        <p:nvSpPr>
-          <p:cNvPr id="122" name="TextBox 2">
-            <a:extLst>
-              <a:ext uri="{FF2B5EF4-FFF2-40B4-BE49-F238E27FC236}">
-                <a16:creationId xmlns:a16="http://schemas.microsoft.com/office/drawing/2014/main" id="{A2FA43C3-DEAF-414D-A120-A2A41323A7F0}"/>
-              </a:ext>
-            </a:extLst>
-          </p:cNvPr>
-          <p:cNvSpPr txBox="1"/>
-          <p:nvPr/>
-        </p:nvSpPr>
-        <p:spPr>
-          <a:xfrm>
-            <a:off x="2738134" y="3554955"/>
-            <a:ext cx="1273984" cy="430887"/>
+            <a:off x="4458002" y="1529094"/>
+            <a:ext cx="932275" cy="261610"/>
           </a:xfrm>
           <a:prstGeom prst="rect">
             <a:avLst/>
@@ -7143,58 +5105,17 @@
                 <a:latin typeface="Arial" panose="020B0604020202020204" pitchFamily="34" charset="0"/>
                 <a:cs typeface="Arial" panose="020B0604020202020204" pitchFamily="34" charset="0"/>
               </a:rPr>
-              <a:t>Configuration Topic</a:t>
-            </a:r>
-          </a:p>
-        </p:txBody>
-      </p:sp>
-      <p:cxnSp>
-        <p:nvCxnSpPr>
-          <p:cNvPr id="123" name="Straight Arrow Connector 122">
-            <a:extLst>
-              <a:ext uri="{FF2B5EF4-FFF2-40B4-BE49-F238E27FC236}">
-                <a16:creationId xmlns:a16="http://schemas.microsoft.com/office/drawing/2014/main" id="{38C4E4BB-FAE0-4D4E-AD60-634A38C51669}"/>
-              </a:ext>
-            </a:extLst>
-          </p:cNvPr>
-          <p:cNvCxnSpPr>
-            <a:cxnSpLocks/>
-          </p:cNvCxnSpPr>
-          <p:nvPr/>
-        </p:nvCxnSpPr>
-        <p:spPr>
-          <a:xfrm flipV="1">
-            <a:off x="4501013" y="2429658"/>
-            <a:ext cx="0" cy="685256"/>
-          </a:xfrm>
-          <a:prstGeom prst="straightConnector1">
-            <a:avLst/>
-          </a:prstGeom>
-          <a:ln>
-            <a:tailEnd type="triangle"/>
-          </a:ln>
-        </p:spPr>
-        <p:style>
-          <a:lnRef idx="1">
-            <a:schemeClr val="dk1"/>
-          </a:lnRef>
-          <a:fillRef idx="0">
-            <a:schemeClr val="dk1"/>
-          </a:fillRef>
-          <a:effectRef idx="0">
-            <a:schemeClr val="dk1"/>
-          </a:effectRef>
-          <a:fontRef idx="minor">
-            <a:schemeClr val="tx1"/>
-          </a:fontRef>
-        </p:style>
-      </p:cxnSp>
+              <a:t>Alarm Topic</a:t>
+            </a:r>
+          </a:p>
+        </p:txBody>
+      </p:sp>
       <p:pic>
         <p:nvPicPr>
-          <p:cNvPr id="124" name="Graphic 17">
-            <a:extLst>
-              <a:ext uri="{FF2B5EF4-FFF2-40B4-BE49-F238E27FC236}">
-                <a16:creationId xmlns:a16="http://schemas.microsoft.com/office/drawing/2014/main" id="{4702A234-0F42-0D46-B44B-8C5C239AFAA4}"/>
+          <p:cNvPr id="167" name="Graphic 29">
+            <a:extLst>
+              <a:ext uri="{FF2B5EF4-FFF2-40B4-BE49-F238E27FC236}">
+                <a16:creationId xmlns:a16="http://schemas.microsoft.com/office/drawing/2014/main" id="{A964B389-DF95-490C-ABEE-039A026F09C2}"/>
               </a:ext>
             </a:extLst>
           </p:cNvPr>
@@ -7204,7 +5125,7 @@
           <p:nvPr/>
         </p:nvPicPr>
         <p:blipFill>
-          <a:blip r:embed="rId10">
+          <a:blip r:embed="rId11">
             <a:extLst>
               <a:ext uri="{28A0092B-C50C-407E-A947-70E740481C1C}">
                 <a14:useLocalDpi xmlns:a14="http://schemas.microsoft.com/office/drawing/2010/main" val="0"/>
@@ -7218,7 +5139,7 @@
         </p:blipFill>
         <p:spPr bwMode="auto">
           <a:xfrm>
-            <a:off x="5234358" y="1719148"/>
+            <a:off x="3544779" y="1121896"/>
             <a:ext cx="457200" cy="457200"/>
           </a:xfrm>
           <a:prstGeom prst="rect">
@@ -7251,10 +5172,10 @@
       </p:pic>
       <p:sp>
         <p:nvSpPr>
-          <p:cNvPr id="130" name="TextBox 2">
-            <a:extLst>
-              <a:ext uri="{FF2B5EF4-FFF2-40B4-BE49-F238E27FC236}">
-                <a16:creationId xmlns:a16="http://schemas.microsoft.com/office/drawing/2014/main" id="{EEB53F09-E03D-1847-8AA0-656A8F11EC4B}"/>
+          <p:cNvPr id="168" name="TextBox 2">
+            <a:extLst>
+              <a:ext uri="{FF2B5EF4-FFF2-40B4-BE49-F238E27FC236}">
+                <a16:creationId xmlns:a16="http://schemas.microsoft.com/office/drawing/2014/main" id="{5C50D3CA-26BC-4467-A544-D63E0C024FD0}"/>
               </a:ext>
             </a:extLst>
           </p:cNvPr>
@@ -7263,8 +5184,8 @@
         </p:nvSpPr>
         <p:spPr>
           <a:xfrm>
-            <a:off x="4999833" y="2106548"/>
-            <a:ext cx="932275" cy="261610"/>
+            <a:off x="3505909" y="1462342"/>
+            <a:ext cx="475182" cy="261610"/>
           </a:xfrm>
           <a:prstGeom prst="rect">
             <a:avLst/>
@@ -7359,17 +5280,17 @@
                 <a:latin typeface="Arial" panose="020B0604020202020204" pitchFamily="34" charset="0"/>
                 <a:cs typeface="Arial" panose="020B0604020202020204" pitchFamily="34" charset="0"/>
               </a:rPr>
-              <a:t>Alarm Topic</a:t>
+              <a:t>DLQ</a:t>
             </a:r>
           </a:p>
         </p:txBody>
       </p:sp>
       <p:cxnSp>
         <p:nvCxnSpPr>
-          <p:cNvPr id="14" name="Straight Arrow Connector 13">
-            <a:extLst>
-              <a:ext uri="{FF2B5EF4-FFF2-40B4-BE49-F238E27FC236}">
-                <a16:creationId xmlns:a16="http://schemas.microsoft.com/office/drawing/2014/main" id="{9F8BD97F-226F-0F4F-B5C1-967E6AA6BEF4}"/>
+          <p:cNvPr id="169" name="Straight Arrow Connector 168">
+            <a:extLst>
+              <a:ext uri="{FF2B5EF4-FFF2-40B4-BE49-F238E27FC236}">
+                <a16:creationId xmlns:a16="http://schemas.microsoft.com/office/drawing/2014/main" id="{A1AB6DA0-EA5A-488D-AE59-BD43FB2DB975}"/>
               </a:ext>
             </a:extLst>
           </p:cNvPr>
@@ -7380,14 +5301,13 @@
         </p:nvCxnSpPr>
         <p:spPr>
           <a:xfrm flipV="1">
-            <a:off x="3651606" y="3425933"/>
-            <a:ext cx="479614" cy="1"/>
+            <a:off x="4097176" y="1377755"/>
+            <a:ext cx="540017" cy="4781"/>
           </a:xfrm>
           <a:prstGeom prst="straightConnector1">
             <a:avLst/>
           </a:prstGeom>
           <a:ln>
-            <a:headEnd type="triangle"/>
             <a:tailEnd type="triangle"/>
           </a:ln>
         </p:spPr>
@@ -7406,12 +5326,192 @@
           </a:fontRef>
         </p:style>
       </p:cxnSp>
+      <p:sp>
+        <p:nvSpPr>
+          <p:cNvPr id="170" name="Oval 169">
+            <a:extLst>
+              <a:ext uri="{FF2B5EF4-FFF2-40B4-BE49-F238E27FC236}">
+                <a16:creationId xmlns:a16="http://schemas.microsoft.com/office/drawing/2014/main" id="{97797EDC-C96B-4205-9EA5-4896D4E19CC8}"/>
+              </a:ext>
+            </a:extLst>
+          </p:cNvPr>
+          <p:cNvSpPr/>
+          <p:nvPr/>
+        </p:nvSpPr>
+        <p:spPr>
+          <a:xfrm>
+            <a:off x="2375496" y="1324395"/>
+            <a:ext cx="253435" cy="212902"/>
+          </a:xfrm>
+          <a:prstGeom prst="ellipse">
+            <a:avLst/>
+          </a:prstGeom>
+          <a:solidFill>
+            <a:schemeClr val="tx1"/>
+          </a:solidFill>
+          <a:ln>
+            <a:solidFill>
+              <a:schemeClr val="tx1"/>
+            </a:solidFill>
+          </a:ln>
+        </p:spPr>
+        <p:style>
+          <a:lnRef idx="2">
+            <a:schemeClr val="accent1">
+              <a:shade val="50000"/>
+            </a:schemeClr>
+          </a:lnRef>
+          <a:fillRef idx="1">
+            <a:schemeClr val="accent1"/>
+          </a:fillRef>
+          <a:effectRef idx="0">
+            <a:schemeClr val="accent1"/>
+          </a:effectRef>
+          <a:fontRef idx="minor">
+            <a:schemeClr val="lt1"/>
+          </a:fontRef>
+        </p:style>
+        <p:txBody>
+          <a:bodyPr lIns="0" tIns="0" rIns="0" bIns="0" rtlCol="0" anchor="ctr"/>
+          <a:lstStyle/>
+          <a:p>
+            <a:pPr algn="ctr"/>
+            <a:r>
+              <a:rPr lang="en-US" sz="800" dirty="0">
+                <a:latin typeface="Arial" panose="020B0604020202020204" pitchFamily="34" charset="0"/>
+                <a:cs typeface="Arial" panose="020B0604020202020204" pitchFamily="34" charset="0"/>
+              </a:rPr>
+              <a:t>1.5</a:t>
+            </a:r>
+          </a:p>
+        </p:txBody>
+      </p:sp>
+      <p:sp>
+        <p:nvSpPr>
+          <p:cNvPr id="171" name="Oval 170">
+            <a:extLst>
+              <a:ext uri="{FF2B5EF4-FFF2-40B4-BE49-F238E27FC236}">
+                <a16:creationId xmlns:a16="http://schemas.microsoft.com/office/drawing/2014/main" id="{6CAE65A8-CCB2-4C12-9AFA-3E2BDB737702}"/>
+              </a:ext>
+            </a:extLst>
+          </p:cNvPr>
+          <p:cNvSpPr/>
+          <p:nvPr/>
+        </p:nvSpPr>
+        <p:spPr>
+          <a:xfrm>
+            <a:off x="3427716" y="1056363"/>
+            <a:ext cx="253435" cy="212902"/>
+          </a:xfrm>
+          <a:prstGeom prst="ellipse">
+            <a:avLst/>
+          </a:prstGeom>
+          <a:solidFill>
+            <a:schemeClr val="tx1"/>
+          </a:solidFill>
+          <a:ln>
+            <a:solidFill>
+              <a:schemeClr val="tx1"/>
+            </a:solidFill>
+          </a:ln>
+        </p:spPr>
+        <p:style>
+          <a:lnRef idx="2">
+            <a:schemeClr val="accent1">
+              <a:shade val="50000"/>
+            </a:schemeClr>
+          </a:lnRef>
+          <a:fillRef idx="1">
+            <a:schemeClr val="accent1"/>
+          </a:fillRef>
+          <a:effectRef idx="0">
+            <a:schemeClr val="accent1"/>
+          </a:effectRef>
+          <a:fontRef idx="minor">
+            <a:schemeClr val="lt1"/>
+          </a:fontRef>
+        </p:style>
+        <p:txBody>
+          <a:bodyPr lIns="0" tIns="0" rIns="0" bIns="0" rtlCol="0" anchor="ctr"/>
+          <a:lstStyle/>
+          <a:p>
+            <a:pPr algn="ctr"/>
+            <a:r>
+              <a:rPr lang="en-US" sz="800" dirty="0">
+                <a:latin typeface="Arial" panose="020B0604020202020204" pitchFamily="34" charset="0"/>
+                <a:cs typeface="Arial" panose="020B0604020202020204" pitchFamily="34" charset="0"/>
+              </a:rPr>
+              <a:t>1.6</a:t>
+            </a:r>
+          </a:p>
+        </p:txBody>
+      </p:sp>
+      <p:sp>
+        <p:nvSpPr>
+          <p:cNvPr id="172" name="Oval 171">
+            <a:extLst>
+              <a:ext uri="{FF2B5EF4-FFF2-40B4-BE49-F238E27FC236}">
+                <a16:creationId xmlns:a16="http://schemas.microsoft.com/office/drawing/2014/main" id="{94708E57-AB59-4E59-A000-F84C0F553A38}"/>
+              </a:ext>
+            </a:extLst>
+          </p:cNvPr>
+          <p:cNvSpPr/>
+          <p:nvPr/>
+        </p:nvSpPr>
+        <p:spPr>
+          <a:xfrm>
+            <a:off x="4640982" y="1057601"/>
+            <a:ext cx="253435" cy="212902"/>
+          </a:xfrm>
+          <a:prstGeom prst="ellipse">
+            <a:avLst/>
+          </a:prstGeom>
+          <a:solidFill>
+            <a:schemeClr val="tx1"/>
+          </a:solidFill>
+          <a:ln>
+            <a:solidFill>
+              <a:schemeClr val="tx1"/>
+            </a:solidFill>
+          </a:ln>
+        </p:spPr>
+        <p:style>
+          <a:lnRef idx="2">
+            <a:schemeClr val="accent1">
+              <a:shade val="50000"/>
+            </a:schemeClr>
+          </a:lnRef>
+          <a:fillRef idx="1">
+            <a:schemeClr val="accent1"/>
+          </a:fillRef>
+          <a:effectRef idx="0">
+            <a:schemeClr val="accent1"/>
+          </a:effectRef>
+          <a:fontRef idx="minor">
+            <a:schemeClr val="lt1"/>
+          </a:fontRef>
+        </p:style>
+        <p:txBody>
+          <a:bodyPr lIns="0" tIns="0" rIns="0" bIns="0" rtlCol="0" anchor="ctr"/>
+          <a:lstStyle/>
+          <a:p>
+            <a:pPr algn="ctr"/>
+            <a:r>
+              <a:rPr lang="en-US" sz="800" dirty="0">
+                <a:latin typeface="Arial" panose="020B0604020202020204" pitchFamily="34" charset="0"/>
+                <a:cs typeface="Arial" panose="020B0604020202020204" pitchFamily="34" charset="0"/>
+              </a:rPr>
+              <a:t>1.7</a:t>
+            </a:r>
+          </a:p>
+        </p:txBody>
+      </p:sp>
       <p:pic>
         <p:nvPicPr>
-          <p:cNvPr id="131" name="Graphic 29">
-            <a:extLst>
-              <a:ext uri="{FF2B5EF4-FFF2-40B4-BE49-F238E27FC236}">
-                <a16:creationId xmlns:a16="http://schemas.microsoft.com/office/drawing/2014/main" id="{0C9D02B6-9F3F-944F-8B1A-44DD53B4ABF3}"/>
+          <p:cNvPr id="173" name="Graphic 21">
+            <a:extLst>
+              <a:ext uri="{FF2B5EF4-FFF2-40B4-BE49-F238E27FC236}">
+                <a16:creationId xmlns:a16="http://schemas.microsoft.com/office/drawing/2014/main" id="{EE9A2C89-D760-44AD-9846-59BF08E6A6F6}"/>
               </a:ext>
             </a:extLst>
           </p:cNvPr>
@@ -7421,7 +5521,7 @@
           <p:nvPr/>
         </p:nvPicPr>
         <p:blipFill>
-          <a:blip r:embed="rId11">
+          <a:blip r:embed="rId12">
             <a:extLst>
               <a:ext uri="{28A0092B-C50C-407E-A947-70E740481C1C}">
                 <a14:useLocalDpi xmlns:a14="http://schemas.microsoft.com/office/drawing/2010/main" val="0"/>
@@ -7435,7 +5535,7 @@
         </p:blipFill>
         <p:spPr bwMode="auto">
           <a:xfrm>
-            <a:off x="4258218" y="1724774"/>
+            <a:off x="1407296" y="1621748"/>
             <a:ext cx="457200" cy="457200"/>
           </a:xfrm>
           <a:prstGeom prst="rect">
@@ -7468,10 +5568,1096 @@
       </p:pic>
       <p:sp>
         <p:nvSpPr>
-          <p:cNvPr id="132" name="TextBox 2">
-            <a:extLst>
-              <a:ext uri="{FF2B5EF4-FFF2-40B4-BE49-F238E27FC236}">
-                <a16:creationId xmlns:a16="http://schemas.microsoft.com/office/drawing/2014/main" id="{C36427D3-07C2-834E-93F3-E77E529BBE1B}"/>
+          <p:cNvPr id="174" name="Oval 173">
+            <a:extLst>
+              <a:ext uri="{FF2B5EF4-FFF2-40B4-BE49-F238E27FC236}">
+                <a16:creationId xmlns:a16="http://schemas.microsoft.com/office/drawing/2014/main" id="{33B53A6B-210B-4CAD-9B2E-8A4A48DDC8EC}"/>
+              </a:ext>
+            </a:extLst>
+          </p:cNvPr>
+          <p:cNvSpPr/>
+          <p:nvPr/>
+        </p:nvSpPr>
+        <p:spPr>
+          <a:xfrm>
+            <a:off x="1226524" y="1493507"/>
+            <a:ext cx="253435" cy="212902"/>
+          </a:xfrm>
+          <a:prstGeom prst="ellipse">
+            <a:avLst/>
+          </a:prstGeom>
+          <a:solidFill>
+            <a:schemeClr val="tx1"/>
+          </a:solidFill>
+          <a:ln>
+            <a:solidFill>
+              <a:schemeClr val="tx1"/>
+            </a:solidFill>
+          </a:ln>
+        </p:spPr>
+        <p:style>
+          <a:lnRef idx="2">
+            <a:schemeClr val="accent1">
+              <a:shade val="50000"/>
+            </a:schemeClr>
+          </a:lnRef>
+          <a:fillRef idx="1">
+            <a:schemeClr val="accent1"/>
+          </a:fillRef>
+          <a:effectRef idx="0">
+            <a:schemeClr val="accent1"/>
+          </a:effectRef>
+          <a:fontRef idx="minor">
+            <a:schemeClr val="lt1"/>
+          </a:fontRef>
+        </p:style>
+        <p:txBody>
+          <a:bodyPr lIns="0" tIns="0" rIns="0" bIns="0" rtlCol="0" anchor="ctr"/>
+          <a:lstStyle/>
+          <a:p>
+            <a:pPr algn="ctr"/>
+            <a:r>
+              <a:rPr lang="en-US" sz="800" dirty="0">
+                <a:latin typeface="Arial" panose="020B0604020202020204" pitchFamily="34" charset="0"/>
+                <a:cs typeface="Arial" panose="020B0604020202020204" pitchFamily="34" charset="0"/>
+              </a:rPr>
+              <a:t>1.1</a:t>
+            </a:r>
+          </a:p>
+        </p:txBody>
+      </p:sp>
+      <p:sp>
+        <p:nvSpPr>
+          <p:cNvPr id="175" name="Rectangle 174">
+            <a:extLst>
+              <a:ext uri="{FF2B5EF4-FFF2-40B4-BE49-F238E27FC236}">
+                <a16:creationId xmlns:a16="http://schemas.microsoft.com/office/drawing/2014/main" id="{E23EF82D-34D3-46B6-978C-7B6A8238A22B}"/>
+              </a:ext>
+            </a:extLst>
+          </p:cNvPr>
+          <p:cNvSpPr/>
+          <p:nvPr/>
+        </p:nvSpPr>
+        <p:spPr>
+          <a:xfrm>
+            <a:off x="1115193" y="993057"/>
+            <a:ext cx="5920149" cy="3031883"/>
+          </a:xfrm>
+          <a:prstGeom prst="rect">
+            <a:avLst/>
+          </a:prstGeom>
+          <a:noFill/>
+          <a:ln w="12700">
+            <a:solidFill>
+              <a:srgbClr val="5B9CD5"/>
+            </a:solidFill>
+            <a:prstDash val="sysDash"/>
+          </a:ln>
+        </p:spPr>
+        <p:style>
+          <a:lnRef idx="2">
+            <a:schemeClr val="accent1">
+              <a:shade val="50000"/>
+            </a:schemeClr>
+          </a:lnRef>
+          <a:fillRef idx="1">
+            <a:schemeClr val="accent1"/>
+          </a:fillRef>
+          <a:effectRef idx="0">
+            <a:schemeClr val="accent1"/>
+          </a:effectRef>
+          <a:fontRef idx="minor">
+            <a:schemeClr val="lt1"/>
+          </a:fontRef>
+        </p:style>
+        <p:txBody>
+          <a:bodyPr lIns="502920" tIns="91440"/>
+          <a:lstStyle/>
+          <a:p>
+            <a:pPr eaLnBrk="1" fontAlgn="auto" hangingPunct="1">
+              <a:spcBef>
+                <a:spcPts val="0"/>
+              </a:spcBef>
+              <a:spcAft>
+                <a:spcPts val="0"/>
+              </a:spcAft>
+              <a:defRPr/>
+            </a:pPr>
+            <a:r>
+              <a:rPr lang="en-US" sz="1200" dirty="0">
+                <a:solidFill>
+                  <a:srgbClr val="5B9CD5"/>
+                </a:solidFill>
+                <a:latin typeface="Arial" panose="020B0604020202020204" pitchFamily="34" charset="0"/>
+                <a:cs typeface="Arial" panose="020B0604020202020204" pitchFamily="34" charset="0"/>
+              </a:rPr>
+              <a:t>Home Region</a:t>
+            </a:r>
+          </a:p>
+        </p:txBody>
+      </p:sp>
+      <p:pic>
+        <p:nvPicPr>
+          <p:cNvPr id="176" name="Graphic 175">
+            <a:extLst>
+              <a:ext uri="{FF2B5EF4-FFF2-40B4-BE49-F238E27FC236}">
+                <a16:creationId xmlns:a16="http://schemas.microsoft.com/office/drawing/2014/main" id="{79BE28C9-BA1C-439C-A7D3-8AB7EFF8AFC4}"/>
+              </a:ext>
+            </a:extLst>
+          </p:cNvPr>
+          <p:cNvPicPr>
+            <a:picLocks noChangeAspect="1"/>
+          </p:cNvPicPr>
+          <p:nvPr/>
+        </p:nvPicPr>
+        <p:blipFill>
+          <a:blip r:embed="rId13">
+            <a:extLst>
+              <a:ext uri="{96DAC541-7B7A-43D3-8B79-37D633B846F1}">
+                <asvg:svgBlip xmlns:asvg="http://schemas.microsoft.com/office/drawing/2016/SVG/main" r:embed="rId14"/>
+              </a:ext>
+            </a:extLst>
+          </a:blip>
+          <a:stretch>
+            <a:fillRect/>
+          </a:stretch>
+        </p:blipFill>
+        <p:spPr>
+          <a:xfrm>
+            <a:off x="1106249" y="986563"/>
+            <a:ext cx="391567" cy="391567"/>
+          </a:xfrm>
+          <a:prstGeom prst="rect">
+            <a:avLst/>
+          </a:prstGeom>
+        </p:spPr>
+      </p:pic>
+      <p:cxnSp>
+        <p:nvCxnSpPr>
+          <p:cNvPr id="177" name="Straight Arrow Connector 176">
+            <a:extLst>
+              <a:ext uri="{FF2B5EF4-FFF2-40B4-BE49-F238E27FC236}">
+                <a16:creationId xmlns:a16="http://schemas.microsoft.com/office/drawing/2014/main" id="{4A73DC17-2E0A-47FF-927C-2082DB636979}"/>
+              </a:ext>
+            </a:extLst>
+          </p:cNvPr>
+          <p:cNvCxnSpPr>
+            <a:cxnSpLocks/>
+          </p:cNvCxnSpPr>
+          <p:nvPr/>
+        </p:nvCxnSpPr>
+        <p:spPr>
+          <a:xfrm flipH="1">
+            <a:off x="3751990" y="2803836"/>
+            <a:ext cx="386" cy="316408"/>
+          </a:xfrm>
+          <a:prstGeom prst="straightConnector1">
+            <a:avLst/>
+          </a:prstGeom>
+          <a:ln>
+            <a:tailEnd type="triangle"/>
+          </a:ln>
+        </p:spPr>
+        <p:style>
+          <a:lnRef idx="1">
+            <a:schemeClr val="dk1"/>
+          </a:lnRef>
+          <a:fillRef idx="0">
+            <a:schemeClr val="dk1"/>
+          </a:fillRef>
+          <a:effectRef idx="0">
+            <a:schemeClr val="dk1"/>
+          </a:effectRef>
+          <a:fontRef idx="minor">
+            <a:schemeClr val="tx1"/>
+          </a:fontRef>
+        </p:style>
+      </p:cxnSp>
+      <p:cxnSp>
+        <p:nvCxnSpPr>
+          <p:cNvPr id="189" name="Straight Arrow Connector 188">
+            <a:extLst>
+              <a:ext uri="{FF2B5EF4-FFF2-40B4-BE49-F238E27FC236}">
+                <a16:creationId xmlns:a16="http://schemas.microsoft.com/office/drawing/2014/main" id="{13756740-CBD2-4285-9E37-7A4C5D50B989}"/>
+              </a:ext>
+            </a:extLst>
+          </p:cNvPr>
+          <p:cNvCxnSpPr>
+            <a:cxnSpLocks/>
+          </p:cNvCxnSpPr>
+          <p:nvPr/>
+        </p:nvCxnSpPr>
+        <p:spPr>
+          <a:xfrm flipV="1">
+            <a:off x="2919432" y="2388150"/>
+            <a:ext cx="522940" cy="325692"/>
+          </a:xfrm>
+          <a:prstGeom prst="straightConnector1">
+            <a:avLst/>
+          </a:prstGeom>
+          <a:ln>
+            <a:tailEnd type="triangle"/>
+          </a:ln>
+        </p:spPr>
+        <p:style>
+          <a:lnRef idx="1">
+            <a:schemeClr val="dk1"/>
+          </a:lnRef>
+          <a:fillRef idx="0">
+            <a:schemeClr val="dk1"/>
+          </a:fillRef>
+          <a:effectRef idx="0">
+            <a:schemeClr val="dk1"/>
+          </a:effectRef>
+          <a:fontRef idx="minor">
+            <a:schemeClr val="tx1"/>
+          </a:fontRef>
+        </p:style>
+      </p:cxnSp>
+      <p:sp>
+        <p:nvSpPr>
+          <p:cNvPr id="190" name="Rectangle 189">
+            <a:extLst>
+              <a:ext uri="{FF2B5EF4-FFF2-40B4-BE49-F238E27FC236}">
+                <a16:creationId xmlns:a16="http://schemas.microsoft.com/office/drawing/2014/main" id="{FB33BE81-596F-4ED7-8BA5-7D14B454E0F9}"/>
+              </a:ext>
+            </a:extLst>
+          </p:cNvPr>
+          <p:cNvSpPr/>
+          <p:nvPr/>
+        </p:nvSpPr>
+        <p:spPr>
+          <a:xfrm>
+            <a:off x="4876491" y="1956200"/>
+            <a:ext cx="1516310" cy="1307692"/>
+          </a:xfrm>
+          <a:prstGeom prst="rect">
+            <a:avLst/>
+          </a:prstGeom>
+          <a:solidFill>
+            <a:schemeClr val="bg1"/>
+          </a:solidFill>
+          <a:ln w="12700">
+            <a:solidFill>
+              <a:srgbClr val="5B9CD5"/>
+            </a:solidFill>
+            <a:prstDash val="sysDash"/>
+          </a:ln>
+          <a:effectLst>
+            <a:outerShdw blurRad="50800" dist="38100" dir="13500000" algn="br" rotWithShape="0">
+              <a:prstClr val="black">
+                <a:alpha val="40000"/>
+              </a:prstClr>
+            </a:outerShdw>
+          </a:effectLst>
+        </p:spPr>
+        <p:style>
+          <a:lnRef idx="2">
+            <a:schemeClr val="accent1">
+              <a:shade val="50000"/>
+            </a:schemeClr>
+          </a:lnRef>
+          <a:fillRef idx="1">
+            <a:schemeClr val="accent1"/>
+          </a:fillRef>
+          <a:effectRef idx="0">
+            <a:schemeClr val="accent1"/>
+          </a:effectRef>
+          <a:fontRef idx="minor">
+            <a:schemeClr val="lt1"/>
+          </a:fontRef>
+        </p:style>
+        <p:txBody>
+          <a:bodyPr lIns="502920" tIns="91440"/>
+          <a:lstStyle/>
+          <a:p>
+            <a:pPr eaLnBrk="1" fontAlgn="auto" hangingPunct="1">
+              <a:spcBef>
+                <a:spcPts val="0"/>
+              </a:spcBef>
+              <a:spcAft>
+                <a:spcPts val="0"/>
+              </a:spcAft>
+              <a:defRPr/>
+            </a:pPr>
+            <a:r>
+              <a:rPr lang="en-US" sz="1200" dirty="0">
+                <a:solidFill>
+                  <a:srgbClr val="5B9CD5"/>
+                </a:solidFill>
+                <a:latin typeface="Arial" panose="020B0604020202020204" pitchFamily="34" charset="0"/>
+                <a:cs typeface="Arial" panose="020B0604020202020204" pitchFamily="34" charset="0"/>
+              </a:rPr>
+              <a:t>Region 1</a:t>
+            </a:r>
+          </a:p>
+        </p:txBody>
+      </p:sp>
+      <p:pic>
+        <p:nvPicPr>
+          <p:cNvPr id="191" name="Graphic 190">
+            <a:extLst>
+              <a:ext uri="{FF2B5EF4-FFF2-40B4-BE49-F238E27FC236}">
+                <a16:creationId xmlns:a16="http://schemas.microsoft.com/office/drawing/2014/main" id="{EFDD8BD0-DF38-40A5-9412-28008B82706B}"/>
+              </a:ext>
+            </a:extLst>
+          </p:cNvPr>
+          <p:cNvPicPr>
+            <a:picLocks noChangeAspect="1"/>
+          </p:cNvPicPr>
+          <p:nvPr/>
+        </p:nvPicPr>
+        <p:blipFill>
+          <a:blip r:embed="rId13">
+            <a:extLst>
+              <a:ext uri="{96DAC541-7B7A-43D3-8B79-37D633B846F1}">
+                <asvg:svgBlip xmlns:asvg="http://schemas.microsoft.com/office/drawing/2016/SVG/main" r:embed="rId14"/>
+              </a:ext>
+            </a:extLst>
+          </a:blip>
+          <a:stretch>
+            <a:fillRect/>
+          </a:stretch>
+        </p:blipFill>
+        <p:spPr>
+          <a:xfrm>
+            <a:off x="4867547" y="1958315"/>
+            <a:ext cx="442506" cy="391567"/>
+          </a:xfrm>
+          <a:prstGeom prst="rect">
+            <a:avLst/>
+          </a:prstGeom>
+          <a:effectLst>
+            <a:outerShdw blurRad="50800" dist="38100" dir="13500000" algn="br" rotWithShape="0">
+              <a:prstClr val="black">
+                <a:alpha val="40000"/>
+              </a:prstClr>
+            </a:outerShdw>
+          </a:effectLst>
+        </p:spPr>
+      </p:pic>
+      <p:sp>
+        <p:nvSpPr>
+          <p:cNvPr id="192" name="Rectangle 191">
+            <a:extLst>
+              <a:ext uri="{FF2B5EF4-FFF2-40B4-BE49-F238E27FC236}">
+                <a16:creationId xmlns:a16="http://schemas.microsoft.com/office/drawing/2014/main" id="{5D0C1D3A-93F6-4D63-8242-CDCC01A39BFA}"/>
+              </a:ext>
+            </a:extLst>
+          </p:cNvPr>
+          <p:cNvSpPr/>
+          <p:nvPr/>
+        </p:nvSpPr>
+        <p:spPr>
+          <a:xfrm>
+            <a:off x="5003494" y="2252537"/>
+            <a:ext cx="1521910" cy="1307692"/>
+          </a:xfrm>
+          <a:prstGeom prst="rect">
+            <a:avLst/>
+          </a:prstGeom>
+          <a:solidFill>
+            <a:schemeClr val="bg1"/>
+          </a:solidFill>
+          <a:ln w="12700">
+            <a:solidFill>
+              <a:srgbClr val="5B9CD5"/>
+            </a:solidFill>
+            <a:prstDash val="sysDash"/>
+          </a:ln>
+          <a:effectLst>
+            <a:outerShdw blurRad="50800" dist="38100" dir="13500000" algn="br" rotWithShape="0">
+              <a:prstClr val="black">
+                <a:alpha val="40000"/>
+              </a:prstClr>
+            </a:outerShdw>
+          </a:effectLst>
+        </p:spPr>
+        <p:style>
+          <a:lnRef idx="2">
+            <a:schemeClr val="accent1">
+              <a:shade val="50000"/>
+            </a:schemeClr>
+          </a:lnRef>
+          <a:fillRef idx="1">
+            <a:schemeClr val="accent1"/>
+          </a:fillRef>
+          <a:effectRef idx="0">
+            <a:schemeClr val="accent1"/>
+          </a:effectRef>
+          <a:fontRef idx="minor">
+            <a:schemeClr val="lt1"/>
+          </a:fontRef>
+        </p:style>
+        <p:txBody>
+          <a:bodyPr lIns="502920" tIns="91440"/>
+          <a:lstStyle/>
+          <a:p>
+            <a:pPr eaLnBrk="1" fontAlgn="auto" hangingPunct="1">
+              <a:spcBef>
+                <a:spcPts val="0"/>
+              </a:spcBef>
+              <a:spcAft>
+                <a:spcPts val="0"/>
+              </a:spcAft>
+              <a:defRPr/>
+            </a:pPr>
+            <a:r>
+              <a:rPr lang="en-US" sz="1200" dirty="0">
+                <a:solidFill>
+                  <a:srgbClr val="5B9CD5"/>
+                </a:solidFill>
+                <a:latin typeface="Arial" panose="020B0604020202020204" pitchFamily="34" charset="0"/>
+                <a:cs typeface="Arial" panose="020B0604020202020204" pitchFamily="34" charset="0"/>
+              </a:rPr>
+              <a:t>Region 2</a:t>
+            </a:r>
+          </a:p>
+        </p:txBody>
+      </p:sp>
+      <p:pic>
+        <p:nvPicPr>
+          <p:cNvPr id="193" name="Graphic 192">
+            <a:extLst>
+              <a:ext uri="{FF2B5EF4-FFF2-40B4-BE49-F238E27FC236}">
+                <a16:creationId xmlns:a16="http://schemas.microsoft.com/office/drawing/2014/main" id="{6A82A4C9-9C1A-4DCD-B28A-423A688D2C9B}"/>
+              </a:ext>
+            </a:extLst>
+          </p:cNvPr>
+          <p:cNvPicPr>
+            <a:picLocks noChangeAspect="1"/>
+          </p:cNvPicPr>
+          <p:nvPr/>
+        </p:nvPicPr>
+        <p:blipFill>
+          <a:blip r:embed="rId13">
+            <a:extLst>
+              <a:ext uri="{96DAC541-7B7A-43D3-8B79-37D633B846F1}">
+                <asvg:svgBlip xmlns:asvg="http://schemas.microsoft.com/office/drawing/2016/SVG/main" r:embed="rId14"/>
+              </a:ext>
+            </a:extLst>
+          </a:blip>
+          <a:stretch>
+            <a:fillRect/>
+          </a:stretch>
+        </p:blipFill>
+        <p:spPr>
+          <a:xfrm>
+            <a:off x="5004077" y="2246424"/>
+            <a:ext cx="442506" cy="391567"/>
+          </a:xfrm>
+          <a:prstGeom prst="rect">
+            <a:avLst/>
+          </a:prstGeom>
+          <a:effectLst>
+            <a:outerShdw blurRad="50800" dist="38100" dir="13500000" algn="br" rotWithShape="0">
+              <a:prstClr val="black">
+                <a:alpha val="40000"/>
+              </a:prstClr>
+            </a:outerShdw>
+          </a:effectLst>
+        </p:spPr>
+      </p:pic>
+      <p:sp>
+        <p:nvSpPr>
+          <p:cNvPr id="194" name="Rectangle 193">
+            <a:extLst>
+              <a:ext uri="{FF2B5EF4-FFF2-40B4-BE49-F238E27FC236}">
+                <a16:creationId xmlns:a16="http://schemas.microsoft.com/office/drawing/2014/main" id="{89250F46-02BD-423F-84EF-A41C2A810235}"/>
+              </a:ext>
+            </a:extLst>
+          </p:cNvPr>
+          <p:cNvSpPr/>
+          <p:nvPr/>
+        </p:nvSpPr>
+        <p:spPr>
+          <a:xfrm>
+            <a:off x="5122677" y="2558863"/>
+            <a:ext cx="1523440" cy="1307692"/>
+          </a:xfrm>
+          <a:prstGeom prst="rect">
+            <a:avLst/>
+          </a:prstGeom>
+          <a:solidFill>
+            <a:schemeClr val="bg1"/>
+          </a:solidFill>
+          <a:ln w="12700">
+            <a:solidFill>
+              <a:srgbClr val="5B9CD5"/>
+            </a:solidFill>
+            <a:prstDash val="sysDash"/>
+          </a:ln>
+          <a:effectLst>
+            <a:outerShdw blurRad="50800" dist="38100" dir="13500000" algn="br" rotWithShape="0">
+              <a:prstClr val="black">
+                <a:alpha val="40000"/>
+              </a:prstClr>
+            </a:outerShdw>
+          </a:effectLst>
+        </p:spPr>
+        <p:style>
+          <a:lnRef idx="2">
+            <a:schemeClr val="accent1">
+              <a:shade val="50000"/>
+            </a:schemeClr>
+          </a:lnRef>
+          <a:fillRef idx="1">
+            <a:schemeClr val="accent1"/>
+          </a:fillRef>
+          <a:effectRef idx="0">
+            <a:schemeClr val="accent1"/>
+          </a:effectRef>
+          <a:fontRef idx="minor">
+            <a:schemeClr val="lt1"/>
+          </a:fontRef>
+        </p:style>
+        <p:txBody>
+          <a:bodyPr lIns="502920" tIns="91440"/>
+          <a:lstStyle/>
+          <a:p>
+            <a:pPr eaLnBrk="1" fontAlgn="auto" hangingPunct="1">
+              <a:spcBef>
+                <a:spcPts val="0"/>
+              </a:spcBef>
+              <a:spcAft>
+                <a:spcPts val="0"/>
+              </a:spcAft>
+              <a:defRPr/>
+            </a:pPr>
+            <a:r>
+              <a:rPr lang="en-US" sz="1200" dirty="0">
+                <a:solidFill>
+                  <a:srgbClr val="5B9CD5"/>
+                </a:solidFill>
+                <a:latin typeface="Arial" panose="020B0604020202020204" pitchFamily="34" charset="0"/>
+                <a:cs typeface="Arial" panose="020B0604020202020204" pitchFamily="34" charset="0"/>
+              </a:rPr>
+              <a:t>Region n</a:t>
+            </a:r>
+          </a:p>
+        </p:txBody>
+      </p:sp>
+      <p:pic>
+        <p:nvPicPr>
+          <p:cNvPr id="195" name="Graphic 194">
+            <a:extLst>
+              <a:ext uri="{FF2B5EF4-FFF2-40B4-BE49-F238E27FC236}">
+                <a16:creationId xmlns:a16="http://schemas.microsoft.com/office/drawing/2014/main" id="{A67566A0-854E-4B0C-805B-1612CF1B700A}"/>
+              </a:ext>
+            </a:extLst>
+          </p:cNvPr>
+          <p:cNvPicPr>
+            <a:picLocks noChangeAspect="1"/>
+          </p:cNvPicPr>
+          <p:nvPr/>
+        </p:nvPicPr>
+        <p:blipFill>
+          <a:blip r:embed="rId13">
+            <a:extLst>
+              <a:ext uri="{96DAC541-7B7A-43D3-8B79-37D633B846F1}">
+                <asvg:svgBlip xmlns:asvg="http://schemas.microsoft.com/office/drawing/2016/SVG/main" r:embed="rId14"/>
+              </a:ext>
+            </a:extLst>
+          </a:blip>
+          <a:stretch>
+            <a:fillRect/>
+          </a:stretch>
+        </p:blipFill>
+        <p:spPr>
+          <a:xfrm>
+            <a:off x="5113733" y="2552511"/>
+            <a:ext cx="442506" cy="391567"/>
+          </a:xfrm>
+          <a:prstGeom prst="rect">
+            <a:avLst/>
+          </a:prstGeom>
+          <a:effectLst>
+            <a:outerShdw blurRad="50800" dist="38100" dir="13500000" algn="br" rotWithShape="0">
+              <a:prstClr val="black">
+                <a:alpha val="40000"/>
+              </a:prstClr>
+            </a:outerShdw>
+          </a:effectLst>
+        </p:spPr>
+      </p:pic>
+      <p:sp>
+        <p:nvSpPr>
+          <p:cNvPr id="203" name="Rectangle 202">
+            <a:extLst>
+              <a:ext uri="{FF2B5EF4-FFF2-40B4-BE49-F238E27FC236}">
+                <a16:creationId xmlns:a16="http://schemas.microsoft.com/office/drawing/2014/main" id="{0C7341F0-D9E9-4E22-9FDA-AEDD18FEC77A}"/>
+              </a:ext>
+            </a:extLst>
+          </p:cNvPr>
+          <p:cNvSpPr/>
+          <p:nvPr/>
+        </p:nvSpPr>
+        <p:spPr>
+          <a:xfrm>
+            <a:off x="9606386" y="1508733"/>
+            <a:ext cx="1275435" cy="1307692"/>
+          </a:xfrm>
+          <a:prstGeom prst="rect">
+            <a:avLst/>
+          </a:prstGeom>
+          <a:solidFill>
+            <a:schemeClr val="bg1"/>
+          </a:solidFill>
+          <a:ln w="12700">
+            <a:solidFill>
+              <a:srgbClr val="5B9CD5"/>
+            </a:solidFill>
+            <a:prstDash val="sysDash"/>
+          </a:ln>
+          <a:effectLst>
+            <a:outerShdw blurRad="50800" dist="38100" dir="13500000" algn="br" rotWithShape="0">
+              <a:prstClr val="black">
+                <a:alpha val="40000"/>
+              </a:prstClr>
+            </a:outerShdw>
+          </a:effectLst>
+        </p:spPr>
+        <p:style>
+          <a:lnRef idx="2">
+            <a:schemeClr val="accent1">
+              <a:shade val="50000"/>
+            </a:schemeClr>
+          </a:lnRef>
+          <a:fillRef idx="1">
+            <a:schemeClr val="accent1"/>
+          </a:fillRef>
+          <a:effectRef idx="0">
+            <a:schemeClr val="accent1"/>
+          </a:effectRef>
+          <a:fontRef idx="minor">
+            <a:schemeClr val="lt1"/>
+          </a:fontRef>
+        </p:style>
+        <p:txBody>
+          <a:bodyPr lIns="502920" tIns="91440"/>
+          <a:lstStyle/>
+          <a:p>
+            <a:pPr eaLnBrk="1" fontAlgn="auto" hangingPunct="1">
+              <a:spcBef>
+                <a:spcPts val="0"/>
+              </a:spcBef>
+              <a:spcAft>
+                <a:spcPts val="0"/>
+              </a:spcAft>
+              <a:defRPr/>
+            </a:pPr>
+            <a:r>
+              <a:rPr lang="en-US" sz="1200" dirty="0">
+                <a:solidFill>
+                  <a:srgbClr val="5B9CD5"/>
+                </a:solidFill>
+                <a:latin typeface="Arial" panose="020B0604020202020204" pitchFamily="34" charset="0"/>
+                <a:cs typeface="Arial" panose="020B0604020202020204" pitchFamily="34" charset="0"/>
+              </a:rPr>
+              <a:t>Region 1</a:t>
+            </a:r>
+          </a:p>
+        </p:txBody>
+      </p:sp>
+      <p:pic>
+        <p:nvPicPr>
+          <p:cNvPr id="204" name="Graphic 203">
+            <a:extLst>
+              <a:ext uri="{FF2B5EF4-FFF2-40B4-BE49-F238E27FC236}">
+                <a16:creationId xmlns:a16="http://schemas.microsoft.com/office/drawing/2014/main" id="{0ACF6319-1BDA-4DD7-ADCF-06F76CD39D99}"/>
+              </a:ext>
+            </a:extLst>
+          </p:cNvPr>
+          <p:cNvPicPr>
+            <a:picLocks noChangeAspect="1"/>
+          </p:cNvPicPr>
+          <p:nvPr/>
+        </p:nvPicPr>
+        <p:blipFill>
+          <a:blip r:embed="rId13">
+            <a:extLst>
+              <a:ext uri="{96DAC541-7B7A-43D3-8B79-37D633B846F1}">
+                <asvg:svgBlip xmlns:asvg="http://schemas.microsoft.com/office/drawing/2016/SVG/main" r:embed="rId14"/>
+              </a:ext>
+            </a:extLst>
+          </a:blip>
+          <a:stretch>
+            <a:fillRect/>
+          </a:stretch>
+        </p:blipFill>
+        <p:spPr>
+          <a:xfrm>
+            <a:off x="9602206" y="1502381"/>
+            <a:ext cx="442506" cy="391567"/>
+          </a:xfrm>
+          <a:prstGeom prst="rect">
+            <a:avLst/>
+          </a:prstGeom>
+          <a:effectLst>
+            <a:outerShdw blurRad="50800" dist="38100" dir="13500000" algn="br" rotWithShape="0">
+              <a:prstClr val="black">
+                <a:alpha val="40000"/>
+              </a:prstClr>
+            </a:outerShdw>
+          </a:effectLst>
+        </p:spPr>
+      </p:pic>
+      <p:sp>
+        <p:nvSpPr>
+          <p:cNvPr id="205" name="Rectangle 204">
+            <a:extLst>
+              <a:ext uri="{FF2B5EF4-FFF2-40B4-BE49-F238E27FC236}">
+                <a16:creationId xmlns:a16="http://schemas.microsoft.com/office/drawing/2014/main" id="{07406336-918D-4B31-8DF3-7BD86137B01B}"/>
+              </a:ext>
+            </a:extLst>
+          </p:cNvPr>
+          <p:cNvSpPr/>
+          <p:nvPr/>
+        </p:nvSpPr>
+        <p:spPr>
+          <a:xfrm>
+            <a:off x="9733391" y="1821696"/>
+            <a:ext cx="1237614" cy="1307692"/>
+          </a:xfrm>
+          <a:prstGeom prst="rect">
+            <a:avLst/>
+          </a:prstGeom>
+          <a:solidFill>
+            <a:schemeClr val="bg1"/>
+          </a:solidFill>
+          <a:ln w="12700">
+            <a:solidFill>
+              <a:srgbClr val="5B9CD5"/>
+            </a:solidFill>
+            <a:prstDash val="sysDash"/>
+          </a:ln>
+          <a:effectLst>
+            <a:outerShdw blurRad="50800" dist="38100" dir="13500000" algn="br" rotWithShape="0">
+              <a:prstClr val="black">
+                <a:alpha val="40000"/>
+              </a:prstClr>
+            </a:outerShdw>
+          </a:effectLst>
+        </p:spPr>
+        <p:style>
+          <a:lnRef idx="2">
+            <a:schemeClr val="accent1">
+              <a:shade val="50000"/>
+            </a:schemeClr>
+          </a:lnRef>
+          <a:fillRef idx="1">
+            <a:schemeClr val="accent1"/>
+          </a:fillRef>
+          <a:effectRef idx="0">
+            <a:schemeClr val="accent1"/>
+          </a:effectRef>
+          <a:fontRef idx="minor">
+            <a:schemeClr val="lt1"/>
+          </a:fontRef>
+        </p:style>
+        <p:txBody>
+          <a:bodyPr lIns="502920" tIns="91440"/>
+          <a:lstStyle/>
+          <a:p>
+            <a:pPr eaLnBrk="1" fontAlgn="auto" hangingPunct="1">
+              <a:spcBef>
+                <a:spcPts val="0"/>
+              </a:spcBef>
+              <a:spcAft>
+                <a:spcPts val="0"/>
+              </a:spcAft>
+              <a:defRPr/>
+            </a:pPr>
+            <a:r>
+              <a:rPr lang="en-US" sz="1200" dirty="0">
+                <a:solidFill>
+                  <a:srgbClr val="5B9CD5"/>
+                </a:solidFill>
+                <a:latin typeface="Arial" panose="020B0604020202020204" pitchFamily="34" charset="0"/>
+                <a:cs typeface="Arial" panose="020B0604020202020204" pitchFamily="34" charset="0"/>
+              </a:rPr>
+              <a:t>Region 2</a:t>
+            </a:r>
+          </a:p>
+        </p:txBody>
+      </p:sp>
+      <p:sp>
+        <p:nvSpPr>
+          <p:cNvPr id="206" name="Rectangle 205">
+            <a:extLst>
+              <a:ext uri="{FF2B5EF4-FFF2-40B4-BE49-F238E27FC236}">
+                <a16:creationId xmlns:a16="http://schemas.microsoft.com/office/drawing/2014/main" id="{1037C40E-DC39-4D3B-B81E-28A322956D5E}"/>
+              </a:ext>
+            </a:extLst>
+          </p:cNvPr>
+          <p:cNvSpPr/>
+          <p:nvPr/>
+        </p:nvSpPr>
+        <p:spPr>
+          <a:xfrm>
+            <a:off x="7757328" y="981159"/>
+            <a:ext cx="3430791" cy="2416797"/>
+          </a:xfrm>
+          <a:prstGeom prst="rect">
+            <a:avLst/>
+          </a:prstGeom>
+          <a:noFill/>
+          <a:ln w="12700">
+            <a:solidFill>
+              <a:srgbClr val="5B9CD5"/>
+            </a:solidFill>
+            <a:prstDash val="sysDash"/>
+          </a:ln>
+        </p:spPr>
+        <p:style>
+          <a:lnRef idx="2">
+            <a:schemeClr val="accent1">
+              <a:shade val="50000"/>
+            </a:schemeClr>
+          </a:lnRef>
+          <a:fillRef idx="1">
+            <a:schemeClr val="accent1"/>
+          </a:fillRef>
+          <a:effectRef idx="0">
+            <a:schemeClr val="accent1"/>
+          </a:effectRef>
+          <a:fontRef idx="minor">
+            <a:schemeClr val="lt1"/>
+          </a:fontRef>
+        </p:style>
+        <p:txBody>
+          <a:bodyPr lIns="502920" tIns="91440"/>
+          <a:lstStyle/>
+          <a:p>
+            <a:pPr eaLnBrk="1" fontAlgn="auto" hangingPunct="1">
+              <a:spcBef>
+                <a:spcPts val="0"/>
+              </a:spcBef>
+              <a:spcAft>
+                <a:spcPts val="0"/>
+              </a:spcAft>
+              <a:defRPr/>
+            </a:pPr>
+            <a:r>
+              <a:rPr lang="en-US" sz="1200" dirty="0">
+                <a:solidFill>
+                  <a:srgbClr val="5B9CD5"/>
+                </a:solidFill>
+                <a:latin typeface="Arial" panose="020B0604020202020204" pitchFamily="34" charset="0"/>
+                <a:cs typeface="Arial" panose="020B0604020202020204" pitchFamily="34" charset="0"/>
+              </a:rPr>
+              <a:t>Home Region</a:t>
+            </a:r>
+          </a:p>
+        </p:txBody>
+      </p:sp>
+      <p:pic>
+        <p:nvPicPr>
+          <p:cNvPr id="207" name="Graphic 206">
+            <a:extLst>
+              <a:ext uri="{FF2B5EF4-FFF2-40B4-BE49-F238E27FC236}">
+                <a16:creationId xmlns:a16="http://schemas.microsoft.com/office/drawing/2014/main" id="{87920BCE-77A0-48C5-9935-18FEF0BE01B5}"/>
+              </a:ext>
+            </a:extLst>
+          </p:cNvPr>
+          <p:cNvPicPr>
+            <a:picLocks noChangeAspect="1"/>
+          </p:cNvPicPr>
+          <p:nvPr/>
+        </p:nvPicPr>
+        <p:blipFill>
+          <a:blip r:embed="rId13">
+            <a:extLst>
+              <a:ext uri="{96DAC541-7B7A-43D3-8B79-37D633B846F1}">
+                <asvg:svgBlip xmlns:asvg="http://schemas.microsoft.com/office/drawing/2016/SVG/main" r:embed="rId14"/>
+              </a:ext>
+            </a:extLst>
+          </a:blip>
+          <a:stretch>
+            <a:fillRect/>
+          </a:stretch>
+        </p:blipFill>
+        <p:spPr>
+          <a:xfrm>
+            <a:off x="7746889" y="971352"/>
+            <a:ext cx="391567" cy="391567"/>
+          </a:xfrm>
+          <a:prstGeom prst="rect">
+            <a:avLst/>
+          </a:prstGeom>
+        </p:spPr>
+      </p:pic>
+      <p:sp>
+        <p:nvSpPr>
+          <p:cNvPr id="208" name="Rectangle 207">
+            <a:extLst>
+              <a:ext uri="{FF2B5EF4-FFF2-40B4-BE49-F238E27FC236}">
+                <a16:creationId xmlns:a16="http://schemas.microsoft.com/office/drawing/2014/main" id="{6DD09EAF-9350-4737-B91E-6243882023D0}"/>
+              </a:ext>
+            </a:extLst>
+          </p:cNvPr>
+          <p:cNvSpPr/>
+          <p:nvPr/>
+        </p:nvSpPr>
+        <p:spPr>
+          <a:xfrm>
+            <a:off x="7322205" y="590706"/>
+            <a:ext cx="4010813" cy="3093541"/>
+          </a:xfrm>
+          <a:prstGeom prst="rect">
+            <a:avLst/>
+          </a:prstGeom>
+          <a:noFill/>
+          <a:ln w="12700">
+            <a:solidFill>
+              <a:srgbClr val="CD2264"/>
+            </a:solidFill>
+          </a:ln>
+        </p:spPr>
+        <p:style>
+          <a:lnRef idx="2">
+            <a:schemeClr val="accent1">
+              <a:shade val="50000"/>
+            </a:schemeClr>
+          </a:lnRef>
+          <a:fillRef idx="1">
+            <a:schemeClr val="accent1"/>
+          </a:fillRef>
+          <a:effectRef idx="0">
+            <a:schemeClr val="accent1"/>
+          </a:effectRef>
+          <a:fontRef idx="minor">
+            <a:schemeClr val="lt1"/>
+          </a:fontRef>
+        </p:style>
+        <p:txBody>
+          <a:bodyPr lIns="502920" tIns="91440"/>
+          <a:lstStyle/>
+          <a:p>
+            <a:pPr eaLnBrk="1" fontAlgn="auto" hangingPunct="1">
+              <a:spcBef>
+                <a:spcPts val="0"/>
+              </a:spcBef>
+              <a:spcAft>
+                <a:spcPts val="0"/>
+              </a:spcAft>
+              <a:defRPr/>
+            </a:pPr>
+            <a:r>
+              <a:rPr lang="en-US" sz="1200" dirty="0">
+                <a:solidFill>
+                  <a:srgbClr val="CD2264"/>
+                </a:solidFill>
+                <a:latin typeface="Arial" panose="020B0604020202020204" pitchFamily="34" charset="0"/>
+                <a:cs typeface="Arial" panose="020B0604020202020204" pitchFamily="34" charset="0"/>
+              </a:rPr>
+              <a:t>Log Archive Account</a:t>
+            </a:r>
+          </a:p>
+        </p:txBody>
+      </p:sp>
+      <p:pic>
+        <p:nvPicPr>
+          <p:cNvPr id="209" name="Graphic 208">
+            <a:extLst>
+              <a:ext uri="{FF2B5EF4-FFF2-40B4-BE49-F238E27FC236}">
+                <a16:creationId xmlns:a16="http://schemas.microsoft.com/office/drawing/2014/main" id="{51402323-0603-417E-93FD-C7785FA48EE1}"/>
+              </a:ext>
+            </a:extLst>
+          </p:cNvPr>
+          <p:cNvPicPr>
+            <a:picLocks noChangeAspect="1"/>
+          </p:cNvPicPr>
+          <p:nvPr/>
+        </p:nvPicPr>
+        <p:blipFill>
+          <a:blip r:embed="rId6">
+            <a:extLst>
+              <a:ext uri="{96DAC541-7B7A-43D3-8B79-37D633B846F1}">
+                <asvg:svgBlip xmlns:asvg="http://schemas.microsoft.com/office/drawing/2016/SVG/main" r:embed="rId7"/>
+              </a:ext>
+            </a:extLst>
+          </a:blip>
+          <a:stretch>
+            <a:fillRect/>
+          </a:stretch>
+        </p:blipFill>
+        <p:spPr>
+          <a:xfrm>
+            <a:off x="7335290" y="596404"/>
+            <a:ext cx="381000" cy="381000"/>
+          </a:xfrm>
+          <a:prstGeom prst="rect">
+            <a:avLst/>
+          </a:prstGeom>
+        </p:spPr>
+      </p:pic>
+      <p:sp>
+        <p:nvSpPr>
+          <p:cNvPr id="210" name="Oval 209">
+            <a:extLst>
+              <a:ext uri="{FF2B5EF4-FFF2-40B4-BE49-F238E27FC236}">
+                <a16:creationId xmlns:a16="http://schemas.microsoft.com/office/drawing/2014/main" id="{BD9A4F5F-C5C1-4658-A084-721674E8CE5F}"/>
+              </a:ext>
+            </a:extLst>
+          </p:cNvPr>
+          <p:cNvSpPr/>
+          <p:nvPr/>
+        </p:nvSpPr>
+        <p:spPr>
+          <a:xfrm>
+            <a:off x="7390246" y="973669"/>
+            <a:ext cx="253435" cy="212902"/>
+          </a:xfrm>
+          <a:prstGeom prst="ellipse">
+            <a:avLst/>
+          </a:prstGeom>
+          <a:solidFill>
+            <a:schemeClr val="tx1"/>
+          </a:solidFill>
+          <a:ln>
+            <a:solidFill>
+              <a:schemeClr val="tx1"/>
+            </a:solidFill>
+          </a:ln>
+        </p:spPr>
+        <p:style>
+          <a:lnRef idx="2">
+            <a:schemeClr val="accent1">
+              <a:shade val="50000"/>
+            </a:schemeClr>
+          </a:lnRef>
+          <a:fillRef idx="1">
+            <a:schemeClr val="accent1"/>
+          </a:fillRef>
+          <a:effectRef idx="0">
+            <a:schemeClr val="accent1"/>
+          </a:effectRef>
+          <a:fontRef idx="minor">
+            <a:schemeClr val="lt1"/>
+          </a:fontRef>
+        </p:style>
+        <p:txBody>
+          <a:bodyPr lIns="0" tIns="0" rIns="0" bIns="0" rtlCol="0" anchor="ctr"/>
+          <a:lstStyle/>
+          <a:p>
+            <a:pPr algn="ctr"/>
+            <a:r>
+              <a:rPr lang="en-US" sz="800" dirty="0">
+                <a:latin typeface="Arial" panose="020B0604020202020204" pitchFamily="34" charset="0"/>
+                <a:cs typeface="Arial" panose="020B0604020202020204" pitchFamily="34" charset="0"/>
+              </a:rPr>
+              <a:t>2.0</a:t>
+            </a:r>
+          </a:p>
+        </p:txBody>
+      </p:sp>
+      <p:sp>
+        <p:nvSpPr>
+          <p:cNvPr id="211" name="TextBox 210">
+            <a:extLst>
+              <a:ext uri="{FF2B5EF4-FFF2-40B4-BE49-F238E27FC236}">
+                <a16:creationId xmlns:a16="http://schemas.microsoft.com/office/drawing/2014/main" id="{801049E0-3218-41E0-8B9B-2A15FDE91F69}"/>
               </a:ext>
             </a:extLst>
           </p:cNvPr>
@@ -7480,8 +6666,1681 @@
         </p:nvSpPr>
         <p:spPr>
           <a:xfrm>
-            <a:off x="4019412" y="2099263"/>
-            <a:ext cx="932275" cy="261610"/>
+            <a:off x="7675251" y="1913462"/>
+            <a:ext cx="1233913" cy="430887"/>
+          </a:xfrm>
+          <a:prstGeom prst="rect">
+            <a:avLst/>
+          </a:prstGeom>
+          <a:noFill/>
+        </p:spPr>
+        <p:txBody>
+          <a:bodyPr wrap="square" rtlCol="0">
+            <a:spAutoFit/>
+          </a:bodyPr>
+          <a:lstStyle/>
+          <a:p>
+            <a:pPr algn="ctr"/>
+            <a:r>
+              <a:rPr lang="en-US" sz="1100" dirty="0">
+                <a:latin typeface="Arial" panose="020B0604020202020204" pitchFamily="34" charset="0"/>
+                <a:cs typeface="Arial" panose="020B0604020202020204" pitchFamily="34" charset="0"/>
+              </a:rPr>
+              <a:t>AWS CloudFormation</a:t>
+            </a:r>
+          </a:p>
+        </p:txBody>
+      </p:sp>
+      <p:pic>
+        <p:nvPicPr>
+          <p:cNvPr id="214" name="Graphic 213">
+            <a:extLst>
+              <a:ext uri="{FF2B5EF4-FFF2-40B4-BE49-F238E27FC236}">
+                <a16:creationId xmlns:a16="http://schemas.microsoft.com/office/drawing/2014/main" id="{6892D2DA-8947-4CB7-823F-BD7226A3F955}"/>
+              </a:ext>
+            </a:extLst>
+          </p:cNvPr>
+          <p:cNvPicPr>
+            <a:picLocks noChangeAspect="1"/>
+          </p:cNvPicPr>
+          <p:nvPr/>
+        </p:nvPicPr>
+        <p:blipFill>
+          <a:blip r:embed="rId13">
+            <a:extLst>
+              <a:ext uri="{96DAC541-7B7A-43D3-8B79-37D633B846F1}">
+                <asvg:svgBlip xmlns:asvg="http://schemas.microsoft.com/office/drawing/2016/SVG/main" r:embed="rId14"/>
+              </a:ext>
+            </a:extLst>
+          </a:blip>
+          <a:stretch>
+            <a:fillRect/>
+          </a:stretch>
+        </p:blipFill>
+        <p:spPr>
+          <a:xfrm>
+            <a:off x="9729732" y="1812404"/>
+            <a:ext cx="442506" cy="391567"/>
+          </a:xfrm>
+          <a:prstGeom prst="rect">
+            <a:avLst/>
+          </a:prstGeom>
+          <a:effectLst>
+            <a:outerShdw blurRad="50800" dist="38100" dir="13500000" algn="br" rotWithShape="0">
+              <a:prstClr val="black">
+                <a:alpha val="40000"/>
+              </a:prstClr>
+            </a:outerShdw>
+          </a:effectLst>
+        </p:spPr>
+      </p:pic>
+      <p:sp>
+        <p:nvSpPr>
+          <p:cNvPr id="215" name="Rectangle 214">
+            <a:extLst>
+              <a:ext uri="{FF2B5EF4-FFF2-40B4-BE49-F238E27FC236}">
+                <a16:creationId xmlns:a16="http://schemas.microsoft.com/office/drawing/2014/main" id="{2E743F60-DDC7-435F-B607-05DA8E4D3666}"/>
+              </a:ext>
+            </a:extLst>
+          </p:cNvPr>
+          <p:cNvSpPr/>
+          <p:nvPr/>
+        </p:nvSpPr>
+        <p:spPr>
+          <a:xfrm>
+            <a:off x="9852573" y="2129854"/>
+            <a:ext cx="1206014" cy="1161769"/>
+          </a:xfrm>
+          <a:prstGeom prst="rect">
+            <a:avLst/>
+          </a:prstGeom>
+          <a:solidFill>
+            <a:schemeClr val="bg1"/>
+          </a:solidFill>
+          <a:ln w="12700">
+            <a:solidFill>
+              <a:srgbClr val="5B9CD5"/>
+            </a:solidFill>
+            <a:prstDash val="sysDash"/>
+          </a:ln>
+          <a:effectLst>
+            <a:outerShdw blurRad="50800" dist="38100" dir="13500000" algn="br" rotWithShape="0">
+              <a:prstClr val="black">
+                <a:alpha val="40000"/>
+              </a:prstClr>
+            </a:outerShdw>
+          </a:effectLst>
+        </p:spPr>
+        <p:style>
+          <a:lnRef idx="2">
+            <a:schemeClr val="accent1">
+              <a:shade val="50000"/>
+            </a:schemeClr>
+          </a:lnRef>
+          <a:fillRef idx="1">
+            <a:schemeClr val="accent1"/>
+          </a:fillRef>
+          <a:effectRef idx="0">
+            <a:schemeClr val="accent1"/>
+          </a:effectRef>
+          <a:fontRef idx="minor">
+            <a:schemeClr val="lt1"/>
+          </a:fontRef>
+        </p:style>
+        <p:txBody>
+          <a:bodyPr lIns="502920" tIns="91440"/>
+          <a:lstStyle/>
+          <a:p>
+            <a:pPr eaLnBrk="1" fontAlgn="auto" hangingPunct="1">
+              <a:spcBef>
+                <a:spcPts val="0"/>
+              </a:spcBef>
+              <a:spcAft>
+                <a:spcPts val="0"/>
+              </a:spcAft>
+              <a:defRPr/>
+            </a:pPr>
+            <a:r>
+              <a:rPr lang="en-US" sz="1200" dirty="0">
+                <a:solidFill>
+                  <a:srgbClr val="5B9CD5"/>
+                </a:solidFill>
+                <a:latin typeface="Arial" panose="020B0604020202020204" pitchFamily="34" charset="0"/>
+                <a:cs typeface="Arial" panose="020B0604020202020204" pitchFamily="34" charset="0"/>
+              </a:rPr>
+              <a:t>Region n</a:t>
+            </a:r>
+          </a:p>
+        </p:txBody>
+      </p:sp>
+      <p:pic>
+        <p:nvPicPr>
+          <p:cNvPr id="216" name="Graphic 215">
+            <a:extLst>
+              <a:ext uri="{FF2B5EF4-FFF2-40B4-BE49-F238E27FC236}">
+                <a16:creationId xmlns:a16="http://schemas.microsoft.com/office/drawing/2014/main" id="{2DF0E5C9-8A77-4707-B6E6-A9C126004DDE}"/>
+              </a:ext>
+            </a:extLst>
+          </p:cNvPr>
+          <p:cNvPicPr>
+            <a:picLocks noChangeAspect="1"/>
+          </p:cNvPicPr>
+          <p:nvPr/>
+        </p:nvPicPr>
+        <p:blipFill>
+          <a:blip r:embed="rId13">
+            <a:extLst>
+              <a:ext uri="{96DAC541-7B7A-43D3-8B79-37D633B846F1}">
+                <asvg:svgBlip xmlns:asvg="http://schemas.microsoft.com/office/drawing/2016/SVG/main" r:embed="rId14"/>
+              </a:ext>
+            </a:extLst>
+          </a:blip>
+          <a:stretch>
+            <a:fillRect/>
+          </a:stretch>
+        </p:blipFill>
+        <p:spPr>
+          <a:xfrm>
+            <a:off x="9852572" y="2135668"/>
+            <a:ext cx="442506" cy="391567"/>
+          </a:xfrm>
+          <a:prstGeom prst="rect">
+            <a:avLst/>
+          </a:prstGeom>
+          <a:effectLst>
+            <a:outerShdw blurRad="50800" dist="38100" dir="13500000" algn="br" rotWithShape="0">
+              <a:prstClr val="black">
+                <a:alpha val="40000"/>
+              </a:prstClr>
+            </a:outerShdw>
+          </a:effectLst>
+        </p:spPr>
+      </p:pic>
+      <p:pic>
+        <p:nvPicPr>
+          <p:cNvPr id="109" name="Graphic 108">
+            <a:extLst>
+              <a:ext uri="{FF2B5EF4-FFF2-40B4-BE49-F238E27FC236}">
+                <a16:creationId xmlns:a16="http://schemas.microsoft.com/office/drawing/2014/main" id="{A640C55B-F6FD-3640-965F-605AEAB778BE}"/>
+              </a:ext>
+            </a:extLst>
+          </p:cNvPr>
+          <p:cNvPicPr>
+            <a:picLocks noChangeAspect="1"/>
+          </p:cNvPicPr>
+          <p:nvPr/>
+        </p:nvPicPr>
+        <p:blipFill>
+          <a:blip r:embed="rId15">
+            <a:extLst>
+              <a:ext uri="{96DAC541-7B7A-43D3-8B79-37D633B846F1}">
+                <asvg:svgBlip xmlns:asvg="http://schemas.microsoft.com/office/drawing/2016/SVG/main" r:embed="rId16"/>
+              </a:ext>
+            </a:extLst>
+          </a:blip>
+          <a:stretch>
+            <a:fillRect/>
+          </a:stretch>
+        </p:blipFill>
+        <p:spPr>
+          <a:xfrm>
+            <a:off x="8075618" y="1472062"/>
+            <a:ext cx="457200" cy="457200"/>
+          </a:xfrm>
+          <a:prstGeom prst="rect">
+            <a:avLst/>
+          </a:prstGeom>
+        </p:spPr>
+      </p:pic>
+      <p:sp>
+        <p:nvSpPr>
+          <p:cNvPr id="111" name="Oval 110">
+            <a:extLst>
+              <a:ext uri="{FF2B5EF4-FFF2-40B4-BE49-F238E27FC236}">
+                <a16:creationId xmlns:a16="http://schemas.microsoft.com/office/drawing/2014/main" id="{FB20F0D1-0CBE-9546-BAA5-F1447A9E8B2F}"/>
+              </a:ext>
+            </a:extLst>
+          </p:cNvPr>
+          <p:cNvSpPr/>
+          <p:nvPr/>
+        </p:nvSpPr>
+        <p:spPr>
+          <a:xfrm>
+            <a:off x="7984603" y="1390973"/>
+            <a:ext cx="253435" cy="212902"/>
+          </a:xfrm>
+          <a:prstGeom prst="ellipse">
+            <a:avLst/>
+          </a:prstGeom>
+          <a:solidFill>
+            <a:schemeClr val="tx1"/>
+          </a:solidFill>
+          <a:ln>
+            <a:solidFill>
+              <a:schemeClr val="tx1"/>
+            </a:solidFill>
+          </a:ln>
+        </p:spPr>
+        <p:style>
+          <a:lnRef idx="2">
+            <a:schemeClr val="accent1">
+              <a:shade val="50000"/>
+            </a:schemeClr>
+          </a:lnRef>
+          <a:fillRef idx="1">
+            <a:schemeClr val="accent1"/>
+          </a:fillRef>
+          <a:effectRef idx="0">
+            <a:schemeClr val="accent1"/>
+          </a:effectRef>
+          <a:fontRef idx="minor">
+            <a:schemeClr val="lt1"/>
+          </a:fontRef>
+        </p:style>
+        <p:txBody>
+          <a:bodyPr lIns="0" tIns="0" rIns="0" bIns="0" rtlCol="0" anchor="ctr"/>
+          <a:lstStyle/>
+          <a:p>
+            <a:pPr algn="ctr"/>
+            <a:r>
+              <a:rPr lang="en-US" sz="800" dirty="0">
+                <a:latin typeface="Arial" panose="020B0604020202020204" pitchFamily="34" charset="0"/>
+                <a:cs typeface="Arial" panose="020B0604020202020204" pitchFamily="34" charset="0"/>
+              </a:rPr>
+              <a:t>2.1</a:t>
+            </a:r>
+          </a:p>
+        </p:txBody>
+      </p:sp>
+      <p:sp>
+        <p:nvSpPr>
+          <p:cNvPr id="219" name="Rectangle 218">
+            <a:extLst>
+              <a:ext uri="{FF2B5EF4-FFF2-40B4-BE49-F238E27FC236}">
+                <a16:creationId xmlns:a16="http://schemas.microsoft.com/office/drawing/2014/main" id="{C659489A-46FA-4DDE-A1BA-77F0607EF2A2}"/>
+              </a:ext>
+            </a:extLst>
+          </p:cNvPr>
+          <p:cNvSpPr/>
+          <p:nvPr/>
+        </p:nvSpPr>
+        <p:spPr>
+          <a:xfrm>
+            <a:off x="7333860" y="3763187"/>
+            <a:ext cx="3999158" cy="2796638"/>
+          </a:xfrm>
+          <a:prstGeom prst="rect">
+            <a:avLst/>
+          </a:prstGeom>
+          <a:noFill/>
+          <a:ln w="12700">
+            <a:solidFill>
+              <a:srgbClr val="CD2264"/>
+            </a:solidFill>
+          </a:ln>
+        </p:spPr>
+        <p:style>
+          <a:lnRef idx="2">
+            <a:schemeClr val="accent1">
+              <a:shade val="50000"/>
+            </a:schemeClr>
+          </a:lnRef>
+          <a:fillRef idx="1">
+            <a:schemeClr val="accent1"/>
+          </a:fillRef>
+          <a:effectRef idx="0">
+            <a:schemeClr val="accent1"/>
+          </a:effectRef>
+          <a:fontRef idx="minor">
+            <a:schemeClr val="lt1"/>
+          </a:fontRef>
+        </p:style>
+        <p:txBody>
+          <a:bodyPr lIns="502920" tIns="91440"/>
+          <a:lstStyle/>
+          <a:p>
+            <a:pPr eaLnBrk="1" fontAlgn="auto" hangingPunct="1">
+              <a:spcBef>
+                <a:spcPts val="0"/>
+              </a:spcBef>
+              <a:spcAft>
+                <a:spcPts val="0"/>
+              </a:spcAft>
+              <a:defRPr/>
+            </a:pPr>
+            <a:r>
+              <a:rPr lang="en-US" sz="1200" dirty="0">
+                <a:solidFill>
+                  <a:srgbClr val="CD2264"/>
+                </a:solidFill>
+                <a:latin typeface="Arial" panose="020B0604020202020204" pitchFamily="34" charset="0"/>
+                <a:cs typeface="Arial" panose="020B0604020202020204" pitchFamily="34" charset="0"/>
+              </a:rPr>
+              <a:t>All Existing and Future Organization Member Accounts</a:t>
+            </a:r>
+          </a:p>
+        </p:txBody>
+      </p:sp>
+      <p:pic>
+        <p:nvPicPr>
+          <p:cNvPr id="220" name="Graphic 219">
+            <a:extLst>
+              <a:ext uri="{FF2B5EF4-FFF2-40B4-BE49-F238E27FC236}">
+                <a16:creationId xmlns:a16="http://schemas.microsoft.com/office/drawing/2014/main" id="{9BB2A7C4-93AA-4FC1-85F0-71732514BB4A}"/>
+              </a:ext>
+            </a:extLst>
+          </p:cNvPr>
+          <p:cNvPicPr>
+            <a:picLocks noChangeAspect="1"/>
+          </p:cNvPicPr>
+          <p:nvPr/>
+        </p:nvPicPr>
+        <p:blipFill>
+          <a:blip r:embed="rId6">
+            <a:extLst>
+              <a:ext uri="{96DAC541-7B7A-43D3-8B79-37D633B846F1}">
+                <asvg:svgBlip xmlns:asvg="http://schemas.microsoft.com/office/drawing/2016/SVG/main" r:embed="rId7"/>
+              </a:ext>
+            </a:extLst>
+          </a:blip>
+          <a:stretch>
+            <a:fillRect/>
+          </a:stretch>
+        </p:blipFill>
+        <p:spPr>
+          <a:xfrm>
+            <a:off x="7343784" y="3769316"/>
+            <a:ext cx="381000" cy="381000"/>
+          </a:xfrm>
+          <a:prstGeom prst="rect">
+            <a:avLst/>
+          </a:prstGeom>
+        </p:spPr>
+      </p:pic>
+      <p:sp>
+        <p:nvSpPr>
+          <p:cNvPr id="91" name="Oval 90">
+            <a:extLst>
+              <a:ext uri="{FF2B5EF4-FFF2-40B4-BE49-F238E27FC236}">
+                <a16:creationId xmlns:a16="http://schemas.microsoft.com/office/drawing/2014/main" id="{4F6D3A5E-6D06-304A-97F5-69FDBDFDA450}"/>
+              </a:ext>
+            </a:extLst>
+          </p:cNvPr>
+          <p:cNvSpPr/>
+          <p:nvPr/>
+        </p:nvSpPr>
+        <p:spPr>
+          <a:xfrm>
+            <a:off x="7390246" y="4150316"/>
+            <a:ext cx="253435" cy="212902"/>
+          </a:xfrm>
+          <a:prstGeom prst="ellipse">
+            <a:avLst/>
+          </a:prstGeom>
+          <a:solidFill>
+            <a:schemeClr val="tx1"/>
+          </a:solidFill>
+          <a:ln>
+            <a:solidFill>
+              <a:schemeClr val="tx1"/>
+            </a:solidFill>
+          </a:ln>
+        </p:spPr>
+        <p:style>
+          <a:lnRef idx="2">
+            <a:schemeClr val="accent1">
+              <a:shade val="50000"/>
+            </a:schemeClr>
+          </a:lnRef>
+          <a:fillRef idx="1">
+            <a:schemeClr val="accent1"/>
+          </a:fillRef>
+          <a:effectRef idx="0">
+            <a:schemeClr val="accent1"/>
+          </a:effectRef>
+          <a:fontRef idx="minor">
+            <a:schemeClr val="lt1"/>
+          </a:fontRef>
+        </p:style>
+        <p:txBody>
+          <a:bodyPr lIns="0" tIns="0" rIns="0" bIns="0" rtlCol="0" anchor="ctr"/>
+          <a:lstStyle/>
+          <a:p>
+            <a:pPr algn="ctr"/>
+            <a:r>
+              <a:rPr lang="en-US" sz="800" dirty="0"/>
+              <a:t>4.0</a:t>
+            </a:r>
+          </a:p>
+        </p:txBody>
+      </p:sp>
+      <p:sp>
+        <p:nvSpPr>
+          <p:cNvPr id="221" name="Rectangle 220">
+            <a:extLst>
+              <a:ext uri="{FF2B5EF4-FFF2-40B4-BE49-F238E27FC236}">
+                <a16:creationId xmlns:a16="http://schemas.microsoft.com/office/drawing/2014/main" id="{0EB590A6-47C4-4385-9025-6DCC5F4EDD2E}"/>
+              </a:ext>
+            </a:extLst>
+          </p:cNvPr>
+          <p:cNvSpPr/>
+          <p:nvPr/>
+        </p:nvSpPr>
+        <p:spPr>
+          <a:xfrm>
+            <a:off x="7735322" y="4316962"/>
+            <a:ext cx="3452797" cy="2130541"/>
+          </a:xfrm>
+          <a:prstGeom prst="rect">
+            <a:avLst/>
+          </a:prstGeom>
+          <a:noFill/>
+          <a:ln w="12700">
+            <a:solidFill>
+              <a:srgbClr val="5B9CD5"/>
+            </a:solidFill>
+            <a:prstDash val="sysDash"/>
+          </a:ln>
+        </p:spPr>
+        <p:style>
+          <a:lnRef idx="2">
+            <a:schemeClr val="accent1">
+              <a:shade val="50000"/>
+            </a:schemeClr>
+          </a:lnRef>
+          <a:fillRef idx="1">
+            <a:schemeClr val="accent1"/>
+          </a:fillRef>
+          <a:effectRef idx="0">
+            <a:schemeClr val="accent1"/>
+          </a:effectRef>
+          <a:fontRef idx="minor">
+            <a:schemeClr val="lt1"/>
+          </a:fontRef>
+        </p:style>
+        <p:txBody>
+          <a:bodyPr lIns="502920" tIns="91440"/>
+          <a:lstStyle/>
+          <a:p>
+            <a:pPr eaLnBrk="1" fontAlgn="auto" hangingPunct="1">
+              <a:spcBef>
+                <a:spcPts val="0"/>
+              </a:spcBef>
+              <a:spcAft>
+                <a:spcPts val="0"/>
+              </a:spcAft>
+              <a:defRPr/>
+            </a:pPr>
+            <a:r>
+              <a:rPr lang="en-US" sz="1200" dirty="0">
+                <a:solidFill>
+                  <a:srgbClr val="5B9CD5"/>
+                </a:solidFill>
+                <a:latin typeface="Arial" panose="020B0604020202020204" pitchFamily="34" charset="0"/>
+                <a:cs typeface="Arial" panose="020B0604020202020204" pitchFamily="34" charset="0"/>
+              </a:rPr>
+              <a:t>Home Region</a:t>
+            </a:r>
+          </a:p>
+        </p:txBody>
+      </p:sp>
+      <p:sp>
+        <p:nvSpPr>
+          <p:cNvPr id="223" name="Rectangle 222">
+            <a:extLst>
+              <a:ext uri="{FF2B5EF4-FFF2-40B4-BE49-F238E27FC236}">
+                <a16:creationId xmlns:a16="http://schemas.microsoft.com/office/drawing/2014/main" id="{A5CD68E2-B1B3-4526-87B2-D568EE0A4283}"/>
+              </a:ext>
+            </a:extLst>
+          </p:cNvPr>
+          <p:cNvSpPr/>
+          <p:nvPr/>
+        </p:nvSpPr>
+        <p:spPr>
+          <a:xfrm>
+            <a:off x="9609463" y="4507097"/>
+            <a:ext cx="1275435" cy="1307692"/>
+          </a:xfrm>
+          <a:prstGeom prst="rect">
+            <a:avLst/>
+          </a:prstGeom>
+          <a:solidFill>
+            <a:schemeClr val="bg1"/>
+          </a:solidFill>
+          <a:ln w="12700">
+            <a:solidFill>
+              <a:srgbClr val="5B9CD5"/>
+            </a:solidFill>
+            <a:prstDash val="sysDash"/>
+          </a:ln>
+          <a:effectLst>
+            <a:outerShdw blurRad="50800" dist="38100" dir="13500000" algn="br" rotWithShape="0">
+              <a:prstClr val="black">
+                <a:alpha val="40000"/>
+              </a:prstClr>
+            </a:outerShdw>
+          </a:effectLst>
+        </p:spPr>
+        <p:style>
+          <a:lnRef idx="2">
+            <a:schemeClr val="accent1">
+              <a:shade val="50000"/>
+            </a:schemeClr>
+          </a:lnRef>
+          <a:fillRef idx="1">
+            <a:schemeClr val="accent1"/>
+          </a:fillRef>
+          <a:effectRef idx="0">
+            <a:schemeClr val="accent1"/>
+          </a:effectRef>
+          <a:fontRef idx="minor">
+            <a:schemeClr val="lt1"/>
+          </a:fontRef>
+        </p:style>
+        <p:txBody>
+          <a:bodyPr lIns="502920" tIns="91440"/>
+          <a:lstStyle/>
+          <a:p>
+            <a:pPr eaLnBrk="1" fontAlgn="auto" hangingPunct="1">
+              <a:spcBef>
+                <a:spcPts val="0"/>
+              </a:spcBef>
+              <a:spcAft>
+                <a:spcPts val="0"/>
+              </a:spcAft>
+              <a:defRPr/>
+            </a:pPr>
+            <a:r>
+              <a:rPr lang="en-US" sz="1200" dirty="0">
+                <a:solidFill>
+                  <a:srgbClr val="5B9CD5"/>
+                </a:solidFill>
+                <a:latin typeface="Arial" panose="020B0604020202020204" pitchFamily="34" charset="0"/>
+                <a:cs typeface="Arial" panose="020B0604020202020204" pitchFamily="34" charset="0"/>
+              </a:rPr>
+              <a:t>Region 1</a:t>
+            </a:r>
+          </a:p>
+        </p:txBody>
+      </p:sp>
+      <p:pic>
+        <p:nvPicPr>
+          <p:cNvPr id="224" name="Graphic 223">
+            <a:extLst>
+              <a:ext uri="{FF2B5EF4-FFF2-40B4-BE49-F238E27FC236}">
+                <a16:creationId xmlns:a16="http://schemas.microsoft.com/office/drawing/2014/main" id="{07321E89-3364-4281-96F3-4E8151C201DA}"/>
+              </a:ext>
+            </a:extLst>
+          </p:cNvPr>
+          <p:cNvPicPr>
+            <a:picLocks noChangeAspect="1"/>
+          </p:cNvPicPr>
+          <p:nvPr/>
+        </p:nvPicPr>
+        <p:blipFill>
+          <a:blip r:embed="rId13">
+            <a:extLst>
+              <a:ext uri="{96DAC541-7B7A-43D3-8B79-37D633B846F1}">
+                <asvg:svgBlip xmlns:asvg="http://schemas.microsoft.com/office/drawing/2016/SVG/main" r:embed="rId14"/>
+              </a:ext>
+            </a:extLst>
+          </a:blip>
+          <a:stretch>
+            <a:fillRect/>
+          </a:stretch>
+        </p:blipFill>
+        <p:spPr>
+          <a:xfrm>
+            <a:off x="9605283" y="4500745"/>
+            <a:ext cx="442506" cy="391567"/>
+          </a:xfrm>
+          <a:prstGeom prst="rect">
+            <a:avLst/>
+          </a:prstGeom>
+          <a:effectLst>
+            <a:outerShdw blurRad="50800" dist="38100" dir="13500000" algn="br" rotWithShape="0">
+              <a:prstClr val="black">
+                <a:alpha val="40000"/>
+              </a:prstClr>
+            </a:outerShdw>
+          </a:effectLst>
+        </p:spPr>
+      </p:pic>
+      <p:sp>
+        <p:nvSpPr>
+          <p:cNvPr id="225" name="Rectangle 224">
+            <a:extLst>
+              <a:ext uri="{FF2B5EF4-FFF2-40B4-BE49-F238E27FC236}">
+                <a16:creationId xmlns:a16="http://schemas.microsoft.com/office/drawing/2014/main" id="{0102704B-7722-4CFB-98E8-9F9759C34265}"/>
+              </a:ext>
+            </a:extLst>
+          </p:cNvPr>
+          <p:cNvSpPr/>
+          <p:nvPr/>
+        </p:nvSpPr>
+        <p:spPr>
+          <a:xfrm>
+            <a:off x="9736468" y="4820060"/>
+            <a:ext cx="1237614" cy="1307692"/>
+          </a:xfrm>
+          <a:prstGeom prst="rect">
+            <a:avLst/>
+          </a:prstGeom>
+          <a:solidFill>
+            <a:schemeClr val="bg1"/>
+          </a:solidFill>
+          <a:ln w="12700">
+            <a:solidFill>
+              <a:srgbClr val="5B9CD5"/>
+            </a:solidFill>
+            <a:prstDash val="sysDash"/>
+          </a:ln>
+          <a:effectLst>
+            <a:outerShdw blurRad="50800" dist="38100" dir="13500000" algn="br" rotWithShape="0">
+              <a:prstClr val="black">
+                <a:alpha val="40000"/>
+              </a:prstClr>
+            </a:outerShdw>
+          </a:effectLst>
+        </p:spPr>
+        <p:style>
+          <a:lnRef idx="2">
+            <a:schemeClr val="accent1">
+              <a:shade val="50000"/>
+            </a:schemeClr>
+          </a:lnRef>
+          <a:fillRef idx="1">
+            <a:schemeClr val="accent1"/>
+          </a:fillRef>
+          <a:effectRef idx="0">
+            <a:schemeClr val="accent1"/>
+          </a:effectRef>
+          <a:fontRef idx="minor">
+            <a:schemeClr val="lt1"/>
+          </a:fontRef>
+        </p:style>
+        <p:txBody>
+          <a:bodyPr lIns="502920" tIns="91440"/>
+          <a:lstStyle/>
+          <a:p>
+            <a:pPr eaLnBrk="1" fontAlgn="auto" hangingPunct="1">
+              <a:spcBef>
+                <a:spcPts val="0"/>
+              </a:spcBef>
+              <a:spcAft>
+                <a:spcPts val="0"/>
+              </a:spcAft>
+              <a:defRPr/>
+            </a:pPr>
+            <a:r>
+              <a:rPr lang="en-US" sz="1200" dirty="0">
+                <a:solidFill>
+                  <a:srgbClr val="5B9CD5"/>
+                </a:solidFill>
+                <a:latin typeface="Arial" panose="020B0604020202020204" pitchFamily="34" charset="0"/>
+                <a:cs typeface="Arial" panose="020B0604020202020204" pitchFamily="34" charset="0"/>
+              </a:rPr>
+              <a:t>Region 2</a:t>
+            </a:r>
+          </a:p>
+        </p:txBody>
+      </p:sp>
+      <p:pic>
+        <p:nvPicPr>
+          <p:cNvPr id="228" name="Graphic 227">
+            <a:extLst>
+              <a:ext uri="{FF2B5EF4-FFF2-40B4-BE49-F238E27FC236}">
+                <a16:creationId xmlns:a16="http://schemas.microsoft.com/office/drawing/2014/main" id="{A77657A1-3F7D-4829-930C-C7457621F297}"/>
+              </a:ext>
+            </a:extLst>
+          </p:cNvPr>
+          <p:cNvPicPr>
+            <a:picLocks noChangeAspect="1"/>
+          </p:cNvPicPr>
+          <p:nvPr/>
+        </p:nvPicPr>
+        <p:blipFill>
+          <a:blip r:embed="rId13">
+            <a:extLst>
+              <a:ext uri="{96DAC541-7B7A-43D3-8B79-37D633B846F1}">
+                <asvg:svgBlip xmlns:asvg="http://schemas.microsoft.com/office/drawing/2016/SVG/main" r:embed="rId14"/>
+              </a:ext>
+            </a:extLst>
+          </a:blip>
+          <a:stretch>
+            <a:fillRect/>
+          </a:stretch>
+        </p:blipFill>
+        <p:spPr>
+          <a:xfrm>
+            <a:off x="9732809" y="4810768"/>
+            <a:ext cx="442506" cy="391567"/>
+          </a:xfrm>
+          <a:prstGeom prst="rect">
+            <a:avLst/>
+          </a:prstGeom>
+          <a:effectLst>
+            <a:outerShdw blurRad="50800" dist="38100" dir="13500000" algn="br" rotWithShape="0">
+              <a:prstClr val="black">
+                <a:alpha val="40000"/>
+              </a:prstClr>
+            </a:outerShdw>
+          </a:effectLst>
+        </p:spPr>
+      </p:pic>
+      <p:sp>
+        <p:nvSpPr>
+          <p:cNvPr id="229" name="Rectangle 228">
+            <a:extLst>
+              <a:ext uri="{FF2B5EF4-FFF2-40B4-BE49-F238E27FC236}">
+                <a16:creationId xmlns:a16="http://schemas.microsoft.com/office/drawing/2014/main" id="{49AC0F03-D447-4FFE-8A38-80B2B4CAE572}"/>
+              </a:ext>
+            </a:extLst>
+          </p:cNvPr>
+          <p:cNvSpPr/>
+          <p:nvPr/>
+        </p:nvSpPr>
+        <p:spPr>
+          <a:xfrm>
+            <a:off x="9855650" y="5128218"/>
+            <a:ext cx="1206014" cy="1161769"/>
+          </a:xfrm>
+          <a:prstGeom prst="rect">
+            <a:avLst/>
+          </a:prstGeom>
+          <a:solidFill>
+            <a:schemeClr val="bg1"/>
+          </a:solidFill>
+          <a:ln w="12700">
+            <a:solidFill>
+              <a:srgbClr val="5B9CD5"/>
+            </a:solidFill>
+            <a:prstDash val="sysDash"/>
+          </a:ln>
+          <a:effectLst>
+            <a:outerShdw blurRad="50800" dist="38100" dir="13500000" algn="br" rotWithShape="0">
+              <a:prstClr val="black">
+                <a:alpha val="40000"/>
+              </a:prstClr>
+            </a:outerShdw>
+          </a:effectLst>
+        </p:spPr>
+        <p:style>
+          <a:lnRef idx="2">
+            <a:schemeClr val="accent1">
+              <a:shade val="50000"/>
+            </a:schemeClr>
+          </a:lnRef>
+          <a:fillRef idx="1">
+            <a:schemeClr val="accent1"/>
+          </a:fillRef>
+          <a:effectRef idx="0">
+            <a:schemeClr val="accent1"/>
+          </a:effectRef>
+          <a:fontRef idx="minor">
+            <a:schemeClr val="lt1"/>
+          </a:fontRef>
+        </p:style>
+        <p:txBody>
+          <a:bodyPr lIns="502920" tIns="91440"/>
+          <a:lstStyle/>
+          <a:p>
+            <a:pPr eaLnBrk="1" fontAlgn="auto" hangingPunct="1">
+              <a:spcBef>
+                <a:spcPts val="0"/>
+              </a:spcBef>
+              <a:spcAft>
+                <a:spcPts val="0"/>
+              </a:spcAft>
+              <a:defRPr/>
+            </a:pPr>
+            <a:r>
+              <a:rPr lang="en-US" sz="1200" dirty="0">
+                <a:solidFill>
+                  <a:srgbClr val="5B9CD5"/>
+                </a:solidFill>
+                <a:latin typeface="Arial" panose="020B0604020202020204" pitchFamily="34" charset="0"/>
+                <a:cs typeface="Arial" panose="020B0604020202020204" pitchFamily="34" charset="0"/>
+              </a:rPr>
+              <a:t>Region n</a:t>
+            </a:r>
+          </a:p>
+        </p:txBody>
+      </p:sp>
+      <p:pic>
+        <p:nvPicPr>
+          <p:cNvPr id="230" name="Graphic 229">
+            <a:extLst>
+              <a:ext uri="{FF2B5EF4-FFF2-40B4-BE49-F238E27FC236}">
+                <a16:creationId xmlns:a16="http://schemas.microsoft.com/office/drawing/2014/main" id="{211D58C1-32A9-4C69-A6A1-3CF98EBAB272}"/>
+              </a:ext>
+            </a:extLst>
+          </p:cNvPr>
+          <p:cNvPicPr>
+            <a:picLocks noChangeAspect="1"/>
+          </p:cNvPicPr>
+          <p:nvPr/>
+        </p:nvPicPr>
+        <p:blipFill>
+          <a:blip r:embed="rId13">
+            <a:extLst>
+              <a:ext uri="{96DAC541-7B7A-43D3-8B79-37D633B846F1}">
+                <asvg:svgBlip xmlns:asvg="http://schemas.microsoft.com/office/drawing/2016/SVG/main" r:embed="rId14"/>
+              </a:ext>
+            </a:extLst>
+          </a:blip>
+          <a:stretch>
+            <a:fillRect/>
+          </a:stretch>
+        </p:blipFill>
+        <p:spPr>
+          <a:xfrm>
+            <a:off x="9855649" y="5134032"/>
+            <a:ext cx="442506" cy="391567"/>
+          </a:xfrm>
+          <a:prstGeom prst="rect">
+            <a:avLst/>
+          </a:prstGeom>
+          <a:effectLst>
+            <a:outerShdw blurRad="50800" dist="38100" dir="13500000" algn="br" rotWithShape="0">
+              <a:prstClr val="black">
+                <a:alpha val="40000"/>
+              </a:prstClr>
+            </a:outerShdw>
+          </a:effectLst>
+        </p:spPr>
+      </p:pic>
+      <p:sp>
+        <p:nvSpPr>
+          <p:cNvPr id="235" name="Oval 234">
+            <a:extLst>
+              <a:ext uri="{FF2B5EF4-FFF2-40B4-BE49-F238E27FC236}">
+                <a16:creationId xmlns:a16="http://schemas.microsoft.com/office/drawing/2014/main" id="{1BDB1ABD-271A-40FF-9892-B5B91A5F6E19}"/>
+              </a:ext>
+            </a:extLst>
+          </p:cNvPr>
+          <p:cNvSpPr/>
+          <p:nvPr/>
+        </p:nvSpPr>
+        <p:spPr>
+          <a:xfrm>
+            <a:off x="740779" y="1015175"/>
+            <a:ext cx="253435" cy="212902"/>
+          </a:xfrm>
+          <a:prstGeom prst="ellipse">
+            <a:avLst/>
+          </a:prstGeom>
+          <a:solidFill>
+            <a:schemeClr val="tx1"/>
+          </a:solidFill>
+          <a:ln>
+            <a:solidFill>
+              <a:schemeClr val="tx1"/>
+            </a:solidFill>
+          </a:ln>
+        </p:spPr>
+        <p:style>
+          <a:lnRef idx="2">
+            <a:schemeClr val="accent1">
+              <a:shade val="50000"/>
+            </a:schemeClr>
+          </a:lnRef>
+          <a:fillRef idx="1">
+            <a:schemeClr val="accent1"/>
+          </a:fillRef>
+          <a:effectRef idx="0">
+            <a:schemeClr val="accent1"/>
+          </a:effectRef>
+          <a:fontRef idx="minor">
+            <a:schemeClr val="lt1"/>
+          </a:fontRef>
+        </p:style>
+        <p:txBody>
+          <a:bodyPr lIns="0" tIns="0" rIns="0" bIns="0" rtlCol="0" anchor="ctr"/>
+          <a:lstStyle/>
+          <a:p>
+            <a:pPr algn="ctr"/>
+            <a:r>
+              <a:rPr lang="en-US" sz="800" dirty="0">
+                <a:latin typeface="Arial" panose="020B0604020202020204" pitchFamily="34" charset="0"/>
+                <a:cs typeface="Arial" panose="020B0604020202020204" pitchFamily="34" charset="0"/>
+              </a:rPr>
+              <a:t>1.0</a:t>
+            </a:r>
+          </a:p>
+        </p:txBody>
+      </p:sp>
+      <p:pic>
+        <p:nvPicPr>
+          <p:cNvPr id="236" name="Graphic 235">
+            <a:extLst>
+              <a:ext uri="{FF2B5EF4-FFF2-40B4-BE49-F238E27FC236}">
+                <a16:creationId xmlns:a16="http://schemas.microsoft.com/office/drawing/2014/main" id="{15114E6C-45C0-4B88-A357-ECA72E9C9465}"/>
+              </a:ext>
+            </a:extLst>
+          </p:cNvPr>
+          <p:cNvPicPr>
+            <a:picLocks noChangeAspect="1"/>
+          </p:cNvPicPr>
+          <p:nvPr/>
+        </p:nvPicPr>
+        <p:blipFill>
+          <a:blip r:embed="rId13">
+            <a:extLst>
+              <a:ext uri="{96DAC541-7B7A-43D3-8B79-37D633B846F1}">
+                <asvg:svgBlip xmlns:asvg="http://schemas.microsoft.com/office/drawing/2016/SVG/main" r:embed="rId14"/>
+              </a:ext>
+            </a:extLst>
+          </a:blip>
+          <a:stretch>
+            <a:fillRect/>
+          </a:stretch>
+        </p:blipFill>
+        <p:spPr>
+          <a:xfrm>
+            <a:off x="7735015" y="4316962"/>
+            <a:ext cx="391567" cy="391567"/>
+          </a:xfrm>
+          <a:prstGeom prst="rect">
+            <a:avLst/>
+          </a:prstGeom>
+        </p:spPr>
+      </p:pic>
+      <p:pic>
+        <p:nvPicPr>
+          <p:cNvPr id="2" name="Picture 1">
+            <a:extLst>
+              <a:ext uri="{FF2B5EF4-FFF2-40B4-BE49-F238E27FC236}">
+                <a16:creationId xmlns:a16="http://schemas.microsoft.com/office/drawing/2014/main" id="{9B8480CC-F75B-F7E1-2A06-A77FC9BB3E63}"/>
+              </a:ext>
+            </a:extLst>
+          </p:cNvPr>
+          <p:cNvPicPr>
+            <a:picLocks noChangeAspect="1"/>
+          </p:cNvPicPr>
+          <p:nvPr/>
+        </p:nvPicPr>
+        <p:blipFill>
+          <a:blip r:embed="rId17"/>
+          <a:stretch>
+            <a:fillRect/>
+          </a:stretch>
+        </p:blipFill>
+        <p:spPr>
+          <a:xfrm>
+            <a:off x="2456575" y="2748294"/>
+            <a:ext cx="457201" cy="419878"/>
+          </a:xfrm>
+          <a:prstGeom prst="rect">
+            <a:avLst/>
+          </a:prstGeom>
+        </p:spPr>
+      </p:pic>
+      <p:sp>
+        <p:nvSpPr>
+          <p:cNvPr id="3" name="TextBox 26">
+            <a:extLst>
+              <a:ext uri="{FF2B5EF4-FFF2-40B4-BE49-F238E27FC236}">
+                <a16:creationId xmlns:a16="http://schemas.microsoft.com/office/drawing/2014/main" id="{B98C722D-DB7B-0E3F-C1A8-EA59105A964B}"/>
+              </a:ext>
+            </a:extLst>
+          </p:cNvPr>
+          <p:cNvSpPr txBox="1">
+            <a:spLocks noChangeArrowheads="1"/>
+          </p:cNvSpPr>
+          <p:nvPr/>
+        </p:nvSpPr>
+        <p:spPr bwMode="auto">
+          <a:xfrm>
+            <a:off x="2151875" y="3124209"/>
+            <a:ext cx="969198" cy="430887"/>
+          </a:xfrm>
+          <a:prstGeom prst="rect">
+            <a:avLst/>
+          </a:prstGeom>
+          <a:noFill/>
+          <a:ln>
+            <a:noFill/>
+          </a:ln>
+          <a:extLst>
+            <a:ext uri="{909E8E84-426E-40DD-AFC4-6F175D3DCCD1}">
+              <a14:hiddenFill xmlns:a14="http://schemas.microsoft.com/office/drawing/2010/main">
+                <a:solidFill>
+                  <a:srgbClr val="FFFFFF"/>
+                </a:solidFill>
+              </a14:hiddenFill>
+            </a:ext>
+            <a:ext uri="{91240B29-F687-4F45-9708-019B960494DF}">
+              <a14:hiddenLine xmlns:a14="http://schemas.microsoft.com/office/drawing/2010/main" w="9525">
+                <a:solidFill>
+                  <a:srgbClr val="000000"/>
+                </a:solidFill>
+                <a:miter lim="800000"/>
+                <a:headEnd/>
+                <a:tailEnd/>
+              </a14:hiddenLine>
+            </a:ext>
+          </a:extLst>
+        </p:spPr>
+        <p:txBody>
+          <a:bodyPr wrap="square">
+            <a:spAutoFit/>
+          </a:bodyPr>
+          <a:lstStyle>
+            <a:lvl1pPr>
+              <a:defRPr>
+                <a:solidFill>
+                  <a:schemeClr val="tx1"/>
+                </a:solidFill>
+                <a:latin typeface="Calibri" panose="020F0502020204030204" pitchFamily="34" charset="0"/>
+              </a:defRPr>
+            </a:lvl1pPr>
+            <a:lvl2pPr marL="742950" indent="-285750">
+              <a:defRPr>
+                <a:solidFill>
+                  <a:schemeClr val="tx1"/>
+                </a:solidFill>
+                <a:latin typeface="Calibri" panose="020F0502020204030204" pitchFamily="34" charset="0"/>
+              </a:defRPr>
+            </a:lvl2pPr>
+            <a:lvl3pPr marL="1143000" indent="-228600">
+              <a:defRPr>
+                <a:solidFill>
+                  <a:schemeClr val="tx1"/>
+                </a:solidFill>
+                <a:latin typeface="Calibri" panose="020F0502020204030204" pitchFamily="34" charset="0"/>
+              </a:defRPr>
+            </a:lvl3pPr>
+            <a:lvl4pPr marL="1600200" indent="-228600">
+              <a:defRPr>
+                <a:solidFill>
+                  <a:schemeClr val="tx1"/>
+                </a:solidFill>
+                <a:latin typeface="Calibri" panose="020F0502020204030204" pitchFamily="34" charset="0"/>
+              </a:defRPr>
+            </a:lvl4pPr>
+            <a:lvl5pPr marL="2057400" indent="-228600">
+              <a:defRPr>
+                <a:solidFill>
+                  <a:schemeClr val="tx1"/>
+                </a:solidFill>
+                <a:latin typeface="Calibri" panose="020F0502020204030204" pitchFamily="34" charset="0"/>
+              </a:defRPr>
+            </a:lvl5pPr>
+            <a:lvl6pPr marL="2514600" indent="-228600" eaLnBrk="0" fontAlgn="base" hangingPunct="0">
+              <a:spcBef>
+                <a:spcPct val="0"/>
+              </a:spcBef>
+              <a:spcAft>
+                <a:spcPct val="0"/>
+              </a:spcAft>
+              <a:defRPr>
+                <a:solidFill>
+                  <a:schemeClr val="tx1"/>
+                </a:solidFill>
+                <a:latin typeface="Calibri" panose="020F0502020204030204" pitchFamily="34" charset="0"/>
+              </a:defRPr>
+            </a:lvl6pPr>
+            <a:lvl7pPr marL="2971800" indent="-228600" eaLnBrk="0" fontAlgn="base" hangingPunct="0">
+              <a:spcBef>
+                <a:spcPct val="0"/>
+              </a:spcBef>
+              <a:spcAft>
+                <a:spcPct val="0"/>
+              </a:spcAft>
+              <a:defRPr>
+                <a:solidFill>
+                  <a:schemeClr val="tx1"/>
+                </a:solidFill>
+                <a:latin typeface="Calibri" panose="020F0502020204030204" pitchFamily="34" charset="0"/>
+              </a:defRPr>
+            </a:lvl7pPr>
+            <a:lvl8pPr marL="3429000" indent="-228600" eaLnBrk="0" fontAlgn="base" hangingPunct="0">
+              <a:spcBef>
+                <a:spcPct val="0"/>
+              </a:spcBef>
+              <a:spcAft>
+                <a:spcPct val="0"/>
+              </a:spcAft>
+              <a:defRPr>
+                <a:solidFill>
+                  <a:schemeClr val="tx1"/>
+                </a:solidFill>
+                <a:latin typeface="Calibri" panose="020F0502020204030204" pitchFamily="34" charset="0"/>
+              </a:defRPr>
+            </a:lvl8pPr>
+            <a:lvl9pPr marL="3886200" indent="-228600" eaLnBrk="0" fontAlgn="base" hangingPunct="0">
+              <a:spcBef>
+                <a:spcPct val="0"/>
+              </a:spcBef>
+              <a:spcAft>
+                <a:spcPct val="0"/>
+              </a:spcAft>
+              <a:defRPr>
+                <a:solidFill>
+                  <a:schemeClr val="tx1"/>
+                </a:solidFill>
+                <a:latin typeface="Calibri" panose="020F0502020204030204" pitchFamily="34" charset="0"/>
+              </a:defRPr>
+            </a:lvl9pPr>
+          </a:lstStyle>
+          <a:p>
+            <a:pPr algn="ctr" eaLnBrk="1" hangingPunct="1"/>
+            <a:r>
+              <a:rPr lang="en-US" altLang="en-US" sz="1100" dirty="0">
+                <a:latin typeface="Arial" panose="020B0604020202020204" pitchFamily="34" charset="0"/>
+                <a:ea typeface="Amazon Ember" panose="020B0603020204020204" pitchFamily="34" charset="0"/>
+                <a:cs typeface="Arial" panose="020B0604020202020204" pitchFamily="34" charset="0"/>
+              </a:rPr>
+              <a:t>Lambda</a:t>
+            </a:r>
+          </a:p>
+          <a:p>
+            <a:pPr algn="ctr" eaLnBrk="1" hangingPunct="1"/>
+            <a:r>
+              <a:rPr lang="en-US" altLang="en-US" sz="1100" dirty="0">
+                <a:latin typeface="Arial" panose="020B0604020202020204" pitchFamily="34" charset="0"/>
+                <a:ea typeface="Amazon Ember" panose="020B0603020204020204" pitchFamily="34" charset="0"/>
+                <a:cs typeface="Arial" panose="020B0604020202020204" pitchFamily="34" charset="0"/>
+              </a:rPr>
+              <a:t>Layer</a:t>
+            </a:r>
+          </a:p>
+        </p:txBody>
+      </p:sp>
+      <p:sp>
+        <p:nvSpPr>
+          <p:cNvPr id="4" name="TextBox 3">
+            <a:extLst>
+              <a:ext uri="{FF2B5EF4-FFF2-40B4-BE49-F238E27FC236}">
+                <a16:creationId xmlns:a16="http://schemas.microsoft.com/office/drawing/2014/main" id="{1BF9A350-50AD-E3F1-7DE0-92CC78B43B7D}"/>
+              </a:ext>
+            </a:extLst>
+          </p:cNvPr>
+          <p:cNvSpPr txBox="1"/>
+          <p:nvPr/>
+        </p:nvSpPr>
+        <p:spPr>
+          <a:xfrm>
+            <a:off x="5414718" y="3443639"/>
+            <a:ext cx="1047687" cy="261610"/>
+          </a:xfrm>
+          <a:prstGeom prst="rect">
+            <a:avLst/>
+          </a:prstGeom>
+          <a:noFill/>
+        </p:spPr>
+        <p:txBody>
+          <a:bodyPr wrap="square" rtlCol="0">
+            <a:spAutoFit/>
+          </a:bodyPr>
+          <a:lstStyle/>
+          <a:p>
+            <a:pPr algn="ctr"/>
+            <a:r>
+              <a:rPr lang="en-US" sz="1100" dirty="0">
+                <a:latin typeface="Arial" panose="020B0604020202020204" pitchFamily="34" charset="0"/>
+                <a:cs typeface="Arial" panose="020B0604020202020204" pitchFamily="34" charset="0"/>
+              </a:rPr>
+              <a:t>Guard Duty</a:t>
+            </a:r>
+          </a:p>
+        </p:txBody>
+      </p:sp>
+      <p:pic>
+        <p:nvPicPr>
+          <p:cNvPr id="5" name="Graphic 19">
+            <a:extLst>
+              <a:ext uri="{FF2B5EF4-FFF2-40B4-BE49-F238E27FC236}">
+                <a16:creationId xmlns:a16="http://schemas.microsoft.com/office/drawing/2014/main" id="{11C841DA-59E3-2663-9C78-99E5EEF86334}"/>
+              </a:ext>
+            </a:extLst>
+          </p:cNvPr>
+          <p:cNvPicPr>
+            <a:picLocks noChangeAspect="1" noChangeArrowheads="1"/>
+          </p:cNvPicPr>
+          <p:nvPr/>
+        </p:nvPicPr>
+        <p:blipFill>
+          <a:blip r:embed="rId18">
+            <a:extLst>
+              <a:ext uri="{28A0092B-C50C-407E-A947-70E740481C1C}">
+                <a14:useLocalDpi xmlns:a14="http://schemas.microsoft.com/office/drawing/2010/main" val="0"/>
+              </a:ext>
+            </a:extLst>
+          </a:blip>
+          <a:srcRect/>
+          <a:stretch>
+            <a:fillRect/>
+          </a:stretch>
+        </p:blipFill>
+        <p:spPr bwMode="auto">
+          <a:xfrm>
+            <a:off x="5709962" y="3003868"/>
+            <a:ext cx="457200" cy="457200"/>
+          </a:xfrm>
+          <a:prstGeom prst="rect">
+            <a:avLst/>
+          </a:prstGeom>
+          <a:noFill/>
+          <a:ln>
+            <a:noFill/>
+          </a:ln>
+          <a:extLst>
+            <a:ext uri="{909E8E84-426E-40DD-AFC4-6F175D3DCCD1}">
+              <a14:hiddenFill xmlns:a14="http://schemas.microsoft.com/office/drawing/2010/main">
+                <a:solidFill>
+                  <a:srgbClr val="FFFFFF"/>
+                </a:solidFill>
+              </a14:hiddenFill>
+            </a:ext>
+            <a:ext uri="{91240B29-F687-4F45-9708-019B960494DF}">
+              <a14:hiddenLine xmlns:a14="http://schemas.microsoft.com/office/drawing/2010/main" w="9525">
+                <a:solidFill>
+                  <a:srgbClr val="000000"/>
+                </a:solidFill>
+                <a:miter lim="800000"/>
+                <a:headEnd/>
+                <a:tailEnd/>
+              </a14:hiddenLine>
+            </a:ext>
+          </a:extLst>
+        </p:spPr>
+      </p:pic>
+      <p:sp>
+        <p:nvSpPr>
+          <p:cNvPr id="198" name="Oval 197">
+            <a:extLst>
+              <a:ext uri="{FF2B5EF4-FFF2-40B4-BE49-F238E27FC236}">
+                <a16:creationId xmlns:a16="http://schemas.microsoft.com/office/drawing/2014/main" id="{6D6165D5-B9D1-4991-AA75-68D53C2CDFA7}"/>
+              </a:ext>
+            </a:extLst>
+          </p:cNvPr>
+          <p:cNvSpPr/>
+          <p:nvPr/>
+        </p:nvSpPr>
+        <p:spPr>
+          <a:xfrm>
+            <a:off x="5638689" y="2891992"/>
+            <a:ext cx="253435" cy="212902"/>
+          </a:xfrm>
+          <a:prstGeom prst="ellipse">
+            <a:avLst/>
+          </a:prstGeom>
+          <a:solidFill>
+            <a:schemeClr val="tx1"/>
+          </a:solidFill>
+          <a:ln>
+            <a:solidFill>
+              <a:schemeClr val="tx1"/>
+            </a:solidFill>
+          </a:ln>
+        </p:spPr>
+        <p:style>
+          <a:lnRef idx="2">
+            <a:schemeClr val="accent1">
+              <a:shade val="50000"/>
+            </a:schemeClr>
+          </a:lnRef>
+          <a:fillRef idx="1">
+            <a:schemeClr val="accent1"/>
+          </a:fillRef>
+          <a:effectRef idx="0">
+            <a:schemeClr val="accent1"/>
+          </a:effectRef>
+          <a:fontRef idx="minor">
+            <a:schemeClr val="lt1"/>
+          </a:fontRef>
+        </p:style>
+        <p:txBody>
+          <a:bodyPr lIns="0" tIns="0" rIns="0" bIns="0" rtlCol="0" anchor="ctr"/>
+          <a:lstStyle/>
+          <a:p>
+            <a:pPr algn="ctr"/>
+            <a:r>
+              <a:rPr lang="en-US" sz="700" dirty="0">
+                <a:latin typeface="Arial" panose="020B0604020202020204" pitchFamily="34" charset="0"/>
+                <a:cs typeface="Arial" panose="020B0604020202020204" pitchFamily="34" charset="0"/>
+              </a:rPr>
+              <a:t>1.8</a:t>
+            </a:r>
+          </a:p>
+        </p:txBody>
+      </p:sp>
+      <p:sp>
+        <p:nvSpPr>
+          <p:cNvPr id="6" name="TextBox 5">
+            <a:extLst>
+              <a:ext uri="{FF2B5EF4-FFF2-40B4-BE49-F238E27FC236}">
+                <a16:creationId xmlns:a16="http://schemas.microsoft.com/office/drawing/2014/main" id="{4D1ED5F0-7809-9F37-43DB-0D2A0C30017E}"/>
+              </a:ext>
+            </a:extLst>
+          </p:cNvPr>
+          <p:cNvSpPr txBox="1"/>
+          <p:nvPr/>
+        </p:nvSpPr>
+        <p:spPr>
+          <a:xfrm>
+            <a:off x="9970186" y="6032312"/>
+            <a:ext cx="1047687" cy="261610"/>
+          </a:xfrm>
+          <a:prstGeom prst="rect">
+            <a:avLst/>
+          </a:prstGeom>
+          <a:noFill/>
+        </p:spPr>
+        <p:txBody>
+          <a:bodyPr wrap="square" rtlCol="0">
+            <a:spAutoFit/>
+          </a:bodyPr>
+          <a:lstStyle/>
+          <a:p>
+            <a:pPr algn="ctr"/>
+            <a:r>
+              <a:rPr lang="en-US" sz="1100" dirty="0">
+                <a:latin typeface="Arial" panose="020B0604020202020204" pitchFamily="34" charset="0"/>
+                <a:cs typeface="Arial" panose="020B0604020202020204" pitchFamily="34" charset="0"/>
+              </a:rPr>
+              <a:t>Guard Duty</a:t>
+            </a:r>
+          </a:p>
+        </p:txBody>
+      </p:sp>
+      <p:pic>
+        <p:nvPicPr>
+          <p:cNvPr id="7" name="Graphic 19">
+            <a:extLst>
+              <a:ext uri="{FF2B5EF4-FFF2-40B4-BE49-F238E27FC236}">
+                <a16:creationId xmlns:a16="http://schemas.microsoft.com/office/drawing/2014/main" id="{61BACC07-55B1-7AD4-EBF1-A23AA30EE8EE}"/>
+              </a:ext>
+            </a:extLst>
+          </p:cNvPr>
+          <p:cNvPicPr>
+            <a:picLocks noChangeAspect="1" noChangeArrowheads="1"/>
+          </p:cNvPicPr>
+          <p:nvPr/>
+        </p:nvPicPr>
+        <p:blipFill>
+          <a:blip r:embed="rId18">
+            <a:extLst>
+              <a:ext uri="{28A0092B-C50C-407E-A947-70E740481C1C}">
+                <a14:useLocalDpi xmlns:a14="http://schemas.microsoft.com/office/drawing/2010/main" val="0"/>
+              </a:ext>
+            </a:extLst>
+          </a:blip>
+          <a:srcRect/>
+          <a:stretch>
+            <a:fillRect/>
+          </a:stretch>
+        </p:blipFill>
+        <p:spPr bwMode="auto">
+          <a:xfrm>
+            <a:off x="10265430" y="5592541"/>
+            <a:ext cx="457200" cy="457200"/>
+          </a:xfrm>
+          <a:prstGeom prst="rect">
+            <a:avLst/>
+          </a:prstGeom>
+          <a:noFill/>
+          <a:ln>
+            <a:noFill/>
+          </a:ln>
+          <a:extLst>
+            <a:ext uri="{909E8E84-426E-40DD-AFC4-6F175D3DCCD1}">
+              <a14:hiddenFill xmlns:a14="http://schemas.microsoft.com/office/drawing/2010/main">
+                <a:solidFill>
+                  <a:srgbClr val="FFFFFF"/>
+                </a:solidFill>
+              </a14:hiddenFill>
+            </a:ext>
+            <a:ext uri="{91240B29-F687-4F45-9708-019B960494DF}">
+              <a14:hiddenLine xmlns:a14="http://schemas.microsoft.com/office/drawing/2010/main" w="9525">
+                <a:solidFill>
+                  <a:srgbClr val="000000"/>
+                </a:solidFill>
+                <a:miter lim="800000"/>
+                <a:headEnd/>
+                <a:tailEnd/>
+              </a14:hiddenLine>
+            </a:ext>
+          </a:extLst>
+        </p:spPr>
+      </p:pic>
+      <p:sp>
+        <p:nvSpPr>
+          <p:cNvPr id="234" name="Oval 233">
+            <a:extLst>
+              <a:ext uri="{FF2B5EF4-FFF2-40B4-BE49-F238E27FC236}">
+                <a16:creationId xmlns:a16="http://schemas.microsoft.com/office/drawing/2014/main" id="{6EB5A766-9C35-4219-B581-3728C13CC74D}"/>
+              </a:ext>
+            </a:extLst>
+          </p:cNvPr>
+          <p:cNvSpPr/>
+          <p:nvPr/>
+        </p:nvSpPr>
+        <p:spPr>
+          <a:xfrm>
+            <a:off x="10141369" y="5548550"/>
+            <a:ext cx="253435" cy="212902"/>
+          </a:xfrm>
+          <a:prstGeom prst="ellipse">
+            <a:avLst/>
+          </a:prstGeom>
+          <a:solidFill>
+            <a:schemeClr val="tx1"/>
+          </a:solidFill>
+          <a:ln>
+            <a:solidFill>
+              <a:schemeClr val="tx1"/>
+            </a:solidFill>
+          </a:ln>
+        </p:spPr>
+        <p:style>
+          <a:lnRef idx="2">
+            <a:schemeClr val="accent1">
+              <a:shade val="50000"/>
+            </a:schemeClr>
+          </a:lnRef>
+          <a:fillRef idx="1">
+            <a:schemeClr val="accent1"/>
+          </a:fillRef>
+          <a:effectRef idx="0">
+            <a:schemeClr val="accent1"/>
+          </a:effectRef>
+          <a:fontRef idx="minor">
+            <a:schemeClr val="lt1"/>
+          </a:fontRef>
+        </p:style>
+        <p:txBody>
+          <a:bodyPr lIns="0" tIns="0" rIns="0" bIns="0" rtlCol="0" anchor="ctr"/>
+          <a:lstStyle/>
+          <a:p>
+            <a:pPr algn="ctr"/>
+            <a:r>
+              <a:rPr lang="en-US" sz="800" dirty="0">
+                <a:latin typeface="Arial" panose="020B0604020202020204" pitchFamily="34" charset="0"/>
+                <a:cs typeface="Arial" panose="020B0604020202020204" pitchFamily="34" charset="0"/>
+              </a:rPr>
+              <a:t>4.1</a:t>
+            </a:r>
+          </a:p>
+        </p:txBody>
+      </p:sp>
+      <p:sp>
+        <p:nvSpPr>
+          <p:cNvPr id="8" name="TextBox 7">
+            <a:extLst>
+              <a:ext uri="{FF2B5EF4-FFF2-40B4-BE49-F238E27FC236}">
+                <a16:creationId xmlns:a16="http://schemas.microsoft.com/office/drawing/2014/main" id="{1D1E9305-A17A-EC38-AB14-3DDDCD10046C}"/>
+              </a:ext>
+            </a:extLst>
+          </p:cNvPr>
+          <p:cNvSpPr txBox="1"/>
+          <p:nvPr/>
+        </p:nvSpPr>
+        <p:spPr>
+          <a:xfrm>
+            <a:off x="9937329" y="3048860"/>
+            <a:ext cx="1047687" cy="261610"/>
+          </a:xfrm>
+          <a:prstGeom prst="rect">
+            <a:avLst/>
+          </a:prstGeom>
+          <a:noFill/>
+        </p:spPr>
+        <p:txBody>
+          <a:bodyPr wrap="square" rtlCol="0">
+            <a:spAutoFit/>
+          </a:bodyPr>
+          <a:lstStyle/>
+          <a:p>
+            <a:pPr algn="ctr"/>
+            <a:r>
+              <a:rPr lang="en-US" sz="1100" dirty="0">
+                <a:latin typeface="Arial" panose="020B0604020202020204" pitchFamily="34" charset="0"/>
+                <a:cs typeface="Arial" panose="020B0604020202020204" pitchFamily="34" charset="0"/>
+              </a:rPr>
+              <a:t>Guard Duty</a:t>
+            </a:r>
+          </a:p>
+        </p:txBody>
+      </p:sp>
+      <p:pic>
+        <p:nvPicPr>
+          <p:cNvPr id="9" name="Graphic 19">
+            <a:extLst>
+              <a:ext uri="{FF2B5EF4-FFF2-40B4-BE49-F238E27FC236}">
+                <a16:creationId xmlns:a16="http://schemas.microsoft.com/office/drawing/2014/main" id="{35FA2CDC-1516-6EC5-6A0F-196A88CEAB3B}"/>
+              </a:ext>
+            </a:extLst>
+          </p:cNvPr>
+          <p:cNvPicPr>
+            <a:picLocks noChangeAspect="1" noChangeArrowheads="1"/>
+          </p:cNvPicPr>
+          <p:nvPr/>
+        </p:nvPicPr>
+        <p:blipFill>
+          <a:blip r:embed="rId18">
+            <a:extLst>
+              <a:ext uri="{28A0092B-C50C-407E-A947-70E740481C1C}">
+                <a14:useLocalDpi xmlns:a14="http://schemas.microsoft.com/office/drawing/2010/main" val="0"/>
+              </a:ext>
+            </a:extLst>
+          </a:blip>
+          <a:srcRect/>
+          <a:stretch>
+            <a:fillRect/>
+          </a:stretch>
+        </p:blipFill>
+        <p:spPr bwMode="auto">
+          <a:xfrm>
+            <a:off x="10230474" y="2629301"/>
+            <a:ext cx="457200" cy="457200"/>
+          </a:xfrm>
+          <a:prstGeom prst="rect">
+            <a:avLst/>
+          </a:prstGeom>
+          <a:noFill/>
+          <a:ln>
+            <a:noFill/>
+          </a:ln>
+          <a:extLst>
+            <a:ext uri="{909E8E84-426E-40DD-AFC4-6F175D3DCCD1}">
+              <a14:hiddenFill xmlns:a14="http://schemas.microsoft.com/office/drawing/2010/main">
+                <a:solidFill>
+                  <a:srgbClr val="FFFFFF"/>
+                </a:solidFill>
+              </a14:hiddenFill>
+            </a:ext>
+            <a:ext uri="{91240B29-F687-4F45-9708-019B960494DF}">
+              <a14:hiddenLine xmlns:a14="http://schemas.microsoft.com/office/drawing/2010/main" w="9525">
+                <a:solidFill>
+                  <a:srgbClr val="000000"/>
+                </a:solidFill>
+                <a:miter lim="800000"/>
+                <a:headEnd/>
+                <a:tailEnd/>
+              </a14:hiddenLine>
+            </a:ext>
+          </a:extLst>
+        </p:spPr>
+      </p:pic>
+      <p:sp>
+        <p:nvSpPr>
+          <p:cNvPr id="83" name="Oval 82">
+            <a:extLst>
+              <a:ext uri="{FF2B5EF4-FFF2-40B4-BE49-F238E27FC236}">
+                <a16:creationId xmlns:a16="http://schemas.microsoft.com/office/drawing/2014/main" id="{7FAA5BDA-59EE-924B-ACDA-6C50D7ABCDCD}"/>
+              </a:ext>
+            </a:extLst>
+          </p:cNvPr>
+          <p:cNvSpPr/>
+          <p:nvPr/>
+        </p:nvSpPr>
+        <p:spPr>
+          <a:xfrm>
+            <a:off x="10127080" y="2545969"/>
+            <a:ext cx="253435" cy="212902"/>
+          </a:xfrm>
+          <a:prstGeom prst="ellipse">
+            <a:avLst/>
+          </a:prstGeom>
+          <a:solidFill>
+            <a:schemeClr val="tx1"/>
+          </a:solidFill>
+          <a:ln>
+            <a:solidFill>
+              <a:schemeClr val="tx1"/>
+            </a:solidFill>
+          </a:ln>
+        </p:spPr>
+        <p:style>
+          <a:lnRef idx="2">
+            <a:schemeClr val="accent1">
+              <a:shade val="50000"/>
+            </a:schemeClr>
+          </a:lnRef>
+          <a:fillRef idx="1">
+            <a:schemeClr val="accent1"/>
+          </a:fillRef>
+          <a:effectRef idx="0">
+            <a:schemeClr val="accent1"/>
+          </a:effectRef>
+          <a:fontRef idx="minor">
+            <a:schemeClr val="lt1"/>
+          </a:fontRef>
+        </p:style>
+        <p:txBody>
+          <a:bodyPr lIns="0" tIns="0" rIns="0" bIns="0" rtlCol="0" anchor="ctr"/>
+          <a:lstStyle/>
+          <a:p>
+            <a:pPr algn="ctr"/>
+            <a:r>
+              <a:rPr lang="en-US" sz="800" dirty="0">
+                <a:latin typeface="Arial" panose="020B0604020202020204" pitchFamily="34" charset="0"/>
+                <a:cs typeface="Arial" panose="020B0604020202020204" pitchFamily="34" charset="0"/>
+              </a:rPr>
+              <a:t>2.3</a:t>
+            </a:r>
+          </a:p>
+        </p:txBody>
+      </p:sp>
+      <p:sp>
+        <p:nvSpPr>
+          <p:cNvPr id="10" name="TextBox 2">
+            <a:extLst>
+              <a:ext uri="{FF2B5EF4-FFF2-40B4-BE49-F238E27FC236}">
+                <a16:creationId xmlns:a16="http://schemas.microsoft.com/office/drawing/2014/main" id="{823FE5CB-AB7D-9C14-DC7B-79D473DA20DB}"/>
+              </a:ext>
+            </a:extLst>
+          </p:cNvPr>
+          <p:cNvSpPr txBox="1"/>
+          <p:nvPr/>
+        </p:nvSpPr>
+        <p:spPr>
+          <a:xfrm>
+            <a:off x="7886674" y="2894452"/>
+            <a:ext cx="834101" cy="430887"/>
           </a:xfrm>
           <a:prstGeom prst="rect">
             <a:avLst/>
@@ -7576,238 +8435,17 @@
                 <a:latin typeface="Arial" panose="020B0604020202020204" pitchFamily="34" charset="0"/>
                 <a:cs typeface="Arial" panose="020B0604020202020204" pitchFamily="34" charset="0"/>
               </a:rPr>
-              <a:t>DLQ</a:t>
-            </a:r>
-          </a:p>
-        </p:txBody>
-      </p:sp>
-      <p:cxnSp>
-        <p:nvCxnSpPr>
-          <p:cNvPr id="133" name="Straight Arrow Connector 132">
-            <a:extLst>
-              <a:ext uri="{FF2B5EF4-FFF2-40B4-BE49-F238E27FC236}">
-                <a16:creationId xmlns:a16="http://schemas.microsoft.com/office/drawing/2014/main" id="{3F2E1A98-66FD-664E-9067-27D2F0881CB3}"/>
-              </a:ext>
-            </a:extLst>
-          </p:cNvPr>
-          <p:cNvCxnSpPr>
-            <a:cxnSpLocks/>
-          </p:cNvCxnSpPr>
-          <p:nvPr/>
-        </p:nvCxnSpPr>
-        <p:spPr>
-          <a:xfrm>
-            <a:off x="4773417" y="1953374"/>
-            <a:ext cx="356540" cy="0"/>
-          </a:xfrm>
-          <a:prstGeom prst="straightConnector1">
-            <a:avLst/>
-          </a:prstGeom>
-          <a:ln>
-            <a:tailEnd type="triangle"/>
-          </a:ln>
-        </p:spPr>
-        <p:style>
-          <a:lnRef idx="1">
-            <a:schemeClr val="dk1"/>
-          </a:lnRef>
-          <a:fillRef idx="0">
-            <a:schemeClr val="dk1"/>
-          </a:fillRef>
-          <a:effectRef idx="0">
-            <a:schemeClr val="dk1"/>
-          </a:effectRef>
-          <a:fontRef idx="minor">
-            <a:schemeClr val="tx1"/>
-          </a:fontRef>
-        </p:style>
-      </p:cxnSp>
-      <p:sp>
-        <p:nvSpPr>
-          <p:cNvPr id="134" name="Oval 133">
-            <a:extLst>
-              <a:ext uri="{FF2B5EF4-FFF2-40B4-BE49-F238E27FC236}">
-                <a16:creationId xmlns:a16="http://schemas.microsoft.com/office/drawing/2014/main" id="{6265BFD4-1EAC-B845-8597-8B172BC41CC8}"/>
-              </a:ext>
-            </a:extLst>
-          </p:cNvPr>
-          <p:cNvSpPr/>
-          <p:nvPr/>
-        </p:nvSpPr>
-        <p:spPr>
-          <a:xfrm>
-            <a:off x="3158420" y="3198370"/>
-            <a:ext cx="253435" cy="212902"/>
-          </a:xfrm>
-          <a:prstGeom prst="ellipse">
-            <a:avLst/>
-          </a:prstGeom>
-          <a:solidFill>
-            <a:schemeClr val="tx1"/>
-          </a:solidFill>
-          <a:ln>
-            <a:solidFill>
-              <a:schemeClr val="tx1"/>
-            </a:solidFill>
-          </a:ln>
-        </p:spPr>
-        <p:style>
-          <a:lnRef idx="2">
-            <a:schemeClr val="accent1">
-              <a:shade val="50000"/>
-            </a:schemeClr>
-          </a:lnRef>
-          <a:fillRef idx="1">
-            <a:schemeClr val="accent1"/>
-          </a:fillRef>
-          <a:effectRef idx="0">
-            <a:schemeClr val="accent1"/>
-          </a:effectRef>
-          <a:fontRef idx="minor">
-            <a:schemeClr val="lt1"/>
-          </a:fontRef>
-        </p:style>
-        <p:txBody>
-          <a:bodyPr lIns="0" tIns="0" rIns="0" bIns="0" rtlCol="0" anchor="ctr"/>
-          <a:lstStyle/>
-          <a:p>
-            <a:pPr algn="ctr"/>
-            <a:r>
-              <a:rPr lang="en-US" sz="800" dirty="0">
-                <a:latin typeface="Arial" panose="020B0604020202020204" pitchFamily="34" charset="0"/>
-                <a:cs typeface="Arial" panose="020B0604020202020204" pitchFamily="34" charset="0"/>
-              </a:rPr>
-              <a:t>1.5</a:t>
-            </a:r>
-          </a:p>
-        </p:txBody>
-      </p:sp>
-      <p:sp>
-        <p:nvSpPr>
-          <p:cNvPr id="135" name="Oval 134">
-            <a:extLst>
-              <a:ext uri="{FF2B5EF4-FFF2-40B4-BE49-F238E27FC236}">
-                <a16:creationId xmlns:a16="http://schemas.microsoft.com/office/drawing/2014/main" id="{A93BF9A5-1D54-164E-97D9-53B265CDAF3E}"/>
-              </a:ext>
-            </a:extLst>
-          </p:cNvPr>
-          <p:cNvSpPr/>
-          <p:nvPr/>
-        </p:nvSpPr>
-        <p:spPr>
-          <a:xfrm>
-            <a:off x="4000068" y="1837293"/>
-            <a:ext cx="253435" cy="212902"/>
-          </a:xfrm>
-          <a:prstGeom prst="ellipse">
-            <a:avLst/>
-          </a:prstGeom>
-          <a:solidFill>
-            <a:schemeClr val="tx1"/>
-          </a:solidFill>
-          <a:ln>
-            <a:solidFill>
-              <a:schemeClr val="tx1"/>
-            </a:solidFill>
-          </a:ln>
-        </p:spPr>
-        <p:style>
-          <a:lnRef idx="2">
-            <a:schemeClr val="accent1">
-              <a:shade val="50000"/>
-            </a:schemeClr>
-          </a:lnRef>
-          <a:fillRef idx="1">
-            <a:schemeClr val="accent1"/>
-          </a:fillRef>
-          <a:effectRef idx="0">
-            <a:schemeClr val="accent1"/>
-          </a:effectRef>
-          <a:fontRef idx="minor">
-            <a:schemeClr val="lt1"/>
-          </a:fontRef>
-        </p:style>
-        <p:txBody>
-          <a:bodyPr lIns="0" tIns="0" rIns="0" bIns="0" rtlCol="0" anchor="ctr"/>
-          <a:lstStyle/>
-          <a:p>
-            <a:pPr algn="ctr"/>
-            <a:r>
-              <a:rPr lang="en-US" sz="800" dirty="0">
-                <a:latin typeface="Arial" panose="020B0604020202020204" pitchFamily="34" charset="0"/>
-                <a:cs typeface="Arial" panose="020B0604020202020204" pitchFamily="34" charset="0"/>
-              </a:rPr>
-              <a:t>1.6</a:t>
-            </a:r>
-          </a:p>
-        </p:txBody>
-      </p:sp>
-      <p:sp>
-        <p:nvSpPr>
-          <p:cNvPr id="136" name="Oval 135">
-            <a:extLst>
-              <a:ext uri="{FF2B5EF4-FFF2-40B4-BE49-F238E27FC236}">
-                <a16:creationId xmlns:a16="http://schemas.microsoft.com/office/drawing/2014/main" id="{0B6E3580-CA00-8C48-A31F-4800158C605D}"/>
-              </a:ext>
-            </a:extLst>
-          </p:cNvPr>
-          <p:cNvSpPr/>
-          <p:nvPr/>
-        </p:nvSpPr>
-        <p:spPr>
-          <a:xfrm>
-            <a:off x="5259436" y="1769953"/>
-            <a:ext cx="253435" cy="212902"/>
-          </a:xfrm>
-          <a:prstGeom prst="ellipse">
-            <a:avLst/>
-          </a:prstGeom>
-          <a:solidFill>
-            <a:schemeClr val="tx1"/>
-          </a:solidFill>
-          <a:ln>
-            <a:solidFill>
-              <a:schemeClr val="tx1"/>
-            </a:solidFill>
-          </a:ln>
-        </p:spPr>
-        <p:style>
-          <a:lnRef idx="2">
-            <a:schemeClr val="accent1">
-              <a:shade val="50000"/>
-            </a:schemeClr>
-          </a:lnRef>
-          <a:fillRef idx="1">
-            <a:schemeClr val="accent1"/>
-          </a:fillRef>
-          <a:effectRef idx="0">
-            <a:schemeClr val="accent1"/>
-          </a:effectRef>
-          <a:fontRef idx="minor">
-            <a:schemeClr val="lt1"/>
-          </a:fontRef>
-        </p:style>
-        <p:txBody>
-          <a:bodyPr lIns="0" tIns="0" rIns="0" bIns="0" rtlCol="0" anchor="ctr"/>
-          <a:lstStyle/>
-          <a:p>
-            <a:pPr algn="ctr"/>
-            <a:r>
-              <a:rPr lang="en-US" sz="800" dirty="0">
-                <a:latin typeface="Arial" panose="020B0604020202020204" pitchFamily="34" charset="0"/>
-                <a:cs typeface="Arial" panose="020B0604020202020204" pitchFamily="34" charset="0"/>
-              </a:rPr>
-              <a:t>1.7</a:t>
+              <a:t>Delivery S3 Bucket</a:t>
             </a:r>
           </a:p>
         </p:txBody>
       </p:sp>
       <p:pic>
         <p:nvPicPr>
-          <p:cNvPr id="83" name="Graphic 21">
-            <a:extLst>
-              <a:ext uri="{FF2B5EF4-FFF2-40B4-BE49-F238E27FC236}">
-                <a16:creationId xmlns:a16="http://schemas.microsoft.com/office/drawing/2014/main" id="{BFB957A9-7588-DC4F-BD6B-719417314479}"/>
+          <p:cNvPr id="11" name="Graphic 14">
+            <a:extLst>
+              <a:ext uri="{FF2B5EF4-FFF2-40B4-BE49-F238E27FC236}">
+                <a16:creationId xmlns:a16="http://schemas.microsoft.com/office/drawing/2014/main" id="{ACD013EF-7A3B-1E20-EBAB-C3876104F764}"/>
               </a:ext>
             </a:extLst>
           </p:cNvPr>
@@ -7817,7 +8455,7 @@
           <p:nvPr/>
         </p:nvPicPr>
         <p:blipFill>
-          <a:blip r:embed="rId12">
+          <a:blip r:embed="rId19">
             <a:extLst>
               <a:ext uri="{28A0092B-C50C-407E-A947-70E740481C1C}">
                 <a14:useLocalDpi xmlns:a14="http://schemas.microsoft.com/office/drawing/2010/main" val="0"/>
@@ -7831,7 +8469,7 @@
         </p:blipFill>
         <p:spPr bwMode="auto">
           <a:xfrm>
-            <a:off x="7945977" y="1646486"/>
+            <a:off x="8075618" y="2455078"/>
             <a:ext cx="457200" cy="457200"/>
           </a:xfrm>
           <a:prstGeom prst="rect">
@@ -7864,10 +8502,10 @@
       </p:pic>
       <p:sp>
         <p:nvSpPr>
-          <p:cNvPr id="77" name="Oval 76">
-            <a:extLst>
-              <a:ext uri="{FF2B5EF4-FFF2-40B4-BE49-F238E27FC236}">
-                <a16:creationId xmlns:a16="http://schemas.microsoft.com/office/drawing/2014/main" id="{AED94000-28EA-A04C-B6B2-408F1241E4F2}"/>
+          <p:cNvPr id="86" name="Oval 85">
+            <a:extLst>
+              <a:ext uri="{FF2B5EF4-FFF2-40B4-BE49-F238E27FC236}">
+                <a16:creationId xmlns:a16="http://schemas.microsoft.com/office/drawing/2014/main" id="{35153FDD-FB22-B342-84E8-288ECF8E2988}"/>
               </a:ext>
             </a:extLst>
           </p:cNvPr>
@@ -7876,7 +8514,7 @@
         </p:nvSpPr>
         <p:spPr>
           <a:xfrm>
-            <a:off x="7961697" y="1654939"/>
+            <a:off x="7999865" y="2413240"/>
             <a:ext cx="253435" cy="212902"/>
           </a:xfrm>
           <a:prstGeom prst="ellipse">
@@ -7917,17 +8555,152 @@
                 <a:latin typeface="Arial" panose="020B0604020202020204" pitchFamily="34" charset="0"/>
                 <a:cs typeface="Arial" panose="020B0604020202020204" pitchFamily="34" charset="0"/>
               </a:rPr>
-              <a:t>2.1</a:t>
+              <a:t>2.2</a:t>
+            </a:r>
+          </a:p>
+        </p:txBody>
+      </p:sp>
+      <p:sp>
+        <p:nvSpPr>
+          <p:cNvPr id="33" name="TextBox 32">
+            <a:extLst>
+              <a:ext uri="{FF2B5EF4-FFF2-40B4-BE49-F238E27FC236}">
+                <a16:creationId xmlns:a16="http://schemas.microsoft.com/office/drawing/2014/main" id="{CCFB43C8-13AB-629D-4365-E63447B1E9C2}"/>
+              </a:ext>
+            </a:extLst>
+          </p:cNvPr>
+          <p:cNvSpPr txBox="1"/>
+          <p:nvPr/>
+        </p:nvSpPr>
+        <p:spPr>
+          <a:xfrm>
+            <a:off x="1349496" y="5663001"/>
+            <a:ext cx="1211154" cy="430887"/>
+          </a:xfrm>
+          <a:prstGeom prst="rect">
+            <a:avLst/>
+          </a:prstGeom>
+          <a:noFill/>
+        </p:spPr>
+        <p:txBody>
+          <a:bodyPr wrap="square" rtlCol="0">
+            <a:spAutoFit/>
+          </a:bodyPr>
+          <a:lstStyle/>
+          <a:p>
+            <a:pPr algn="ctr"/>
+            <a:r>
+              <a:rPr lang="en-US" sz="1100" dirty="0">
+                <a:latin typeface="Arial" panose="020B0604020202020204" pitchFamily="34" charset="0"/>
+                <a:cs typeface="Arial" panose="020B0604020202020204" pitchFamily="34" charset="0"/>
+              </a:rPr>
+              <a:t>AWS CloudFormation</a:t>
             </a:r>
           </a:p>
         </p:txBody>
       </p:sp>
       <p:pic>
         <p:nvPicPr>
-          <p:cNvPr id="84" name="Graphic 21">
-            <a:extLst>
-              <a:ext uri="{FF2B5EF4-FFF2-40B4-BE49-F238E27FC236}">
-                <a16:creationId xmlns:a16="http://schemas.microsoft.com/office/drawing/2014/main" id="{54DD9FF4-F886-7342-89FC-F6D02603018E}"/>
+          <p:cNvPr id="34" name="Graphic 33">
+            <a:extLst>
+              <a:ext uri="{FF2B5EF4-FFF2-40B4-BE49-F238E27FC236}">
+                <a16:creationId xmlns:a16="http://schemas.microsoft.com/office/drawing/2014/main" id="{E9C98AC1-A8AC-63D5-EE69-5F19702934C0}"/>
+              </a:ext>
+            </a:extLst>
+          </p:cNvPr>
+          <p:cNvPicPr>
+            <a:picLocks noChangeAspect="1"/>
+          </p:cNvPicPr>
+          <p:nvPr/>
+        </p:nvPicPr>
+        <p:blipFill>
+          <a:blip r:embed="rId15">
+            <a:extLst>
+              <a:ext uri="{96DAC541-7B7A-43D3-8B79-37D633B846F1}">
+                <asvg:svgBlip xmlns:asvg="http://schemas.microsoft.com/office/drawing/2016/SVG/main" r:embed="rId16"/>
+              </a:ext>
+            </a:extLst>
+          </a:blip>
+          <a:stretch>
+            <a:fillRect/>
+          </a:stretch>
+        </p:blipFill>
+        <p:spPr>
+          <a:xfrm>
+            <a:off x="1725538" y="5211960"/>
+            <a:ext cx="457200" cy="457200"/>
+          </a:xfrm>
+          <a:prstGeom prst="rect">
+            <a:avLst/>
+          </a:prstGeom>
+        </p:spPr>
+      </p:pic>
+      <p:sp>
+        <p:nvSpPr>
+          <p:cNvPr id="35" name="Oval 34">
+            <a:extLst>
+              <a:ext uri="{FF2B5EF4-FFF2-40B4-BE49-F238E27FC236}">
+                <a16:creationId xmlns:a16="http://schemas.microsoft.com/office/drawing/2014/main" id="{B3E570B2-6BEE-6F30-CC72-07655E3628F4}"/>
+              </a:ext>
+            </a:extLst>
+          </p:cNvPr>
+          <p:cNvSpPr/>
+          <p:nvPr/>
+        </p:nvSpPr>
+        <p:spPr>
+          <a:xfrm>
+            <a:off x="1598819" y="5145318"/>
+            <a:ext cx="253435" cy="212902"/>
+          </a:xfrm>
+          <a:prstGeom prst="ellipse">
+            <a:avLst/>
+          </a:prstGeom>
+          <a:solidFill>
+            <a:schemeClr val="tx1"/>
+          </a:solidFill>
+          <a:ln>
+            <a:solidFill>
+              <a:schemeClr val="tx1"/>
+            </a:solidFill>
+          </a:ln>
+        </p:spPr>
+        <p:style>
+          <a:lnRef idx="2">
+            <a:schemeClr val="accent1">
+              <a:shade val="50000"/>
+            </a:schemeClr>
+          </a:lnRef>
+          <a:fillRef idx="1">
+            <a:schemeClr val="accent1"/>
+          </a:fillRef>
+          <a:effectRef idx="0">
+            <a:schemeClr val="accent1"/>
+          </a:effectRef>
+          <a:fontRef idx="minor">
+            <a:schemeClr val="lt1"/>
+          </a:fontRef>
+        </p:style>
+        <p:txBody>
+          <a:bodyPr lIns="0" tIns="0" rIns="0" bIns="0" rtlCol="0" anchor="ctr"/>
+          <a:lstStyle/>
+          <a:p>
+            <a:pPr algn="ctr"/>
+            <a:r>
+              <a:rPr lang="en-US" sz="800" dirty="0">
+                <a:latin typeface="Arial" panose="020B0604020202020204" pitchFamily="34" charset="0"/>
+                <a:cs typeface="Arial" panose="020B0604020202020204" pitchFamily="34" charset="0"/>
+              </a:rPr>
+              <a:t>3.1</a:t>
+            </a:r>
+          </a:p>
+        </p:txBody>
+      </p:sp>
+      <p:pic>
+        <p:nvPicPr>
+          <p:cNvPr id="36" name="Graphic 7">
+            <a:extLst>
+              <a:ext uri="{FF2B5EF4-FFF2-40B4-BE49-F238E27FC236}">
+                <a16:creationId xmlns:a16="http://schemas.microsoft.com/office/drawing/2014/main" id="{30F64005-F015-BF94-01DA-63D7C4A4406F}"/>
               </a:ext>
             </a:extLst>
           </p:cNvPr>
@@ -7937,7 +8710,7 @@
           <p:nvPr/>
         </p:nvPicPr>
         <p:blipFill>
-          <a:blip r:embed="rId12">
+          <a:blip r:embed="rId20">
             <a:extLst>
               <a:ext uri="{28A0092B-C50C-407E-A947-70E740481C1C}">
                 <a14:useLocalDpi xmlns:a14="http://schemas.microsoft.com/office/drawing/2010/main" val="0"/>
@@ -7951,7 +8724,7 @@
         </p:blipFill>
         <p:spPr bwMode="auto">
           <a:xfrm>
-            <a:off x="1891177" y="2157283"/>
+            <a:off x="2816218" y="5231603"/>
             <a:ext cx="457200" cy="457200"/>
           </a:xfrm>
           <a:prstGeom prst="rect">
@@ -7984,10 +8757,49 @@
       </p:pic>
       <p:sp>
         <p:nvSpPr>
-          <p:cNvPr id="227" name="Oval 226">
-            <a:extLst>
-              <a:ext uri="{FF2B5EF4-FFF2-40B4-BE49-F238E27FC236}">
-                <a16:creationId xmlns:a16="http://schemas.microsoft.com/office/drawing/2014/main" id="{F0D1735B-0005-B145-8C48-3E3934A1D64E}"/>
+          <p:cNvPr id="37" name="TextBox 36">
+            <a:extLst>
+              <a:ext uri="{FF2B5EF4-FFF2-40B4-BE49-F238E27FC236}">
+                <a16:creationId xmlns:a16="http://schemas.microsoft.com/office/drawing/2014/main" id="{77098F96-AD47-76CF-7896-FA55D5941344}"/>
+              </a:ext>
+            </a:extLst>
+          </p:cNvPr>
+          <p:cNvSpPr txBox="1"/>
+          <p:nvPr/>
+        </p:nvSpPr>
+        <p:spPr>
+          <a:xfrm>
+            <a:off x="2511672" y="5685589"/>
+            <a:ext cx="1115962" cy="430887"/>
+          </a:xfrm>
+          <a:prstGeom prst="rect">
+            <a:avLst/>
+          </a:prstGeom>
+          <a:noFill/>
+        </p:spPr>
+        <p:txBody>
+          <a:bodyPr wrap="square" rtlCol="0">
+            <a:spAutoFit/>
+          </a:bodyPr>
+          <a:lstStyle/>
+          <a:p>
+            <a:pPr algn="ctr"/>
+            <a:r>
+              <a:rPr lang="en-US" sz="1100" dirty="0">
+                <a:latin typeface="Arial" panose="020B0604020202020204" pitchFamily="34" charset="0"/>
+                <a:cs typeface="Arial" panose="020B0604020202020204" pitchFamily="34" charset="0"/>
+              </a:rPr>
+              <a:t>Delivery KMS Key</a:t>
+            </a:r>
+          </a:p>
+        </p:txBody>
+      </p:sp>
+      <p:sp>
+        <p:nvSpPr>
+          <p:cNvPr id="38" name="Oval 37">
+            <a:extLst>
+              <a:ext uri="{FF2B5EF4-FFF2-40B4-BE49-F238E27FC236}">
+                <a16:creationId xmlns:a16="http://schemas.microsoft.com/office/drawing/2014/main" id="{4D62BE70-7F79-0946-0611-005B207927B3}"/>
               </a:ext>
             </a:extLst>
           </p:cNvPr>
@@ -7996,7 +8808,7 @@
         </p:nvSpPr>
         <p:spPr>
           <a:xfrm>
-            <a:off x="1913603" y="2172981"/>
+            <a:off x="2716289" y="5158256"/>
             <a:ext cx="253435" cy="212902"/>
           </a:xfrm>
           <a:prstGeom prst="ellipse">
@@ -8037,17 +8849,810 @@
                 <a:latin typeface="Arial" panose="020B0604020202020204" pitchFamily="34" charset="0"/>
                 <a:cs typeface="Arial" panose="020B0604020202020204" pitchFamily="34" charset="0"/>
               </a:rPr>
-              <a:t>1.1</a:t>
+              <a:t>3.2</a:t>
+            </a:r>
+          </a:p>
+        </p:txBody>
+      </p:sp>
+      <p:sp>
+        <p:nvSpPr>
+          <p:cNvPr id="39" name="Rectangle 38">
+            <a:extLst>
+              <a:ext uri="{FF2B5EF4-FFF2-40B4-BE49-F238E27FC236}">
+                <a16:creationId xmlns:a16="http://schemas.microsoft.com/office/drawing/2014/main" id="{2AE12A14-948F-19D6-0A20-04834AAAB046}"/>
+              </a:ext>
+            </a:extLst>
+          </p:cNvPr>
+          <p:cNvSpPr/>
+          <p:nvPr/>
+        </p:nvSpPr>
+        <p:spPr>
+          <a:xfrm>
+            <a:off x="654509" y="4213389"/>
+            <a:ext cx="6573634" cy="2353120"/>
+          </a:xfrm>
+          <a:prstGeom prst="rect">
+            <a:avLst/>
+          </a:prstGeom>
+          <a:noFill/>
+          <a:ln w="12700">
+            <a:solidFill>
+              <a:srgbClr val="CD2264"/>
+            </a:solidFill>
+          </a:ln>
+        </p:spPr>
+        <p:style>
+          <a:lnRef idx="2">
+            <a:schemeClr val="accent1">
+              <a:shade val="50000"/>
+            </a:schemeClr>
+          </a:lnRef>
+          <a:fillRef idx="1">
+            <a:schemeClr val="accent1"/>
+          </a:fillRef>
+          <a:effectRef idx="0">
+            <a:schemeClr val="accent1"/>
+          </a:effectRef>
+          <a:fontRef idx="minor">
+            <a:schemeClr val="lt1"/>
+          </a:fontRef>
+        </p:style>
+        <p:txBody>
+          <a:bodyPr lIns="502920" tIns="91440"/>
+          <a:lstStyle/>
+          <a:p>
+            <a:pPr eaLnBrk="1" fontAlgn="auto" hangingPunct="1">
+              <a:spcBef>
+                <a:spcPts val="0"/>
+              </a:spcBef>
+              <a:spcAft>
+                <a:spcPts val="0"/>
+              </a:spcAft>
+              <a:defRPr/>
+            </a:pPr>
+            <a:r>
+              <a:rPr lang="en-US" sz="1200" dirty="0">
+                <a:solidFill>
+                  <a:srgbClr val="CD2264"/>
+                </a:solidFill>
+                <a:latin typeface="Arial" panose="020B0604020202020204" pitchFamily="34" charset="0"/>
+                <a:cs typeface="Arial" panose="020B0604020202020204" pitchFamily="34" charset="0"/>
+              </a:rPr>
+              <a:t>Audit Account</a:t>
+            </a:r>
+          </a:p>
+        </p:txBody>
+      </p:sp>
+      <p:sp>
+        <p:nvSpPr>
+          <p:cNvPr id="41" name="Rectangle 40">
+            <a:extLst>
+              <a:ext uri="{FF2B5EF4-FFF2-40B4-BE49-F238E27FC236}">
+                <a16:creationId xmlns:a16="http://schemas.microsoft.com/office/drawing/2014/main" id="{B705DAB5-4C76-AC47-00D8-F9F3F074C202}"/>
+              </a:ext>
+            </a:extLst>
+          </p:cNvPr>
+          <p:cNvSpPr/>
+          <p:nvPr/>
+        </p:nvSpPr>
+        <p:spPr>
+          <a:xfrm>
+            <a:off x="1135199" y="4523373"/>
+            <a:ext cx="5890539" cy="1924132"/>
+          </a:xfrm>
+          <a:prstGeom prst="rect">
+            <a:avLst/>
+          </a:prstGeom>
+          <a:noFill/>
+          <a:ln w="12700">
+            <a:solidFill>
+              <a:srgbClr val="5B9CD5"/>
+            </a:solidFill>
+            <a:prstDash val="sysDash"/>
+          </a:ln>
+        </p:spPr>
+        <p:style>
+          <a:lnRef idx="2">
+            <a:schemeClr val="accent1">
+              <a:shade val="50000"/>
+            </a:schemeClr>
+          </a:lnRef>
+          <a:fillRef idx="1">
+            <a:schemeClr val="accent1"/>
+          </a:fillRef>
+          <a:effectRef idx="0">
+            <a:schemeClr val="accent1"/>
+          </a:effectRef>
+          <a:fontRef idx="minor">
+            <a:schemeClr val="lt1"/>
+          </a:fontRef>
+        </p:style>
+        <p:txBody>
+          <a:bodyPr lIns="502920" tIns="91440"/>
+          <a:lstStyle/>
+          <a:p>
+            <a:pPr eaLnBrk="1" fontAlgn="auto" hangingPunct="1">
+              <a:spcBef>
+                <a:spcPts val="0"/>
+              </a:spcBef>
+              <a:spcAft>
+                <a:spcPts val="0"/>
+              </a:spcAft>
+              <a:defRPr/>
+            </a:pPr>
+            <a:r>
+              <a:rPr lang="en-US" sz="1200" dirty="0">
+                <a:solidFill>
+                  <a:srgbClr val="5B9CD5"/>
+                </a:solidFill>
+                <a:latin typeface="Arial" panose="020B0604020202020204" pitchFamily="34" charset="0"/>
+                <a:cs typeface="Arial" panose="020B0604020202020204" pitchFamily="34" charset="0"/>
+              </a:rPr>
+              <a:t>Home Region</a:t>
             </a:r>
           </a:p>
         </p:txBody>
       </p:sp>
       <p:pic>
         <p:nvPicPr>
-          <p:cNvPr id="86" name="Graphic 21">
-            <a:extLst>
-              <a:ext uri="{FF2B5EF4-FFF2-40B4-BE49-F238E27FC236}">
-                <a16:creationId xmlns:a16="http://schemas.microsoft.com/office/drawing/2014/main" id="{236E451E-6AF5-E44D-9078-1CCBA92A1645}"/>
+          <p:cNvPr id="42" name="Graphic 41">
+            <a:extLst>
+              <a:ext uri="{FF2B5EF4-FFF2-40B4-BE49-F238E27FC236}">
+                <a16:creationId xmlns:a16="http://schemas.microsoft.com/office/drawing/2014/main" id="{6E44F0B1-49B0-AD77-0C26-EBC49FA770FD}"/>
+              </a:ext>
+            </a:extLst>
+          </p:cNvPr>
+          <p:cNvPicPr>
+            <a:picLocks noChangeAspect="1"/>
+          </p:cNvPicPr>
+          <p:nvPr/>
+        </p:nvPicPr>
+        <p:blipFill>
+          <a:blip r:embed="rId13">
+            <a:extLst>
+              <a:ext uri="{96DAC541-7B7A-43D3-8B79-37D633B846F1}">
+                <asvg:svgBlip xmlns:asvg="http://schemas.microsoft.com/office/drawing/2016/SVG/main" r:embed="rId14"/>
+              </a:ext>
+            </a:extLst>
+          </a:blip>
+          <a:stretch>
+            <a:fillRect/>
+          </a:stretch>
+        </p:blipFill>
+        <p:spPr>
+          <a:xfrm>
+            <a:off x="1142129" y="4522317"/>
+            <a:ext cx="366179" cy="338804"/>
+          </a:xfrm>
+          <a:prstGeom prst="rect">
+            <a:avLst/>
+          </a:prstGeom>
+        </p:spPr>
+      </p:pic>
+      <p:pic>
+        <p:nvPicPr>
+          <p:cNvPr id="52" name="Graphic 51">
+            <a:extLst>
+              <a:ext uri="{FF2B5EF4-FFF2-40B4-BE49-F238E27FC236}">
+                <a16:creationId xmlns:a16="http://schemas.microsoft.com/office/drawing/2014/main" id="{80469FE4-AE33-6A6F-5C40-F873CB3DDD56}"/>
+              </a:ext>
+            </a:extLst>
+          </p:cNvPr>
+          <p:cNvPicPr>
+            <a:picLocks noChangeAspect="1"/>
+          </p:cNvPicPr>
+          <p:nvPr/>
+        </p:nvPicPr>
+        <p:blipFill>
+          <a:blip r:embed="rId6">
+            <a:extLst>
+              <a:ext uri="{96DAC541-7B7A-43D3-8B79-37D633B846F1}">
+                <asvg:svgBlip xmlns:asvg="http://schemas.microsoft.com/office/drawing/2016/SVG/main" r:embed="rId7"/>
+              </a:ext>
+            </a:extLst>
+          </a:blip>
+          <a:stretch>
+            <a:fillRect/>
+          </a:stretch>
+        </p:blipFill>
+        <p:spPr>
+          <a:xfrm>
+            <a:off x="654509" y="4213389"/>
+            <a:ext cx="381903" cy="354864"/>
+          </a:xfrm>
+          <a:prstGeom prst="rect">
+            <a:avLst/>
+          </a:prstGeom>
+        </p:spPr>
+      </p:pic>
+      <p:cxnSp>
+        <p:nvCxnSpPr>
+          <p:cNvPr id="62" name="Straight Arrow Connector 61">
+            <a:extLst>
+              <a:ext uri="{FF2B5EF4-FFF2-40B4-BE49-F238E27FC236}">
+                <a16:creationId xmlns:a16="http://schemas.microsoft.com/office/drawing/2014/main" id="{E6A7F377-89C2-3D2F-7D0D-1FF84239F4B5}"/>
+              </a:ext>
+            </a:extLst>
+          </p:cNvPr>
+          <p:cNvCxnSpPr>
+            <a:cxnSpLocks/>
+          </p:cNvCxnSpPr>
+          <p:nvPr/>
+        </p:nvCxnSpPr>
+        <p:spPr>
+          <a:xfrm>
+            <a:off x="3103682" y="2064398"/>
+            <a:ext cx="316106" cy="229059"/>
+          </a:xfrm>
+          <a:prstGeom prst="straightConnector1">
+            <a:avLst/>
+          </a:prstGeom>
+          <a:ln>
+            <a:headEnd type="triangle"/>
+            <a:tailEnd type="triangle"/>
+          </a:ln>
+        </p:spPr>
+        <p:style>
+          <a:lnRef idx="1">
+            <a:schemeClr val="dk1"/>
+          </a:lnRef>
+          <a:fillRef idx="0">
+            <a:schemeClr val="dk1"/>
+          </a:fillRef>
+          <a:effectRef idx="0">
+            <a:schemeClr val="dk1"/>
+          </a:effectRef>
+          <a:fontRef idx="minor">
+            <a:schemeClr val="tx1"/>
+          </a:fontRef>
+        </p:style>
+      </p:cxnSp>
+      <p:sp>
+        <p:nvSpPr>
+          <p:cNvPr id="67" name="TextBox 66">
+            <a:extLst>
+              <a:ext uri="{FF2B5EF4-FFF2-40B4-BE49-F238E27FC236}">
+                <a16:creationId xmlns:a16="http://schemas.microsoft.com/office/drawing/2014/main" id="{36A9DB3A-A056-D34D-AB74-F5D04081FA71}"/>
+              </a:ext>
+            </a:extLst>
+          </p:cNvPr>
+          <p:cNvSpPr txBox="1"/>
+          <p:nvPr/>
+        </p:nvSpPr>
+        <p:spPr>
+          <a:xfrm>
+            <a:off x="3631678" y="5592541"/>
+            <a:ext cx="1103001" cy="430887"/>
+          </a:xfrm>
+          <a:prstGeom prst="rect">
+            <a:avLst/>
+          </a:prstGeom>
+          <a:noFill/>
+        </p:spPr>
+        <p:txBody>
+          <a:bodyPr wrap="square" rtlCol="0">
+            <a:spAutoFit/>
+          </a:bodyPr>
+          <a:lstStyle/>
+          <a:p>
+            <a:pPr algn="ctr"/>
+            <a:r>
+              <a:rPr lang="en-US" sz="1100" dirty="0">
+                <a:latin typeface="Arial" panose="020B0604020202020204" pitchFamily="34" charset="0"/>
+                <a:cs typeface="Arial" panose="020B0604020202020204" pitchFamily="34" charset="0"/>
+              </a:rPr>
+              <a:t>Configuration Role</a:t>
+            </a:r>
+          </a:p>
+        </p:txBody>
+      </p:sp>
+      <p:pic>
+        <p:nvPicPr>
+          <p:cNvPr id="69" name="Graphic 68">
+            <a:extLst>
+              <a:ext uri="{FF2B5EF4-FFF2-40B4-BE49-F238E27FC236}">
+                <a16:creationId xmlns:a16="http://schemas.microsoft.com/office/drawing/2014/main" id="{67C016E4-BD77-26A3-F229-068EB6A6F53E}"/>
+              </a:ext>
+            </a:extLst>
+          </p:cNvPr>
+          <p:cNvPicPr>
+            <a:picLocks noChangeAspect="1"/>
+          </p:cNvPicPr>
+          <p:nvPr/>
+        </p:nvPicPr>
+        <p:blipFill>
+          <a:blip r:embed="rId21">
+            <a:extLst>
+              <a:ext uri="{96DAC541-7B7A-43D3-8B79-37D633B846F1}">
+                <asvg:svgBlip xmlns:asvg="http://schemas.microsoft.com/office/drawing/2016/SVG/main" r:embed="rId22"/>
+              </a:ext>
+            </a:extLst>
+          </a:blip>
+          <a:stretch>
+            <a:fillRect/>
+          </a:stretch>
+        </p:blipFill>
+        <p:spPr>
+          <a:xfrm>
+            <a:off x="3913605" y="5236677"/>
+            <a:ext cx="469900" cy="469900"/>
+          </a:xfrm>
+          <a:prstGeom prst="rect">
+            <a:avLst/>
+          </a:prstGeom>
+        </p:spPr>
+      </p:pic>
+      <p:sp>
+        <p:nvSpPr>
+          <p:cNvPr id="70" name="Oval 69">
+            <a:extLst>
+              <a:ext uri="{FF2B5EF4-FFF2-40B4-BE49-F238E27FC236}">
+                <a16:creationId xmlns:a16="http://schemas.microsoft.com/office/drawing/2014/main" id="{4240976C-6CB9-C942-158D-E3809A03ECA7}"/>
+              </a:ext>
+            </a:extLst>
+          </p:cNvPr>
+          <p:cNvSpPr/>
+          <p:nvPr/>
+        </p:nvSpPr>
+        <p:spPr>
+          <a:xfrm>
+            <a:off x="3757355" y="5153896"/>
+            <a:ext cx="253435" cy="212902"/>
+          </a:xfrm>
+          <a:prstGeom prst="ellipse">
+            <a:avLst/>
+          </a:prstGeom>
+          <a:solidFill>
+            <a:schemeClr val="tx1"/>
+          </a:solidFill>
+          <a:ln>
+            <a:solidFill>
+              <a:schemeClr val="tx1"/>
+            </a:solidFill>
+          </a:ln>
+        </p:spPr>
+        <p:style>
+          <a:lnRef idx="2">
+            <a:schemeClr val="accent1">
+              <a:shade val="50000"/>
+            </a:schemeClr>
+          </a:lnRef>
+          <a:fillRef idx="1">
+            <a:schemeClr val="accent1"/>
+          </a:fillRef>
+          <a:effectRef idx="0">
+            <a:schemeClr val="accent1"/>
+          </a:effectRef>
+          <a:fontRef idx="minor">
+            <a:schemeClr val="lt1"/>
+          </a:fontRef>
+        </p:style>
+        <p:txBody>
+          <a:bodyPr lIns="0" tIns="0" rIns="0" bIns="0" rtlCol="0" anchor="ctr"/>
+          <a:lstStyle/>
+          <a:p>
+            <a:pPr algn="ctr"/>
+            <a:r>
+              <a:rPr lang="en-US" sz="800" dirty="0">
+                <a:latin typeface="Arial" panose="020B0604020202020204" pitchFamily="34" charset="0"/>
+                <a:cs typeface="Arial" panose="020B0604020202020204" pitchFamily="34" charset="0"/>
+              </a:rPr>
+              <a:t>3.3</a:t>
+            </a:r>
+          </a:p>
+        </p:txBody>
+      </p:sp>
+      <p:sp>
+        <p:nvSpPr>
+          <p:cNvPr id="80" name="Rectangle 79">
+            <a:extLst>
+              <a:ext uri="{FF2B5EF4-FFF2-40B4-BE49-F238E27FC236}">
+                <a16:creationId xmlns:a16="http://schemas.microsoft.com/office/drawing/2014/main" id="{83276C01-F3DB-DBB4-9C25-5F0F5DA02243}"/>
+              </a:ext>
+            </a:extLst>
+          </p:cNvPr>
+          <p:cNvSpPr/>
+          <p:nvPr/>
+        </p:nvSpPr>
+        <p:spPr>
+          <a:xfrm>
+            <a:off x="5172076" y="4610482"/>
+            <a:ext cx="1275435" cy="1307692"/>
+          </a:xfrm>
+          <a:prstGeom prst="rect">
+            <a:avLst/>
+          </a:prstGeom>
+          <a:solidFill>
+            <a:schemeClr val="bg1"/>
+          </a:solidFill>
+          <a:ln w="12700">
+            <a:solidFill>
+              <a:srgbClr val="5B9CD5"/>
+            </a:solidFill>
+            <a:prstDash val="sysDash"/>
+          </a:ln>
+          <a:effectLst>
+            <a:outerShdw blurRad="50800" dist="38100" dir="13500000" algn="br" rotWithShape="0">
+              <a:prstClr val="black">
+                <a:alpha val="40000"/>
+              </a:prstClr>
+            </a:outerShdw>
+          </a:effectLst>
+        </p:spPr>
+        <p:style>
+          <a:lnRef idx="2">
+            <a:schemeClr val="accent1">
+              <a:shade val="50000"/>
+            </a:schemeClr>
+          </a:lnRef>
+          <a:fillRef idx="1">
+            <a:schemeClr val="accent1"/>
+          </a:fillRef>
+          <a:effectRef idx="0">
+            <a:schemeClr val="accent1"/>
+          </a:effectRef>
+          <a:fontRef idx="minor">
+            <a:schemeClr val="lt1"/>
+          </a:fontRef>
+        </p:style>
+        <p:txBody>
+          <a:bodyPr lIns="502920" tIns="91440"/>
+          <a:lstStyle/>
+          <a:p>
+            <a:pPr eaLnBrk="1" fontAlgn="auto" hangingPunct="1">
+              <a:spcBef>
+                <a:spcPts val="0"/>
+              </a:spcBef>
+              <a:spcAft>
+                <a:spcPts val="0"/>
+              </a:spcAft>
+              <a:defRPr/>
+            </a:pPr>
+            <a:r>
+              <a:rPr lang="en-US" sz="1200" dirty="0">
+                <a:solidFill>
+                  <a:srgbClr val="5B9CD5"/>
+                </a:solidFill>
+                <a:latin typeface="Arial" panose="020B0604020202020204" pitchFamily="34" charset="0"/>
+                <a:cs typeface="Arial" panose="020B0604020202020204" pitchFamily="34" charset="0"/>
+              </a:rPr>
+              <a:t>Region 1</a:t>
+            </a:r>
+          </a:p>
+        </p:txBody>
+      </p:sp>
+      <p:pic>
+        <p:nvPicPr>
+          <p:cNvPr id="89" name="Graphic 88">
+            <a:extLst>
+              <a:ext uri="{FF2B5EF4-FFF2-40B4-BE49-F238E27FC236}">
+                <a16:creationId xmlns:a16="http://schemas.microsoft.com/office/drawing/2014/main" id="{0135EB32-6837-A56A-6EAA-0BCCEC1AABDA}"/>
+              </a:ext>
+            </a:extLst>
+          </p:cNvPr>
+          <p:cNvPicPr>
+            <a:picLocks noChangeAspect="1"/>
+          </p:cNvPicPr>
+          <p:nvPr/>
+        </p:nvPicPr>
+        <p:blipFill>
+          <a:blip r:embed="rId13">
+            <a:extLst>
+              <a:ext uri="{96DAC541-7B7A-43D3-8B79-37D633B846F1}">
+                <asvg:svgBlip xmlns:asvg="http://schemas.microsoft.com/office/drawing/2016/SVG/main" r:embed="rId14"/>
+              </a:ext>
+            </a:extLst>
+          </a:blip>
+          <a:stretch>
+            <a:fillRect/>
+          </a:stretch>
+        </p:blipFill>
+        <p:spPr>
+          <a:xfrm>
+            <a:off x="5167896" y="4604130"/>
+            <a:ext cx="442506" cy="391567"/>
+          </a:xfrm>
+          <a:prstGeom prst="rect">
+            <a:avLst/>
+          </a:prstGeom>
+          <a:effectLst>
+            <a:outerShdw blurRad="50800" dist="38100" dir="13500000" algn="br" rotWithShape="0">
+              <a:prstClr val="black">
+                <a:alpha val="40000"/>
+              </a:prstClr>
+            </a:outerShdw>
+          </a:effectLst>
+        </p:spPr>
+      </p:pic>
+      <p:sp>
+        <p:nvSpPr>
+          <p:cNvPr id="90" name="Rectangle 89">
+            <a:extLst>
+              <a:ext uri="{FF2B5EF4-FFF2-40B4-BE49-F238E27FC236}">
+                <a16:creationId xmlns:a16="http://schemas.microsoft.com/office/drawing/2014/main" id="{2DA6BE68-C986-2360-0C2E-A796DDBA7A1F}"/>
+              </a:ext>
+            </a:extLst>
+          </p:cNvPr>
+          <p:cNvSpPr/>
+          <p:nvPr/>
+        </p:nvSpPr>
+        <p:spPr>
+          <a:xfrm>
+            <a:off x="5299081" y="4923445"/>
+            <a:ext cx="1237614" cy="1307692"/>
+          </a:xfrm>
+          <a:prstGeom prst="rect">
+            <a:avLst/>
+          </a:prstGeom>
+          <a:solidFill>
+            <a:schemeClr val="bg1"/>
+          </a:solidFill>
+          <a:ln w="12700">
+            <a:solidFill>
+              <a:srgbClr val="5B9CD5"/>
+            </a:solidFill>
+            <a:prstDash val="sysDash"/>
+          </a:ln>
+          <a:effectLst>
+            <a:outerShdw blurRad="50800" dist="38100" dir="13500000" algn="br" rotWithShape="0">
+              <a:prstClr val="black">
+                <a:alpha val="40000"/>
+              </a:prstClr>
+            </a:outerShdw>
+          </a:effectLst>
+        </p:spPr>
+        <p:style>
+          <a:lnRef idx="2">
+            <a:schemeClr val="accent1">
+              <a:shade val="50000"/>
+            </a:schemeClr>
+          </a:lnRef>
+          <a:fillRef idx="1">
+            <a:schemeClr val="accent1"/>
+          </a:fillRef>
+          <a:effectRef idx="0">
+            <a:schemeClr val="accent1"/>
+          </a:effectRef>
+          <a:fontRef idx="minor">
+            <a:schemeClr val="lt1"/>
+          </a:fontRef>
+        </p:style>
+        <p:txBody>
+          <a:bodyPr lIns="502920" tIns="91440"/>
+          <a:lstStyle/>
+          <a:p>
+            <a:pPr eaLnBrk="1" fontAlgn="auto" hangingPunct="1">
+              <a:spcBef>
+                <a:spcPts val="0"/>
+              </a:spcBef>
+              <a:spcAft>
+                <a:spcPts val="0"/>
+              </a:spcAft>
+              <a:defRPr/>
+            </a:pPr>
+            <a:r>
+              <a:rPr lang="en-US" sz="1200" dirty="0">
+                <a:solidFill>
+                  <a:srgbClr val="5B9CD5"/>
+                </a:solidFill>
+                <a:latin typeface="Arial" panose="020B0604020202020204" pitchFamily="34" charset="0"/>
+                <a:cs typeface="Arial" panose="020B0604020202020204" pitchFamily="34" charset="0"/>
+              </a:rPr>
+              <a:t>Region 2</a:t>
+            </a:r>
+          </a:p>
+        </p:txBody>
+      </p:sp>
+      <p:pic>
+        <p:nvPicPr>
+          <p:cNvPr id="92" name="Graphic 91">
+            <a:extLst>
+              <a:ext uri="{FF2B5EF4-FFF2-40B4-BE49-F238E27FC236}">
+                <a16:creationId xmlns:a16="http://schemas.microsoft.com/office/drawing/2014/main" id="{785BDAFF-B65A-4786-FC59-27DC2403D44B}"/>
+              </a:ext>
+            </a:extLst>
+          </p:cNvPr>
+          <p:cNvPicPr>
+            <a:picLocks noChangeAspect="1"/>
+          </p:cNvPicPr>
+          <p:nvPr/>
+        </p:nvPicPr>
+        <p:blipFill>
+          <a:blip r:embed="rId13">
+            <a:extLst>
+              <a:ext uri="{96DAC541-7B7A-43D3-8B79-37D633B846F1}">
+                <asvg:svgBlip xmlns:asvg="http://schemas.microsoft.com/office/drawing/2016/SVG/main" r:embed="rId14"/>
+              </a:ext>
+            </a:extLst>
+          </a:blip>
+          <a:stretch>
+            <a:fillRect/>
+          </a:stretch>
+        </p:blipFill>
+        <p:spPr>
+          <a:xfrm>
+            <a:off x="5295422" y="4914153"/>
+            <a:ext cx="442506" cy="391567"/>
+          </a:xfrm>
+          <a:prstGeom prst="rect">
+            <a:avLst/>
+          </a:prstGeom>
+          <a:effectLst>
+            <a:outerShdw blurRad="50800" dist="38100" dir="13500000" algn="br" rotWithShape="0">
+              <a:prstClr val="black">
+                <a:alpha val="40000"/>
+              </a:prstClr>
+            </a:outerShdw>
+          </a:effectLst>
+        </p:spPr>
+      </p:pic>
+      <p:sp>
+        <p:nvSpPr>
+          <p:cNvPr id="99" name="Rectangle 98">
+            <a:extLst>
+              <a:ext uri="{FF2B5EF4-FFF2-40B4-BE49-F238E27FC236}">
+                <a16:creationId xmlns:a16="http://schemas.microsoft.com/office/drawing/2014/main" id="{C03B0D71-46A9-CAB8-23CA-03441DD94C5D}"/>
+              </a:ext>
+            </a:extLst>
+          </p:cNvPr>
+          <p:cNvSpPr/>
+          <p:nvPr/>
+        </p:nvSpPr>
+        <p:spPr>
+          <a:xfrm>
+            <a:off x="5418263" y="5231603"/>
+            <a:ext cx="1206014" cy="1161769"/>
+          </a:xfrm>
+          <a:prstGeom prst="rect">
+            <a:avLst/>
+          </a:prstGeom>
+          <a:solidFill>
+            <a:schemeClr val="bg1"/>
+          </a:solidFill>
+          <a:ln w="12700">
+            <a:solidFill>
+              <a:srgbClr val="5B9CD5"/>
+            </a:solidFill>
+            <a:prstDash val="sysDash"/>
+          </a:ln>
+          <a:effectLst>
+            <a:outerShdw blurRad="50800" dist="38100" dir="13500000" algn="br" rotWithShape="0">
+              <a:prstClr val="black">
+                <a:alpha val="40000"/>
+              </a:prstClr>
+            </a:outerShdw>
+          </a:effectLst>
+        </p:spPr>
+        <p:style>
+          <a:lnRef idx="2">
+            <a:schemeClr val="accent1">
+              <a:shade val="50000"/>
+            </a:schemeClr>
+          </a:lnRef>
+          <a:fillRef idx="1">
+            <a:schemeClr val="accent1"/>
+          </a:fillRef>
+          <a:effectRef idx="0">
+            <a:schemeClr val="accent1"/>
+          </a:effectRef>
+          <a:fontRef idx="minor">
+            <a:schemeClr val="lt1"/>
+          </a:fontRef>
+        </p:style>
+        <p:txBody>
+          <a:bodyPr lIns="502920" tIns="91440"/>
+          <a:lstStyle/>
+          <a:p>
+            <a:pPr eaLnBrk="1" fontAlgn="auto" hangingPunct="1">
+              <a:spcBef>
+                <a:spcPts val="0"/>
+              </a:spcBef>
+              <a:spcAft>
+                <a:spcPts val="0"/>
+              </a:spcAft>
+              <a:defRPr/>
+            </a:pPr>
+            <a:r>
+              <a:rPr lang="en-US" sz="1200" dirty="0">
+                <a:solidFill>
+                  <a:srgbClr val="5B9CD5"/>
+                </a:solidFill>
+                <a:latin typeface="Arial" panose="020B0604020202020204" pitchFamily="34" charset="0"/>
+                <a:cs typeface="Arial" panose="020B0604020202020204" pitchFamily="34" charset="0"/>
+              </a:rPr>
+              <a:t>Region n</a:t>
+            </a:r>
+          </a:p>
+        </p:txBody>
+      </p:sp>
+      <p:pic>
+        <p:nvPicPr>
+          <p:cNvPr id="100" name="Graphic 99">
+            <a:extLst>
+              <a:ext uri="{FF2B5EF4-FFF2-40B4-BE49-F238E27FC236}">
+                <a16:creationId xmlns:a16="http://schemas.microsoft.com/office/drawing/2014/main" id="{09B9FC02-6DB1-64F6-F1FE-F7C189505576}"/>
+              </a:ext>
+            </a:extLst>
+          </p:cNvPr>
+          <p:cNvPicPr>
+            <a:picLocks noChangeAspect="1"/>
+          </p:cNvPicPr>
+          <p:nvPr/>
+        </p:nvPicPr>
+        <p:blipFill>
+          <a:blip r:embed="rId13">
+            <a:extLst>
+              <a:ext uri="{96DAC541-7B7A-43D3-8B79-37D633B846F1}">
+                <asvg:svgBlip xmlns:asvg="http://schemas.microsoft.com/office/drawing/2016/SVG/main" r:embed="rId14"/>
+              </a:ext>
+            </a:extLst>
+          </a:blip>
+          <a:stretch>
+            <a:fillRect/>
+          </a:stretch>
+        </p:blipFill>
+        <p:spPr>
+          <a:xfrm>
+            <a:off x="5418262" y="5237417"/>
+            <a:ext cx="442506" cy="391567"/>
+          </a:xfrm>
+          <a:prstGeom prst="rect">
+            <a:avLst/>
+          </a:prstGeom>
+          <a:effectLst>
+            <a:outerShdw blurRad="50800" dist="38100" dir="13500000" algn="br" rotWithShape="0">
+              <a:prstClr val="black">
+                <a:alpha val="40000"/>
+              </a:prstClr>
+            </a:outerShdw>
+          </a:effectLst>
+        </p:spPr>
+      </p:pic>
+      <p:sp>
+        <p:nvSpPr>
+          <p:cNvPr id="101" name="TextBox 100">
+            <a:extLst>
+              <a:ext uri="{FF2B5EF4-FFF2-40B4-BE49-F238E27FC236}">
+                <a16:creationId xmlns:a16="http://schemas.microsoft.com/office/drawing/2014/main" id="{A74ADE8E-4897-0A9C-D8A6-B3A0F7DEDAFF}"/>
+              </a:ext>
+            </a:extLst>
+          </p:cNvPr>
+          <p:cNvSpPr txBox="1"/>
+          <p:nvPr/>
+        </p:nvSpPr>
+        <p:spPr>
+          <a:xfrm>
+            <a:off x="5532799" y="6135697"/>
+            <a:ext cx="1047687" cy="261610"/>
+          </a:xfrm>
+          <a:prstGeom prst="rect">
+            <a:avLst/>
+          </a:prstGeom>
+          <a:noFill/>
+        </p:spPr>
+        <p:txBody>
+          <a:bodyPr wrap="square" rtlCol="0">
+            <a:spAutoFit/>
+          </a:bodyPr>
+          <a:lstStyle/>
+          <a:p>
+            <a:pPr algn="ctr"/>
+            <a:r>
+              <a:rPr lang="en-US" sz="1100" dirty="0">
+                <a:latin typeface="Arial" panose="020B0604020202020204" pitchFamily="34" charset="0"/>
+                <a:cs typeface="Arial" panose="020B0604020202020204" pitchFamily="34" charset="0"/>
+              </a:rPr>
+              <a:t>Guard Duty</a:t>
+            </a:r>
+          </a:p>
+        </p:txBody>
+      </p:sp>
+      <p:pic>
+        <p:nvPicPr>
+          <p:cNvPr id="102" name="Graphic 19">
+            <a:extLst>
+              <a:ext uri="{FF2B5EF4-FFF2-40B4-BE49-F238E27FC236}">
+                <a16:creationId xmlns:a16="http://schemas.microsoft.com/office/drawing/2014/main" id="{621DEF7E-E8DA-2C74-63FF-AD8374EE5668}"/>
               </a:ext>
             </a:extLst>
           </p:cNvPr>
@@ -8057,7 +9662,7 @@
           <p:nvPr/>
         </p:nvPicPr>
         <p:blipFill>
-          <a:blip r:embed="rId12">
+          <a:blip r:embed="rId18">
             <a:extLst>
               <a:ext uri="{28A0092B-C50C-407E-A947-70E740481C1C}">
                 <a14:useLocalDpi xmlns:a14="http://schemas.microsoft.com/office/drawing/2010/main" val="0"/>
@@ -8071,7 +9676,7 @@
         </p:blipFill>
         <p:spPr bwMode="auto">
           <a:xfrm>
-            <a:off x="1839449" y="5250076"/>
+            <a:off x="5828043" y="5695926"/>
             <a:ext cx="457200" cy="457200"/>
           </a:xfrm>
           <a:prstGeom prst="rect">
@@ -8104,10 +9709,10 @@
       </p:pic>
       <p:sp>
         <p:nvSpPr>
-          <p:cNvPr id="237" name="Oval 236">
-            <a:extLst>
-              <a:ext uri="{FF2B5EF4-FFF2-40B4-BE49-F238E27FC236}">
-                <a16:creationId xmlns:a16="http://schemas.microsoft.com/office/drawing/2014/main" id="{6BA035C0-F86D-6346-86AE-2BA9D3B2E833}"/>
+          <p:cNvPr id="103" name="Oval 102">
+            <a:extLst>
+              <a:ext uri="{FF2B5EF4-FFF2-40B4-BE49-F238E27FC236}">
+                <a16:creationId xmlns:a16="http://schemas.microsoft.com/office/drawing/2014/main" id="{D000C133-7003-8DB2-4FC0-1B41AED12236}"/>
               </a:ext>
             </a:extLst>
           </p:cNvPr>
@@ -8116,7 +9721,7 @@
         </p:nvSpPr>
         <p:spPr>
           <a:xfrm>
-            <a:off x="1854861" y="5272305"/>
+            <a:off x="5703982" y="5651935"/>
             <a:ext cx="253435" cy="212902"/>
           </a:xfrm>
           <a:prstGeom prst="ellipse">
@@ -8157,77 +9762,92 @@
                 <a:latin typeface="Arial" panose="020B0604020202020204" pitchFamily="34" charset="0"/>
                 <a:cs typeface="Arial" panose="020B0604020202020204" pitchFamily="34" charset="0"/>
               </a:rPr>
-              <a:t>3.1</a:t>
+              <a:t>3.4</a:t>
+            </a:r>
+          </a:p>
+        </p:txBody>
+      </p:sp>
+      <p:sp>
+        <p:nvSpPr>
+          <p:cNvPr id="104" name="TextBox 103">
+            <a:extLst>
+              <a:ext uri="{FF2B5EF4-FFF2-40B4-BE49-F238E27FC236}">
+                <a16:creationId xmlns:a16="http://schemas.microsoft.com/office/drawing/2014/main" id="{FAA82B51-6E98-0AF9-5BD6-B0B4BEC402B7}"/>
+              </a:ext>
+            </a:extLst>
+          </p:cNvPr>
+          <p:cNvSpPr txBox="1"/>
+          <p:nvPr/>
+        </p:nvSpPr>
+        <p:spPr>
+          <a:xfrm>
+            <a:off x="1113487" y="3664073"/>
+            <a:ext cx="1103001" cy="261610"/>
+          </a:xfrm>
+          <a:prstGeom prst="rect">
+            <a:avLst/>
+          </a:prstGeom>
+          <a:noFill/>
+        </p:spPr>
+        <p:txBody>
+          <a:bodyPr wrap="square" rtlCol="0">
+            <a:spAutoFit/>
+          </a:bodyPr>
+          <a:lstStyle/>
+          <a:p>
+            <a:pPr algn="ctr"/>
+            <a:r>
+              <a:rPr lang="en-US" sz="1100" dirty="0">
+                <a:latin typeface="Arial" panose="020B0604020202020204" pitchFamily="34" charset="0"/>
+                <a:cs typeface="Arial" panose="020B0604020202020204" pitchFamily="34" charset="0"/>
+              </a:rPr>
+              <a:t>Lambda Role</a:t>
             </a:r>
           </a:p>
         </p:txBody>
       </p:sp>
       <p:pic>
         <p:nvPicPr>
-          <p:cNvPr id="95" name="Graphic 7">
-            <a:extLst>
-              <a:ext uri="{FF2B5EF4-FFF2-40B4-BE49-F238E27FC236}">
-                <a16:creationId xmlns:a16="http://schemas.microsoft.com/office/drawing/2014/main" id="{CBD6760F-A5A2-454C-9D47-9F50636CB764}"/>
+          <p:cNvPr id="105" name="Graphic 104">
+            <a:extLst>
+              <a:ext uri="{FF2B5EF4-FFF2-40B4-BE49-F238E27FC236}">
+                <a16:creationId xmlns:a16="http://schemas.microsoft.com/office/drawing/2014/main" id="{D19144BD-63B5-E1C9-A3D2-74AAD0B20668}"/>
               </a:ext>
             </a:extLst>
           </p:cNvPr>
           <p:cNvPicPr>
-            <a:picLocks noChangeAspect="1" noChangeArrowheads="1"/>
+            <a:picLocks noChangeAspect="1"/>
           </p:cNvPicPr>
           <p:nvPr/>
         </p:nvPicPr>
         <p:blipFill>
-          <a:blip r:embed="rId13">
-            <a:extLst>
-              <a:ext uri="{28A0092B-C50C-407E-A947-70E740481C1C}">
-                <a14:useLocalDpi xmlns:a14="http://schemas.microsoft.com/office/drawing/2010/main" val="0"/>
+          <a:blip r:embed="rId21">
+            <a:extLst>
+              <a:ext uri="{96DAC541-7B7A-43D3-8B79-37D633B846F1}">
+                <asvg:svgBlip xmlns:asvg="http://schemas.microsoft.com/office/drawing/2016/SVG/main" r:embed="rId22"/>
               </a:ext>
             </a:extLst>
           </a:blip>
-          <a:srcRect/>
           <a:stretch>
             <a:fillRect/>
           </a:stretch>
         </p:blipFill>
-        <p:spPr bwMode="auto">
-          <a:xfrm>
-            <a:off x="3249831" y="5220285"/>
-            <a:ext cx="457200" cy="457200"/>
+        <p:spPr>
+          <a:xfrm>
+            <a:off x="1434619" y="3296398"/>
+            <a:ext cx="469900" cy="469900"/>
           </a:xfrm>
           <a:prstGeom prst="rect">
             <a:avLst/>
           </a:prstGeom>
-          <a:noFill/>
-          <a:ln>
-            <a:noFill/>
-          </a:ln>
-          <a:extLst>
-            <a:ext uri="{909E8E84-426E-40DD-AFC4-6F175D3DCCD1}">
-              <a14:hiddenFill xmlns:a14="http://schemas.microsoft.com/office/drawing/2010/main">
-                <a:solidFill>
-                  <a:srgbClr val="FFFFFF"/>
-                </a:solidFill>
-              </a14:hiddenFill>
-            </a:ext>
-            <a:ext uri="{91240B29-F687-4F45-9708-019B960494DF}">
-              <a14:hiddenLine xmlns:a14="http://schemas.microsoft.com/office/drawing/2010/main" w="9525">
-                <a:solidFill>
-                  <a:srgbClr val="000000"/>
-                </a:solidFill>
-                <a:miter lim="800000"/>
-                <a:headEnd/>
-                <a:tailEnd/>
-              </a14:hiddenLine>
-            </a:ext>
-          </a:extLst>
         </p:spPr>
       </p:pic>
       <p:sp>
         <p:nvSpPr>
-          <p:cNvPr id="90" name="Oval 89">
-            <a:extLst>
-              <a:ext uri="{FF2B5EF4-FFF2-40B4-BE49-F238E27FC236}">
-                <a16:creationId xmlns:a16="http://schemas.microsoft.com/office/drawing/2014/main" id="{9E632F0A-53C5-0B4E-96BD-D10C16583EAC}"/>
+          <p:cNvPr id="106" name="Oval 105">
+            <a:extLst>
+              <a:ext uri="{FF2B5EF4-FFF2-40B4-BE49-F238E27FC236}">
+                <a16:creationId xmlns:a16="http://schemas.microsoft.com/office/drawing/2014/main" id="{B7A286B3-F820-D194-7FD8-80A1575FB798}"/>
               </a:ext>
             </a:extLst>
           </p:cNvPr>
@@ -8236,7 +9856,7 @@
         </p:nvSpPr>
         <p:spPr>
           <a:xfrm>
-            <a:off x="3270337" y="5247776"/>
+            <a:off x="1231467" y="3339653"/>
             <a:ext cx="253435" cy="212902"/>
           </a:xfrm>
           <a:prstGeom prst="ellipse">
@@ -8277,257 +9897,17 @@
                 <a:latin typeface="Arial" panose="020B0604020202020204" pitchFamily="34" charset="0"/>
                 <a:cs typeface="Arial" panose="020B0604020202020204" pitchFamily="34" charset="0"/>
               </a:rPr>
-              <a:t>3.2</a:t>
-            </a:r>
-          </a:p>
-        </p:txBody>
-      </p:sp>
-      <p:pic>
-        <p:nvPicPr>
-          <p:cNvPr id="97" name="Graphic 19">
-            <a:extLst>
-              <a:ext uri="{FF2B5EF4-FFF2-40B4-BE49-F238E27FC236}">
-                <a16:creationId xmlns:a16="http://schemas.microsoft.com/office/drawing/2014/main" id="{C3A14D91-65D5-5B49-9CD7-AD9E5A3B7521}"/>
-              </a:ext>
-            </a:extLst>
-          </p:cNvPr>
-          <p:cNvPicPr>
-            <a:picLocks noChangeAspect="1" noChangeArrowheads="1"/>
-          </p:cNvPicPr>
-          <p:nvPr/>
-        </p:nvPicPr>
-        <p:blipFill>
-          <a:blip r:embed="rId14">
-            <a:extLst>
-              <a:ext uri="{28A0092B-C50C-407E-A947-70E740481C1C}">
-                <a14:useLocalDpi xmlns:a14="http://schemas.microsoft.com/office/drawing/2010/main" val="0"/>
-              </a:ext>
-            </a:extLst>
-          </a:blip>
-          <a:srcRect/>
-          <a:stretch>
-            <a:fillRect/>
-          </a:stretch>
-        </p:blipFill>
-        <p:spPr bwMode="auto">
-          <a:xfrm>
-            <a:off x="6335292" y="5614824"/>
-            <a:ext cx="457200" cy="457200"/>
-          </a:xfrm>
-          <a:prstGeom prst="rect">
-            <a:avLst/>
-          </a:prstGeom>
-          <a:noFill/>
-          <a:ln>
-            <a:noFill/>
-          </a:ln>
-          <a:extLst>
-            <a:ext uri="{909E8E84-426E-40DD-AFC4-6F175D3DCCD1}">
-              <a14:hiddenFill xmlns:a14="http://schemas.microsoft.com/office/drawing/2010/main">
-                <a:solidFill>
-                  <a:srgbClr val="FFFFFF"/>
-                </a:solidFill>
-              </a14:hiddenFill>
-            </a:ext>
-            <a:ext uri="{91240B29-F687-4F45-9708-019B960494DF}">
-              <a14:hiddenLine xmlns:a14="http://schemas.microsoft.com/office/drawing/2010/main" w="9525">
-                <a:solidFill>
-                  <a:srgbClr val="000000"/>
-                </a:solidFill>
-                <a:miter lim="800000"/>
-                <a:headEnd/>
-                <a:tailEnd/>
-              </a14:hiddenLine>
-            </a:ext>
-          </a:extLst>
-        </p:spPr>
-      </p:pic>
-      <p:pic>
-        <p:nvPicPr>
-          <p:cNvPr id="119" name="Graphic 19">
-            <a:extLst>
-              <a:ext uri="{FF2B5EF4-FFF2-40B4-BE49-F238E27FC236}">
-                <a16:creationId xmlns:a16="http://schemas.microsoft.com/office/drawing/2014/main" id="{C49F115E-7733-A949-BACC-8D0DA5FCE2AD}"/>
-              </a:ext>
-            </a:extLst>
-          </p:cNvPr>
-          <p:cNvPicPr>
-            <a:picLocks noChangeAspect="1" noChangeArrowheads="1"/>
-          </p:cNvPicPr>
-          <p:nvPr/>
-        </p:nvPicPr>
-        <p:blipFill>
-          <a:blip r:embed="rId14">
-            <a:extLst>
-              <a:ext uri="{28A0092B-C50C-407E-A947-70E740481C1C}">
-                <a14:useLocalDpi xmlns:a14="http://schemas.microsoft.com/office/drawing/2010/main" val="0"/>
-              </a:ext>
-            </a:extLst>
-          </a:blip>
-          <a:srcRect/>
-          <a:stretch>
-            <a:fillRect/>
-          </a:stretch>
-        </p:blipFill>
-        <p:spPr bwMode="auto">
-          <a:xfrm>
-            <a:off x="6416686" y="3187244"/>
-            <a:ext cx="457200" cy="457200"/>
-          </a:xfrm>
-          <a:prstGeom prst="rect">
-            <a:avLst/>
-          </a:prstGeom>
-          <a:noFill/>
-          <a:ln>
-            <a:noFill/>
-          </a:ln>
-          <a:extLst>
-            <a:ext uri="{909E8E84-426E-40DD-AFC4-6F175D3DCCD1}">
-              <a14:hiddenFill xmlns:a14="http://schemas.microsoft.com/office/drawing/2010/main">
-                <a:solidFill>
-                  <a:srgbClr val="FFFFFF"/>
-                </a:solidFill>
-              </a14:hiddenFill>
-            </a:ext>
-            <a:ext uri="{91240B29-F687-4F45-9708-019B960494DF}">
-              <a14:hiddenLine xmlns:a14="http://schemas.microsoft.com/office/drawing/2010/main" w="9525">
-                <a:solidFill>
-                  <a:srgbClr val="000000"/>
-                </a:solidFill>
-                <a:miter lim="800000"/>
-                <a:headEnd/>
-                <a:tailEnd/>
-              </a14:hiddenLine>
-            </a:ext>
-          </a:extLst>
-        </p:spPr>
-      </p:pic>
-      <p:pic>
-        <p:nvPicPr>
-          <p:cNvPr id="120" name="Graphic 19">
-            <a:extLst>
-              <a:ext uri="{FF2B5EF4-FFF2-40B4-BE49-F238E27FC236}">
-                <a16:creationId xmlns:a16="http://schemas.microsoft.com/office/drawing/2014/main" id="{B6246195-F47F-FE41-A732-EF5BCC422EB8}"/>
-              </a:ext>
-            </a:extLst>
-          </p:cNvPr>
-          <p:cNvPicPr>
-            <a:picLocks noChangeAspect="1" noChangeArrowheads="1"/>
-          </p:cNvPicPr>
-          <p:nvPr/>
-        </p:nvPicPr>
-        <p:blipFill>
-          <a:blip r:embed="rId14">
-            <a:extLst>
-              <a:ext uri="{28A0092B-C50C-407E-A947-70E740481C1C}">
-                <a14:useLocalDpi xmlns:a14="http://schemas.microsoft.com/office/drawing/2010/main" val="0"/>
-              </a:ext>
-            </a:extLst>
-          </a:blip>
-          <a:srcRect/>
-          <a:stretch>
-            <a:fillRect/>
-          </a:stretch>
-        </p:blipFill>
-        <p:spPr bwMode="auto">
-          <a:xfrm>
-            <a:off x="8481023" y="5409215"/>
-            <a:ext cx="457200" cy="457200"/>
-          </a:xfrm>
-          <a:prstGeom prst="rect">
-            <a:avLst/>
-          </a:prstGeom>
-          <a:noFill/>
-          <a:ln>
-            <a:noFill/>
-          </a:ln>
-          <a:extLst>
-            <a:ext uri="{909E8E84-426E-40DD-AFC4-6F175D3DCCD1}">
-              <a14:hiddenFill xmlns:a14="http://schemas.microsoft.com/office/drawing/2010/main">
-                <a:solidFill>
-                  <a:srgbClr val="FFFFFF"/>
-                </a:solidFill>
-              </a14:hiddenFill>
-            </a:ext>
-            <a:ext uri="{91240B29-F687-4F45-9708-019B960494DF}">
-              <a14:hiddenLine xmlns:a14="http://schemas.microsoft.com/office/drawing/2010/main" w="9525">
-                <a:solidFill>
-                  <a:srgbClr val="000000"/>
-                </a:solidFill>
-                <a:miter lim="800000"/>
-                <a:headEnd/>
-                <a:tailEnd/>
-              </a14:hiddenLine>
-            </a:ext>
-          </a:extLst>
-        </p:spPr>
-      </p:pic>
-      <p:pic>
-        <p:nvPicPr>
-          <p:cNvPr id="137" name="Graphic 19">
-            <a:extLst>
-              <a:ext uri="{FF2B5EF4-FFF2-40B4-BE49-F238E27FC236}">
-                <a16:creationId xmlns:a16="http://schemas.microsoft.com/office/drawing/2014/main" id="{A8BE7F34-ABE0-2140-A674-D3B84EA7D7AD}"/>
-              </a:ext>
-            </a:extLst>
-          </p:cNvPr>
-          <p:cNvPicPr>
-            <a:picLocks noChangeAspect="1" noChangeArrowheads="1"/>
-          </p:cNvPicPr>
-          <p:nvPr/>
-        </p:nvPicPr>
-        <p:blipFill>
-          <a:blip r:embed="rId14">
-            <a:extLst>
-              <a:ext uri="{28A0092B-C50C-407E-A947-70E740481C1C}">
-                <a14:useLocalDpi xmlns:a14="http://schemas.microsoft.com/office/drawing/2010/main" val="0"/>
-              </a:ext>
-            </a:extLst>
-          </a:blip>
-          <a:srcRect/>
-          <a:stretch>
-            <a:fillRect/>
-          </a:stretch>
-        </p:blipFill>
-        <p:spPr bwMode="auto">
-          <a:xfrm>
-            <a:off x="9595744" y="2802542"/>
-            <a:ext cx="457200" cy="457200"/>
-          </a:xfrm>
-          <a:prstGeom prst="rect">
-            <a:avLst/>
-          </a:prstGeom>
-          <a:noFill/>
-          <a:ln>
-            <a:noFill/>
-          </a:ln>
-          <a:extLst>
-            <a:ext uri="{909E8E84-426E-40DD-AFC4-6F175D3DCCD1}">
-              <a14:hiddenFill xmlns:a14="http://schemas.microsoft.com/office/drawing/2010/main">
-                <a:solidFill>
-                  <a:srgbClr val="FFFFFF"/>
-                </a:solidFill>
-              </a14:hiddenFill>
-            </a:ext>
-            <a:ext uri="{91240B29-F687-4F45-9708-019B960494DF}">
-              <a14:hiddenLine xmlns:a14="http://schemas.microsoft.com/office/drawing/2010/main" w="9525">
-                <a:solidFill>
-                  <a:srgbClr val="000000"/>
-                </a:solidFill>
-                <a:miter lim="800000"/>
-                <a:headEnd/>
-                <a:tailEnd/>
-              </a14:hiddenLine>
-            </a:ext>
-          </a:extLst>
-        </p:spPr>
-      </p:pic>
-      <p:sp>
-        <p:nvSpPr>
-          <p:cNvPr id="105" name="Oval 104">
-            <a:extLst>
-              <a:ext uri="{FF2B5EF4-FFF2-40B4-BE49-F238E27FC236}">
-                <a16:creationId xmlns:a16="http://schemas.microsoft.com/office/drawing/2014/main" id="{64D2FF39-2216-6C4D-8A66-CBF9A2650C0E}"/>
+              <a:t>1.3</a:t>
+            </a:r>
+          </a:p>
+        </p:txBody>
+      </p:sp>
+      <p:sp>
+        <p:nvSpPr>
+          <p:cNvPr id="107" name="Oval 106">
+            <a:extLst>
+              <a:ext uri="{FF2B5EF4-FFF2-40B4-BE49-F238E27FC236}">
+                <a16:creationId xmlns:a16="http://schemas.microsoft.com/office/drawing/2014/main" id="{8BBC7CF4-794C-9333-328A-8A5B04CA2725}"/>
               </a:ext>
             </a:extLst>
           </p:cNvPr>
@@ -8536,7 +9916,7 @@
         </p:nvSpPr>
         <p:spPr>
           <a:xfrm>
-            <a:off x="6437175" y="3199612"/>
+            <a:off x="718742" y="4561011"/>
             <a:ext cx="253435" cy="212902"/>
           </a:xfrm>
           <a:prstGeom prst="ellipse">
@@ -8577,17 +9957,17 @@
                 <a:latin typeface="Arial" panose="020B0604020202020204" pitchFamily="34" charset="0"/>
                 <a:cs typeface="Arial" panose="020B0604020202020204" pitchFamily="34" charset="0"/>
               </a:rPr>
-              <a:t>1.8</a:t>
-            </a:r>
-          </a:p>
-        </p:txBody>
-      </p:sp>
-      <p:sp>
-        <p:nvSpPr>
-          <p:cNvPr id="118" name="Oval 117">
-            <a:extLst>
-              <a:ext uri="{FF2B5EF4-FFF2-40B4-BE49-F238E27FC236}">
-                <a16:creationId xmlns:a16="http://schemas.microsoft.com/office/drawing/2014/main" id="{F9726365-A08F-BB47-A792-67E346517B09}"/>
+              <a:t>3.0</a:t>
+            </a:r>
+          </a:p>
+        </p:txBody>
+      </p:sp>
+      <p:sp>
+        <p:nvSpPr>
+          <p:cNvPr id="188" name="Oval 187">
+            <a:extLst>
+              <a:ext uri="{FF2B5EF4-FFF2-40B4-BE49-F238E27FC236}">
+                <a16:creationId xmlns:a16="http://schemas.microsoft.com/office/drawing/2014/main" id="{C2221D33-75AF-432C-B6AB-D1DB0348201A}"/>
               </a:ext>
             </a:extLst>
           </p:cNvPr>
@@ -8596,7 +9976,7 @@
         </p:nvSpPr>
         <p:spPr>
           <a:xfrm>
-            <a:off x="6339100" y="5625784"/>
+            <a:off x="2380905" y="2630834"/>
             <a:ext cx="253435" cy="212902"/>
           </a:xfrm>
           <a:prstGeom prst="ellipse">
@@ -8637,17 +10017,17 @@
                 <a:latin typeface="Arial" panose="020B0604020202020204" pitchFamily="34" charset="0"/>
                 <a:cs typeface="Arial" panose="020B0604020202020204" pitchFamily="34" charset="0"/>
               </a:rPr>
-              <a:t>3.4</a:t>
-            </a:r>
-          </a:p>
-        </p:txBody>
-      </p:sp>
-      <p:sp>
-        <p:nvSpPr>
-          <p:cNvPr id="112" name="Oval 111">
-            <a:extLst>
-              <a:ext uri="{FF2B5EF4-FFF2-40B4-BE49-F238E27FC236}">
-                <a16:creationId xmlns:a16="http://schemas.microsoft.com/office/drawing/2014/main" id="{108FE925-7D99-B74E-883C-02BAE4F60589}"/>
+              <a:t>1.9</a:t>
+            </a:r>
+          </a:p>
+        </p:txBody>
+      </p:sp>
+      <p:sp>
+        <p:nvSpPr>
+          <p:cNvPr id="133" name="Oval 132">
+            <a:extLst>
+              <a:ext uri="{FF2B5EF4-FFF2-40B4-BE49-F238E27FC236}">
+                <a16:creationId xmlns:a16="http://schemas.microsoft.com/office/drawing/2014/main" id="{40C04EF0-8999-4E87-9938-BB23E34A77B4}"/>
               </a:ext>
             </a:extLst>
           </p:cNvPr>
@@ -8656,7 +10036,7 @@
         </p:nvSpPr>
         <p:spPr>
           <a:xfrm>
-            <a:off x="8505694" y="5421148"/>
+            <a:off x="3467913" y="3108111"/>
             <a:ext cx="253435" cy="212902"/>
           </a:xfrm>
           <a:prstGeom prst="ellipse">
@@ -8697,75 +10077,56 @@
                 <a:latin typeface="Arial" panose="020B0604020202020204" pitchFamily="34" charset="0"/>
                 <a:cs typeface="Arial" panose="020B0604020202020204" pitchFamily="34" charset="0"/>
               </a:rPr>
-              <a:t>4.1</a:t>
-            </a:r>
-          </a:p>
-        </p:txBody>
-      </p:sp>
-      <p:sp>
-        <p:nvSpPr>
-          <p:cNvPr id="81" name="Oval 80">
-            <a:extLst>
-              <a:ext uri="{FF2B5EF4-FFF2-40B4-BE49-F238E27FC236}">
-                <a16:creationId xmlns:a16="http://schemas.microsoft.com/office/drawing/2014/main" id="{CC0C6702-E491-584C-9DAD-C57A70340998}"/>
-              </a:ext>
-            </a:extLst>
-          </p:cNvPr>
-          <p:cNvSpPr/>
+              <a:t>1.4</a:t>
+            </a:r>
+          </a:p>
+        </p:txBody>
+      </p:sp>
+      <p:cxnSp>
+        <p:nvCxnSpPr>
+          <p:cNvPr id="13" name="Straight Arrow Connector 12">
+            <a:extLst>
+              <a:ext uri="{FF2B5EF4-FFF2-40B4-BE49-F238E27FC236}">
+                <a16:creationId xmlns:a16="http://schemas.microsoft.com/office/drawing/2014/main" id="{44BA7D71-1277-AC0A-95CF-F3E8F899F429}"/>
+              </a:ext>
+            </a:extLst>
+          </p:cNvPr>
+          <p:cNvCxnSpPr>
+            <a:cxnSpLocks/>
+          </p:cNvCxnSpPr>
           <p:nvPr/>
-        </p:nvSpPr>
-        <p:spPr>
-          <a:xfrm>
-            <a:off x="9620120" y="2821232"/>
-            <a:ext cx="253435" cy="212902"/>
-          </a:xfrm>
-          <a:prstGeom prst="ellipse">
-            <a:avLst/>
-          </a:prstGeom>
-          <a:solidFill>
-            <a:schemeClr val="tx1"/>
-          </a:solidFill>
+        </p:nvCxnSpPr>
+        <p:spPr>
+          <a:xfrm flipV="1">
+            <a:off x="4031473" y="2358903"/>
+            <a:ext cx="660788" cy="3418"/>
+          </a:xfrm>
+          <a:prstGeom prst="straightConnector1">
+            <a:avLst/>
+          </a:prstGeom>
           <a:ln>
-            <a:solidFill>
-              <a:schemeClr val="tx1"/>
-            </a:solidFill>
+            <a:tailEnd type="triangle"/>
           </a:ln>
         </p:spPr>
         <p:style>
-          <a:lnRef idx="2">
-            <a:schemeClr val="accent1">
-              <a:shade val="50000"/>
-            </a:schemeClr>
+          <a:lnRef idx="1">
+            <a:schemeClr val="dk1"/>
           </a:lnRef>
-          <a:fillRef idx="1">
-            <a:schemeClr val="accent1"/>
+          <a:fillRef idx="0">
+            <a:schemeClr val="dk1"/>
           </a:fillRef>
           <a:effectRef idx="0">
-            <a:schemeClr val="accent1"/>
+            <a:schemeClr val="dk1"/>
           </a:effectRef>
           <a:fontRef idx="minor">
-            <a:schemeClr val="lt1"/>
+            <a:schemeClr val="tx1"/>
           </a:fontRef>
         </p:style>
-        <p:txBody>
-          <a:bodyPr lIns="0" tIns="0" rIns="0" bIns="0" rtlCol="0" anchor="ctr"/>
-          <a:lstStyle/>
-          <a:p>
-            <a:pPr algn="ctr"/>
-            <a:r>
-              <a:rPr lang="en-US" sz="800" dirty="0">
-                <a:latin typeface="Arial" panose="020B0604020202020204" pitchFamily="34" charset="0"/>
-                <a:cs typeface="Arial" panose="020B0604020202020204" pitchFamily="34" charset="0"/>
-              </a:rPr>
-              <a:t>2.3</a:t>
-            </a:r>
-          </a:p>
-        </p:txBody>
-      </p:sp>
+      </p:cxnSp>
     </p:spTree>
     <p:extLst>
       <p:ext uri="{BB962C8B-B14F-4D97-AF65-F5344CB8AC3E}">
-        <p14:creationId xmlns:p14="http://schemas.microsoft.com/office/powerpoint/2010/main" val="2296993975"/>
+        <p14:creationId xmlns:p14="http://schemas.microsoft.com/office/powerpoint/2010/main" val="1848008119"/>
       </p:ext>
     </p:extLst>
   </p:cSld>

--- a/aws_sra_examples/solutions/guardduty/guardduty_org/documentation/guardduty-org.pptx
+++ b/aws_sra_examples/solutions/guardduty/guardduty_org/documentation/guardduty-org.pptx
@@ -5,10 +5,11 @@
     <p:sldMasterId id="2147483648" r:id="rId1"/>
   </p:sldMasterIdLst>
   <p:notesMasterIdLst>
-    <p:notesMasterId r:id="rId3"/>
+    <p:notesMasterId r:id="rId4"/>
   </p:notesMasterIdLst>
   <p:sldIdLst>
     <p:sldId id="260" r:id="rId2"/>
+    <p:sldId id="261" r:id="rId3"/>
   </p:sldIdLst>
   <p:sldSz cx="12192000" cy="6858000"/>
   <p:notesSz cx="6858000" cy="9144000"/>
@@ -108,6 +109,20 @@
     </a:lvl9pPr>
   </p:defaultTextStyle>
   <p:extLst>
+    <p:ext uri="{521415D9-36F7-43E2-AB2F-B90AF26B5E84}">
+      <p14:sectionLst xmlns:p14="http://schemas.microsoft.com/office/powerpoint/2010/main">
+        <p14:section name="AWS SRA GuardDuty CloudFormation" id="{5FF6BABA-15C1-4ED4-9D1D-E5AB257D9E84}">
+          <p14:sldIdLst>
+            <p14:sldId id="260"/>
+          </p14:sldIdLst>
+        </p14:section>
+        <p14:section name="AWS SRA GuardDuty Terraform" id="{F3AFC676-F31C-4D56-96A7-F7387494BA07}">
+          <p14:sldIdLst>
+            <p14:sldId id="261"/>
+          </p14:sldIdLst>
+        </p14:section>
+      </p14:sectionLst>
+    </p:ext>
     <p:ext uri="{EFAFB233-063F-42B5-8137-9DF3F51BA10A}">
       <p15:sldGuideLst xmlns:p15="http://schemas.microsoft.com/office/powerpoint/2012/main">
         <p15:guide id="1" pos="3840" userDrawn="1">
@@ -208,7 +223,7 @@
           <a:p>
             <a:fld id="{FD8D84E3-00BA-4A46-8256-7E527D8B4480}" type="datetimeFigureOut">
               <a:rPr lang="en-US" smtClean="0"/>
-              <a:t>5/31/23</a:t>
+              <a:t>2/2/2024</a:t>
             </a:fld>
             <a:endParaRPr lang="en-US"/>
           </a:p>
@@ -559,6 +574,90 @@
 </p:notes>
 </file>
 
+<file path=ppt/notesSlides/notesSlide2.xml><?xml version="1.0" encoding="utf-8"?>
+<p:notes xmlns:a="http://schemas.openxmlformats.org/drawingml/2006/main" xmlns:r="http://schemas.openxmlformats.org/officeDocument/2006/relationships" xmlns:p="http://schemas.openxmlformats.org/presentationml/2006/main">
+  <p:cSld>
+    <p:spTree>
+      <p:nvGrpSpPr>
+        <p:cNvPr id="1" name=""/>
+        <p:cNvGrpSpPr/>
+        <p:nvPr/>
+      </p:nvGrpSpPr>
+      <p:grpSpPr>
+        <a:xfrm>
+          <a:off x="0" y="0"/>
+          <a:ext cx="0" cy="0"/>
+          <a:chOff x="0" y="0"/>
+          <a:chExt cx="0" cy="0"/>
+        </a:xfrm>
+      </p:grpSpPr>
+      <p:sp>
+        <p:nvSpPr>
+          <p:cNvPr id="2" name="Slide Image Placeholder 1"/>
+          <p:cNvSpPr>
+            <a:spLocks noGrp="1" noRot="1" noChangeAspect="1"/>
+          </p:cNvSpPr>
+          <p:nvPr>
+            <p:ph type="sldImg"/>
+          </p:nvPr>
+        </p:nvSpPr>
+        <p:spPr/>
+      </p:sp>
+      <p:sp>
+        <p:nvSpPr>
+          <p:cNvPr id="3" name="Notes Placeholder 2"/>
+          <p:cNvSpPr>
+            <a:spLocks noGrp="1"/>
+          </p:cNvSpPr>
+          <p:nvPr>
+            <p:ph type="body" idx="1"/>
+          </p:nvPr>
+        </p:nvSpPr>
+        <p:spPr/>
+        <p:txBody>
+          <a:bodyPr/>
+          <a:lstStyle/>
+          <a:p>
+            <a:endParaRPr lang="en-US" dirty="0"/>
+          </a:p>
+        </p:txBody>
+      </p:sp>
+      <p:sp>
+        <p:nvSpPr>
+          <p:cNvPr id="4" name="Slide Number Placeholder 3"/>
+          <p:cNvSpPr>
+            <a:spLocks noGrp="1"/>
+          </p:cNvSpPr>
+          <p:nvPr>
+            <p:ph type="sldNum" sz="quarter" idx="5"/>
+          </p:nvPr>
+        </p:nvSpPr>
+        <p:spPr/>
+        <p:txBody>
+          <a:bodyPr/>
+          <a:lstStyle/>
+          <a:p>
+            <a:fld id="{9E1330C4-BBBB-FC4A-85DD-6AFA452BF0C0}" type="slidenum">
+              <a:rPr lang="en-US" smtClean="0"/>
+              <a:t>2</a:t>
+            </a:fld>
+            <a:endParaRPr lang="en-US"/>
+          </a:p>
+        </p:txBody>
+      </p:sp>
+    </p:spTree>
+    <p:extLst>
+      <p:ext uri="{BB962C8B-B14F-4D97-AF65-F5344CB8AC3E}">
+        <p14:creationId xmlns:p14="http://schemas.microsoft.com/office/powerpoint/2010/main" val="2701646952"/>
+      </p:ext>
+    </p:extLst>
+  </p:cSld>
+  <p:clrMapOvr>
+    <a:masterClrMapping/>
+  </p:clrMapOvr>
+</p:notes>
+</file>
+
 <file path=ppt/slideLayouts/slideLayout1.xml><?xml version="1.0" encoding="utf-8"?>
 <p:sldLayout xmlns:a="http://schemas.openxmlformats.org/drawingml/2006/main" xmlns:r="http://schemas.openxmlformats.org/officeDocument/2006/relationships" xmlns:p="http://schemas.openxmlformats.org/presentationml/2006/main" type="title" preserve="1">
   <p:cSld name="Title Slide">
@@ -706,7 +805,7 @@
           <a:p>
             <a:fld id="{9FE185F7-9B28-9F45-9F43-9CB5A0B99390}" type="datetimeFigureOut">
               <a:rPr lang="en-US" smtClean="0"/>
-              <a:t>5/31/23</a:t>
+              <a:t>2/2/2024</a:t>
             </a:fld>
             <a:endParaRPr lang="en-US"/>
           </a:p>
@@ -904,7 +1003,7 @@
           <a:p>
             <a:fld id="{9FE185F7-9B28-9F45-9F43-9CB5A0B99390}" type="datetimeFigureOut">
               <a:rPr lang="en-US" smtClean="0"/>
-              <a:t>5/31/23</a:t>
+              <a:t>2/2/2024</a:t>
             </a:fld>
             <a:endParaRPr lang="en-US"/>
           </a:p>
@@ -1112,7 +1211,7 @@
           <a:p>
             <a:fld id="{9FE185F7-9B28-9F45-9F43-9CB5A0B99390}" type="datetimeFigureOut">
               <a:rPr lang="en-US" smtClean="0"/>
-              <a:t>5/31/23</a:t>
+              <a:t>2/2/2024</a:t>
             </a:fld>
             <a:endParaRPr lang="en-US"/>
           </a:p>
@@ -1310,7 +1409,7 @@
           <a:p>
             <a:fld id="{9FE185F7-9B28-9F45-9F43-9CB5A0B99390}" type="datetimeFigureOut">
               <a:rPr lang="en-US" smtClean="0"/>
-              <a:t>5/31/23</a:t>
+              <a:t>2/2/2024</a:t>
             </a:fld>
             <a:endParaRPr lang="en-US"/>
           </a:p>
@@ -1585,7 +1684,7 @@
           <a:p>
             <a:fld id="{9FE185F7-9B28-9F45-9F43-9CB5A0B99390}" type="datetimeFigureOut">
               <a:rPr lang="en-US" smtClean="0"/>
-              <a:t>5/31/23</a:t>
+              <a:t>2/2/2024</a:t>
             </a:fld>
             <a:endParaRPr lang="en-US"/>
           </a:p>
@@ -1850,7 +1949,7 @@
           <a:p>
             <a:fld id="{9FE185F7-9B28-9F45-9F43-9CB5A0B99390}" type="datetimeFigureOut">
               <a:rPr lang="en-US" smtClean="0"/>
-              <a:t>5/31/23</a:t>
+              <a:t>2/2/2024</a:t>
             </a:fld>
             <a:endParaRPr lang="en-US"/>
           </a:p>
@@ -2262,7 +2361,7 @@
           <a:p>
             <a:fld id="{9FE185F7-9B28-9F45-9F43-9CB5A0B99390}" type="datetimeFigureOut">
               <a:rPr lang="en-US" smtClean="0"/>
-              <a:t>5/31/23</a:t>
+              <a:t>2/2/2024</a:t>
             </a:fld>
             <a:endParaRPr lang="en-US"/>
           </a:p>
@@ -2403,7 +2502,7 @@
           <a:p>
             <a:fld id="{9FE185F7-9B28-9F45-9F43-9CB5A0B99390}" type="datetimeFigureOut">
               <a:rPr lang="en-US" smtClean="0"/>
-              <a:t>5/31/23</a:t>
+              <a:t>2/2/2024</a:t>
             </a:fld>
             <a:endParaRPr lang="en-US"/>
           </a:p>
@@ -2516,7 +2615,7 @@
           <a:p>
             <a:fld id="{9FE185F7-9B28-9F45-9F43-9CB5A0B99390}" type="datetimeFigureOut">
               <a:rPr lang="en-US" smtClean="0"/>
-              <a:t>5/31/23</a:t>
+              <a:t>2/2/2024</a:t>
             </a:fld>
             <a:endParaRPr lang="en-US"/>
           </a:p>
@@ -2827,7 +2926,7 @@
           <a:p>
             <a:fld id="{9FE185F7-9B28-9F45-9F43-9CB5A0B99390}" type="datetimeFigureOut">
               <a:rPr lang="en-US" smtClean="0"/>
-              <a:t>5/31/23</a:t>
+              <a:t>2/2/2024</a:t>
             </a:fld>
             <a:endParaRPr lang="en-US"/>
           </a:p>
@@ -3115,7 +3214,7 @@
           <a:p>
             <a:fld id="{9FE185F7-9B28-9F45-9F43-9CB5A0B99390}" type="datetimeFigureOut">
               <a:rPr lang="en-US" smtClean="0"/>
-              <a:t>5/31/23</a:t>
+              <a:t>2/2/2024</a:t>
             </a:fld>
             <a:endParaRPr lang="en-US"/>
           </a:p>
@@ -3356,7 +3455,7 @@
           <a:p>
             <a:fld id="{9FE185F7-9B28-9F45-9F43-9CB5A0B99390}" type="datetimeFigureOut">
               <a:rPr lang="en-US" smtClean="0"/>
-              <a:t>5/31/23</a:t>
+              <a:t>2/2/2024</a:t>
             </a:fld>
             <a:endParaRPr lang="en-US"/>
           </a:p>
@@ -10127,6 +10226,5957 @@
     <p:extLst>
       <p:ext uri="{BB962C8B-B14F-4D97-AF65-F5344CB8AC3E}">
         <p14:creationId xmlns:p14="http://schemas.microsoft.com/office/powerpoint/2010/main" val="1848008119"/>
+      </p:ext>
+    </p:extLst>
+  </p:cSld>
+  <p:clrMapOvr>
+    <a:masterClrMapping/>
+  </p:clrMapOvr>
+</p:sld>
+</file>
+
+<file path=ppt/slides/slide2.xml><?xml version="1.0" encoding="utf-8"?>
+<p:sld xmlns:a="http://schemas.openxmlformats.org/drawingml/2006/main" xmlns:r="http://schemas.openxmlformats.org/officeDocument/2006/relationships" xmlns:p="http://schemas.openxmlformats.org/presentationml/2006/main">
+  <p:cSld>
+    <p:spTree>
+      <p:nvGrpSpPr>
+        <p:cNvPr id="1" name=""/>
+        <p:cNvGrpSpPr/>
+        <p:nvPr/>
+      </p:nvGrpSpPr>
+      <p:grpSpPr>
+        <a:xfrm>
+          <a:off x="0" y="0"/>
+          <a:ext cx="0" cy="0"/>
+          <a:chOff x="0" y="0"/>
+          <a:chExt cx="0" cy="0"/>
+        </a:xfrm>
+      </p:grpSpPr>
+      <p:sp>
+        <p:nvSpPr>
+          <p:cNvPr id="96" name="TextBox 29">
+            <a:extLst>
+              <a:ext uri="{FF2B5EF4-FFF2-40B4-BE49-F238E27FC236}">
+                <a16:creationId xmlns:a16="http://schemas.microsoft.com/office/drawing/2014/main" id="{C618E77E-F039-1E4A-96DB-E5F160FF919B}"/>
+              </a:ext>
+            </a:extLst>
+          </p:cNvPr>
+          <p:cNvSpPr txBox="1">
+            <a:spLocks noChangeArrowheads="1"/>
+          </p:cNvSpPr>
+          <p:nvPr/>
+        </p:nvSpPr>
+        <p:spPr bwMode="auto">
+          <a:xfrm>
+            <a:off x="7851029" y="5622639"/>
+            <a:ext cx="1062976" cy="430887"/>
+          </a:xfrm>
+          <a:prstGeom prst="rect">
+            <a:avLst/>
+          </a:prstGeom>
+          <a:noFill/>
+          <a:ln>
+            <a:noFill/>
+          </a:ln>
+          <a:extLst>
+            <a:ext uri="{909E8E84-426E-40DD-AFC4-6F175D3DCCD1}">
+              <a14:hiddenFill xmlns:a14="http://schemas.microsoft.com/office/drawing/2010/main">
+                <a:solidFill>
+                  <a:srgbClr val="FFFFFF"/>
+                </a:solidFill>
+              </a14:hiddenFill>
+            </a:ext>
+            <a:ext uri="{91240B29-F687-4F45-9708-019B960494DF}">
+              <a14:hiddenLine xmlns:a14="http://schemas.microsoft.com/office/drawing/2010/main" w="9525">
+                <a:solidFill>
+                  <a:srgbClr val="000000"/>
+                </a:solidFill>
+                <a:miter lim="800000"/>
+                <a:headEnd/>
+                <a:tailEnd/>
+              </a14:hiddenLine>
+            </a:ext>
+          </a:extLst>
+        </p:spPr>
+        <p:txBody>
+          <a:bodyPr wrap="square">
+            <a:spAutoFit/>
+          </a:bodyPr>
+          <a:lstStyle>
+            <a:lvl1pPr>
+              <a:defRPr>
+                <a:solidFill>
+                  <a:schemeClr val="tx1"/>
+                </a:solidFill>
+                <a:latin typeface="Calibri" panose="020F0502020204030204" pitchFamily="34" charset="0"/>
+              </a:defRPr>
+            </a:lvl1pPr>
+            <a:lvl2pPr marL="742950" indent="-285750">
+              <a:defRPr>
+                <a:solidFill>
+                  <a:schemeClr val="tx1"/>
+                </a:solidFill>
+                <a:latin typeface="Calibri" panose="020F0502020204030204" pitchFamily="34" charset="0"/>
+              </a:defRPr>
+            </a:lvl2pPr>
+            <a:lvl3pPr marL="1143000" indent="-228600">
+              <a:defRPr>
+                <a:solidFill>
+                  <a:schemeClr val="tx1"/>
+                </a:solidFill>
+                <a:latin typeface="Calibri" panose="020F0502020204030204" pitchFamily="34" charset="0"/>
+              </a:defRPr>
+            </a:lvl3pPr>
+            <a:lvl4pPr marL="1600200" indent="-228600">
+              <a:defRPr>
+                <a:solidFill>
+                  <a:schemeClr val="tx1"/>
+                </a:solidFill>
+                <a:latin typeface="Calibri" panose="020F0502020204030204" pitchFamily="34" charset="0"/>
+              </a:defRPr>
+            </a:lvl4pPr>
+            <a:lvl5pPr marL="2057400" indent="-228600">
+              <a:defRPr>
+                <a:solidFill>
+                  <a:schemeClr val="tx1"/>
+                </a:solidFill>
+                <a:latin typeface="Calibri" panose="020F0502020204030204" pitchFamily="34" charset="0"/>
+              </a:defRPr>
+            </a:lvl5pPr>
+            <a:lvl6pPr marL="2514600" indent="-228600" eaLnBrk="0" fontAlgn="base" hangingPunct="0">
+              <a:spcBef>
+                <a:spcPct val="0"/>
+              </a:spcBef>
+              <a:spcAft>
+                <a:spcPct val="0"/>
+              </a:spcAft>
+              <a:defRPr>
+                <a:solidFill>
+                  <a:schemeClr val="tx1"/>
+                </a:solidFill>
+                <a:latin typeface="Calibri" panose="020F0502020204030204" pitchFamily="34" charset="0"/>
+              </a:defRPr>
+            </a:lvl6pPr>
+            <a:lvl7pPr marL="2971800" indent="-228600" eaLnBrk="0" fontAlgn="base" hangingPunct="0">
+              <a:spcBef>
+                <a:spcPct val="0"/>
+              </a:spcBef>
+              <a:spcAft>
+                <a:spcPct val="0"/>
+              </a:spcAft>
+              <a:defRPr>
+                <a:solidFill>
+                  <a:schemeClr val="tx1"/>
+                </a:solidFill>
+                <a:latin typeface="Calibri" panose="020F0502020204030204" pitchFamily="34" charset="0"/>
+              </a:defRPr>
+            </a:lvl7pPr>
+            <a:lvl8pPr marL="3429000" indent="-228600" eaLnBrk="0" fontAlgn="base" hangingPunct="0">
+              <a:spcBef>
+                <a:spcPct val="0"/>
+              </a:spcBef>
+              <a:spcAft>
+                <a:spcPct val="0"/>
+              </a:spcAft>
+              <a:defRPr>
+                <a:solidFill>
+                  <a:schemeClr val="tx1"/>
+                </a:solidFill>
+                <a:latin typeface="Calibri" panose="020F0502020204030204" pitchFamily="34" charset="0"/>
+              </a:defRPr>
+            </a:lvl8pPr>
+            <a:lvl9pPr marL="3886200" indent="-228600" eaLnBrk="0" fontAlgn="base" hangingPunct="0">
+              <a:spcBef>
+                <a:spcPct val="0"/>
+              </a:spcBef>
+              <a:spcAft>
+                <a:spcPct val="0"/>
+              </a:spcAft>
+              <a:defRPr>
+                <a:solidFill>
+                  <a:schemeClr val="tx1"/>
+                </a:solidFill>
+                <a:latin typeface="Calibri" panose="020F0502020204030204" pitchFamily="34" charset="0"/>
+              </a:defRPr>
+            </a:lvl9pPr>
+          </a:lstStyle>
+          <a:p>
+            <a:pPr algn="ctr"/>
+            <a:r>
+              <a:rPr lang="en-US" altLang="en-US" sz="1100" dirty="0">
+                <a:latin typeface="Arial" panose="020B0604020202020204" pitchFamily="34" charset="0"/>
+                <a:ea typeface="Amazon Ember" panose="020B0603020204020204" pitchFamily="34" charset="0"/>
+                <a:cs typeface="Arial" panose="020B0604020202020204" pitchFamily="34" charset="0"/>
+              </a:rPr>
+              <a:t> </a:t>
+            </a:r>
+            <a:r>
+              <a:rPr lang="en-US" sz="1100" dirty="0">
+                <a:latin typeface="Arial" panose="020B0604020202020204" pitchFamily="34" charset="0"/>
+                <a:cs typeface="Arial" panose="020B0604020202020204" pitchFamily="34" charset="0"/>
+              </a:rPr>
+              <a:t>Delete Detector Role</a:t>
+            </a:r>
+          </a:p>
+        </p:txBody>
+      </p:sp>
+      <p:pic>
+        <p:nvPicPr>
+          <p:cNvPr id="97" name="Graphic 49">
+            <a:extLst>
+              <a:ext uri="{FF2B5EF4-FFF2-40B4-BE49-F238E27FC236}">
+                <a16:creationId xmlns:a16="http://schemas.microsoft.com/office/drawing/2014/main" id="{142C67C1-85D4-884F-8467-EC8CEA4D39A7}"/>
+              </a:ext>
+            </a:extLst>
+          </p:cNvPr>
+          <p:cNvPicPr>
+            <a:picLocks noChangeAspect="1" noChangeArrowheads="1"/>
+          </p:cNvPicPr>
+          <p:nvPr/>
+        </p:nvPicPr>
+        <p:blipFill>
+          <a:blip r:embed="rId3">
+            <a:extLst>
+              <a:ext uri="{28A0092B-C50C-407E-A947-70E740481C1C}">
+                <a14:useLocalDpi xmlns:a14="http://schemas.microsoft.com/office/drawing/2010/main" val="0"/>
+              </a:ext>
+            </a:extLst>
+          </a:blip>
+          <a:srcRect/>
+          <a:stretch>
+            <a:fillRect/>
+          </a:stretch>
+        </p:blipFill>
+        <p:spPr bwMode="auto">
+          <a:xfrm>
+            <a:off x="8156293" y="5249377"/>
+            <a:ext cx="457200" cy="457200"/>
+          </a:xfrm>
+          <a:prstGeom prst="rect">
+            <a:avLst/>
+          </a:prstGeom>
+          <a:noFill/>
+          <a:ln>
+            <a:noFill/>
+          </a:ln>
+          <a:extLst>
+            <a:ext uri="{909E8E84-426E-40DD-AFC4-6F175D3DCCD1}">
+              <a14:hiddenFill xmlns:a14="http://schemas.microsoft.com/office/drawing/2010/main">
+                <a:solidFill>
+                  <a:srgbClr val="FFFFFF"/>
+                </a:solidFill>
+              </a14:hiddenFill>
+            </a:ext>
+            <a:ext uri="{91240B29-F687-4F45-9708-019B960494DF}">
+              <a14:hiddenLine xmlns:a14="http://schemas.microsoft.com/office/drawing/2010/main" w="9525">
+                <a:solidFill>
+                  <a:srgbClr val="000000"/>
+                </a:solidFill>
+                <a:miter lim="800000"/>
+                <a:headEnd/>
+                <a:tailEnd/>
+              </a14:hiddenLine>
+            </a:ext>
+          </a:extLst>
+        </p:spPr>
+      </p:pic>
+      <p:sp>
+        <p:nvSpPr>
+          <p:cNvPr id="98" name="Oval 97">
+            <a:extLst>
+              <a:ext uri="{FF2B5EF4-FFF2-40B4-BE49-F238E27FC236}">
+                <a16:creationId xmlns:a16="http://schemas.microsoft.com/office/drawing/2014/main" id="{CF03D907-C303-E248-85D2-6E9BA760D360}"/>
+              </a:ext>
+            </a:extLst>
+          </p:cNvPr>
+          <p:cNvSpPr/>
+          <p:nvPr/>
+        </p:nvSpPr>
+        <p:spPr>
+          <a:xfrm>
+            <a:off x="7999865" y="5177047"/>
+            <a:ext cx="253435" cy="212902"/>
+          </a:xfrm>
+          <a:prstGeom prst="ellipse">
+            <a:avLst/>
+          </a:prstGeom>
+          <a:solidFill>
+            <a:schemeClr val="tx1"/>
+          </a:solidFill>
+          <a:ln>
+            <a:solidFill>
+              <a:schemeClr val="tx1"/>
+            </a:solidFill>
+          </a:ln>
+        </p:spPr>
+        <p:style>
+          <a:lnRef idx="2">
+            <a:schemeClr val="accent1">
+              <a:shade val="50000"/>
+            </a:schemeClr>
+          </a:lnRef>
+          <a:fillRef idx="1">
+            <a:schemeClr val="accent1"/>
+          </a:fillRef>
+          <a:effectRef idx="0">
+            <a:schemeClr val="accent1"/>
+          </a:effectRef>
+          <a:fontRef idx="minor">
+            <a:schemeClr val="lt1"/>
+          </a:fontRef>
+        </p:style>
+        <p:txBody>
+          <a:bodyPr lIns="0" tIns="0" rIns="0" bIns="0" rtlCol="0" anchor="ctr"/>
+          <a:lstStyle/>
+          <a:p>
+            <a:pPr algn="ctr"/>
+            <a:r>
+              <a:rPr lang="en-US" sz="800" dirty="0">
+                <a:latin typeface="Arial" panose="020B0604020202020204" pitchFamily="34" charset="0"/>
+                <a:cs typeface="Arial" panose="020B0604020202020204" pitchFamily="34" charset="0"/>
+              </a:rPr>
+              <a:t>4.2</a:t>
+            </a:r>
+          </a:p>
+        </p:txBody>
+      </p:sp>
+      <p:sp>
+        <p:nvSpPr>
+          <p:cNvPr id="81" name="Rectangle 80">
+            <a:extLst>
+              <a:ext uri="{FF2B5EF4-FFF2-40B4-BE49-F238E27FC236}">
+                <a16:creationId xmlns:a16="http://schemas.microsoft.com/office/drawing/2014/main" id="{FD0BEA75-341F-49B4-83DB-758CA12480EF}"/>
+              </a:ext>
+            </a:extLst>
+          </p:cNvPr>
+          <p:cNvSpPr/>
+          <p:nvPr/>
+        </p:nvSpPr>
+        <p:spPr>
+          <a:xfrm>
+            <a:off x="503605" y="158632"/>
+            <a:ext cx="10985663" cy="6540737"/>
+          </a:xfrm>
+          <a:prstGeom prst="rect">
+            <a:avLst/>
+          </a:prstGeom>
+          <a:noFill/>
+          <a:ln w="12700">
+            <a:solidFill>
+              <a:schemeClr val="tx1"/>
+            </a:solidFill>
+          </a:ln>
+        </p:spPr>
+        <p:style>
+          <a:lnRef idx="2">
+            <a:schemeClr val="accent1">
+              <a:shade val="50000"/>
+            </a:schemeClr>
+          </a:lnRef>
+          <a:fillRef idx="1">
+            <a:schemeClr val="accent1"/>
+          </a:fillRef>
+          <a:effectRef idx="0">
+            <a:schemeClr val="accent1"/>
+          </a:effectRef>
+          <a:fontRef idx="minor">
+            <a:schemeClr val="lt1"/>
+          </a:fontRef>
+        </p:style>
+        <p:txBody>
+          <a:bodyPr lIns="502920" tIns="91440"/>
+          <a:lstStyle/>
+          <a:p>
+            <a:pPr eaLnBrk="1" fontAlgn="auto" hangingPunct="1">
+              <a:spcBef>
+                <a:spcPts val="0"/>
+              </a:spcBef>
+              <a:spcAft>
+                <a:spcPts val="0"/>
+              </a:spcAft>
+              <a:defRPr/>
+            </a:pPr>
+            <a:r>
+              <a:rPr lang="en-US" sz="1200" dirty="0">
+                <a:solidFill>
+                  <a:sysClr val="windowText" lastClr="000000"/>
+                </a:solidFill>
+                <a:latin typeface="Arial" panose="020B0604020202020204" pitchFamily="34" charset="0"/>
+                <a:cs typeface="Arial" panose="020B0604020202020204" pitchFamily="34" charset="0"/>
+              </a:rPr>
+              <a:t>AWS Cloud</a:t>
+            </a:r>
+          </a:p>
+        </p:txBody>
+      </p:sp>
+      <p:pic>
+        <p:nvPicPr>
+          <p:cNvPr id="82" name="Graphic 81">
+            <a:extLst>
+              <a:ext uri="{FF2B5EF4-FFF2-40B4-BE49-F238E27FC236}">
+                <a16:creationId xmlns:a16="http://schemas.microsoft.com/office/drawing/2014/main" id="{ADF00096-D97F-4D69-B4CB-8B0D7A8DF2BF}"/>
+              </a:ext>
+            </a:extLst>
+          </p:cNvPr>
+          <p:cNvPicPr>
+            <a:picLocks noChangeAspect="1"/>
+          </p:cNvPicPr>
+          <p:nvPr/>
+        </p:nvPicPr>
+        <p:blipFill>
+          <a:blip r:embed="rId4">
+            <a:extLst>
+              <a:ext uri="{96DAC541-7B7A-43D3-8B79-37D633B846F1}">
+                <asvg:svgBlip xmlns:asvg="http://schemas.microsoft.com/office/drawing/2016/SVG/main" r:embed="rId5"/>
+              </a:ext>
+            </a:extLst>
+          </a:blip>
+          <a:srcRect/>
+          <a:stretch/>
+        </p:blipFill>
+        <p:spPr>
+          <a:xfrm>
+            <a:off x="503605" y="158631"/>
+            <a:ext cx="381000" cy="381000"/>
+          </a:xfrm>
+          <a:prstGeom prst="rect">
+            <a:avLst/>
+          </a:prstGeom>
+        </p:spPr>
+      </p:pic>
+      <p:sp>
+        <p:nvSpPr>
+          <p:cNvPr id="87" name="Rectangle 86">
+            <a:extLst>
+              <a:ext uri="{FF2B5EF4-FFF2-40B4-BE49-F238E27FC236}">
+                <a16:creationId xmlns:a16="http://schemas.microsoft.com/office/drawing/2014/main" id="{233194F9-79FD-453D-AC8F-FA9F8DEF9795}"/>
+              </a:ext>
+            </a:extLst>
+          </p:cNvPr>
+          <p:cNvSpPr/>
+          <p:nvPr/>
+        </p:nvSpPr>
+        <p:spPr>
+          <a:xfrm>
+            <a:off x="667130" y="590707"/>
+            <a:ext cx="6559591" cy="3543229"/>
+          </a:xfrm>
+          <a:prstGeom prst="rect">
+            <a:avLst/>
+          </a:prstGeom>
+          <a:noFill/>
+          <a:ln w="12700">
+            <a:solidFill>
+              <a:srgbClr val="CD2264"/>
+            </a:solidFill>
+          </a:ln>
+        </p:spPr>
+        <p:style>
+          <a:lnRef idx="2">
+            <a:schemeClr val="accent1">
+              <a:shade val="50000"/>
+            </a:schemeClr>
+          </a:lnRef>
+          <a:fillRef idx="1">
+            <a:schemeClr val="accent1"/>
+          </a:fillRef>
+          <a:effectRef idx="0">
+            <a:schemeClr val="accent1"/>
+          </a:effectRef>
+          <a:fontRef idx="minor">
+            <a:schemeClr val="lt1"/>
+          </a:fontRef>
+        </p:style>
+        <p:txBody>
+          <a:bodyPr lIns="502920" tIns="91440"/>
+          <a:lstStyle/>
+          <a:p>
+            <a:pPr eaLnBrk="1" fontAlgn="auto" hangingPunct="1">
+              <a:spcBef>
+                <a:spcPts val="0"/>
+              </a:spcBef>
+              <a:spcAft>
+                <a:spcPts val="0"/>
+              </a:spcAft>
+              <a:defRPr/>
+            </a:pPr>
+            <a:r>
+              <a:rPr lang="en-US" sz="1200" dirty="0">
+                <a:solidFill>
+                  <a:srgbClr val="CD2264"/>
+                </a:solidFill>
+                <a:latin typeface="Arial" panose="020B0604020202020204" pitchFamily="34" charset="0"/>
+                <a:cs typeface="Arial" panose="020B0604020202020204" pitchFamily="34" charset="0"/>
+              </a:rPr>
+              <a:t>Organization Management Account</a:t>
+            </a:r>
+          </a:p>
+        </p:txBody>
+      </p:sp>
+      <p:pic>
+        <p:nvPicPr>
+          <p:cNvPr id="88" name="Graphic 87">
+            <a:extLst>
+              <a:ext uri="{FF2B5EF4-FFF2-40B4-BE49-F238E27FC236}">
+                <a16:creationId xmlns:a16="http://schemas.microsoft.com/office/drawing/2014/main" id="{234AB67D-9201-40E8-83E1-AF224AFD12B8}"/>
+              </a:ext>
+            </a:extLst>
+          </p:cNvPr>
+          <p:cNvPicPr>
+            <a:picLocks noChangeAspect="1"/>
+          </p:cNvPicPr>
+          <p:nvPr/>
+        </p:nvPicPr>
+        <p:blipFill>
+          <a:blip r:embed="rId6">
+            <a:extLst>
+              <a:ext uri="{96DAC541-7B7A-43D3-8B79-37D633B846F1}">
+                <asvg:svgBlip xmlns:asvg="http://schemas.microsoft.com/office/drawing/2016/SVG/main" r:embed="rId7"/>
+              </a:ext>
+            </a:extLst>
+          </a:blip>
+          <a:stretch>
+            <a:fillRect/>
+          </a:stretch>
+        </p:blipFill>
+        <p:spPr>
+          <a:xfrm>
+            <a:off x="664112" y="590706"/>
+            <a:ext cx="424469" cy="424469"/>
+          </a:xfrm>
+          <a:prstGeom prst="rect">
+            <a:avLst/>
+          </a:prstGeom>
+        </p:spPr>
+      </p:pic>
+      <p:sp>
+        <p:nvSpPr>
+          <p:cNvPr id="122" name="TextBox 2">
+            <a:extLst>
+              <a:ext uri="{FF2B5EF4-FFF2-40B4-BE49-F238E27FC236}">
+                <a16:creationId xmlns:a16="http://schemas.microsoft.com/office/drawing/2014/main" id="{D779FD12-DEC5-45B4-89B4-2B5EBBA6290B}"/>
+              </a:ext>
+            </a:extLst>
+          </p:cNvPr>
+          <p:cNvSpPr txBox="1"/>
+          <p:nvPr/>
+        </p:nvSpPr>
+        <p:spPr>
+          <a:xfrm>
+            <a:off x="3089480" y="2532764"/>
+            <a:ext cx="1273984" cy="261610"/>
+          </a:xfrm>
+          <a:prstGeom prst="rect">
+            <a:avLst/>
+          </a:prstGeom>
+          <a:noFill/>
+        </p:spPr>
+        <p:style>
+          <a:lnRef idx="0">
+            <a:scrgbClr r="0" g="0" b="0"/>
+          </a:lnRef>
+          <a:fillRef idx="0">
+            <a:scrgbClr r="0" g="0" b="0"/>
+          </a:fillRef>
+          <a:effectRef idx="0">
+            <a:scrgbClr r="0" g="0" b="0"/>
+          </a:effectRef>
+          <a:fontRef idx="major"/>
+        </p:style>
+        <p:txBody>
+          <a:bodyPr wrap="square" rtlCol="0">
+            <a:spAutoFit/>
+          </a:bodyPr>
+          <a:lstStyle>
+            <a:lvl1pPr>
+              <a:defRPr>
+                <a:latin typeface="+mj-lt"/>
+                <a:ea typeface="+mj-ea"/>
+                <a:cs typeface="+mj-cs"/>
+              </a:defRPr>
+            </a:lvl1pPr>
+            <a:lvl2pPr>
+              <a:defRPr>
+                <a:latin typeface="+mj-lt"/>
+                <a:ea typeface="+mj-ea"/>
+                <a:cs typeface="+mj-cs"/>
+              </a:defRPr>
+            </a:lvl2pPr>
+            <a:lvl3pPr>
+              <a:defRPr>
+                <a:latin typeface="+mj-lt"/>
+                <a:ea typeface="+mj-ea"/>
+                <a:cs typeface="+mj-cs"/>
+              </a:defRPr>
+            </a:lvl3pPr>
+            <a:lvl4pPr>
+              <a:defRPr>
+                <a:latin typeface="+mj-lt"/>
+                <a:ea typeface="+mj-ea"/>
+                <a:cs typeface="+mj-cs"/>
+              </a:defRPr>
+            </a:lvl4pPr>
+            <a:lvl5pPr>
+              <a:defRPr>
+                <a:latin typeface="+mj-lt"/>
+                <a:ea typeface="+mj-ea"/>
+                <a:cs typeface="+mj-cs"/>
+              </a:defRPr>
+            </a:lvl5pPr>
+            <a:lvl6pPr>
+              <a:defRPr>
+                <a:latin typeface="+mj-lt"/>
+                <a:ea typeface="+mj-ea"/>
+                <a:cs typeface="+mj-cs"/>
+              </a:defRPr>
+            </a:lvl6pPr>
+            <a:lvl7pPr>
+              <a:defRPr>
+                <a:latin typeface="+mj-lt"/>
+                <a:ea typeface="+mj-ea"/>
+                <a:cs typeface="+mj-cs"/>
+              </a:defRPr>
+            </a:lvl7pPr>
+            <a:lvl8pPr>
+              <a:defRPr>
+                <a:latin typeface="+mj-lt"/>
+                <a:ea typeface="+mj-ea"/>
+                <a:cs typeface="+mj-cs"/>
+              </a:defRPr>
+            </a:lvl8pPr>
+            <a:lvl9pPr>
+              <a:defRPr>
+                <a:latin typeface="+mj-lt"/>
+                <a:ea typeface="+mj-ea"/>
+                <a:cs typeface="+mj-cs"/>
+              </a:defRPr>
+            </a:lvl9pPr>
+          </a:lstStyle>
+          <a:p>
+            <a:pPr algn="ctr"/>
+            <a:r>
+              <a:rPr lang="en-US" sz="1100" dirty="0">
+                <a:latin typeface="Arial" panose="020B0604020202020204" pitchFamily="34" charset="0"/>
+                <a:cs typeface="Arial" panose="020B0604020202020204" pitchFamily="34" charset="0"/>
+              </a:rPr>
+              <a:t>Lambda Function</a:t>
+            </a:r>
+          </a:p>
+        </p:txBody>
+      </p:sp>
+      <p:sp>
+        <p:nvSpPr>
+          <p:cNvPr id="123" name="TextBox 2">
+            <a:extLst>
+              <a:ext uri="{FF2B5EF4-FFF2-40B4-BE49-F238E27FC236}">
+                <a16:creationId xmlns:a16="http://schemas.microsoft.com/office/drawing/2014/main" id="{956DC4A8-C454-4D0C-A193-B9CF227389CD}"/>
+              </a:ext>
+            </a:extLst>
+          </p:cNvPr>
+          <p:cNvSpPr txBox="1"/>
+          <p:nvPr/>
+        </p:nvSpPr>
+        <p:spPr>
+          <a:xfrm>
+            <a:off x="3220042" y="3614032"/>
+            <a:ext cx="1098724" cy="430887"/>
+          </a:xfrm>
+          <a:prstGeom prst="rect">
+            <a:avLst/>
+          </a:prstGeom>
+          <a:noFill/>
+        </p:spPr>
+        <p:style>
+          <a:lnRef idx="0">
+            <a:scrgbClr r="0" g="0" b="0"/>
+          </a:lnRef>
+          <a:fillRef idx="0">
+            <a:scrgbClr r="0" g="0" b="0"/>
+          </a:fillRef>
+          <a:effectRef idx="0">
+            <a:scrgbClr r="0" g="0" b="0"/>
+          </a:effectRef>
+          <a:fontRef idx="major"/>
+        </p:style>
+        <p:txBody>
+          <a:bodyPr wrap="square" rtlCol="0">
+            <a:spAutoFit/>
+          </a:bodyPr>
+          <a:lstStyle>
+            <a:lvl1pPr>
+              <a:defRPr>
+                <a:latin typeface="+mj-lt"/>
+                <a:ea typeface="+mj-ea"/>
+                <a:cs typeface="+mj-cs"/>
+              </a:defRPr>
+            </a:lvl1pPr>
+            <a:lvl2pPr>
+              <a:defRPr>
+                <a:latin typeface="+mj-lt"/>
+                <a:ea typeface="+mj-ea"/>
+                <a:cs typeface="+mj-cs"/>
+              </a:defRPr>
+            </a:lvl2pPr>
+            <a:lvl3pPr>
+              <a:defRPr>
+                <a:latin typeface="+mj-lt"/>
+                <a:ea typeface="+mj-ea"/>
+                <a:cs typeface="+mj-cs"/>
+              </a:defRPr>
+            </a:lvl3pPr>
+            <a:lvl4pPr>
+              <a:defRPr>
+                <a:latin typeface="+mj-lt"/>
+                <a:ea typeface="+mj-ea"/>
+                <a:cs typeface="+mj-cs"/>
+              </a:defRPr>
+            </a:lvl4pPr>
+            <a:lvl5pPr>
+              <a:defRPr>
+                <a:latin typeface="+mj-lt"/>
+                <a:ea typeface="+mj-ea"/>
+                <a:cs typeface="+mj-cs"/>
+              </a:defRPr>
+            </a:lvl5pPr>
+            <a:lvl6pPr>
+              <a:defRPr>
+                <a:latin typeface="+mj-lt"/>
+                <a:ea typeface="+mj-ea"/>
+                <a:cs typeface="+mj-cs"/>
+              </a:defRPr>
+            </a:lvl6pPr>
+            <a:lvl7pPr>
+              <a:defRPr>
+                <a:latin typeface="+mj-lt"/>
+                <a:ea typeface="+mj-ea"/>
+                <a:cs typeface="+mj-cs"/>
+              </a:defRPr>
+            </a:lvl7pPr>
+            <a:lvl8pPr>
+              <a:defRPr>
+                <a:latin typeface="+mj-lt"/>
+                <a:ea typeface="+mj-ea"/>
+                <a:cs typeface="+mj-cs"/>
+              </a:defRPr>
+            </a:lvl8pPr>
+            <a:lvl9pPr>
+              <a:defRPr>
+                <a:latin typeface="+mj-lt"/>
+                <a:ea typeface="+mj-ea"/>
+                <a:cs typeface="+mj-cs"/>
+              </a:defRPr>
+            </a:lvl9pPr>
+          </a:lstStyle>
+          <a:p>
+            <a:pPr algn="ctr"/>
+            <a:r>
+              <a:rPr lang="en-US" sz="1100" dirty="0">
+                <a:latin typeface="Arial" panose="020B0604020202020204" pitchFamily="34" charset="0"/>
+                <a:cs typeface="Arial" panose="020B0604020202020204" pitchFamily="34" charset="0"/>
+              </a:rPr>
+              <a:t>CloudWatch Log Group</a:t>
+            </a:r>
+          </a:p>
+        </p:txBody>
+      </p:sp>
+      <p:pic>
+        <p:nvPicPr>
+          <p:cNvPr id="138" name="Graphic 13">
+            <a:extLst>
+              <a:ext uri="{FF2B5EF4-FFF2-40B4-BE49-F238E27FC236}">
+                <a16:creationId xmlns:a16="http://schemas.microsoft.com/office/drawing/2014/main" id="{DD93BA21-ED60-4BEA-8CCB-AB48DD1F7F7F}"/>
+              </a:ext>
+            </a:extLst>
+          </p:cNvPr>
+          <p:cNvPicPr>
+            <a:picLocks noChangeAspect="1" noChangeArrowheads="1"/>
+          </p:cNvPicPr>
+          <p:nvPr/>
+        </p:nvPicPr>
+        <p:blipFill>
+          <a:blip r:embed="rId8">
+            <a:extLst>
+              <a:ext uri="{28A0092B-C50C-407E-A947-70E740481C1C}">
+                <a14:useLocalDpi xmlns:a14="http://schemas.microsoft.com/office/drawing/2010/main" val="0"/>
+              </a:ext>
+            </a:extLst>
+          </a:blip>
+          <a:srcRect/>
+          <a:stretch>
+            <a:fillRect/>
+          </a:stretch>
+        </p:blipFill>
+        <p:spPr bwMode="auto">
+          <a:xfrm>
+            <a:off x="3539644" y="2137457"/>
+            <a:ext cx="457200" cy="457200"/>
+          </a:xfrm>
+          <a:prstGeom prst="rect">
+            <a:avLst/>
+          </a:prstGeom>
+          <a:noFill/>
+          <a:ln>
+            <a:noFill/>
+          </a:ln>
+          <a:extLst>
+            <a:ext uri="{909E8E84-426E-40DD-AFC4-6F175D3DCCD1}">
+              <a14:hiddenFill xmlns:a14="http://schemas.microsoft.com/office/drawing/2010/main">
+                <a:solidFill>
+                  <a:srgbClr val="FFFFFF"/>
+                </a:solidFill>
+              </a14:hiddenFill>
+            </a:ext>
+            <a:ext uri="{91240B29-F687-4F45-9708-019B960494DF}">
+              <a14:hiddenLine xmlns:a14="http://schemas.microsoft.com/office/drawing/2010/main" w="9525">
+                <a:solidFill>
+                  <a:srgbClr val="000000"/>
+                </a:solidFill>
+                <a:miter lim="800000"/>
+                <a:headEnd/>
+                <a:tailEnd/>
+              </a14:hiddenLine>
+            </a:ext>
+          </a:extLst>
+        </p:spPr>
+      </p:pic>
+      <p:sp>
+        <p:nvSpPr>
+          <p:cNvPr id="159" name="Oval 158">
+            <a:extLst>
+              <a:ext uri="{FF2B5EF4-FFF2-40B4-BE49-F238E27FC236}">
+                <a16:creationId xmlns:a16="http://schemas.microsoft.com/office/drawing/2014/main" id="{4A05C662-2FBC-439F-B802-9699E92DB84C}"/>
+              </a:ext>
+            </a:extLst>
+          </p:cNvPr>
+          <p:cNvSpPr/>
+          <p:nvPr/>
+        </p:nvSpPr>
+        <p:spPr>
+          <a:xfrm>
+            <a:off x="3422139" y="2074061"/>
+            <a:ext cx="253435" cy="212902"/>
+          </a:xfrm>
+          <a:prstGeom prst="ellipse">
+            <a:avLst/>
+          </a:prstGeom>
+          <a:solidFill>
+            <a:schemeClr val="tx1"/>
+          </a:solidFill>
+          <a:ln>
+            <a:solidFill>
+              <a:schemeClr val="tx1"/>
+            </a:solidFill>
+          </a:ln>
+        </p:spPr>
+        <p:style>
+          <a:lnRef idx="2">
+            <a:schemeClr val="accent1">
+              <a:shade val="50000"/>
+            </a:schemeClr>
+          </a:lnRef>
+          <a:fillRef idx="1">
+            <a:schemeClr val="accent1"/>
+          </a:fillRef>
+          <a:effectRef idx="0">
+            <a:schemeClr val="accent1"/>
+          </a:effectRef>
+          <a:fontRef idx="minor">
+            <a:schemeClr val="lt1"/>
+          </a:fontRef>
+        </p:style>
+        <p:txBody>
+          <a:bodyPr lIns="0" tIns="0" rIns="0" bIns="0" rtlCol="0" anchor="ctr"/>
+          <a:lstStyle/>
+          <a:p>
+            <a:pPr algn="ctr"/>
+            <a:r>
+              <a:rPr lang="en-US" sz="800" dirty="0">
+                <a:latin typeface="Arial" panose="020B0604020202020204" pitchFamily="34" charset="0"/>
+                <a:cs typeface="Arial" panose="020B0604020202020204" pitchFamily="34" charset="0"/>
+              </a:rPr>
+              <a:t>1.1</a:t>
+            </a:r>
+          </a:p>
+        </p:txBody>
+      </p:sp>
+      <p:pic>
+        <p:nvPicPr>
+          <p:cNvPr id="160" name="Graphic 7">
+            <a:extLst>
+              <a:ext uri="{FF2B5EF4-FFF2-40B4-BE49-F238E27FC236}">
+                <a16:creationId xmlns:a16="http://schemas.microsoft.com/office/drawing/2014/main" id="{0B13130F-B51E-4BFD-AECE-120AC8A6CA73}"/>
+              </a:ext>
+            </a:extLst>
+          </p:cNvPr>
+          <p:cNvPicPr>
+            <a:picLocks noChangeAspect="1" noChangeArrowheads="1"/>
+          </p:cNvPicPr>
+          <p:nvPr/>
+        </p:nvPicPr>
+        <p:blipFill>
+          <a:blip r:embed="rId9">
+            <a:extLst>
+              <a:ext uri="{28A0092B-C50C-407E-A947-70E740481C1C}">
+                <a14:useLocalDpi xmlns:a14="http://schemas.microsoft.com/office/drawing/2010/main" val="0"/>
+              </a:ext>
+            </a:extLst>
+          </a:blip>
+          <a:srcRect/>
+          <a:stretch>
+            <a:fillRect/>
+          </a:stretch>
+        </p:blipFill>
+        <p:spPr bwMode="auto">
+          <a:xfrm>
+            <a:off x="3572513" y="3162852"/>
+            <a:ext cx="457200" cy="457200"/>
+          </a:xfrm>
+          <a:prstGeom prst="rect">
+            <a:avLst/>
+          </a:prstGeom>
+          <a:noFill/>
+          <a:ln>
+            <a:noFill/>
+          </a:ln>
+          <a:extLst>
+            <a:ext uri="{909E8E84-426E-40DD-AFC4-6F175D3DCCD1}">
+              <a14:hiddenFill xmlns:a14="http://schemas.microsoft.com/office/drawing/2010/main">
+                <a:solidFill>
+                  <a:srgbClr val="FFFFFF"/>
+                </a:solidFill>
+              </a14:hiddenFill>
+            </a:ext>
+            <a:ext uri="{91240B29-F687-4F45-9708-019B960494DF}">
+              <a14:hiddenLine xmlns:a14="http://schemas.microsoft.com/office/drawing/2010/main" w="9525">
+                <a:solidFill>
+                  <a:srgbClr val="000000"/>
+                </a:solidFill>
+                <a:miter lim="800000"/>
+                <a:headEnd/>
+                <a:tailEnd/>
+              </a14:hiddenLine>
+            </a:ext>
+          </a:extLst>
+        </p:spPr>
+      </p:pic>
+      <p:pic>
+        <p:nvPicPr>
+          <p:cNvPr id="162" name="Graphic 17">
+            <a:extLst>
+              <a:ext uri="{FF2B5EF4-FFF2-40B4-BE49-F238E27FC236}">
+                <a16:creationId xmlns:a16="http://schemas.microsoft.com/office/drawing/2014/main" id="{2A5D1DCB-4C74-4F64-8B48-F85EF8C1424A}"/>
+              </a:ext>
+            </a:extLst>
+          </p:cNvPr>
+          <p:cNvPicPr>
+            <a:picLocks noChangeAspect="1" noChangeArrowheads="1"/>
+          </p:cNvPicPr>
+          <p:nvPr/>
+        </p:nvPicPr>
+        <p:blipFill>
+          <a:blip r:embed="rId10">
+            <a:extLst>
+              <a:ext uri="{28A0092B-C50C-407E-A947-70E740481C1C}">
+                <a14:useLocalDpi xmlns:a14="http://schemas.microsoft.com/office/drawing/2010/main" val="0"/>
+              </a:ext>
+            </a:extLst>
+          </a:blip>
+          <a:srcRect/>
+          <a:stretch>
+            <a:fillRect/>
+          </a:stretch>
+        </p:blipFill>
+        <p:spPr bwMode="auto">
+          <a:xfrm>
+            <a:off x="2492559" y="1387935"/>
+            <a:ext cx="457200" cy="457200"/>
+          </a:xfrm>
+          <a:prstGeom prst="rect">
+            <a:avLst/>
+          </a:prstGeom>
+          <a:noFill/>
+          <a:ln>
+            <a:noFill/>
+          </a:ln>
+          <a:extLst>
+            <a:ext uri="{909E8E84-426E-40DD-AFC4-6F175D3DCCD1}">
+              <a14:hiddenFill xmlns:a14="http://schemas.microsoft.com/office/drawing/2010/main">
+                <a:solidFill>
+                  <a:srgbClr val="FFFFFF"/>
+                </a:solidFill>
+              </a14:hiddenFill>
+            </a:ext>
+            <a:ext uri="{91240B29-F687-4F45-9708-019B960494DF}">
+              <a14:hiddenLine xmlns:a14="http://schemas.microsoft.com/office/drawing/2010/main" w="9525">
+                <a:solidFill>
+                  <a:srgbClr val="000000"/>
+                </a:solidFill>
+                <a:miter lim="800000"/>
+                <a:headEnd/>
+                <a:tailEnd/>
+              </a14:hiddenLine>
+            </a:ext>
+          </a:extLst>
+        </p:spPr>
+      </p:pic>
+      <p:sp>
+        <p:nvSpPr>
+          <p:cNvPr id="163" name="TextBox 2">
+            <a:extLst>
+              <a:ext uri="{FF2B5EF4-FFF2-40B4-BE49-F238E27FC236}">
+                <a16:creationId xmlns:a16="http://schemas.microsoft.com/office/drawing/2014/main" id="{4F80BB92-ED3C-4B43-AE93-3C503210728A}"/>
+              </a:ext>
+            </a:extLst>
+          </p:cNvPr>
+          <p:cNvSpPr txBox="1"/>
+          <p:nvPr/>
+        </p:nvSpPr>
+        <p:spPr>
+          <a:xfrm>
+            <a:off x="2111795" y="1812619"/>
+            <a:ext cx="1273984" cy="430887"/>
+          </a:xfrm>
+          <a:prstGeom prst="rect">
+            <a:avLst/>
+          </a:prstGeom>
+          <a:noFill/>
+        </p:spPr>
+        <p:style>
+          <a:lnRef idx="0">
+            <a:scrgbClr r="0" g="0" b="0"/>
+          </a:lnRef>
+          <a:fillRef idx="0">
+            <a:scrgbClr r="0" g="0" b="0"/>
+          </a:fillRef>
+          <a:effectRef idx="0">
+            <a:scrgbClr r="0" g="0" b="0"/>
+          </a:effectRef>
+          <a:fontRef idx="major"/>
+        </p:style>
+        <p:txBody>
+          <a:bodyPr wrap="square" rtlCol="0">
+            <a:spAutoFit/>
+          </a:bodyPr>
+          <a:lstStyle>
+            <a:lvl1pPr>
+              <a:defRPr>
+                <a:latin typeface="+mj-lt"/>
+                <a:ea typeface="+mj-ea"/>
+                <a:cs typeface="+mj-cs"/>
+              </a:defRPr>
+            </a:lvl1pPr>
+            <a:lvl2pPr>
+              <a:defRPr>
+                <a:latin typeface="+mj-lt"/>
+                <a:ea typeface="+mj-ea"/>
+                <a:cs typeface="+mj-cs"/>
+              </a:defRPr>
+            </a:lvl2pPr>
+            <a:lvl3pPr>
+              <a:defRPr>
+                <a:latin typeface="+mj-lt"/>
+                <a:ea typeface="+mj-ea"/>
+                <a:cs typeface="+mj-cs"/>
+              </a:defRPr>
+            </a:lvl3pPr>
+            <a:lvl4pPr>
+              <a:defRPr>
+                <a:latin typeface="+mj-lt"/>
+                <a:ea typeface="+mj-ea"/>
+                <a:cs typeface="+mj-cs"/>
+              </a:defRPr>
+            </a:lvl4pPr>
+            <a:lvl5pPr>
+              <a:defRPr>
+                <a:latin typeface="+mj-lt"/>
+                <a:ea typeface="+mj-ea"/>
+                <a:cs typeface="+mj-cs"/>
+              </a:defRPr>
+            </a:lvl5pPr>
+            <a:lvl6pPr>
+              <a:defRPr>
+                <a:latin typeface="+mj-lt"/>
+                <a:ea typeface="+mj-ea"/>
+                <a:cs typeface="+mj-cs"/>
+              </a:defRPr>
+            </a:lvl6pPr>
+            <a:lvl7pPr>
+              <a:defRPr>
+                <a:latin typeface="+mj-lt"/>
+                <a:ea typeface="+mj-ea"/>
+                <a:cs typeface="+mj-cs"/>
+              </a:defRPr>
+            </a:lvl7pPr>
+            <a:lvl8pPr>
+              <a:defRPr>
+                <a:latin typeface="+mj-lt"/>
+                <a:ea typeface="+mj-ea"/>
+                <a:cs typeface="+mj-cs"/>
+              </a:defRPr>
+            </a:lvl8pPr>
+            <a:lvl9pPr>
+              <a:defRPr>
+                <a:latin typeface="+mj-lt"/>
+                <a:ea typeface="+mj-ea"/>
+                <a:cs typeface="+mj-cs"/>
+              </a:defRPr>
+            </a:lvl9pPr>
+          </a:lstStyle>
+          <a:p>
+            <a:pPr algn="ctr"/>
+            <a:r>
+              <a:rPr lang="en-US" sz="1100" dirty="0">
+                <a:latin typeface="Arial" panose="020B0604020202020204" pitchFamily="34" charset="0"/>
+                <a:cs typeface="Arial" panose="020B0604020202020204" pitchFamily="34" charset="0"/>
+              </a:rPr>
+              <a:t>Configuration Topic</a:t>
+            </a:r>
+          </a:p>
+        </p:txBody>
+      </p:sp>
+      <p:cxnSp>
+        <p:nvCxnSpPr>
+          <p:cNvPr id="164" name="Straight Arrow Connector 163">
+            <a:extLst>
+              <a:ext uri="{FF2B5EF4-FFF2-40B4-BE49-F238E27FC236}">
+                <a16:creationId xmlns:a16="http://schemas.microsoft.com/office/drawing/2014/main" id="{576CF6C8-4D82-42C0-9B2D-E4B6FA6D170B}"/>
+              </a:ext>
+            </a:extLst>
+          </p:cNvPr>
+          <p:cNvCxnSpPr>
+            <a:cxnSpLocks/>
+          </p:cNvCxnSpPr>
+          <p:nvPr/>
+        </p:nvCxnSpPr>
+        <p:spPr>
+          <a:xfrm flipV="1">
+            <a:off x="3726086" y="1721108"/>
+            <a:ext cx="1479" cy="357840"/>
+          </a:xfrm>
+          <a:prstGeom prst="straightConnector1">
+            <a:avLst/>
+          </a:prstGeom>
+          <a:ln>
+            <a:tailEnd type="triangle"/>
+          </a:ln>
+        </p:spPr>
+        <p:style>
+          <a:lnRef idx="1">
+            <a:schemeClr val="dk1"/>
+          </a:lnRef>
+          <a:fillRef idx="0">
+            <a:schemeClr val="dk1"/>
+          </a:fillRef>
+          <a:effectRef idx="0">
+            <a:schemeClr val="dk1"/>
+          </a:effectRef>
+          <a:fontRef idx="minor">
+            <a:schemeClr val="tx1"/>
+          </a:fontRef>
+        </p:style>
+      </p:cxnSp>
+      <p:pic>
+        <p:nvPicPr>
+          <p:cNvPr id="165" name="Graphic 17">
+            <a:extLst>
+              <a:ext uri="{FF2B5EF4-FFF2-40B4-BE49-F238E27FC236}">
+                <a16:creationId xmlns:a16="http://schemas.microsoft.com/office/drawing/2014/main" id="{6F887213-7B87-4EF7-8FFC-86F3F2BA8A6E}"/>
+              </a:ext>
+            </a:extLst>
+          </p:cNvPr>
+          <p:cNvPicPr>
+            <a:picLocks noChangeAspect="1" noChangeArrowheads="1"/>
+          </p:cNvPicPr>
+          <p:nvPr/>
+        </p:nvPicPr>
+        <p:blipFill>
+          <a:blip r:embed="rId10">
+            <a:extLst>
+              <a:ext uri="{28A0092B-C50C-407E-A947-70E740481C1C}">
+                <a14:useLocalDpi xmlns:a14="http://schemas.microsoft.com/office/drawing/2010/main" val="0"/>
+              </a:ext>
+            </a:extLst>
+          </a:blip>
+          <a:srcRect/>
+          <a:stretch>
+            <a:fillRect/>
+          </a:stretch>
+        </p:blipFill>
+        <p:spPr bwMode="auto">
+          <a:xfrm>
+            <a:off x="4717459" y="1124346"/>
+            <a:ext cx="457200" cy="457200"/>
+          </a:xfrm>
+          <a:prstGeom prst="rect">
+            <a:avLst/>
+          </a:prstGeom>
+          <a:noFill/>
+          <a:ln>
+            <a:noFill/>
+          </a:ln>
+          <a:extLst>
+            <a:ext uri="{909E8E84-426E-40DD-AFC4-6F175D3DCCD1}">
+              <a14:hiddenFill xmlns:a14="http://schemas.microsoft.com/office/drawing/2010/main">
+                <a:solidFill>
+                  <a:srgbClr val="FFFFFF"/>
+                </a:solidFill>
+              </a14:hiddenFill>
+            </a:ext>
+            <a:ext uri="{91240B29-F687-4F45-9708-019B960494DF}">
+              <a14:hiddenLine xmlns:a14="http://schemas.microsoft.com/office/drawing/2010/main" w="9525">
+                <a:solidFill>
+                  <a:srgbClr val="000000"/>
+                </a:solidFill>
+                <a:miter lim="800000"/>
+                <a:headEnd/>
+                <a:tailEnd/>
+              </a14:hiddenLine>
+            </a:ext>
+          </a:extLst>
+        </p:spPr>
+      </p:pic>
+      <p:sp>
+        <p:nvSpPr>
+          <p:cNvPr id="166" name="TextBox 2">
+            <a:extLst>
+              <a:ext uri="{FF2B5EF4-FFF2-40B4-BE49-F238E27FC236}">
+                <a16:creationId xmlns:a16="http://schemas.microsoft.com/office/drawing/2014/main" id="{7A13731A-47C5-476A-955C-8DC2DA5E0649}"/>
+              </a:ext>
+            </a:extLst>
+          </p:cNvPr>
+          <p:cNvSpPr txBox="1"/>
+          <p:nvPr/>
+        </p:nvSpPr>
+        <p:spPr>
+          <a:xfrm>
+            <a:off x="4458002" y="1529094"/>
+            <a:ext cx="932275" cy="261610"/>
+          </a:xfrm>
+          <a:prstGeom prst="rect">
+            <a:avLst/>
+          </a:prstGeom>
+          <a:noFill/>
+        </p:spPr>
+        <p:style>
+          <a:lnRef idx="0">
+            <a:scrgbClr r="0" g="0" b="0"/>
+          </a:lnRef>
+          <a:fillRef idx="0">
+            <a:scrgbClr r="0" g="0" b="0"/>
+          </a:fillRef>
+          <a:effectRef idx="0">
+            <a:scrgbClr r="0" g="0" b="0"/>
+          </a:effectRef>
+          <a:fontRef idx="major"/>
+        </p:style>
+        <p:txBody>
+          <a:bodyPr wrap="square" rtlCol="0">
+            <a:spAutoFit/>
+          </a:bodyPr>
+          <a:lstStyle>
+            <a:lvl1pPr>
+              <a:defRPr>
+                <a:latin typeface="+mj-lt"/>
+                <a:ea typeface="+mj-ea"/>
+                <a:cs typeface="+mj-cs"/>
+              </a:defRPr>
+            </a:lvl1pPr>
+            <a:lvl2pPr>
+              <a:defRPr>
+                <a:latin typeface="+mj-lt"/>
+                <a:ea typeface="+mj-ea"/>
+                <a:cs typeface="+mj-cs"/>
+              </a:defRPr>
+            </a:lvl2pPr>
+            <a:lvl3pPr>
+              <a:defRPr>
+                <a:latin typeface="+mj-lt"/>
+                <a:ea typeface="+mj-ea"/>
+                <a:cs typeface="+mj-cs"/>
+              </a:defRPr>
+            </a:lvl3pPr>
+            <a:lvl4pPr>
+              <a:defRPr>
+                <a:latin typeface="+mj-lt"/>
+                <a:ea typeface="+mj-ea"/>
+                <a:cs typeface="+mj-cs"/>
+              </a:defRPr>
+            </a:lvl4pPr>
+            <a:lvl5pPr>
+              <a:defRPr>
+                <a:latin typeface="+mj-lt"/>
+                <a:ea typeface="+mj-ea"/>
+                <a:cs typeface="+mj-cs"/>
+              </a:defRPr>
+            </a:lvl5pPr>
+            <a:lvl6pPr>
+              <a:defRPr>
+                <a:latin typeface="+mj-lt"/>
+                <a:ea typeface="+mj-ea"/>
+                <a:cs typeface="+mj-cs"/>
+              </a:defRPr>
+            </a:lvl6pPr>
+            <a:lvl7pPr>
+              <a:defRPr>
+                <a:latin typeface="+mj-lt"/>
+                <a:ea typeface="+mj-ea"/>
+                <a:cs typeface="+mj-cs"/>
+              </a:defRPr>
+            </a:lvl7pPr>
+            <a:lvl8pPr>
+              <a:defRPr>
+                <a:latin typeface="+mj-lt"/>
+                <a:ea typeface="+mj-ea"/>
+                <a:cs typeface="+mj-cs"/>
+              </a:defRPr>
+            </a:lvl8pPr>
+            <a:lvl9pPr>
+              <a:defRPr>
+                <a:latin typeface="+mj-lt"/>
+                <a:ea typeface="+mj-ea"/>
+                <a:cs typeface="+mj-cs"/>
+              </a:defRPr>
+            </a:lvl9pPr>
+          </a:lstStyle>
+          <a:p>
+            <a:pPr algn="ctr"/>
+            <a:r>
+              <a:rPr lang="en-US" sz="1100" dirty="0">
+                <a:latin typeface="Arial" panose="020B0604020202020204" pitchFamily="34" charset="0"/>
+                <a:cs typeface="Arial" panose="020B0604020202020204" pitchFamily="34" charset="0"/>
+              </a:rPr>
+              <a:t>Alarm Topic</a:t>
+            </a:r>
+          </a:p>
+        </p:txBody>
+      </p:sp>
+      <p:pic>
+        <p:nvPicPr>
+          <p:cNvPr id="167" name="Graphic 29">
+            <a:extLst>
+              <a:ext uri="{FF2B5EF4-FFF2-40B4-BE49-F238E27FC236}">
+                <a16:creationId xmlns:a16="http://schemas.microsoft.com/office/drawing/2014/main" id="{A964B389-DF95-490C-ABEE-039A026F09C2}"/>
+              </a:ext>
+            </a:extLst>
+          </p:cNvPr>
+          <p:cNvPicPr>
+            <a:picLocks noChangeAspect="1" noChangeArrowheads="1"/>
+          </p:cNvPicPr>
+          <p:nvPr/>
+        </p:nvPicPr>
+        <p:blipFill>
+          <a:blip r:embed="rId11">
+            <a:extLst>
+              <a:ext uri="{28A0092B-C50C-407E-A947-70E740481C1C}">
+                <a14:useLocalDpi xmlns:a14="http://schemas.microsoft.com/office/drawing/2010/main" val="0"/>
+              </a:ext>
+            </a:extLst>
+          </a:blip>
+          <a:srcRect/>
+          <a:stretch>
+            <a:fillRect/>
+          </a:stretch>
+        </p:blipFill>
+        <p:spPr bwMode="auto">
+          <a:xfrm>
+            <a:off x="3544779" y="1121896"/>
+            <a:ext cx="457200" cy="457200"/>
+          </a:xfrm>
+          <a:prstGeom prst="rect">
+            <a:avLst/>
+          </a:prstGeom>
+          <a:noFill/>
+          <a:ln>
+            <a:noFill/>
+          </a:ln>
+          <a:extLst>
+            <a:ext uri="{909E8E84-426E-40DD-AFC4-6F175D3DCCD1}">
+              <a14:hiddenFill xmlns:a14="http://schemas.microsoft.com/office/drawing/2010/main">
+                <a:solidFill>
+                  <a:srgbClr val="FFFFFF"/>
+                </a:solidFill>
+              </a14:hiddenFill>
+            </a:ext>
+            <a:ext uri="{91240B29-F687-4F45-9708-019B960494DF}">
+              <a14:hiddenLine xmlns:a14="http://schemas.microsoft.com/office/drawing/2010/main" w="9525">
+                <a:solidFill>
+                  <a:srgbClr val="000000"/>
+                </a:solidFill>
+                <a:miter lim="800000"/>
+                <a:headEnd/>
+                <a:tailEnd/>
+              </a14:hiddenLine>
+            </a:ext>
+          </a:extLst>
+        </p:spPr>
+      </p:pic>
+      <p:sp>
+        <p:nvSpPr>
+          <p:cNvPr id="168" name="TextBox 2">
+            <a:extLst>
+              <a:ext uri="{FF2B5EF4-FFF2-40B4-BE49-F238E27FC236}">
+                <a16:creationId xmlns:a16="http://schemas.microsoft.com/office/drawing/2014/main" id="{5C50D3CA-26BC-4467-A544-D63E0C024FD0}"/>
+              </a:ext>
+            </a:extLst>
+          </p:cNvPr>
+          <p:cNvSpPr txBox="1"/>
+          <p:nvPr/>
+        </p:nvSpPr>
+        <p:spPr>
+          <a:xfrm>
+            <a:off x="3505909" y="1462342"/>
+            <a:ext cx="475182" cy="261610"/>
+          </a:xfrm>
+          <a:prstGeom prst="rect">
+            <a:avLst/>
+          </a:prstGeom>
+          <a:noFill/>
+        </p:spPr>
+        <p:style>
+          <a:lnRef idx="0">
+            <a:scrgbClr r="0" g="0" b="0"/>
+          </a:lnRef>
+          <a:fillRef idx="0">
+            <a:scrgbClr r="0" g="0" b="0"/>
+          </a:fillRef>
+          <a:effectRef idx="0">
+            <a:scrgbClr r="0" g="0" b="0"/>
+          </a:effectRef>
+          <a:fontRef idx="major"/>
+        </p:style>
+        <p:txBody>
+          <a:bodyPr wrap="square" rtlCol="0">
+            <a:spAutoFit/>
+          </a:bodyPr>
+          <a:lstStyle>
+            <a:lvl1pPr>
+              <a:defRPr>
+                <a:latin typeface="+mj-lt"/>
+                <a:ea typeface="+mj-ea"/>
+                <a:cs typeface="+mj-cs"/>
+              </a:defRPr>
+            </a:lvl1pPr>
+            <a:lvl2pPr>
+              <a:defRPr>
+                <a:latin typeface="+mj-lt"/>
+                <a:ea typeface="+mj-ea"/>
+                <a:cs typeface="+mj-cs"/>
+              </a:defRPr>
+            </a:lvl2pPr>
+            <a:lvl3pPr>
+              <a:defRPr>
+                <a:latin typeface="+mj-lt"/>
+                <a:ea typeface="+mj-ea"/>
+                <a:cs typeface="+mj-cs"/>
+              </a:defRPr>
+            </a:lvl3pPr>
+            <a:lvl4pPr>
+              <a:defRPr>
+                <a:latin typeface="+mj-lt"/>
+                <a:ea typeface="+mj-ea"/>
+                <a:cs typeface="+mj-cs"/>
+              </a:defRPr>
+            </a:lvl4pPr>
+            <a:lvl5pPr>
+              <a:defRPr>
+                <a:latin typeface="+mj-lt"/>
+                <a:ea typeface="+mj-ea"/>
+                <a:cs typeface="+mj-cs"/>
+              </a:defRPr>
+            </a:lvl5pPr>
+            <a:lvl6pPr>
+              <a:defRPr>
+                <a:latin typeface="+mj-lt"/>
+                <a:ea typeface="+mj-ea"/>
+                <a:cs typeface="+mj-cs"/>
+              </a:defRPr>
+            </a:lvl6pPr>
+            <a:lvl7pPr>
+              <a:defRPr>
+                <a:latin typeface="+mj-lt"/>
+                <a:ea typeface="+mj-ea"/>
+                <a:cs typeface="+mj-cs"/>
+              </a:defRPr>
+            </a:lvl7pPr>
+            <a:lvl8pPr>
+              <a:defRPr>
+                <a:latin typeface="+mj-lt"/>
+                <a:ea typeface="+mj-ea"/>
+                <a:cs typeface="+mj-cs"/>
+              </a:defRPr>
+            </a:lvl8pPr>
+            <a:lvl9pPr>
+              <a:defRPr>
+                <a:latin typeface="+mj-lt"/>
+                <a:ea typeface="+mj-ea"/>
+                <a:cs typeface="+mj-cs"/>
+              </a:defRPr>
+            </a:lvl9pPr>
+          </a:lstStyle>
+          <a:p>
+            <a:pPr algn="ctr"/>
+            <a:r>
+              <a:rPr lang="en-US" sz="1100" dirty="0">
+                <a:latin typeface="Arial" panose="020B0604020202020204" pitchFamily="34" charset="0"/>
+                <a:cs typeface="Arial" panose="020B0604020202020204" pitchFamily="34" charset="0"/>
+              </a:rPr>
+              <a:t>DLQ</a:t>
+            </a:r>
+          </a:p>
+        </p:txBody>
+      </p:sp>
+      <p:cxnSp>
+        <p:nvCxnSpPr>
+          <p:cNvPr id="169" name="Straight Arrow Connector 168">
+            <a:extLst>
+              <a:ext uri="{FF2B5EF4-FFF2-40B4-BE49-F238E27FC236}">
+                <a16:creationId xmlns:a16="http://schemas.microsoft.com/office/drawing/2014/main" id="{A1AB6DA0-EA5A-488D-AE59-BD43FB2DB975}"/>
+              </a:ext>
+            </a:extLst>
+          </p:cNvPr>
+          <p:cNvCxnSpPr>
+            <a:cxnSpLocks/>
+          </p:cNvCxnSpPr>
+          <p:nvPr/>
+        </p:nvCxnSpPr>
+        <p:spPr>
+          <a:xfrm flipV="1">
+            <a:off x="4097176" y="1377755"/>
+            <a:ext cx="540017" cy="4781"/>
+          </a:xfrm>
+          <a:prstGeom prst="straightConnector1">
+            <a:avLst/>
+          </a:prstGeom>
+          <a:ln>
+            <a:tailEnd type="triangle"/>
+          </a:ln>
+        </p:spPr>
+        <p:style>
+          <a:lnRef idx="1">
+            <a:schemeClr val="dk1"/>
+          </a:lnRef>
+          <a:fillRef idx="0">
+            <a:schemeClr val="dk1"/>
+          </a:fillRef>
+          <a:effectRef idx="0">
+            <a:schemeClr val="dk1"/>
+          </a:effectRef>
+          <a:fontRef idx="minor">
+            <a:schemeClr val="tx1"/>
+          </a:fontRef>
+        </p:style>
+      </p:cxnSp>
+      <p:sp>
+        <p:nvSpPr>
+          <p:cNvPr id="170" name="Oval 169">
+            <a:extLst>
+              <a:ext uri="{FF2B5EF4-FFF2-40B4-BE49-F238E27FC236}">
+                <a16:creationId xmlns:a16="http://schemas.microsoft.com/office/drawing/2014/main" id="{97797EDC-C96B-4205-9EA5-4896D4E19CC8}"/>
+              </a:ext>
+            </a:extLst>
+          </p:cNvPr>
+          <p:cNvSpPr/>
+          <p:nvPr/>
+        </p:nvSpPr>
+        <p:spPr>
+          <a:xfrm>
+            <a:off x="2375496" y="1324395"/>
+            <a:ext cx="253435" cy="212902"/>
+          </a:xfrm>
+          <a:prstGeom prst="ellipse">
+            <a:avLst/>
+          </a:prstGeom>
+          <a:solidFill>
+            <a:schemeClr val="tx1"/>
+          </a:solidFill>
+          <a:ln>
+            <a:solidFill>
+              <a:schemeClr val="tx1"/>
+            </a:solidFill>
+          </a:ln>
+        </p:spPr>
+        <p:style>
+          <a:lnRef idx="2">
+            <a:schemeClr val="accent1">
+              <a:shade val="50000"/>
+            </a:schemeClr>
+          </a:lnRef>
+          <a:fillRef idx="1">
+            <a:schemeClr val="accent1"/>
+          </a:fillRef>
+          <a:effectRef idx="0">
+            <a:schemeClr val="accent1"/>
+          </a:effectRef>
+          <a:fontRef idx="minor">
+            <a:schemeClr val="lt1"/>
+          </a:fontRef>
+        </p:style>
+        <p:txBody>
+          <a:bodyPr lIns="0" tIns="0" rIns="0" bIns="0" rtlCol="0" anchor="ctr"/>
+          <a:lstStyle/>
+          <a:p>
+            <a:pPr algn="ctr"/>
+            <a:r>
+              <a:rPr lang="en-US" sz="800" dirty="0">
+                <a:latin typeface="Arial" panose="020B0604020202020204" pitchFamily="34" charset="0"/>
+                <a:cs typeface="Arial" panose="020B0604020202020204" pitchFamily="34" charset="0"/>
+              </a:rPr>
+              <a:t>1.4</a:t>
+            </a:r>
+          </a:p>
+        </p:txBody>
+      </p:sp>
+      <p:sp>
+        <p:nvSpPr>
+          <p:cNvPr id="171" name="Oval 170">
+            <a:extLst>
+              <a:ext uri="{FF2B5EF4-FFF2-40B4-BE49-F238E27FC236}">
+                <a16:creationId xmlns:a16="http://schemas.microsoft.com/office/drawing/2014/main" id="{6CAE65A8-CCB2-4C12-9AFA-3E2BDB737702}"/>
+              </a:ext>
+            </a:extLst>
+          </p:cNvPr>
+          <p:cNvSpPr/>
+          <p:nvPr/>
+        </p:nvSpPr>
+        <p:spPr>
+          <a:xfrm>
+            <a:off x="3427716" y="1056363"/>
+            <a:ext cx="253435" cy="212902"/>
+          </a:xfrm>
+          <a:prstGeom prst="ellipse">
+            <a:avLst/>
+          </a:prstGeom>
+          <a:solidFill>
+            <a:schemeClr val="tx1"/>
+          </a:solidFill>
+          <a:ln>
+            <a:solidFill>
+              <a:schemeClr val="tx1"/>
+            </a:solidFill>
+          </a:ln>
+        </p:spPr>
+        <p:style>
+          <a:lnRef idx="2">
+            <a:schemeClr val="accent1">
+              <a:shade val="50000"/>
+            </a:schemeClr>
+          </a:lnRef>
+          <a:fillRef idx="1">
+            <a:schemeClr val="accent1"/>
+          </a:fillRef>
+          <a:effectRef idx="0">
+            <a:schemeClr val="accent1"/>
+          </a:effectRef>
+          <a:fontRef idx="minor">
+            <a:schemeClr val="lt1"/>
+          </a:fontRef>
+        </p:style>
+        <p:txBody>
+          <a:bodyPr lIns="0" tIns="0" rIns="0" bIns="0" rtlCol="0" anchor="ctr"/>
+          <a:lstStyle/>
+          <a:p>
+            <a:pPr algn="ctr"/>
+            <a:r>
+              <a:rPr lang="en-US" sz="800" dirty="0">
+                <a:latin typeface="Arial" panose="020B0604020202020204" pitchFamily="34" charset="0"/>
+                <a:cs typeface="Arial" panose="020B0604020202020204" pitchFamily="34" charset="0"/>
+              </a:rPr>
+              <a:t>1.5</a:t>
+            </a:r>
+          </a:p>
+        </p:txBody>
+      </p:sp>
+      <p:sp>
+        <p:nvSpPr>
+          <p:cNvPr id="172" name="Oval 171">
+            <a:extLst>
+              <a:ext uri="{FF2B5EF4-FFF2-40B4-BE49-F238E27FC236}">
+                <a16:creationId xmlns:a16="http://schemas.microsoft.com/office/drawing/2014/main" id="{94708E57-AB59-4E59-A000-F84C0F553A38}"/>
+              </a:ext>
+            </a:extLst>
+          </p:cNvPr>
+          <p:cNvSpPr/>
+          <p:nvPr/>
+        </p:nvSpPr>
+        <p:spPr>
+          <a:xfrm>
+            <a:off x="4640982" y="1057601"/>
+            <a:ext cx="253435" cy="212902"/>
+          </a:xfrm>
+          <a:prstGeom prst="ellipse">
+            <a:avLst/>
+          </a:prstGeom>
+          <a:solidFill>
+            <a:schemeClr val="tx1"/>
+          </a:solidFill>
+          <a:ln>
+            <a:solidFill>
+              <a:schemeClr val="tx1"/>
+            </a:solidFill>
+          </a:ln>
+        </p:spPr>
+        <p:style>
+          <a:lnRef idx="2">
+            <a:schemeClr val="accent1">
+              <a:shade val="50000"/>
+            </a:schemeClr>
+          </a:lnRef>
+          <a:fillRef idx="1">
+            <a:schemeClr val="accent1"/>
+          </a:fillRef>
+          <a:effectRef idx="0">
+            <a:schemeClr val="accent1"/>
+          </a:effectRef>
+          <a:fontRef idx="minor">
+            <a:schemeClr val="lt1"/>
+          </a:fontRef>
+        </p:style>
+        <p:txBody>
+          <a:bodyPr lIns="0" tIns="0" rIns="0" bIns="0" rtlCol="0" anchor="ctr"/>
+          <a:lstStyle/>
+          <a:p>
+            <a:pPr algn="ctr"/>
+            <a:r>
+              <a:rPr lang="en-US" sz="800" dirty="0">
+                <a:latin typeface="Arial" panose="020B0604020202020204" pitchFamily="34" charset="0"/>
+                <a:cs typeface="Arial" panose="020B0604020202020204" pitchFamily="34" charset="0"/>
+              </a:rPr>
+              <a:t>1.6</a:t>
+            </a:r>
+          </a:p>
+        </p:txBody>
+      </p:sp>
+      <p:sp>
+        <p:nvSpPr>
+          <p:cNvPr id="175" name="Rectangle 174">
+            <a:extLst>
+              <a:ext uri="{FF2B5EF4-FFF2-40B4-BE49-F238E27FC236}">
+                <a16:creationId xmlns:a16="http://schemas.microsoft.com/office/drawing/2014/main" id="{E23EF82D-34D3-46B6-978C-7B6A8238A22B}"/>
+              </a:ext>
+            </a:extLst>
+          </p:cNvPr>
+          <p:cNvSpPr/>
+          <p:nvPr/>
+        </p:nvSpPr>
+        <p:spPr>
+          <a:xfrm>
+            <a:off x="1115193" y="993057"/>
+            <a:ext cx="5920149" cy="3031883"/>
+          </a:xfrm>
+          <a:prstGeom prst="rect">
+            <a:avLst/>
+          </a:prstGeom>
+          <a:noFill/>
+          <a:ln w="12700">
+            <a:solidFill>
+              <a:srgbClr val="5B9CD5"/>
+            </a:solidFill>
+            <a:prstDash val="sysDash"/>
+          </a:ln>
+        </p:spPr>
+        <p:style>
+          <a:lnRef idx="2">
+            <a:schemeClr val="accent1">
+              <a:shade val="50000"/>
+            </a:schemeClr>
+          </a:lnRef>
+          <a:fillRef idx="1">
+            <a:schemeClr val="accent1"/>
+          </a:fillRef>
+          <a:effectRef idx="0">
+            <a:schemeClr val="accent1"/>
+          </a:effectRef>
+          <a:fontRef idx="minor">
+            <a:schemeClr val="lt1"/>
+          </a:fontRef>
+        </p:style>
+        <p:txBody>
+          <a:bodyPr lIns="502920" tIns="91440"/>
+          <a:lstStyle/>
+          <a:p>
+            <a:pPr eaLnBrk="1" fontAlgn="auto" hangingPunct="1">
+              <a:spcBef>
+                <a:spcPts val="0"/>
+              </a:spcBef>
+              <a:spcAft>
+                <a:spcPts val="0"/>
+              </a:spcAft>
+              <a:defRPr/>
+            </a:pPr>
+            <a:r>
+              <a:rPr lang="en-US" sz="1200" dirty="0">
+                <a:solidFill>
+                  <a:srgbClr val="5B9CD5"/>
+                </a:solidFill>
+                <a:latin typeface="Arial" panose="020B0604020202020204" pitchFamily="34" charset="0"/>
+                <a:cs typeface="Arial" panose="020B0604020202020204" pitchFamily="34" charset="0"/>
+              </a:rPr>
+              <a:t>Home Region</a:t>
+            </a:r>
+          </a:p>
+        </p:txBody>
+      </p:sp>
+      <p:pic>
+        <p:nvPicPr>
+          <p:cNvPr id="176" name="Graphic 175">
+            <a:extLst>
+              <a:ext uri="{FF2B5EF4-FFF2-40B4-BE49-F238E27FC236}">
+                <a16:creationId xmlns:a16="http://schemas.microsoft.com/office/drawing/2014/main" id="{79BE28C9-BA1C-439C-A7D3-8AB7EFF8AFC4}"/>
+              </a:ext>
+            </a:extLst>
+          </p:cNvPr>
+          <p:cNvPicPr>
+            <a:picLocks noChangeAspect="1"/>
+          </p:cNvPicPr>
+          <p:nvPr/>
+        </p:nvPicPr>
+        <p:blipFill>
+          <a:blip r:embed="rId12">
+            <a:extLst>
+              <a:ext uri="{96DAC541-7B7A-43D3-8B79-37D633B846F1}">
+                <asvg:svgBlip xmlns:asvg="http://schemas.microsoft.com/office/drawing/2016/SVG/main" r:embed="rId13"/>
+              </a:ext>
+            </a:extLst>
+          </a:blip>
+          <a:stretch>
+            <a:fillRect/>
+          </a:stretch>
+        </p:blipFill>
+        <p:spPr>
+          <a:xfrm>
+            <a:off x="1106249" y="986563"/>
+            <a:ext cx="391567" cy="391567"/>
+          </a:xfrm>
+          <a:prstGeom prst="rect">
+            <a:avLst/>
+          </a:prstGeom>
+        </p:spPr>
+      </p:pic>
+      <p:cxnSp>
+        <p:nvCxnSpPr>
+          <p:cNvPr id="177" name="Straight Arrow Connector 176">
+            <a:extLst>
+              <a:ext uri="{FF2B5EF4-FFF2-40B4-BE49-F238E27FC236}">
+                <a16:creationId xmlns:a16="http://schemas.microsoft.com/office/drawing/2014/main" id="{4A73DC17-2E0A-47FF-927C-2082DB636979}"/>
+              </a:ext>
+            </a:extLst>
+          </p:cNvPr>
+          <p:cNvCxnSpPr>
+            <a:cxnSpLocks/>
+          </p:cNvCxnSpPr>
+          <p:nvPr/>
+        </p:nvCxnSpPr>
+        <p:spPr>
+          <a:xfrm flipH="1">
+            <a:off x="3751990" y="2803836"/>
+            <a:ext cx="386" cy="316408"/>
+          </a:xfrm>
+          <a:prstGeom prst="straightConnector1">
+            <a:avLst/>
+          </a:prstGeom>
+          <a:ln>
+            <a:tailEnd type="triangle"/>
+          </a:ln>
+        </p:spPr>
+        <p:style>
+          <a:lnRef idx="1">
+            <a:schemeClr val="dk1"/>
+          </a:lnRef>
+          <a:fillRef idx="0">
+            <a:schemeClr val="dk1"/>
+          </a:fillRef>
+          <a:effectRef idx="0">
+            <a:schemeClr val="dk1"/>
+          </a:effectRef>
+          <a:fontRef idx="minor">
+            <a:schemeClr val="tx1"/>
+          </a:fontRef>
+        </p:style>
+      </p:cxnSp>
+      <p:cxnSp>
+        <p:nvCxnSpPr>
+          <p:cNvPr id="189" name="Straight Arrow Connector 188">
+            <a:extLst>
+              <a:ext uri="{FF2B5EF4-FFF2-40B4-BE49-F238E27FC236}">
+                <a16:creationId xmlns:a16="http://schemas.microsoft.com/office/drawing/2014/main" id="{13756740-CBD2-4285-9E37-7A4C5D50B989}"/>
+              </a:ext>
+            </a:extLst>
+          </p:cNvPr>
+          <p:cNvCxnSpPr>
+            <a:cxnSpLocks/>
+          </p:cNvCxnSpPr>
+          <p:nvPr/>
+        </p:nvCxnSpPr>
+        <p:spPr>
+          <a:xfrm flipV="1">
+            <a:off x="2919432" y="2388150"/>
+            <a:ext cx="522940" cy="325692"/>
+          </a:xfrm>
+          <a:prstGeom prst="straightConnector1">
+            <a:avLst/>
+          </a:prstGeom>
+          <a:ln>
+            <a:tailEnd type="triangle"/>
+          </a:ln>
+        </p:spPr>
+        <p:style>
+          <a:lnRef idx="1">
+            <a:schemeClr val="dk1"/>
+          </a:lnRef>
+          <a:fillRef idx="0">
+            <a:schemeClr val="dk1"/>
+          </a:fillRef>
+          <a:effectRef idx="0">
+            <a:schemeClr val="dk1"/>
+          </a:effectRef>
+          <a:fontRef idx="minor">
+            <a:schemeClr val="tx1"/>
+          </a:fontRef>
+        </p:style>
+      </p:cxnSp>
+      <p:sp>
+        <p:nvSpPr>
+          <p:cNvPr id="190" name="Rectangle 189">
+            <a:extLst>
+              <a:ext uri="{FF2B5EF4-FFF2-40B4-BE49-F238E27FC236}">
+                <a16:creationId xmlns:a16="http://schemas.microsoft.com/office/drawing/2014/main" id="{FB33BE81-596F-4ED7-8BA5-7D14B454E0F9}"/>
+              </a:ext>
+            </a:extLst>
+          </p:cNvPr>
+          <p:cNvSpPr/>
+          <p:nvPr/>
+        </p:nvSpPr>
+        <p:spPr>
+          <a:xfrm>
+            <a:off x="4876491" y="1956200"/>
+            <a:ext cx="1516310" cy="1307692"/>
+          </a:xfrm>
+          <a:prstGeom prst="rect">
+            <a:avLst/>
+          </a:prstGeom>
+          <a:solidFill>
+            <a:schemeClr val="bg1"/>
+          </a:solidFill>
+          <a:ln w="12700">
+            <a:solidFill>
+              <a:srgbClr val="5B9CD5"/>
+            </a:solidFill>
+            <a:prstDash val="sysDash"/>
+          </a:ln>
+          <a:effectLst>
+            <a:outerShdw blurRad="50800" dist="38100" dir="13500000" algn="br" rotWithShape="0">
+              <a:prstClr val="black">
+                <a:alpha val="40000"/>
+              </a:prstClr>
+            </a:outerShdw>
+          </a:effectLst>
+        </p:spPr>
+        <p:style>
+          <a:lnRef idx="2">
+            <a:schemeClr val="accent1">
+              <a:shade val="50000"/>
+            </a:schemeClr>
+          </a:lnRef>
+          <a:fillRef idx="1">
+            <a:schemeClr val="accent1"/>
+          </a:fillRef>
+          <a:effectRef idx="0">
+            <a:schemeClr val="accent1"/>
+          </a:effectRef>
+          <a:fontRef idx="minor">
+            <a:schemeClr val="lt1"/>
+          </a:fontRef>
+        </p:style>
+        <p:txBody>
+          <a:bodyPr lIns="502920" tIns="91440"/>
+          <a:lstStyle/>
+          <a:p>
+            <a:pPr eaLnBrk="1" fontAlgn="auto" hangingPunct="1">
+              <a:spcBef>
+                <a:spcPts val="0"/>
+              </a:spcBef>
+              <a:spcAft>
+                <a:spcPts val="0"/>
+              </a:spcAft>
+              <a:defRPr/>
+            </a:pPr>
+            <a:r>
+              <a:rPr lang="en-US" sz="1200" dirty="0">
+                <a:solidFill>
+                  <a:srgbClr val="5B9CD5"/>
+                </a:solidFill>
+                <a:latin typeface="Arial" panose="020B0604020202020204" pitchFamily="34" charset="0"/>
+                <a:cs typeface="Arial" panose="020B0604020202020204" pitchFamily="34" charset="0"/>
+              </a:rPr>
+              <a:t>Region 1</a:t>
+            </a:r>
+          </a:p>
+        </p:txBody>
+      </p:sp>
+      <p:pic>
+        <p:nvPicPr>
+          <p:cNvPr id="191" name="Graphic 190">
+            <a:extLst>
+              <a:ext uri="{FF2B5EF4-FFF2-40B4-BE49-F238E27FC236}">
+                <a16:creationId xmlns:a16="http://schemas.microsoft.com/office/drawing/2014/main" id="{EFDD8BD0-DF38-40A5-9412-28008B82706B}"/>
+              </a:ext>
+            </a:extLst>
+          </p:cNvPr>
+          <p:cNvPicPr>
+            <a:picLocks noChangeAspect="1"/>
+          </p:cNvPicPr>
+          <p:nvPr/>
+        </p:nvPicPr>
+        <p:blipFill>
+          <a:blip r:embed="rId12">
+            <a:extLst>
+              <a:ext uri="{96DAC541-7B7A-43D3-8B79-37D633B846F1}">
+                <asvg:svgBlip xmlns:asvg="http://schemas.microsoft.com/office/drawing/2016/SVG/main" r:embed="rId13"/>
+              </a:ext>
+            </a:extLst>
+          </a:blip>
+          <a:stretch>
+            <a:fillRect/>
+          </a:stretch>
+        </p:blipFill>
+        <p:spPr>
+          <a:xfrm>
+            <a:off x="4867547" y="1958315"/>
+            <a:ext cx="442506" cy="391567"/>
+          </a:xfrm>
+          <a:prstGeom prst="rect">
+            <a:avLst/>
+          </a:prstGeom>
+          <a:effectLst>
+            <a:outerShdw blurRad="50800" dist="38100" dir="13500000" algn="br" rotWithShape="0">
+              <a:prstClr val="black">
+                <a:alpha val="40000"/>
+              </a:prstClr>
+            </a:outerShdw>
+          </a:effectLst>
+        </p:spPr>
+      </p:pic>
+      <p:sp>
+        <p:nvSpPr>
+          <p:cNvPr id="192" name="Rectangle 191">
+            <a:extLst>
+              <a:ext uri="{FF2B5EF4-FFF2-40B4-BE49-F238E27FC236}">
+                <a16:creationId xmlns:a16="http://schemas.microsoft.com/office/drawing/2014/main" id="{5D0C1D3A-93F6-4D63-8242-CDCC01A39BFA}"/>
+              </a:ext>
+            </a:extLst>
+          </p:cNvPr>
+          <p:cNvSpPr/>
+          <p:nvPr/>
+        </p:nvSpPr>
+        <p:spPr>
+          <a:xfrm>
+            <a:off x="5003494" y="2252537"/>
+            <a:ext cx="1521910" cy="1307692"/>
+          </a:xfrm>
+          <a:prstGeom prst="rect">
+            <a:avLst/>
+          </a:prstGeom>
+          <a:solidFill>
+            <a:schemeClr val="bg1"/>
+          </a:solidFill>
+          <a:ln w="12700">
+            <a:solidFill>
+              <a:srgbClr val="5B9CD5"/>
+            </a:solidFill>
+            <a:prstDash val="sysDash"/>
+          </a:ln>
+          <a:effectLst>
+            <a:outerShdw blurRad="50800" dist="38100" dir="13500000" algn="br" rotWithShape="0">
+              <a:prstClr val="black">
+                <a:alpha val="40000"/>
+              </a:prstClr>
+            </a:outerShdw>
+          </a:effectLst>
+        </p:spPr>
+        <p:style>
+          <a:lnRef idx="2">
+            <a:schemeClr val="accent1">
+              <a:shade val="50000"/>
+            </a:schemeClr>
+          </a:lnRef>
+          <a:fillRef idx="1">
+            <a:schemeClr val="accent1"/>
+          </a:fillRef>
+          <a:effectRef idx="0">
+            <a:schemeClr val="accent1"/>
+          </a:effectRef>
+          <a:fontRef idx="minor">
+            <a:schemeClr val="lt1"/>
+          </a:fontRef>
+        </p:style>
+        <p:txBody>
+          <a:bodyPr lIns="502920" tIns="91440"/>
+          <a:lstStyle/>
+          <a:p>
+            <a:pPr eaLnBrk="1" fontAlgn="auto" hangingPunct="1">
+              <a:spcBef>
+                <a:spcPts val="0"/>
+              </a:spcBef>
+              <a:spcAft>
+                <a:spcPts val="0"/>
+              </a:spcAft>
+              <a:defRPr/>
+            </a:pPr>
+            <a:r>
+              <a:rPr lang="en-US" sz="1200" dirty="0">
+                <a:solidFill>
+                  <a:srgbClr val="5B9CD5"/>
+                </a:solidFill>
+                <a:latin typeface="Arial" panose="020B0604020202020204" pitchFamily="34" charset="0"/>
+                <a:cs typeface="Arial" panose="020B0604020202020204" pitchFamily="34" charset="0"/>
+              </a:rPr>
+              <a:t>Region 2</a:t>
+            </a:r>
+          </a:p>
+        </p:txBody>
+      </p:sp>
+      <p:pic>
+        <p:nvPicPr>
+          <p:cNvPr id="193" name="Graphic 192">
+            <a:extLst>
+              <a:ext uri="{FF2B5EF4-FFF2-40B4-BE49-F238E27FC236}">
+                <a16:creationId xmlns:a16="http://schemas.microsoft.com/office/drawing/2014/main" id="{6A82A4C9-9C1A-4DCD-B28A-423A688D2C9B}"/>
+              </a:ext>
+            </a:extLst>
+          </p:cNvPr>
+          <p:cNvPicPr>
+            <a:picLocks noChangeAspect="1"/>
+          </p:cNvPicPr>
+          <p:nvPr/>
+        </p:nvPicPr>
+        <p:blipFill>
+          <a:blip r:embed="rId12">
+            <a:extLst>
+              <a:ext uri="{96DAC541-7B7A-43D3-8B79-37D633B846F1}">
+                <asvg:svgBlip xmlns:asvg="http://schemas.microsoft.com/office/drawing/2016/SVG/main" r:embed="rId13"/>
+              </a:ext>
+            </a:extLst>
+          </a:blip>
+          <a:stretch>
+            <a:fillRect/>
+          </a:stretch>
+        </p:blipFill>
+        <p:spPr>
+          <a:xfrm>
+            <a:off x="5004077" y="2246424"/>
+            <a:ext cx="442506" cy="391567"/>
+          </a:xfrm>
+          <a:prstGeom prst="rect">
+            <a:avLst/>
+          </a:prstGeom>
+          <a:effectLst>
+            <a:outerShdw blurRad="50800" dist="38100" dir="13500000" algn="br" rotWithShape="0">
+              <a:prstClr val="black">
+                <a:alpha val="40000"/>
+              </a:prstClr>
+            </a:outerShdw>
+          </a:effectLst>
+        </p:spPr>
+      </p:pic>
+      <p:sp>
+        <p:nvSpPr>
+          <p:cNvPr id="194" name="Rectangle 193">
+            <a:extLst>
+              <a:ext uri="{FF2B5EF4-FFF2-40B4-BE49-F238E27FC236}">
+                <a16:creationId xmlns:a16="http://schemas.microsoft.com/office/drawing/2014/main" id="{89250F46-02BD-423F-84EF-A41C2A810235}"/>
+              </a:ext>
+            </a:extLst>
+          </p:cNvPr>
+          <p:cNvSpPr/>
+          <p:nvPr/>
+        </p:nvSpPr>
+        <p:spPr>
+          <a:xfrm>
+            <a:off x="5122677" y="2558863"/>
+            <a:ext cx="1523440" cy="1307692"/>
+          </a:xfrm>
+          <a:prstGeom prst="rect">
+            <a:avLst/>
+          </a:prstGeom>
+          <a:solidFill>
+            <a:schemeClr val="bg1"/>
+          </a:solidFill>
+          <a:ln w="12700">
+            <a:solidFill>
+              <a:srgbClr val="5B9CD5"/>
+            </a:solidFill>
+            <a:prstDash val="sysDash"/>
+          </a:ln>
+          <a:effectLst>
+            <a:outerShdw blurRad="50800" dist="38100" dir="13500000" algn="br" rotWithShape="0">
+              <a:prstClr val="black">
+                <a:alpha val="40000"/>
+              </a:prstClr>
+            </a:outerShdw>
+          </a:effectLst>
+        </p:spPr>
+        <p:style>
+          <a:lnRef idx="2">
+            <a:schemeClr val="accent1">
+              <a:shade val="50000"/>
+            </a:schemeClr>
+          </a:lnRef>
+          <a:fillRef idx="1">
+            <a:schemeClr val="accent1"/>
+          </a:fillRef>
+          <a:effectRef idx="0">
+            <a:schemeClr val="accent1"/>
+          </a:effectRef>
+          <a:fontRef idx="minor">
+            <a:schemeClr val="lt1"/>
+          </a:fontRef>
+        </p:style>
+        <p:txBody>
+          <a:bodyPr lIns="502920" tIns="91440"/>
+          <a:lstStyle/>
+          <a:p>
+            <a:pPr eaLnBrk="1" fontAlgn="auto" hangingPunct="1">
+              <a:spcBef>
+                <a:spcPts val="0"/>
+              </a:spcBef>
+              <a:spcAft>
+                <a:spcPts val="0"/>
+              </a:spcAft>
+              <a:defRPr/>
+            </a:pPr>
+            <a:r>
+              <a:rPr lang="en-US" sz="1200" dirty="0">
+                <a:solidFill>
+                  <a:srgbClr val="5B9CD5"/>
+                </a:solidFill>
+                <a:latin typeface="Arial" panose="020B0604020202020204" pitchFamily="34" charset="0"/>
+                <a:cs typeface="Arial" panose="020B0604020202020204" pitchFamily="34" charset="0"/>
+              </a:rPr>
+              <a:t>Region n</a:t>
+            </a:r>
+          </a:p>
+        </p:txBody>
+      </p:sp>
+      <p:pic>
+        <p:nvPicPr>
+          <p:cNvPr id="195" name="Graphic 194">
+            <a:extLst>
+              <a:ext uri="{FF2B5EF4-FFF2-40B4-BE49-F238E27FC236}">
+                <a16:creationId xmlns:a16="http://schemas.microsoft.com/office/drawing/2014/main" id="{A67566A0-854E-4B0C-805B-1612CF1B700A}"/>
+              </a:ext>
+            </a:extLst>
+          </p:cNvPr>
+          <p:cNvPicPr>
+            <a:picLocks noChangeAspect="1"/>
+          </p:cNvPicPr>
+          <p:nvPr/>
+        </p:nvPicPr>
+        <p:blipFill>
+          <a:blip r:embed="rId12">
+            <a:extLst>
+              <a:ext uri="{96DAC541-7B7A-43D3-8B79-37D633B846F1}">
+                <asvg:svgBlip xmlns:asvg="http://schemas.microsoft.com/office/drawing/2016/SVG/main" r:embed="rId13"/>
+              </a:ext>
+            </a:extLst>
+          </a:blip>
+          <a:stretch>
+            <a:fillRect/>
+          </a:stretch>
+        </p:blipFill>
+        <p:spPr>
+          <a:xfrm>
+            <a:off x="5113733" y="2552511"/>
+            <a:ext cx="442506" cy="391567"/>
+          </a:xfrm>
+          <a:prstGeom prst="rect">
+            <a:avLst/>
+          </a:prstGeom>
+          <a:effectLst>
+            <a:outerShdw blurRad="50800" dist="38100" dir="13500000" algn="br" rotWithShape="0">
+              <a:prstClr val="black">
+                <a:alpha val="40000"/>
+              </a:prstClr>
+            </a:outerShdw>
+          </a:effectLst>
+        </p:spPr>
+      </p:pic>
+      <p:sp>
+        <p:nvSpPr>
+          <p:cNvPr id="203" name="Rectangle 202">
+            <a:extLst>
+              <a:ext uri="{FF2B5EF4-FFF2-40B4-BE49-F238E27FC236}">
+                <a16:creationId xmlns:a16="http://schemas.microsoft.com/office/drawing/2014/main" id="{0C7341F0-D9E9-4E22-9FDA-AEDD18FEC77A}"/>
+              </a:ext>
+            </a:extLst>
+          </p:cNvPr>
+          <p:cNvSpPr/>
+          <p:nvPr/>
+        </p:nvSpPr>
+        <p:spPr>
+          <a:xfrm>
+            <a:off x="9606386" y="1508733"/>
+            <a:ext cx="1275435" cy="1307692"/>
+          </a:xfrm>
+          <a:prstGeom prst="rect">
+            <a:avLst/>
+          </a:prstGeom>
+          <a:solidFill>
+            <a:schemeClr val="bg1"/>
+          </a:solidFill>
+          <a:ln w="12700">
+            <a:solidFill>
+              <a:srgbClr val="5B9CD5"/>
+            </a:solidFill>
+            <a:prstDash val="sysDash"/>
+          </a:ln>
+          <a:effectLst>
+            <a:outerShdw blurRad="50800" dist="38100" dir="13500000" algn="br" rotWithShape="0">
+              <a:prstClr val="black">
+                <a:alpha val="40000"/>
+              </a:prstClr>
+            </a:outerShdw>
+          </a:effectLst>
+        </p:spPr>
+        <p:style>
+          <a:lnRef idx="2">
+            <a:schemeClr val="accent1">
+              <a:shade val="50000"/>
+            </a:schemeClr>
+          </a:lnRef>
+          <a:fillRef idx="1">
+            <a:schemeClr val="accent1"/>
+          </a:fillRef>
+          <a:effectRef idx="0">
+            <a:schemeClr val="accent1"/>
+          </a:effectRef>
+          <a:fontRef idx="minor">
+            <a:schemeClr val="lt1"/>
+          </a:fontRef>
+        </p:style>
+        <p:txBody>
+          <a:bodyPr lIns="502920" tIns="91440"/>
+          <a:lstStyle/>
+          <a:p>
+            <a:pPr eaLnBrk="1" fontAlgn="auto" hangingPunct="1">
+              <a:spcBef>
+                <a:spcPts val="0"/>
+              </a:spcBef>
+              <a:spcAft>
+                <a:spcPts val="0"/>
+              </a:spcAft>
+              <a:defRPr/>
+            </a:pPr>
+            <a:r>
+              <a:rPr lang="en-US" sz="1200" dirty="0">
+                <a:solidFill>
+                  <a:srgbClr val="5B9CD5"/>
+                </a:solidFill>
+                <a:latin typeface="Arial" panose="020B0604020202020204" pitchFamily="34" charset="0"/>
+                <a:cs typeface="Arial" panose="020B0604020202020204" pitchFamily="34" charset="0"/>
+              </a:rPr>
+              <a:t>Region 1</a:t>
+            </a:r>
+          </a:p>
+        </p:txBody>
+      </p:sp>
+      <p:pic>
+        <p:nvPicPr>
+          <p:cNvPr id="204" name="Graphic 203">
+            <a:extLst>
+              <a:ext uri="{FF2B5EF4-FFF2-40B4-BE49-F238E27FC236}">
+                <a16:creationId xmlns:a16="http://schemas.microsoft.com/office/drawing/2014/main" id="{0ACF6319-1BDA-4DD7-ADCF-06F76CD39D99}"/>
+              </a:ext>
+            </a:extLst>
+          </p:cNvPr>
+          <p:cNvPicPr>
+            <a:picLocks noChangeAspect="1"/>
+          </p:cNvPicPr>
+          <p:nvPr/>
+        </p:nvPicPr>
+        <p:blipFill>
+          <a:blip r:embed="rId12">
+            <a:extLst>
+              <a:ext uri="{96DAC541-7B7A-43D3-8B79-37D633B846F1}">
+                <asvg:svgBlip xmlns:asvg="http://schemas.microsoft.com/office/drawing/2016/SVG/main" r:embed="rId13"/>
+              </a:ext>
+            </a:extLst>
+          </a:blip>
+          <a:stretch>
+            <a:fillRect/>
+          </a:stretch>
+        </p:blipFill>
+        <p:spPr>
+          <a:xfrm>
+            <a:off x="9602206" y="1502381"/>
+            <a:ext cx="442506" cy="391567"/>
+          </a:xfrm>
+          <a:prstGeom prst="rect">
+            <a:avLst/>
+          </a:prstGeom>
+          <a:effectLst>
+            <a:outerShdw blurRad="50800" dist="38100" dir="13500000" algn="br" rotWithShape="0">
+              <a:prstClr val="black">
+                <a:alpha val="40000"/>
+              </a:prstClr>
+            </a:outerShdw>
+          </a:effectLst>
+        </p:spPr>
+      </p:pic>
+      <p:sp>
+        <p:nvSpPr>
+          <p:cNvPr id="205" name="Rectangle 204">
+            <a:extLst>
+              <a:ext uri="{FF2B5EF4-FFF2-40B4-BE49-F238E27FC236}">
+                <a16:creationId xmlns:a16="http://schemas.microsoft.com/office/drawing/2014/main" id="{07406336-918D-4B31-8DF3-7BD86137B01B}"/>
+              </a:ext>
+            </a:extLst>
+          </p:cNvPr>
+          <p:cNvSpPr/>
+          <p:nvPr/>
+        </p:nvSpPr>
+        <p:spPr>
+          <a:xfrm>
+            <a:off x="9733391" y="1821696"/>
+            <a:ext cx="1237614" cy="1307692"/>
+          </a:xfrm>
+          <a:prstGeom prst="rect">
+            <a:avLst/>
+          </a:prstGeom>
+          <a:solidFill>
+            <a:schemeClr val="bg1"/>
+          </a:solidFill>
+          <a:ln w="12700">
+            <a:solidFill>
+              <a:srgbClr val="5B9CD5"/>
+            </a:solidFill>
+            <a:prstDash val="sysDash"/>
+          </a:ln>
+          <a:effectLst>
+            <a:outerShdw blurRad="50800" dist="38100" dir="13500000" algn="br" rotWithShape="0">
+              <a:prstClr val="black">
+                <a:alpha val="40000"/>
+              </a:prstClr>
+            </a:outerShdw>
+          </a:effectLst>
+        </p:spPr>
+        <p:style>
+          <a:lnRef idx="2">
+            <a:schemeClr val="accent1">
+              <a:shade val="50000"/>
+            </a:schemeClr>
+          </a:lnRef>
+          <a:fillRef idx="1">
+            <a:schemeClr val="accent1"/>
+          </a:fillRef>
+          <a:effectRef idx="0">
+            <a:schemeClr val="accent1"/>
+          </a:effectRef>
+          <a:fontRef idx="minor">
+            <a:schemeClr val="lt1"/>
+          </a:fontRef>
+        </p:style>
+        <p:txBody>
+          <a:bodyPr lIns="502920" tIns="91440"/>
+          <a:lstStyle/>
+          <a:p>
+            <a:pPr eaLnBrk="1" fontAlgn="auto" hangingPunct="1">
+              <a:spcBef>
+                <a:spcPts val="0"/>
+              </a:spcBef>
+              <a:spcAft>
+                <a:spcPts val="0"/>
+              </a:spcAft>
+              <a:defRPr/>
+            </a:pPr>
+            <a:r>
+              <a:rPr lang="en-US" sz="1200" dirty="0">
+                <a:solidFill>
+                  <a:srgbClr val="5B9CD5"/>
+                </a:solidFill>
+                <a:latin typeface="Arial" panose="020B0604020202020204" pitchFamily="34" charset="0"/>
+                <a:cs typeface="Arial" panose="020B0604020202020204" pitchFamily="34" charset="0"/>
+              </a:rPr>
+              <a:t>Region 2</a:t>
+            </a:r>
+          </a:p>
+        </p:txBody>
+      </p:sp>
+      <p:sp>
+        <p:nvSpPr>
+          <p:cNvPr id="206" name="Rectangle 205">
+            <a:extLst>
+              <a:ext uri="{FF2B5EF4-FFF2-40B4-BE49-F238E27FC236}">
+                <a16:creationId xmlns:a16="http://schemas.microsoft.com/office/drawing/2014/main" id="{1037C40E-DC39-4D3B-B81E-28A322956D5E}"/>
+              </a:ext>
+            </a:extLst>
+          </p:cNvPr>
+          <p:cNvSpPr/>
+          <p:nvPr/>
+        </p:nvSpPr>
+        <p:spPr>
+          <a:xfrm>
+            <a:off x="7757328" y="981159"/>
+            <a:ext cx="3430791" cy="2416797"/>
+          </a:xfrm>
+          <a:prstGeom prst="rect">
+            <a:avLst/>
+          </a:prstGeom>
+          <a:noFill/>
+          <a:ln w="12700">
+            <a:solidFill>
+              <a:srgbClr val="5B9CD5"/>
+            </a:solidFill>
+            <a:prstDash val="sysDash"/>
+          </a:ln>
+        </p:spPr>
+        <p:style>
+          <a:lnRef idx="2">
+            <a:schemeClr val="accent1">
+              <a:shade val="50000"/>
+            </a:schemeClr>
+          </a:lnRef>
+          <a:fillRef idx="1">
+            <a:schemeClr val="accent1"/>
+          </a:fillRef>
+          <a:effectRef idx="0">
+            <a:schemeClr val="accent1"/>
+          </a:effectRef>
+          <a:fontRef idx="minor">
+            <a:schemeClr val="lt1"/>
+          </a:fontRef>
+        </p:style>
+        <p:txBody>
+          <a:bodyPr lIns="502920" tIns="91440"/>
+          <a:lstStyle/>
+          <a:p>
+            <a:pPr eaLnBrk="1" fontAlgn="auto" hangingPunct="1">
+              <a:spcBef>
+                <a:spcPts val="0"/>
+              </a:spcBef>
+              <a:spcAft>
+                <a:spcPts val="0"/>
+              </a:spcAft>
+              <a:defRPr/>
+            </a:pPr>
+            <a:r>
+              <a:rPr lang="en-US" sz="1200" dirty="0">
+                <a:solidFill>
+                  <a:srgbClr val="5B9CD5"/>
+                </a:solidFill>
+                <a:latin typeface="Arial" panose="020B0604020202020204" pitchFamily="34" charset="0"/>
+                <a:cs typeface="Arial" panose="020B0604020202020204" pitchFamily="34" charset="0"/>
+              </a:rPr>
+              <a:t>Home Region</a:t>
+            </a:r>
+          </a:p>
+        </p:txBody>
+      </p:sp>
+      <p:pic>
+        <p:nvPicPr>
+          <p:cNvPr id="207" name="Graphic 206">
+            <a:extLst>
+              <a:ext uri="{FF2B5EF4-FFF2-40B4-BE49-F238E27FC236}">
+                <a16:creationId xmlns:a16="http://schemas.microsoft.com/office/drawing/2014/main" id="{87920BCE-77A0-48C5-9935-18FEF0BE01B5}"/>
+              </a:ext>
+            </a:extLst>
+          </p:cNvPr>
+          <p:cNvPicPr>
+            <a:picLocks noChangeAspect="1"/>
+          </p:cNvPicPr>
+          <p:nvPr/>
+        </p:nvPicPr>
+        <p:blipFill>
+          <a:blip r:embed="rId12">
+            <a:extLst>
+              <a:ext uri="{96DAC541-7B7A-43D3-8B79-37D633B846F1}">
+                <asvg:svgBlip xmlns:asvg="http://schemas.microsoft.com/office/drawing/2016/SVG/main" r:embed="rId13"/>
+              </a:ext>
+            </a:extLst>
+          </a:blip>
+          <a:stretch>
+            <a:fillRect/>
+          </a:stretch>
+        </p:blipFill>
+        <p:spPr>
+          <a:xfrm>
+            <a:off x="7746889" y="971352"/>
+            <a:ext cx="391567" cy="391567"/>
+          </a:xfrm>
+          <a:prstGeom prst="rect">
+            <a:avLst/>
+          </a:prstGeom>
+        </p:spPr>
+      </p:pic>
+      <p:sp>
+        <p:nvSpPr>
+          <p:cNvPr id="208" name="Rectangle 207">
+            <a:extLst>
+              <a:ext uri="{FF2B5EF4-FFF2-40B4-BE49-F238E27FC236}">
+                <a16:creationId xmlns:a16="http://schemas.microsoft.com/office/drawing/2014/main" id="{6DD09EAF-9350-4737-B91E-6243882023D0}"/>
+              </a:ext>
+            </a:extLst>
+          </p:cNvPr>
+          <p:cNvSpPr/>
+          <p:nvPr/>
+        </p:nvSpPr>
+        <p:spPr>
+          <a:xfrm>
+            <a:off x="7322205" y="590706"/>
+            <a:ext cx="4010813" cy="3093541"/>
+          </a:xfrm>
+          <a:prstGeom prst="rect">
+            <a:avLst/>
+          </a:prstGeom>
+          <a:noFill/>
+          <a:ln w="12700">
+            <a:solidFill>
+              <a:srgbClr val="CD2264"/>
+            </a:solidFill>
+          </a:ln>
+        </p:spPr>
+        <p:style>
+          <a:lnRef idx="2">
+            <a:schemeClr val="accent1">
+              <a:shade val="50000"/>
+            </a:schemeClr>
+          </a:lnRef>
+          <a:fillRef idx="1">
+            <a:schemeClr val="accent1"/>
+          </a:fillRef>
+          <a:effectRef idx="0">
+            <a:schemeClr val="accent1"/>
+          </a:effectRef>
+          <a:fontRef idx="minor">
+            <a:schemeClr val="lt1"/>
+          </a:fontRef>
+        </p:style>
+        <p:txBody>
+          <a:bodyPr lIns="502920" tIns="91440"/>
+          <a:lstStyle/>
+          <a:p>
+            <a:pPr eaLnBrk="1" fontAlgn="auto" hangingPunct="1">
+              <a:spcBef>
+                <a:spcPts val="0"/>
+              </a:spcBef>
+              <a:spcAft>
+                <a:spcPts val="0"/>
+              </a:spcAft>
+              <a:defRPr/>
+            </a:pPr>
+            <a:r>
+              <a:rPr lang="en-US" sz="1200" dirty="0">
+                <a:solidFill>
+                  <a:srgbClr val="CD2264"/>
+                </a:solidFill>
+                <a:latin typeface="Arial" panose="020B0604020202020204" pitchFamily="34" charset="0"/>
+                <a:cs typeface="Arial" panose="020B0604020202020204" pitchFamily="34" charset="0"/>
+              </a:rPr>
+              <a:t>Log Archive Account</a:t>
+            </a:r>
+          </a:p>
+        </p:txBody>
+      </p:sp>
+      <p:pic>
+        <p:nvPicPr>
+          <p:cNvPr id="209" name="Graphic 208">
+            <a:extLst>
+              <a:ext uri="{FF2B5EF4-FFF2-40B4-BE49-F238E27FC236}">
+                <a16:creationId xmlns:a16="http://schemas.microsoft.com/office/drawing/2014/main" id="{51402323-0603-417E-93FD-C7785FA48EE1}"/>
+              </a:ext>
+            </a:extLst>
+          </p:cNvPr>
+          <p:cNvPicPr>
+            <a:picLocks noChangeAspect="1"/>
+          </p:cNvPicPr>
+          <p:nvPr/>
+        </p:nvPicPr>
+        <p:blipFill>
+          <a:blip r:embed="rId6">
+            <a:extLst>
+              <a:ext uri="{96DAC541-7B7A-43D3-8B79-37D633B846F1}">
+                <asvg:svgBlip xmlns:asvg="http://schemas.microsoft.com/office/drawing/2016/SVG/main" r:embed="rId7"/>
+              </a:ext>
+            </a:extLst>
+          </a:blip>
+          <a:stretch>
+            <a:fillRect/>
+          </a:stretch>
+        </p:blipFill>
+        <p:spPr>
+          <a:xfrm>
+            <a:off x="7335290" y="596404"/>
+            <a:ext cx="381000" cy="381000"/>
+          </a:xfrm>
+          <a:prstGeom prst="rect">
+            <a:avLst/>
+          </a:prstGeom>
+        </p:spPr>
+      </p:pic>
+      <p:sp>
+        <p:nvSpPr>
+          <p:cNvPr id="210" name="Oval 209">
+            <a:extLst>
+              <a:ext uri="{FF2B5EF4-FFF2-40B4-BE49-F238E27FC236}">
+                <a16:creationId xmlns:a16="http://schemas.microsoft.com/office/drawing/2014/main" id="{BD9A4F5F-C5C1-4658-A084-721674E8CE5F}"/>
+              </a:ext>
+            </a:extLst>
+          </p:cNvPr>
+          <p:cNvSpPr/>
+          <p:nvPr/>
+        </p:nvSpPr>
+        <p:spPr>
+          <a:xfrm>
+            <a:off x="7390246" y="973669"/>
+            <a:ext cx="253435" cy="212902"/>
+          </a:xfrm>
+          <a:prstGeom prst="ellipse">
+            <a:avLst/>
+          </a:prstGeom>
+          <a:solidFill>
+            <a:schemeClr val="tx1"/>
+          </a:solidFill>
+          <a:ln>
+            <a:solidFill>
+              <a:schemeClr val="tx1"/>
+            </a:solidFill>
+          </a:ln>
+        </p:spPr>
+        <p:style>
+          <a:lnRef idx="2">
+            <a:schemeClr val="accent1">
+              <a:shade val="50000"/>
+            </a:schemeClr>
+          </a:lnRef>
+          <a:fillRef idx="1">
+            <a:schemeClr val="accent1"/>
+          </a:fillRef>
+          <a:effectRef idx="0">
+            <a:schemeClr val="accent1"/>
+          </a:effectRef>
+          <a:fontRef idx="minor">
+            <a:schemeClr val="lt1"/>
+          </a:fontRef>
+        </p:style>
+        <p:txBody>
+          <a:bodyPr lIns="0" tIns="0" rIns="0" bIns="0" rtlCol="0" anchor="ctr"/>
+          <a:lstStyle/>
+          <a:p>
+            <a:pPr algn="ctr"/>
+            <a:r>
+              <a:rPr lang="en-US" sz="800" dirty="0">
+                <a:latin typeface="Arial" panose="020B0604020202020204" pitchFamily="34" charset="0"/>
+                <a:cs typeface="Arial" panose="020B0604020202020204" pitchFamily="34" charset="0"/>
+              </a:rPr>
+              <a:t>2.0</a:t>
+            </a:r>
+          </a:p>
+        </p:txBody>
+      </p:sp>
+      <p:pic>
+        <p:nvPicPr>
+          <p:cNvPr id="214" name="Graphic 213">
+            <a:extLst>
+              <a:ext uri="{FF2B5EF4-FFF2-40B4-BE49-F238E27FC236}">
+                <a16:creationId xmlns:a16="http://schemas.microsoft.com/office/drawing/2014/main" id="{6892D2DA-8947-4CB7-823F-BD7226A3F955}"/>
+              </a:ext>
+            </a:extLst>
+          </p:cNvPr>
+          <p:cNvPicPr>
+            <a:picLocks noChangeAspect="1"/>
+          </p:cNvPicPr>
+          <p:nvPr/>
+        </p:nvPicPr>
+        <p:blipFill>
+          <a:blip r:embed="rId12">
+            <a:extLst>
+              <a:ext uri="{96DAC541-7B7A-43D3-8B79-37D633B846F1}">
+                <asvg:svgBlip xmlns:asvg="http://schemas.microsoft.com/office/drawing/2016/SVG/main" r:embed="rId13"/>
+              </a:ext>
+            </a:extLst>
+          </a:blip>
+          <a:stretch>
+            <a:fillRect/>
+          </a:stretch>
+        </p:blipFill>
+        <p:spPr>
+          <a:xfrm>
+            <a:off x="9729732" y="1812404"/>
+            <a:ext cx="442506" cy="391567"/>
+          </a:xfrm>
+          <a:prstGeom prst="rect">
+            <a:avLst/>
+          </a:prstGeom>
+          <a:effectLst>
+            <a:outerShdw blurRad="50800" dist="38100" dir="13500000" algn="br" rotWithShape="0">
+              <a:prstClr val="black">
+                <a:alpha val="40000"/>
+              </a:prstClr>
+            </a:outerShdw>
+          </a:effectLst>
+        </p:spPr>
+      </p:pic>
+      <p:sp>
+        <p:nvSpPr>
+          <p:cNvPr id="215" name="Rectangle 214">
+            <a:extLst>
+              <a:ext uri="{FF2B5EF4-FFF2-40B4-BE49-F238E27FC236}">
+                <a16:creationId xmlns:a16="http://schemas.microsoft.com/office/drawing/2014/main" id="{2E743F60-DDC7-435F-B607-05DA8E4D3666}"/>
+              </a:ext>
+            </a:extLst>
+          </p:cNvPr>
+          <p:cNvSpPr/>
+          <p:nvPr/>
+        </p:nvSpPr>
+        <p:spPr>
+          <a:xfrm>
+            <a:off x="9852573" y="2129854"/>
+            <a:ext cx="1206014" cy="1161769"/>
+          </a:xfrm>
+          <a:prstGeom prst="rect">
+            <a:avLst/>
+          </a:prstGeom>
+          <a:solidFill>
+            <a:schemeClr val="bg1"/>
+          </a:solidFill>
+          <a:ln w="12700">
+            <a:solidFill>
+              <a:srgbClr val="5B9CD5"/>
+            </a:solidFill>
+            <a:prstDash val="sysDash"/>
+          </a:ln>
+          <a:effectLst>
+            <a:outerShdw blurRad="50800" dist="38100" dir="13500000" algn="br" rotWithShape="0">
+              <a:prstClr val="black">
+                <a:alpha val="40000"/>
+              </a:prstClr>
+            </a:outerShdw>
+          </a:effectLst>
+        </p:spPr>
+        <p:style>
+          <a:lnRef idx="2">
+            <a:schemeClr val="accent1">
+              <a:shade val="50000"/>
+            </a:schemeClr>
+          </a:lnRef>
+          <a:fillRef idx="1">
+            <a:schemeClr val="accent1"/>
+          </a:fillRef>
+          <a:effectRef idx="0">
+            <a:schemeClr val="accent1"/>
+          </a:effectRef>
+          <a:fontRef idx="minor">
+            <a:schemeClr val="lt1"/>
+          </a:fontRef>
+        </p:style>
+        <p:txBody>
+          <a:bodyPr lIns="502920" tIns="91440"/>
+          <a:lstStyle/>
+          <a:p>
+            <a:pPr eaLnBrk="1" fontAlgn="auto" hangingPunct="1">
+              <a:spcBef>
+                <a:spcPts val="0"/>
+              </a:spcBef>
+              <a:spcAft>
+                <a:spcPts val="0"/>
+              </a:spcAft>
+              <a:defRPr/>
+            </a:pPr>
+            <a:r>
+              <a:rPr lang="en-US" sz="1200" dirty="0">
+                <a:solidFill>
+                  <a:srgbClr val="5B9CD5"/>
+                </a:solidFill>
+                <a:latin typeface="Arial" panose="020B0604020202020204" pitchFamily="34" charset="0"/>
+                <a:cs typeface="Arial" panose="020B0604020202020204" pitchFamily="34" charset="0"/>
+              </a:rPr>
+              <a:t>Region n</a:t>
+            </a:r>
+          </a:p>
+        </p:txBody>
+      </p:sp>
+      <p:pic>
+        <p:nvPicPr>
+          <p:cNvPr id="216" name="Graphic 215">
+            <a:extLst>
+              <a:ext uri="{FF2B5EF4-FFF2-40B4-BE49-F238E27FC236}">
+                <a16:creationId xmlns:a16="http://schemas.microsoft.com/office/drawing/2014/main" id="{2DF0E5C9-8A77-4707-B6E6-A9C126004DDE}"/>
+              </a:ext>
+            </a:extLst>
+          </p:cNvPr>
+          <p:cNvPicPr>
+            <a:picLocks noChangeAspect="1"/>
+          </p:cNvPicPr>
+          <p:nvPr/>
+        </p:nvPicPr>
+        <p:blipFill>
+          <a:blip r:embed="rId12">
+            <a:extLst>
+              <a:ext uri="{96DAC541-7B7A-43D3-8B79-37D633B846F1}">
+                <asvg:svgBlip xmlns:asvg="http://schemas.microsoft.com/office/drawing/2016/SVG/main" r:embed="rId13"/>
+              </a:ext>
+            </a:extLst>
+          </a:blip>
+          <a:stretch>
+            <a:fillRect/>
+          </a:stretch>
+        </p:blipFill>
+        <p:spPr>
+          <a:xfrm>
+            <a:off x="9852572" y="2135668"/>
+            <a:ext cx="442506" cy="391567"/>
+          </a:xfrm>
+          <a:prstGeom prst="rect">
+            <a:avLst/>
+          </a:prstGeom>
+          <a:effectLst>
+            <a:outerShdw blurRad="50800" dist="38100" dir="13500000" algn="br" rotWithShape="0">
+              <a:prstClr val="black">
+                <a:alpha val="40000"/>
+              </a:prstClr>
+            </a:outerShdw>
+          </a:effectLst>
+        </p:spPr>
+      </p:pic>
+      <p:sp>
+        <p:nvSpPr>
+          <p:cNvPr id="219" name="Rectangle 218">
+            <a:extLst>
+              <a:ext uri="{FF2B5EF4-FFF2-40B4-BE49-F238E27FC236}">
+                <a16:creationId xmlns:a16="http://schemas.microsoft.com/office/drawing/2014/main" id="{C659489A-46FA-4DDE-A1BA-77F0607EF2A2}"/>
+              </a:ext>
+            </a:extLst>
+          </p:cNvPr>
+          <p:cNvSpPr/>
+          <p:nvPr/>
+        </p:nvSpPr>
+        <p:spPr>
+          <a:xfrm>
+            <a:off x="7333860" y="3763187"/>
+            <a:ext cx="3999158" cy="2796638"/>
+          </a:xfrm>
+          <a:prstGeom prst="rect">
+            <a:avLst/>
+          </a:prstGeom>
+          <a:noFill/>
+          <a:ln w="12700">
+            <a:solidFill>
+              <a:srgbClr val="CD2264"/>
+            </a:solidFill>
+          </a:ln>
+        </p:spPr>
+        <p:style>
+          <a:lnRef idx="2">
+            <a:schemeClr val="accent1">
+              <a:shade val="50000"/>
+            </a:schemeClr>
+          </a:lnRef>
+          <a:fillRef idx="1">
+            <a:schemeClr val="accent1"/>
+          </a:fillRef>
+          <a:effectRef idx="0">
+            <a:schemeClr val="accent1"/>
+          </a:effectRef>
+          <a:fontRef idx="minor">
+            <a:schemeClr val="lt1"/>
+          </a:fontRef>
+        </p:style>
+        <p:txBody>
+          <a:bodyPr lIns="502920" tIns="91440"/>
+          <a:lstStyle/>
+          <a:p>
+            <a:pPr eaLnBrk="1" fontAlgn="auto" hangingPunct="1">
+              <a:spcBef>
+                <a:spcPts val="0"/>
+              </a:spcBef>
+              <a:spcAft>
+                <a:spcPts val="0"/>
+              </a:spcAft>
+              <a:defRPr/>
+            </a:pPr>
+            <a:r>
+              <a:rPr lang="en-US" sz="1200" dirty="0">
+                <a:solidFill>
+                  <a:srgbClr val="CD2264"/>
+                </a:solidFill>
+                <a:latin typeface="Arial" panose="020B0604020202020204" pitchFamily="34" charset="0"/>
+                <a:cs typeface="Arial" panose="020B0604020202020204" pitchFamily="34" charset="0"/>
+              </a:rPr>
+              <a:t>All Existing and Future Organization Member Accounts</a:t>
+            </a:r>
+          </a:p>
+        </p:txBody>
+      </p:sp>
+      <p:pic>
+        <p:nvPicPr>
+          <p:cNvPr id="220" name="Graphic 219">
+            <a:extLst>
+              <a:ext uri="{FF2B5EF4-FFF2-40B4-BE49-F238E27FC236}">
+                <a16:creationId xmlns:a16="http://schemas.microsoft.com/office/drawing/2014/main" id="{9BB2A7C4-93AA-4FC1-85F0-71732514BB4A}"/>
+              </a:ext>
+            </a:extLst>
+          </p:cNvPr>
+          <p:cNvPicPr>
+            <a:picLocks noChangeAspect="1"/>
+          </p:cNvPicPr>
+          <p:nvPr/>
+        </p:nvPicPr>
+        <p:blipFill>
+          <a:blip r:embed="rId6">
+            <a:extLst>
+              <a:ext uri="{96DAC541-7B7A-43D3-8B79-37D633B846F1}">
+                <asvg:svgBlip xmlns:asvg="http://schemas.microsoft.com/office/drawing/2016/SVG/main" r:embed="rId7"/>
+              </a:ext>
+            </a:extLst>
+          </a:blip>
+          <a:stretch>
+            <a:fillRect/>
+          </a:stretch>
+        </p:blipFill>
+        <p:spPr>
+          <a:xfrm>
+            <a:off x="7343784" y="3769316"/>
+            <a:ext cx="381000" cy="381000"/>
+          </a:xfrm>
+          <a:prstGeom prst="rect">
+            <a:avLst/>
+          </a:prstGeom>
+        </p:spPr>
+      </p:pic>
+      <p:sp>
+        <p:nvSpPr>
+          <p:cNvPr id="91" name="Oval 90">
+            <a:extLst>
+              <a:ext uri="{FF2B5EF4-FFF2-40B4-BE49-F238E27FC236}">
+                <a16:creationId xmlns:a16="http://schemas.microsoft.com/office/drawing/2014/main" id="{4F6D3A5E-6D06-304A-97F5-69FDBDFDA450}"/>
+              </a:ext>
+            </a:extLst>
+          </p:cNvPr>
+          <p:cNvSpPr/>
+          <p:nvPr/>
+        </p:nvSpPr>
+        <p:spPr>
+          <a:xfrm>
+            <a:off x="7390246" y="4150316"/>
+            <a:ext cx="253435" cy="212902"/>
+          </a:xfrm>
+          <a:prstGeom prst="ellipse">
+            <a:avLst/>
+          </a:prstGeom>
+          <a:solidFill>
+            <a:schemeClr val="tx1"/>
+          </a:solidFill>
+          <a:ln>
+            <a:solidFill>
+              <a:schemeClr val="tx1"/>
+            </a:solidFill>
+          </a:ln>
+        </p:spPr>
+        <p:style>
+          <a:lnRef idx="2">
+            <a:schemeClr val="accent1">
+              <a:shade val="50000"/>
+            </a:schemeClr>
+          </a:lnRef>
+          <a:fillRef idx="1">
+            <a:schemeClr val="accent1"/>
+          </a:fillRef>
+          <a:effectRef idx="0">
+            <a:schemeClr val="accent1"/>
+          </a:effectRef>
+          <a:fontRef idx="minor">
+            <a:schemeClr val="lt1"/>
+          </a:fontRef>
+        </p:style>
+        <p:txBody>
+          <a:bodyPr lIns="0" tIns="0" rIns="0" bIns="0" rtlCol="0" anchor="ctr"/>
+          <a:lstStyle/>
+          <a:p>
+            <a:pPr algn="ctr"/>
+            <a:r>
+              <a:rPr lang="en-US" sz="800" dirty="0"/>
+              <a:t>4.0</a:t>
+            </a:r>
+          </a:p>
+        </p:txBody>
+      </p:sp>
+      <p:sp>
+        <p:nvSpPr>
+          <p:cNvPr id="221" name="Rectangle 220">
+            <a:extLst>
+              <a:ext uri="{FF2B5EF4-FFF2-40B4-BE49-F238E27FC236}">
+                <a16:creationId xmlns:a16="http://schemas.microsoft.com/office/drawing/2014/main" id="{0EB590A6-47C4-4385-9025-6DCC5F4EDD2E}"/>
+              </a:ext>
+            </a:extLst>
+          </p:cNvPr>
+          <p:cNvSpPr/>
+          <p:nvPr/>
+        </p:nvSpPr>
+        <p:spPr>
+          <a:xfrm>
+            <a:off x="7735322" y="4316962"/>
+            <a:ext cx="3452797" cy="2130541"/>
+          </a:xfrm>
+          <a:prstGeom prst="rect">
+            <a:avLst/>
+          </a:prstGeom>
+          <a:noFill/>
+          <a:ln w="12700">
+            <a:solidFill>
+              <a:srgbClr val="5B9CD5"/>
+            </a:solidFill>
+            <a:prstDash val="sysDash"/>
+          </a:ln>
+        </p:spPr>
+        <p:style>
+          <a:lnRef idx="2">
+            <a:schemeClr val="accent1">
+              <a:shade val="50000"/>
+            </a:schemeClr>
+          </a:lnRef>
+          <a:fillRef idx="1">
+            <a:schemeClr val="accent1"/>
+          </a:fillRef>
+          <a:effectRef idx="0">
+            <a:schemeClr val="accent1"/>
+          </a:effectRef>
+          <a:fontRef idx="minor">
+            <a:schemeClr val="lt1"/>
+          </a:fontRef>
+        </p:style>
+        <p:txBody>
+          <a:bodyPr lIns="502920" tIns="91440"/>
+          <a:lstStyle/>
+          <a:p>
+            <a:pPr eaLnBrk="1" fontAlgn="auto" hangingPunct="1">
+              <a:spcBef>
+                <a:spcPts val="0"/>
+              </a:spcBef>
+              <a:spcAft>
+                <a:spcPts val="0"/>
+              </a:spcAft>
+              <a:defRPr/>
+            </a:pPr>
+            <a:r>
+              <a:rPr lang="en-US" sz="1200" dirty="0">
+                <a:solidFill>
+                  <a:srgbClr val="5B9CD5"/>
+                </a:solidFill>
+                <a:latin typeface="Arial" panose="020B0604020202020204" pitchFamily="34" charset="0"/>
+                <a:cs typeface="Arial" panose="020B0604020202020204" pitchFamily="34" charset="0"/>
+              </a:rPr>
+              <a:t>Home Region</a:t>
+            </a:r>
+          </a:p>
+        </p:txBody>
+      </p:sp>
+      <p:sp>
+        <p:nvSpPr>
+          <p:cNvPr id="223" name="Rectangle 222">
+            <a:extLst>
+              <a:ext uri="{FF2B5EF4-FFF2-40B4-BE49-F238E27FC236}">
+                <a16:creationId xmlns:a16="http://schemas.microsoft.com/office/drawing/2014/main" id="{A5CD68E2-B1B3-4526-87B2-D568EE0A4283}"/>
+              </a:ext>
+            </a:extLst>
+          </p:cNvPr>
+          <p:cNvSpPr/>
+          <p:nvPr/>
+        </p:nvSpPr>
+        <p:spPr>
+          <a:xfrm>
+            <a:off x="9609463" y="4507097"/>
+            <a:ext cx="1275435" cy="1307692"/>
+          </a:xfrm>
+          <a:prstGeom prst="rect">
+            <a:avLst/>
+          </a:prstGeom>
+          <a:solidFill>
+            <a:schemeClr val="bg1"/>
+          </a:solidFill>
+          <a:ln w="12700">
+            <a:solidFill>
+              <a:srgbClr val="5B9CD5"/>
+            </a:solidFill>
+            <a:prstDash val="sysDash"/>
+          </a:ln>
+          <a:effectLst>
+            <a:outerShdw blurRad="50800" dist="38100" dir="13500000" algn="br" rotWithShape="0">
+              <a:prstClr val="black">
+                <a:alpha val="40000"/>
+              </a:prstClr>
+            </a:outerShdw>
+          </a:effectLst>
+        </p:spPr>
+        <p:style>
+          <a:lnRef idx="2">
+            <a:schemeClr val="accent1">
+              <a:shade val="50000"/>
+            </a:schemeClr>
+          </a:lnRef>
+          <a:fillRef idx="1">
+            <a:schemeClr val="accent1"/>
+          </a:fillRef>
+          <a:effectRef idx="0">
+            <a:schemeClr val="accent1"/>
+          </a:effectRef>
+          <a:fontRef idx="minor">
+            <a:schemeClr val="lt1"/>
+          </a:fontRef>
+        </p:style>
+        <p:txBody>
+          <a:bodyPr lIns="502920" tIns="91440"/>
+          <a:lstStyle/>
+          <a:p>
+            <a:pPr eaLnBrk="1" fontAlgn="auto" hangingPunct="1">
+              <a:spcBef>
+                <a:spcPts val="0"/>
+              </a:spcBef>
+              <a:spcAft>
+                <a:spcPts val="0"/>
+              </a:spcAft>
+              <a:defRPr/>
+            </a:pPr>
+            <a:r>
+              <a:rPr lang="en-US" sz="1200" dirty="0">
+                <a:solidFill>
+                  <a:srgbClr val="5B9CD5"/>
+                </a:solidFill>
+                <a:latin typeface="Arial" panose="020B0604020202020204" pitchFamily="34" charset="0"/>
+                <a:cs typeface="Arial" panose="020B0604020202020204" pitchFamily="34" charset="0"/>
+              </a:rPr>
+              <a:t>Region 1</a:t>
+            </a:r>
+          </a:p>
+        </p:txBody>
+      </p:sp>
+      <p:pic>
+        <p:nvPicPr>
+          <p:cNvPr id="224" name="Graphic 223">
+            <a:extLst>
+              <a:ext uri="{FF2B5EF4-FFF2-40B4-BE49-F238E27FC236}">
+                <a16:creationId xmlns:a16="http://schemas.microsoft.com/office/drawing/2014/main" id="{07321E89-3364-4281-96F3-4E8151C201DA}"/>
+              </a:ext>
+            </a:extLst>
+          </p:cNvPr>
+          <p:cNvPicPr>
+            <a:picLocks noChangeAspect="1"/>
+          </p:cNvPicPr>
+          <p:nvPr/>
+        </p:nvPicPr>
+        <p:blipFill>
+          <a:blip r:embed="rId12">
+            <a:extLst>
+              <a:ext uri="{96DAC541-7B7A-43D3-8B79-37D633B846F1}">
+                <asvg:svgBlip xmlns:asvg="http://schemas.microsoft.com/office/drawing/2016/SVG/main" r:embed="rId13"/>
+              </a:ext>
+            </a:extLst>
+          </a:blip>
+          <a:stretch>
+            <a:fillRect/>
+          </a:stretch>
+        </p:blipFill>
+        <p:spPr>
+          <a:xfrm>
+            <a:off x="9605283" y="4500745"/>
+            <a:ext cx="442506" cy="391567"/>
+          </a:xfrm>
+          <a:prstGeom prst="rect">
+            <a:avLst/>
+          </a:prstGeom>
+          <a:effectLst>
+            <a:outerShdw blurRad="50800" dist="38100" dir="13500000" algn="br" rotWithShape="0">
+              <a:prstClr val="black">
+                <a:alpha val="40000"/>
+              </a:prstClr>
+            </a:outerShdw>
+          </a:effectLst>
+        </p:spPr>
+      </p:pic>
+      <p:sp>
+        <p:nvSpPr>
+          <p:cNvPr id="225" name="Rectangle 224">
+            <a:extLst>
+              <a:ext uri="{FF2B5EF4-FFF2-40B4-BE49-F238E27FC236}">
+                <a16:creationId xmlns:a16="http://schemas.microsoft.com/office/drawing/2014/main" id="{0102704B-7722-4CFB-98E8-9F9759C34265}"/>
+              </a:ext>
+            </a:extLst>
+          </p:cNvPr>
+          <p:cNvSpPr/>
+          <p:nvPr/>
+        </p:nvSpPr>
+        <p:spPr>
+          <a:xfrm>
+            <a:off x="9736468" y="4820060"/>
+            <a:ext cx="1237614" cy="1307692"/>
+          </a:xfrm>
+          <a:prstGeom prst="rect">
+            <a:avLst/>
+          </a:prstGeom>
+          <a:solidFill>
+            <a:schemeClr val="bg1"/>
+          </a:solidFill>
+          <a:ln w="12700">
+            <a:solidFill>
+              <a:srgbClr val="5B9CD5"/>
+            </a:solidFill>
+            <a:prstDash val="sysDash"/>
+          </a:ln>
+          <a:effectLst>
+            <a:outerShdw blurRad="50800" dist="38100" dir="13500000" algn="br" rotWithShape="0">
+              <a:prstClr val="black">
+                <a:alpha val="40000"/>
+              </a:prstClr>
+            </a:outerShdw>
+          </a:effectLst>
+        </p:spPr>
+        <p:style>
+          <a:lnRef idx="2">
+            <a:schemeClr val="accent1">
+              <a:shade val="50000"/>
+            </a:schemeClr>
+          </a:lnRef>
+          <a:fillRef idx="1">
+            <a:schemeClr val="accent1"/>
+          </a:fillRef>
+          <a:effectRef idx="0">
+            <a:schemeClr val="accent1"/>
+          </a:effectRef>
+          <a:fontRef idx="minor">
+            <a:schemeClr val="lt1"/>
+          </a:fontRef>
+        </p:style>
+        <p:txBody>
+          <a:bodyPr lIns="502920" tIns="91440"/>
+          <a:lstStyle/>
+          <a:p>
+            <a:pPr eaLnBrk="1" fontAlgn="auto" hangingPunct="1">
+              <a:spcBef>
+                <a:spcPts val="0"/>
+              </a:spcBef>
+              <a:spcAft>
+                <a:spcPts val="0"/>
+              </a:spcAft>
+              <a:defRPr/>
+            </a:pPr>
+            <a:r>
+              <a:rPr lang="en-US" sz="1200" dirty="0">
+                <a:solidFill>
+                  <a:srgbClr val="5B9CD5"/>
+                </a:solidFill>
+                <a:latin typeface="Arial" panose="020B0604020202020204" pitchFamily="34" charset="0"/>
+                <a:cs typeface="Arial" panose="020B0604020202020204" pitchFamily="34" charset="0"/>
+              </a:rPr>
+              <a:t>Region 2</a:t>
+            </a:r>
+          </a:p>
+        </p:txBody>
+      </p:sp>
+      <p:pic>
+        <p:nvPicPr>
+          <p:cNvPr id="228" name="Graphic 227">
+            <a:extLst>
+              <a:ext uri="{FF2B5EF4-FFF2-40B4-BE49-F238E27FC236}">
+                <a16:creationId xmlns:a16="http://schemas.microsoft.com/office/drawing/2014/main" id="{A77657A1-3F7D-4829-930C-C7457621F297}"/>
+              </a:ext>
+            </a:extLst>
+          </p:cNvPr>
+          <p:cNvPicPr>
+            <a:picLocks noChangeAspect="1"/>
+          </p:cNvPicPr>
+          <p:nvPr/>
+        </p:nvPicPr>
+        <p:blipFill>
+          <a:blip r:embed="rId12">
+            <a:extLst>
+              <a:ext uri="{96DAC541-7B7A-43D3-8B79-37D633B846F1}">
+                <asvg:svgBlip xmlns:asvg="http://schemas.microsoft.com/office/drawing/2016/SVG/main" r:embed="rId13"/>
+              </a:ext>
+            </a:extLst>
+          </a:blip>
+          <a:stretch>
+            <a:fillRect/>
+          </a:stretch>
+        </p:blipFill>
+        <p:spPr>
+          <a:xfrm>
+            <a:off x="9732809" y="4810768"/>
+            <a:ext cx="442506" cy="391567"/>
+          </a:xfrm>
+          <a:prstGeom prst="rect">
+            <a:avLst/>
+          </a:prstGeom>
+          <a:effectLst>
+            <a:outerShdw blurRad="50800" dist="38100" dir="13500000" algn="br" rotWithShape="0">
+              <a:prstClr val="black">
+                <a:alpha val="40000"/>
+              </a:prstClr>
+            </a:outerShdw>
+          </a:effectLst>
+        </p:spPr>
+      </p:pic>
+      <p:sp>
+        <p:nvSpPr>
+          <p:cNvPr id="229" name="Rectangle 228">
+            <a:extLst>
+              <a:ext uri="{FF2B5EF4-FFF2-40B4-BE49-F238E27FC236}">
+                <a16:creationId xmlns:a16="http://schemas.microsoft.com/office/drawing/2014/main" id="{49AC0F03-D447-4FFE-8A38-80B2B4CAE572}"/>
+              </a:ext>
+            </a:extLst>
+          </p:cNvPr>
+          <p:cNvSpPr/>
+          <p:nvPr/>
+        </p:nvSpPr>
+        <p:spPr>
+          <a:xfrm>
+            <a:off x="9855650" y="5128218"/>
+            <a:ext cx="1206014" cy="1161769"/>
+          </a:xfrm>
+          <a:prstGeom prst="rect">
+            <a:avLst/>
+          </a:prstGeom>
+          <a:solidFill>
+            <a:schemeClr val="bg1"/>
+          </a:solidFill>
+          <a:ln w="12700">
+            <a:solidFill>
+              <a:srgbClr val="5B9CD5"/>
+            </a:solidFill>
+            <a:prstDash val="sysDash"/>
+          </a:ln>
+          <a:effectLst>
+            <a:outerShdw blurRad="50800" dist="38100" dir="13500000" algn="br" rotWithShape="0">
+              <a:prstClr val="black">
+                <a:alpha val="40000"/>
+              </a:prstClr>
+            </a:outerShdw>
+          </a:effectLst>
+        </p:spPr>
+        <p:style>
+          <a:lnRef idx="2">
+            <a:schemeClr val="accent1">
+              <a:shade val="50000"/>
+            </a:schemeClr>
+          </a:lnRef>
+          <a:fillRef idx="1">
+            <a:schemeClr val="accent1"/>
+          </a:fillRef>
+          <a:effectRef idx="0">
+            <a:schemeClr val="accent1"/>
+          </a:effectRef>
+          <a:fontRef idx="minor">
+            <a:schemeClr val="lt1"/>
+          </a:fontRef>
+        </p:style>
+        <p:txBody>
+          <a:bodyPr lIns="502920" tIns="91440"/>
+          <a:lstStyle/>
+          <a:p>
+            <a:pPr eaLnBrk="1" fontAlgn="auto" hangingPunct="1">
+              <a:spcBef>
+                <a:spcPts val="0"/>
+              </a:spcBef>
+              <a:spcAft>
+                <a:spcPts val="0"/>
+              </a:spcAft>
+              <a:defRPr/>
+            </a:pPr>
+            <a:r>
+              <a:rPr lang="en-US" sz="1200" dirty="0">
+                <a:solidFill>
+                  <a:srgbClr val="5B9CD5"/>
+                </a:solidFill>
+                <a:latin typeface="Arial" panose="020B0604020202020204" pitchFamily="34" charset="0"/>
+                <a:cs typeface="Arial" panose="020B0604020202020204" pitchFamily="34" charset="0"/>
+              </a:rPr>
+              <a:t>Region n</a:t>
+            </a:r>
+          </a:p>
+        </p:txBody>
+      </p:sp>
+      <p:pic>
+        <p:nvPicPr>
+          <p:cNvPr id="230" name="Graphic 229">
+            <a:extLst>
+              <a:ext uri="{FF2B5EF4-FFF2-40B4-BE49-F238E27FC236}">
+                <a16:creationId xmlns:a16="http://schemas.microsoft.com/office/drawing/2014/main" id="{211D58C1-32A9-4C69-A6A1-3CF98EBAB272}"/>
+              </a:ext>
+            </a:extLst>
+          </p:cNvPr>
+          <p:cNvPicPr>
+            <a:picLocks noChangeAspect="1"/>
+          </p:cNvPicPr>
+          <p:nvPr/>
+        </p:nvPicPr>
+        <p:blipFill>
+          <a:blip r:embed="rId12">
+            <a:extLst>
+              <a:ext uri="{96DAC541-7B7A-43D3-8B79-37D633B846F1}">
+                <asvg:svgBlip xmlns:asvg="http://schemas.microsoft.com/office/drawing/2016/SVG/main" r:embed="rId13"/>
+              </a:ext>
+            </a:extLst>
+          </a:blip>
+          <a:stretch>
+            <a:fillRect/>
+          </a:stretch>
+        </p:blipFill>
+        <p:spPr>
+          <a:xfrm>
+            <a:off x="9855649" y="5134032"/>
+            <a:ext cx="442506" cy="391567"/>
+          </a:xfrm>
+          <a:prstGeom prst="rect">
+            <a:avLst/>
+          </a:prstGeom>
+          <a:effectLst>
+            <a:outerShdw blurRad="50800" dist="38100" dir="13500000" algn="br" rotWithShape="0">
+              <a:prstClr val="black">
+                <a:alpha val="40000"/>
+              </a:prstClr>
+            </a:outerShdw>
+          </a:effectLst>
+        </p:spPr>
+      </p:pic>
+      <p:sp>
+        <p:nvSpPr>
+          <p:cNvPr id="235" name="Oval 234">
+            <a:extLst>
+              <a:ext uri="{FF2B5EF4-FFF2-40B4-BE49-F238E27FC236}">
+                <a16:creationId xmlns:a16="http://schemas.microsoft.com/office/drawing/2014/main" id="{1BDB1ABD-271A-40FF-9892-B5B91A5F6E19}"/>
+              </a:ext>
+            </a:extLst>
+          </p:cNvPr>
+          <p:cNvSpPr/>
+          <p:nvPr/>
+        </p:nvSpPr>
+        <p:spPr>
+          <a:xfrm>
+            <a:off x="740779" y="1015175"/>
+            <a:ext cx="253435" cy="212902"/>
+          </a:xfrm>
+          <a:prstGeom prst="ellipse">
+            <a:avLst/>
+          </a:prstGeom>
+          <a:solidFill>
+            <a:schemeClr val="tx1"/>
+          </a:solidFill>
+          <a:ln>
+            <a:solidFill>
+              <a:schemeClr val="tx1"/>
+            </a:solidFill>
+          </a:ln>
+        </p:spPr>
+        <p:style>
+          <a:lnRef idx="2">
+            <a:schemeClr val="accent1">
+              <a:shade val="50000"/>
+            </a:schemeClr>
+          </a:lnRef>
+          <a:fillRef idx="1">
+            <a:schemeClr val="accent1"/>
+          </a:fillRef>
+          <a:effectRef idx="0">
+            <a:schemeClr val="accent1"/>
+          </a:effectRef>
+          <a:fontRef idx="minor">
+            <a:schemeClr val="lt1"/>
+          </a:fontRef>
+        </p:style>
+        <p:txBody>
+          <a:bodyPr lIns="0" tIns="0" rIns="0" bIns="0" rtlCol="0" anchor="ctr"/>
+          <a:lstStyle/>
+          <a:p>
+            <a:pPr algn="ctr"/>
+            <a:r>
+              <a:rPr lang="en-US" sz="800" dirty="0">
+                <a:latin typeface="Arial" panose="020B0604020202020204" pitchFamily="34" charset="0"/>
+                <a:cs typeface="Arial" panose="020B0604020202020204" pitchFamily="34" charset="0"/>
+              </a:rPr>
+              <a:t>1.0</a:t>
+            </a:r>
+          </a:p>
+        </p:txBody>
+      </p:sp>
+      <p:pic>
+        <p:nvPicPr>
+          <p:cNvPr id="236" name="Graphic 235">
+            <a:extLst>
+              <a:ext uri="{FF2B5EF4-FFF2-40B4-BE49-F238E27FC236}">
+                <a16:creationId xmlns:a16="http://schemas.microsoft.com/office/drawing/2014/main" id="{15114E6C-45C0-4B88-A357-ECA72E9C9465}"/>
+              </a:ext>
+            </a:extLst>
+          </p:cNvPr>
+          <p:cNvPicPr>
+            <a:picLocks noChangeAspect="1"/>
+          </p:cNvPicPr>
+          <p:nvPr/>
+        </p:nvPicPr>
+        <p:blipFill>
+          <a:blip r:embed="rId12">
+            <a:extLst>
+              <a:ext uri="{96DAC541-7B7A-43D3-8B79-37D633B846F1}">
+                <asvg:svgBlip xmlns:asvg="http://schemas.microsoft.com/office/drawing/2016/SVG/main" r:embed="rId13"/>
+              </a:ext>
+            </a:extLst>
+          </a:blip>
+          <a:stretch>
+            <a:fillRect/>
+          </a:stretch>
+        </p:blipFill>
+        <p:spPr>
+          <a:xfrm>
+            <a:off x="7735015" y="4316962"/>
+            <a:ext cx="391567" cy="391567"/>
+          </a:xfrm>
+          <a:prstGeom prst="rect">
+            <a:avLst/>
+          </a:prstGeom>
+        </p:spPr>
+      </p:pic>
+      <p:pic>
+        <p:nvPicPr>
+          <p:cNvPr id="2" name="Picture 1">
+            <a:extLst>
+              <a:ext uri="{FF2B5EF4-FFF2-40B4-BE49-F238E27FC236}">
+                <a16:creationId xmlns:a16="http://schemas.microsoft.com/office/drawing/2014/main" id="{9B8480CC-F75B-F7E1-2A06-A77FC9BB3E63}"/>
+              </a:ext>
+            </a:extLst>
+          </p:cNvPr>
+          <p:cNvPicPr>
+            <a:picLocks noChangeAspect="1"/>
+          </p:cNvPicPr>
+          <p:nvPr/>
+        </p:nvPicPr>
+        <p:blipFill>
+          <a:blip r:embed="rId14"/>
+          <a:stretch>
+            <a:fillRect/>
+          </a:stretch>
+        </p:blipFill>
+        <p:spPr>
+          <a:xfrm>
+            <a:off x="2456575" y="2748294"/>
+            <a:ext cx="457201" cy="419878"/>
+          </a:xfrm>
+          <a:prstGeom prst="rect">
+            <a:avLst/>
+          </a:prstGeom>
+        </p:spPr>
+      </p:pic>
+      <p:sp>
+        <p:nvSpPr>
+          <p:cNvPr id="3" name="TextBox 26">
+            <a:extLst>
+              <a:ext uri="{FF2B5EF4-FFF2-40B4-BE49-F238E27FC236}">
+                <a16:creationId xmlns:a16="http://schemas.microsoft.com/office/drawing/2014/main" id="{B98C722D-DB7B-0E3F-C1A8-EA59105A964B}"/>
+              </a:ext>
+            </a:extLst>
+          </p:cNvPr>
+          <p:cNvSpPr txBox="1">
+            <a:spLocks noChangeArrowheads="1"/>
+          </p:cNvSpPr>
+          <p:nvPr/>
+        </p:nvSpPr>
+        <p:spPr bwMode="auto">
+          <a:xfrm>
+            <a:off x="2151875" y="3124209"/>
+            <a:ext cx="969198" cy="430887"/>
+          </a:xfrm>
+          <a:prstGeom prst="rect">
+            <a:avLst/>
+          </a:prstGeom>
+          <a:noFill/>
+          <a:ln>
+            <a:noFill/>
+          </a:ln>
+          <a:extLst>
+            <a:ext uri="{909E8E84-426E-40DD-AFC4-6F175D3DCCD1}">
+              <a14:hiddenFill xmlns:a14="http://schemas.microsoft.com/office/drawing/2010/main">
+                <a:solidFill>
+                  <a:srgbClr val="FFFFFF"/>
+                </a:solidFill>
+              </a14:hiddenFill>
+            </a:ext>
+            <a:ext uri="{91240B29-F687-4F45-9708-019B960494DF}">
+              <a14:hiddenLine xmlns:a14="http://schemas.microsoft.com/office/drawing/2010/main" w="9525">
+                <a:solidFill>
+                  <a:srgbClr val="000000"/>
+                </a:solidFill>
+                <a:miter lim="800000"/>
+                <a:headEnd/>
+                <a:tailEnd/>
+              </a14:hiddenLine>
+            </a:ext>
+          </a:extLst>
+        </p:spPr>
+        <p:txBody>
+          <a:bodyPr wrap="square">
+            <a:spAutoFit/>
+          </a:bodyPr>
+          <a:lstStyle>
+            <a:lvl1pPr>
+              <a:defRPr>
+                <a:solidFill>
+                  <a:schemeClr val="tx1"/>
+                </a:solidFill>
+                <a:latin typeface="Calibri" panose="020F0502020204030204" pitchFamily="34" charset="0"/>
+              </a:defRPr>
+            </a:lvl1pPr>
+            <a:lvl2pPr marL="742950" indent="-285750">
+              <a:defRPr>
+                <a:solidFill>
+                  <a:schemeClr val="tx1"/>
+                </a:solidFill>
+                <a:latin typeface="Calibri" panose="020F0502020204030204" pitchFamily="34" charset="0"/>
+              </a:defRPr>
+            </a:lvl2pPr>
+            <a:lvl3pPr marL="1143000" indent="-228600">
+              <a:defRPr>
+                <a:solidFill>
+                  <a:schemeClr val="tx1"/>
+                </a:solidFill>
+                <a:latin typeface="Calibri" panose="020F0502020204030204" pitchFamily="34" charset="0"/>
+              </a:defRPr>
+            </a:lvl3pPr>
+            <a:lvl4pPr marL="1600200" indent="-228600">
+              <a:defRPr>
+                <a:solidFill>
+                  <a:schemeClr val="tx1"/>
+                </a:solidFill>
+                <a:latin typeface="Calibri" panose="020F0502020204030204" pitchFamily="34" charset="0"/>
+              </a:defRPr>
+            </a:lvl4pPr>
+            <a:lvl5pPr marL="2057400" indent="-228600">
+              <a:defRPr>
+                <a:solidFill>
+                  <a:schemeClr val="tx1"/>
+                </a:solidFill>
+                <a:latin typeface="Calibri" panose="020F0502020204030204" pitchFamily="34" charset="0"/>
+              </a:defRPr>
+            </a:lvl5pPr>
+            <a:lvl6pPr marL="2514600" indent="-228600" eaLnBrk="0" fontAlgn="base" hangingPunct="0">
+              <a:spcBef>
+                <a:spcPct val="0"/>
+              </a:spcBef>
+              <a:spcAft>
+                <a:spcPct val="0"/>
+              </a:spcAft>
+              <a:defRPr>
+                <a:solidFill>
+                  <a:schemeClr val="tx1"/>
+                </a:solidFill>
+                <a:latin typeface="Calibri" panose="020F0502020204030204" pitchFamily="34" charset="0"/>
+              </a:defRPr>
+            </a:lvl6pPr>
+            <a:lvl7pPr marL="2971800" indent="-228600" eaLnBrk="0" fontAlgn="base" hangingPunct="0">
+              <a:spcBef>
+                <a:spcPct val="0"/>
+              </a:spcBef>
+              <a:spcAft>
+                <a:spcPct val="0"/>
+              </a:spcAft>
+              <a:defRPr>
+                <a:solidFill>
+                  <a:schemeClr val="tx1"/>
+                </a:solidFill>
+                <a:latin typeface="Calibri" panose="020F0502020204030204" pitchFamily="34" charset="0"/>
+              </a:defRPr>
+            </a:lvl7pPr>
+            <a:lvl8pPr marL="3429000" indent="-228600" eaLnBrk="0" fontAlgn="base" hangingPunct="0">
+              <a:spcBef>
+                <a:spcPct val="0"/>
+              </a:spcBef>
+              <a:spcAft>
+                <a:spcPct val="0"/>
+              </a:spcAft>
+              <a:defRPr>
+                <a:solidFill>
+                  <a:schemeClr val="tx1"/>
+                </a:solidFill>
+                <a:latin typeface="Calibri" panose="020F0502020204030204" pitchFamily="34" charset="0"/>
+              </a:defRPr>
+            </a:lvl8pPr>
+            <a:lvl9pPr marL="3886200" indent="-228600" eaLnBrk="0" fontAlgn="base" hangingPunct="0">
+              <a:spcBef>
+                <a:spcPct val="0"/>
+              </a:spcBef>
+              <a:spcAft>
+                <a:spcPct val="0"/>
+              </a:spcAft>
+              <a:defRPr>
+                <a:solidFill>
+                  <a:schemeClr val="tx1"/>
+                </a:solidFill>
+                <a:latin typeface="Calibri" panose="020F0502020204030204" pitchFamily="34" charset="0"/>
+              </a:defRPr>
+            </a:lvl9pPr>
+          </a:lstStyle>
+          <a:p>
+            <a:pPr algn="ctr" eaLnBrk="1" hangingPunct="1"/>
+            <a:r>
+              <a:rPr lang="en-US" altLang="en-US" sz="1100" dirty="0">
+                <a:latin typeface="Arial" panose="020B0604020202020204" pitchFamily="34" charset="0"/>
+                <a:ea typeface="Amazon Ember" panose="020B0603020204020204" pitchFamily="34" charset="0"/>
+                <a:cs typeface="Arial" panose="020B0604020202020204" pitchFamily="34" charset="0"/>
+              </a:rPr>
+              <a:t>Lambda</a:t>
+            </a:r>
+          </a:p>
+          <a:p>
+            <a:pPr algn="ctr" eaLnBrk="1" hangingPunct="1"/>
+            <a:r>
+              <a:rPr lang="en-US" altLang="en-US" sz="1100" dirty="0">
+                <a:latin typeface="Arial" panose="020B0604020202020204" pitchFamily="34" charset="0"/>
+                <a:ea typeface="Amazon Ember" panose="020B0603020204020204" pitchFamily="34" charset="0"/>
+                <a:cs typeface="Arial" panose="020B0604020202020204" pitchFamily="34" charset="0"/>
+              </a:rPr>
+              <a:t>Layer</a:t>
+            </a:r>
+          </a:p>
+        </p:txBody>
+      </p:sp>
+      <p:sp>
+        <p:nvSpPr>
+          <p:cNvPr id="4" name="TextBox 3">
+            <a:extLst>
+              <a:ext uri="{FF2B5EF4-FFF2-40B4-BE49-F238E27FC236}">
+                <a16:creationId xmlns:a16="http://schemas.microsoft.com/office/drawing/2014/main" id="{1BF9A350-50AD-E3F1-7DE0-92CC78B43B7D}"/>
+              </a:ext>
+            </a:extLst>
+          </p:cNvPr>
+          <p:cNvSpPr txBox="1"/>
+          <p:nvPr/>
+        </p:nvSpPr>
+        <p:spPr>
+          <a:xfrm>
+            <a:off x="5414718" y="3443639"/>
+            <a:ext cx="1047687" cy="261610"/>
+          </a:xfrm>
+          <a:prstGeom prst="rect">
+            <a:avLst/>
+          </a:prstGeom>
+          <a:noFill/>
+        </p:spPr>
+        <p:txBody>
+          <a:bodyPr wrap="square" rtlCol="0">
+            <a:spAutoFit/>
+          </a:bodyPr>
+          <a:lstStyle/>
+          <a:p>
+            <a:pPr algn="ctr"/>
+            <a:r>
+              <a:rPr lang="en-US" sz="1100" dirty="0">
+                <a:latin typeface="Arial" panose="020B0604020202020204" pitchFamily="34" charset="0"/>
+                <a:cs typeface="Arial" panose="020B0604020202020204" pitchFamily="34" charset="0"/>
+              </a:rPr>
+              <a:t>Guard Duty</a:t>
+            </a:r>
+          </a:p>
+        </p:txBody>
+      </p:sp>
+      <p:pic>
+        <p:nvPicPr>
+          <p:cNvPr id="5" name="Graphic 19">
+            <a:extLst>
+              <a:ext uri="{FF2B5EF4-FFF2-40B4-BE49-F238E27FC236}">
+                <a16:creationId xmlns:a16="http://schemas.microsoft.com/office/drawing/2014/main" id="{11C841DA-59E3-2663-9C78-99E5EEF86334}"/>
+              </a:ext>
+            </a:extLst>
+          </p:cNvPr>
+          <p:cNvPicPr>
+            <a:picLocks noChangeAspect="1" noChangeArrowheads="1"/>
+          </p:cNvPicPr>
+          <p:nvPr/>
+        </p:nvPicPr>
+        <p:blipFill>
+          <a:blip r:embed="rId15">
+            <a:extLst>
+              <a:ext uri="{28A0092B-C50C-407E-A947-70E740481C1C}">
+                <a14:useLocalDpi xmlns:a14="http://schemas.microsoft.com/office/drawing/2010/main" val="0"/>
+              </a:ext>
+            </a:extLst>
+          </a:blip>
+          <a:srcRect/>
+          <a:stretch>
+            <a:fillRect/>
+          </a:stretch>
+        </p:blipFill>
+        <p:spPr bwMode="auto">
+          <a:xfrm>
+            <a:off x="5709962" y="3003868"/>
+            <a:ext cx="457200" cy="457200"/>
+          </a:xfrm>
+          <a:prstGeom prst="rect">
+            <a:avLst/>
+          </a:prstGeom>
+          <a:noFill/>
+          <a:ln>
+            <a:noFill/>
+          </a:ln>
+          <a:extLst>
+            <a:ext uri="{909E8E84-426E-40DD-AFC4-6F175D3DCCD1}">
+              <a14:hiddenFill xmlns:a14="http://schemas.microsoft.com/office/drawing/2010/main">
+                <a:solidFill>
+                  <a:srgbClr val="FFFFFF"/>
+                </a:solidFill>
+              </a14:hiddenFill>
+            </a:ext>
+            <a:ext uri="{91240B29-F687-4F45-9708-019B960494DF}">
+              <a14:hiddenLine xmlns:a14="http://schemas.microsoft.com/office/drawing/2010/main" w="9525">
+                <a:solidFill>
+                  <a:srgbClr val="000000"/>
+                </a:solidFill>
+                <a:miter lim="800000"/>
+                <a:headEnd/>
+                <a:tailEnd/>
+              </a14:hiddenLine>
+            </a:ext>
+          </a:extLst>
+        </p:spPr>
+      </p:pic>
+      <p:sp>
+        <p:nvSpPr>
+          <p:cNvPr id="198" name="Oval 197">
+            <a:extLst>
+              <a:ext uri="{FF2B5EF4-FFF2-40B4-BE49-F238E27FC236}">
+                <a16:creationId xmlns:a16="http://schemas.microsoft.com/office/drawing/2014/main" id="{6D6165D5-B9D1-4991-AA75-68D53C2CDFA7}"/>
+              </a:ext>
+            </a:extLst>
+          </p:cNvPr>
+          <p:cNvSpPr/>
+          <p:nvPr/>
+        </p:nvSpPr>
+        <p:spPr>
+          <a:xfrm>
+            <a:off x="5638689" y="2891992"/>
+            <a:ext cx="253435" cy="212902"/>
+          </a:xfrm>
+          <a:prstGeom prst="ellipse">
+            <a:avLst/>
+          </a:prstGeom>
+          <a:solidFill>
+            <a:schemeClr val="tx1"/>
+          </a:solidFill>
+          <a:ln>
+            <a:solidFill>
+              <a:schemeClr val="tx1"/>
+            </a:solidFill>
+          </a:ln>
+        </p:spPr>
+        <p:style>
+          <a:lnRef idx="2">
+            <a:schemeClr val="accent1">
+              <a:shade val="50000"/>
+            </a:schemeClr>
+          </a:lnRef>
+          <a:fillRef idx="1">
+            <a:schemeClr val="accent1"/>
+          </a:fillRef>
+          <a:effectRef idx="0">
+            <a:schemeClr val="accent1"/>
+          </a:effectRef>
+          <a:fontRef idx="minor">
+            <a:schemeClr val="lt1"/>
+          </a:fontRef>
+        </p:style>
+        <p:txBody>
+          <a:bodyPr lIns="0" tIns="0" rIns="0" bIns="0" rtlCol="0" anchor="ctr"/>
+          <a:lstStyle/>
+          <a:p>
+            <a:pPr algn="ctr"/>
+            <a:r>
+              <a:rPr lang="en-US" sz="700" dirty="0">
+                <a:latin typeface="Arial" panose="020B0604020202020204" pitchFamily="34" charset="0"/>
+                <a:cs typeface="Arial" panose="020B0604020202020204" pitchFamily="34" charset="0"/>
+              </a:rPr>
+              <a:t>1.7</a:t>
+            </a:r>
+          </a:p>
+        </p:txBody>
+      </p:sp>
+      <p:sp>
+        <p:nvSpPr>
+          <p:cNvPr id="6" name="TextBox 5">
+            <a:extLst>
+              <a:ext uri="{FF2B5EF4-FFF2-40B4-BE49-F238E27FC236}">
+                <a16:creationId xmlns:a16="http://schemas.microsoft.com/office/drawing/2014/main" id="{4D1ED5F0-7809-9F37-43DB-0D2A0C30017E}"/>
+              </a:ext>
+            </a:extLst>
+          </p:cNvPr>
+          <p:cNvSpPr txBox="1"/>
+          <p:nvPr/>
+        </p:nvSpPr>
+        <p:spPr>
+          <a:xfrm>
+            <a:off x="9970186" y="6032312"/>
+            <a:ext cx="1047687" cy="261610"/>
+          </a:xfrm>
+          <a:prstGeom prst="rect">
+            <a:avLst/>
+          </a:prstGeom>
+          <a:noFill/>
+        </p:spPr>
+        <p:txBody>
+          <a:bodyPr wrap="square" rtlCol="0">
+            <a:spAutoFit/>
+          </a:bodyPr>
+          <a:lstStyle/>
+          <a:p>
+            <a:pPr algn="ctr"/>
+            <a:r>
+              <a:rPr lang="en-US" sz="1100" dirty="0">
+                <a:latin typeface="Arial" panose="020B0604020202020204" pitchFamily="34" charset="0"/>
+                <a:cs typeface="Arial" panose="020B0604020202020204" pitchFamily="34" charset="0"/>
+              </a:rPr>
+              <a:t>Guard Duty</a:t>
+            </a:r>
+          </a:p>
+        </p:txBody>
+      </p:sp>
+      <p:pic>
+        <p:nvPicPr>
+          <p:cNvPr id="7" name="Graphic 19">
+            <a:extLst>
+              <a:ext uri="{FF2B5EF4-FFF2-40B4-BE49-F238E27FC236}">
+                <a16:creationId xmlns:a16="http://schemas.microsoft.com/office/drawing/2014/main" id="{61BACC07-55B1-7AD4-EBF1-A23AA30EE8EE}"/>
+              </a:ext>
+            </a:extLst>
+          </p:cNvPr>
+          <p:cNvPicPr>
+            <a:picLocks noChangeAspect="1" noChangeArrowheads="1"/>
+          </p:cNvPicPr>
+          <p:nvPr/>
+        </p:nvPicPr>
+        <p:blipFill>
+          <a:blip r:embed="rId15">
+            <a:extLst>
+              <a:ext uri="{28A0092B-C50C-407E-A947-70E740481C1C}">
+                <a14:useLocalDpi xmlns:a14="http://schemas.microsoft.com/office/drawing/2010/main" val="0"/>
+              </a:ext>
+            </a:extLst>
+          </a:blip>
+          <a:srcRect/>
+          <a:stretch>
+            <a:fillRect/>
+          </a:stretch>
+        </p:blipFill>
+        <p:spPr bwMode="auto">
+          <a:xfrm>
+            <a:off x="10265430" y="5592541"/>
+            <a:ext cx="457200" cy="457200"/>
+          </a:xfrm>
+          <a:prstGeom prst="rect">
+            <a:avLst/>
+          </a:prstGeom>
+          <a:noFill/>
+          <a:ln>
+            <a:noFill/>
+          </a:ln>
+          <a:extLst>
+            <a:ext uri="{909E8E84-426E-40DD-AFC4-6F175D3DCCD1}">
+              <a14:hiddenFill xmlns:a14="http://schemas.microsoft.com/office/drawing/2010/main">
+                <a:solidFill>
+                  <a:srgbClr val="FFFFFF"/>
+                </a:solidFill>
+              </a14:hiddenFill>
+            </a:ext>
+            <a:ext uri="{91240B29-F687-4F45-9708-019B960494DF}">
+              <a14:hiddenLine xmlns:a14="http://schemas.microsoft.com/office/drawing/2010/main" w="9525">
+                <a:solidFill>
+                  <a:srgbClr val="000000"/>
+                </a:solidFill>
+                <a:miter lim="800000"/>
+                <a:headEnd/>
+                <a:tailEnd/>
+              </a14:hiddenLine>
+            </a:ext>
+          </a:extLst>
+        </p:spPr>
+      </p:pic>
+      <p:sp>
+        <p:nvSpPr>
+          <p:cNvPr id="234" name="Oval 233">
+            <a:extLst>
+              <a:ext uri="{FF2B5EF4-FFF2-40B4-BE49-F238E27FC236}">
+                <a16:creationId xmlns:a16="http://schemas.microsoft.com/office/drawing/2014/main" id="{6EB5A766-9C35-4219-B581-3728C13CC74D}"/>
+              </a:ext>
+            </a:extLst>
+          </p:cNvPr>
+          <p:cNvSpPr/>
+          <p:nvPr/>
+        </p:nvSpPr>
+        <p:spPr>
+          <a:xfrm>
+            <a:off x="10141369" y="5548550"/>
+            <a:ext cx="253435" cy="212902"/>
+          </a:xfrm>
+          <a:prstGeom prst="ellipse">
+            <a:avLst/>
+          </a:prstGeom>
+          <a:solidFill>
+            <a:schemeClr val="tx1"/>
+          </a:solidFill>
+          <a:ln>
+            <a:solidFill>
+              <a:schemeClr val="tx1"/>
+            </a:solidFill>
+          </a:ln>
+        </p:spPr>
+        <p:style>
+          <a:lnRef idx="2">
+            <a:schemeClr val="accent1">
+              <a:shade val="50000"/>
+            </a:schemeClr>
+          </a:lnRef>
+          <a:fillRef idx="1">
+            <a:schemeClr val="accent1"/>
+          </a:fillRef>
+          <a:effectRef idx="0">
+            <a:schemeClr val="accent1"/>
+          </a:effectRef>
+          <a:fontRef idx="minor">
+            <a:schemeClr val="lt1"/>
+          </a:fontRef>
+        </p:style>
+        <p:txBody>
+          <a:bodyPr lIns="0" tIns="0" rIns="0" bIns="0" rtlCol="0" anchor="ctr"/>
+          <a:lstStyle/>
+          <a:p>
+            <a:pPr algn="ctr"/>
+            <a:r>
+              <a:rPr lang="en-US" sz="800" dirty="0">
+                <a:latin typeface="Arial" panose="020B0604020202020204" pitchFamily="34" charset="0"/>
+                <a:cs typeface="Arial" panose="020B0604020202020204" pitchFamily="34" charset="0"/>
+              </a:rPr>
+              <a:t>4.1</a:t>
+            </a:r>
+          </a:p>
+        </p:txBody>
+      </p:sp>
+      <p:sp>
+        <p:nvSpPr>
+          <p:cNvPr id="8" name="TextBox 7">
+            <a:extLst>
+              <a:ext uri="{FF2B5EF4-FFF2-40B4-BE49-F238E27FC236}">
+                <a16:creationId xmlns:a16="http://schemas.microsoft.com/office/drawing/2014/main" id="{1D1E9305-A17A-EC38-AB14-3DDDCD10046C}"/>
+              </a:ext>
+            </a:extLst>
+          </p:cNvPr>
+          <p:cNvSpPr txBox="1"/>
+          <p:nvPr/>
+        </p:nvSpPr>
+        <p:spPr>
+          <a:xfrm>
+            <a:off x="9937329" y="3048860"/>
+            <a:ext cx="1047687" cy="261610"/>
+          </a:xfrm>
+          <a:prstGeom prst="rect">
+            <a:avLst/>
+          </a:prstGeom>
+          <a:noFill/>
+        </p:spPr>
+        <p:txBody>
+          <a:bodyPr wrap="square" rtlCol="0">
+            <a:spAutoFit/>
+          </a:bodyPr>
+          <a:lstStyle/>
+          <a:p>
+            <a:pPr algn="ctr"/>
+            <a:r>
+              <a:rPr lang="en-US" sz="1100" dirty="0">
+                <a:latin typeface="Arial" panose="020B0604020202020204" pitchFamily="34" charset="0"/>
+                <a:cs typeface="Arial" panose="020B0604020202020204" pitchFamily="34" charset="0"/>
+              </a:rPr>
+              <a:t>Guard Duty</a:t>
+            </a:r>
+          </a:p>
+        </p:txBody>
+      </p:sp>
+      <p:pic>
+        <p:nvPicPr>
+          <p:cNvPr id="9" name="Graphic 19">
+            <a:extLst>
+              <a:ext uri="{FF2B5EF4-FFF2-40B4-BE49-F238E27FC236}">
+                <a16:creationId xmlns:a16="http://schemas.microsoft.com/office/drawing/2014/main" id="{35FA2CDC-1516-6EC5-6A0F-196A88CEAB3B}"/>
+              </a:ext>
+            </a:extLst>
+          </p:cNvPr>
+          <p:cNvPicPr>
+            <a:picLocks noChangeAspect="1" noChangeArrowheads="1"/>
+          </p:cNvPicPr>
+          <p:nvPr/>
+        </p:nvPicPr>
+        <p:blipFill>
+          <a:blip r:embed="rId15">
+            <a:extLst>
+              <a:ext uri="{28A0092B-C50C-407E-A947-70E740481C1C}">
+                <a14:useLocalDpi xmlns:a14="http://schemas.microsoft.com/office/drawing/2010/main" val="0"/>
+              </a:ext>
+            </a:extLst>
+          </a:blip>
+          <a:srcRect/>
+          <a:stretch>
+            <a:fillRect/>
+          </a:stretch>
+        </p:blipFill>
+        <p:spPr bwMode="auto">
+          <a:xfrm>
+            <a:off x="10230474" y="2629301"/>
+            <a:ext cx="457200" cy="457200"/>
+          </a:xfrm>
+          <a:prstGeom prst="rect">
+            <a:avLst/>
+          </a:prstGeom>
+          <a:noFill/>
+          <a:ln>
+            <a:noFill/>
+          </a:ln>
+          <a:extLst>
+            <a:ext uri="{909E8E84-426E-40DD-AFC4-6F175D3DCCD1}">
+              <a14:hiddenFill xmlns:a14="http://schemas.microsoft.com/office/drawing/2010/main">
+                <a:solidFill>
+                  <a:srgbClr val="FFFFFF"/>
+                </a:solidFill>
+              </a14:hiddenFill>
+            </a:ext>
+            <a:ext uri="{91240B29-F687-4F45-9708-019B960494DF}">
+              <a14:hiddenLine xmlns:a14="http://schemas.microsoft.com/office/drawing/2010/main" w="9525">
+                <a:solidFill>
+                  <a:srgbClr val="000000"/>
+                </a:solidFill>
+                <a:miter lim="800000"/>
+                <a:headEnd/>
+                <a:tailEnd/>
+              </a14:hiddenLine>
+            </a:ext>
+          </a:extLst>
+        </p:spPr>
+      </p:pic>
+      <p:sp>
+        <p:nvSpPr>
+          <p:cNvPr id="83" name="Oval 82">
+            <a:extLst>
+              <a:ext uri="{FF2B5EF4-FFF2-40B4-BE49-F238E27FC236}">
+                <a16:creationId xmlns:a16="http://schemas.microsoft.com/office/drawing/2014/main" id="{7FAA5BDA-59EE-924B-ACDA-6C50D7ABCDCD}"/>
+              </a:ext>
+            </a:extLst>
+          </p:cNvPr>
+          <p:cNvSpPr/>
+          <p:nvPr/>
+        </p:nvSpPr>
+        <p:spPr>
+          <a:xfrm>
+            <a:off x="10127080" y="2545969"/>
+            <a:ext cx="253435" cy="212902"/>
+          </a:xfrm>
+          <a:prstGeom prst="ellipse">
+            <a:avLst/>
+          </a:prstGeom>
+          <a:solidFill>
+            <a:schemeClr val="tx1"/>
+          </a:solidFill>
+          <a:ln>
+            <a:solidFill>
+              <a:schemeClr val="tx1"/>
+            </a:solidFill>
+          </a:ln>
+        </p:spPr>
+        <p:style>
+          <a:lnRef idx="2">
+            <a:schemeClr val="accent1">
+              <a:shade val="50000"/>
+            </a:schemeClr>
+          </a:lnRef>
+          <a:fillRef idx="1">
+            <a:schemeClr val="accent1"/>
+          </a:fillRef>
+          <a:effectRef idx="0">
+            <a:schemeClr val="accent1"/>
+          </a:effectRef>
+          <a:fontRef idx="minor">
+            <a:schemeClr val="lt1"/>
+          </a:fontRef>
+        </p:style>
+        <p:txBody>
+          <a:bodyPr lIns="0" tIns="0" rIns="0" bIns="0" rtlCol="0" anchor="ctr"/>
+          <a:lstStyle/>
+          <a:p>
+            <a:pPr algn="ctr"/>
+            <a:r>
+              <a:rPr lang="en-US" sz="800" dirty="0">
+                <a:latin typeface="Arial" panose="020B0604020202020204" pitchFamily="34" charset="0"/>
+                <a:cs typeface="Arial" panose="020B0604020202020204" pitchFamily="34" charset="0"/>
+              </a:rPr>
+              <a:t>2.2</a:t>
+            </a:r>
+          </a:p>
+        </p:txBody>
+      </p:sp>
+      <p:sp>
+        <p:nvSpPr>
+          <p:cNvPr id="10" name="TextBox 2">
+            <a:extLst>
+              <a:ext uri="{FF2B5EF4-FFF2-40B4-BE49-F238E27FC236}">
+                <a16:creationId xmlns:a16="http://schemas.microsoft.com/office/drawing/2014/main" id="{823FE5CB-AB7D-9C14-DC7B-79D473DA20DB}"/>
+              </a:ext>
+            </a:extLst>
+          </p:cNvPr>
+          <p:cNvSpPr txBox="1"/>
+          <p:nvPr/>
+        </p:nvSpPr>
+        <p:spPr>
+          <a:xfrm>
+            <a:off x="7937638" y="2487803"/>
+            <a:ext cx="834101" cy="430887"/>
+          </a:xfrm>
+          <a:prstGeom prst="rect">
+            <a:avLst/>
+          </a:prstGeom>
+          <a:noFill/>
+        </p:spPr>
+        <p:style>
+          <a:lnRef idx="0">
+            <a:scrgbClr r="0" g="0" b="0"/>
+          </a:lnRef>
+          <a:fillRef idx="0">
+            <a:scrgbClr r="0" g="0" b="0"/>
+          </a:fillRef>
+          <a:effectRef idx="0">
+            <a:scrgbClr r="0" g="0" b="0"/>
+          </a:effectRef>
+          <a:fontRef idx="major"/>
+        </p:style>
+        <p:txBody>
+          <a:bodyPr wrap="square" rtlCol="0">
+            <a:spAutoFit/>
+          </a:bodyPr>
+          <a:lstStyle>
+            <a:lvl1pPr>
+              <a:defRPr>
+                <a:latin typeface="+mj-lt"/>
+                <a:ea typeface="+mj-ea"/>
+                <a:cs typeface="+mj-cs"/>
+              </a:defRPr>
+            </a:lvl1pPr>
+            <a:lvl2pPr>
+              <a:defRPr>
+                <a:latin typeface="+mj-lt"/>
+                <a:ea typeface="+mj-ea"/>
+                <a:cs typeface="+mj-cs"/>
+              </a:defRPr>
+            </a:lvl2pPr>
+            <a:lvl3pPr>
+              <a:defRPr>
+                <a:latin typeface="+mj-lt"/>
+                <a:ea typeface="+mj-ea"/>
+                <a:cs typeface="+mj-cs"/>
+              </a:defRPr>
+            </a:lvl3pPr>
+            <a:lvl4pPr>
+              <a:defRPr>
+                <a:latin typeface="+mj-lt"/>
+                <a:ea typeface="+mj-ea"/>
+                <a:cs typeface="+mj-cs"/>
+              </a:defRPr>
+            </a:lvl4pPr>
+            <a:lvl5pPr>
+              <a:defRPr>
+                <a:latin typeface="+mj-lt"/>
+                <a:ea typeface="+mj-ea"/>
+                <a:cs typeface="+mj-cs"/>
+              </a:defRPr>
+            </a:lvl5pPr>
+            <a:lvl6pPr>
+              <a:defRPr>
+                <a:latin typeface="+mj-lt"/>
+                <a:ea typeface="+mj-ea"/>
+                <a:cs typeface="+mj-cs"/>
+              </a:defRPr>
+            </a:lvl6pPr>
+            <a:lvl7pPr>
+              <a:defRPr>
+                <a:latin typeface="+mj-lt"/>
+                <a:ea typeface="+mj-ea"/>
+                <a:cs typeface="+mj-cs"/>
+              </a:defRPr>
+            </a:lvl7pPr>
+            <a:lvl8pPr>
+              <a:defRPr>
+                <a:latin typeface="+mj-lt"/>
+                <a:ea typeface="+mj-ea"/>
+                <a:cs typeface="+mj-cs"/>
+              </a:defRPr>
+            </a:lvl8pPr>
+            <a:lvl9pPr>
+              <a:defRPr>
+                <a:latin typeface="+mj-lt"/>
+                <a:ea typeface="+mj-ea"/>
+                <a:cs typeface="+mj-cs"/>
+              </a:defRPr>
+            </a:lvl9pPr>
+          </a:lstStyle>
+          <a:p>
+            <a:pPr algn="ctr"/>
+            <a:r>
+              <a:rPr lang="en-US" sz="1100" dirty="0">
+                <a:latin typeface="Arial" panose="020B0604020202020204" pitchFamily="34" charset="0"/>
+                <a:cs typeface="Arial" panose="020B0604020202020204" pitchFamily="34" charset="0"/>
+              </a:rPr>
+              <a:t>Delivery S3 Bucket</a:t>
+            </a:r>
+          </a:p>
+        </p:txBody>
+      </p:sp>
+      <p:pic>
+        <p:nvPicPr>
+          <p:cNvPr id="11" name="Graphic 14">
+            <a:extLst>
+              <a:ext uri="{FF2B5EF4-FFF2-40B4-BE49-F238E27FC236}">
+                <a16:creationId xmlns:a16="http://schemas.microsoft.com/office/drawing/2014/main" id="{ACD013EF-7A3B-1E20-EBAB-C3876104F764}"/>
+              </a:ext>
+            </a:extLst>
+          </p:cNvPr>
+          <p:cNvPicPr>
+            <a:picLocks noChangeAspect="1" noChangeArrowheads="1"/>
+          </p:cNvPicPr>
+          <p:nvPr/>
+        </p:nvPicPr>
+        <p:blipFill>
+          <a:blip r:embed="rId16">
+            <a:extLst>
+              <a:ext uri="{28A0092B-C50C-407E-A947-70E740481C1C}">
+                <a14:useLocalDpi xmlns:a14="http://schemas.microsoft.com/office/drawing/2010/main" val="0"/>
+              </a:ext>
+            </a:extLst>
+          </a:blip>
+          <a:srcRect/>
+          <a:stretch>
+            <a:fillRect/>
+          </a:stretch>
+        </p:blipFill>
+        <p:spPr bwMode="auto">
+          <a:xfrm>
+            <a:off x="8126582" y="2048429"/>
+            <a:ext cx="457200" cy="457200"/>
+          </a:xfrm>
+          <a:prstGeom prst="rect">
+            <a:avLst/>
+          </a:prstGeom>
+          <a:noFill/>
+          <a:ln>
+            <a:noFill/>
+          </a:ln>
+          <a:extLst>
+            <a:ext uri="{909E8E84-426E-40DD-AFC4-6F175D3DCCD1}">
+              <a14:hiddenFill xmlns:a14="http://schemas.microsoft.com/office/drawing/2010/main">
+                <a:solidFill>
+                  <a:srgbClr val="FFFFFF"/>
+                </a:solidFill>
+              </a14:hiddenFill>
+            </a:ext>
+            <a:ext uri="{91240B29-F687-4F45-9708-019B960494DF}">
+              <a14:hiddenLine xmlns:a14="http://schemas.microsoft.com/office/drawing/2010/main" w="9525">
+                <a:solidFill>
+                  <a:srgbClr val="000000"/>
+                </a:solidFill>
+                <a:miter lim="800000"/>
+                <a:headEnd/>
+                <a:tailEnd/>
+              </a14:hiddenLine>
+            </a:ext>
+          </a:extLst>
+        </p:spPr>
+      </p:pic>
+      <p:sp>
+        <p:nvSpPr>
+          <p:cNvPr id="86" name="Oval 85">
+            <a:extLst>
+              <a:ext uri="{FF2B5EF4-FFF2-40B4-BE49-F238E27FC236}">
+                <a16:creationId xmlns:a16="http://schemas.microsoft.com/office/drawing/2014/main" id="{35153FDD-FB22-B342-84E8-288ECF8E2988}"/>
+              </a:ext>
+            </a:extLst>
+          </p:cNvPr>
+          <p:cNvSpPr/>
+          <p:nvPr/>
+        </p:nvSpPr>
+        <p:spPr>
+          <a:xfrm>
+            <a:off x="8050829" y="2006591"/>
+            <a:ext cx="253435" cy="212902"/>
+          </a:xfrm>
+          <a:prstGeom prst="ellipse">
+            <a:avLst/>
+          </a:prstGeom>
+          <a:solidFill>
+            <a:schemeClr val="tx1"/>
+          </a:solidFill>
+          <a:ln>
+            <a:solidFill>
+              <a:schemeClr val="tx1"/>
+            </a:solidFill>
+          </a:ln>
+        </p:spPr>
+        <p:style>
+          <a:lnRef idx="2">
+            <a:schemeClr val="accent1">
+              <a:shade val="50000"/>
+            </a:schemeClr>
+          </a:lnRef>
+          <a:fillRef idx="1">
+            <a:schemeClr val="accent1"/>
+          </a:fillRef>
+          <a:effectRef idx="0">
+            <a:schemeClr val="accent1"/>
+          </a:effectRef>
+          <a:fontRef idx="minor">
+            <a:schemeClr val="lt1"/>
+          </a:fontRef>
+        </p:style>
+        <p:txBody>
+          <a:bodyPr lIns="0" tIns="0" rIns="0" bIns="0" rtlCol="0" anchor="ctr"/>
+          <a:lstStyle/>
+          <a:p>
+            <a:pPr algn="ctr"/>
+            <a:r>
+              <a:rPr lang="en-US" sz="800" dirty="0">
+                <a:latin typeface="Arial" panose="020B0604020202020204" pitchFamily="34" charset="0"/>
+                <a:cs typeface="Arial" panose="020B0604020202020204" pitchFamily="34" charset="0"/>
+              </a:rPr>
+              <a:t>2.1</a:t>
+            </a:r>
+          </a:p>
+        </p:txBody>
+      </p:sp>
+      <p:pic>
+        <p:nvPicPr>
+          <p:cNvPr id="36" name="Graphic 7">
+            <a:extLst>
+              <a:ext uri="{FF2B5EF4-FFF2-40B4-BE49-F238E27FC236}">
+                <a16:creationId xmlns:a16="http://schemas.microsoft.com/office/drawing/2014/main" id="{30F64005-F015-BF94-01DA-63D7C4A4406F}"/>
+              </a:ext>
+            </a:extLst>
+          </p:cNvPr>
+          <p:cNvPicPr>
+            <a:picLocks noChangeAspect="1" noChangeArrowheads="1"/>
+          </p:cNvPicPr>
+          <p:nvPr/>
+        </p:nvPicPr>
+        <p:blipFill>
+          <a:blip r:embed="rId17">
+            <a:extLst>
+              <a:ext uri="{28A0092B-C50C-407E-A947-70E740481C1C}">
+                <a14:useLocalDpi xmlns:a14="http://schemas.microsoft.com/office/drawing/2010/main" val="0"/>
+              </a:ext>
+            </a:extLst>
+          </a:blip>
+          <a:srcRect/>
+          <a:stretch>
+            <a:fillRect/>
+          </a:stretch>
+        </p:blipFill>
+        <p:spPr bwMode="auto">
+          <a:xfrm>
+            <a:off x="2685176" y="5211055"/>
+            <a:ext cx="457200" cy="457200"/>
+          </a:xfrm>
+          <a:prstGeom prst="rect">
+            <a:avLst/>
+          </a:prstGeom>
+          <a:noFill/>
+          <a:ln>
+            <a:noFill/>
+          </a:ln>
+          <a:extLst>
+            <a:ext uri="{909E8E84-426E-40DD-AFC4-6F175D3DCCD1}">
+              <a14:hiddenFill xmlns:a14="http://schemas.microsoft.com/office/drawing/2010/main">
+                <a:solidFill>
+                  <a:srgbClr val="FFFFFF"/>
+                </a:solidFill>
+              </a14:hiddenFill>
+            </a:ext>
+            <a:ext uri="{91240B29-F687-4F45-9708-019B960494DF}">
+              <a14:hiddenLine xmlns:a14="http://schemas.microsoft.com/office/drawing/2010/main" w="9525">
+                <a:solidFill>
+                  <a:srgbClr val="000000"/>
+                </a:solidFill>
+                <a:miter lim="800000"/>
+                <a:headEnd/>
+                <a:tailEnd/>
+              </a14:hiddenLine>
+            </a:ext>
+          </a:extLst>
+        </p:spPr>
+      </p:pic>
+      <p:sp>
+        <p:nvSpPr>
+          <p:cNvPr id="37" name="TextBox 36">
+            <a:extLst>
+              <a:ext uri="{FF2B5EF4-FFF2-40B4-BE49-F238E27FC236}">
+                <a16:creationId xmlns:a16="http://schemas.microsoft.com/office/drawing/2014/main" id="{77098F96-AD47-76CF-7896-FA55D5941344}"/>
+              </a:ext>
+            </a:extLst>
+          </p:cNvPr>
+          <p:cNvSpPr txBox="1"/>
+          <p:nvPr/>
+        </p:nvSpPr>
+        <p:spPr>
+          <a:xfrm>
+            <a:off x="2380630" y="5665041"/>
+            <a:ext cx="1115962" cy="430887"/>
+          </a:xfrm>
+          <a:prstGeom prst="rect">
+            <a:avLst/>
+          </a:prstGeom>
+          <a:noFill/>
+        </p:spPr>
+        <p:txBody>
+          <a:bodyPr wrap="square" rtlCol="0">
+            <a:spAutoFit/>
+          </a:bodyPr>
+          <a:lstStyle/>
+          <a:p>
+            <a:pPr algn="ctr"/>
+            <a:r>
+              <a:rPr lang="en-US" sz="1100" dirty="0">
+                <a:latin typeface="Arial" panose="020B0604020202020204" pitchFamily="34" charset="0"/>
+                <a:cs typeface="Arial" panose="020B0604020202020204" pitchFamily="34" charset="0"/>
+              </a:rPr>
+              <a:t>Delivery KMS Key</a:t>
+            </a:r>
+          </a:p>
+        </p:txBody>
+      </p:sp>
+      <p:sp>
+        <p:nvSpPr>
+          <p:cNvPr id="38" name="Oval 37">
+            <a:extLst>
+              <a:ext uri="{FF2B5EF4-FFF2-40B4-BE49-F238E27FC236}">
+                <a16:creationId xmlns:a16="http://schemas.microsoft.com/office/drawing/2014/main" id="{4D62BE70-7F79-0946-0611-005B207927B3}"/>
+              </a:ext>
+            </a:extLst>
+          </p:cNvPr>
+          <p:cNvSpPr/>
+          <p:nvPr/>
+        </p:nvSpPr>
+        <p:spPr>
+          <a:xfrm>
+            <a:off x="2585247" y="5137708"/>
+            <a:ext cx="253435" cy="212902"/>
+          </a:xfrm>
+          <a:prstGeom prst="ellipse">
+            <a:avLst/>
+          </a:prstGeom>
+          <a:solidFill>
+            <a:schemeClr val="tx1"/>
+          </a:solidFill>
+          <a:ln>
+            <a:solidFill>
+              <a:schemeClr val="tx1"/>
+            </a:solidFill>
+          </a:ln>
+        </p:spPr>
+        <p:style>
+          <a:lnRef idx="2">
+            <a:schemeClr val="accent1">
+              <a:shade val="50000"/>
+            </a:schemeClr>
+          </a:lnRef>
+          <a:fillRef idx="1">
+            <a:schemeClr val="accent1"/>
+          </a:fillRef>
+          <a:effectRef idx="0">
+            <a:schemeClr val="accent1"/>
+          </a:effectRef>
+          <a:fontRef idx="minor">
+            <a:schemeClr val="lt1"/>
+          </a:fontRef>
+        </p:style>
+        <p:txBody>
+          <a:bodyPr lIns="0" tIns="0" rIns="0" bIns="0" rtlCol="0" anchor="ctr"/>
+          <a:lstStyle/>
+          <a:p>
+            <a:pPr algn="ctr"/>
+            <a:r>
+              <a:rPr lang="en-US" sz="800" dirty="0">
+                <a:latin typeface="Arial" panose="020B0604020202020204" pitchFamily="34" charset="0"/>
+                <a:cs typeface="Arial" panose="020B0604020202020204" pitchFamily="34" charset="0"/>
+              </a:rPr>
+              <a:t>3.1</a:t>
+            </a:r>
+          </a:p>
+        </p:txBody>
+      </p:sp>
+      <p:sp>
+        <p:nvSpPr>
+          <p:cNvPr id="39" name="Rectangle 38">
+            <a:extLst>
+              <a:ext uri="{FF2B5EF4-FFF2-40B4-BE49-F238E27FC236}">
+                <a16:creationId xmlns:a16="http://schemas.microsoft.com/office/drawing/2014/main" id="{2AE12A14-948F-19D6-0A20-04834AAAB046}"/>
+              </a:ext>
+            </a:extLst>
+          </p:cNvPr>
+          <p:cNvSpPr/>
+          <p:nvPr/>
+        </p:nvSpPr>
+        <p:spPr>
+          <a:xfrm>
+            <a:off x="654509" y="4213389"/>
+            <a:ext cx="6573634" cy="2353120"/>
+          </a:xfrm>
+          <a:prstGeom prst="rect">
+            <a:avLst/>
+          </a:prstGeom>
+          <a:noFill/>
+          <a:ln w="12700">
+            <a:solidFill>
+              <a:srgbClr val="CD2264"/>
+            </a:solidFill>
+          </a:ln>
+        </p:spPr>
+        <p:style>
+          <a:lnRef idx="2">
+            <a:schemeClr val="accent1">
+              <a:shade val="50000"/>
+            </a:schemeClr>
+          </a:lnRef>
+          <a:fillRef idx="1">
+            <a:schemeClr val="accent1"/>
+          </a:fillRef>
+          <a:effectRef idx="0">
+            <a:schemeClr val="accent1"/>
+          </a:effectRef>
+          <a:fontRef idx="minor">
+            <a:schemeClr val="lt1"/>
+          </a:fontRef>
+        </p:style>
+        <p:txBody>
+          <a:bodyPr lIns="502920" tIns="91440"/>
+          <a:lstStyle/>
+          <a:p>
+            <a:pPr eaLnBrk="1" fontAlgn="auto" hangingPunct="1">
+              <a:spcBef>
+                <a:spcPts val="0"/>
+              </a:spcBef>
+              <a:spcAft>
+                <a:spcPts val="0"/>
+              </a:spcAft>
+              <a:defRPr/>
+            </a:pPr>
+            <a:r>
+              <a:rPr lang="en-US" sz="1200" dirty="0">
+                <a:solidFill>
+                  <a:srgbClr val="CD2264"/>
+                </a:solidFill>
+                <a:latin typeface="Arial" panose="020B0604020202020204" pitchFamily="34" charset="0"/>
+                <a:cs typeface="Arial" panose="020B0604020202020204" pitchFamily="34" charset="0"/>
+              </a:rPr>
+              <a:t>Audit Account</a:t>
+            </a:r>
+          </a:p>
+        </p:txBody>
+      </p:sp>
+      <p:sp>
+        <p:nvSpPr>
+          <p:cNvPr id="41" name="Rectangle 40">
+            <a:extLst>
+              <a:ext uri="{FF2B5EF4-FFF2-40B4-BE49-F238E27FC236}">
+                <a16:creationId xmlns:a16="http://schemas.microsoft.com/office/drawing/2014/main" id="{B705DAB5-4C76-AC47-00D8-F9F3F074C202}"/>
+              </a:ext>
+            </a:extLst>
+          </p:cNvPr>
+          <p:cNvSpPr/>
+          <p:nvPr/>
+        </p:nvSpPr>
+        <p:spPr>
+          <a:xfrm>
+            <a:off x="1135199" y="4523373"/>
+            <a:ext cx="5890539" cy="1924132"/>
+          </a:xfrm>
+          <a:prstGeom prst="rect">
+            <a:avLst/>
+          </a:prstGeom>
+          <a:noFill/>
+          <a:ln w="12700">
+            <a:solidFill>
+              <a:srgbClr val="5B9CD5"/>
+            </a:solidFill>
+            <a:prstDash val="sysDash"/>
+          </a:ln>
+        </p:spPr>
+        <p:style>
+          <a:lnRef idx="2">
+            <a:schemeClr val="accent1">
+              <a:shade val="50000"/>
+            </a:schemeClr>
+          </a:lnRef>
+          <a:fillRef idx="1">
+            <a:schemeClr val="accent1"/>
+          </a:fillRef>
+          <a:effectRef idx="0">
+            <a:schemeClr val="accent1"/>
+          </a:effectRef>
+          <a:fontRef idx="minor">
+            <a:schemeClr val="lt1"/>
+          </a:fontRef>
+        </p:style>
+        <p:txBody>
+          <a:bodyPr lIns="502920" tIns="91440"/>
+          <a:lstStyle/>
+          <a:p>
+            <a:pPr eaLnBrk="1" fontAlgn="auto" hangingPunct="1">
+              <a:spcBef>
+                <a:spcPts val="0"/>
+              </a:spcBef>
+              <a:spcAft>
+                <a:spcPts val="0"/>
+              </a:spcAft>
+              <a:defRPr/>
+            </a:pPr>
+            <a:r>
+              <a:rPr lang="en-US" sz="1200" dirty="0">
+                <a:solidFill>
+                  <a:srgbClr val="5B9CD5"/>
+                </a:solidFill>
+                <a:latin typeface="Arial" panose="020B0604020202020204" pitchFamily="34" charset="0"/>
+                <a:cs typeface="Arial" panose="020B0604020202020204" pitchFamily="34" charset="0"/>
+              </a:rPr>
+              <a:t>Home Region</a:t>
+            </a:r>
+          </a:p>
+        </p:txBody>
+      </p:sp>
+      <p:pic>
+        <p:nvPicPr>
+          <p:cNvPr id="42" name="Graphic 41">
+            <a:extLst>
+              <a:ext uri="{FF2B5EF4-FFF2-40B4-BE49-F238E27FC236}">
+                <a16:creationId xmlns:a16="http://schemas.microsoft.com/office/drawing/2014/main" id="{6E44F0B1-49B0-AD77-0C26-EBC49FA770FD}"/>
+              </a:ext>
+            </a:extLst>
+          </p:cNvPr>
+          <p:cNvPicPr>
+            <a:picLocks noChangeAspect="1"/>
+          </p:cNvPicPr>
+          <p:nvPr/>
+        </p:nvPicPr>
+        <p:blipFill>
+          <a:blip r:embed="rId12">
+            <a:extLst>
+              <a:ext uri="{96DAC541-7B7A-43D3-8B79-37D633B846F1}">
+                <asvg:svgBlip xmlns:asvg="http://schemas.microsoft.com/office/drawing/2016/SVG/main" r:embed="rId13"/>
+              </a:ext>
+            </a:extLst>
+          </a:blip>
+          <a:stretch>
+            <a:fillRect/>
+          </a:stretch>
+        </p:blipFill>
+        <p:spPr>
+          <a:xfrm>
+            <a:off x="1142129" y="4522317"/>
+            <a:ext cx="366179" cy="338804"/>
+          </a:xfrm>
+          <a:prstGeom prst="rect">
+            <a:avLst/>
+          </a:prstGeom>
+        </p:spPr>
+      </p:pic>
+      <p:pic>
+        <p:nvPicPr>
+          <p:cNvPr id="52" name="Graphic 51">
+            <a:extLst>
+              <a:ext uri="{FF2B5EF4-FFF2-40B4-BE49-F238E27FC236}">
+                <a16:creationId xmlns:a16="http://schemas.microsoft.com/office/drawing/2014/main" id="{80469FE4-AE33-6A6F-5C40-F873CB3DDD56}"/>
+              </a:ext>
+            </a:extLst>
+          </p:cNvPr>
+          <p:cNvPicPr>
+            <a:picLocks noChangeAspect="1"/>
+          </p:cNvPicPr>
+          <p:nvPr/>
+        </p:nvPicPr>
+        <p:blipFill>
+          <a:blip r:embed="rId6">
+            <a:extLst>
+              <a:ext uri="{96DAC541-7B7A-43D3-8B79-37D633B846F1}">
+                <asvg:svgBlip xmlns:asvg="http://schemas.microsoft.com/office/drawing/2016/SVG/main" r:embed="rId7"/>
+              </a:ext>
+            </a:extLst>
+          </a:blip>
+          <a:stretch>
+            <a:fillRect/>
+          </a:stretch>
+        </p:blipFill>
+        <p:spPr>
+          <a:xfrm>
+            <a:off x="654509" y="4213389"/>
+            <a:ext cx="381903" cy="354864"/>
+          </a:xfrm>
+          <a:prstGeom prst="rect">
+            <a:avLst/>
+          </a:prstGeom>
+        </p:spPr>
+      </p:pic>
+      <p:cxnSp>
+        <p:nvCxnSpPr>
+          <p:cNvPr id="62" name="Straight Arrow Connector 61">
+            <a:extLst>
+              <a:ext uri="{FF2B5EF4-FFF2-40B4-BE49-F238E27FC236}">
+                <a16:creationId xmlns:a16="http://schemas.microsoft.com/office/drawing/2014/main" id="{E6A7F377-89C2-3D2F-7D0D-1FF84239F4B5}"/>
+              </a:ext>
+            </a:extLst>
+          </p:cNvPr>
+          <p:cNvCxnSpPr>
+            <a:cxnSpLocks/>
+          </p:cNvCxnSpPr>
+          <p:nvPr/>
+        </p:nvCxnSpPr>
+        <p:spPr>
+          <a:xfrm>
+            <a:off x="3103682" y="2064398"/>
+            <a:ext cx="316106" cy="229059"/>
+          </a:xfrm>
+          <a:prstGeom prst="straightConnector1">
+            <a:avLst/>
+          </a:prstGeom>
+          <a:ln>
+            <a:headEnd type="triangle"/>
+            <a:tailEnd type="triangle"/>
+          </a:ln>
+        </p:spPr>
+        <p:style>
+          <a:lnRef idx="1">
+            <a:schemeClr val="dk1"/>
+          </a:lnRef>
+          <a:fillRef idx="0">
+            <a:schemeClr val="dk1"/>
+          </a:fillRef>
+          <a:effectRef idx="0">
+            <a:schemeClr val="dk1"/>
+          </a:effectRef>
+          <a:fontRef idx="minor">
+            <a:schemeClr val="tx1"/>
+          </a:fontRef>
+        </p:style>
+      </p:cxnSp>
+      <p:sp>
+        <p:nvSpPr>
+          <p:cNvPr id="67" name="TextBox 66">
+            <a:extLst>
+              <a:ext uri="{FF2B5EF4-FFF2-40B4-BE49-F238E27FC236}">
+                <a16:creationId xmlns:a16="http://schemas.microsoft.com/office/drawing/2014/main" id="{36A9DB3A-A056-D34D-AB74-F5D04081FA71}"/>
+              </a:ext>
+            </a:extLst>
+          </p:cNvPr>
+          <p:cNvSpPr txBox="1"/>
+          <p:nvPr/>
+        </p:nvSpPr>
+        <p:spPr>
+          <a:xfrm>
+            <a:off x="3500622" y="5649623"/>
+            <a:ext cx="1103001" cy="430887"/>
+          </a:xfrm>
+          <a:prstGeom prst="rect">
+            <a:avLst/>
+          </a:prstGeom>
+          <a:noFill/>
+        </p:spPr>
+        <p:txBody>
+          <a:bodyPr wrap="square" rtlCol="0">
+            <a:spAutoFit/>
+          </a:bodyPr>
+          <a:lstStyle/>
+          <a:p>
+            <a:pPr algn="ctr"/>
+            <a:r>
+              <a:rPr lang="en-US" sz="1100" dirty="0">
+                <a:latin typeface="Arial" panose="020B0604020202020204" pitchFamily="34" charset="0"/>
+                <a:cs typeface="Arial" panose="020B0604020202020204" pitchFamily="34" charset="0"/>
+              </a:rPr>
+              <a:t>Configuration Role</a:t>
+            </a:r>
+          </a:p>
+        </p:txBody>
+      </p:sp>
+      <p:pic>
+        <p:nvPicPr>
+          <p:cNvPr id="69" name="Graphic 68">
+            <a:extLst>
+              <a:ext uri="{FF2B5EF4-FFF2-40B4-BE49-F238E27FC236}">
+                <a16:creationId xmlns:a16="http://schemas.microsoft.com/office/drawing/2014/main" id="{67C016E4-BD77-26A3-F229-068EB6A6F53E}"/>
+              </a:ext>
+            </a:extLst>
+          </p:cNvPr>
+          <p:cNvPicPr>
+            <a:picLocks noChangeAspect="1"/>
+          </p:cNvPicPr>
+          <p:nvPr/>
+        </p:nvPicPr>
+        <p:blipFill>
+          <a:blip r:embed="rId18">
+            <a:extLst>
+              <a:ext uri="{96DAC541-7B7A-43D3-8B79-37D633B846F1}">
+                <asvg:svgBlip xmlns:asvg="http://schemas.microsoft.com/office/drawing/2016/SVG/main" r:embed="rId19"/>
+              </a:ext>
+            </a:extLst>
+          </a:blip>
+          <a:stretch>
+            <a:fillRect/>
+          </a:stretch>
+        </p:blipFill>
+        <p:spPr>
+          <a:xfrm>
+            <a:off x="3782563" y="5216129"/>
+            <a:ext cx="469900" cy="469900"/>
+          </a:xfrm>
+          <a:prstGeom prst="rect">
+            <a:avLst/>
+          </a:prstGeom>
+        </p:spPr>
+      </p:pic>
+      <p:sp>
+        <p:nvSpPr>
+          <p:cNvPr id="70" name="Oval 69">
+            <a:extLst>
+              <a:ext uri="{FF2B5EF4-FFF2-40B4-BE49-F238E27FC236}">
+                <a16:creationId xmlns:a16="http://schemas.microsoft.com/office/drawing/2014/main" id="{4240976C-6CB9-C942-158D-E3809A03ECA7}"/>
+              </a:ext>
+            </a:extLst>
+          </p:cNvPr>
+          <p:cNvSpPr/>
+          <p:nvPr/>
+        </p:nvSpPr>
+        <p:spPr>
+          <a:xfrm>
+            <a:off x="3626313" y="5133348"/>
+            <a:ext cx="253435" cy="212902"/>
+          </a:xfrm>
+          <a:prstGeom prst="ellipse">
+            <a:avLst/>
+          </a:prstGeom>
+          <a:solidFill>
+            <a:schemeClr val="tx1"/>
+          </a:solidFill>
+          <a:ln>
+            <a:solidFill>
+              <a:schemeClr val="tx1"/>
+            </a:solidFill>
+          </a:ln>
+        </p:spPr>
+        <p:style>
+          <a:lnRef idx="2">
+            <a:schemeClr val="accent1">
+              <a:shade val="50000"/>
+            </a:schemeClr>
+          </a:lnRef>
+          <a:fillRef idx="1">
+            <a:schemeClr val="accent1"/>
+          </a:fillRef>
+          <a:effectRef idx="0">
+            <a:schemeClr val="accent1"/>
+          </a:effectRef>
+          <a:fontRef idx="minor">
+            <a:schemeClr val="lt1"/>
+          </a:fontRef>
+        </p:style>
+        <p:txBody>
+          <a:bodyPr lIns="0" tIns="0" rIns="0" bIns="0" rtlCol="0" anchor="ctr"/>
+          <a:lstStyle/>
+          <a:p>
+            <a:pPr algn="ctr"/>
+            <a:r>
+              <a:rPr lang="en-US" sz="800" dirty="0">
+                <a:latin typeface="Arial" panose="020B0604020202020204" pitchFamily="34" charset="0"/>
+                <a:cs typeface="Arial" panose="020B0604020202020204" pitchFamily="34" charset="0"/>
+              </a:rPr>
+              <a:t>3.2</a:t>
+            </a:r>
+          </a:p>
+        </p:txBody>
+      </p:sp>
+      <p:sp>
+        <p:nvSpPr>
+          <p:cNvPr id="80" name="Rectangle 79">
+            <a:extLst>
+              <a:ext uri="{FF2B5EF4-FFF2-40B4-BE49-F238E27FC236}">
+                <a16:creationId xmlns:a16="http://schemas.microsoft.com/office/drawing/2014/main" id="{83276C01-F3DB-DBB4-9C25-5F0F5DA02243}"/>
+              </a:ext>
+            </a:extLst>
+          </p:cNvPr>
+          <p:cNvSpPr/>
+          <p:nvPr/>
+        </p:nvSpPr>
+        <p:spPr>
+          <a:xfrm>
+            <a:off x="5172076" y="4610482"/>
+            <a:ext cx="1275435" cy="1307692"/>
+          </a:xfrm>
+          <a:prstGeom prst="rect">
+            <a:avLst/>
+          </a:prstGeom>
+          <a:solidFill>
+            <a:schemeClr val="bg1"/>
+          </a:solidFill>
+          <a:ln w="12700">
+            <a:solidFill>
+              <a:srgbClr val="5B9CD5"/>
+            </a:solidFill>
+            <a:prstDash val="sysDash"/>
+          </a:ln>
+          <a:effectLst>
+            <a:outerShdw blurRad="50800" dist="38100" dir="13500000" algn="br" rotWithShape="0">
+              <a:prstClr val="black">
+                <a:alpha val="40000"/>
+              </a:prstClr>
+            </a:outerShdw>
+          </a:effectLst>
+        </p:spPr>
+        <p:style>
+          <a:lnRef idx="2">
+            <a:schemeClr val="accent1">
+              <a:shade val="50000"/>
+            </a:schemeClr>
+          </a:lnRef>
+          <a:fillRef idx="1">
+            <a:schemeClr val="accent1"/>
+          </a:fillRef>
+          <a:effectRef idx="0">
+            <a:schemeClr val="accent1"/>
+          </a:effectRef>
+          <a:fontRef idx="minor">
+            <a:schemeClr val="lt1"/>
+          </a:fontRef>
+        </p:style>
+        <p:txBody>
+          <a:bodyPr lIns="502920" tIns="91440"/>
+          <a:lstStyle/>
+          <a:p>
+            <a:pPr eaLnBrk="1" fontAlgn="auto" hangingPunct="1">
+              <a:spcBef>
+                <a:spcPts val="0"/>
+              </a:spcBef>
+              <a:spcAft>
+                <a:spcPts val="0"/>
+              </a:spcAft>
+              <a:defRPr/>
+            </a:pPr>
+            <a:r>
+              <a:rPr lang="en-US" sz="1200" dirty="0">
+                <a:solidFill>
+                  <a:srgbClr val="5B9CD5"/>
+                </a:solidFill>
+                <a:latin typeface="Arial" panose="020B0604020202020204" pitchFamily="34" charset="0"/>
+                <a:cs typeface="Arial" panose="020B0604020202020204" pitchFamily="34" charset="0"/>
+              </a:rPr>
+              <a:t>Region 1</a:t>
+            </a:r>
+          </a:p>
+        </p:txBody>
+      </p:sp>
+      <p:pic>
+        <p:nvPicPr>
+          <p:cNvPr id="89" name="Graphic 88">
+            <a:extLst>
+              <a:ext uri="{FF2B5EF4-FFF2-40B4-BE49-F238E27FC236}">
+                <a16:creationId xmlns:a16="http://schemas.microsoft.com/office/drawing/2014/main" id="{0135EB32-6837-A56A-6EAA-0BCCEC1AABDA}"/>
+              </a:ext>
+            </a:extLst>
+          </p:cNvPr>
+          <p:cNvPicPr>
+            <a:picLocks noChangeAspect="1"/>
+          </p:cNvPicPr>
+          <p:nvPr/>
+        </p:nvPicPr>
+        <p:blipFill>
+          <a:blip r:embed="rId12">
+            <a:extLst>
+              <a:ext uri="{96DAC541-7B7A-43D3-8B79-37D633B846F1}">
+                <asvg:svgBlip xmlns:asvg="http://schemas.microsoft.com/office/drawing/2016/SVG/main" r:embed="rId13"/>
+              </a:ext>
+            </a:extLst>
+          </a:blip>
+          <a:stretch>
+            <a:fillRect/>
+          </a:stretch>
+        </p:blipFill>
+        <p:spPr>
+          <a:xfrm>
+            <a:off x="5167896" y="4604130"/>
+            <a:ext cx="442506" cy="391567"/>
+          </a:xfrm>
+          <a:prstGeom prst="rect">
+            <a:avLst/>
+          </a:prstGeom>
+          <a:effectLst>
+            <a:outerShdw blurRad="50800" dist="38100" dir="13500000" algn="br" rotWithShape="0">
+              <a:prstClr val="black">
+                <a:alpha val="40000"/>
+              </a:prstClr>
+            </a:outerShdw>
+          </a:effectLst>
+        </p:spPr>
+      </p:pic>
+      <p:sp>
+        <p:nvSpPr>
+          <p:cNvPr id="90" name="Rectangle 89">
+            <a:extLst>
+              <a:ext uri="{FF2B5EF4-FFF2-40B4-BE49-F238E27FC236}">
+                <a16:creationId xmlns:a16="http://schemas.microsoft.com/office/drawing/2014/main" id="{2DA6BE68-C986-2360-0C2E-A796DDBA7A1F}"/>
+              </a:ext>
+            </a:extLst>
+          </p:cNvPr>
+          <p:cNvSpPr/>
+          <p:nvPr/>
+        </p:nvSpPr>
+        <p:spPr>
+          <a:xfrm>
+            <a:off x="5299081" y="4923445"/>
+            <a:ext cx="1237614" cy="1307692"/>
+          </a:xfrm>
+          <a:prstGeom prst="rect">
+            <a:avLst/>
+          </a:prstGeom>
+          <a:solidFill>
+            <a:schemeClr val="bg1"/>
+          </a:solidFill>
+          <a:ln w="12700">
+            <a:solidFill>
+              <a:srgbClr val="5B9CD5"/>
+            </a:solidFill>
+            <a:prstDash val="sysDash"/>
+          </a:ln>
+          <a:effectLst>
+            <a:outerShdw blurRad="50800" dist="38100" dir="13500000" algn="br" rotWithShape="0">
+              <a:prstClr val="black">
+                <a:alpha val="40000"/>
+              </a:prstClr>
+            </a:outerShdw>
+          </a:effectLst>
+        </p:spPr>
+        <p:style>
+          <a:lnRef idx="2">
+            <a:schemeClr val="accent1">
+              <a:shade val="50000"/>
+            </a:schemeClr>
+          </a:lnRef>
+          <a:fillRef idx="1">
+            <a:schemeClr val="accent1"/>
+          </a:fillRef>
+          <a:effectRef idx="0">
+            <a:schemeClr val="accent1"/>
+          </a:effectRef>
+          <a:fontRef idx="minor">
+            <a:schemeClr val="lt1"/>
+          </a:fontRef>
+        </p:style>
+        <p:txBody>
+          <a:bodyPr lIns="502920" tIns="91440"/>
+          <a:lstStyle/>
+          <a:p>
+            <a:pPr eaLnBrk="1" fontAlgn="auto" hangingPunct="1">
+              <a:spcBef>
+                <a:spcPts val="0"/>
+              </a:spcBef>
+              <a:spcAft>
+                <a:spcPts val="0"/>
+              </a:spcAft>
+              <a:defRPr/>
+            </a:pPr>
+            <a:r>
+              <a:rPr lang="en-US" sz="1200" dirty="0">
+                <a:solidFill>
+                  <a:srgbClr val="5B9CD5"/>
+                </a:solidFill>
+                <a:latin typeface="Arial" panose="020B0604020202020204" pitchFamily="34" charset="0"/>
+                <a:cs typeface="Arial" panose="020B0604020202020204" pitchFamily="34" charset="0"/>
+              </a:rPr>
+              <a:t>Region 2</a:t>
+            </a:r>
+          </a:p>
+        </p:txBody>
+      </p:sp>
+      <p:pic>
+        <p:nvPicPr>
+          <p:cNvPr id="92" name="Graphic 91">
+            <a:extLst>
+              <a:ext uri="{FF2B5EF4-FFF2-40B4-BE49-F238E27FC236}">
+                <a16:creationId xmlns:a16="http://schemas.microsoft.com/office/drawing/2014/main" id="{785BDAFF-B65A-4786-FC59-27DC2403D44B}"/>
+              </a:ext>
+            </a:extLst>
+          </p:cNvPr>
+          <p:cNvPicPr>
+            <a:picLocks noChangeAspect="1"/>
+          </p:cNvPicPr>
+          <p:nvPr/>
+        </p:nvPicPr>
+        <p:blipFill>
+          <a:blip r:embed="rId12">
+            <a:extLst>
+              <a:ext uri="{96DAC541-7B7A-43D3-8B79-37D633B846F1}">
+                <asvg:svgBlip xmlns:asvg="http://schemas.microsoft.com/office/drawing/2016/SVG/main" r:embed="rId13"/>
+              </a:ext>
+            </a:extLst>
+          </a:blip>
+          <a:stretch>
+            <a:fillRect/>
+          </a:stretch>
+        </p:blipFill>
+        <p:spPr>
+          <a:xfrm>
+            <a:off x="5295422" y="4914153"/>
+            <a:ext cx="442506" cy="391567"/>
+          </a:xfrm>
+          <a:prstGeom prst="rect">
+            <a:avLst/>
+          </a:prstGeom>
+          <a:effectLst>
+            <a:outerShdw blurRad="50800" dist="38100" dir="13500000" algn="br" rotWithShape="0">
+              <a:prstClr val="black">
+                <a:alpha val="40000"/>
+              </a:prstClr>
+            </a:outerShdw>
+          </a:effectLst>
+        </p:spPr>
+      </p:pic>
+      <p:sp>
+        <p:nvSpPr>
+          <p:cNvPr id="99" name="Rectangle 98">
+            <a:extLst>
+              <a:ext uri="{FF2B5EF4-FFF2-40B4-BE49-F238E27FC236}">
+                <a16:creationId xmlns:a16="http://schemas.microsoft.com/office/drawing/2014/main" id="{C03B0D71-46A9-CAB8-23CA-03441DD94C5D}"/>
+              </a:ext>
+            </a:extLst>
+          </p:cNvPr>
+          <p:cNvSpPr/>
+          <p:nvPr/>
+        </p:nvSpPr>
+        <p:spPr>
+          <a:xfrm>
+            <a:off x="5418263" y="5231603"/>
+            <a:ext cx="1206014" cy="1161769"/>
+          </a:xfrm>
+          <a:prstGeom prst="rect">
+            <a:avLst/>
+          </a:prstGeom>
+          <a:solidFill>
+            <a:schemeClr val="bg1"/>
+          </a:solidFill>
+          <a:ln w="12700">
+            <a:solidFill>
+              <a:srgbClr val="5B9CD5"/>
+            </a:solidFill>
+            <a:prstDash val="sysDash"/>
+          </a:ln>
+          <a:effectLst>
+            <a:outerShdw blurRad="50800" dist="38100" dir="13500000" algn="br" rotWithShape="0">
+              <a:prstClr val="black">
+                <a:alpha val="40000"/>
+              </a:prstClr>
+            </a:outerShdw>
+          </a:effectLst>
+        </p:spPr>
+        <p:style>
+          <a:lnRef idx="2">
+            <a:schemeClr val="accent1">
+              <a:shade val="50000"/>
+            </a:schemeClr>
+          </a:lnRef>
+          <a:fillRef idx="1">
+            <a:schemeClr val="accent1"/>
+          </a:fillRef>
+          <a:effectRef idx="0">
+            <a:schemeClr val="accent1"/>
+          </a:effectRef>
+          <a:fontRef idx="minor">
+            <a:schemeClr val="lt1"/>
+          </a:fontRef>
+        </p:style>
+        <p:txBody>
+          <a:bodyPr lIns="502920" tIns="91440"/>
+          <a:lstStyle/>
+          <a:p>
+            <a:pPr eaLnBrk="1" fontAlgn="auto" hangingPunct="1">
+              <a:spcBef>
+                <a:spcPts val="0"/>
+              </a:spcBef>
+              <a:spcAft>
+                <a:spcPts val="0"/>
+              </a:spcAft>
+              <a:defRPr/>
+            </a:pPr>
+            <a:r>
+              <a:rPr lang="en-US" sz="1200" dirty="0">
+                <a:solidFill>
+                  <a:srgbClr val="5B9CD5"/>
+                </a:solidFill>
+                <a:latin typeface="Arial" panose="020B0604020202020204" pitchFamily="34" charset="0"/>
+                <a:cs typeface="Arial" panose="020B0604020202020204" pitchFamily="34" charset="0"/>
+              </a:rPr>
+              <a:t>Region n</a:t>
+            </a:r>
+          </a:p>
+        </p:txBody>
+      </p:sp>
+      <p:pic>
+        <p:nvPicPr>
+          <p:cNvPr id="100" name="Graphic 99">
+            <a:extLst>
+              <a:ext uri="{FF2B5EF4-FFF2-40B4-BE49-F238E27FC236}">
+                <a16:creationId xmlns:a16="http://schemas.microsoft.com/office/drawing/2014/main" id="{09B9FC02-6DB1-64F6-F1FE-F7C189505576}"/>
+              </a:ext>
+            </a:extLst>
+          </p:cNvPr>
+          <p:cNvPicPr>
+            <a:picLocks noChangeAspect="1"/>
+          </p:cNvPicPr>
+          <p:nvPr/>
+        </p:nvPicPr>
+        <p:blipFill>
+          <a:blip r:embed="rId12">
+            <a:extLst>
+              <a:ext uri="{96DAC541-7B7A-43D3-8B79-37D633B846F1}">
+                <asvg:svgBlip xmlns:asvg="http://schemas.microsoft.com/office/drawing/2016/SVG/main" r:embed="rId13"/>
+              </a:ext>
+            </a:extLst>
+          </a:blip>
+          <a:stretch>
+            <a:fillRect/>
+          </a:stretch>
+        </p:blipFill>
+        <p:spPr>
+          <a:xfrm>
+            <a:off x="5418262" y="5237417"/>
+            <a:ext cx="442506" cy="391567"/>
+          </a:xfrm>
+          <a:prstGeom prst="rect">
+            <a:avLst/>
+          </a:prstGeom>
+          <a:effectLst>
+            <a:outerShdw blurRad="50800" dist="38100" dir="13500000" algn="br" rotWithShape="0">
+              <a:prstClr val="black">
+                <a:alpha val="40000"/>
+              </a:prstClr>
+            </a:outerShdw>
+          </a:effectLst>
+        </p:spPr>
+      </p:pic>
+      <p:sp>
+        <p:nvSpPr>
+          <p:cNvPr id="101" name="TextBox 100">
+            <a:extLst>
+              <a:ext uri="{FF2B5EF4-FFF2-40B4-BE49-F238E27FC236}">
+                <a16:creationId xmlns:a16="http://schemas.microsoft.com/office/drawing/2014/main" id="{A74ADE8E-4897-0A9C-D8A6-B3A0F7DEDAFF}"/>
+              </a:ext>
+            </a:extLst>
+          </p:cNvPr>
+          <p:cNvSpPr txBox="1"/>
+          <p:nvPr/>
+        </p:nvSpPr>
+        <p:spPr>
+          <a:xfrm>
+            <a:off x="5532799" y="6135697"/>
+            <a:ext cx="1047687" cy="261610"/>
+          </a:xfrm>
+          <a:prstGeom prst="rect">
+            <a:avLst/>
+          </a:prstGeom>
+          <a:noFill/>
+        </p:spPr>
+        <p:txBody>
+          <a:bodyPr wrap="square" rtlCol="0">
+            <a:spAutoFit/>
+          </a:bodyPr>
+          <a:lstStyle/>
+          <a:p>
+            <a:pPr algn="ctr"/>
+            <a:r>
+              <a:rPr lang="en-US" sz="1100" dirty="0">
+                <a:latin typeface="Arial" panose="020B0604020202020204" pitchFamily="34" charset="0"/>
+                <a:cs typeface="Arial" panose="020B0604020202020204" pitchFamily="34" charset="0"/>
+              </a:rPr>
+              <a:t>Guard Duty</a:t>
+            </a:r>
+          </a:p>
+        </p:txBody>
+      </p:sp>
+      <p:pic>
+        <p:nvPicPr>
+          <p:cNvPr id="102" name="Graphic 19">
+            <a:extLst>
+              <a:ext uri="{FF2B5EF4-FFF2-40B4-BE49-F238E27FC236}">
+                <a16:creationId xmlns:a16="http://schemas.microsoft.com/office/drawing/2014/main" id="{621DEF7E-E8DA-2C74-63FF-AD8374EE5668}"/>
+              </a:ext>
+            </a:extLst>
+          </p:cNvPr>
+          <p:cNvPicPr>
+            <a:picLocks noChangeAspect="1" noChangeArrowheads="1"/>
+          </p:cNvPicPr>
+          <p:nvPr/>
+        </p:nvPicPr>
+        <p:blipFill>
+          <a:blip r:embed="rId15">
+            <a:extLst>
+              <a:ext uri="{28A0092B-C50C-407E-A947-70E740481C1C}">
+                <a14:useLocalDpi xmlns:a14="http://schemas.microsoft.com/office/drawing/2010/main" val="0"/>
+              </a:ext>
+            </a:extLst>
+          </a:blip>
+          <a:srcRect/>
+          <a:stretch>
+            <a:fillRect/>
+          </a:stretch>
+        </p:blipFill>
+        <p:spPr bwMode="auto">
+          <a:xfrm>
+            <a:off x="5828043" y="5695926"/>
+            <a:ext cx="457200" cy="457200"/>
+          </a:xfrm>
+          <a:prstGeom prst="rect">
+            <a:avLst/>
+          </a:prstGeom>
+          <a:noFill/>
+          <a:ln>
+            <a:noFill/>
+          </a:ln>
+          <a:extLst>
+            <a:ext uri="{909E8E84-426E-40DD-AFC4-6F175D3DCCD1}">
+              <a14:hiddenFill xmlns:a14="http://schemas.microsoft.com/office/drawing/2010/main">
+                <a:solidFill>
+                  <a:srgbClr val="FFFFFF"/>
+                </a:solidFill>
+              </a14:hiddenFill>
+            </a:ext>
+            <a:ext uri="{91240B29-F687-4F45-9708-019B960494DF}">
+              <a14:hiddenLine xmlns:a14="http://schemas.microsoft.com/office/drawing/2010/main" w="9525">
+                <a:solidFill>
+                  <a:srgbClr val="000000"/>
+                </a:solidFill>
+                <a:miter lim="800000"/>
+                <a:headEnd/>
+                <a:tailEnd/>
+              </a14:hiddenLine>
+            </a:ext>
+          </a:extLst>
+        </p:spPr>
+      </p:pic>
+      <p:sp>
+        <p:nvSpPr>
+          <p:cNvPr id="103" name="Oval 102">
+            <a:extLst>
+              <a:ext uri="{FF2B5EF4-FFF2-40B4-BE49-F238E27FC236}">
+                <a16:creationId xmlns:a16="http://schemas.microsoft.com/office/drawing/2014/main" id="{D000C133-7003-8DB2-4FC0-1B41AED12236}"/>
+              </a:ext>
+            </a:extLst>
+          </p:cNvPr>
+          <p:cNvSpPr/>
+          <p:nvPr/>
+        </p:nvSpPr>
+        <p:spPr>
+          <a:xfrm>
+            <a:off x="5703982" y="5651935"/>
+            <a:ext cx="253435" cy="212902"/>
+          </a:xfrm>
+          <a:prstGeom prst="ellipse">
+            <a:avLst/>
+          </a:prstGeom>
+          <a:solidFill>
+            <a:schemeClr val="tx1"/>
+          </a:solidFill>
+          <a:ln>
+            <a:solidFill>
+              <a:schemeClr val="tx1"/>
+            </a:solidFill>
+          </a:ln>
+        </p:spPr>
+        <p:style>
+          <a:lnRef idx="2">
+            <a:schemeClr val="accent1">
+              <a:shade val="50000"/>
+            </a:schemeClr>
+          </a:lnRef>
+          <a:fillRef idx="1">
+            <a:schemeClr val="accent1"/>
+          </a:fillRef>
+          <a:effectRef idx="0">
+            <a:schemeClr val="accent1"/>
+          </a:effectRef>
+          <a:fontRef idx="minor">
+            <a:schemeClr val="lt1"/>
+          </a:fontRef>
+        </p:style>
+        <p:txBody>
+          <a:bodyPr lIns="0" tIns="0" rIns="0" bIns="0" rtlCol="0" anchor="ctr"/>
+          <a:lstStyle/>
+          <a:p>
+            <a:pPr algn="ctr"/>
+            <a:r>
+              <a:rPr lang="en-US" sz="800" dirty="0">
+                <a:latin typeface="Arial" panose="020B0604020202020204" pitchFamily="34" charset="0"/>
+                <a:cs typeface="Arial" panose="020B0604020202020204" pitchFamily="34" charset="0"/>
+              </a:rPr>
+              <a:t>3.3</a:t>
+            </a:r>
+          </a:p>
+        </p:txBody>
+      </p:sp>
+      <p:sp>
+        <p:nvSpPr>
+          <p:cNvPr id="104" name="TextBox 103">
+            <a:extLst>
+              <a:ext uri="{FF2B5EF4-FFF2-40B4-BE49-F238E27FC236}">
+                <a16:creationId xmlns:a16="http://schemas.microsoft.com/office/drawing/2014/main" id="{FAA82B51-6E98-0AF9-5BD6-B0B4BEC402B7}"/>
+              </a:ext>
+            </a:extLst>
+          </p:cNvPr>
+          <p:cNvSpPr txBox="1"/>
+          <p:nvPr/>
+        </p:nvSpPr>
+        <p:spPr>
+          <a:xfrm>
+            <a:off x="1113487" y="3664073"/>
+            <a:ext cx="1103001" cy="261610"/>
+          </a:xfrm>
+          <a:prstGeom prst="rect">
+            <a:avLst/>
+          </a:prstGeom>
+          <a:noFill/>
+        </p:spPr>
+        <p:txBody>
+          <a:bodyPr wrap="square" rtlCol="0">
+            <a:spAutoFit/>
+          </a:bodyPr>
+          <a:lstStyle/>
+          <a:p>
+            <a:pPr algn="ctr"/>
+            <a:r>
+              <a:rPr lang="en-US" sz="1100" dirty="0">
+                <a:latin typeface="Arial" panose="020B0604020202020204" pitchFamily="34" charset="0"/>
+                <a:cs typeface="Arial" panose="020B0604020202020204" pitchFamily="34" charset="0"/>
+              </a:rPr>
+              <a:t>Lambda Role</a:t>
+            </a:r>
+          </a:p>
+        </p:txBody>
+      </p:sp>
+      <p:pic>
+        <p:nvPicPr>
+          <p:cNvPr id="105" name="Graphic 104">
+            <a:extLst>
+              <a:ext uri="{FF2B5EF4-FFF2-40B4-BE49-F238E27FC236}">
+                <a16:creationId xmlns:a16="http://schemas.microsoft.com/office/drawing/2014/main" id="{D19144BD-63B5-E1C9-A3D2-74AAD0B20668}"/>
+              </a:ext>
+            </a:extLst>
+          </p:cNvPr>
+          <p:cNvPicPr>
+            <a:picLocks noChangeAspect="1"/>
+          </p:cNvPicPr>
+          <p:nvPr/>
+        </p:nvPicPr>
+        <p:blipFill>
+          <a:blip r:embed="rId18">
+            <a:extLst>
+              <a:ext uri="{96DAC541-7B7A-43D3-8B79-37D633B846F1}">
+                <asvg:svgBlip xmlns:asvg="http://schemas.microsoft.com/office/drawing/2016/SVG/main" r:embed="rId19"/>
+              </a:ext>
+            </a:extLst>
+          </a:blip>
+          <a:stretch>
+            <a:fillRect/>
+          </a:stretch>
+        </p:blipFill>
+        <p:spPr>
+          <a:xfrm>
+            <a:off x="1434619" y="3296398"/>
+            <a:ext cx="469900" cy="469900"/>
+          </a:xfrm>
+          <a:prstGeom prst="rect">
+            <a:avLst/>
+          </a:prstGeom>
+        </p:spPr>
+      </p:pic>
+      <p:sp>
+        <p:nvSpPr>
+          <p:cNvPr id="106" name="Oval 105">
+            <a:extLst>
+              <a:ext uri="{FF2B5EF4-FFF2-40B4-BE49-F238E27FC236}">
+                <a16:creationId xmlns:a16="http://schemas.microsoft.com/office/drawing/2014/main" id="{B7A286B3-F820-D194-7FD8-80A1575FB798}"/>
+              </a:ext>
+            </a:extLst>
+          </p:cNvPr>
+          <p:cNvSpPr/>
+          <p:nvPr/>
+        </p:nvSpPr>
+        <p:spPr>
+          <a:xfrm>
+            <a:off x="1231467" y="3339653"/>
+            <a:ext cx="253435" cy="212902"/>
+          </a:xfrm>
+          <a:prstGeom prst="ellipse">
+            <a:avLst/>
+          </a:prstGeom>
+          <a:solidFill>
+            <a:schemeClr val="tx1"/>
+          </a:solidFill>
+          <a:ln>
+            <a:solidFill>
+              <a:schemeClr val="tx1"/>
+            </a:solidFill>
+          </a:ln>
+        </p:spPr>
+        <p:style>
+          <a:lnRef idx="2">
+            <a:schemeClr val="accent1">
+              <a:shade val="50000"/>
+            </a:schemeClr>
+          </a:lnRef>
+          <a:fillRef idx="1">
+            <a:schemeClr val="accent1"/>
+          </a:fillRef>
+          <a:effectRef idx="0">
+            <a:schemeClr val="accent1"/>
+          </a:effectRef>
+          <a:fontRef idx="minor">
+            <a:schemeClr val="lt1"/>
+          </a:fontRef>
+        </p:style>
+        <p:txBody>
+          <a:bodyPr lIns="0" tIns="0" rIns="0" bIns="0" rtlCol="0" anchor="ctr"/>
+          <a:lstStyle/>
+          <a:p>
+            <a:pPr algn="ctr"/>
+            <a:r>
+              <a:rPr lang="en-US" sz="800" dirty="0">
+                <a:latin typeface="Arial" panose="020B0604020202020204" pitchFamily="34" charset="0"/>
+                <a:cs typeface="Arial" panose="020B0604020202020204" pitchFamily="34" charset="0"/>
+              </a:rPr>
+              <a:t>1.2</a:t>
+            </a:r>
+          </a:p>
+        </p:txBody>
+      </p:sp>
+      <p:sp>
+        <p:nvSpPr>
+          <p:cNvPr id="107" name="Oval 106">
+            <a:extLst>
+              <a:ext uri="{FF2B5EF4-FFF2-40B4-BE49-F238E27FC236}">
+                <a16:creationId xmlns:a16="http://schemas.microsoft.com/office/drawing/2014/main" id="{8BBC7CF4-794C-9333-328A-8A5B04CA2725}"/>
+              </a:ext>
+            </a:extLst>
+          </p:cNvPr>
+          <p:cNvSpPr/>
+          <p:nvPr/>
+        </p:nvSpPr>
+        <p:spPr>
+          <a:xfrm>
+            <a:off x="718742" y="4561011"/>
+            <a:ext cx="253435" cy="212902"/>
+          </a:xfrm>
+          <a:prstGeom prst="ellipse">
+            <a:avLst/>
+          </a:prstGeom>
+          <a:solidFill>
+            <a:schemeClr val="tx1"/>
+          </a:solidFill>
+          <a:ln>
+            <a:solidFill>
+              <a:schemeClr val="tx1"/>
+            </a:solidFill>
+          </a:ln>
+        </p:spPr>
+        <p:style>
+          <a:lnRef idx="2">
+            <a:schemeClr val="accent1">
+              <a:shade val="50000"/>
+            </a:schemeClr>
+          </a:lnRef>
+          <a:fillRef idx="1">
+            <a:schemeClr val="accent1"/>
+          </a:fillRef>
+          <a:effectRef idx="0">
+            <a:schemeClr val="accent1"/>
+          </a:effectRef>
+          <a:fontRef idx="minor">
+            <a:schemeClr val="lt1"/>
+          </a:fontRef>
+        </p:style>
+        <p:txBody>
+          <a:bodyPr lIns="0" tIns="0" rIns="0" bIns="0" rtlCol="0" anchor="ctr"/>
+          <a:lstStyle/>
+          <a:p>
+            <a:pPr algn="ctr"/>
+            <a:r>
+              <a:rPr lang="en-US" sz="800" dirty="0">
+                <a:latin typeface="Arial" panose="020B0604020202020204" pitchFamily="34" charset="0"/>
+                <a:cs typeface="Arial" panose="020B0604020202020204" pitchFamily="34" charset="0"/>
+              </a:rPr>
+              <a:t>3.0</a:t>
+            </a:r>
+          </a:p>
+        </p:txBody>
+      </p:sp>
+      <p:sp>
+        <p:nvSpPr>
+          <p:cNvPr id="188" name="Oval 187">
+            <a:extLst>
+              <a:ext uri="{FF2B5EF4-FFF2-40B4-BE49-F238E27FC236}">
+                <a16:creationId xmlns:a16="http://schemas.microsoft.com/office/drawing/2014/main" id="{C2221D33-75AF-432C-B6AB-D1DB0348201A}"/>
+              </a:ext>
+            </a:extLst>
+          </p:cNvPr>
+          <p:cNvSpPr/>
+          <p:nvPr/>
+        </p:nvSpPr>
+        <p:spPr>
+          <a:xfrm>
+            <a:off x="2380905" y="2630834"/>
+            <a:ext cx="253435" cy="212902"/>
+          </a:xfrm>
+          <a:prstGeom prst="ellipse">
+            <a:avLst/>
+          </a:prstGeom>
+          <a:solidFill>
+            <a:schemeClr val="tx1"/>
+          </a:solidFill>
+          <a:ln>
+            <a:solidFill>
+              <a:schemeClr val="tx1"/>
+            </a:solidFill>
+          </a:ln>
+        </p:spPr>
+        <p:style>
+          <a:lnRef idx="2">
+            <a:schemeClr val="accent1">
+              <a:shade val="50000"/>
+            </a:schemeClr>
+          </a:lnRef>
+          <a:fillRef idx="1">
+            <a:schemeClr val="accent1"/>
+          </a:fillRef>
+          <a:effectRef idx="0">
+            <a:schemeClr val="accent1"/>
+          </a:effectRef>
+          <a:fontRef idx="minor">
+            <a:schemeClr val="lt1"/>
+          </a:fontRef>
+        </p:style>
+        <p:txBody>
+          <a:bodyPr lIns="0" tIns="0" rIns="0" bIns="0" rtlCol="0" anchor="ctr"/>
+          <a:lstStyle/>
+          <a:p>
+            <a:pPr algn="ctr"/>
+            <a:r>
+              <a:rPr lang="en-US" sz="800" dirty="0">
+                <a:latin typeface="Arial" panose="020B0604020202020204" pitchFamily="34" charset="0"/>
+                <a:cs typeface="Arial" panose="020B0604020202020204" pitchFamily="34" charset="0"/>
+              </a:rPr>
+              <a:t>1.8</a:t>
+            </a:r>
+          </a:p>
+        </p:txBody>
+      </p:sp>
+      <p:sp>
+        <p:nvSpPr>
+          <p:cNvPr id="133" name="Oval 132">
+            <a:extLst>
+              <a:ext uri="{FF2B5EF4-FFF2-40B4-BE49-F238E27FC236}">
+                <a16:creationId xmlns:a16="http://schemas.microsoft.com/office/drawing/2014/main" id="{40C04EF0-8999-4E87-9938-BB23E34A77B4}"/>
+              </a:ext>
+            </a:extLst>
+          </p:cNvPr>
+          <p:cNvSpPr/>
+          <p:nvPr/>
+        </p:nvSpPr>
+        <p:spPr>
+          <a:xfrm>
+            <a:off x="3467913" y="3108111"/>
+            <a:ext cx="253435" cy="212902"/>
+          </a:xfrm>
+          <a:prstGeom prst="ellipse">
+            <a:avLst/>
+          </a:prstGeom>
+          <a:solidFill>
+            <a:schemeClr val="tx1"/>
+          </a:solidFill>
+          <a:ln>
+            <a:solidFill>
+              <a:schemeClr val="tx1"/>
+            </a:solidFill>
+          </a:ln>
+        </p:spPr>
+        <p:style>
+          <a:lnRef idx="2">
+            <a:schemeClr val="accent1">
+              <a:shade val="50000"/>
+            </a:schemeClr>
+          </a:lnRef>
+          <a:fillRef idx="1">
+            <a:schemeClr val="accent1"/>
+          </a:fillRef>
+          <a:effectRef idx="0">
+            <a:schemeClr val="accent1"/>
+          </a:effectRef>
+          <a:fontRef idx="minor">
+            <a:schemeClr val="lt1"/>
+          </a:fontRef>
+        </p:style>
+        <p:txBody>
+          <a:bodyPr lIns="0" tIns="0" rIns="0" bIns="0" rtlCol="0" anchor="ctr"/>
+          <a:lstStyle/>
+          <a:p>
+            <a:pPr algn="ctr"/>
+            <a:r>
+              <a:rPr lang="en-US" sz="800" dirty="0">
+                <a:latin typeface="Arial" panose="020B0604020202020204" pitchFamily="34" charset="0"/>
+                <a:cs typeface="Arial" panose="020B0604020202020204" pitchFamily="34" charset="0"/>
+              </a:rPr>
+              <a:t>1.3</a:t>
+            </a:r>
+          </a:p>
+        </p:txBody>
+      </p:sp>
+      <p:cxnSp>
+        <p:nvCxnSpPr>
+          <p:cNvPr id="13" name="Straight Arrow Connector 12">
+            <a:extLst>
+              <a:ext uri="{FF2B5EF4-FFF2-40B4-BE49-F238E27FC236}">
+                <a16:creationId xmlns:a16="http://schemas.microsoft.com/office/drawing/2014/main" id="{44BA7D71-1277-AC0A-95CF-F3E8F899F429}"/>
+              </a:ext>
+            </a:extLst>
+          </p:cNvPr>
+          <p:cNvCxnSpPr>
+            <a:cxnSpLocks/>
+          </p:cNvCxnSpPr>
+          <p:nvPr/>
+        </p:nvCxnSpPr>
+        <p:spPr>
+          <a:xfrm flipV="1">
+            <a:off x="4031473" y="2358903"/>
+            <a:ext cx="660788" cy="3418"/>
+          </a:xfrm>
+          <a:prstGeom prst="straightConnector1">
+            <a:avLst/>
+          </a:prstGeom>
+          <a:ln>
+            <a:tailEnd type="triangle"/>
+          </a:ln>
+        </p:spPr>
+        <p:style>
+          <a:lnRef idx="1">
+            <a:schemeClr val="dk1"/>
+          </a:lnRef>
+          <a:fillRef idx="0">
+            <a:schemeClr val="dk1"/>
+          </a:fillRef>
+          <a:effectRef idx="0">
+            <a:schemeClr val="dk1"/>
+          </a:effectRef>
+          <a:fontRef idx="minor">
+            <a:schemeClr val="tx1"/>
+          </a:fontRef>
+        </p:style>
+      </p:cxnSp>
+    </p:spTree>
+    <p:extLst>
+      <p:ext uri="{BB962C8B-B14F-4D97-AF65-F5344CB8AC3E}">
+        <p14:creationId xmlns:p14="http://schemas.microsoft.com/office/powerpoint/2010/main" val="1794948680"/>
       </p:ext>
     </p:extLst>
   </p:cSld>
